--- a/Präsentation/Zwischenpräsentation.pptx
+++ b/Präsentation/Zwischenpräsentation.pptx
@@ -8,9 +8,10 @@
     <p:sldId id="256" r:id="rId2"/>
     <p:sldId id="257" r:id="rId3"/>
     <p:sldId id="258" r:id="rId4"/>
-    <p:sldId id="259" r:id="rId5"/>
-    <p:sldId id="260" r:id="rId6"/>
-    <p:sldId id="261" r:id="rId7"/>
+    <p:sldId id="262" r:id="rId5"/>
+    <p:sldId id="259" r:id="rId6"/>
+    <p:sldId id="260" r:id="rId7"/>
+    <p:sldId id="261" r:id="rId8"/>
   </p:sldIdLst>
   <p:sldSz cx="12192000" cy="6858000"/>
   <p:notesSz cx="6858000" cy="9144000"/>
@@ -266,7 +267,7 @@
           <a:p>
             <a:fld id="{CA877428-42F7-4241-8EA8-9490373D402E}" type="datetimeFigureOut">
               <a:rPr lang="de-CH" smtClean="0"/>
-              <a:t>04.04.2019</a:t>
+              <a:t>06.04.2019</a:t>
             </a:fld>
             <a:endParaRPr lang="de-CH"/>
           </a:p>
@@ -466,7 +467,7 @@
           <a:p>
             <a:fld id="{CA877428-42F7-4241-8EA8-9490373D402E}" type="datetimeFigureOut">
               <a:rPr lang="de-CH" smtClean="0"/>
-              <a:t>04.04.2019</a:t>
+              <a:t>06.04.2019</a:t>
             </a:fld>
             <a:endParaRPr lang="de-CH"/>
           </a:p>
@@ -676,7 +677,7 @@
           <a:p>
             <a:fld id="{CA877428-42F7-4241-8EA8-9490373D402E}" type="datetimeFigureOut">
               <a:rPr lang="de-CH" smtClean="0"/>
-              <a:t>04.04.2019</a:t>
+              <a:t>06.04.2019</a:t>
             </a:fld>
             <a:endParaRPr lang="de-CH"/>
           </a:p>
@@ -876,7 +877,7 @@
           <a:p>
             <a:fld id="{CA877428-42F7-4241-8EA8-9490373D402E}" type="datetimeFigureOut">
               <a:rPr lang="de-CH" smtClean="0"/>
-              <a:t>04.04.2019</a:t>
+              <a:t>06.04.2019</a:t>
             </a:fld>
             <a:endParaRPr lang="de-CH"/>
           </a:p>
@@ -1152,7 +1153,7 @@
           <a:p>
             <a:fld id="{CA877428-42F7-4241-8EA8-9490373D402E}" type="datetimeFigureOut">
               <a:rPr lang="de-CH" smtClean="0"/>
-              <a:t>04.04.2019</a:t>
+              <a:t>06.04.2019</a:t>
             </a:fld>
             <a:endParaRPr lang="de-CH"/>
           </a:p>
@@ -1420,7 +1421,7 @@
           <a:p>
             <a:fld id="{CA877428-42F7-4241-8EA8-9490373D402E}" type="datetimeFigureOut">
               <a:rPr lang="de-CH" smtClean="0"/>
-              <a:t>04.04.2019</a:t>
+              <a:t>06.04.2019</a:t>
             </a:fld>
             <a:endParaRPr lang="de-CH"/>
           </a:p>
@@ -1835,7 +1836,7 @@
           <a:p>
             <a:fld id="{CA877428-42F7-4241-8EA8-9490373D402E}" type="datetimeFigureOut">
               <a:rPr lang="de-CH" smtClean="0"/>
-              <a:t>04.04.2019</a:t>
+              <a:t>06.04.2019</a:t>
             </a:fld>
             <a:endParaRPr lang="de-CH"/>
           </a:p>
@@ -1977,7 +1978,7 @@
           <a:p>
             <a:fld id="{CA877428-42F7-4241-8EA8-9490373D402E}" type="datetimeFigureOut">
               <a:rPr lang="de-CH" smtClean="0"/>
-              <a:t>04.04.2019</a:t>
+              <a:t>06.04.2019</a:t>
             </a:fld>
             <a:endParaRPr lang="de-CH"/>
           </a:p>
@@ -2090,7 +2091,7 @@
           <a:p>
             <a:fld id="{CA877428-42F7-4241-8EA8-9490373D402E}" type="datetimeFigureOut">
               <a:rPr lang="de-CH" smtClean="0"/>
-              <a:t>04.04.2019</a:t>
+              <a:t>06.04.2019</a:t>
             </a:fld>
             <a:endParaRPr lang="de-CH"/>
           </a:p>
@@ -2403,7 +2404,7 @@
           <a:p>
             <a:fld id="{CA877428-42F7-4241-8EA8-9490373D402E}" type="datetimeFigureOut">
               <a:rPr lang="de-CH" smtClean="0"/>
-              <a:t>04.04.2019</a:t>
+              <a:t>06.04.2019</a:t>
             </a:fld>
             <a:endParaRPr lang="de-CH"/>
           </a:p>
@@ -2692,7 +2693,7 @@
           <a:p>
             <a:fld id="{CA877428-42F7-4241-8EA8-9490373D402E}" type="datetimeFigureOut">
               <a:rPr lang="de-CH" smtClean="0"/>
-              <a:t>04.04.2019</a:t>
+              <a:t>06.04.2019</a:t>
             </a:fld>
             <a:endParaRPr lang="de-CH"/>
           </a:p>
@@ -2769,9 +2770,21 @@
 <p:sldMaster xmlns:a="http://schemas.openxmlformats.org/drawingml/2006/main" xmlns:r="http://schemas.openxmlformats.org/officeDocument/2006/relationships" xmlns:p="http://schemas.openxmlformats.org/presentationml/2006/main">
   <p:cSld>
     <p:bg>
-      <p:bgRef idx="1001">
-        <a:schemeClr val="bg1"/>
-      </p:bgRef>
+      <p:bgPr>
+        <a:gradFill flip="none" rotWithShape="1">
+          <a:gsLst>
+            <a:gs pos="75000">
+              <a:srgbClr val="EEDD14"/>
+            </a:gs>
+            <a:gs pos="16000">
+              <a:schemeClr val="bg1"/>
+            </a:gs>
+          </a:gsLst>
+          <a:lin ang="16200000" scaled="1"/>
+          <a:tileRect/>
+        </a:gradFill>
+        <a:effectLst/>
+      </p:bgPr>
     </p:bg>
     <p:spTree>
       <p:nvGrpSpPr>
@@ -2935,7 +2948,7 @@
           <a:p>
             <a:fld id="{CA877428-42F7-4241-8EA8-9490373D402E}" type="datetimeFigureOut">
               <a:rPr lang="de-CH" smtClean="0"/>
-              <a:t>04.04.2019</a:t>
+              <a:t>06.04.2019</a:t>
             </a:fld>
             <a:endParaRPr lang="de-CH"/>
           </a:p>
@@ -3381,14 +3394,23 @@
           <a:lstStyle/>
           <a:p>
             <a:r>
-              <a:rPr lang="de-CH" i="1" u="sng" dirty="0"/>
-              <a:t>Zwischenpräsentation</a:t>
+              <a:rPr lang="de-CH" i="1" u="sng" dirty="0">
+                <a:latin typeface="Arial" panose="020B0604020202020204" pitchFamily="34" charset="0"/>
+                <a:cs typeface="Arial" panose="020B0604020202020204" pitchFamily="34" charset="0"/>
+              </a:rPr>
+              <a:t>Zwischenpräsentation </a:t>
             </a:r>
             <a:br>
-              <a:rPr lang="de-CH" i="1" u="sng" dirty="0"/>
+              <a:rPr lang="de-CH" i="1" u="sng" dirty="0">
+                <a:latin typeface="Arial" panose="020B0604020202020204" pitchFamily="34" charset="0"/>
+                <a:cs typeface="Arial" panose="020B0604020202020204" pitchFamily="34" charset="0"/>
+              </a:rPr>
             </a:br>
             <a:r>
-              <a:rPr lang="de-CH" i="1" u="sng" dirty="0"/>
+              <a:rPr lang="de-CH" i="1" u="sng" dirty="0">
+                <a:latin typeface="Arial" panose="020B0604020202020204" pitchFamily="34" charset="0"/>
+                <a:cs typeface="Arial" panose="020B0604020202020204" pitchFamily="34" charset="0"/>
+              </a:rPr>
               <a:t>Projekt 2</a:t>
             </a:r>
           </a:p>
@@ -3396,10 +3418,10 @@
       </p:sp>
       <p:pic>
         <p:nvPicPr>
-          <p:cNvPr id="5" name="Grafik 4">
-            <a:extLst>
-              <a:ext uri="{FF2B5EF4-FFF2-40B4-BE49-F238E27FC236}">
-                <a16:creationId xmlns:a16="http://schemas.microsoft.com/office/drawing/2014/main" id="{A47C9BAE-F933-4C05-9556-99A2DE49AF06}"/>
+          <p:cNvPr id="7" name="Grafik 6">
+            <a:extLst>
+              <a:ext uri="{FF2B5EF4-FFF2-40B4-BE49-F238E27FC236}">
+                <a16:creationId xmlns:a16="http://schemas.microsoft.com/office/drawing/2014/main" id="{92E2AD0C-3432-45AB-BE6E-5B6F67BDFAF8}"/>
               </a:ext>
             </a:extLst>
           </p:cNvPr>
@@ -3422,8 +3444,8 @@
         </p:blipFill>
         <p:spPr>
           <a:xfrm>
-            <a:off x="9258227" y="0"/>
-            <a:ext cx="2819545" cy="1638384"/>
+            <a:off x="9469120" y="-22890"/>
+            <a:ext cx="2722880" cy="1910025"/>
           </a:xfrm>
           <a:prstGeom prst="rect">
             <a:avLst/>
@@ -3476,13 +3498,23 @@
             <p:ph type="title"/>
           </p:nvPr>
         </p:nvSpPr>
-        <p:spPr/>
-        <p:txBody>
-          <a:bodyPr/>
-          <a:lstStyle/>
-          <a:p>
-            <a:r>
-              <a:rPr lang="de-CH" dirty="0"/>
+        <p:spPr>
+          <a:xfrm>
+            <a:off x="838200" y="294005"/>
+            <a:ext cx="10515600" cy="1325563"/>
+          </a:xfrm>
+        </p:spPr>
+        <p:txBody>
+          <a:bodyPr>
+            <a:normAutofit/>
+          </a:bodyPr>
+          <a:lstStyle/>
+          <a:p>
+            <a:r>
+              <a:rPr lang="de-CH" sz="6000" dirty="0">
+                <a:latin typeface="Arial" panose="020B0604020202020204" pitchFamily="34" charset="0"/>
+                <a:cs typeface="Arial" panose="020B0604020202020204" pitchFamily="34" charset="0"/>
+              </a:rPr>
               <a:t>Ablauf</a:t>
             </a:r>
           </a:p>
@@ -3510,31 +3542,25 @@
           <a:lstStyle/>
           <a:p>
             <a:r>
-              <a:rPr lang="de-CH" dirty="0"/>
+              <a:rPr lang="de-CH" sz="4400" dirty="0"/>
               <a:t>Einleitung </a:t>
             </a:r>
           </a:p>
           <a:p>
             <a:r>
-              <a:rPr lang="de-CH" dirty="0"/>
+              <a:rPr lang="de-CH" sz="4400" dirty="0"/>
               <a:t>Organisation</a:t>
             </a:r>
           </a:p>
           <a:p>
             <a:r>
-              <a:rPr lang="de-CH" dirty="0"/>
+              <a:rPr lang="de-CH" sz="4400" dirty="0"/>
               <a:t>Softwarekonzept</a:t>
             </a:r>
           </a:p>
           <a:p>
             <a:r>
-              <a:rPr lang="de-CH" dirty="0"/>
-              <a:t>Elektrotechnik</a:t>
-            </a:r>
-          </a:p>
-          <a:p>
-            <a:r>
-              <a:rPr lang="de-CH" dirty="0"/>
+              <a:rPr lang="de-CH" sz="4400" dirty="0"/>
               <a:t>Schluss</a:t>
             </a:r>
           </a:p>
@@ -3694,7 +3720,7 @@
           <p:cNvPr id="2" name="Titel 1">
             <a:extLst>
               <a:ext uri="{FF2B5EF4-FFF2-40B4-BE49-F238E27FC236}">
-                <a16:creationId xmlns:a16="http://schemas.microsoft.com/office/drawing/2014/main" id="{4C6E9AF3-06BD-4DB5-83D8-A9B9B2533B5F}"/>
+                <a16:creationId xmlns:a16="http://schemas.microsoft.com/office/drawing/2014/main" id="{C2B6382B-B054-4565-9970-6932A31FA609}"/>
               </a:ext>
             </a:extLst>
           </p:cNvPr>
@@ -3710,10 +3736,7 @@
           <a:bodyPr/>
           <a:lstStyle/>
           <a:p>
-            <a:r>
-              <a:rPr lang="de-CH" dirty="0"/>
-              <a:t>Software</a:t>
-            </a:r>
+            <a:endParaRPr lang="de-CH"/>
           </a:p>
         </p:txBody>
       </p:sp>
@@ -3722,7 +3745,7 @@
           <p:cNvPr id="3" name="Inhaltsplatzhalter 2">
             <a:extLst>
               <a:ext uri="{FF2B5EF4-FFF2-40B4-BE49-F238E27FC236}">
-                <a16:creationId xmlns:a16="http://schemas.microsoft.com/office/drawing/2014/main" id="{07BF12CA-C715-4DE7-A2E5-236685DDBCFD}"/>
+                <a16:creationId xmlns:a16="http://schemas.microsoft.com/office/drawing/2014/main" id="{99CC0260-5AB0-4F5A-BA3A-8B2E4B62C691}"/>
               </a:ext>
             </a:extLst>
           </p:cNvPr>
@@ -3738,38 +3761,14 @@
           <a:bodyPr/>
           <a:lstStyle/>
           <a:p>
-            <a:r>
-              <a:rPr lang="de-CH" dirty="0"/>
-              <a:t>Vorstellung des Konzepts</a:t>
-            </a:r>
-          </a:p>
-          <a:p>
-            <a:r>
-              <a:rPr lang="de-CH" dirty="0"/>
-              <a:t>Funktionen der Software</a:t>
-            </a:r>
-          </a:p>
-          <a:p>
-            <a:r>
-              <a:rPr lang="de-CH" dirty="0"/>
-              <a:t>Der aktuelle Stand (GUI zeigen)</a:t>
-            </a:r>
-          </a:p>
-          <a:p>
-            <a:pPr marL="0" indent="0">
-              <a:buNone/>
-            </a:pPr>
-            <a:endParaRPr lang="de-CH" dirty="0"/>
-          </a:p>
-          <a:p>
-            <a:endParaRPr lang="de-CH" dirty="0"/>
+            <a:endParaRPr lang="de-CH"/>
           </a:p>
         </p:txBody>
       </p:sp>
     </p:spTree>
     <p:extLst>
       <p:ext uri="{BB962C8B-B14F-4D97-AF65-F5344CB8AC3E}">
-        <p14:creationId xmlns:p14="http://schemas.microsoft.com/office/powerpoint/2010/main" val="3505559765"/>
+        <p14:creationId xmlns:p14="http://schemas.microsoft.com/office/powerpoint/2010/main" val="1211872745"/>
       </p:ext>
     </p:extLst>
   </p:cSld>
@@ -3801,6 +3800,113 @@
           <p:cNvPr id="2" name="Titel 1">
             <a:extLst>
               <a:ext uri="{FF2B5EF4-FFF2-40B4-BE49-F238E27FC236}">
+                <a16:creationId xmlns:a16="http://schemas.microsoft.com/office/drawing/2014/main" id="{4C6E9AF3-06BD-4DB5-83D8-A9B9B2533B5F}"/>
+              </a:ext>
+            </a:extLst>
+          </p:cNvPr>
+          <p:cNvSpPr>
+            <a:spLocks noGrp="1"/>
+          </p:cNvSpPr>
+          <p:nvPr>
+            <p:ph type="title"/>
+          </p:nvPr>
+        </p:nvSpPr>
+        <p:spPr/>
+        <p:txBody>
+          <a:bodyPr/>
+          <a:lstStyle/>
+          <a:p>
+            <a:r>
+              <a:rPr lang="de-CH" dirty="0"/>
+              <a:t>Software</a:t>
+            </a:r>
+          </a:p>
+        </p:txBody>
+      </p:sp>
+      <p:sp>
+        <p:nvSpPr>
+          <p:cNvPr id="3" name="Inhaltsplatzhalter 2">
+            <a:extLst>
+              <a:ext uri="{FF2B5EF4-FFF2-40B4-BE49-F238E27FC236}">
+                <a16:creationId xmlns:a16="http://schemas.microsoft.com/office/drawing/2014/main" id="{07BF12CA-C715-4DE7-A2E5-236685DDBCFD}"/>
+              </a:ext>
+            </a:extLst>
+          </p:cNvPr>
+          <p:cNvSpPr>
+            <a:spLocks noGrp="1"/>
+          </p:cNvSpPr>
+          <p:nvPr>
+            <p:ph idx="1"/>
+          </p:nvPr>
+        </p:nvSpPr>
+        <p:spPr/>
+        <p:txBody>
+          <a:bodyPr/>
+          <a:lstStyle/>
+          <a:p>
+            <a:r>
+              <a:rPr lang="de-CH" dirty="0"/>
+              <a:t>Vorstellung des Konzepts</a:t>
+            </a:r>
+          </a:p>
+          <a:p>
+            <a:r>
+              <a:rPr lang="de-CH" dirty="0"/>
+              <a:t>Funktionen der Software</a:t>
+            </a:r>
+          </a:p>
+          <a:p>
+            <a:r>
+              <a:rPr lang="de-CH" dirty="0"/>
+              <a:t>Der aktuelle Stand (GUI zeigen)</a:t>
+            </a:r>
+          </a:p>
+          <a:p>
+            <a:pPr marL="0" indent="0">
+              <a:buNone/>
+            </a:pPr>
+            <a:endParaRPr lang="de-CH" dirty="0"/>
+          </a:p>
+          <a:p>
+            <a:endParaRPr lang="de-CH" dirty="0"/>
+          </a:p>
+        </p:txBody>
+      </p:sp>
+    </p:spTree>
+    <p:extLst>
+      <p:ext uri="{BB962C8B-B14F-4D97-AF65-F5344CB8AC3E}">
+        <p14:creationId xmlns:p14="http://schemas.microsoft.com/office/powerpoint/2010/main" val="3505559765"/>
+      </p:ext>
+    </p:extLst>
+  </p:cSld>
+  <p:clrMapOvr>
+    <a:masterClrMapping/>
+  </p:clrMapOvr>
+</p:sld>
+</file>
+
+<file path=ppt/slides/slide6.xml><?xml version="1.0" encoding="utf-8"?>
+<p:sld xmlns:a="http://schemas.openxmlformats.org/drawingml/2006/main" xmlns:r="http://schemas.openxmlformats.org/officeDocument/2006/relationships" xmlns:p="http://schemas.openxmlformats.org/presentationml/2006/main">
+  <p:cSld>
+    <p:spTree>
+      <p:nvGrpSpPr>
+        <p:cNvPr id="1" name=""/>
+        <p:cNvGrpSpPr/>
+        <p:nvPr/>
+      </p:nvGrpSpPr>
+      <p:grpSpPr>
+        <a:xfrm>
+          <a:off x="0" y="0"/>
+          <a:ext cx="0" cy="0"/>
+          <a:chOff x="0" y="0"/>
+          <a:chExt cx="0" cy="0"/>
+        </a:xfrm>
+      </p:grpSpPr>
+      <p:sp>
+        <p:nvSpPr>
+          <p:cNvPr id="2" name="Titel 1">
+            <a:extLst>
+              <a:ext uri="{FF2B5EF4-FFF2-40B4-BE49-F238E27FC236}">
                 <a16:creationId xmlns:a16="http://schemas.microsoft.com/office/drawing/2014/main" id="{CE186811-7AA7-4857-9D92-AEB6DB8C1F63}"/>
               </a:ext>
             </a:extLst>
@@ -3882,7 +3988,7 @@
 </p:sld>
 </file>
 
-<file path=ppt/slides/slide6.xml><?xml version="1.0" encoding="utf-8"?>
+<file path=ppt/slides/slide7.xml><?xml version="1.0" encoding="utf-8"?>
 <p:sld xmlns:a="http://schemas.openxmlformats.org/drawingml/2006/main" xmlns:r="http://schemas.openxmlformats.org/officeDocument/2006/relationships" xmlns:p="http://schemas.openxmlformats.org/presentationml/2006/main">
   <p:cSld>
     <p:spTree>

--- a/Präsentation/Zwischenpräsentation.pptx
+++ b/Präsentation/Zwischenpräsentation.pptx
@@ -10,8 +10,11 @@
     <p:sldId id="258" r:id="rId4"/>
     <p:sldId id="262" r:id="rId5"/>
     <p:sldId id="259" r:id="rId6"/>
-    <p:sldId id="260" r:id="rId7"/>
-    <p:sldId id="261" r:id="rId8"/>
+    <p:sldId id="263" r:id="rId7"/>
+    <p:sldId id="264" r:id="rId8"/>
+    <p:sldId id="265" r:id="rId9"/>
+    <p:sldId id="260" r:id="rId10"/>
+    <p:sldId id="261" r:id="rId11"/>
   </p:sldIdLst>
   <p:sldSz cx="12192000" cy="6858000"/>
   <p:notesSz cx="6858000" cy="9144000"/>
@@ -2773,10 +2776,10 @@
       <p:bgPr>
         <a:gradFill flip="none" rotWithShape="1">
           <a:gsLst>
-            <a:gs pos="75000">
+            <a:gs pos="66000">
               <a:srgbClr val="EEDD14"/>
             </a:gs>
-            <a:gs pos="16000">
+            <a:gs pos="6000">
               <a:schemeClr val="bg1"/>
             </a:gs>
           </a:gsLst>
@@ -3465,6 +3468,89 @@
 </p:sld>
 </file>
 
+<file path=ppt/slides/slide10.xml><?xml version="1.0" encoding="utf-8"?>
+<p:sld xmlns:a="http://schemas.openxmlformats.org/drawingml/2006/main" xmlns:r="http://schemas.openxmlformats.org/officeDocument/2006/relationships" xmlns:p="http://schemas.openxmlformats.org/presentationml/2006/main">
+  <p:cSld>
+    <p:spTree>
+      <p:nvGrpSpPr>
+        <p:cNvPr id="1" name=""/>
+        <p:cNvGrpSpPr/>
+        <p:nvPr/>
+      </p:nvGrpSpPr>
+      <p:grpSpPr>
+        <a:xfrm>
+          <a:off x="0" y="0"/>
+          <a:ext cx="0" cy="0"/>
+          <a:chOff x="0" y="0"/>
+          <a:chExt cx="0" cy="0"/>
+        </a:xfrm>
+      </p:grpSpPr>
+      <p:sp>
+        <p:nvSpPr>
+          <p:cNvPr id="2" name="Titel 1">
+            <a:extLst>
+              <a:ext uri="{FF2B5EF4-FFF2-40B4-BE49-F238E27FC236}">
+                <a16:creationId xmlns:a16="http://schemas.microsoft.com/office/drawing/2014/main" id="{8CBBDB5F-B964-4458-8E0B-B425EEEA316B}"/>
+              </a:ext>
+            </a:extLst>
+          </p:cNvPr>
+          <p:cNvSpPr>
+            <a:spLocks noGrp="1"/>
+          </p:cNvSpPr>
+          <p:nvPr>
+            <p:ph type="title"/>
+          </p:nvPr>
+        </p:nvSpPr>
+        <p:spPr/>
+        <p:txBody>
+          <a:bodyPr/>
+          <a:lstStyle/>
+          <a:p>
+            <a:r>
+              <a:rPr lang="de-CH" dirty="0"/>
+              <a:t>Schluss</a:t>
+            </a:r>
+          </a:p>
+        </p:txBody>
+      </p:sp>
+      <p:sp>
+        <p:nvSpPr>
+          <p:cNvPr id="3" name="Inhaltsplatzhalter 2">
+            <a:extLst>
+              <a:ext uri="{FF2B5EF4-FFF2-40B4-BE49-F238E27FC236}">
+                <a16:creationId xmlns:a16="http://schemas.microsoft.com/office/drawing/2014/main" id="{D2374DC3-9369-48A7-BAFF-3EC784E8AEA1}"/>
+              </a:ext>
+            </a:extLst>
+          </p:cNvPr>
+          <p:cNvSpPr>
+            <a:spLocks noGrp="1"/>
+          </p:cNvSpPr>
+          <p:nvPr>
+            <p:ph idx="1"/>
+          </p:nvPr>
+        </p:nvSpPr>
+        <p:spPr/>
+        <p:txBody>
+          <a:bodyPr/>
+          <a:lstStyle/>
+          <a:p>
+            <a:endParaRPr lang="de-CH"/>
+          </a:p>
+        </p:txBody>
+      </p:sp>
+    </p:spTree>
+    <p:extLst>
+      <p:ext uri="{BB962C8B-B14F-4D97-AF65-F5344CB8AC3E}">
+        <p14:creationId xmlns:p14="http://schemas.microsoft.com/office/powerpoint/2010/main" val="3919693850"/>
+      </p:ext>
+    </p:extLst>
+  </p:cSld>
+  <p:clrMapOvr>
+    <a:masterClrMapping/>
+  </p:clrMapOvr>
+</p:sld>
+</file>
+
 <file path=ppt/slides/slide2.xml><?xml version="1.0" encoding="utf-8"?>
 <p:sld xmlns:a="http://schemas.openxmlformats.org/drawingml/2006/main" xmlns:r="http://schemas.openxmlformats.org/officeDocument/2006/relationships" xmlns:p="http://schemas.openxmlformats.org/presentationml/2006/main">
   <p:cSld>
@@ -3701,6 +3787,23 @@
 <file path=ppt/slides/slide4.xml><?xml version="1.0" encoding="utf-8"?>
 <p:sld xmlns:a="http://schemas.openxmlformats.org/drawingml/2006/main" xmlns:r="http://schemas.openxmlformats.org/officeDocument/2006/relationships" xmlns:p="http://schemas.openxmlformats.org/presentationml/2006/main">
   <p:cSld>
+    <p:bg>
+      <p:bgPr>
+        <a:gradFill flip="none" rotWithShape="1">
+          <a:gsLst>
+            <a:gs pos="24000">
+              <a:srgbClr val="EEDD14"/>
+            </a:gs>
+            <a:gs pos="6000">
+              <a:schemeClr val="bg1"/>
+            </a:gs>
+          </a:gsLst>
+          <a:lin ang="16200000" scaled="1"/>
+          <a:tileRect/>
+        </a:gradFill>
+        <a:effectLst/>
+      </p:bgPr>
+    </p:bg>
     <p:spTree>
       <p:nvGrpSpPr>
         <p:cNvPr id="1" name=""/>
@@ -3715,53 +3818,74 @@
           <a:chExt cx="0" cy="0"/>
         </a:xfrm>
       </p:grpSpPr>
-      <p:sp>
-        <p:nvSpPr>
-          <p:cNvPr id="2" name="Titel 1">
-            <a:extLst>
-              <a:ext uri="{FF2B5EF4-FFF2-40B4-BE49-F238E27FC236}">
-                <a16:creationId xmlns:a16="http://schemas.microsoft.com/office/drawing/2014/main" id="{C2B6382B-B054-4565-9970-6932A31FA609}"/>
-              </a:ext>
-            </a:extLst>
-          </p:cNvPr>
-          <p:cNvSpPr>
-            <a:spLocks noGrp="1"/>
-          </p:cNvSpPr>
-          <p:nvPr>
-            <p:ph type="title"/>
-          </p:nvPr>
-        </p:nvSpPr>
-        <p:spPr/>
-        <p:txBody>
-          <a:bodyPr/>
-          <a:lstStyle/>
-          <a:p>
-            <a:endParaRPr lang="de-CH"/>
-          </a:p>
-        </p:txBody>
-      </p:sp>
-      <p:sp>
-        <p:nvSpPr>
-          <p:cNvPr id="3" name="Inhaltsplatzhalter 2">
-            <a:extLst>
-              <a:ext uri="{FF2B5EF4-FFF2-40B4-BE49-F238E27FC236}">
-                <a16:creationId xmlns:a16="http://schemas.microsoft.com/office/drawing/2014/main" id="{99CC0260-5AB0-4F5A-BA3A-8B2E4B62C691}"/>
-              </a:ext>
-            </a:extLst>
-          </p:cNvPr>
-          <p:cNvSpPr>
-            <a:spLocks noGrp="1"/>
-          </p:cNvSpPr>
-          <p:nvPr>
-            <p:ph idx="1"/>
-          </p:nvPr>
-        </p:nvSpPr>
-        <p:spPr/>
-        <p:txBody>
-          <a:bodyPr/>
-          <a:lstStyle/>
-          <a:p>
-            <a:endParaRPr lang="de-CH"/>
+      <p:pic>
+        <p:nvPicPr>
+          <p:cNvPr id="5" name="Grafik 4">
+            <a:extLst>
+              <a:ext uri="{FF2B5EF4-FFF2-40B4-BE49-F238E27FC236}">
+                <a16:creationId xmlns:a16="http://schemas.microsoft.com/office/drawing/2014/main" id="{71C8358A-5E76-45DD-8C56-B371D5A828FA}"/>
+              </a:ext>
+            </a:extLst>
+          </p:cNvPr>
+          <p:cNvPicPr>
+            <a:picLocks noChangeAspect="1"/>
+          </p:cNvPicPr>
+          <p:nvPr/>
+        </p:nvPicPr>
+        <p:blipFill>
+          <a:blip r:embed="rId2">
+            <a:extLst>
+              <a:ext uri="{28A0092B-C50C-407E-A947-70E740481C1C}">
+                <a14:useLocalDpi xmlns:a14="http://schemas.microsoft.com/office/drawing/2010/main" val="0"/>
+              </a:ext>
+            </a:extLst>
+          </a:blip>
+          <a:stretch>
+            <a:fillRect/>
+          </a:stretch>
+        </p:blipFill>
+        <p:spPr>
+          <a:xfrm>
+            <a:off x="0" y="1213000"/>
+            <a:ext cx="12192000" cy="4432000"/>
+          </a:xfrm>
+          <a:prstGeom prst="rect">
+            <a:avLst/>
+          </a:prstGeom>
+        </p:spPr>
+      </p:pic>
+      <p:sp>
+        <p:nvSpPr>
+          <p:cNvPr id="6" name="Textfeld 5">
+            <a:extLst>
+              <a:ext uri="{FF2B5EF4-FFF2-40B4-BE49-F238E27FC236}">
+                <a16:creationId xmlns:a16="http://schemas.microsoft.com/office/drawing/2014/main" id="{33539866-315F-4353-A5A0-3616BB628E43}"/>
+              </a:ext>
+            </a:extLst>
+          </p:cNvPr>
+          <p:cNvSpPr txBox="1"/>
+          <p:nvPr/>
+        </p:nvSpPr>
+        <p:spPr>
+          <a:xfrm>
+            <a:off x="0" y="33771"/>
+            <a:ext cx="10955382" cy="1015663"/>
+          </a:xfrm>
+          <a:prstGeom prst="rect">
+            <a:avLst/>
+          </a:prstGeom>
+          <a:noFill/>
+        </p:spPr>
+        <p:txBody>
+          <a:bodyPr wrap="square" rtlCol="0">
+            <a:spAutoFit/>
+          </a:bodyPr>
+          <a:lstStyle/>
+          <a:p>
+            <a:r>
+              <a:rPr lang="de-CH" sz="6000" dirty="0"/>
+              <a:t>Organigramm</a:t>
+            </a:r>
           </a:p>
         </p:txBody>
       </p:sp>
@@ -3907,7 +4031,7 @@
           <p:cNvPr id="2" name="Titel 1">
             <a:extLst>
               <a:ext uri="{FF2B5EF4-FFF2-40B4-BE49-F238E27FC236}">
-                <a16:creationId xmlns:a16="http://schemas.microsoft.com/office/drawing/2014/main" id="{CE186811-7AA7-4857-9D92-AEB6DB8C1F63}"/>
+                <a16:creationId xmlns:a16="http://schemas.microsoft.com/office/drawing/2014/main" id="{BEC49469-AA4E-427B-B11D-657E7D94F218}"/>
               </a:ext>
             </a:extLst>
           </p:cNvPr>
@@ -3923,62 +4047,50 @@
           <a:bodyPr/>
           <a:lstStyle/>
           <a:p>
-            <a:r>
-              <a:rPr lang="de-CH" dirty="0"/>
-              <a:t>Elektrotechnik</a:t>
-            </a:r>
-          </a:p>
-        </p:txBody>
-      </p:sp>
-      <p:sp>
-        <p:nvSpPr>
-          <p:cNvPr id="3" name="Inhaltsplatzhalter 2">
-            <a:extLst>
-              <a:ext uri="{FF2B5EF4-FFF2-40B4-BE49-F238E27FC236}">
-                <a16:creationId xmlns:a16="http://schemas.microsoft.com/office/drawing/2014/main" id="{0FCCD327-018D-4C6E-911B-FEEFD441F8D1}"/>
-              </a:ext>
-            </a:extLst>
-          </p:cNvPr>
-          <p:cNvSpPr>
-            <a:spLocks noGrp="1"/>
-          </p:cNvSpPr>
-          <p:nvPr>
-            <p:ph idx="1"/>
-          </p:nvPr>
-        </p:nvSpPr>
-        <p:spPr/>
-        <p:txBody>
-          <a:bodyPr/>
-          <a:lstStyle/>
-          <a:p>
-            <a:r>
-              <a:rPr lang="de-CH" dirty="0"/>
-              <a:t>Auf die Grundschaltung eingehen</a:t>
-            </a:r>
-          </a:p>
-          <a:p>
-            <a:r>
-              <a:rPr lang="de-CH" dirty="0"/>
-              <a:t>Die Schwierigkeiten </a:t>
-            </a:r>
-            <a:r>
-              <a:rPr lang="de-CH"/>
-              <a:t>der Aufgabe</a:t>
-            </a:r>
-            <a:endParaRPr lang="de-CH" dirty="0"/>
-          </a:p>
-          <a:p>
-            <a:r>
-              <a:rPr lang="de-CH" dirty="0"/>
-              <a:t>Bisherige Berechnungen vorstellen</a:t>
-            </a:r>
-          </a:p>
-        </p:txBody>
-      </p:sp>
+            <a:endParaRPr lang="de-CH"/>
+          </a:p>
+        </p:txBody>
+      </p:sp>
+      <p:pic>
+        <p:nvPicPr>
+          <p:cNvPr id="5" name="Grafik 4">
+            <a:extLst>
+              <a:ext uri="{FF2B5EF4-FFF2-40B4-BE49-F238E27FC236}">
+                <a16:creationId xmlns:a16="http://schemas.microsoft.com/office/drawing/2014/main" id="{118E2D6F-B5BD-414A-A9D3-5B90E5CB1A8B}"/>
+              </a:ext>
+            </a:extLst>
+          </p:cNvPr>
+          <p:cNvPicPr>
+            <a:picLocks noChangeAspect="1"/>
+          </p:cNvPicPr>
+          <p:nvPr/>
+        </p:nvPicPr>
+        <p:blipFill>
+          <a:blip r:embed="rId2">
+            <a:extLst>
+              <a:ext uri="{28A0092B-C50C-407E-A947-70E740481C1C}">
+                <a14:useLocalDpi xmlns:a14="http://schemas.microsoft.com/office/drawing/2010/main" val="0"/>
+              </a:ext>
+            </a:extLst>
+          </a:blip>
+          <a:stretch>
+            <a:fillRect/>
+          </a:stretch>
+        </p:blipFill>
+        <p:spPr>
+          <a:xfrm>
+            <a:off x="0" y="0"/>
+            <a:ext cx="12192000" cy="6858000"/>
+          </a:xfrm>
+          <a:prstGeom prst="rect">
+            <a:avLst/>
+          </a:prstGeom>
+        </p:spPr>
+      </p:pic>
     </p:spTree>
     <p:extLst>
       <p:ext uri="{BB962C8B-B14F-4D97-AF65-F5344CB8AC3E}">
-        <p14:creationId xmlns:p14="http://schemas.microsoft.com/office/powerpoint/2010/main" val="3430439596"/>
+        <p14:creationId xmlns:p14="http://schemas.microsoft.com/office/powerpoint/2010/main" val="1562288296"/>
       </p:ext>
     </p:extLst>
   </p:cSld>
@@ -4005,63 +4117,427 @@
           <a:chExt cx="0" cy="0"/>
         </a:xfrm>
       </p:grpSpPr>
-      <p:sp>
-        <p:nvSpPr>
-          <p:cNvPr id="2" name="Titel 1">
-            <a:extLst>
-              <a:ext uri="{FF2B5EF4-FFF2-40B4-BE49-F238E27FC236}">
-                <a16:creationId xmlns:a16="http://schemas.microsoft.com/office/drawing/2014/main" id="{8CBBDB5F-B964-4458-8E0B-B425EEEA316B}"/>
-              </a:ext>
-            </a:extLst>
-          </p:cNvPr>
-          <p:cNvSpPr>
-            <a:spLocks noGrp="1"/>
-          </p:cNvSpPr>
-          <p:nvPr>
-            <p:ph type="title"/>
-          </p:nvPr>
-        </p:nvSpPr>
-        <p:spPr/>
-        <p:txBody>
-          <a:bodyPr/>
-          <a:lstStyle/>
-          <a:p>
-            <a:r>
-              <a:rPr lang="de-CH" dirty="0"/>
-              <a:t>Schluss</a:t>
-            </a:r>
-          </a:p>
-        </p:txBody>
-      </p:sp>
-      <p:sp>
-        <p:nvSpPr>
-          <p:cNvPr id="3" name="Inhaltsplatzhalter 2">
-            <a:extLst>
-              <a:ext uri="{FF2B5EF4-FFF2-40B4-BE49-F238E27FC236}">
-                <a16:creationId xmlns:a16="http://schemas.microsoft.com/office/drawing/2014/main" id="{D2374DC3-9369-48A7-BAFF-3EC784E8AEA1}"/>
-              </a:ext>
-            </a:extLst>
-          </p:cNvPr>
-          <p:cNvSpPr>
-            <a:spLocks noGrp="1"/>
-          </p:cNvSpPr>
-          <p:nvPr>
-            <p:ph idx="1"/>
-          </p:nvPr>
-        </p:nvSpPr>
-        <p:spPr/>
-        <p:txBody>
-          <a:bodyPr/>
-          <a:lstStyle/>
-          <a:p>
-            <a:endParaRPr lang="de-CH"/>
+      <p:pic>
+        <p:nvPicPr>
+          <p:cNvPr id="5" name="Grafik 4">
+            <a:extLst>
+              <a:ext uri="{FF2B5EF4-FFF2-40B4-BE49-F238E27FC236}">
+                <a16:creationId xmlns:a16="http://schemas.microsoft.com/office/drawing/2014/main" id="{0B4190DA-5453-448E-A418-62DE38F22714}"/>
+              </a:ext>
+            </a:extLst>
+          </p:cNvPr>
+          <p:cNvPicPr>
+            <a:picLocks noChangeAspect="1"/>
+          </p:cNvPicPr>
+          <p:nvPr/>
+        </p:nvPicPr>
+        <p:blipFill>
+          <a:blip r:embed="rId2">
+            <a:extLst>
+              <a:ext uri="{28A0092B-C50C-407E-A947-70E740481C1C}">
+                <a14:useLocalDpi xmlns:a14="http://schemas.microsoft.com/office/drawing/2010/main" val="0"/>
+              </a:ext>
+            </a:extLst>
+          </a:blip>
+          <a:stretch>
+            <a:fillRect/>
+          </a:stretch>
+        </p:blipFill>
+        <p:spPr>
+          <a:xfrm>
+            <a:off x="-1" y="0"/>
+            <a:ext cx="12192001" cy="6858000"/>
+          </a:xfrm>
+          <a:prstGeom prst="rect">
+            <a:avLst/>
+          </a:prstGeom>
+        </p:spPr>
+      </p:pic>
+      <p:pic>
+        <p:nvPicPr>
+          <p:cNvPr id="7" name="Grafik 6">
+            <a:extLst>
+              <a:ext uri="{FF2B5EF4-FFF2-40B4-BE49-F238E27FC236}">
+                <a16:creationId xmlns:a16="http://schemas.microsoft.com/office/drawing/2014/main" id="{A798E1C0-5BD3-4FAD-B527-FA5FD47B5452}"/>
+              </a:ext>
+            </a:extLst>
+          </p:cNvPr>
+          <p:cNvPicPr>
+            <a:picLocks noChangeAspect="1"/>
+          </p:cNvPicPr>
+          <p:nvPr/>
+        </p:nvPicPr>
+        <p:blipFill>
+          <a:blip r:embed="rId3">
+            <a:extLst>
+              <a:ext uri="{28A0092B-C50C-407E-A947-70E740481C1C}">
+                <a14:useLocalDpi xmlns:a14="http://schemas.microsoft.com/office/drawing/2010/main" val="0"/>
+              </a:ext>
+            </a:extLst>
+          </a:blip>
+          <a:stretch>
+            <a:fillRect/>
+          </a:stretch>
+        </p:blipFill>
+        <p:spPr>
+          <a:xfrm>
+            <a:off x="116794" y="377137"/>
+            <a:ext cx="1778091" cy="1035103"/>
+          </a:xfrm>
+          <a:prstGeom prst="rect">
+            <a:avLst/>
+          </a:prstGeom>
+        </p:spPr>
+      </p:pic>
+      <p:sp>
+        <p:nvSpPr>
+          <p:cNvPr id="11" name="Flussdiagramm: Prozess 10">
+            <a:extLst>
+              <a:ext uri="{FF2B5EF4-FFF2-40B4-BE49-F238E27FC236}">
+                <a16:creationId xmlns:a16="http://schemas.microsoft.com/office/drawing/2014/main" id="{B6BD3BF8-0D5C-49A4-BDCF-4A9C9951EF8F}"/>
+              </a:ext>
+            </a:extLst>
+          </p:cNvPr>
+          <p:cNvSpPr/>
+          <p:nvPr/>
+        </p:nvSpPr>
+        <p:spPr>
+          <a:xfrm>
+            <a:off x="116794" y="310488"/>
+            <a:ext cx="1844086" cy="1168400"/>
+          </a:xfrm>
+          <a:prstGeom prst="flowChartProcess">
+            <a:avLst/>
+          </a:prstGeom>
+          <a:noFill/>
+          <a:ln w="57150">
+            <a:solidFill>
+              <a:srgbClr val="FF0000"/>
+            </a:solidFill>
+          </a:ln>
+        </p:spPr>
+        <p:style>
+          <a:lnRef idx="2">
+            <a:schemeClr val="accent1">
+              <a:shade val="50000"/>
+            </a:schemeClr>
+          </a:lnRef>
+          <a:fillRef idx="1">
+            <a:schemeClr val="accent1"/>
+          </a:fillRef>
+          <a:effectRef idx="0">
+            <a:schemeClr val="accent1"/>
+          </a:effectRef>
+          <a:fontRef idx="minor">
+            <a:schemeClr val="lt1"/>
+          </a:fontRef>
+        </p:style>
+        <p:txBody>
+          <a:bodyPr rot="0" spcFirstLastPara="0" vertOverflow="overflow" horzOverflow="overflow" vert="horz" wrap="square" lIns="91440" tIns="45720" rIns="91440" bIns="45720" numCol="1" spcCol="0" rtlCol="0" fromWordArt="0" anchor="ctr" anchorCtr="0" forceAA="0" compatLnSpc="1">
+            <a:prstTxWarp prst="textNoShape">
+              <a:avLst/>
+            </a:prstTxWarp>
+            <a:noAutofit/>
+          </a:bodyPr>
+          <a:lstStyle/>
+          <a:p>
+            <a:pPr algn="ctr"/>
+            <a:endParaRPr lang="de-CH">
+              <a:ln w="0"/>
+              <a:gradFill>
+                <a:gsLst>
+                  <a:gs pos="21000">
+                    <a:srgbClr val="53575C"/>
+                  </a:gs>
+                  <a:gs pos="88000">
+                    <a:srgbClr val="C5C7CA"/>
+                  </a:gs>
+                </a:gsLst>
+                <a:lin ang="5400000"/>
+              </a:gradFill>
+            </a:endParaRPr>
           </a:p>
         </p:txBody>
       </p:sp>
     </p:spTree>
     <p:extLst>
       <p:ext uri="{BB962C8B-B14F-4D97-AF65-F5344CB8AC3E}">
-        <p14:creationId xmlns:p14="http://schemas.microsoft.com/office/powerpoint/2010/main" val="3919693850"/>
+        <p14:creationId xmlns:p14="http://schemas.microsoft.com/office/powerpoint/2010/main" val="1143842492"/>
+      </p:ext>
+    </p:extLst>
+  </p:cSld>
+  <p:clrMapOvr>
+    <a:masterClrMapping/>
+  </p:clrMapOvr>
+</p:sld>
+</file>
+
+<file path=ppt/slides/slide8.xml><?xml version="1.0" encoding="utf-8"?>
+<p:sld xmlns:a="http://schemas.openxmlformats.org/drawingml/2006/main" xmlns:r="http://schemas.openxmlformats.org/officeDocument/2006/relationships" xmlns:p="http://schemas.openxmlformats.org/presentationml/2006/main">
+  <p:cSld>
+    <p:spTree>
+      <p:nvGrpSpPr>
+        <p:cNvPr id="1" name=""/>
+        <p:cNvGrpSpPr/>
+        <p:nvPr/>
+      </p:nvGrpSpPr>
+      <p:grpSpPr>
+        <a:xfrm>
+          <a:off x="0" y="0"/>
+          <a:ext cx="0" cy="0"/>
+          <a:chOff x="0" y="0"/>
+          <a:chExt cx="0" cy="0"/>
+        </a:xfrm>
+      </p:grpSpPr>
+      <p:pic>
+        <p:nvPicPr>
+          <p:cNvPr id="5" name="Grafik 4">
+            <a:extLst>
+              <a:ext uri="{FF2B5EF4-FFF2-40B4-BE49-F238E27FC236}">
+                <a16:creationId xmlns:a16="http://schemas.microsoft.com/office/drawing/2014/main" id="{98F96598-30F8-4CEA-AFAF-140CC1764F4F}"/>
+              </a:ext>
+            </a:extLst>
+          </p:cNvPr>
+          <p:cNvPicPr>
+            <a:picLocks noChangeAspect="1"/>
+          </p:cNvPicPr>
+          <p:nvPr/>
+        </p:nvPicPr>
+        <p:blipFill>
+          <a:blip r:embed="rId2">
+            <a:extLst>
+              <a:ext uri="{28A0092B-C50C-407E-A947-70E740481C1C}">
+                <a14:useLocalDpi xmlns:a14="http://schemas.microsoft.com/office/drawing/2010/main" val="0"/>
+              </a:ext>
+            </a:extLst>
+          </a:blip>
+          <a:stretch>
+            <a:fillRect/>
+          </a:stretch>
+        </p:blipFill>
+        <p:spPr>
+          <a:xfrm>
+            <a:off x="0" y="-6693"/>
+            <a:ext cx="12192000" cy="6858000"/>
+          </a:xfrm>
+          <a:prstGeom prst="rect">
+            <a:avLst/>
+          </a:prstGeom>
+        </p:spPr>
+      </p:pic>
+      <p:pic>
+        <p:nvPicPr>
+          <p:cNvPr id="7" name="Grafik 6">
+            <a:extLst>
+              <a:ext uri="{FF2B5EF4-FFF2-40B4-BE49-F238E27FC236}">
+                <a16:creationId xmlns:a16="http://schemas.microsoft.com/office/drawing/2014/main" id="{A8D41BC3-0E60-47C1-9C29-474218316163}"/>
+              </a:ext>
+            </a:extLst>
+          </p:cNvPr>
+          <p:cNvPicPr>
+            <a:picLocks noChangeAspect="1"/>
+          </p:cNvPicPr>
+          <p:nvPr/>
+        </p:nvPicPr>
+        <p:blipFill>
+          <a:blip r:embed="rId3">
+            <a:extLst>
+              <a:ext uri="{28A0092B-C50C-407E-A947-70E740481C1C}">
+                <a14:useLocalDpi xmlns:a14="http://schemas.microsoft.com/office/drawing/2010/main" val="0"/>
+              </a:ext>
+            </a:extLst>
+          </a:blip>
+          <a:stretch>
+            <a:fillRect/>
+          </a:stretch>
+        </p:blipFill>
+        <p:spPr>
+          <a:xfrm>
+            <a:off x="1402665" y="298430"/>
+            <a:ext cx="1949550" cy="774740"/>
+          </a:xfrm>
+          <a:prstGeom prst="rect">
+            <a:avLst/>
+          </a:prstGeom>
+        </p:spPr>
+      </p:pic>
+      <p:sp>
+        <p:nvSpPr>
+          <p:cNvPr id="8" name="Flussdiagramm: Prozess 7">
+            <a:extLst>
+              <a:ext uri="{FF2B5EF4-FFF2-40B4-BE49-F238E27FC236}">
+                <a16:creationId xmlns:a16="http://schemas.microsoft.com/office/drawing/2014/main" id="{89774B84-B309-4D4C-BE28-B116641BE82D}"/>
+              </a:ext>
+            </a:extLst>
+          </p:cNvPr>
+          <p:cNvSpPr/>
+          <p:nvPr/>
+        </p:nvSpPr>
+        <p:spPr>
+          <a:xfrm>
+            <a:off x="1402664" y="179859"/>
+            <a:ext cx="1949549" cy="893311"/>
+          </a:xfrm>
+          <a:prstGeom prst="flowChartProcess">
+            <a:avLst/>
+          </a:prstGeom>
+          <a:noFill/>
+          <a:ln w="57150">
+            <a:solidFill>
+              <a:srgbClr val="FF0000"/>
+            </a:solidFill>
+          </a:ln>
+        </p:spPr>
+        <p:style>
+          <a:lnRef idx="2">
+            <a:schemeClr val="accent1">
+              <a:shade val="50000"/>
+            </a:schemeClr>
+          </a:lnRef>
+          <a:fillRef idx="1">
+            <a:schemeClr val="accent1"/>
+          </a:fillRef>
+          <a:effectRef idx="0">
+            <a:schemeClr val="accent1"/>
+          </a:effectRef>
+          <a:fontRef idx="minor">
+            <a:schemeClr val="lt1"/>
+          </a:fontRef>
+        </p:style>
+        <p:txBody>
+          <a:bodyPr rot="0" spcFirstLastPara="0" vertOverflow="overflow" horzOverflow="overflow" vert="horz" wrap="square" lIns="91440" tIns="45720" rIns="91440" bIns="45720" numCol="1" spcCol="0" rtlCol="0" fromWordArt="0" anchor="ctr" anchorCtr="0" forceAA="0" compatLnSpc="1">
+            <a:prstTxWarp prst="textNoShape">
+              <a:avLst/>
+            </a:prstTxWarp>
+            <a:noAutofit/>
+          </a:bodyPr>
+          <a:lstStyle/>
+          <a:p>
+            <a:pPr algn="ctr"/>
+            <a:endParaRPr lang="de-CH">
+              <a:ln w="0"/>
+              <a:gradFill>
+                <a:gsLst>
+                  <a:gs pos="21000">
+                    <a:srgbClr val="53575C"/>
+                  </a:gs>
+                  <a:gs pos="88000">
+                    <a:srgbClr val="C5C7CA"/>
+                  </a:gs>
+                </a:gsLst>
+                <a:lin ang="5400000"/>
+              </a:gradFill>
+            </a:endParaRPr>
+          </a:p>
+        </p:txBody>
+      </p:sp>
+    </p:spTree>
+    <p:extLst>
+      <p:ext uri="{BB962C8B-B14F-4D97-AF65-F5344CB8AC3E}">
+        <p14:creationId xmlns:p14="http://schemas.microsoft.com/office/powerpoint/2010/main" val="984377087"/>
+      </p:ext>
+    </p:extLst>
+  </p:cSld>
+  <p:clrMapOvr>
+    <a:masterClrMapping/>
+  </p:clrMapOvr>
+</p:sld>
+</file>
+
+<file path=ppt/slides/slide9.xml><?xml version="1.0" encoding="utf-8"?>
+<p:sld xmlns:a="http://schemas.openxmlformats.org/drawingml/2006/main" xmlns:r="http://schemas.openxmlformats.org/officeDocument/2006/relationships" xmlns:p="http://schemas.openxmlformats.org/presentationml/2006/main">
+  <p:cSld>
+    <p:spTree>
+      <p:nvGrpSpPr>
+        <p:cNvPr id="1" name=""/>
+        <p:cNvGrpSpPr/>
+        <p:nvPr/>
+      </p:nvGrpSpPr>
+      <p:grpSpPr>
+        <a:xfrm>
+          <a:off x="0" y="0"/>
+          <a:ext cx="0" cy="0"/>
+          <a:chOff x="0" y="0"/>
+          <a:chExt cx="0" cy="0"/>
+        </a:xfrm>
+      </p:grpSpPr>
+      <p:sp>
+        <p:nvSpPr>
+          <p:cNvPr id="2" name="Titel 1">
+            <a:extLst>
+              <a:ext uri="{FF2B5EF4-FFF2-40B4-BE49-F238E27FC236}">
+                <a16:creationId xmlns:a16="http://schemas.microsoft.com/office/drawing/2014/main" id="{CE186811-7AA7-4857-9D92-AEB6DB8C1F63}"/>
+              </a:ext>
+            </a:extLst>
+          </p:cNvPr>
+          <p:cNvSpPr>
+            <a:spLocks noGrp="1"/>
+          </p:cNvSpPr>
+          <p:nvPr>
+            <p:ph type="title"/>
+          </p:nvPr>
+        </p:nvSpPr>
+        <p:spPr/>
+        <p:txBody>
+          <a:bodyPr/>
+          <a:lstStyle/>
+          <a:p>
+            <a:r>
+              <a:rPr lang="de-CH" dirty="0"/>
+              <a:t>Elektrotechnik</a:t>
+            </a:r>
+          </a:p>
+        </p:txBody>
+      </p:sp>
+      <p:sp>
+        <p:nvSpPr>
+          <p:cNvPr id="3" name="Inhaltsplatzhalter 2">
+            <a:extLst>
+              <a:ext uri="{FF2B5EF4-FFF2-40B4-BE49-F238E27FC236}">
+                <a16:creationId xmlns:a16="http://schemas.microsoft.com/office/drawing/2014/main" id="{0FCCD327-018D-4C6E-911B-FEEFD441F8D1}"/>
+              </a:ext>
+            </a:extLst>
+          </p:cNvPr>
+          <p:cNvSpPr>
+            <a:spLocks noGrp="1"/>
+          </p:cNvSpPr>
+          <p:nvPr>
+            <p:ph idx="1"/>
+          </p:nvPr>
+        </p:nvSpPr>
+        <p:spPr/>
+        <p:txBody>
+          <a:bodyPr/>
+          <a:lstStyle/>
+          <a:p>
+            <a:r>
+              <a:rPr lang="de-CH" dirty="0"/>
+              <a:t>Auf die Grundschaltung eingehen</a:t>
+            </a:r>
+          </a:p>
+          <a:p>
+            <a:r>
+              <a:rPr lang="de-CH" dirty="0"/>
+              <a:t>Die Schwierigkeiten </a:t>
+            </a:r>
+            <a:r>
+              <a:rPr lang="de-CH"/>
+              <a:t>der Aufgabe</a:t>
+            </a:r>
+            <a:endParaRPr lang="de-CH" dirty="0"/>
+          </a:p>
+          <a:p>
+            <a:r>
+              <a:rPr lang="de-CH" dirty="0"/>
+              <a:t>Bisherige Berechnungen vorstellen</a:t>
+            </a:r>
+          </a:p>
+        </p:txBody>
+      </p:sp>
+    </p:spTree>
+    <p:extLst>
+      <p:ext uri="{BB962C8B-B14F-4D97-AF65-F5344CB8AC3E}">
+        <p14:creationId xmlns:p14="http://schemas.microsoft.com/office/powerpoint/2010/main" val="3430439596"/>
       </p:ext>
     </p:extLst>
   </p:cSld>

--- a/Präsentation/Zwischenpräsentation.pptx
+++ b/Präsentation/Zwischenpräsentation.pptx
@@ -7,14 +7,23 @@
   <p:sldIdLst>
     <p:sldId id="256" r:id="rId2"/>
     <p:sldId id="257" r:id="rId3"/>
-    <p:sldId id="258" r:id="rId4"/>
-    <p:sldId id="262" r:id="rId5"/>
-    <p:sldId id="259" r:id="rId6"/>
-    <p:sldId id="263" r:id="rId7"/>
-    <p:sldId id="264" r:id="rId8"/>
-    <p:sldId id="265" r:id="rId9"/>
-    <p:sldId id="260" r:id="rId10"/>
-    <p:sldId id="261" r:id="rId11"/>
+    <p:sldId id="266" r:id="rId4"/>
+    <p:sldId id="258" r:id="rId5"/>
+    <p:sldId id="262" r:id="rId6"/>
+    <p:sldId id="259" r:id="rId7"/>
+    <p:sldId id="263" r:id="rId8"/>
+    <p:sldId id="264" r:id="rId9"/>
+    <p:sldId id="265" r:id="rId10"/>
+    <p:sldId id="260" r:id="rId11"/>
+    <p:sldId id="261" r:id="rId12"/>
+    <p:sldId id="273" r:id="rId13"/>
+    <p:sldId id="267" r:id="rId14"/>
+    <p:sldId id="268" r:id="rId15"/>
+    <p:sldId id="269" r:id="rId16"/>
+    <p:sldId id="270" r:id="rId17"/>
+    <p:sldId id="271" r:id="rId18"/>
+    <p:sldId id="272" r:id="rId19"/>
+    <p:sldId id="274" r:id="rId20"/>
   </p:sldIdLst>
   <p:sldSz cx="12192000" cy="6858000"/>
   <p:notesSz cx="6858000" cy="9144000"/>
@@ -270,7 +279,7 @@
           <a:p>
             <a:fld id="{CA877428-42F7-4241-8EA8-9490373D402E}" type="datetimeFigureOut">
               <a:rPr lang="de-CH" smtClean="0"/>
-              <a:t>06.04.2019</a:t>
+              <a:t>07.04.2019</a:t>
             </a:fld>
             <a:endParaRPr lang="de-CH"/>
           </a:p>
@@ -470,7 +479,7 @@
           <a:p>
             <a:fld id="{CA877428-42F7-4241-8EA8-9490373D402E}" type="datetimeFigureOut">
               <a:rPr lang="de-CH" smtClean="0"/>
-              <a:t>06.04.2019</a:t>
+              <a:t>07.04.2019</a:t>
             </a:fld>
             <a:endParaRPr lang="de-CH"/>
           </a:p>
@@ -680,7 +689,7 @@
           <a:p>
             <a:fld id="{CA877428-42F7-4241-8EA8-9490373D402E}" type="datetimeFigureOut">
               <a:rPr lang="de-CH" smtClean="0"/>
-              <a:t>06.04.2019</a:t>
+              <a:t>07.04.2019</a:t>
             </a:fld>
             <a:endParaRPr lang="de-CH"/>
           </a:p>
@@ -880,7 +889,7 @@
           <a:p>
             <a:fld id="{CA877428-42F7-4241-8EA8-9490373D402E}" type="datetimeFigureOut">
               <a:rPr lang="de-CH" smtClean="0"/>
-              <a:t>06.04.2019</a:t>
+              <a:t>07.04.2019</a:t>
             </a:fld>
             <a:endParaRPr lang="de-CH"/>
           </a:p>
@@ -1156,7 +1165,7 @@
           <a:p>
             <a:fld id="{CA877428-42F7-4241-8EA8-9490373D402E}" type="datetimeFigureOut">
               <a:rPr lang="de-CH" smtClean="0"/>
-              <a:t>06.04.2019</a:t>
+              <a:t>07.04.2019</a:t>
             </a:fld>
             <a:endParaRPr lang="de-CH"/>
           </a:p>
@@ -1424,7 +1433,7 @@
           <a:p>
             <a:fld id="{CA877428-42F7-4241-8EA8-9490373D402E}" type="datetimeFigureOut">
               <a:rPr lang="de-CH" smtClean="0"/>
-              <a:t>06.04.2019</a:t>
+              <a:t>07.04.2019</a:t>
             </a:fld>
             <a:endParaRPr lang="de-CH"/>
           </a:p>
@@ -1839,7 +1848,7 @@
           <a:p>
             <a:fld id="{CA877428-42F7-4241-8EA8-9490373D402E}" type="datetimeFigureOut">
               <a:rPr lang="de-CH" smtClean="0"/>
-              <a:t>06.04.2019</a:t>
+              <a:t>07.04.2019</a:t>
             </a:fld>
             <a:endParaRPr lang="de-CH"/>
           </a:p>
@@ -1981,7 +1990,7 @@
           <a:p>
             <a:fld id="{CA877428-42F7-4241-8EA8-9490373D402E}" type="datetimeFigureOut">
               <a:rPr lang="de-CH" smtClean="0"/>
-              <a:t>06.04.2019</a:t>
+              <a:t>07.04.2019</a:t>
             </a:fld>
             <a:endParaRPr lang="de-CH"/>
           </a:p>
@@ -2094,7 +2103,7 @@
           <a:p>
             <a:fld id="{CA877428-42F7-4241-8EA8-9490373D402E}" type="datetimeFigureOut">
               <a:rPr lang="de-CH" smtClean="0"/>
-              <a:t>06.04.2019</a:t>
+              <a:t>07.04.2019</a:t>
             </a:fld>
             <a:endParaRPr lang="de-CH"/>
           </a:p>
@@ -2407,7 +2416,7 @@
           <a:p>
             <a:fld id="{CA877428-42F7-4241-8EA8-9490373D402E}" type="datetimeFigureOut">
               <a:rPr lang="de-CH" smtClean="0"/>
-              <a:t>06.04.2019</a:t>
+              <a:t>07.04.2019</a:t>
             </a:fld>
             <a:endParaRPr lang="de-CH"/>
           </a:p>
@@ -2696,7 +2705,7 @@
           <a:p>
             <a:fld id="{CA877428-42F7-4241-8EA8-9490373D402E}" type="datetimeFigureOut">
               <a:rPr lang="de-CH" smtClean="0"/>
-              <a:t>06.04.2019</a:t>
+              <a:t>07.04.2019</a:t>
             </a:fld>
             <a:endParaRPr lang="de-CH"/>
           </a:p>
@@ -2951,7 +2960,7 @@
           <a:p>
             <a:fld id="{CA877428-42F7-4241-8EA8-9490373D402E}" type="datetimeFigureOut">
               <a:rPr lang="de-CH" smtClean="0"/>
-              <a:t>06.04.2019</a:t>
+              <a:t>07.04.2019</a:t>
             </a:fld>
             <a:endParaRPr lang="de-CH"/>
           </a:p>
@@ -3414,7 +3423,7 @@
                 <a:latin typeface="Arial" panose="020B0604020202020204" pitchFamily="34" charset="0"/>
                 <a:cs typeface="Arial" panose="020B0604020202020204" pitchFamily="34" charset="0"/>
               </a:rPr>
-              <a:t>Projekt 2</a:t>
+              <a:t>Gruppe 1</a:t>
             </a:r>
           </a:p>
         </p:txBody>
@@ -3490,6 +3499,104 @@
           <p:cNvPr id="2" name="Titel 1">
             <a:extLst>
               <a:ext uri="{FF2B5EF4-FFF2-40B4-BE49-F238E27FC236}">
+                <a16:creationId xmlns:a16="http://schemas.microsoft.com/office/drawing/2014/main" id="{CE186811-7AA7-4857-9D92-AEB6DB8C1F63}"/>
+              </a:ext>
+            </a:extLst>
+          </p:cNvPr>
+          <p:cNvSpPr>
+            <a:spLocks noGrp="1"/>
+          </p:cNvSpPr>
+          <p:nvPr>
+            <p:ph type="title"/>
+          </p:nvPr>
+        </p:nvSpPr>
+        <p:spPr/>
+        <p:txBody>
+          <a:bodyPr/>
+          <a:lstStyle/>
+          <a:p>
+            <a:r>
+              <a:rPr lang="de-CH" dirty="0"/>
+              <a:t>Elektrotechnik</a:t>
+            </a:r>
+          </a:p>
+        </p:txBody>
+      </p:sp>
+      <p:sp>
+        <p:nvSpPr>
+          <p:cNvPr id="3" name="Inhaltsplatzhalter 2">
+            <a:extLst>
+              <a:ext uri="{FF2B5EF4-FFF2-40B4-BE49-F238E27FC236}">
+                <a16:creationId xmlns:a16="http://schemas.microsoft.com/office/drawing/2014/main" id="{0FCCD327-018D-4C6E-911B-FEEFD441F8D1}"/>
+              </a:ext>
+            </a:extLst>
+          </p:cNvPr>
+          <p:cNvSpPr>
+            <a:spLocks noGrp="1"/>
+          </p:cNvSpPr>
+          <p:nvPr>
+            <p:ph idx="1"/>
+          </p:nvPr>
+        </p:nvSpPr>
+        <p:spPr/>
+        <p:txBody>
+          <a:bodyPr/>
+          <a:lstStyle/>
+          <a:p>
+            <a:r>
+              <a:rPr lang="de-CH" dirty="0"/>
+              <a:t>Auf die Grundschaltung eingehen</a:t>
+            </a:r>
+          </a:p>
+          <a:p>
+            <a:r>
+              <a:rPr lang="de-CH" dirty="0"/>
+              <a:t>Die Schwierigkeiten der Aufgabe</a:t>
+            </a:r>
+          </a:p>
+          <a:p>
+            <a:r>
+              <a:rPr lang="de-CH" dirty="0"/>
+              <a:t>Bisherige Berechnungen vorstellen</a:t>
+            </a:r>
+          </a:p>
+        </p:txBody>
+      </p:sp>
+    </p:spTree>
+    <p:extLst>
+      <p:ext uri="{BB962C8B-B14F-4D97-AF65-F5344CB8AC3E}">
+        <p14:creationId xmlns:p14="http://schemas.microsoft.com/office/powerpoint/2010/main" val="3430439596"/>
+      </p:ext>
+    </p:extLst>
+  </p:cSld>
+  <p:clrMapOvr>
+    <a:masterClrMapping/>
+  </p:clrMapOvr>
+</p:sld>
+</file>
+
+<file path=ppt/slides/slide11.xml><?xml version="1.0" encoding="utf-8"?>
+<p:sld xmlns:a="http://schemas.openxmlformats.org/drawingml/2006/main" xmlns:r="http://schemas.openxmlformats.org/officeDocument/2006/relationships" xmlns:p="http://schemas.openxmlformats.org/presentationml/2006/main">
+  <p:cSld>
+    <p:spTree>
+      <p:nvGrpSpPr>
+        <p:cNvPr id="1" name=""/>
+        <p:cNvGrpSpPr/>
+        <p:nvPr/>
+      </p:nvGrpSpPr>
+      <p:grpSpPr>
+        <a:xfrm>
+          <a:off x="0" y="0"/>
+          <a:ext cx="0" cy="0"/>
+          <a:chOff x="0" y="0"/>
+          <a:chExt cx="0" cy="0"/>
+        </a:xfrm>
+      </p:grpSpPr>
+      <p:sp>
+        <p:nvSpPr>
+          <p:cNvPr id="2" name="Titel 1">
+            <a:extLst>
+              <a:ext uri="{FF2B5EF4-FFF2-40B4-BE49-F238E27FC236}">
                 <a16:creationId xmlns:a16="http://schemas.microsoft.com/office/drawing/2014/main" id="{8CBBDB5F-B964-4458-8E0B-B425EEEA316B}"/>
               </a:ext>
             </a:extLst>
@@ -3542,6 +3649,1074 @@
     <p:extLst>
       <p:ext uri="{BB962C8B-B14F-4D97-AF65-F5344CB8AC3E}">
         <p14:creationId xmlns:p14="http://schemas.microsoft.com/office/powerpoint/2010/main" val="3919693850"/>
+      </p:ext>
+    </p:extLst>
+  </p:cSld>
+  <p:clrMapOvr>
+    <a:masterClrMapping/>
+  </p:clrMapOvr>
+</p:sld>
+</file>
+
+<file path=ppt/slides/slide12.xml><?xml version="1.0" encoding="utf-8"?>
+<p:sld xmlns:a="http://schemas.openxmlformats.org/drawingml/2006/main" xmlns:r="http://schemas.openxmlformats.org/officeDocument/2006/relationships" xmlns:p="http://schemas.openxmlformats.org/presentationml/2006/main">
+  <p:cSld>
+    <p:spTree>
+      <p:nvGrpSpPr>
+        <p:cNvPr id="1" name=""/>
+        <p:cNvGrpSpPr/>
+        <p:nvPr/>
+      </p:nvGrpSpPr>
+      <p:grpSpPr>
+        <a:xfrm>
+          <a:off x="0" y="0"/>
+          <a:ext cx="0" cy="0"/>
+          <a:chOff x="0" y="0"/>
+          <a:chExt cx="0" cy="0"/>
+        </a:xfrm>
+      </p:grpSpPr>
+      <p:sp>
+        <p:nvSpPr>
+          <p:cNvPr id="2" name="Titel 1">
+            <a:extLst>
+              <a:ext uri="{FF2B5EF4-FFF2-40B4-BE49-F238E27FC236}">
+                <a16:creationId xmlns:a16="http://schemas.microsoft.com/office/drawing/2014/main" id="{0E077631-1EC1-4878-9FED-CB023DD13DE4}"/>
+              </a:ext>
+            </a:extLst>
+          </p:cNvPr>
+          <p:cNvSpPr>
+            <a:spLocks noGrp="1"/>
+          </p:cNvSpPr>
+          <p:nvPr>
+            <p:ph type="title"/>
+          </p:nvPr>
+        </p:nvSpPr>
+        <p:spPr>
+          <a:xfrm>
+            <a:off x="838200" y="294005"/>
+            <a:ext cx="10515600" cy="1325563"/>
+          </a:xfrm>
+        </p:spPr>
+        <p:txBody>
+          <a:bodyPr>
+            <a:normAutofit/>
+          </a:bodyPr>
+          <a:lstStyle/>
+          <a:p>
+            <a:r>
+              <a:rPr lang="de-CH" dirty="0">
+                <a:latin typeface="Arial" panose="020B0604020202020204" pitchFamily="34" charset="0"/>
+                <a:cs typeface="Arial" panose="020B0604020202020204" pitchFamily="34" charset="0"/>
+              </a:rPr>
+              <a:t>Software</a:t>
+            </a:r>
+          </a:p>
+        </p:txBody>
+      </p:sp>
+      <p:pic>
+        <p:nvPicPr>
+          <p:cNvPr id="7" name="Inhaltsplatzhalter 6">
+            <a:extLst>
+              <a:ext uri="{FF2B5EF4-FFF2-40B4-BE49-F238E27FC236}">
+                <a16:creationId xmlns:a16="http://schemas.microsoft.com/office/drawing/2014/main" id="{FC6ADAD1-A022-445C-8AD2-7C3B4FF29E41}"/>
+              </a:ext>
+            </a:extLst>
+          </p:cNvPr>
+          <p:cNvPicPr>
+            <a:picLocks noGrp="1" noChangeAspect="1"/>
+          </p:cNvPicPr>
+          <p:nvPr>
+            <p:ph idx="1"/>
+          </p:nvPr>
+        </p:nvPicPr>
+        <p:blipFill>
+          <a:blip r:embed="rId2">
+            <a:extLst>
+              <a:ext uri="{28A0092B-C50C-407E-A947-70E740481C1C}">
+                <a14:useLocalDpi xmlns:a14="http://schemas.microsoft.com/office/drawing/2010/main" val="0"/>
+              </a:ext>
+            </a:extLst>
+          </a:blip>
+          <a:stretch>
+            <a:fillRect/>
+          </a:stretch>
+        </p:blipFill>
+        <p:spPr>
+          <a:xfrm>
+            <a:off x="2538360" y="1486218"/>
+            <a:ext cx="6529440" cy="4979652"/>
+          </a:xfrm>
+        </p:spPr>
+      </p:pic>
+    </p:spTree>
+    <p:extLst>
+      <p:ext uri="{BB962C8B-B14F-4D97-AF65-F5344CB8AC3E}">
+        <p14:creationId xmlns:p14="http://schemas.microsoft.com/office/powerpoint/2010/main" val="3701219265"/>
+      </p:ext>
+    </p:extLst>
+  </p:cSld>
+  <p:clrMapOvr>
+    <a:masterClrMapping/>
+  </p:clrMapOvr>
+</p:sld>
+</file>
+
+<file path=ppt/slides/slide13.xml><?xml version="1.0" encoding="utf-8"?>
+<p:sld xmlns:a="http://schemas.openxmlformats.org/drawingml/2006/main" xmlns:r="http://schemas.openxmlformats.org/officeDocument/2006/relationships" xmlns:p="http://schemas.openxmlformats.org/presentationml/2006/main">
+  <p:cSld>
+    <p:spTree>
+      <p:nvGrpSpPr>
+        <p:cNvPr id="1" name=""/>
+        <p:cNvGrpSpPr/>
+        <p:nvPr/>
+      </p:nvGrpSpPr>
+      <p:grpSpPr>
+        <a:xfrm>
+          <a:off x="0" y="0"/>
+          <a:ext cx="0" cy="0"/>
+          <a:chOff x="0" y="0"/>
+          <a:chExt cx="0" cy="0"/>
+        </a:xfrm>
+      </p:grpSpPr>
+      <p:sp>
+        <p:nvSpPr>
+          <p:cNvPr id="2" name="Titel 1">
+            <a:extLst>
+              <a:ext uri="{FF2B5EF4-FFF2-40B4-BE49-F238E27FC236}">
+                <a16:creationId xmlns:a16="http://schemas.microsoft.com/office/drawing/2014/main" id="{0E077631-1EC1-4878-9FED-CB023DD13DE4}"/>
+              </a:ext>
+            </a:extLst>
+          </p:cNvPr>
+          <p:cNvSpPr>
+            <a:spLocks noGrp="1"/>
+          </p:cNvSpPr>
+          <p:nvPr>
+            <p:ph type="title"/>
+          </p:nvPr>
+        </p:nvSpPr>
+        <p:spPr>
+          <a:xfrm>
+            <a:off x="838200" y="294005"/>
+            <a:ext cx="10515600" cy="1325563"/>
+          </a:xfrm>
+        </p:spPr>
+        <p:txBody>
+          <a:bodyPr>
+            <a:normAutofit/>
+          </a:bodyPr>
+          <a:lstStyle/>
+          <a:p>
+            <a:r>
+              <a:rPr lang="de-CH" dirty="0">
+                <a:latin typeface="Arial" panose="020B0604020202020204" pitchFamily="34" charset="0"/>
+                <a:cs typeface="Arial" panose="020B0604020202020204" pitchFamily="34" charset="0"/>
+              </a:rPr>
+              <a:t>Softwarestruktur</a:t>
+            </a:r>
+          </a:p>
+        </p:txBody>
+      </p:sp>
+      <p:pic>
+        <p:nvPicPr>
+          <p:cNvPr id="5" name="Inhaltsplatzhalter 4">
+            <a:extLst>
+              <a:ext uri="{FF2B5EF4-FFF2-40B4-BE49-F238E27FC236}">
+                <a16:creationId xmlns:a16="http://schemas.microsoft.com/office/drawing/2014/main" id="{BE849776-008B-4C9C-B7AF-B4C6CB2B6584}"/>
+              </a:ext>
+            </a:extLst>
+          </p:cNvPr>
+          <p:cNvPicPr>
+            <a:picLocks noGrp="1" noChangeAspect="1"/>
+          </p:cNvPicPr>
+          <p:nvPr>
+            <p:ph idx="1"/>
+          </p:nvPr>
+        </p:nvPicPr>
+        <p:blipFill>
+          <a:blip r:embed="rId2">
+            <a:extLst>
+              <a:ext uri="{28A0092B-C50C-407E-A947-70E740481C1C}">
+                <a14:useLocalDpi xmlns:a14="http://schemas.microsoft.com/office/drawing/2010/main" val="0"/>
+              </a:ext>
+            </a:extLst>
+          </a:blip>
+          <a:stretch>
+            <a:fillRect/>
+          </a:stretch>
+        </p:blipFill>
+        <p:spPr>
+          <a:xfrm>
+            <a:off x="2238375" y="1619568"/>
+            <a:ext cx="7033161" cy="4847742"/>
+          </a:xfrm>
+        </p:spPr>
+      </p:pic>
+    </p:spTree>
+    <p:extLst>
+      <p:ext uri="{BB962C8B-B14F-4D97-AF65-F5344CB8AC3E}">
+        <p14:creationId xmlns:p14="http://schemas.microsoft.com/office/powerpoint/2010/main" val="1553349631"/>
+      </p:ext>
+    </p:extLst>
+  </p:cSld>
+  <p:clrMapOvr>
+    <a:masterClrMapping/>
+  </p:clrMapOvr>
+</p:sld>
+</file>
+
+<file path=ppt/slides/slide14.xml><?xml version="1.0" encoding="utf-8"?>
+<p:sld xmlns:a="http://schemas.openxmlformats.org/drawingml/2006/main" xmlns:r="http://schemas.openxmlformats.org/officeDocument/2006/relationships" xmlns:p="http://schemas.openxmlformats.org/presentationml/2006/main">
+  <p:cSld>
+    <p:spTree>
+      <p:nvGrpSpPr>
+        <p:cNvPr id="1" name=""/>
+        <p:cNvGrpSpPr/>
+        <p:nvPr/>
+      </p:nvGrpSpPr>
+      <p:grpSpPr>
+        <a:xfrm>
+          <a:off x="0" y="0"/>
+          <a:ext cx="0" cy="0"/>
+          <a:chOff x="0" y="0"/>
+          <a:chExt cx="0" cy="0"/>
+        </a:xfrm>
+      </p:grpSpPr>
+      <p:sp>
+        <p:nvSpPr>
+          <p:cNvPr id="2" name="Titel 1">
+            <a:extLst>
+              <a:ext uri="{FF2B5EF4-FFF2-40B4-BE49-F238E27FC236}">
+                <a16:creationId xmlns:a16="http://schemas.microsoft.com/office/drawing/2014/main" id="{0E077631-1EC1-4878-9FED-CB023DD13DE4}"/>
+              </a:ext>
+            </a:extLst>
+          </p:cNvPr>
+          <p:cNvSpPr>
+            <a:spLocks noGrp="1"/>
+          </p:cNvSpPr>
+          <p:nvPr>
+            <p:ph type="title"/>
+          </p:nvPr>
+        </p:nvSpPr>
+        <p:spPr>
+          <a:xfrm>
+            <a:off x="838200" y="294005"/>
+            <a:ext cx="10515600" cy="1325563"/>
+          </a:xfrm>
+        </p:spPr>
+        <p:txBody>
+          <a:bodyPr>
+            <a:noAutofit/>
+          </a:bodyPr>
+          <a:lstStyle/>
+          <a:p>
+            <a:r>
+              <a:rPr lang="de-CH" dirty="0">
+                <a:latin typeface="Arial" panose="020B0604020202020204" pitchFamily="34" charset="0"/>
+                <a:cs typeface="Arial" panose="020B0604020202020204" pitchFamily="34" charset="0"/>
+              </a:rPr>
+              <a:t>Mathematische Anforderungen</a:t>
+            </a:r>
+          </a:p>
+        </p:txBody>
+      </p:sp>
+      <p:sp>
+        <p:nvSpPr>
+          <p:cNvPr id="3" name="Inhaltsplatzhalter 2">
+            <a:extLst>
+              <a:ext uri="{FF2B5EF4-FFF2-40B4-BE49-F238E27FC236}">
+                <a16:creationId xmlns:a16="http://schemas.microsoft.com/office/drawing/2014/main" id="{087CF7F0-1F3E-4360-83C5-C43A47374AC5}"/>
+              </a:ext>
+            </a:extLst>
+          </p:cNvPr>
+          <p:cNvSpPr>
+            <a:spLocks noGrp="1"/>
+          </p:cNvSpPr>
+          <p:nvPr>
+            <p:ph idx="1"/>
+          </p:nvPr>
+        </p:nvSpPr>
+        <p:spPr/>
+        <p:txBody>
+          <a:bodyPr/>
+          <a:lstStyle/>
+          <a:p>
+            <a:r>
+              <a:rPr lang="de-CH" dirty="0"/>
+              <a:t>Mit Streuparameter S21 CM/DM äquivalente Schaltungen berechnen</a:t>
+            </a:r>
+          </a:p>
+          <a:p>
+            <a:r>
+              <a:rPr lang="de-CH" dirty="0"/>
+              <a:t>Berechnungen (Model) erweiterbar programmieren</a:t>
+            </a:r>
+          </a:p>
+          <a:p>
+            <a:r>
+              <a:rPr lang="de-CH" dirty="0"/>
+              <a:t>Berechnungen in Threads ausführen um «Lags» zu verhindern</a:t>
+            </a:r>
+          </a:p>
+          <a:p>
+            <a:pPr marL="0" indent="0">
+              <a:spcAft>
+                <a:spcPts val="600"/>
+              </a:spcAft>
+              <a:buClr>
+                <a:srgbClr val="007CAA"/>
+              </a:buClr>
+              <a:buSzPct val="100000"/>
+              <a:buNone/>
+            </a:pPr>
+            <a:endParaRPr lang="de-CH" dirty="0"/>
+          </a:p>
+          <a:p>
+            <a:pPr marL="0" indent="0">
+              <a:buNone/>
+            </a:pPr>
+            <a:endParaRPr lang="de-CH" dirty="0"/>
+          </a:p>
+        </p:txBody>
+      </p:sp>
+    </p:spTree>
+    <p:extLst>
+      <p:ext uri="{BB962C8B-B14F-4D97-AF65-F5344CB8AC3E}">
+        <p14:creationId xmlns:p14="http://schemas.microsoft.com/office/powerpoint/2010/main" val="2546100067"/>
+      </p:ext>
+    </p:extLst>
+  </p:cSld>
+  <p:clrMapOvr>
+    <a:masterClrMapping/>
+  </p:clrMapOvr>
+</p:sld>
+</file>
+
+<file path=ppt/slides/slide15.xml><?xml version="1.0" encoding="utf-8"?>
+<p:sld xmlns:a="http://schemas.openxmlformats.org/drawingml/2006/main" xmlns:r="http://schemas.openxmlformats.org/officeDocument/2006/relationships" xmlns:p="http://schemas.openxmlformats.org/presentationml/2006/main">
+  <p:cSld>
+    <p:spTree>
+      <p:nvGrpSpPr>
+        <p:cNvPr id="1" name=""/>
+        <p:cNvGrpSpPr/>
+        <p:nvPr/>
+      </p:nvGrpSpPr>
+      <p:grpSpPr>
+        <a:xfrm>
+          <a:off x="0" y="0"/>
+          <a:ext cx="0" cy="0"/>
+          <a:chOff x="0" y="0"/>
+          <a:chExt cx="0" cy="0"/>
+        </a:xfrm>
+      </p:grpSpPr>
+      <p:sp>
+        <p:nvSpPr>
+          <p:cNvPr id="2" name="Titel 1">
+            <a:extLst>
+              <a:ext uri="{FF2B5EF4-FFF2-40B4-BE49-F238E27FC236}">
+                <a16:creationId xmlns:a16="http://schemas.microsoft.com/office/drawing/2014/main" id="{0E077631-1EC1-4878-9FED-CB023DD13DE4}"/>
+              </a:ext>
+            </a:extLst>
+          </p:cNvPr>
+          <p:cNvSpPr>
+            <a:spLocks noGrp="1"/>
+          </p:cNvSpPr>
+          <p:nvPr>
+            <p:ph type="title"/>
+          </p:nvPr>
+        </p:nvSpPr>
+        <p:spPr>
+          <a:xfrm>
+            <a:off x="838200" y="294005"/>
+            <a:ext cx="10515600" cy="1325563"/>
+          </a:xfrm>
+        </p:spPr>
+        <p:txBody>
+          <a:bodyPr>
+            <a:noAutofit/>
+          </a:bodyPr>
+          <a:lstStyle/>
+          <a:p>
+            <a:r>
+              <a:rPr lang="de-CH" dirty="0">
+                <a:latin typeface="Arial" panose="020B0604020202020204" pitchFamily="34" charset="0"/>
+                <a:cs typeface="Arial" panose="020B0604020202020204" pitchFamily="34" charset="0"/>
+              </a:rPr>
+              <a:t>Parametereingabe</a:t>
+            </a:r>
+          </a:p>
+        </p:txBody>
+      </p:sp>
+      <p:sp>
+        <p:nvSpPr>
+          <p:cNvPr id="3" name="Inhaltsplatzhalter 2">
+            <a:extLst>
+              <a:ext uri="{FF2B5EF4-FFF2-40B4-BE49-F238E27FC236}">
+                <a16:creationId xmlns:a16="http://schemas.microsoft.com/office/drawing/2014/main" id="{087CF7F0-1F3E-4360-83C5-C43A47374AC5}"/>
+              </a:ext>
+            </a:extLst>
+          </p:cNvPr>
+          <p:cNvSpPr>
+            <a:spLocks noGrp="1"/>
+          </p:cNvSpPr>
+          <p:nvPr>
+            <p:ph idx="1"/>
+          </p:nvPr>
+        </p:nvSpPr>
+        <p:spPr/>
+        <p:txBody>
+          <a:bodyPr/>
+          <a:lstStyle/>
+          <a:p>
+            <a:pPr marL="0" indent="0">
+              <a:spcAft>
+                <a:spcPts val="600"/>
+              </a:spcAft>
+              <a:buClr>
+                <a:srgbClr val="007CAA"/>
+              </a:buClr>
+              <a:buSzPct val="100000"/>
+              <a:buNone/>
+            </a:pPr>
+            <a:endParaRPr lang="de-CH" dirty="0"/>
+          </a:p>
+          <a:p>
+            <a:pPr marL="0" indent="0">
+              <a:buNone/>
+            </a:pPr>
+            <a:endParaRPr lang="de-CH" dirty="0"/>
+          </a:p>
+        </p:txBody>
+      </p:sp>
+      <p:pic>
+        <p:nvPicPr>
+          <p:cNvPr id="5" name="Grafik 4">
+            <a:extLst>
+              <a:ext uri="{FF2B5EF4-FFF2-40B4-BE49-F238E27FC236}">
+                <a16:creationId xmlns:a16="http://schemas.microsoft.com/office/drawing/2014/main" id="{3CA4D3E8-BC23-451D-85B5-64290764413C}"/>
+              </a:ext>
+            </a:extLst>
+          </p:cNvPr>
+          <p:cNvPicPr>
+            <a:picLocks noChangeAspect="1"/>
+          </p:cNvPicPr>
+          <p:nvPr/>
+        </p:nvPicPr>
+        <p:blipFill>
+          <a:blip r:embed="rId2">
+            <a:extLst>
+              <a:ext uri="{28A0092B-C50C-407E-A947-70E740481C1C}">
+                <a14:useLocalDpi xmlns:a14="http://schemas.microsoft.com/office/drawing/2010/main" val="0"/>
+              </a:ext>
+            </a:extLst>
+          </a:blip>
+          <a:stretch>
+            <a:fillRect/>
+          </a:stretch>
+        </p:blipFill>
+        <p:spPr>
+          <a:xfrm>
+            <a:off x="1104900" y="1825625"/>
+            <a:ext cx="9363075" cy="4402874"/>
+          </a:xfrm>
+          <a:prstGeom prst="rect">
+            <a:avLst/>
+          </a:prstGeom>
+        </p:spPr>
+      </p:pic>
+    </p:spTree>
+    <p:extLst>
+      <p:ext uri="{BB962C8B-B14F-4D97-AF65-F5344CB8AC3E}">
+        <p14:creationId xmlns:p14="http://schemas.microsoft.com/office/powerpoint/2010/main" val="126549446"/>
+      </p:ext>
+    </p:extLst>
+  </p:cSld>
+  <p:clrMapOvr>
+    <a:masterClrMapping/>
+  </p:clrMapOvr>
+</p:sld>
+</file>
+
+<file path=ppt/slides/slide16.xml><?xml version="1.0" encoding="utf-8"?>
+<p:sld xmlns:a="http://schemas.openxmlformats.org/drawingml/2006/main" xmlns:r="http://schemas.openxmlformats.org/officeDocument/2006/relationships" xmlns:p="http://schemas.openxmlformats.org/presentationml/2006/main">
+  <p:cSld>
+    <p:spTree>
+      <p:nvGrpSpPr>
+        <p:cNvPr id="1" name=""/>
+        <p:cNvGrpSpPr/>
+        <p:nvPr/>
+      </p:nvGrpSpPr>
+      <p:grpSpPr>
+        <a:xfrm>
+          <a:off x="0" y="0"/>
+          <a:ext cx="0" cy="0"/>
+          <a:chOff x="0" y="0"/>
+          <a:chExt cx="0" cy="0"/>
+        </a:xfrm>
+      </p:grpSpPr>
+      <p:sp>
+        <p:nvSpPr>
+          <p:cNvPr id="2" name="Titel 1">
+            <a:extLst>
+              <a:ext uri="{FF2B5EF4-FFF2-40B4-BE49-F238E27FC236}">
+                <a16:creationId xmlns:a16="http://schemas.microsoft.com/office/drawing/2014/main" id="{0E077631-1EC1-4878-9FED-CB023DD13DE4}"/>
+              </a:ext>
+            </a:extLst>
+          </p:cNvPr>
+          <p:cNvSpPr>
+            <a:spLocks noGrp="1"/>
+          </p:cNvSpPr>
+          <p:nvPr>
+            <p:ph type="title"/>
+          </p:nvPr>
+        </p:nvSpPr>
+        <p:spPr>
+          <a:xfrm>
+            <a:off x="838200" y="294005"/>
+            <a:ext cx="10515600" cy="1325563"/>
+          </a:xfrm>
+        </p:spPr>
+        <p:txBody>
+          <a:bodyPr>
+            <a:noAutofit/>
+          </a:bodyPr>
+          <a:lstStyle/>
+          <a:p>
+            <a:r>
+              <a:rPr lang="de-CH" dirty="0" err="1">
+                <a:latin typeface="Arial" panose="020B0604020202020204" pitchFamily="34" charset="0"/>
+                <a:cs typeface="Arial" panose="020B0604020202020204" pitchFamily="34" charset="0"/>
+              </a:rPr>
+              <a:t>Ploten</a:t>
+            </a:r>
+            <a:r>
+              <a:rPr lang="de-CH" dirty="0">
+                <a:latin typeface="Arial" panose="020B0604020202020204" pitchFamily="34" charset="0"/>
+                <a:cs typeface="Arial" panose="020B0604020202020204" pitchFamily="34" charset="0"/>
+              </a:rPr>
+              <a:t> der Berechnungen</a:t>
+            </a:r>
+          </a:p>
+        </p:txBody>
+      </p:sp>
+      <p:sp>
+        <p:nvSpPr>
+          <p:cNvPr id="3" name="Inhaltsplatzhalter 2">
+            <a:extLst>
+              <a:ext uri="{FF2B5EF4-FFF2-40B4-BE49-F238E27FC236}">
+                <a16:creationId xmlns:a16="http://schemas.microsoft.com/office/drawing/2014/main" id="{087CF7F0-1F3E-4360-83C5-C43A47374AC5}"/>
+              </a:ext>
+            </a:extLst>
+          </p:cNvPr>
+          <p:cNvSpPr>
+            <a:spLocks noGrp="1"/>
+          </p:cNvSpPr>
+          <p:nvPr>
+            <p:ph idx="1"/>
+          </p:nvPr>
+        </p:nvSpPr>
+        <p:spPr/>
+        <p:txBody>
+          <a:bodyPr/>
+          <a:lstStyle/>
+          <a:p>
+            <a:pPr marL="0" indent="0">
+              <a:spcAft>
+                <a:spcPts val="600"/>
+              </a:spcAft>
+              <a:buClr>
+                <a:srgbClr val="007CAA"/>
+              </a:buClr>
+              <a:buSzPct val="100000"/>
+              <a:buNone/>
+            </a:pPr>
+            <a:endParaRPr lang="de-CH" dirty="0"/>
+          </a:p>
+          <a:p>
+            <a:pPr marL="0" indent="0">
+              <a:buNone/>
+            </a:pPr>
+            <a:endParaRPr lang="de-CH" dirty="0"/>
+          </a:p>
+        </p:txBody>
+      </p:sp>
+      <p:pic>
+        <p:nvPicPr>
+          <p:cNvPr id="6" name="Grafik 5">
+            <a:extLst>
+              <a:ext uri="{FF2B5EF4-FFF2-40B4-BE49-F238E27FC236}">
+                <a16:creationId xmlns:a16="http://schemas.microsoft.com/office/drawing/2014/main" id="{ADF3D102-C5FE-41A7-832F-2D6EEE7AA7E5}"/>
+              </a:ext>
+            </a:extLst>
+          </p:cNvPr>
+          <p:cNvPicPr>
+            <a:picLocks noChangeAspect="1"/>
+          </p:cNvPicPr>
+          <p:nvPr/>
+        </p:nvPicPr>
+        <p:blipFill>
+          <a:blip r:embed="rId2">
+            <a:extLst>
+              <a:ext uri="{28A0092B-C50C-407E-A947-70E740481C1C}">
+                <a14:useLocalDpi xmlns:a14="http://schemas.microsoft.com/office/drawing/2010/main" val="0"/>
+              </a:ext>
+            </a:extLst>
+          </a:blip>
+          <a:stretch>
+            <a:fillRect/>
+          </a:stretch>
+        </p:blipFill>
+        <p:spPr>
+          <a:xfrm>
+            <a:off x="1363295" y="1888880"/>
+            <a:ext cx="9070243" cy="3903991"/>
+          </a:xfrm>
+          <a:prstGeom prst="rect">
+            <a:avLst/>
+          </a:prstGeom>
+        </p:spPr>
+      </p:pic>
+      <p:pic>
+        <p:nvPicPr>
+          <p:cNvPr id="8" name="Grafik 7">
+            <a:extLst>
+              <a:ext uri="{FF2B5EF4-FFF2-40B4-BE49-F238E27FC236}">
+                <a16:creationId xmlns:a16="http://schemas.microsoft.com/office/drawing/2014/main" id="{2E40BE8E-B4FC-43A9-942E-D54341D6CF00}"/>
+              </a:ext>
+            </a:extLst>
+          </p:cNvPr>
+          <p:cNvPicPr>
+            <a:picLocks noChangeAspect="1"/>
+          </p:cNvPicPr>
+          <p:nvPr/>
+        </p:nvPicPr>
+        <p:blipFill rotWithShape="1">
+          <a:blip r:embed="rId3">
+            <a:extLst>
+              <a:ext uri="{28A0092B-C50C-407E-A947-70E740481C1C}">
+                <a14:useLocalDpi xmlns:a14="http://schemas.microsoft.com/office/drawing/2010/main" val="0"/>
+              </a:ext>
+            </a:extLst>
+          </a:blip>
+          <a:srcRect l="54904" t="5062" r="3161" b="9773"/>
+          <a:stretch/>
+        </p:blipFill>
+        <p:spPr>
+          <a:xfrm>
+            <a:off x="4101611" y="2986167"/>
+            <a:ext cx="1296865" cy="2255228"/>
+          </a:xfrm>
+          <a:prstGeom prst="rect">
+            <a:avLst/>
+          </a:prstGeom>
+        </p:spPr>
+      </p:pic>
+    </p:spTree>
+    <p:extLst>
+      <p:ext uri="{BB962C8B-B14F-4D97-AF65-F5344CB8AC3E}">
+        <p14:creationId xmlns:p14="http://schemas.microsoft.com/office/powerpoint/2010/main" val="1059463329"/>
+      </p:ext>
+    </p:extLst>
+  </p:cSld>
+  <p:clrMapOvr>
+    <a:masterClrMapping/>
+  </p:clrMapOvr>
+</p:sld>
+</file>
+
+<file path=ppt/slides/slide17.xml><?xml version="1.0" encoding="utf-8"?>
+<p:sld xmlns:a="http://schemas.openxmlformats.org/drawingml/2006/main" xmlns:r="http://schemas.openxmlformats.org/officeDocument/2006/relationships" xmlns:p="http://schemas.openxmlformats.org/presentationml/2006/main">
+  <p:cSld>
+    <p:spTree>
+      <p:nvGrpSpPr>
+        <p:cNvPr id="1" name=""/>
+        <p:cNvGrpSpPr/>
+        <p:nvPr/>
+      </p:nvGrpSpPr>
+      <p:grpSpPr>
+        <a:xfrm>
+          <a:off x="0" y="0"/>
+          <a:ext cx="0" cy="0"/>
+          <a:chOff x="0" y="0"/>
+          <a:chExt cx="0" cy="0"/>
+        </a:xfrm>
+      </p:grpSpPr>
+      <p:sp>
+        <p:nvSpPr>
+          <p:cNvPr id="2" name="Titel 1">
+            <a:extLst>
+              <a:ext uri="{FF2B5EF4-FFF2-40B4-BE49-F238E27FC236}">
+                <a16:creationId xmlns:a16="http://schemas.microsoft.com/office/drawing/2014/main" id="{0E077631-1EC1-4878-9FED-CB023DD13DE4}"/>
+              </a:ext>
+            </a:extLst>
+          </p:cNvPr>
+          <p:cNvSpPr>
+            <a:spLocks noGrp="1"/>
+          </p:cNvSpPr>
+          <p:nvPr>
+            <p:ph type="title"/>
+          </p:nvPr>
+        </p:nvSpPr>
+        <p:spPr>
+          <a:xfrm>
+            <a:off x="838200" y="294005"/>
+            <a:ext cx="10515600" cy="1325563"/>
+          </a:xfrm>
+        </p:spPr>
+        <p:txBody>
+          <a:bodyPr>
+            <a:noAutofit/>
+          </a:bodyPr>
+          <a:lstStyle/>
+          <a:p>
+            <a:r>
+              <a:rPr lang="de-CH" dirty="0">
+                <a:latin typeface="Arial" panose="020B0604020202020204" pitchFamily="34" charset="0"/>
+                <a:cs typeface="Arial" panose="020B0604020202020204" pitchFamily="34" charset="0"/>
+              </a:rPr>
+              <a:t>Speicherverwaltung</a:t>
+            </a:r>
+          </a:p>
+        </p:txBody>
+      </p:sp>
+      <p:sp>
+        <p:nvSpPr>
+          <p:cNvPr id="3" name="Inhaltsplatzhalter 2">
+            <a:extLst>
+              <a:ext uri="{FF2B5EF4-FFF2-40B4-BE49-F238E27FC236}">
+                <a16:creationId xmlns:a16="http://schemas.microsoft.com/office/drawing/2014/main" id="{087CF7F0-1F3E-4360-83C5-C43A47374AC5}"/>
+              </a:ext>
+            </a:extLst>
+          </p:cNvPr>
+          <p:cNvSpPr>
+            <a:spLocks noGrp="1"/>
+          </p:cNvSpPr>
+          <p:nvPr>
+            <p:ph idx="1"/>
+          </p:nvPr>
+        </p:nvSpPr>
+        <p:spPr/>
+        <p:txBody>
+          <a:bodyPr/>
+          <a:lstStyle/>
+          <a:p>
+            <a:pPr marL="0" indent="0">
+              <a:spcAft>
+                <a:spcPts val="600"/>
+              </a:spcAft>
+              <a:buClr>
+                <a:srgbClr val="007CAA"/>
+              </a:buClr>
+              <a:buSzPct val="100000"/>
+              <a:buNone/>
+            </a:pPr>
+            <a:endParaRPr lang="de-CH" dirty="0"/>
+          </a:p>
+          <a:p>
+            <a:pPr marL="0" indent="0">
+              <a:buNone/>
+            </a:pPr>
+            <a:endParaRPr lang="de-CH" dirty="0"/>
+          </a:p>
+        </p:txBody>
+      </p:sp>
+      <p:pic>
+        <p:nvPicPr>
+          <p:cNvPr id="5" name="Grafik 4">
+            <a:extLst>
+              <a:ext uri="{FF2B5EF4-FFF2-40B4-BE49-F238E27FC236}">
+                <a16:creationId xmlns:a16="http://schemas.microsoft.com/office/drawing/2014/main" id="{A4C53210-A79B-4C56-8674-B7E2CB2E5AC4}"/>
+              </a:ext>
+            </a:extLst>
+          </p:cNvPr>
+          <p:cNvPicPr>
+            <a:picLocks noChangeAspect="1"/>
+          </p:cNvPicPr>
+          <p:nvPr/>
+        </p:nvPicPr>
+        <p:blipFill>
+          <a:blip r:embed="rId2">
+            <a:extLst>
+              <a:ext uri="{28A0092B-C50C-407E-A947-70E740481C1C}">
+                <a14:useLocalDpi xmlns:a14="http://schemas.microsoft.com/office/drawing/2010/main" val="0"/>
+              </a:ext>
+            </a:extLst>
+          </a:blip>
+          <a:stretch>
+            <a:fillRect/>
+          </a:stretch>
+        </p:blipFill>
+        <p:spPr>
+          <a:xfrm>
+            <a:off x="3428064" y="2530448"/>
+            <a:ext cx="4014181" cy="2336827"/>
+          </a:xfrm>
+          <a:prstGeom prst="rect">
+            <a:avLst/>
+          </a:prstGeom>
+        </p:spPr>
+      </p:pic>
+    </p:spTree>
+    <p:extLst>
+      <p:ext uri="{BB962C8B-B14F-4D97-AF65-F5344CB8AC3E}">
+        <p14:creationId xmlns:p14="http://schemas.microsoft.com/office/powerpoint/2010/main" val="4205371402"/>
+      </p:ext>
+    </p:extLst>
+  </p:cSld>
+  <p:clrMapOvr>
+    <a:masterClrMapping/>
+  </p:clrMapOvr>
+</p:sld>
+</file>
+
+<file path=ppt/slides/slide18.xml><?xml version="1.0" encoding="utf-8"?>
+<p:sld xmlns:a="http://schemas.openxmlformats.org/drawingml/2006/main" xmlns:r="http://schemas.openxmlformats.org/officeDocument/2006/relationships" xmlns:p="http://schemas.openxmlformats.org/presentationml/2006/main">
+  <p:cSld>
+    <p:spTree>
+      <p:nvGrpSpPr>
+        <p:cNvPr id="1" name=""/>
+        <p:cNvGrpSpPr/>
+        <p:nvPr/>
+      </p:nvGrpSpPr>
+      <p:grpSpPr>
+        <a:xfrm>
+          <a:off x="0" y="0"/>
+          <a:ext cx="0" cy="0"/>
+          <a:chOff x="0" y="0"/>
+          <a:chExt cx="0" cy="0"/>
+        </a:xfrm>
+      </p:grpSpPr>
+      <p:sp>
+        <p:nvSpPr>
+          <p:cNvPr id="2" name="Titel 1">
+            <a:extLst>
+              <a:ext uri="{FF2B5EF4-FFF2-40B4-BE49-F238E27FC236}">
+                <a16:creationId xmlns:a16="http://schemas.microsoft.com/office/drawing/2014/main" id="{0E077631-1EC1-4878-9FED-CB023DD13DE4}"/>
+              </a:ext>
+            </a:extLst>
+          </p:cNvPr>
+          <p:cNvSpPr>
+            <a:spLocks noGrp="1"/>
+          </p:cNvSpPr>
+          <p:nvPr>
+            <p:ph type="title"/>
+          </p:nvPr>
+        </p:nvSpPr>
+        <p:spPr>
+          <a:xfrm>
+            <a:off x="838200" y="294005"/>
+            <a:ext cx="10515600" cy="1325563"/>
+          </a:xfrm>
+        </p:spPr>
+        <p:txBody>
+          <a:bodyPr>
+            <a:noAutofit/>
+          </a:bodyPr>
+          <a:lstStyle/>
+          <a:p>
+            <a:r>
+              <a:rPr lang="de-CH" dirty="0" err="1">
+                <a:latin typeface="Arial" panose="020B0604020202020204" pitchFamily="34" charset="0"/>
+                <a:cs typeface="Arial" panose="020B0604020202020204" pitchFamily="34" charset="0"/>
+              </a:rPr>
+              <a:t>Bedinungshilfe</a:t>
+            </a:r>
+            <a:endParaRPr lang="de-CH" dirty="0">
+              <a:latin typeface="Arial" panose="020B0604020202020204" pitchFamily="34" charset="0"/>
+              <a:cs typeface="Arial" panose="020B0604020202020204" pitchFamily="34" charset="0"/>
+            </a:endParaRPr>
+          </a:p>
+        </p:txBody>
+      </p:sp>
+      <p:sp>
+        <p:nvSpPr>
+          <p:cNvPr id="3" name="Inhaltsplatzhalter 2">
+            <a:extLst>
+              <a:ext uri="{FF2B5EF4-FFF2-40B4-BE49-F238E27FC236}">
+                <a16:creationId xmlns:a16="http://schemas.microsoft.com/office/drawing/2014/main" id="{087CF7F0-1F3E-4360-83C5-C43A47374AC5}"/>
+              </a:ext>
+            </a:extLst>
+          </p:cNvPr>
+          <p:cNvSpPr>
+            <a:spLocks noGrp="1"/>
+          </p:cNvSpPr>
+          <p:nvPr>
+            <p:ph idx="1"/>
+          </p:nvPr>
+        </p:nvSpPr>
+        <p:spPr/>
+        <p:txBody>
+          <a:bodyPr/>
+          <a:lstStyle/>
+          <a:p>
+            <a:pPr marL="0" indent="0">
+              <a:spcAft>
+                <a:spcPts val="600"/>
+              </a:spcAft>
+              <a:buClr>
+                <a:srgbClr val="007CAA"/>
+              </a:buClr>
+              <a:buSzPct val="100000"/>
+              <a:buNone/>
+            </a:pPr>
+            <a:endParaRPr lang="de-CH" dirty="0"/>
+          </a:p>
+          <a:p>
+            <a:pPr marL="0" indent="0">
+              <a:buNone/>
+            </a:pPr>
+            <a:endParaRPr lang="de-CH" dirty="0"/>
+          </a:p>
+        </p:txBody>
+      </p:sp>
+      <p:pic>
+        <p:nvPicPr>
+          <p:cNvPr id="5" name="Grafik 4">
+            <a:extLst>
+              <a:ext uri="{FF2B5EF4-FFF2-40B4-BE49-F238E27FC236}">
+                <a16:creationId xmlns:a16="http://schemas.microsoft.com/office/drawing/2014/main" id="{9386A5CB-1445-4866-B066-64207C6340F9}"/>
+              </a:ext>
+            </a:extLst>
+          </p:cNvPr>
+          <p:cNvPicPr>
+            <a:picLocks noChangeAspect="1"/>
+          </p:cNvPicPr>
+          <p:nvPr/>
+        </p:nvPicPr>
+        <p:blipFill>
+          <a:blip r:embed="rId2">
+            <a:extLst>
+              <a:ext uri="{28A0092B-C50C-407E-A947-70E740481C1C}">
+                <a14:useLocalDpi xmlns:a14="http://schemas.microsoft.com/office/drawing/2010/main" val="0"/>
+              </a:ext>
+            </a:extLst>
+          </a:blip>
+          <a:stretch>
+            <a:fillRect/>
+          </a:stretch>
+        </p:blipFill>
+        <p:spPr>
+          <a:xfrm>
+            <a:off x="3444824" y="2822555"/>
+            <a:ext cx="4809757" cy="1911370"/>
+          </a:xfrm>
+          <a:prstGeom prst="rect">
+            <a:avLst/>
+          </a:prstGeom>
+        </p:spPr>
+      </p:pic>
+    </p:spTree>
+    <p:extLst>
+      <p:ext uri="{BB962C8B-B14F-4D97-AF65-F5344CB8AC3E}">
+        <p14:creationId xmlns:p14="http://schemas.microsoft.com/office/powerpoint/2010/main" val="467456655"/>
+      </p:ext>
+    </p:extLst>
+  </p:cSld>
+  <p:clrMapOvr>
+    <a:masterClrMapping/>
+  </p:clrMapOvr>
+</p:sld>
+</file>
+
+<file path=ppt/slides/slide19.xml><?xml version="1.0" encoding="utf-8"?>
+<p:sld xmlns:a="http://schemas.openxmlformats.org/drawingml/2006/main" xmlns:r="http://schemas.openxmlformats.org/officeDocument/2006/relationships" xmlns:p="http://schemas.openxmlformats.org/presentationml/2006/main">
+  <p:cSld>
+    <p:spTree>
+      <p:nvGrpSpPr>
+        <p:cNvPr id="1" name=""/>
+        <p:cNvGrpSpPr/>
+        <p:nvPr/>
+      </p:nvGrpSpPr>
+      <p:grpSpPr>
+        <a:xfrm>
+          <a:off x="0" y="0"/>
+          <a:ext cx="0" cy="0"/>
+          <a:chOff x="0" y="0"/>
+          <a:chExt cx="0" cy="0"/>
+        </a:xfrm>
+      </p:grpSpPr>
+      <p:sp>
+        <p:nvSpPr>
+          <p:cNvPr id="2" name="Titel 1">
+            <a:extLst>
+              <a:ext uri="{FF2B5EF4-FFF2-40B4-BE49-F238E27FC236}">
+                <a16:creationId xmlns:a16="http://schemas.microsoft.com/office/drawing/2014/main" id="{0E077631-1EC1-4878-9FED-CB023DD13DE4}"/>
+              </a:ext>
+            </a:extLst>
+          </p:cNvPr>
+          <p:cNvSpPr>
+            <a:spLocks noGrp="1"/>
+          </p:cNvSpPr>
+          <p:nvPr>
+            <p:ph type="title"/>
+          </p:nvPr>
+        </p:nvSpPr>
+        <p:spPr>
+          <a:xfrm>
+            <a:off x="838200" y="294005"/>
+            <a:ext cx="10515600" cy="1325563"/>
+          </a:xfrm>
+        </p:spPr>
+        <p:txBody>
+          <a:bodyPr>
+            <a:noAutofit/>
+          </a:bodyPr>
+          <a:lstStyle/>
+          <a:p>
+            <a:r>
+              <a:rPr lang="de-CH" dirty="0">
+                <a:latin typeface="Arial" panose="020B0604020202020204" pitchFamily="34" charset="0"/>
+                <a:cs typeface="Arial" panose="020B0604020202020204" pitchFamily="34" charset="0"/>
+              </a:rPr>
+              <a:t>Testkonzept</a:t>
+            </a:r>
+          </a:p>
+        </p:txBody>
+      </p:sp>
+      <p:sp>
+        <p:nvSpPr>
+          <p:cNvPr id="3" name="Inhaltsplatzhalter 2">
+            <a:extLst>
+              <a:ext uri="{FF2B5EF4-FFF2-40B4-BE49-F238E27FC236}">
+                <a16:creationId xmlns:a16="http://schemas.microsoft.com/office/drawing/2014/main" id="{087CF7F0-1F3E-4360-83C5-C43A47374AC5}"/>
+              </a:ext>
+            </a:extLst>
+          </p:cNvPr>
+          <p:cNvSpPr>
+            <a:spLocks noGrp="1"/>
+          </p:cNvSpPr>
+          <p:nvPr>
+            <p:ph idx="1"/>
+          </p:nvPr>
+        </p:nvSpPr>
+        <p:spPr/>
+        <p:txBody>
+          <a:bodyPr/>
+          <a:lstStyle/>
+          <a:p>
+            <a:pPr marL="0" indent="0">
+              <a:spcAft>
+                <a:spcPts val="600"/>
+              </a:spcAft>
+              <a:buClr>
+                <a:srgbClr val="007CAA"/>
+              </a:buClr>
+              <a:buSzPct val="100000"/>
+              <a:buNone/>
+            </a:pPr>
+            <a:endParaRPr lang="de-CH" dirty="0"/>
+          </a:p>
+          <a:p>
+            <a:pPr marL="0" indent="0">
+              <a:buNone/>
+            </a:pPr>
+            <a:endParaRPr lang="de-CH" dirty="0"/>
+          </a:p>
+        </p:txBody>
+      </p:sp>
+    </p:spTree>
+    <p:extLst>
+      <p:ext uri="{BB962C8B-B14F-4D97-AF65-F5344CB8AC3E}">
+        <p14:creationId xmlns:p14="http://schemas.microsoft.com/office/powerpoint/2010/main" val="3081290772"/>
       </p:ext>
     </p:extLst>
   </p:cSld>
@@ -3597,7 +4772,7 @@
           <a:lstStyle/>
           <a:p>
             <a:r>
-              <a:rPr lang="de-CH" sz="6000" dirty="0">
+              <a:rPr lang="de-CH" dirty="0">
                 <a:latin typeface="Arial" panose="020B0604020202020204" pitchFamily="34" charset="0"/>
                 <a:cs typeface="Arial" panose="020B0604020202020204" pitchFamily="34" charset="0"/>
               </a:rPr>
@@ -3628,25 +4803,31 @@
           <a:lstStyle/>
           <a:p>
             <a:r>
-              <a:rPr lang="de-CH" sz="4400" dirty="0"/>
+              <a:rPr lang="de-CH" dirty="0"/>
               <a:t>Einleitung </a:t>
             </a:r>
           </a:p>
           <a:p>
             <a:r>
-              <a:rPr lang="de-CH" sz="4400" dirty="0"/>
+              <a:rPr lang="de-CH" dirty="0"/>
               <a:t>Organisation</a:t>
             </a:r>
           </a:p>
           <a:p>
             <a:r>
-              <a:rPr lang="de-CH" sz="4400" dirty="0"/>
+              <a:rPr lang="de-CH" dirty="0"/>
               <a:t>Softwarekonzept</a:t>
             </a:r>
           </a:p>
           <a:p>
             <a:r>
-              <a:rPr lang="de-CH" sz="4400" dirty="0"/>
+              <a:rPr lang="de-CH" dirty="0"/>
+              <a:t>Testkonzept</a:t>
+            </a:r>
+          </a:p>
+          <a:p>
+            <a:r>
+              <a:rPr lang="de-CH" dirty="0"/>
               <a:t>Schluss</a:t>
             </a:r>
           </a:p>
@@ -3693,6 +4874,108 @@
           <p:cNvPr id="2" name="Titel 1">
             <a:extLst>
               <a:ext uri="{FF2B5EF4-FFF2-40B4-BE49-F238E27FC236}">
+                <a16:creationId xmlns:a16="http://schemas.microsoft.com/office/drawing/2014/main" id="{0E077631-1EC1-4878-9FED-CB023DD13DE4}"/>
+              </a:ext>
+            </a:extLst>
+          </p:cNvPr>
+          <p:cNvSpPr>
+            <a:spLocks noGrp="1"/>
+          </p:cNvSpPr>
+          <p:nvPr>
+            <p:ph type="title"/>
+          </p:nvPr>
+        </p:nvSpPr>
+        <p:spPr>
+          <a:xfrm>
+            <a:off x="838200" y="294005"/>
+            <a:ext cx="10515600" cy="1325563"/>
+          </a:xfrm>
+        </p:spPr>
+        <p:txBody>
+          <a:bodyPr>
+            <a:normAutofit/>
+          </a:bodyPr>
+          <a:lstStyle/>
+          <a:p>
+            <a:r>
+              <a:rPr lang="de-CH" dirty="0">
+                <a:latin typeface="Arial" panose="020B0604020202020204" pitchFamily="34" charset="0"/>
+                <a:cs typeface="Arial" panose="020B0604020202020204" pitchFamily="34" charset="0"/>
+              </a:rPr>
+              <a:t>Einleitung</a:t>
+            </a:r>
+          </a:p>
+        </p:txBody>
+      </p:sp>
+      <p:sp>
+        <p:nvSpPr>
+          <p:cNvPr id="3" name="Inhaltsplatzhalter 2">
+            <a:extLst>
+              <a:ext uri="{FF2B5EF4-FFF2-40B4-BE49-F238E27FC236}">
+                <a16:creationId xmlns:a16="http://schemas.microsoft.com/office/drawing/2014/main" id="{087CF7F0-1F3E-4360-83C5-C43A47374AC5}"/>
+              </a:ext>
+            </a:extLst>
+          </p:cNvPr>
+          <p:cNvSpPr>
+            <a:spLocks noGrp="1"/>
+          </p:cNvSpPr>
+          <p:nvPr>
+            <p:ph idx="1"/>
+          </p:nvPr>
+        </p:nvSpPr>
+        <p:spPr/>
+        <p:txBody>
+          <a:bodyPr/>
+          <a:lstStyle/>
+          <a:p>
+            <a:r>
+              <a:rPr lang="de-CH" dirty="0"/>
+              <a:t>TODO Nik</a:t>
+            </a:r>
+          </a:p>
+          <a:p>
+            <a:pPr marL="0" indent="0">
+              <a:buNone/>
+            </a:pPr>
+            <a:endParaRPr lang="de-CH" dirty="0"/>
+          </a:p>
+        </p:txBody>
+      </p:sp>
+    </p:spTree>
+    <p:extLst>
+      <p:ext uri="{BB962C8B-B14F-4D97-AF65-F5344CB8AC3E}">
+        <p14:creationId xmlns:p14="http://schemas.microsoft.com/office/powerpoint/2010/main" val="450313879"/>
+      </p:ext>
+    </p:extLst>
+  </p:cSld>
+  <p:clrMapOvr>
+    <a:masterClrMapping/>
+  </p:clrMapOvr>
+</p:sld>
+</file>
+
+<file path=ppt/slides/slide4.xml><?xml version="1.0" encoding="utf-8"?>
+<p:sld xmlns:a="http://schemas.openxmlformats.org/drawingml/2006/main" xmlns:r="http://schemas.openxmlformats.org/officeDocument/2006/relationships" xmlns:p="http://schemas.openxmlformats.org/presentationml/2006/main">
+  <p:cSld>
+    <p:spTree>
+      <p:nvGrpSpPr>
+        <p:cNvPr id="1" name=""/>
+        <p:cNvGrpSpPr/>
+        <p:nvPr/>
+      </p:nvGrpSpPr>
+      <p:grpSpPr>
+        <a:xfrm>
+          <a:off x="0" y="0"/>
+          <a:ext cx="0" cy="0"/>
+          <a:chOff x="0" y="0"/>
+          <a:chExt cx="0" cy="0"/>
+        </a:xfrm>
+      </p:grpSpPr>
+      <p:sp>
+        <p:nvSpPr>
+          <p:cNvPr id="2" name="Titel 1">
+            <a:extLst>
+              <a:ext uri="{FF2B5EF4-FFF2-40B4-BE49-F238E27FC236}">
                 <a16:creationId xmlns:a16="http://schemas.microsoft.com/office/drawing/2014/main" id="{A69DEF71-540A-4E4C-8752-923505AF9749}"/>
               </a:ext>
             </a:extLst>
@@ -3784,7 +5067,7 @@
 </p:sld>
 </file>
 
-<file path=ppt/slides/slide4.xml><?xml version="1.0" encoding="utf-8"?>
+<file path=ppt/slides/slide5.xml><?xml version="1.0" encoding="utf-8"?>
 <p:sld xmlns:a="http://schemas.openxmlformats.org/drawingml/2006/main" xmlns:r="http://schemas.openxmlformats.org/officeDocument/2006/relationships" xmlns:p="http://schemas.openxmlformats.org/presentationml/2006/main">
   <p:cSld>
     <p:bg>
@@ -3902,7 +5185,7 @@
 </p:sld>
 </file>
 
-<file path=ppt/slides/slide5.xml><?xml version="1.0" encoding="utf-8"?>
+<file path=ppt/slides/slide6.xml><?xml version="1.0" encoding="utf-8"?>
 <p:sld xmlns:a="http://schemas.openxmlformats.org/drawingml/2006/main" xmlns:r="http://schemas.openxmlformats.org/officeDocument/2006/relationships" xmlns:p="http://schemas.openxmlformats.org/presentationml/2006/main">
   <p:cSld>
     <p:spTree>
@@ -4009,7 +5292,7 @@
 </p:sld>
 </file>
 
-<file path=ppt/slides/slide6.xml><?xml version="1.0" encoding="utf-8"?>
+<file path=ppt/slides/slide7.xml><?xml version="1.0" encoding="utf-8"?>
 <p:sld xmlns:a="http://schemas.openxmlformats.org/drawingml/2006/main" xmlns:r="http://schemas.openxmlformats.org/officeDocument/2006/relationships" xmlns:p="http://schemas.openxmlformats.org/presentationml/2006/main">
   <p:cSld>
     <p:spTree>
@@ -4100,7 +5383,7 @@
 </p:sld>
 </file>
 
-<file path=ppt/slides/slide7.xml><?xml version="1.0" encoding="utf-8"?>
+<file path=ppt/slides/slide8.xml><?xml version="1.0" encoding="utf-8"?>
 <p:sld xmlns:a="http://schemas.openxmlformats.org/drawingml/2006/main" xmlns:r="http://schemas.openxmlformats.org/officeDocument/2006/relationships" xmlns:p="http://schemas.openxmlformats.org/presentationml/2006/main">
   <p:cSld>
     <p:spTree>
@@ -4272,7 +5555,7 @@
 </p:sld>
 </file>
 
-<file path=ppt/slides/slide8.xml><?xml version="1.0" encoding="utf-8"?>
+<file path=ppt/slides/slide9.xml><?xml version="1.0" encoding="utf-8"?>
 <p:sld xmlns:a="http://schemas.openxmlformats.org/drawingml/2006/main" xmlns:r="http://schemas.openxmlformats.org/officeDocument/2006/relationships" xmlns:p="http://schemas.openxmlformats.org/presentationml/2006/main">
   <p:cSld>
     <p:spTree>
@@ -4435,109 +5718,6 @@
     <p:extLst>
       <p:ext uri="{BB962C8B-B14F-4D97-AF65-F5344CB8AC3E}">
         <p14:creationId xmlns:p14="http://schemas.microsoft.com/office/powerpoint/2010/main" val="984377087"/>
-      </p:ext>
-    </p:extLst>
-  </p:cSld>
-  <p:clrMapOvr>
-    <a:masterClrMapping/>
-  </p:clrMapOvr>
-</p:sld>
-</file>
-
-<file path=ppt/slides/slide9.xml><?xml version="1.0" encoding="utf-8"?>
-<p:sld xmlns:a="http://schemas.openxmlformats.org/drawingml/2006/main" xmlns:r="http://schemas.openxmlformats.org/officeDocument/2006/relationships" xmlns:p="http://schemas.openxmlformats.org/presentationml/2006/main">
-  <p:cSld>
-    <p:spTree>
-      <p:nvGrpSpPr>
-        <p:cNvPr id="1" name=""/>
-        <p:cNvGrpSpPr/>
-        <p:nvPr/>
-      </p:nvGrpSpPr>
-      <p:grpSpPr>
-        <a:xfrm>
-          <a:off x="0" y="0"/>
-          <a:ext cx="0" cy="0"/>
-          <a:chOff x="0" y="0"/>
-          <a:chExt cx="0" cy="0"/>
-        </a:xfrm>
-      </p:grpSpPr>
-      <p:sp>
-        <p:nvSpPr>
-          <p:cNvPr id="2" name="Titel 1">
-            <a:extLst>
-              <a:ext uri="{FF2B5EF4-FFF2-40B4-BE49-F238E27FC236}">
-                <a16:creationId xmlns:a16="http://schemas.microsoft.com/office/drawing/2014/main" id="{CE186811-7AA7-4857-9D92-AEB6DB8C1F63}"/>
-              </a:ext>
-            </a:extLst>
-          </p:cNvPr>
-          <p:cNvSpPr>
-            <a:spLocks noGrp="1"/>
-          </p:cNvSpPr>
-          <p:nvPr>
-            <p:ph type="title"/>
-          </p:nvPr>
-        </p:nvSpPr>
-        <p:spPr/>
-        <p:txBody>
-          <a:bodyPr/>
-          <a:lstStyle/>
-          <a:p>
-            <a:r>
-              <a:rPr lang="de-CH" dirty="0"/>
-              <a:t>Elektrotechnik</a:t>
-            </a:r>
-          </a:p>
-        </p:txBody>
-      </p:sp>
-      <p:sp>
-        <p:nvSpPr>
-          <p:cNvPr id="3" name="Inhaltsplatzhalter 2">
-            <a:extLst>
-              <a:ext uri="{FF2B5EF4-FFF2-40B4-BE49-F238E27FC236}">
-                <a16:creationId xmlns:a16="http://schemas.microsoft.com/office/drawing/2014/main" id="{0FCCD327-018D-4C6E-911B-FEEFD441F8D1}"/>
-              </a:ext>
-            </a:extLst>
-          </p:cNvPr>
-          <p:cNvSpPr>
-            <a:spLocks noGrp="1"/>
-          </p:cNvSpPr>
-          <p:nvPr>
-            <p:ph idx="1"/>
-          </p:nvPr>
-        </p:nvSpPr>
-        <p:spPr/>
-        <p:txBody>
-          <a:bodyPr/>
-          <a:lstStyle/>
-          <a:p>
-            <a:r>
-              <a:rPr lang="de-CH" dirty="0"/>
-              <a:t>Auf die Grundschaltung eingehen</a:t>
-            </a:r>
-          </a:p>
-          <a:p>
-            <a:r>
-              <a:rPr lang="de-CH" dirty="0"/>
-              <a:t>Die Schwierigkeiten </a:t>
-            </a:r>
-            <a:r>
-              <a:rPr lang="de-CH"/>
-              <a:t>der Aufgabe</a:t>
-            </a:r>
-            <a:endParaRPr lang="de-CH" dirty="0"/>
-          </a:p>
-          <a:p>
-            <a:r>
-              <a:rPr lang="de-CH" dirty="0"/>
-              <a:t>Bisherige Berechnungen vorstellen</a:t>
-            </a:r>
-          </a:p>
-        </p:txBody>
-      </p:sp>
-    </p:spTree>
-    <p:extLst>
-      <p:ext uri="{BB962C8B-B14F-4D97-AF65-F5344CB8AC3E}">
-        <p14:creationId xmlns:p14="http://schemas.microsoft.com/office/powerpoint/2010/main" val="3430439596"/>
       </p:ext>
     </p:extLst>
   </p:cSld>

--- a/Präsentation/Zwischenpräsentation.pptx
+++ b/Präsentation/Zwischenpräsentation.pptx
@@ -2,36 +2,36 @@
 <file path=ppt/presentation.xml><?xml version="1.0" encoding="utf-8"?>
 <p:presentation xmlns:a="http://schemas.openxmlformats.org/drawingml/2006/main" xmlns:r="http://schemas.openxmlformats.org/officeDocument/2006/relationships" xmlns:p="http://schemas.openxmlformats.org/presentationml/2006/main" saveSubsetFonts="1">
   <p:sldMasterIdLst>
-    <p:sldMasterId id="2147483648" r:id="rId1"/>
+    <p:sldMasterId id="2147483710" r:id="rId1"/>
   </p:sldMasterIdLst>
+  <p:notesMasterIdLst>
+    <p:notesMasterId r:id="rId18"/>
+  </p:notesMasterIdLst>
   <p:sldIdLst>
     <p:sldId id="256" r:id="rId2"/>
     <p:sldId id="257" r:id="rId3"/>
     <p:sldId id="266" r:id="rId4"/>
-    <p:sldId id="258" r:id="rId5"/>
-    <p:sldId id="262" r:id="rId6"/>
-    <p:sldId id="259" r:id="rId7"/>
-    <p:sldId id="263" r:id="rId8"/>
-    <p:sldId id="264" r:id="rId9"/>
-    <p:sldId id="265" r:id="rId10"/>
-    <p:sldId id="260" r:id="rId11"/>
-    <p:sldId id="261" r:id="rId12"/>
-    <p:sldId id="273" r:id="rId13"/>
-    <p:sldId id="267" r:id="rId14"/>
-    <p:sldId id="268" r:id="rId15"/>
-    <p:sldId id="269" r:id="rId16"/>
-    <p:sldId id="270" r:id="rId17"/>
-    <p:sldId id="271" r:id="rId18"/>
-    <p:sldId id="272" r:id="rId19"/>
-    <p:sldId id="274" r:id="rId20"/>
+    <p:sldId id="275" r:id="rId5"/>
+    <p:sldId id="263" r:id="rId6"/>
+    <p:sldId id="264" r:id="rId7"/>
+    <p:sldId id="265" r:id="rId8"/>
+    <p:sldId id="273" r:id="rId9"/>
+    <p:sldId id="267" r:id="rId10"/>
+    <p:sldId id="268" r:id="rId11"/>
+    <p:sldId id="269" r:id="rId12"/>
+    <p:sldId id="270" r:id="rId13"/>
+    <p:sldId id="271" r:id="rId14"/>
+    <p:sldId id="272" r:id="rId15"/>
+    <p:sldId id="274" r:id="rId16"/>
+    <p:sldId id="261" r:id="rId17"/>
   </p:sldIdLst>
   <p:sldSz cx="12192000" cy="6858000"/>
   <p:notesSz cx="6858000" cy="9144000"/>
   <p:defaultTextStyle>
     <a:defPPr>
-      <a:defRPr lang="de-DE"/>
+      <a:defRPr lang="en-US"/>
     </a:defPPr>
-    <a:lvl1pPr marL="0" algn="l" defTabSz="914400" rtl="0" eaLnBrk="1" latinLnBrk="0" hangingPunct="1">
+    <a:lvl1pPr marL="0" algn="l" defTabSz="457200" rtl="0" eaLnBrk="1" latinLnBrk="0" hangingPunct="1">
       <a:defRPr sz="1800" kern="1200">
         <a:solidFill>
           <a:schemeClr val="tx1"/>
@@ -41,7 +41,7 @@
         <a:cs typeface="+mn-cs"/>
       </a:defRPr>
     </a:lvl1pPr>
-    <a:lvl2pPr marL="457200" algn="l" defTabSz="914400" rtl="0" eaLnBrk="1" latinLnBrk="0" hangingPunct="1">
+    <a:lvl2pPr marL="457200" algn="l" defTabSz="457200" rtl="0" eaLnBrk="1" latinLnBrk="0" hangingPunct="1">
       <a:defRPr sz="1800" kern="1200">
         <a:solidFill>
           <a:schemeClr val="tx1"/>
@@ -51,7 +51,7 @@
         <a:cs typeface="+mn-cs"/>
       </a:defRPr>
     </a:lvl2pPr>
-    <a:lvl3pPr marL="914400" algn="l" defTabSz="914400" rtl="0" eaLnBrk="1" latinLnBrk="0" hangingPunct="1">
+    <a:lvl3pPr marL="914400" algn="l" defTabSz="457200" rtl="0" eaLnBrk="1" latinLnBrk="0" hangingPunct="1">
       <a:defRPr sz="1800" kern="1200">
         <a:solidFill>
           <a:schemeClr val="tx1"/>
@@ -61,7 +61,7 @@
         <a:cs typeface="+mn-cs"/>
       </a:defRPr>
     </a:lvl3pPr>
-    <a:lvl4pPr marL="1371600" algn="l" defTabSz="914400" rtl="0" eaLnBrk="1" latinLnBrk="0" hangingPunct="1">
+    <a:lvl4pPr marL="1371600" algn="l" defTabSz="457200" rtl="0" eaLnBrk="1" latinLnBrk="0" hangingPunct="1">
       <a:defRPr sz="1800" kern="1200">
         <a:solidFill>
           <a:schemeClr val="tx1"/>
@@ -71,7 +71,7 @@
         <a:cs typeface="+mn-cs"/>
       </a:defRPr>
     </a:lvl4pPr>
-    <a:lvl5pPr marL="1828800" algn="l" defTabSz="914400" rtl="0" eaLnBrk="1" latinLnBrk="0" hangingPunct="1">
+    <a:lvl5pPr marL="1828800" algn="l" defTabSz="457200" rtl="0" eaLnBrk="1" latinLnBrk="0" hangingPunct="1">
       <a:defRPr sz="1800" kern="1200">
         <a:solidFill>
           <a:schemeClr val="tx1"/>
@@ -81,7 +81,7 @@
         <a:cs typeface="+mn-cs"/>
       </a:defRPr>
     </a:lvl5pPr>
-    <a:lvl6pPr marL="2286000" algn="l" defTabSz="914400" rtl="0" eaLnBrk="1" latinLnBrk="0" hangingPunct="1">
+    <a:lvl6pPr marL="2286000" algn="l" defTabSz="457200" rtl="0" eaLnBrk="1" latinLnBrk="0" hangingPunct="1">
       <a:defRPr sz="1800" kern="1200">
         <a:solidFill>
           <a:schemeClr val="tx1"/>
@@ -91,7 +91,7 @@
         <a:cs typeface="+mn-cs"/>
       </a:defRPr>
     </a:lvl6pPr>
-    <a:lvl7pPr marL="2743200" algn="l" defTabSz="914400" rtl="0" eaLnBrk="1" latinLnBrk="0" hangingPunct="1">
+    <a:lvl7pPr marL="2743200" algn="l" defTabSz="457200" rtl="0" eaLnBrk="1" latinLnBrk="0" hangingPunct="1">
       <a:defRPr sz="1800" kern="1200">
         <a:solidFill>
           <a:schemeClr val="tx1"/>
@@ -101,7 +101,7 @@
         <a:cs typeface="+mn-cs"/>
       </a:defRPr>
     </a:lvl7pPr>
-    <a:lvl8pPr marL="3200400" algn="l" defTabSz="914400" rtl="0" eaLnBrk="1" latinLnBrk="0" hangingPunct="1">
+    <a:lvl8pPr marL="3200400" algn="l" defTabSz="457200" rtl="0" eaLnBrk="1" latinLnBrk="0" hangingPunct="1">
       <a:defRPr sz="1800" kern="1200">
         <a:solidFill>
           <a:schemeClr val="tx1"/>
@@ -111,7 +111,7 @@
         <a:cs typeface="+mn-cs"/>
       </a:defRPr>
     </a:lvl8pPr>
-    <a:lvl9pPr marL="3657600" algn="l" defTabSz="914400" rtl="0" eaLnBrk="1" latinLnBrk="0" hangingPunct="1">
+    <a:lvl9pPr marL="3657600" algn="l" defTabSz="457200" rtl="0" eaLnBrk="1" latinLnBrk="0" hangingPunct="1">
       <a:defRPr sz="1800" kern="1200">
         <a:solidFill>
           <a:schemeClr val="tx1"/>
@@ -130,8 +130,1648 @@
 </p:presentation>
 </file>
 
+<file path=ppt/notesMasters/notesMaster1.xml><?xml version="1.0" encoding="utf-8"?>
+<p:notesMaster xmlns:a="http://schemas.openxmlformats.org/drawingml/2006/main" xmlns:r="http://schemas.openxmlformats.org/officeDocument/2006/relationships" xmlns:p="http://schemas.openxmlformats.org/presentationml/2006/main">
+  <p:cSld>
+    <p:bg>
+      <p:bgRef idx="1001">
+        <a:schemeClr val="bg1"/>
+      </p:bgRef>
+    </p:bg>
+    <p:spTree>
+      <p:nvGrpSpPr>
+        <p:cNvPr id="1" name=""/>
+        <p:cNvGrpSpPr/>
+        <p:nvPr/>
+      </p:nvGrpSpPr>
+      <p:grpSpPr>
+        <a:xfrm>
+          <a:off x="0" y="0"/>
+          <a:ext cx="0" cy="0"/>
+          <a:chOff x="0" y="0"/>
+          <a:chExt cx="0" cy="0"/>
+        </a:xfrm>
+      </p:grpSpPr>
+      <p:sp>
+        <p:nvSpPr>
+          <p:cNvPr id="2" name="Kopfzeilenplatzhalter 1"/>
+          <p:cNvSpPr>
+            <a:spLocks noGrp="1"/>
+          </p:cNvSpPr>
+          <p:nvPr>
+            <p:ph type="hdr" sz="quarter"/>
+          </p:nvPr>
+        </p:nvSpPr>
+        <p:spPr>
+          <a:xfrm>
+            <a:off x="0" y="0"/>
+            <a:ext cx="2971800" cy="458788"/>
+          </a:xfrm>
+          <a:prstGeom prst="rect">
+            <a:avLst/>
+          </a:prstGeom>
+        </p:spPr>
+        <p:txBody>
+          <a:bodyPr vert="horz" lIns="91440" tIns="45720" rIns="91440" bIns="45720" rtlCol="0"/>
+          <a:lstStyle>
+            <a:lvl1pPr algn="l">
+              <a:defRPr sz="1200"/>
+            </a:lvl1pPr>
+          </a:lstStyle>
+          <a:p>
+            <a:endParaRPr lang="de-DE"/>
+          </a:p>
+        </p:txBody>
+      </p:sp>
+      <p:sp>
+        <p:nvSpPr>
+          <p:cNvPr id="3" name="Datumsplatzhalter 2"/>
+          <p:cNvSpPr>
+            <a:spLocks noGrp="1"/>
+          </p:cNvSpPr>
+          <p:nvPr>
+            <p:ph type="dt" idx="1"/>
+          </p:nvPr>
+        </p:nvSpPr>
+        <p:spPr>
+          <a:xfrm>
+            <a:off x="3884613" y="0"/>
+            <a:ext cx="2971800" cy="458788"/>
+          </a:xfrm>
+          <a:prstGeom prst="rect">
+            <a:avLst/>
+          </a:prstGeom>
+        </p:spPr>
+        <p:txBody>
+          <a:bodyPr vert="horz" lIns="91440" tIns="45720" rIns="91440" bIns="45720" rtlCol="0"/>
+          <a:lstStyle>
+            <a:lvl1pPr algn="r">
+              <a:defRPr sz="1200"/>
+            </a:lvl1pPr>
+          </a:lstStyle>
+          <a:p>
+            <a:fld id="{082AF0A2-73D9-4858-851E-F8063A45314E}" type="datetimeFigureOut">
+              <a:rPr lang="de-DE" smtClean="0"/>
+              <a:t>08.04.2019</a:t>
+            </a:fld>
+            <a:endParaRPr lang="de-DE"/>
+          </a:p>
+        </p:txBody>
+      </p:sp>
+      <p:sp>
+        <p:nvSpPr>
+          <p:cNvPr id="4" name="Folienbildplatzhalter 3"/>
+          <p:cNvSpPr>
+            <a:spLocks noGrp="1" noRot="1" noChangeAspect="1"/>
+          </p:cNvSpPr>
+          <p:nvPr>
+            <p:ph type="sldImg" idx="2"/>
+          </p:nvPr>
+        </p:nvSpPr>
+        <p:spPr>
+          <a:xfrm>
+            <a:off x="685800" y="1143000"/>
+            <a:ext cx="5486400" cy="3086100"/>
+          </a:xfrm>
+          <a:prstGeom prst="rect">
+            <a:avLst/>
+          </a:prstGeom>
+          <a:noFill/>
+          <a:ln w="12700">
+            <a:solidFill>
+              <a:prstClr val="black"/>
+            </a:solidFill>
+          </a:ln>
+        </p:spPr>
+        <p:txBody>
+          <a:bodyPr vert="horz" lIns="91440" tIns="45720" rIns="91440" bIns="45720" rtlCol="0" anchor="ctr"/>
+          <a:lstStyle/>
+          <a:p>
+            <a:endParaRPr lang="de-DE"/>
+          </a:p>
+        </p:txBody>
+      </p:sp>
+      <p:sp>
+        <p:nvSpPr>
+          <p:cNvPr id="5" name="Notizenplatzhalter 4"/>
+          <p:cNvSpPr>
+            <a:spLocks noGrp="1"/>
+          </p:cNvSpPr>
+          <p:nvPr>
+            <p:ph type="body" sz="quarter" idx="3"/>
+          </p:nvPr>
+        </p:nvSpPr>
+        <p:spPr>
+          <a:xfrm>
+            <a:off x="685800" y="4400550"/>
+            <a:ext cx="5486400" cy="3600450"/>
+          </a:xfrm>
+          <a:prstGeom prst="rect">
+            <a:avLst/>
+          </a:prstGeom>
+        </p:spPr>
+        <p:txBody>
+          <a:bodyPr vert="horz" lIns="91440" tIns="45720" rIns="91440" bIns="45720" rtlCol="0"/>
+          <a:lstStyle/>
+          <a:p>
+            <a:pPr lvl="0"/>
+            <a:r>
+              <a:rPr lang="de-DE"/>
+              <a:t>Mastertextformat bearbeiten</a:t>
+            </a:r>
+          </a:p>
+          <a:p>
+            <a:pPr lvl="1"/>
+            <a:r>
+              <a:rPr lang="de-DE"/>
+              <a:t>Zweite Ebene</a:t>
+            </a:r>
+          </a:p>
+          <a:p>
+            <a:pPr lvl="2"/>
+            <a:r>
+              <a:rPr lang="de-DE"/>
+              <a:t>Dritte Ebene</a:t>
+            </a:r>
+          </a:p>
+          <a:p>
+            <a:pPr lvl="3"/>
+            <a:r>
+              <a:rPr lang="de-DE"/>
+              <a:t>Vierte Ebene</a:t>
+            </a:r>
+          </a:p>
+          <a:p>
+            <a:pPr lvl="4"/>
+            <a:r>
+              <a:rPr lang="de-DE"/>
+              <a:t>Fünfte Ebene</a:t>
+            </a:r>
+          </a:p>
+        </p:txBody>
+      </p:sp>
+      <p:sp>
+        <p:nvSpPr>
+          <p:cNvPr id="6" name="Fußzeilenplatzhalter 5"/>
+          <p:cNvSpPr>
+            <a:spLocks noGrp="1"/>
+          </p:cNvSpPr>
+          <p:nvPr>
+            <p:ph type="ftr" sz="quarter" idx="4"/>
+          </p:nvPr>
+        </p:nvSpPr>
+        <p:spPr>
+          <a:xfrm>
+            <a:off x="0" y="8685213"/>
+            <a:ext cx="2971800" cy="458787"/>
+          </a:xfrm>
+          <a:prstGeom prst="rect">
+            <a:avLst/>
+          </a:prstGeom>
+        </p:spPr>
+        <p:txBody>
+          <a:bodyPr vert="horz" lIns="91440" tIns="45720" rIns="91440" bIns="45720" rtlCol="0" anchor="b"/>
+          <a:lstStyle>
+            <a:lvl1pPr algn="l">
+              <a:defRPr sz="1200"/>
+            </a:lvl1pPr>
+          </a:lstStyle>
+          <a:p>
+            <a:endParaRPr lang="de-DE"/>
+          </a:p>
+        </p:txBody>
+      </p:sp>
+      <p:sp>
+        <p:nvSpPr>
+          <p:cNvPr id="7" name="Foliennummernplatzhalter 6"/>
+          <p:cNvSpPr>
+            <a:spLocks noGrp="1"/>
+          </p:cNvSpPr>
+          <p:nvPr>
+            <p:ph type="sldNum" sz="quarter" idx="5"/>
+          </p:nvPr>
+        </p:nvSpPr>
+        <p:spPr>
+          <a:xfrm>
+            <a:off x="3884613" y="8685213"/>
+            <a:ext cx="2971800" cy="458787"/>
+          </a:xfrm>
+          <a:prstGeom prst="rect">
+            <a:avLst/>
+          </a:prstGeom>
+        </p:spPr>
+        <p:txBody>
+          <a:bodyPr vert="horz" lIns="91440" tIns="45720" rIns="91440" bIns="45720" rtlCol="0" anchor="b"/>
+          <a:lstStyle>
+            <a:lvl1pPr algn="r">
+              <a:defRPr sz="1200"/>
+            </a:lvl1pPr>
+          </a:lstStyle>
+          <a:p>
+            <a:fld id="{3F29246C-16D7-4C3E-9D9F-DF7E50C352C7}" type="slidenum">
+              <a:rPr lang="de-DE" smtClean="0"/>
+              <a:t>‹Nr.›</a:t>
+            </a:fld>
+            <a:endParaRPr lang="de-DE"/>
+          </a:p>
+        </p:txBody>
+      </p:sp>
+    </p:spTree>
+    <p:extLst>
+      <p:ext uri="{BB962C8B-B14F-4D97-AF65-F5344CB8AC3E}">
+        <p14:creationId xmlns:p14="http://schemas.microsoft.com/office/powerpoint/2010/main" val="3466780008"/>
+      </p:ext>
+    </p:extLst>
+  </p:cSld>
+  <p:clrMap bg1="lt1" tx1="dk1" bg2="lt2" tx2="dk2" accent1="accent1" accent2="accent2" accent3="accent3" accent4="accent4" accent5="accent5" accent6="accent6" hlink="hlink" folHlink="folHlink"/>
+  <p:notesStyle>
+    <a:lvl1pPr marL="0" algn="l" defTabSz="914400" rtl="0" eaLnBrk="1" latinLnBrk="0" hangingPunct="1">
+      <a:defRPr sz="1200" kern="1200">
+        <a:solidFill>
+          <a:schemeClr val="tx1"/>
+        </a:solidFill>
+        <a:latin typeface="+mn-lt"/>
+        <a:ea typeface="+mn-ea"/>
+        <a:cs typeface="+mn-cs"/>
+      </a:defRPr>
+    </a:lvl1pPr>
+    <a:lvl2pPr marL="457200" algn="l" defTabSz="914400" rtl="0" eaLnBrk="1" latinLnBrk="0" hangingPunct="1">
+      <a:defRPr sz="1200" kern="1200">
+        <a:solidFill>
+          <a:schemeClr val="tx1"/>
+        </a:solidFill>
+        <a:latin typeface="+mn-lt"/>
+        <a:ea typeface="+mn-ea"/>
+        <a:cs typeface="+mn-cs"/>
+      </a:defRPr>
+    </a:lvl2pPr>
+    <a:lvl3pPr marL="914400" algn="l" defTabSz="914400" rtl="0" eaLnBrk="1" latinLnBrk="0" hangingPunct="1">
+      <a:defRPr sz="1200" kern="1200">
+        <a:solidFill>
+          <a:schemeClr val="tx1"/>
+        </a:solidFill>
+        <a:latin typeface="+mn-lt"/>
+        <a:ea typeface="+mn-ea"/>
+        <a:cs typeface="+mn-cs"/>
+      </a:defRPr>
+    </a:lvl3pPr>
+    <a:lvl4pPr marL="1371600" algn="l" defTabSz="914400" rtl="0" eaLnBrk="1" latinLnBrk="0" hangingPunct="1">
+      <a:defRPr sz="1200" kern="1200">
+        <a:solidFill>
+          <a:schemeClr val="tx1"/>
+        </a:solidFill>
+        <a:latin typeface="+mn-lt"/>
+        <a:ea typeface="+mn-ea"/>
+        <a:cs typeface="+mn-cs"/>
+      </a:defRPr>
+    </a:lvl4pPr>
+    <a:lvl5pPr marL="1828800" algn="l" defTabSz="914400" rtl="0" eaLnBrk="1" latinLnBrk="0" hangingPunct="1">
+      <a:defRPr sz="1200" kern="1200">
+        <a:solidFill>
+          <a:schemeClr val="tx1"/>
+        </a:solidFill>
+        <a:latin typeface="+mn-lt"/>
+        <a:ea typeface="+mn-ea"/>
+        <a:cs typeface="+mn-cs"/>
+      </a:defRPr>
+    </a:lvl5pPr>
+    <a:lvl6pPr marL="2286000" algn="l" defTabSz="914400" rtl="0" eaLnBrk="1" latinLnBrk="0" hangingPunct="1">
+      <a:defRPr sz="1200" kern="1200">
+        <a:solidFill>
+          <a:schemeClr val="tx1"/>
+        </a:solidFill>
+        <a:latin typeface="+mn-lt"/>
+        <a:ea typeface="+mn-ea"/>
+        <a:cs typeface="+mn-cs"/>
+      </a:defRPr>
+    </a:lvl6pPr>
+    <a:lvl7pPr marL="2743200" algn="l" defTabSz="914400" rtl="0" eaLnBrk="1" latinLnBrk="0" hangingPunct="1">
+      <a:defRPr sz="1200" kern="1200">
+        <a:solidFill>
+          <a:schemeClr val="tx1"/>
+        </a:solidFill>
+        <a:latin typeface="+mn-lt"/>
+        <a:ea typeface="+mn-ea"/>
+        <a:cs typeface="+mn-cs"/>
+      </a:defRPr>
+    </a:lvl7pPr>
+    <a:lvl8pPr marL="3200400" algn="l" defTabSz="914400" rtl="0" eaLnBrk="1" latinLnBrk="0" hangingPunct="1">
+      <a:defRPr sz="1200" kern="1200">
+        <a:solidFill>
+          <a:schemeClr val="tx1"/>
+        </a:solidFill>
+        <a:latin typeface="+mn-lt"/>
+        <a:ea typeface="+mn-ea"/>
+        <a:cs typeface="+mn-cs"/>
+      </a:defRPr>
+    </a:lvl8pPr>
+    <a:lvl9pPr marL="3657600" algn="l" defTabSz="914400" rtl="0" eaLnBrk="1" latinLnBrk="0" hangingPunct="1">
+      <a:defRPr sz="1200" kern="1200">
+        <a:solidFill>
+          <a:schemeClr val="tx1"/>
+        </a:solidFill>
+        <a:latin typeface="+mn-lt"/>
+        <a:ea typeface="+mn-ea"/>
+        <a:cs typeface="+mn-cs"/>
+      </a:defRPr>
+    </a:lvl9pPr>
+  </p:notesStyle>
+</p:notesMaster>
+</file>
+
+<file path=ppt/notesSlides/notesSlide1.xml><?xml version="1.0" encoding="utf-8"?>
+<p:notes xmlns:a="http://schemas.openxmlformats.org/drawingml/2006/main" xmlns:r="http://schemas.openxmlformats.org/officeDocument/2006/relationships" xmlns:p="http://schemas.openxmlformats.org/presentationml/2006/main">
+  <p:cSld>
+    <p:spTree>
+      <p:nvGrpSpPr>
+        <p:cNvPr id="1" name=""/>
+        <p:cNvGrpSpPr/>
+        <p:nvPr/>
+      </p:nvGrpSpPr>
+      <p:grpSpPr>
+        <a:xfrm>
+          <a:off x="0" y="0"/>
+          <a:ext cx="0" cy="0"/>
+          <a:chOff x="0" y="0"/>
+          <a:chExt cx="0" cy="0"/>
+        </a:xfrm>
+      </p:grpSpPr>
+      <p:sp>
+        <p:nvSpPr>
+          <p:cNvPr id="2" name="Folienbildplatzhalter 1"/>
+          <p:cNvSpPr>
+            <a:spLocks noGrp="1" noRot="1" noChangeAspect="1"/>
+          </p:cNvSpPr>
+          <p:nvPr>
+            <p:ph type="sldImg"/>
+          </p:nvPr>
+        </p:nvSpPr>
+        <p:spPr/>
+      </p:sp>
+      <p:sp>
+        <p:nvSpPr>
+          <p:cNvPr id="3" name="Notizenplatzhalter 2"/>
+          <p:cNvSpPr>
+            <a:spLocks noGrp="1"/>
+          </p:cNvSpPr>
+          <p:nvPr>
+            <p:ph type="body" idx="1"/>
+          </p:nvPr>
+        </p:nvSpPr>
+        <p:spPr/>
+        <p:txBody>
+          <a:bodyPr/>
+          <a:lstStyle/>
+          <a:p>
+            <a:pPr marL="0" marR="0" lvl="0" indent="0" algn="l" defTabSz="914400" rtl="0" eaLnBrk="1" fontAlgn="auto" latinLnBrk="0" hangingPunct="1">
+              <a:lnSpc>
+                <a:spcPct val="100000"/>
+              </a:lnSpc>
+              <a:spcBef>
+                <a:spcPts val="0"/>
+              </a:spcBef>
+              <a:spcAft>
+                <a:spcPts val="0"/>
+              </a:spcAft>
+              <a:buClrTx/>
+              <a:buSzTx/>
+              <a:buFontTx/>
+              <a:buNone/>
+              <a:tabLst/>
+              <a:defRPr/>
+            </a:pPr>
+            <a:r>
+              <a:rPr lang="de-DE" dirty="0"/>
+              <a:t>Nik</a:t>
+            </a:r>
+          </a:p>
+          <a:p>
+            <a:endParaRPr lang="de-DE" dirty="0"/>
+          </a:p>
+        </p:txBody>
+      </p:sp>
+      <p:sp>
+        <p:nvSpPr>
+          <p:cNvPr id="4" name="Foliennummernplatzhalter 3"/>
+          <p:cNvSpPr>
+            <a:spLocks noGrp="1"/>
+          </p:cNvSpPr>
+          <p:nvPr>
+            <p:ph type="sldNum" sz="quarter" idx="10"/>
+          </p:nvPr>
+        </p:nvSpPr>
+        <p:spPr/>
+        <p:txBody>
+          <a:bodyPr/>
+          <a:lstStyle/>
+          <a:p>
+            <a:fld id="{3F29246C-16D7-4C3E-9D9F-DF7E50C352C7}" type="slidenum">
+              <a:rPr lang="de-DE" smtClean="0"/>
+              <a:t>1</a:t>
+            </a:fld>
+            <a:endParaRPr lang="de-DE"/>
+          </a:p>
+        </p:txBody>
+      </p:sp>
+    </p:spTree>
+    <p:extLst>
+      <p:ext uri="{BB962C8B-B14F-4D97-AF65-F5344CB8AC3E}">
+        <p14:creationId xmlns:p14="http://schemas.microsoft.com/office/powerpoint/2010/main" val="2481711493"/>
+      </p:ext>
+    </p:extLst>
+  </p:cSld>
+  <p:clrMapOvr>
+    <a:masterClrMapping/>
+  </p:clrMapOvr>
+</p:notes>
+</file>
+
+<file path=ppt/notesSlides/notesSlide10.xml><?xml version="1.0" encoding="utf-8"?>
+<p:notes xmlns:a="http://schemas.openxmlformats.org/drawingml/2006/main" xmlns:r="http://schemas.openxmlformats.org/officeDocument/2006/relationships" xmlns:p="http://schemas.openxmlformats.org/presentationml/2006/main">
+  <p:cSld>
+    <p:spTree>
+      <p:nvGrpSpPr>
+        <p:cNvPr id="1" name=""/>
+        <p:cNvGrpSpPr/>
+        <p:nvPr/>
+      </p:nvGrpSpPr>
+      <p:grpSpPr>
+        <a:xfrm>
+          <a:off x="0" y="0"/>
+          <a:ext cx="0" cy="0"/>
+          <a:chOff x="0" y="0"/>
+          <a:chExt cx="0" cy="0"/>
+        </a:xfrm>
+      </p:grpSpPr>
+      <p:sp>
+        <p:nvSpPr>
+          <p:cNvPr id="2" name="Folienbildplatzhalter 1"/>
+          <p:cNvSpPr>
+            <a:spLocks noGrp="1" noRot="1" noChangeAspect="1"/>
+          </p:cNvSpPr>
+          <p:nvPr>
+            <p:ph type="sldImg"/>
+          </p:nvPr>
+        </p:nvSpPr>
+        <p:spPr/>
+      </p:sp>
+      <p:sp>
+        <p:nvSpPr>
+          <p:cNvPr id="3" name="Notizenplatzhalter 2"/>
+          <p:cNvSpPr>
+            <a:spLocks noGrp="1"/>
+          </p:cNvSpPr>
+          <p:nvPr>
+            <p:ph type="body" idx="1"/>
+          </p:nvPr>
+        </p:nvSpPr>
+        <p:spPr/>
+        <p:txBody>
+          <a:bodyPr/>
+          <a:lstStyle/>
+          <a:p>
+            <a:pPr marL="0" marR="0" lvl="0" indent="0" algn="l" defTabSz="914400" rtl="0" eaLnBrk="1" fontAlgn="auto" latinLnBrk="0" hangingPunct="1">
+              <a:lnSpc>
+                <a:spcPct val="100000"/>
+              </a:lnSpc>
+              <a:spcBef>
+                <a:spcPts val="0"/>
+              </a:spcBef>
+              <a:spcAft>
+                <a:spcPts val="0"/>
+              </a:spcAft>
+              <a:buClrTx/>
+              <a:buSzTx/>
+              <a:buFontTx/>
+              <a:buNone/>
+              <a:tabLst/>
+              <a:defRPr/>
+            </a:pPr>
+            <a:r>
+              <a:rPr lang="de-DE" dirty="0"/>
+              <a:t>Pascal</a:t>
+            </a:r>
+          </a:p>
+          <a:p>
+            <a:endParaRPr lang="de-DE" dirty="0"/>
+          </a:p>
+        </p:txBody>
+      </p:sp>
+      <p:sp>
+        <p:nvSpPr>
+          <p:cNvPr id="4" name="Foliennummernplatzhalter 3"/>
+          <p:cNvSpPr>
+            <a:spLocks noGrp="1"/>
+          </p:cNvSpPr>
+          <p:nvPr>
+            <p:ph type="sldNum" sz="quarter" idx="10"/>
+          </p:nvPr>
+        </p:nvSpPr>
+        <p:spPr/>
+        <p:txBody>
+          <a:bodyPr/>
+          <a:lstStyle/>
+          <a:p>
+            <a:fld id="{3F29246C-16D7-4C3E-9D9F-DF7E50C352C7}" type="slidenum">
+              <a:rPr lang="de-DE" smtClean="0"/>
+              <a:t>13</a:t>
+            </a:fld>
+            <a:endParaRPr lang="de-DE"/>
+          </a:p>
+        </p:txBody>
+      </p:sp>
+    </p:spTree>
+    <p:extLst>
+      <p:ext uri="{BB962C8B-B14F-4D97-AF65-F5344CB8AC3E}">
+        <p14:creationId xmlns:p14="http://schemas.microsoft.com/office/powerpoint/2010/main" val="1725726552"/>
+      </p:ext>
+    </p:extLst>
+  </p:cSld>
+  <p:clrMapOvr>
+    <a:masterClrMapping/>
+  </p:clrMapOvr>
+</p:notes>
+</file>
+
+<file path=ppt/notesSlides/notesSlide11.xml><?xml version="1.0" encoding="utf-8"?>
+<p:notes xmlns:a="http://schemas.openxmlformats.org/drawingml/2006/main" xmlns:r="http://schemas.openxmlformats.org/officeDocument/2006/relationships" xmlns:p="http://schemas.openxmlformats.org/presentationml/2006/main">
+  <p:cSld>
+    <p:spTree>
+      <p:nvGrpSpPr>
+        <p:cNvPr id="1" name=""/>
+        <p:cNvGrpSpPr/>
+        <p:nvPr/>
+      </p:nvGrpSpPr>
+      <p:grpSpPr>
+        <a:xfrm>
+          <a:off x="0" y="0"/>
+          <a:ext cx="0" cy="0"/>
+          <a:chOff x="0" y="0"/>
+          <a:chExt cx="0" cy="0"/>
+        </a:xfrm>
+      </p:grpSpPr>
+      <p:sp>
+        <p:nvSpPr>
+          <p:cNvPr id="2" name="Folienbildplatzhalter 1"/>
+          <p:cNvSpPr>
+            <a:spLocks noGrp="1" noRot="1" noChangeAspect="1"/>
+          </p:cNvSpPr>
+          <p:nvPr>
+            <p:ph type="sldImg"/>
+          </p:nvPr>
+        </p:nvSpPr>
+        <p:spPr/>
+      </p:sp>
+      <p:sp>
+        <p:nvSpPr>
+          <p:cNvPr id="3" name="Notizenplatzhalter 2"/>
+          <p:cNvSpPr>
+            <a:spLocks noGrp="1"/>
+          </p:cNvSpPr>
+          <p:nvPr>
+            <p:ph type="body" idx="1"/>
+          </p:nvPr>
+        </p:nvSpPr>
+        <p:spPr/>
+        <p:txBody>
+          <a:bodyPr/>
+          <a:lstStyle/>
+          <a:p>
+            <a:pPr marL="0" marR="0" lvl="0" indent="0" algn="l" defTabSz="914400" rtl="0" eaLnBrk="1" fontAlgn="auto" latinLnBrk="0" hangingPunct="1">
+              <a:lnSpc>
+                <a:spcPct val="100000"/>
+              </a:lnSpc>
+              <a:spcBef>
+                <a:spcPts val="0"/>
+              </a:spcBef>
+              <a:spcAft>
+                <a:spcPts val="0"/>
+              </a:spcAft>
+              <a:buClrTx/>
+              <a:buSzTx/>
+              <a:buFontTx/>
+              <a:buNone/>
+              <a:tabLst/>
+              <a:defRPr/>
+            </a:pPr>
+            <a:r>
+              <a:rPr lang="de-DE" dirty="0"/>
+              <a:t>Pascal</a:t>
+            </a:r>
+          </a:p>
+          <a:p>
+            <a:endParaRPr lang="de-DE" dirty="0"/>
+          </a:p>
+        </p:txBody>
+      </p:sp>
+      <p:sp>
+        <p:nvSpPr>
+          <p:cNvPr id="4" name="Foliennummernplatzhalter 3"/>
+          <p:cNvSpPr>
+            <a:spLocks noGrp="1"/>
+          </p:cNvSpPr>
+          <p:nvPr>
+            <p:ph type="sldNum" sz="quarter" idx="10"/>
+          </p:nvPr>
+        </p:nvSpPr>
+        <p:spPr/>
+        <p:txBody>
+          <a:bodyPr/>
+          <a:lstStyle/>
+          <a:p>
+            <a:fld id="{3F29246C-16D7-4C3E-9D9F-DF7E50C352C7}" type="slidenum">
+              <a:rPr lang="de-DE" smtClean="0"/>
+              <a:t>14</a:t>
+            </a:fld>
+            <a:endParaRPr lang="de-DE"/>
+          </a:p>
+        </p:txBody>
+      </p:sp>
+    </p:spTree>
+    <p:extLst>
+      <p:ext uri="{BB962C8B-B14F-4D97-AF65-F5344CB8AC3E}">
+        <p14:creationId xmlns:p14="http://schemas.microsoft.com/office/powerpoint/2010/main" val="1536814099"/>
+      </p:ext>
+    </p:extLst>
+  </p:cSld>
+  <p:clrMapOvr>
+    <a:masterClrMapping/>
+  </p:clrMapOvr>
+</p:notes>
+</file>
+
+<file path=ppt/notesSlides/notesSlide12.xml><?xml version="1.0" encoding="utf-8"?>
+<p:notes xmlns:a="http://schemas.openxmlformats.org/drawingml/2006/main" xmlns:r="http://schemas.openxmlformats.org/officeDocument/2006/relationships" xmlns:p="http://schemas.openxmlformats.org/presentationml/2006/main">
+  <p:cSld>
+    <p:spTree>
+      <p:nvGrpSpPr>
+        <p:cNvPr id="1" name=""/>
+        <p:cNvGrpSpPr/>
+        <p:nvPr/>
+      </p:nvGrpSpPr>
+      <p:grpSpPr>
+        <a:xfrm>
+          <a:off x="0" y="0"/>
+          <a:ext cx="0" cy="0"/>
+          <a:chOff x="0" y="0"/>
+          <a:chExt cx="0" cy="0"/>
+        </a:xfrm>
+      </p:grpSpPr>
+      <p:sp>
+        <p:nvSpPr>
+          <p:cNvPr id="2" name="Folienbildplatzhalter 1"/>
+          <p:cNvSpPr>
+            <a:spLocks noGrp="1" noRot="1" noChangeAspect="1"/>
+          </p:cNvSpPr>
+          <p:nvPr>
+            <p:ph type="sldImg"/>
+          </p:nvPr>
+        </p:nvSpPr>
+        <p:spPr/>
+      </p:sp>
+      <p:sp>
+        <p:nvSpPr>
+          <p:cNvPr id="3" name="Notizenplatzhalter 2"/>
+          <p:cNvSpPr>
+            <a:spLocks noGrp="1"/>
+          </p:cNvSpPr>
+          <p:nvPr>
+            <p:ph type="body" idx="1"/>
+          </p:nvPr>
+        </p:nvSpPr>
+        <p:spPr/>
+        <p:txBody>
+          <a:bodyPr/>
+          <a:lstStyle/>
+          <a:p>
+            <a:r>
+              <a:rPr lang="de-DE" dirty="0"/>
+              <a:t>Simon</a:t>
+            </a:r>
+          </a:p>
+        </p:txBody>
+      </p:sp>
+      <p:sp>
+        <p:nvSpPr>
+          <p:cNvPr id="4" name="Foliennummernplatzhalter 3"/>
+          <p:cNvSpPr>
+            <a:spLocks noGrp="1"/>
+          </p:cNvSpPr>
+          <p:nvPr>
+            <p:ph type="sldNum" sz="quarter" idx="10"/>
+          </p:nvPr>
+        </p:nvSpPr>
+        <p:spPr/>
+        <p:txBody>
+          <a:bodyPr/>
+          <a:lstStyle/>
+          <a:p>
+            <a:fld id="{3F29246C-16D7-4C3E-9D9F-DF7E50C352C7}" type="slidenum">
+              <a:rPr lang="de-DE" smtClean="0"/>
+              <a:t>15</a:t>
+            </a:fld>
+            <a:endParaRPr lang="de-DE"/>
+          </a:p>
+        </p:txBody>
+      </p:sp>
+    </p:spTree>
+    <p:extLst>
+      <p:ext uri="{BB962C8B-B14F-4D97-AF65-F5344CB8AC3E}">
+        <p14:creationId xmlns:p14="http://schemas.microsoft.com/office/powerpoint/2010/main" val="2367442526"/>
+      </p:ext>
+    </p:extLst>
+  </p:cSld>
+  <p:clrMapOvr>
+    <a:masterClrMapping/>
+  </p:clrMapOvr>
+</p:notes>
+</file>
+
+<file path=ppt/notesSlides/notesSlide13.xml><?xml version="1.0" encoding="utf-8"?>
+<p:notes xmlns:a="http://schemas.openxmlformats.org/drawingml/2006/main" xmlns:r="http://schemas.openxmlformats.org/officeDocument/2006/relationships" xmlns:p="http://schemas.openxmlformats.org/presentationml/2006/main">
+  <p:cSld>
+    <p:spTree>
+      <p:nvGrpSpPr>
+        <p:cNvPr id="1" name=""/>
+        <p:cNvGrpSpPr/>
+        <p:nvPr/>
+      </p:nvGrpSpPr>
+      <p:grpSpPr>
+        <a:xfrm>
+          <a:off x="0" y="0"/>
+          <a:ext cx="0" cy="0"/>
+          <a:chOff x="0" y="0"/>
+          <a:chExt cx="0" cy="0"/>
+        </a:xfrm>
+      </p:grpSpPr>
+      <p:sp>
+        <p:nvSpPr>
+          <p:cNvPr id="2" name="Folienbildplatzhalter 1"/>
+          <p:cNvSpPr>
+            <a:spLocks noGrp="1" noRot="1" noChangeAspect="1"/>
+          </p:cNvSpPr>
+          <p:nvPr>
+            <p:ph type="sldImg"/>
+          </p:nvPr>
+        </p:nvSpPr>
+        <p:spPr/>
+      </p:sp>
+      <p:sp>
+        <p:nvSpPr>
+          <p:cNvPr id="3" name="Notizenplatzhalter 2"/>
+          <p:cNvSpPr>
+            <a:spLocks noGrp="1"/>
+          </p:cNvSpPr>
+          <p:nvPr>
+            <p:ph type="body" idx="1"/>
+          </p:nvPr>
+        </p:nvSpPr>
+        <p:spPr/>
+        <p:txBody>
+          <a:bodyPr/>
+          <a:lstStyle/>
+          <a:p>
+            <a:r>
+              <a:rPr lang="de-DE" dirty="0"/>
+              <a:t>Simon</a:t>
+            </a:r>
+          </a:p>
+        </p:txBody>
+      </p:sp>
+      <p:sp>
+        <p:nvSpPr>
+          <p:cNvPr id="4" name="Foliennummernplatzhalter 3"/>
+          <p:cNvSpPr>
+            <a:spLocks noGrp="1"/>
+          </p:cNvSpPr>
+          <p:nvPr>
+            <p:ph type="sldNum" sz="quarter" idx="10"/>
+          </p:nvPr>
+        </p:nvSpPr>
+        <p:spPr/>
+        <p:txBody>
+          <a:bodyPr/>
+          <a:lstStyle/>
+          <a:p>
+            <a:fld id="{3F29246C-16D7-4C3E-9D9F-DF7E50C352C7}" type="slidenum">
+              <a:rPr lang="de-DE" smtClean="0"/>
+              <a:t>16</a:t>
+            </a:fld>
+            <a:endParaRPr lang="de-DE"/>
+          </a:p>
+        </p:txBody>
+      </p:sp>
+    </p:spTree>
+    <p:extLst>
+      <p:ext uri="{BB962C8B-B14F-4D97-AF65-F5344CB8AC3E}">
+        <p14:creationId xmlns:p14="http://schemas.microsoft.com/office/powerpoint/2010/main" val="1479092566"/>
+      </p:ext>
+    </p:extLst>
+  </p:cSld>
+  <p:clrMapOvr>
+    <a:masterClrMapping/>
+  </p:clrMapOvr>
+</p:notes>
+</file>
+
+<file path=ppt/notesSlides/notesSlide2.xml><?xml version="1.0" encoding="utf-8"?>
+<p:notes xmlns:a="http://schemas.openxmlformats.org/drawingml/2006/main" xmlns:r="http://schemas.openxmlformats.org/officeDocument/2006/relationships" xmlns:p="http://schemas.openxmlformats.org/presentationml/2006/main">
+  <p:cSld>
+    <p:spTree>
+      <p:nvGrpSpPr>
+        <p:cNvPr id="1" name=""/>
+        <p:cNvGrpSpPr/>
+        <p:nvPr/>
+      </p:nvGrpSpPr>
+      <p:grpSpPr>
+        <a:xfrm>
+          <a:off x="0" y="0"/>
+          <a:ext cx="0" cy="0"/>
+          <a:chOff x="0" y="0"/>
+          <a:chExt cx="0" cy="0"/>
+        </a:xfrm>
+      </p:grpSpPr>
+      <p:sp>
+        <p:nvSpPr>
+          <p:cNvPr id="2" name="Folienbildplatzhalter 1"/>
+          <p:cNvSpPr>
+            <a:spLocks noGrp="1" noRot="1" noChangeAspect="1"/>
+          </p:cNvSpPr>
+          <p:nvPr>
+            <p:ph type="sldImg"/>
+          </p:nvPr>
+        </p:nvSpPr>
+        <p:spPr/>
+      </p:sp>
+      <p:sp>
+        <p:nvSpPr>
+          <p:cNvPr id="3" name="Notizenplatzhalter 2"/>
+          <p:cNvSpPr>
+            <a:spLocks noGrp="1"/>
+          </p:cNvSpPr>
+          <p:nvPr>
+            <p:ph type="body" idx="1"/>
+          </p:nvPr>
+        </p:nvSpPr>
+        <p:spPr/>
+        <p:txBody>
+          <a:bodyPr/>
+          <a:lstStyle/>
+          <a:p>
+            <a:pPr marL="0" marR="0" lvl="0" indent="0" algn="l" defTabSz="914400" rtl="0" eaLnBrk="1" fontAlgn="auto" latinLnBrk="0" hangingPunct="1">
+              <a:lnSpc>
+                <a:spcPct val="100000"/>
+              </a:lnSpc>
+              <a:spcBef>
+                <a:spcPts val="0"/>
+              </a:spcBef>
+              <a:spcAft>
+                <a:spcPts val="0"/>
+              </a:spcAft>
+              <a:buClrTx/>
+              <a:buSzTx/>
+              <a:buFontTx/>
+              <a:buNone/>
+              <a:tabLst/>
+              <a:defRPr/>
+            </a:pPr>
+            <a:r>
+              <a:rPr lang="de-DE" dirty="0"/>
+              <a:t>Nik</a:t>
+            </a:r>
+          </a:p>
+          <a:p>
+            <a:endParaRPr lang="de-DE" dirty="0"/>
+          </a:p>
+        </p:txBody>
+      </p:sp>
+      <p:sp>
+        <p:nvSpPr>
+          <p:cNvPr id="4" name="Foliennummernplatzhalter 3"/>
+          <p:cNvSpPr>
+            <a:spLocks noGrp="1"/>
+          </p:cNvSpPr>
+          <p:nvPr>
+            <p:ph type="sldNum" sz="quarter" idx="10"/>
+          </p:nvPr>
+        </p:nvSpPr>
+        <p:spPr/>
+        <p:txBody>
+          <a:bodyPr/>
+          <a:lstStyle/>
+          <a:p>
+            <a:fld id="{3F29246C-16D7-4C3E-9D9F-DF7E50C352C7}" type="slidenum">
+              <a:rPr lang="de-DE" smtClean="0"/>
+              <a:t>2</a:t>
+            </a:fld>
+            <a:endParaRPr lang="de-DE"/>
+          </a:p>
+        </p:txBody>
+      </p:sp>
+    </p:spTree>
+    <p:extLst>
+      <p:ext uri="{BB962C8B-B14F-4D97-AF65-F5344CB8AC3E}">
+        <p14:creationId xmlns:p14="http://schemas.microsoft.com/office/powerpoint/2010/main" val="3449548892"/>
+      </p:ext>
+    </p:extLst>
+  </p:cSld>
+  <p:clrMapOvr>
+    <a:masterClrMapping/>
+  </p:clrMapOvr>
+</p:notes>
+</file>
+
+<file path=ppt/notesSlides/notesSlide3.xml><?xml version="1.0" encoding="utf-8"?>
+<p:notes xmlns:a="http://schemas.openxmlformats.org/drawingml/2006/main" xmlns:r="http://schemas.openxmlformats.org/officeDocument/2006/relationships" xmlns:p="http://schemas.openxmlformats.org/presentationml/2006/main">
+  <p:cSld>
+    <p:spTree>
+      <p:nvGrpSpPr>
+        <p:cNvPr id="1" name=""/>
+        <p:cNvGrpSpPr/>
+        <p:nvPr/>
+      </p:nvGrpSpPr>
+      <p:grpSpPr>
+        <a:xfrm>
+          <a:off x="0" y="0"/>
+          <a:ext cx="0" cy="0"/>
+          <a:chOff x="0" y="0"/>
+          <a:chExt cx="0" cy="0"/>
+        </a:xfrm>
+      </p:grpSpPr>
+      <p:sp>
+        <p:nvSpPr>
+          <p:cNvPr id="2" name="Folienbildplatzhalter 1"/>
+          <p:cNvSpPr>
+            <a:spLocks noGrp="1" noRot="1" noChangeAspect="1"/>
+          </p:cNvSpPr>
+          <p:nvPr>
+            <p:ph type="sldImg"/>
+          </p:nvPr>
+        </p:nvSpPr>
+        <p:spPr/>
+      </p:sp>
+      <p:sp>
+        <p:nvSpPr>
+          <p:cNvPr id="3" name="Notizenplatzhalter 2"/>
+          <p:cNvSpPr>
+            <a:spLocks noGrp="1"/>
+          </p:cNvSpPr>
+          <p:nvPr>
+            <p:ph type="body" idx="1"/>
+          </p:nvPr>
+        </p:nvSpPr>
+        <p:spPr/>
+        <p:txBody>
+          <a:bodyPr/>
+          <a:lstStyle/>
+          <a:p>
+            <a:pPr marL="0" marR="0" lvl="0" indent="0" algn="l" defTabSz="914400" rtl="0" eaLnBrk="1" fontAlgn="auto" latinLnBrk="0" hangingPunct="1">
+              <a:lnSpc>
+                <a:spcPct val="100000"/>
+              </a:lnSpc>
+              <a:spcBef>
+                <a:spcPts val="0"/>
+              </a:spcBef>
+              <a:spcAft>
+                <a:spcPts val="0"/>
+              </a:spcAft>
+              <a:buClrTx/>
+              <a:buSzTx/>
+              <a:buFontTx/>
+              <a:buNone/>
+              <a:tabLst/>
+              <a:defRPr/>
+            </a:pPr>
+            <a:r>
+              <a:rPr lang="de-DE" dirty="0"/>
+              <a:t>Nik</a:t>
+            </a:r>
+          </a:p>
+          <a:p>
+            <a:endParaRPr lang="de-DE" dirty="0"/>
+          </a:p>
+        </p:txBody>
+      </p:sp>
+      <p:sp>
+        <p:nvSpPr>
+          <p:cNvPr id="4" name="Foliennummernplatzhalter 3"/>
+          <p:cNvSpPr>
+            <a:spLocks noGrp="1"/>
+          </p:cNvSpPr>
+          <p:nvPr>
+            <p:ph type="sldNum" sz="quarter" idx="10"/>
+          </p:nvPr>
+        </p:nvSpPr>
+        <p:spPr/>
+        <p:txBody>
+          <a:bodyPr/>
+          <a:lstStyle/>
+          <a:p>
+            <a:fld id="{3F29246C-16D7-4C3E-9D9F-DF7E50C352C7}" type="slidenum">
+              <a:rPr lang="de-DE" smtClean="0"/>
+              <a:t>3</a:t>
+            </a:fld>
+            <a:endParaRPr lang="de-DE"/>
+          </a:p>
+        </p:txBody>
+      </p:sp>
+    </p:spTree>
+    <p:extLst>
+      <p:ext uri="{BB962C8B-B14F-4D97-AF65-F5344CB8AC3E}">
+        <p14:creationId xmlns:p14="http://schemas.microsoft.com/office/powerpoint/2010/main" val="1548001435"/>
+      </p:ext>
+    </p:extLst>
+  </p:cSld>
+  <p:clrMapOvr>
+    <a:masterClrMapping/>
+  </p:clrMapOvr>
+</p:notes>
+</file>
+
+<file path=ppt/notesSlides/notesSlide4.xml><?xml version="1.0" encoding="utf-8"?>
+<p:notes xmlns:a="http://schemas.openxmlformats.org/drawingml/2006/main" xmlns:r="http://schemas.openxmlformats.org/officeDocument/2006/relationships" xmlns:p="http://schemas.openxmlformats.org/presentationml/2006/main">
+  <p:cSld>
+    <p:spTree>
+      <p:nvGrpSpPr>
+        <p:cNvPr id="1" name=""/>
+        <p:cNvGrpSpPr/>
+        <p:nvPr/>
+      </p:nvGrpSpPr>
+      <p:grpSpPr>
+        <a:xfrm>
+          <a:off x="0" y="0"/>
+          <a:ext cx="0" cy="0"/>
+          <a:chOff x="0" y="0"/>
+          <a:chExt cx="0" cy="0"/>
+        </a:xfrm>
+      </p:grpSpPr>
+      <p:sp>
+        <p:nvSpPr>
+          <p:cNvPr id="2" name="Folienbildplatzhalter 1"/>
+          <p:cNvSpPr>
+            <a:spLocks noGrp="1" noRot="1" noChangeAspect="1"/>
+          </p:cNvSpPr>
+          <p:nvPr>
+            <p:ph type="sldImg"/>
+          </p:nvPr>
+        </p:nvSpPr>
+        <p:spPr/>
+      </p:sp>
+      <p:sp>
+        <p:nvSpPr>
+          <p:cNvPr id="3" name="Notizenplatzhalter 2"/>
+          <p:cNvSpPr>
+            <a:spLocks noGrp="1"/>
+          </p:cNvSpPr>
+          <p:nvPr>
+            <p:ph type="body" idx="1"/>
+          </p:nvPr>
+        </p:nvSpPr>
+        <p:spPr/>
+        <p:txBody>
+          <a:bodyPr/>
+          <a:lstStyle/>
+          <a:p>
+            <a:r>
+              <a:rPr lang="de-DE" dirty="0"/>
+              <a:t>Nik</a:t>
+            </a:r>
+          </a:p>
+        </p:txBody>
+      </p:sp>
+      <p:sp>
+        <p:nvSpPr>
+          <p:cNvPr id="4" name="Foliennummernplatzhalter 3"/>
+          <p:cNvSpPr>
+            <a:spLocks noGrp="1"/>
+          </p:cNvSpPr>
+          <p:nvPr>
+            <p:ph type="sldNum" sz="quarter" idx="10"/>
+          </p:nvPr>
+        </p:nvSpPr>
+        <p:spPr/>
+        <p:txBody>
+          <a:bodyPr/>
+          <a:lstStyle/>
+          <a:p>
+            <a:fld id="{3F29246C-16D7-4C3E-9D9F-DF7E50C352C7}" type="slidenum">
+              <a:rPr lang="de-DE" smtClean="0"/>
+              <a:t>4</a:t>
+            </a:fld>
+            <a:endParaRPr lang="de-DE"/>
+          </a:p>
+        </p:txBody>
+      </p:sp>
+    </p:spTree>
+    <p:extLst>
+      <p:ext uri="{BB962C8B-B14F-4D97-AF65-F5344CB8AC3E}">
+        <p14:creationId xmlns:p14="http://schemas.microsoft.com/office/powerpoint/2010/main" val="1623093539"/>
+      </p:ext>
+    </p:extLst>
+  </p:cSld>
+  <p:clrMapOvr>
+    <a:masterClrMapping/>
+  </p:clrMapOvr>
+</p:notes>
+</file>
+
+<file path=ppt/notesSlides/notesSlide5.xml><?xml version="1.0" encoding="utf-8"?>
+<p:notes xmlns:a="http://schemas.openxmlformats.org/drawingml/2006/main" xmlns:r="http://schemas.openxmlformats.org/officeDocument/2006/relationships" xmlns:p="http://schemas.openxmlformats.org/presentationml/2006/main">
+  <p:cSld>
+    <p:spTree>
+      <p:nvGrpSpPr>
+        <p:cNvPr id="1" name=""/>
+        <p:cNvGrpSpPr/>
+        <p:nvPr/>
+      </p:nvGrpSpPr>
+      <p:grpSpPr>
+        <a:xfrm>
+          <a:off x="0" y="0"/>
+          <a:ext cx="0" cy="0"/>
+          <a:chOff x="0" y="0"/>
+          <a:chExt cx="0" cy="0"/>
+        </a:xfrm>
+      </p:grpSpPr>
+      <p:sp>
+        <p:nvSpPr>
+          <p:cNvPr id="2" name="Folienbildplatzhalter 1"/>
+          <p:cNvSpPr>
+            <a:spLocks noGrp="1" noRot="1" noChangeAspect="1"/>
+          </p:cNvSpPr>
+          <p:nvPr>
+            <p:ph type="sldImg"/>
+          </p:nvPr>
+        </p:nvSpPr>
+        <p:spPr/>
+      </p:sp>
+      <p:sp>
+        <p:nvSpPr>
+          <p:cNvPr id="3" name="Notizenplatzhalter 2"/>
+          <p:cNvSpPr>
+            <a:spLocks noGrp="1"/>
+          </p:cNvSpPr>
+          <p:nvPr>
+            <p:ph type="body" idx="1"/>
+          </p:nvPr>
+        </p:nvSpPr>
+        <p:spPr/>
+        <p:txBody>
+          <a:bodyPr/>
+          <a:lstStyle/>
+          <a:p>
+            <a:r>
+              <a:rPr lang="de-DE" dirty="0"/>
+              <a:t>Pascal</a:t>
+            </a:r>
+          </a:p>
+        </p:txBody>
+      </p:sp>
+      <p:sp>
+        <p:nvSpPr>
+          <p:cNvPr id="4" name="Foliennummernplatzhalter 3"/>
+          <p:cNvSpPr>
+            <a:spLocks noGrp="1"/>
+          </p:cNvSpPr>
+          <p:nvPr>
+            <p:ph type="sldNum" sz="quarter" idx="10"/>
+          </p:nvPr>
+        </p:nvSpPr>
+        <p:spPr/>
+        <p:txBody>
+          <a:bodyPr/>
+          <a:lstStyle/>
+          <a:p>
+            <a:fld id="{3F29246C-16D7-4C3E-9D9F-DF7E50C352C7}" type="slidenum">
+              <a:rPr lang="de-DE" smtClean="0"/>
+              <a:t>8</a:t>
+            </a:fld>
+            <a:endParaRPr lang="de-DE"/>
+          </a:p>
+        </p:txBody>
+      </p:sp>
+    </p:spTree>
+    <p:extLst>
+      <p:ext uri="{BB962C8B-B14F-4D97-AF65-F5344CB8AC3E}">
+        <p14:creationId xmlns:p14="http://schemas.microsoft.com/office/powerpoint/2010/main" val="3703624786"/>
+      </p:ext>
+    </p:extLst>
+  </p:cSld>
+  <p:clrMapOvr>
+    <a:masterClrMapping/>
+  </p:clrMapOvr>
+</p:notes>
+</file>
+
+<file path=ppt/notesSlides/notesSlide6.xml><?xml version="1.0" encoding="utf-8"?>
+<p:notes xmlns:a="http://schemas.openxmlformats.org/drawingml/2006/main" xmlns:r="http://schemas.openxmlformats.org/officeDocument/2006/relationships" xmlns:p="http://schemas.openxmlformats.org/presentationml/2006/main">
+  <p:cSld>
+    <p:spTree>
+      <p:nvGrpSpPr>
+        <p:cNvPr id="1" name=""/>
+        <p:cNvGrpSpPr/>
+        <p:nvPr/>
+      </p:nvGrpSpPr>
+      <p:grpSpPr>
+        <a:xfrm>
+          <a:off x="0" y="0"/>
+          <a:ext cx="0" cy="0"/>
+          <a:chOff x="0" y="0"/>
+          <a:chExt cx="0" cy="0"/>
+        </a:xfrm>
+      </p:grpSpPr>
+      <p:sp>
+        <p:nvSpPr>
+          <p:cNvPr id="2" name="Folienbildplatzhalter 1"/>
+          <p:cNvSpPr>
+            <a:spLocks noGrp="1" noRot="1" noChangeAspect="1"/>
+          </p:cNvSpPr>
+          <p:nvPr>
+            <p:ph type="sldImg"/>
+          </p:nvPr>
+        </p:nvSpPr>
+        <p:spPr/>
+      </p:sp>
+      <p:sp>
+        <p:nvSpPr>
+          <p:cNvPr id="3" name="Notizenplatzhalter 2"/>
+          <p:cNvSpPr>
+            <a:spLocks noGrp="1"/>
+          </p:cNvSpPr>
+          <p:nvPr>
+            <p:ph type="body" idx="1"/>
+          </p:nvPr>
+        </p:nvSpPr>
+        <p:spPr/>
+        <p:txBody>
+          <a:bodyPr/>
+          <a:lstStyle/>
+          <a:p>
+            <a:pPr marL="0" marR="0" lvl="0" indent="0" algn="l" defTabSz="914400" rtl="0" eaLnBrk="1" fontAlgn="auto" latinLnBrk="0" hangingPunct="1">
+              <a:lnSpc>
+                <a:spcPct val="100000"/>
+              </a:lnSpc>
+              <a:spcBef>
+                <a:spcPts val="0"/>
+              </a:spcBef>
+              <a:spcAft>
+                <a:spcPts val="0"/>
+              </a:spcAft>
+              <a:buClrTx/>
+              <a:buSzTx/>
+              <a:buFontTx/>
+              <a:buNone/>
+              <a:tabLst/>
+              <a:defRPr/>
+            </a:pPr>
+            <a:r>
+              <a:rPr lang="de-DE" dirty="0"/>
+              <a:t>Pascal</a:t>
+            </a:r>
+          </a:p>
+          <a:p>
+            <a:endParaRPr lang="de-DE" dirty="0"/>
+          </a:p>
+        </p:txBody>
+      </p:sp>
+      <p:sp>
+        <p:nvSpPr>
+          <p:cNvPr id="4" name="Foliennummernplatzhalter 3"/>
+          <p:cNvSpPr>
+            <a:spLocks noGrp="1"/>
+          </p:cNvSpPr>
+          <p:nvPr>
+            <p:ph type="sldNum" sz="quarter" idx="10"/>
+          </p:nvPr>
+        </p:nvSpPr>
+        <p:spPr/>
+        <p:txBody>
+          <a:bodyPr/>
+          <a:lstStyle/>
+          <a:p>
+            <a:fld id="{3F29246C-16D7-4C3E-9D9F-DF7E50C352C7}" type="slidenum">
+              <a:rPr lang="de-DE" smtClean="0"/>
+              <a:t>9</a:t>
+            </a:fld>
+            <a:endParaRPr lang="de-DE"/>
+          </a:p>
+        </p:txBody>
+      </p:sp>
+    </p:spTree>
+    <p:extLst>
+      <p:ext uri="{BB962C8B-B14F-4D97-AF65-F5344CB8AC3E}">
+        <p14:creationId xmlns:p14="http://schemas.microsoft.com/office/powerpoint/2010/main" val="4106339053"/>
+      </p:ext>
+    </p:extLst>
+  </p:cSld>
+  <p:clrMapOvr>
+    <a:masterClrMapping/>
+  </p:clrMapOvr>
+</p:notes>
+</file>
+
+<file path=ppt/notesSlides/notesSlide7.xml><?xml version="1.0" encoding="utf-8"?>
+<p:notes xmlns:a="http://schemas.openxmlformats.org/drawingml/2006/main" xmlns:r="http://schemas.openxmlformats.org/officeDocument/2006/relationships" xmlns:p="http://schemas.openxmlformats.org/presentationml/2006/main">
+  <p:cSld>
+    <p:spTree>
+      <p:nvGrpSpPr>
+        <p:cNvPr id="1" name=""/>
+        <p:cNvGrpSpPr/>
+        <p:nvPr/>
+      </p:nvGrpSpPr>
+      <p:grpSpPr>
+        <a:xfrm>
+          <a:off x="0" y="0"/>
+          <a:ext cx="0" cy="0"/>
+          <a:chOff x="0" y="0"/>
+          <a:chExt cx="0" cy="0"/>
+        </a:xfrm>
+      </p:grpSpPr>
+      <p:sp>
+        <p:nvSpPr>
+          <p:cNvPr id="2" name="Folienbildplatzhalter 1"/>
+          <p:cNvSpPr>
+            <a:spLocks noGrp="1" noRot="1" noChangeAspect="1"/>
+          </p:cNvSpPr>
+          <p:nvPr>
+            <p:ph type="sldImg"/>
+          </p:nvPr>
+        </p:nvSpPr>
+        <p:spPr/>
+      </p:sp>
+      <p:sp>
+        <p:nvSpPr>
+          <p:cNvPr id="3" name="Notizenplatzhalter 2"/>
+          <p:cNvSpPr>
+            <a:spLocks noGrp="1"/>
+          </p:cNvSpPr>
+          <p:nvPr>
+            <p:ph type="body" idx="1"/>
+          </p:nvPr>
+        </p:nvSpPr>
+        <p:spPr/>
+        <p:txBody>
+          <a:bodyPr/>
+          <a:lstStyle/>
+          <a:p>
+            <a:pPr marL="0" marR="0" lvl="0" indent="0" algn="l" defTabSz="914400" rtl="0" eaLnBrk="1" fontAlgn="auto" latinLnBrk="0" hangingPunct="1">
+              <a:lnSpc>
+                <a:spcPct val="100000"/>
+              </a:lnSpc>
+              <a:spcBef>
+                <a:spcPts val="0"/>
+              </a:spcBef>
+              <a:spcAft>
+                <a:spcPts val="0"/>
+              </a:spcAft>
+              <a:buClrTx/>
+              <a:buSzTx/>
+              <a:buFontTx/>
+              <a:buNone/>
+              <a:tabLst/>
+              <a:defRPr/>
+            </a:pPr>
+            <a:r>
+              <a:rPr lang="de-DE" dirty="0"/>
+              <a:t>Pascal</a:t>
+            </a:r>
+          </a:p>
+          <a:p>
+            <a:endParaRPr lang="de-DE" dirty="0"/>
+          </a:p>
+        </p:txBody>
+      </p:sp>
+      <p:sp>
+        <p:nvSpPr>
+          <p:cNvPr id="4" name="Foliennummernplatzhalter 3"/>
+          <p:cNvSpPr>
+            <a:spLocks noGrp="1"/>
+          </p:cNvSpPr>
+          <p:nvPr>
+            <p:ph type="sldNum" sz="quarter" idx="10"/>
+          </p:nvPr>
+        </p:nvSpPr>
+        <p:spPr/>
+        <p:txBody>
+          <a:bodyPr/>
+          <a:lstStyle/>
+          <a:p>
+            <a:fld id="{3F29246C-16D7-4C3E-9D9F-DF7E50C352C7}" type="slidenum">
+              <a:rPr lang="de-DE" smtClean="0"/>
+              <a:t>10</a:t>
+            </a:fld>
+            <a:endParaRPr lang="de-DE"/>
+          </a:p>
+        </p:txBody>
+      </p:sp>
+    </p:spTree>
+    <p:extLst>
+      <p:ext uri="{BB962C8B-B14F-4D97-AF65-F5344CB8AC3E}">
+        <p14:creationId xmlns:p14="http://schemas.microsoft.com/office/powerpoint/2010/main" val="4217144691"/>
+      </p:ext>
+    </p:extLst>
+  </p:cSld>
+  <p:clrMapOvr>
+    <a:masterClrMapping/>
+  </p:clrMapOvr>
+</p:notes>
+</file>
+
+<file path=ppt/notesSlides/notesSlide8.xml><?xml version="1.0" encoding="utf-8"?>
+<p:notes xmlns:a="http://schemas.openxmlformats.org/drawingml/2006/main" xmlns:r="http://schemas.openxmlformats.org/officeDocument/2006/relationships" xmlns:p="http://schemas.openxmlformats.org/presentationml/2006/main">
+  <p:cSld>
+    <p:spTree>
+      <p:nvGrpSpPr>
+        <p:cNvPr id="1" name=""/>
+        <p:cNvGrpSpPr/>
+        <p:nvPr/>
+      </p:nvGrpSpPr>
+      <p:grpSpPr>
+        <a:xfrm>
+          <a:off x="0" y="0"/>
+          <a:ext cx="0" cy="0"/>
+          <a:chOff x="0" y="0"/>
+          <a:chExt cx="0" cy="0"/>
+        </a:xfrm>
+      </p:grpSpPr>
+      <p:sp>
+        <p:nvSpPr>
+          <p:cNvPr id="2" name="Folienbildplatzhalter 1"/>
+          <p:cNvSpPr>
+            <a:spLocks noGrp="1" noRot="1" noChangeAspect="1"/>
+          </p:cNvSpPr>
+          <p:nvPr>
+            <p:ph type="sldImg"/>
+          </p:nvPr>
+        </p:nvSpPr>
+        <p:spPr/>
+      </p:sp>
+      <p:sp>
+        <p:nvSpPr>
+          <p:cNvPr id="3" name="Notizenplatzhalter 2"/>
+          <p:cNvSpPr>
+            <a:spLocks noGrp="1"/>
+          </p:cNvSpPr>
+          <p:nvPr>
+            <p:ph type="body" idx="1"/>
+          </p:nvPr>
+        </p:nvSpPr>
+        <p:spPr/>
+        <p:txBody>
+          <a:bodyPr/>
+          <a:lstStyle/>
+          <a:p>
+            <a:pPr marL="0" marR="0" lvl="0" indent="0" algn="l" defTabSz="914400" rtl="0" eaLnBrk="1" fontAlgn="auto" latinLnBrk="0" hangingPunct="1">
+              <a:lnSpc>
+                <a:spcPct val="100000"/>
+              </a:lnSpc>
+              <a:spcBef>
+                <a:spcPts val="0"/>
+              </a:spcBef>
+              <a:spcAft>
+                <a:spcPts val="0"/>
+              </a:spcAft>
+              <a:buClrTx/>
+              <a:buSzTx/>
+              <a:buFontTx/>
+              <a:buNone/>
+              <a:tabLst/>
+              <a:defRPr/>
+            </a:pPr>
+            <a:r>
+              <a:rPr lang="de-DE" dirty="0"/>
+              <a:t>Pascal</a:t>
+            </a:r>
+          </a:p>
+          <a:p>
+            <a:endParaRPr lang="de-DE" dirty="0"/>
+          </a:p>
+        </p:txBody>
+      </p:sp>
+      <p:sp>
+        <p:nvSpPr>
+          <p:cNvPr id="4" name="Foliennummernplatzhalter 3"/>
+          <p:cNvSpPr>
+            <a:spLocks noGrp="1"/>
+          </p:cNvSpPr>
+          <p:nvPr>
+            <p:ph type="sldNum" sz="quarter" idx="10"/>
+          </p:nvPr>
+        </p:nvSpPr>
+        <p:spPr/>
+        <p:txBody>
+          <a:bodyPr/>
+          <a:lstStyle/>
+          <a:p>
+            <a:fld id="{3F29246C-16D7-4C3E-9D9F-DF7E50C352C7}" type="slidenum">
+              <a:rPr lang="de-DE" smtClean="0"/>
+              <a:t>11</a:t>
+            </a:fld>
+            <a:endParaRPr lang="de-DE"/>
+          </a:p>
+        </p:txBody>
+      </p:sp>
+    </p:spTree>
+    <p:extLst>
+      <p:ext uri="{BB962C8B-B14F-4D97-AF65-F5344CB8AC3E}">
+        <p14:creationId xmlns:p14="http://schemas.microsoft.com/office/powerpoint/2010/main" val="1674334260"/>
+      </p:ext>
+    </p:extLst>
+  </p:cSld>
+  <p:clrMapOvr>
+    <a:masterClrMapping/>
+  </p:clrMapOvr>
+</p:notes>
+</file>
+
+<file path=ppt/notesSlides/notesSlide9.xml><?xml version="1.0" encoding="utf-8"?>
+<p:notes xmlns:a="http://schemas.openxmlformats.org/drawingml/2006/main" xmlns:r="http://schemas.openxmlformats.org/officeDocument/2006/relationships" xmlns:p="http://schemas.openxmlformats.org/presentationml/2006/main">
+  <p:cSld>
+    <p:spTree>
+      <p:nvGrpSpPr>
+        <p:cNvPr id="1" name=""/>
+        <p:cNvGrpSpPr/>
+        <p:nvPr/>
+      </p:nvGrpSpPr>
+      <p:grpSpPr>
+        <a:xfrm>
+          <a:off x="0" y="0"/>
+          <a:ext cx="0" cy="0"/>
+          <a:chOff x="0" y="0"/>
+          <a:chExt cx="0" cy="0"/>
+        </a:xfrm>
+      </p:grpSpPr>
+      <p:sp>
+        <p:nvSpPr>
+          <p:cNvPr id="2" name="Folienbildplatzhalter 1"/>
+          <p:cNvSpPr>
+            <a:spLocks noGrp="1" noRot="1" noChangeAspect="1"/>
+          </p:cNvSpPr>
+          <p:nvPr>
+            <p:ph type="sldImg"/>
+          </p:nvPr>
+        </p:nvSpPr>
+        <p:spPr/>
+      </p:sp>
+      <p:sp>
+        <p:nvSpPr>
+          <p:cNvPr id="3" name="Notizenplatzhalter 2"/>
+          <p:cNvSpPr>
+            <a:spLocks noGrp="1"/>
+          </p:cNvSpPr>
+          <p:nvPr>
+            <p:ph type="body" idx="1"/>
+          </p:nvPr>
+        </p:nvSpPr>
+        <p:spPr/>
+        <p:txBody>
+          <a:bodyPr/>
+          <a:lstStyle/>
+          <a:p>
+            <a:r>
+              <a:rPr lang="de-DE" dirty="0"/>
+              <a:t>Pascal</a:t>
+            </a:r>
+          </a:p>
+        </p:txBody>
+      </p:sp>
+      <p:sp>
+        <p:nvSpPr>
+          <p:cNvPr id="4" name="Foliennummernplatzhalter 3"/>
+          <p:cNvSpPr>
+            <a:spLocks noGrp="1"/>
+          </p:cNvSpPr>
+          <p:nvPr>
+            <p:ph type="sldNum" sz="quarter" idx="10"/>
+          </p:nvPr>
+        </p:nvSpPr>
+        <p:spPr/>
+        <p:txBody>
+          <a:bodyPr/>
+          <a:lstStyle/>
+          <a:p>
+            <a:fld id="{3F29246C-16D7-4C3E-9D9F-DF7E50C352C7}" type="slidenum">
+              <a:rPr lang="de-DE" smtClean="0"/>
+              <a:t>12</a:t>
+            </a:fld>
+            <a:endParaRPr lang="de-DE"/>
+          </a:p>
+        </p:txBody>
+      </p:sp>
+    </p:spTree>
+    <p:extLst>
+      <p:ext uri="{BB962C8B-B14F-4D97-AF65-F5344CB8AC3E}">
+        <p14:creationId xmlns:p14="http://schemas.microsoft.com/office/powerpoint/2010/main" val="2591639684"/>
+      </p:ext>
+    </p:extLst>
+  </p:cSld>
+  <p:clrMapOvr>
+    <a:masterClrMapping/>
+  </p:clrMapOvr>
+</p:notes>
+</file>
+
 <file path=ppt/slideLayouts/slideLayout1.xml><?xml version="1.0" encoding="utf-8"?>
-<p:sldLayout xmlns:a="http://schemas.openxmlformats.org/drawingml/2006/main" xmlns:r="http://schemas.openxmlformats.org/officeDocument/2006/relationships" xmlns:p="http://schemas.openxmlformats.org/presentationml/2006/main" type="title" preserve="1">
+<p:sldLayout xmlns:a="http://schemas.openxmlformats.org/drawingml/2006/main" xmlns:r="http://schemas.openxmlformats.org/officeDocument/2006/relationships" xmlns:p="http://schemas.openxmlformats.org/presentationml/2006/main" showMasterSp="0" type="title" preserve="1">
   <p:cSld name="Titelfolie">
     <p:spTree>
       <p:nvGrpSpPr>
@@ -149,31 +1789,120 @@
       </p:grpSpPr>
       <p:sp>
         <p:nvSpPr>
-          <p:cNvPr id="2" name="Titel 1">
-            <a:extLst>
-              <a:ext uri="{FF2B5EF4-FFF2-40B4-BE49-F238E27FC236}">
-                <a16:creationId xmlns:a16="http://schemas.microsoft.com/office/drawing/2014/main" id="{56BE170A-DC3C-48BE-8A46-34CCFD561994}"/>
-              </a:ext>
-            </a:extLst>
-          </p:cNvPr>
-          <p:cNvSpPr>
-            <a:spLocks noGrp="1"/>
-          </p:cNvSpPr>
-          <p:nvPr>
-            <p:ph type="ctrTitle"/>
-          </p:nvPr>
+          <p:cNvPr id="7" name="Rectangle 6"/>
+          <p:cNvSpPr/>
+          <p:nvPr/>
         </p:nvSpPr>
         <p:spPr>
           <a:xfrm>
-            <a:off x="1524000" y="1122363"/>
-            <a:ext cx="9144000" cy="2387600"/>
+            <a:off x="3175" y="6400800"/>
+            <a:ext cx="12188825" cy="457200"/>
+          </a:xfrm>
+          <a:prstGeom prst="rect">
+            <a:avLst/>
+          </a:prstGeom>
+          <a:solidFill>
+            <a:schemeClr val="accent2"/>
+          </a:solidFill>
+          <a:ln>
+            <a:noFill/>
+          </a:ln>
+        </p:spPr>
+        <p:style>
+          <a:lnRef idx="2">
+            <a:schemeClr val="accent1">
+              <a:shade val="50000"/>
+            </a:schemeClr>
+          </a:lnRef>
+          <a:fillRef idx="1">
+            <a:schemeClr val="accent1"/>
+          </a:fillRef>
+          <a:effectRef idx="0">
+            <a:schemeClr val="accent1"/>
+          </a:effectRef>
+          <a:fontRef idx="minor">
+            <a:schemeClr val="lt1"/>
+          </a:fontRef>
+        </p:style>
+        <p:txBody>
+          <a:bodyPr/>
+          <a:lstStyle/>
+          <a:p>
+            <a:endParaRPr lang="de-DE" dirty="0"/>
+          </a:p>
+        </p:txBody>
+      </p:sp>
+      <p:sp>
+        <p:nvSpPr>
+          <p:cNvPr id="8" name="Rectangle 7"/>
+          <p:cNvSpPr/>
+          <p:nvPr/>
+        </p:nvSpPr>
+        <p:spPr>
+          <a:xfrm>
+            <a:off x="15" y="6334316"/>
+            <a:ext cx="12188825" cy="64008"/>
+          </a:xfrm>
+          <a:prstGeom prst="rect">
+            <a:avLst/>
+          </a:prstGeom>
+          <a:solidFill>
+            <a:schemeClr val="accent1"/>
+          </a:solidFill>
+          <a:ln>
+            <a:noFill/>
+          </a:ln>
+        </p:spPr>
+        <p:style>
+          <a:lnRef idx="2">
+            <a:schemeClr val="accent1">
+              <a:shade val="50000"/>
+            </a:schemeClr>
+          </a:lnRef>
+          <a:fillRef idx="1">
+            <a:schemeClr val="accent1"/>
+          </a:fillRef>
+          <a:effectRef idx="0">
+            <a:schemeClr val="accent1"/>
+          </a:effectRef>
+          <a:fontRef idx="minor">
+            <a:schemeClr val="lt1"/>
+          </a:fontRef>
+        </p:style>
+      </p:sp>
+      <p:sp>
+        <p:nvSpPr>
+          <p:cNvPr id="2" name="Title 1"/>
+          <p:cNvSpPr>
+            <a:spLocks noGrp="1"/>
+          </p:cNvSpPr>
+          <p:nvPr>
+            <p:ph type="ctrTitle"/>
+          </p:nvPr>
+        </p:nvSpPr>
+        <p:spPr>
+          <a:xfrm>
+            <a:off x="1097280" y="758952"/>
+            <a:ext cx="10058400" cy="3566160"/>
           </a:xfrm>
         </p:spPr>
         <p:txBody>
-          <a:bodyPr anchor="b"/>
+          <a:bodyPr anchor="b">
+            <a:normAutofit/>
+          </a:bodyPr>
           <a:lstStyle>
-            <a:lvl1pPr algn="ctr">
-              <a:defRPr sz="6000"/>
+            <a:lvl1pPr algn="l">
+              <a:lnSpc>
+                <a:spcPct val="85000"/>
+              </a:lnSpc>
+              <a:defRPr sz="8000" spc="-50" baseline="0">
+                <a:solidFill>
+                  <a:schemeClr val="tx1">
+                    <a:lumMod val="85000"/>
+                    <a:lumOff val="15000"/>
+                  </a:schemeClr>
+                </a:solidFill>
+              </a:defRPr>
             </a:lvl1pPr>
           </a:lstStyle>
           <a:p>
@@ -181,19 +1910,13 @@
               <a:rPr lang="de-DE"/>
               <a:t>Mastertitelformat bearbeiten</a:t>
             </a:r>
-            <a:endParaRPr lang="de-CH"/>
-          </a:p>
-        </p:txBody>
-      </p:sp>
-      <p:sp>
-        <p:nvSpPr>
-          <p:cNvPr id="3" name="Untertitel 2">
-            <a:extLst>
-              <a:ext uri="{FF2B5EF4-FFF2-40B4-BE49-F238E27FC236}">
-                <a16:creationId xmlns:a16="http://schemas.microsoft.com/office/drawing/2014/main" id="{83C936E9-A044-48C2-9B45-08A7870743F1}"/>
-              </a:ext>
-            </a:extLst>
-          </p:cNvPr>
+            <a:endParaRPr lang="en-US" dirty="0"/>
+          </a:p>
+        </p:txBody>
+      </p:sp>
+      <p:sp>
+        <p:nvSpPr>
+          <p:cNvPr id="3" name="Subtitle 2"/>
           <p:cNvSpPr>
             <a:spLocks noGrp="1"/>
           </p:cNvSpPr>
@@ -203,48 +1926,55 @@
         </p:nvSpPr>
         <p:spPr>
           <a:xfrm>
-            <a:off x="1524000" y="3602038"/>
-            <a:ext cx="9144000" cy="1655762"/>
+            <a:off x="1100051" y="4455620"/>
+            <a:ext cx="10058400" cy="1143000"/>
           </a:xfrm>
         </p:spPr>
         <p:txBody>
-          <a:bodyPr/>
+          <a:bodyPr lIns="91440" rIns="91440">
+            <a:normAutofit/>
+          </a:bodyPr>
           <a:lstStyle>
-            <a:lvl1pPr marL="0" indent="0" algn="ctr">
-              <a:buNone/>
-              <a:defRPr sz="2400"/>
+            <a:lvl1pPr marL="0" indent="0" algn="l">
+              <a:buNone/>
+              <a:defRPr sz="2400" cap="all" spc="200" baseline="0">
+                <a:solidFill>
+                  <a:schemeClr val="tx2"/>
+                </a:solidFill>
+                <a:latin typeface="+mj-lt"/>
+              </a:defRPr>
             </a:lvl1pPr>
             <a:lvl2pPr marL="457200" indent="0" algn="ctr">
               <a:buNone/>
-              <a:defRPr sz="2000"/>
+              <a:defRPr sz="2400"/>
             </a:lvl2pPr>
             <a:lvl3pPr marL="914400" indent="0" algn="ctr">
               <a:buNone/>
-              <a:defRPr sz="1800"/>
+              <a:defRPr sz="2400"/>
             </a:lvl3pPr>
             <a:lvl4pPr marL="1371600" indent="0" algn="ctr">
               <a:buNone/>
-              <a:defRPr sz="1600"/>
+              <a:defRPr sz="2000"/>
             </a:lvl4pPr>
             <a:lvl5pPr marL="1828800" indent="0" algn="ctr">
               <a:buNone/>
-              <a:defRPr sz="1600"/>
+              <a:defRPr sz="2000"/>
             </a:lvl5pPr>
             <a:lvl6pPr marL="2286000" indent="0" algn="ctr">
               <a:buNone/>
-              <a:defRPr sz="1600"/>
+              <a:defRPr sz="2000"/>
             </a:lvl6pPr>
             <a:lvl7pPr marL="2743200" indent="0" algn="ctr">
               <a:buNone/>
-              <a:defRPr sz="1600"/>
+              <a:defRPr sz="2000"/>
             </a:lvl7pPr>
             <a:lvl8pPr marL="3200400" indent="0" algn="ctr">
               <a:buNone/>
-              <a:defRPr sz="1600"/>
+              <a:defRPr sz="2000"/>
             </a:lvl8pPr>
             <a:lvl9pPr marL="3657600" indent="0" algn="ctr">
               <a:buNone/>
-              <a:defRPr sz="1600"/>
+              <a:defRPr sz="2000"/>
             </a:lvl9pPr>
           </a:lstStyle>
           <a:p>
@@ -252,19 +1982,13 @@
               <a:rPr lang="de-DE"/>
               <a:t>Master-Untertitelformat bearbeiten</a:t>
             </a:r>
-            <a:endParaRPr lang="de-CH"/>
-          </a:p>
-        </p:txBody>
-      </p:sp>
-      <p:sp>
-        <p:nvSpPr>
-          <p:cNvPr id="4" name="Datumsplatzhalter 3">
-            <a:extLst>
-              <a:ext uri="{FF2B5EF4-FFF2-40B4-BE49-F238E27FC236}">
-                <a16:creationId xmlns:a16="http://schemas.microsoft.com/office/drawing/2014/main" id="{AA473723-86ED-4E38-BC9B-001E7B6098B5}"/>
-              </a:ext>
-            </a:extLst>
-          </p:cNvPr>
+            <a:endParaRPr lang="en-US" dirty="0"/>
+          </a:p>
+        </p:txBody>
+      </p:sp>
+      <p:sp>
+        <p:nvSpPr>
+          <p:cNvPr id="4" name="Date Placeholder 3"/>
           <p:cNvSpPr>
             <a:spLocks noGrp="1"/>
           </p:cNvSpPr>
@@ -279,21 +2003,15 @@
           <a:p>
             <a:fld id="{CA877428-42F7-4241-8EA8-9490373D402E}" type="datetimeFigureOut">
               <a:rPr lang="de-CH" smtClean="0"/>
-              <a:t>07.04.2019</a:t>
+              <a:t>08.04.2019</a:t>
             </a:fld>
-            <a:endParaRPr lang="de-CH"/>
-          </a:p>
-        </p:txBody>
-      </p:sp>
-      <p:sp>
-        <p:nvSpPr>
-          <p:cNvPr id="5" name="Fußzeilenplatzhalter 4">
-            <a:extLst>
-              <a:ext uri="{FF2B5EF4-FFF2-40B4-BE49-F238E27FC236}">
-                <a16:creationId xmlns:a16="http://schemas.microsoft.com/office/drawing/2014/main" id="{C7FB005A-4503-4199-93B0-19BD6DDC33D4}"/>
-              </a:ext>
-            </a:extLst>
-          </p:cNvPr>
+            <a:endParaRPr lang="de-CH" dirty="0"/>
+          </a:p>
+        </p:txBody>
+      </p:sp>
+      <p:sp>
+        <p:nvSpPr>
+          <p:cNvPr id="5" name="Footer Placeholder 4"/>
           <p:cNvSpPr>
             <a:spLocks noGrp="1"/>
           </p:cNvSpPr>
@@ -306,19 +2024,13 @@
           <a:bodyPr/>
           <a:lstStyle/>
           <a:p>
-            <a:endParaRPr lang="de-CH"/>
-          </a:p>
-        </p:txBody>
-      </p:sp>
-      <p:sp>
-        <p:nvSpPr>
-          <p:cNvPr id="6" name="Foliennummernplatzhalter 5">
-            <a:extLst>
-              <a:ext uri="{FF2B5EF4-FFF2-40B4-BE49-F238E27FC236}">
-                <a16:creationId xmlns:a16="http://schemas.microsoft.com/office/drawing/2014/main" id="{15839C3C-BE41-4D1A-81AA-31D8828A8DA6}"/>
-              </a:ext>
-            </a:extLst>
-          </p:cNvPr>
+            <a:endParaRPr lang="de-CH" dirty="0"/>
+          </a:p>
+        </p:txBody>
+      </p:sp>
+      <p:sp>
+        <p:nvSpPr>
+          <p:cNvPr id="6" name="Slide Number Placeholder 5"/>
           <p:cNvSpPr>
             <a:spLocks noGrp="1"/>
           </p:cNvSpPr>
@@ -335,14 +2047,52 @@
               <a:rPr lang="de-CH" smtClean="0"/>
               <a:t>‹Nr.›</a:t>
             </a:fld>
-            <a:endParaRPr lang="de-CH"/>
-          </a:p>
-        </p:txBody>
-      </p:sp>
+            <a:endParaRPr lang="de-CH" dirty="0"/>
+          </a:p>
+        </p:txBody>
+      </p:sp>
+      <p:cxnSp>
+        <p:nvCxnSpPr>
+          <p:cNvPr id="9" name="Straight Connector 8"/>
+          <p:cNvCxnSpPr/>
+          <p:nvPr/>
+        </p:nvCxnSpPr>
+        <p:spPr>
+          <a:xfrm>
+            <a:off x="1207658" y="4343400"/>
+            <a:ext cx="9875520" cy="0"/>
+          </a:xfrm>
+          <a:prstGeom prst="line">
+            <a:avLst/>
+          </a:prstGeom>
+          <a:ln w="6350">
+            <a:solidFill>
+              <a:schemeClr val="tx1">
+                <a:lumMod val="50000"/>
+                <a:lumOff val="50000"/>
+              </a:schemeClr>
+            </a:solidFill>
+          </a:ln>
+        </p:spPr>
+        <p:style>
+          <a:lnRef idx="1">
+            <a:schemeClr val="accent1"/>
+          </a:lnRef>
+          <a:fillRef idx="0">
+            <a:schemeClr val="accent1"/>
+          </a:fillRef>
+          <a:effectRef idx="0">
+            <a:schemeClr val="accent1"/>
+          </a:effectRef>
+          <a:fontRef idx="minor">
+            <a:schemeClr val="tx1"/>
+          </a:fontRef>
+        </p:style>
+      </p:cxnSp>
     </p:spTree>
     <p:extLst>
       <p:ext uri="{BB962C8B-B14F-4D97-AF65-F5344CB8AC3E}">
-        <p14:creationId xmlns:p14="http://schemas.microsoft.com/office/powerpoint/2010/main" val="1596832841"/>
+        <p14:creationId xmlns:p14="http://schemas.microsoft.com/office/powerpoint/2010/main" val="2893993516"/>
       </p:ext>
     </p:extLst>
   </p:cSld>
@@ -371,13 +2121,7 @@
       </p:grpSpPr>
       <p:sp>
         <p:nvSpPr>
-          <p:cNvPr id="2" name="Titel 1">
-            <a:extLst>
-              <a:ext uri="{FF2B5EF4-FFF2-40B4-BE49-F238E27FC236}">
-                <a16:creationId xmlns:a16="http://schemas.microsoft.com/office/drawing/2014/main" id="{1387C53A-C289-4D18-B808-789C7A9660F3}"/>
-              </a:ext>
-            </a:extLst>
-          </p:cNvPr>
+          <p:cNvPr id="2" name="Title 1"/>
           <p:cNvSpPr>
             <a:spLocks noGrp="1"/>
           </p:cNvSpPr>
@@ -394,19 +2138,13 @@
               <a:rPr lang="de-DE"/>
               <a:t>Mastertitelformat bearbeiten</a:t>
             </a:r>
-            <a:endParaRPr lang="de-CH"/>
-          </a:p>
-        </p:txBody>
-      </p:sp>
-      <p:sp>
-        <p:nvSpPr>
-          <p:cNvPr id="3" name="Vertikaler Textplatzhalter 2">
-            <a:extLst>
-              <a:ext uri="{FF2B5EF4-FFF2-40B4-BE49-F238E27FC236}">
-                <a16:creationId xmlns:a16="http://schemas.microsoft.com/office/drawing/2014/main" id="{201AA63D-8317-4475-BD58-C5E6C9CD9298}"/>
-              </a:ext>
-            </a:extLst>
-          </p:cNvPr>
+            <a:endParaRPr lang="en-US" dirty="0"/>
+          </a:p>
+        </p:txBody>
+      </p:sp>
+      <p:sp>
+        <p:nvSpPr>
+          <p:cNvPr id="3" name="Vertical Text Placeholder 2"/>
           <p:cNvSpPr>
             <a:spLocks noGrp="1"/>
           </p:cNvSpPr>
@@ -416,7 +2154,7 @@
         </p:nvSpPr>
         <p:spPr/>
         <p:txBody>
-          <a:bodyPr vert="eaVert"/>
+          <a:bodyPr vert="eaVert" lIns="45720" tIns="0" rIns="45720" bIns="0"/>
           <a:lstStyle/>
           <a:p>
             <a:pPr lvl="0"/>
@@ -452,19 +2190,13 @@
               <a:rPr lang="de-DE"/>
               <a:t>Fünfte Ebene</a:t>
             </a:r>
-            <a:endParaRPr lang="de-CH"/>
-          </a:p>
-        </p:txBody>
-      </p:sp>
-      <p:sp>
-        <p:nvSpPr>
-          <p:cNvPr id="4" name="Datumsplatzhalter 3">
-            <a:extLst>
-              <a:ext uri="{FF2B5EF4-FFF2-40B4-BE49-F238E27FC236}">
-                <a16:creationId xmlns:a16="http://schemas.microsoft.com/office/drawing/2014/main" id="{50EA6149-DA37-456C-9AC6-A35CAE6259F6}"/>
-              </a:ext>
-            </a:extLst>
-          </p:cNvPr>
+            <a:endParaRPr lang="en-US" dirty="0"/>
+          </a:p>
+        </p:txBody>
+      </p:sp>
+      <p:sp>
+        <p:nvSpPr>
+          <p:cNvPr id="4" name="Date Placeholder 3"/>
           <p:cNvSpPr>
             <a:spLocks noGrp="1"/>
           </p:cNvSpPr>
@@ -479,7 +2211,7 @@
           <a:p>
             <a:fld id="{CA877428-42F7-4241-8EA8-9490373D402E}" type="datetimeFigureOut">
               <a:rPr lang="de-CH" smtClean="0"/>
-              <a:t>07.04.2019</a:t>
+              <a:t>08.04.2019</a:t>
             </a:fld>
             <a:endParaRPr lang="de-CH"/>
           </a:p>
@@ -487,13 +2219,7 @@
       </p:sp>
       <p:sp>
         <p:nvSpPr>
-          <p:cNvPr id="5" name="Fußzeilenplatzhalter 4">
-            <a:extLst>
-              <a:ext uri="{FF2B5EF4-FFF2-40B4-BE49-F238E27FC236}">
-                <a16:creationId xmlns:a16="http://schemas.microsoft.com/office/drawing/2014/main" id="{5761E7BB-F8DD-4E7B-8A7F-1F654E0B3F3B}"/>
-              </a:ext>
-            </a:extLst>
-          </p:cNvPr>
+          <p:cNvPr id="5" name="Footer Placeholder 4"/>
           <p:cNvSpPr>
             <a:spLocks noGrp="1"/>
           </p:cNvSpPr>
@@ -512,13 +2238,7 @@
       </p:sp>
       <p:sp>
         <p:nvSpPr>
-          <p:cNvPr id="6" name="Foliennummernplatzhalter 5">
-            <a:extLst>
-              <a:ext uri="{FF2B5EF4-FFF2-40B4-BE49-F238E27FC236}">
-                <a16:creationId xmlns:a16="http://schemas.microsoft.com/office/drawing/2014/main" id="{9C574BA2-48C4-4055-A057-57E215DE260B}"/>
-              </a:ext>
-            </a:extLst>
-          </p:cNvPr>
+          <p:cNvPr id="6" name="Slide Number Placeholder 5"/>
           <p:cNvSpPr>
             <a:spLocks noGrp="1"/>
           </p:cNvSpPr>
@@ -542,7 +2262,7 @@
     </p:spTree>
     <p:extLst>
       <p:ext uri="{BB962C8B-B14F-4D97-AF65-F5344CB8AC3E}">
-        <p14:creationId xmlns:p14="http://schemas.microsoft.com/office/powerpoint/2010/main" val="415547271"/>
+        <p14:creationId xmlns:p14="http://schemas.microsoft.com/office/powerpoint/2010/main" val="1801101124"/>
       </p:ext>
     </p:extLst>
   </p:cSld>
@@ -553,7 +2273,7 @@
 </file>
 
 <file path=ppt/slideLayouts/slideLayout11.xml><?xml version="1.0" encoding="utf-8"?>
-<p:sldLayout xmlns:a="http://schemas.openxmlformats.org/drawingml/2006/main" xmlns:r="http://schemas.openxmlformats.org/officeDocument/2006/relationships" xmlns:p="http://schemas.openxmlformats.org/presentationml/2006/main" type="vertTitleAndTx" preserve="1">
+<p:sldLayout xmlns:a="http://schemas.openxmlformats.org/drawingml/2006/main" xmlns:r="http://schemas.openxmlformats.org/officeDocument/2006/relationships" xmlns:p="http://schemas.openxmlformats.org/presentationml/2006/main" showMasterSp="0" type="vertTitleAndTx" preserve="1">
   <p:cSld name="Vertikaler Titel und Text">
     <p:spTree>
       <p:nvGrpSpPr>
@@ -571,24 +2291,94 @@
       </p:grpSpPr>
       <p:sp>
         <p:nvSpPr>
-          <p:cNvPr id="2" name="Vertikaler Titel 1">
-            <a:extLst>
-              <a:ext uri="{FF2B5EF4-FFF2-40B4-BE49-F238E27FC236}">
-                <a16:creationId xmlns:a16="http://schemas.microsoft.com/office/drawing/2014/main" id="{8F00CB30-98AD-460B-8BAE-3FAA681F8E72}"/>
-              </a:ext>
-            </a:extLst>
-          </p:cNvPr>
-          <p:cNvSpPr>
-            <a:spLocks noGrp="1"/>
-          </p:cNvSpPr>
-          <p:nvPr>
-            <p:ph type="title" orient="vert"/>
-          </p:nvPr>
+          <p:cNvPr id="7" name="Rectangle 6"/>
+          <p:cNvSpPr/>
+          <p:nvPr/>
         </p:nvSpPr>
         <p:spPr>
           <a:xfrm>
-            <a:off x="8724900" y="365125"/>
-            <a:ext cx="2628900" cy="5811838"/>
+            <a:off x="3175" y="6400800"/>
+            <a:ext cx="12188825" cy="457200"/>
+          </a:xfrm>
+          <a:prstGeom prst="rect">
+            <a:avLst/>
+          </a:prstGeom>
+          <a:solidFill>
+            <a:schemeClr val="accent2"/>
+          </a:solidFill>
+          <a:ln>
+            <a:noFill/>
+          </a:ln>
+        </p:spPr>
+        <p:style>
+          <a:lnRef idx="2">
+            <a:schemeClr val="accent1">
+              <a:shade val="50000"/>
+            </a:schemeClr>
+          </a:lnRef>
+          <a:fillRef idx="1">
+            <a:schemeClr val="accent1"/>
+          </a:fillRef>
+          <a:effectRef idx="0">
+            <a:schemeClr val="accent1"/>
+          </a:effectRef>
+          <a:fontRef idx="minor">
+            <a:schemeClr val="lt1"/>
+          </a:fontRef>
+        </p:style>
+      </p:sp>
+      <p:sp>
+        <p:nvSpPr>
+          <p:cNvPr id="8" name="Rectangle 7"/>
+          <p:cNvSpPr/>
+          <p:nvPr/>
+        </p:nvSpPr>
+        <p:spPr>
+          <a:xfrm>
+            <a:off x="15" y="6334316"/>
+            <a:ext cx="12188825" cy="64008"/>
+          </a:xfrm>
+          <a:prstGeom prst="rect">
+            <a:avLst/>
+          </a:prstGeom>
+          <a:solidFill>
+            <a:schemeClr val="accent1"/>
+          </a:solidFill>
+          <a:ln>
+            <a:noFill/>
+          </a:ln>
+        </p:spPr>
+        <p:style>
+          <a:lnRef idx="2">
+            <a:schemeClr val="accent1">
+              <a:shade val="50000"/>
+            </a:schemeClr>
+          </a:lnRef>
+          <a:fillRef idx="1">
+            <a:schemeClr val="accent1"/>
+          </a:fillRef>
+          <a:effectRef idx="0">
+            <a:schemeClr val="accent1"/>
+          </a:effectRef>
+          <a:fontRef idx="minor">
+            <a:schemeClr val="lt1"/>
+          </a:fontRef>
+        </p:style>
+      </p:sp>
+      <p:sp>
+        <p:nvSpPr>
+          <p:cNvPr id="2" name="Vertical Title 1"/>
+          <p:cNvSpPr>
+            <a:spLocks noGrp="1"/>
+          </p:cNvSpPr>
+          <p:nvPr>
+            <p:ph type="title" orient="vert"/>
+          </p:nvPr>
+        </p:nvSpPr>
+        <p:spPr>
+          <a:xfrm>
+            <a:off x="8724900" y="414778"/>
+            <a:ext cx="2628900" cy="5757421"/>
           </a:xfrm>
         </p:spPr>
         <p:txBody>
@@ -599,19 +2389,13 @@
               <a:rPr lang="de-DE"/>
               <a:t>Mastertitelformat bearbeiten</a:t>
             </a:r>
-            <a:endParaRPr lang="de-CH"/>
-          </a:p>
-        </p:txBody>
-      </p:sp>
-      <p:sp>
-        <p:nvSpPr>
-          <p:cNvPr id="3" name="Vertikaler Textplatzhalter 2">
-            <a:extLst>
-              <a:ext uri="{FF2B5EF4-FFF2-40B4-BE49-F238E27FC236}">
-                <a16:creationId xmlns:a16="http://schemas.microsoft.com/office/drawing/2014/main" id="{3512EC18-E5EA-460D-B8C8-6A1CE293ED88}"/>
-              </a:ext>
-            </a:extLst>
-          </p:cNvPr>
+            <a:endParaRPr lang="en-US" dirty="0"/>
+          </a:p>
+        </p:txBody>
+      </p:sp>
+      <p:sp>
+        <p:nvSpPr>
+          <p:cNvPr id="3" name="Vertical Text Placeholder 2"/>
           <p:cNvSpPr>
             <a:spLocks noGrp="1"/>
           </p:cNvSpPr>
@@ -621,12 +2405,12 @@
         </p:nvSpPr>
         <p:spPr>
           <a:xfrm>
-            <a:off x="838200" y="365125"/>
-            <a:ext cx="7734300" cy="5811838"/>
+            <a:off x="838200" y="414778"/>
+            <a:ext cx="7734300" cy="5757422"/>
           </a:xfrm>
         </p:spPr>
         <p:txBody>
-          <a:bodyPr vert="eaVert"/>
+          <a:bodyPr vert="eaVert" lIns="45720" tIns="0" rIns="45720" bIns="0"/>
           <a:lstStyle/>
           <a:p>
             <a:pPr lvl="0"/>
@@ -662,19 +2446,13 @@
               <a:rPr lang="de-DE"/>
               <a:t>Fünfte Ebene</a:t>
             </a:r>
-            <a:endParaRPr lang="de-CH"/>
-          </a:p>
-        </p:txBody>
-      </p:sp>
-      <p:sp>
-        <p:nvSpPr>
-          <p:cNvPr id="4" name="Datumsplatzhalter 3">
-            <a:extLst>
-              <a:ext uri="{FF2B5EF4-FFF2-40B4-BE49-F238E27FC236}">
-                <a16:creationId xmlns:a16="http://schemas.microsoft.com/office/drawing/2014/main" id="{B56CD4E0-919D-481A-9365-AD43E0632351}"/>
-              </a:ext>
-            </a:extLst>
-          </p:cNvPr>
+            <a:endParaRPr lang="en-US" dirty="0"/>
+          </a:p>
+        </p:txBody>
+      </p:sp>
+      <p:sp>
+        <p:nvSpPr>
+          <p:cNvPr id="4" name="Date Placeholder 3"/>
           <p:cNvSpPr>
             <a:spLocks noGrp="1"/>
           </p:cNvSpPr>
@@ -689,7 +2467,7 @@
           <a:p>
             <a:fld id="{CA877428-42F7-4241-8EA8-9490373D402E}" type="datetimeFigureOut">
               <a:rPr lang="de-CH" smtClean="0"/>
-              <a:t>07.04.2019</a:t>
+              <a:t>08.04.2019</a:t>
             </a:fld>
             <a:endParaRPr lang="de-CH"/>
           </a:p>
@@ -697,13 +2475,7 @@
       </p:sp>
       <p:sp>
         <p:nvSpPr>
-          <p:cNvPr id="5" name="Fußzeilenplatzhalter 4">
-            <a:extLst>
-              <a:ext uri="{FF2B5EF4-FFF2-40B4-BE49-F238E27FC236}">
-                <a16:creationId xmlns:a16="http://schemas.microsoft.com/office/drawing/2014/main" id="{752E8A49-E0C1-43B0-AF8F-7AFC1075DA56}"/>
-              </a:ext>
-            </a:extLst>
-          </p:cNvPr>
+          <p:cNvPr id="5" name="Footer Placeholder 4"/>
           <p:cNvSpPr>
             <a:spLocks noGrp="1"/>
           </p:cNvSpPr>
@@ -722,13 +2494,7 @@
       </p:sp>
       <p:sp>
         <p:nvSpPr>
-          <p:cNvPr id="6" name="Foliennummernplatzhalter 5">
-            <a:extLst>
-              <a:ext uri="{FF2B5EF4-FFF2-40B4-BE49-F238E27FC236}">
-                <a16:creationId xmlns:a16="http://schemas.microsoft.com/office/drawing/2014/main" id="{3EE62B87-38AF-4F32-8653-C5EE91623C4F}"/>
-              </a:ext>
-            </a:extLst>
-          </p:cNvPr>
+          <p:cNvPr id="6" name="Slide Number Placeholder 5"/>
           <p:cNvSpPr>
             <a:spLocks noGrp="1"/>
           </p:cNvSpPr>
@@ -752,7 +2518,7 @@
     </p:spTree>
     <p:extLst>
       <p:ext uri="{BB962C8B-B14F-4D97-AF65-F5344CB8AC3E}">
-        <p14:creationId xmlns:p14="http://schemas.microsoft.com/office/powerpoint/2010/main" val="1044436931"/>
+        <p14:creationId xmlns:p14="http://schemas.microsoft.com/office/powerpoint/2010/main" val="1576421080"/>
       </p:ext>
     </p:extLst>
   </p:cSld>
@@ -781,13 +2547,7 @@
       </p:grpSpPr>
       <p:sp>
         <p:nvSpPr>
-          <p:cNvPr id="2" name="Titel 1">
-            <a:extLst>
-              <a:ext uri="{FF2B5EF4-FFF2-40B4-BE49-F238E27FC236}">
-                <a16:creationId xmlns:a16="http://schemas.microsoft.com/office/drawing/2014/main" id="{89F40A2F-8AAC-49D4-B88B-3BC311FCCAB8}"/>
-              </a:ext>
-            </a:extLst>
-          </p:cNvPr>
+          <p:cNvPr id="2" name="Title 1"/>
           <p:cNvSpPr>
             <a:spLocks noGrp="1"/>
           </p:cNvSpPr>
@@ -798,25 +2558,23 @@
         <p:spPr/>
         <p:txBody>
           <a:bodyPr/>
-          <a:lstStyle/>
+          <a:lstStyle>
+            <a:lvl1pPr marL="0">
+              <a:defRPr/>
+            </a:lvl1pPr>
+          </a:lstStyle>
           <a:p>
             <a:r>
               <a:rPr lang="de-DE"/>
               <a:t>Mastertitelformat bearbeiten</a:t>
             </a:r>
-            <a:endParaRPr lang="de-CH"/>
-          </a:p>
-        </p:txBody>
-      </p:sp>
-      <p:sp>
-        <p:nvSpPr>
-          <p:cNvPr id="3" name="Inhaltsplatzhalter 2">
-            <a:extLst>
-              <a:ext uri="{FF2B5EF4-FFF2-40B4-BE49-F238E27FC236}">
-                <a16:creationId xmlns:a16="http://schemas.microsoft.com/office/drawing/2014/main" id="{8389F057-31EC-469F-9574-66FE976522E6}"/>
-              </a:ext>
-            </a:extLst>
-          </p:cNvPr>
+            <a:endParaRPr lang="en-US" dirty="0"/>
+          </a:p>
+        </p:txBody>
+      </p:sp>
+      <p:sp>
+        <p:nvSpPr>
+          <p:cNvPr id="3" name="Content Placeholder 2"/>
           <p:cNvSpPr>
             <a:spLocks noGrp="1"/>
           </p:cNvSpPr>
@@ -862,19 +2620,13 @@
               <a:rPr lang="de-DE"/>
               <a:t>Fünfte Ebene</a:t>
             </a:r>
-            <a:endParaRPr lang="de-CH"/>
-          </a:p>
-        </p:txBody>
-      </p:sp>
-      <p:sp>
-        <p:nvSpPr>
-          <p:cNvPr id="4" name="Datumsplatzhalter 3">
-            <a:extLst>
-              <a:ext uri="{FF2B5EF4-FFF2-40B4-BE49-F238E27FC236}">
-                <a16:creationId xmlns:a16="http://schemas.microsoft.com/office/drawing/2014/main" id="{44F02CD7-8582-45C6-B8F3-27C2695685BC}"/>
-              </a:ext>
-            </a:extLst>
-          </p:cNvPr>
+            <a:endParaRPr lang="en-US" dirty="0"/>
+          </a:p>
+        </p:txBody>
+      </p:sp>
+      <p:sp>
+        <p:nvSpPr>
+          <p:cNvPr id="4" name="Date Placeholder 3"/>
           <p:cNvSpPr>
             <a:spLocks noGrp="1"/>
           </p:cNvSpPr>
@@ -889,7 +2641,7 @@
           <a:p>
             <a:fld id="{CA877428-42F7-4241-8EA8-9490373D402E}" type="datetimeFigureOut">
               <a:rPr lang="de-CH" smtClean="0"/>
-              <a:t>07.04.2019</a:t>
+              <a:t>08.04.2019</a:t>
             </a:fld>
             <a:endParaRPr lang="de-CH"/>
           </a:p>
@@ -897,13 +2649,7 @@
       </p:sp>
       <p:sp>
         <p:nvSpPr>
-          <p:cNvPr id="5" name="Fußzeilenplatzhalter 4">
-            <a:extLst>
-              <a:ext uri="{FF2B5EF4-FFF2-40B4-BE49-F238E27FC236}">
-                <a16:creationId xmlns:a16="http://schemas.microsoft.com/office/drawing/2014/main" id="{E3E90C30-E884-46FB-AA43-84A682A76405}"/>
-              </a:ext>
-            </a:extLst>
-          </p:cNvPr>
+          <p:cNvPr id="5" name="Footer Placeholder 4"/>
           <p:cNvSpPr>
             <a:spLocks noGrp="1"/>
           </p:cNvSpPr>
@@ -922,13 +2668,7 @@
       </p:sp>
       <p:sp>
         <p:nvSpPr>
-          <p:cNvPr id="6" name="Foliennummernplatzhalter 5">
-            <a:extLst>
-              <a:ext uri="{FF2B5EF4-FFF2-40B4-BE49-F238E27FC236}">
-                <a16:creationId xmlns:a16="http://schemas.microsoft.com/office/drawing/2014/main" id="{3AC01D2C-22E5-46B2-93FA-FABFAFE143FA}"/>
-              </a:ext>
-            </a:extLst>
-          </p:cNvPr>
+          <p:cNvPr id="6" name="Slide Number Placeholder 5"/>
           <p:cNvSpPr>
             <a:spLocks noGrp="1"/>
           </p:cNvSpPr>
@@ -952,7 +2692,7 @@
     </p:spTree>
     <p:extLst>
       <p:ext uri="{BB962C8B-B14F-4D97-AF65-F5344CB8AC3E}">
-        <p14:creationId xmlns:p14="http://schemas.microsoft.com/office/powerpoint/2010/main" val="806995040"/>
+        <p14:creationId xmlns:p14="http://schemas.microsoft.com/office/powerpoint/2010/main" val="812491302"/>
       </p:ext>
     </p:extLst>
   </p:cSld>
@@ -963,8 +2703,16 @@
 </file>
 
 <file path=ppt/slideLayouts/slideLayout3.xml><?xml version="1.0" encoding="utf-8"?>
-<p:sldLayout xmlns:a="http://schemas.openxmlformats.org/drawingml/2006/main" xmlns:r="http://schemas.openxmlformats.org/officeDocument/2006/relationships" xmlns:p="http://schemas.openxmlformats.org/presentationml/2006/main" type="secHead" preserve="1">
+<p:sldLayout xmlns:a="http://schemas.openxmlformats.org/drawingml/2006/main" xmlns:r="http://schemas.openxmlformats.org/officeDocument/2006/relationships" xmlns:p="http://schemas.openxmlformats.org/presentationml/2006/main" showMasterSp="0" type="secHead" preserve="1">
   <p:cSld name="Abschnitts-&#10;überschrift">
+    <p:bg>
+      <p:bgPr>
+        <a:solidFill>
+          <a:schemeClr val="bg1"/>
+        </a:solidFill>
+        <a:effectLst/>
+      </p:bgPr>
+    </p:bg>
     <p:spTree>
       <p:nvGrpSpPr>
         <p:cNvPr id="1" name=""/>
@@ -981,80 +2729,157 @@
       </p:grpSpPr>
       <p:sp>
         <p:nvSpPr>
-          <p:cNvPr id="2" name="Titel 1">
-            <a:extLst>
-              <a:ext uri="{FF2B5EF4-FFF2-40B4-BE49-F238E27FC236}">
-                <a16:creationId xmlns:a16="http://schemas.microsoft.com/office/drawing/2014/main" id="{C4A0A374-E657-4962-9DCC-E0C20DD4E7AB}"/>
-              </a:ext>
-            </a:extLst>
-          </p:cNvPr>
-          <p:cNvSpPr>
-            <a:spLocks noGrp="1"/>
-          </p:cNvSpPr>
-          <p:nvPr>
-            <p:ph type="title"/>
-          </p:nvPr>
+          <p:cNvPr id="7" name="Rectangle 6"/>
+          <p:cNvSpPr/>
+          <p:nvPr/>
         </p:nvSpPr>
         <p:spPr>
           <a:xfrm>
-            <a:off x="831850" y="1709738"/>
-            <a:ext cx="10515600" cy="2852737"/>
+            <a:off x="3175" y="6400800"/>
+            <a:ext cx="12188825" cy="457200"/>
+          </a:xfrm>
+          <a:prstGeom prst="rect">
+            <a:avLst/>
+          </a:prstGeom>
+          <a:solidFill>
+            <a:schemeClr val="accent2"/>
+          </a:solidFill>
+          <a:ln>
+            <a:noFill/>
+          </a:ln>
+        </p:spPr>
+        <p:style>
+          <a:lnRef idx="2">
+            <a:schemeClr val="accent1">
+              <a:shade val="50000"/>
+            </a:schemeClr>
+          </a:lnRef>
+          <a:fillRef idx="1">
+            <a:schemeClr val="accent1"/>
+          </a:fillRef>
+          <a:effectRef idx="0">
+            <a:schemeClr val="accent1"/>
+          </a:effectRef>
+          <a:fontRef idx="minor">
+            <a:schemeClr val="lt1"/>
+          </a:fontRef>
+        </p:style>
+      </p:sp>
+      <p:sp>
+        <p:nvSpPr>
+          <p:cNvPr id="8" name="Rectangle 7"/>
+          <p:cNvSpPr/>
+          <p:nvPr/>
+        </p:nvSpPr>
+        <p:spPr>
+          <a:xfrm>
+            <a:off x="15" y="6334316"/>
+            <a:ext cx="12188825" cy="64008"/>
+          </a:xfrm>
+          <a:prstGeom prst="rect">
+            <a:avLst/>
+          </a:prstGeom>
+          <a:solidFill>
+            <a:schemeClr val="accent1"/>
+          </a:solidFill>
+          <a:ln>
+            <a:noFill/>
+          </a:ln>
+        </p:spPr>
+        <p:style>
+          <a:lnRef idx="2">
+            <a:schemeClr val="accent1">
+              <a:shade val="50000"/>
+            </a:schemeClr>
+          </a:lnRef>
+          <a:fillRef idx="1">
+            <a:schemeClr val="accent1"/>
+          </a:fillRef>
+          <a:effectRef idx="0">
+            <a:schemeClr val="accent1"/>
+          </a:effectRef>
+          <a:fontRef idx="minor">
+            <a:schemeClr val="lt1"/>
+          </a:fontRef>
+        </p:style>
+      </p:sp>
+      <p:sp>
+        <p:nvSpPr>
+          <p:cNvPr id="2" name="Title 1"/>
+          <p:cNvSpPr>
+            <a:spLocks noGrp="1"/>
+          </p:cNvSpPr>
+          <p:nvPr>
+            <p:ph type="title"/>
+          </p:nvPr>
+        </p:nvSpPr>
+        <p:spPr>
+          <a:xfrm>
+            <a:off x="1097280" y="758952"/>
+            <a:ext cx="10058400" cy="3566160"/>
           </a:xfrm>
         </p:spPr>
         <p:txBody>
-          <a:bodyPr anchor="b"/>
+          <a:bodyPr anchor="b" anchorCtr="0">
+            <a:normAutofit/>
+          </a:bodyPr>
           <a:lstStyle>
             <a:lvl1pPr>
-              <a:defRPr sz="6000"/>
-            </a:lvl1pPr>
-          </a:lstStyle>
-          <a:p>
-            <a:r>
-              <a:rPr lang="de-DE"/>
-              <a:t>Mastertitelformat bearbeiten</a:t>
-            </a:r>
-            <a:endParaRPr lang="de-CH"/>
-          </a:p>
-        </p:txBody>
-      </p:sp>
-      <p:sp>
-        <p:nvSpPr>
-          <p:cNvPr id="3" name="Textplatzhalter 2">
-            <a:extLst>
-              <a:ext uri="{FF2B5EF4-FFF2-40B4-BE49-F238E27FC236}">
-                <a16:creationId xmlns:a16="http://schemas.microsoft.com/office/drawing/2014/main" id="{F5E4CD3B-3251-4D80-BEE3-AEC5ADEDDDAD}"/>
-              </a:ext>
-            </a:extLst>
-          </p:cNvPr>
-          <p:cNvSpPr>
-            <a:spLocks noGrp="1"/>
-          </p:cNvSpPr>
-          <p:nvPr>
-            <p:ph type="body" idx="1"/>
-          </p:nvPr>
-        </p:nvSpPr>
-        <p:spPr>
-          <a:xfrm>
-            <a:off x="831850" y="4589463"/>
-            <a:ext cx="10515600" cy="1500187"/>
-          </a:xfrm>
-        </p:spPr>
-        <p:txBody>
-          <a:bodyPr/>
-          <a:lstStyle>
-            <a:lvl1pPr marL="0" indent="0">
-              <a:buNone/>
-              <a:defRPr sz="2400">
+              <a:lnSpc>
+                <a:spcPct val="85000"/>
+              </a:lnSpc>
+              <a:defRPr sz="8000" b="0">
                 <a:solidFill>
                   <a:schemeClr val="tx1">
-                    <a:tint val="75000"/>
+                    <a:lumMod val="85000"/>
+                    <a:lumOff val="15000"/>
                   </a:schemeClr>
                 </a:solidFill>
               </a:defRPr>
             </a:lvl1pPr>
+          </a:lstStyle>
+          <a:p>
+            <a:r>
+              <a:rPr lang="de-DE"/>
+              <a:t>Mastertitelformat bearbeiten</a:t>
+            </a:r>
+            <a:endParaRPr lang="en-US" dirty="0"/>
+          </a:p>
+        </p:txBody>
+      </p:sp>
+      <p:sp>
+        <p:nvSpPr>
+          <p:cNvPr id="3" name="Text Placeholder 2"/>
+          <p:cNvSpPr>
+            <a:spLocks noGrp="1"/>
+          </p:cNvSpPr>
+          <p:nvPr>
+            <p:ph type="body" idx="1"/>
+          </p:nvPr>
+        </p:nvSpPr>
+        <p:spPr>
+          <a:xfrm>
+            <a:off x="1097280" y="4453128"/>
+            <a:ext cx="10058400" cy="1143000"/>
+          </a:xfrm>
+        </p:spPr>
+        <p:txBody>
+          <a:bodyPr lIns="91440" rIns="91440" anchor="t" anchorCtr="0">
+            <a:normAutofit/>
+          </a:bodyPr>
+          <a:lstStyle>
+            <a:lvl1pPr marL="0" indent="0">
+              <a:buNone/>
+              <a:defRPr sz="2400" cap="all" spc="200" baseline="0">
+                <a:solidFill>
+                  <a:schemeClr val="tx2"/>
+                </a:solidFill>
+                <a:latin typeface="+mj-lt"/>
+              </a:defRPr>
+            </a:lvl1pPr>
             <a:lvl2pPr marL="457200" indent="0">
               <a:buNone/>
-              <a:defRPr sz="2000">
+              <a:defRPr sz="1800">
                 <a:solidFill>
                   <a:schemeClr val="tx1">
                     <a:tint val="75000"/>
@@ -1064,7 +2889,7 @@
             </a:lvl2pPr>
             <a:lvl3pPr marL="914400" indent="0">
               <a:buNone/>
-              <a:defRPr sz="1800">
+              <a:defRPr sz="1600">
                 <a:solidFill>
                   <a:schemeClr val="tx1">
                     <a:tint val="75000"/>
@@ -1074,7 +2899,7 @@
             </a:lvl3pPr>
             <a:lvl4pPr marL="1371600" indent="0">
               <a:buNone/>
-              <a:defRPr sz="1600">
+              <a:defRPr sz="1400">
                 <a:solidFill>
                   <a:schemeClr val="tx1">
                     <a:tint val="75000"/>
@@ -1084,7 +2909,7 @@
             </a:lvl4pPr>
             <a:lvl5pPr marL="1828800" indent="0">
               <a:buNone/>
-              <a:defRPr sz="1600">
+              <a:defRPr sz="1400">
                 <a:solidFill>
                   <a:schemeClr val="tx1">
                     <a:tint val="75000"/>
@@ -1094,7 +2919,7 @@
             </a:lvl5pPr>
             <a:lvl6pPr marL="2286000" indent="0">
               <a:buNone/>
-              <a:defRPr sz="1600">
+              <a:defRPr sz="1400">
                 <a:solidFill>
                   <a:schemeClr val="tx1">
                     <a:tint val="75000"/>
@@ -1104,7 +2929,7 @@
             </a:lvl6pPr>
             <a:lvl7pPr marL="2743200" indent="0">
               <a:buNone/>
-              <a:defRPr sz="1600">
+              <a:defRPr sz="1400">
                 <a:solidFill>
                   <a:schemeClr val="tx1">
                     <a:tint val="75000"/>
@@ -1114,7 +2939,7 @@
             </a:lvl7pPr>
             <a:lvl8pPr marL="3200400" indent="0">
               <a:buNone/>
-              <a:defRPr sz="1600">
+              <a:defRPr sz="1400">
                 <a:solidFill>
                   <a:schemeClr val="tx1">
                     <a:tint val="75000"/>
@@ -1124,7 +2949,7 @@
             </a:lvl8pPr>
             <a:lvl9pPr marL="3657600" indent="0">
               <a:buNone/>
-              <a:defRPr sz="1600">
+              <a:defRPr sz="1400">
                 <a:solidFill>
                   <a:schemeClr val="tx1">
                     <a:tint val="75000"/>
@@ -1144,13 +2969,7 @@
       </p:sp>
       <p:sp>
         <p:nvSpPr>
-          <p:cNvPr id="4" name="Datumsplatzhalter 3">
-            <a:extLst>
-              <a:ext uri="{FF2B5EF4-FFF2-40B4-BE49-F238E27FC236}">
-                <a16:creationId xmlns:a16="http://schemas.microsoft.com/office/drawing/2014/main" id="{C18954E9-0F0B-4409-B35B-EA94EAE5CE8C}"/>
-              </a:ext>
-            </a:extLst>
-          </p:cNvPr>
+          <p:cNvPr id="4" name="Date Placeholder 3"/>
           <p:cNvSpPr>
             <a:spLocks noGrp="1"/>
           </p:cNvSpPr>
@@ -1165,7 +2984,7 @@
           <a:p>
             <a:fld id="{CA877428-42F7-4241-8EA8-9490373D402E}" type="datetimeFigureOut">
               <a:rPr lang="de-CH" smtClean="0"/>
-              <a:t>07.04.2019</a:t>
+              <a:t>08.04.2019</a:t>
             </a:fld>
             <a:endParaRPr lang="de-CH"/>
           </a:p>
@@ -1173,13 +2992,7 @@
       </p:sp>
       <p:sp>
         <p:nvSpPr>
-          <p:cNvPr id="5" name="Fußzeilenplatzhalter 4">
-            <a:extLst>
-              <a:ext uri="{FF2B5EF4-FFF2-40B4-BE49-F238E27FC236}">
-                <a16:creationId xmlns:a16="http://schemas.microsoft.com/office/drawing/2014/main" id="{2C9F68D8-E897-4251-AAC8-3A73AB2954D5}"/>
-              </a:ext>
-            </a:extLst>
-          </p:cNvPr>
+          <p:cNvPr id="5" name="Footer Placeholder 4"/>
           <p:cNvSpPr>
             <a:spLocks noGrp="1"/>
           </p:cNvSpPr>
@@ -1198,13 +3011,7 @@
       </p:sp>
       <p:sp>
         <p:nvSpPr>
-          <p:cNvPr id="6" name="Foliennummernplatzhalter 5">
-            <a:extLst>
-              <a:ext uri="{FF2B5EF4-FFF2-40B4-BE49-F238E27FC236}">
-                <a16:creationId xmlns:a16="http://schemas.microsoft.com/office/drawing/2014/main" id="{DFA5227B-DB94-4480-A986-18778800B9E4}"/>
-              </a:ext>
-            </a:extLst>
-          </p:cNvPr>
+          <p:cNvPr id="6" name="Slide Number Placeholder 5"/>
           <p:cNvSpPr>
             <a:spLocks noGrp="1"/>
           </p:cNvSpPr>
@@ -1225,10 +3032,48 @@
           </a:p>
         </p:txBody>
       </p:sp>
+      <p:cxnSp>
+        <p:nvCxnSpPr>
+          <p:cNvPr id="9" name="Straight Connector 8"/>
+          <p:cNvCxnSpPr/>
+          <p:nvPr/>
+        </p:nvCxnSpPr>
+        <p:spPr>
+          <a:xfrm>
+            <a:off x="1207658" y="4343400"/>
+            <a:ext cx="9875520" cy="0"/>
+          </a:xfrm>
+          <a:prstGeom prst="line">
+            <a:avLst/>
+          </a:prstGeom>
+          <a:ln w="6350">
+            <a:solidFill>
+              <a:schemeClr val="tx1">
+                <a:lumMod val="50000"/>
+                <a:lumOff val="50000"/>
+              </a:schemeClr>
+            </a:solidFill>
+          </a:ln>
+        </p:spPr>
+        <p:style>
+          <a:lnRef idx="1">
+            <a:schemeClr val="accent1"/>
+          </a:lnRef>
+          <a:fillRef idx="0">
+            <a:schemeClr val="accent1"/>
+          </a:fillRef>
+          <a:effectRef idx="0">
+            <a:schemeClr val="accent1"/>
+          </a:effectRef>
+          <a:fontRef idx="minor">
+            <a:schemeClr val="tx1"/>
+          </a:fontRef>
+        </p:style>
+      </p:cxnSp>
     </p:spTree>
     <p:extLst>
       <p:ext uri="{BB962C8B-B14F-4D97-AF65-F5344CB8AC3E}">
-        <p14:creationId xmlns:p14="http://schemas.microsoft.com/office/powerpoint/2010/main" val="151341449"/>
+        <p14:creationId xmlns:p14="http://schemas.microsoft.com/office/powerpoint/2010/main" val="2485209323"/>
       </p:ext>
     </p:extLst>
   </p:cSld>
@@ -1257,13 +3102,7 @@
       </p:grpSpPr>
       <p:sp>
         <p:nvSpPr>
-          <p:cNvPr id="2" name="Titel 1">
-            <a:extLst>
-              <a:ext uri="{FF2B5EF4-FFF2-40B4-BE49-F238E27FC236}">
-                <a16:creationId xmlns:a16="http://schemas.microsoft.com/office/drawing/2014/main" id="{4A7D231B-6BDD-48E3-A9C4-0D6BC04F8848}"/>
-              </a:ext>
-            </a:extLst>
-          </p:cNvPr>
+          <p:cNvPr id="8" name="Title 7"/>
           <p:cNvSpPr>
             <a:spLocks noGrp="1"/>
           </p:cNvSpPr>
@@ -1271,7 +3110,12 @@
             <p:ph type="title"/>
           </p:nvPr>
         </p:nvSpPr>
-        <p:spPr/>
+        <p:spPr>
+          <a:xfrm>
+            <a:off x="1097280" y="286603"/>
+            <a:ext cx="10058400" cy="1450757"/>
+          </a:xfrm>
+        </p:spPr>
         <p:txBody>
           <a:bodyPr/>
           <a:lstStyle/>
@@ -1280,19 +3124,13 @@
               <a:rPr lang="de-DE"/>
               <a:t>Mastertitelformat bearbeiten</a:t>
             </a:r>
-            <a:endParaRPr lang="de-CH"/>
-          </a:p>
-        </p:txBody>
-      </p:sp>
-      <p:sp>
-        <p:nvSpPr>
-          <p:cNvPr id="3" name="Inhaltsplatzhalter 2">
-            <a:extLst>
-              <a:ext uri="{FF2B5EF4-FFF2-40B4-BE49-F238E27FC236}">
-                <a16:creationId xmlns:a16="http://schemas.microsoft.com/office/drawing/2014/main" id="{79191F02-BB0F-4A6F-AC5A-2F5A3AD6982E}"/>
-              </a:ext>
-            </a:extLst>
-          </p:cNvPr>
+            <a:endParaRPr lang="en-US" dirty="0"/>
+          </a:p>
+        </p:txBody>
+      </p:sp>
+      <p:sp>
+        <p:nvSpPr>
+          <p:cNvPr id="3" name="Content Placeholder 2"/>
           <p:cNvSpPr>
             <a:spLocks noGrp="1"/>
           </p:cNvSpPr>
@@ -1302,8 +3140,8 @@
         </p:nvSpPr>
         <p:spPr>
           <a:xfrm>
-            <a:off x="838200" y="1825625"/>
-            <a:ext cx="5181600" cy="4351338"/>
+            <a:off x="1097279" y="1845734"/>
+            <a:ext cx="4937760" cy="4023360"/>
           </a:xfrm>
         </p:spPr>
         <p:txBody>
@@ -1343,19 +3181,13 @@
               <a:rPr lang="de-DE"/>
               <a:t>Fünfte Ebene</a:t>
             </a:r>
-            <a:endParaRPr lang="de-CH"/>
-          </a:p>
-        </p:txBody>
-      </p:sp>
-      <p:sp>
-        <p:nvSpPr>
-          <p:cNvPr id="4" name="Inhaltsplatzhalter 3">
-            <a:extLst>
-              <a:ext uri="{FF2B5EF4-FFF2-40B4-BE49-F238E27FC236}">
-                <a16:creationId xmlns:a16="http://schemas.microsoft.com/office/drawing/2014/main" id="{D2289A09-5575-464B-9336-C7DB25C49C36}"/>
-              </a:ext>
-            </a:extLst>
-          </p:cNvPr>
+            <a:endParaRPr lang="en-US" dirty="0"/>
+          </a:p>
+        </p:txBody>
+      </p:sp>
+      <p:sp>
+        <p:nvSpPr>
+          <p:cNvPr id="4" name="Content Placeholder 3"/>
           <p:cNvSpPr>
             <a:spLocks noGrp="1"/>
           </p:cNvSpPr>
@@ -1365,8 +3197,8 @@
         </p:nvSpPr>
         <p:spPr>
           <a:xfrm>
-            <a:off x="6172200" y="1825625"/>
-            <a:ext cx="5181600" cy="4351338"/>
+            <a:off x="6217920" y="1845735"/>
+            <a:ext cx="4937760" cy="4023360"/>
           </a:xfrm>
         </p:spPr>
         <p:txBody>
@@ -1406,19 +3238,13 @@
               <a:rPr lang="de-DE"/>
               <a:t>Fünfte Ebene</a:t>
             </a:r>
-            <a:endParaRPr lang="de-CH"/>
-          </a:p>
-        </p:txBody>
-      </p:sp>
-      <p:sp>
-        <p:nvSpPr>
-          <p:cNvPr id="5" name="Datumsplatzhalter 4">
-            <a:extLst>
-              <a:ext uri="{FF2B5EF4-FFF2-40B4-BE49-F238E27FC236}">
-                <a16:creationId xmlns:a16="http://schemas.microsoft.com/office/drawing/2014/main" id="{FE38E99F-0D6D-47ED-B255-C8107CFF4A9E}"/>
-              </a:ext>
-            </a:extLst>
-          </p:cNvPr>
+            <a:endParaRPr lang="en-US" dirty="0"/>
+          </a:p>
+        </p:txBody>
+      </p:sp>
+      <p:sp>
+        <p:nvSpPr>
+          <p:cNvPr id="5" name="Date Placeholder 4"/>
           <p:cNvSpPr>
             <a:spLocks noGrp="1"/>
           </p:cNvSpPr>
@@ -1433,7 +3259,7 @@
           <a:p>
             <a:fld id="{CA877428-42F7-4241-8EA8-9490373D402E}" type="datetimeFigureOut">
               <a:rPr lang="de-CH" smtClean="0"/>
-              <a:t>07.04.2019</a:t>
+              <a:t>08.04.2019</a:t>
             </a:fld>
             <a:endParaRPr lang="de-CH"/>
           </a:p>
@@ -1441,13 +3267,7 @@
       </p:sp>
       <p:sp>
         <p:nvSpPr>
-          <p:cNvPr id="6" name="Fußzeilenplatzhalter 5">
-            <a:extLst>
-              <a:ext uri="{FF2B5EF4-FFF2-40B4-BE49-F238E27FC236}">
-                <a16:creationId xmlns:a16="http://schemas.microsoft.com/office/drawing/2014/main" id="{3C5E40EC-CFC9-460A-A806-0A80140CBBAE}"/>
-              </a:ext>
-            </a:extLst>
-          </p:cNvPr>
+          <p:cNvPr id="6" name="Footer Placeholder 5"/>
           <p:cNvSpPr>
             <a:spLocks noGrp="1"/>
           </p:cNvSpPr>
@@ -1466,13 +3286,7 @@
       </p:sp>
       <p:sp>
         <p:nvSpPr>
-          <p:cNvPr id="7" name="Foliennummernplatzhalter 6">
-            <a:extLst>
-              <a:ext uri="{FF2B5EF4-FFF2-40B4-BE49-F238E27FC236}">
-                <a16:creationId xmlns:a16="http://schemas.microsoft.com/office/drawing/2014/main" id="{B5B74F76-AA55-4057-895E-BF89C90F4176}"/>
-              </a:ext>
-            </a:extLst>
-          </p:cNvPr>
+          <p:cNvPr id="7" name="Slide Number Placeholder 6"/>
           <p:cNvSpPr>
             <a:spLocks noGrp="1"/>
           </p:cNvSpPr>
@@ -1496,7 +3310,7 @@
     </p:spTree>
     <p:extLst>
       <p:ext uri="{BB962C8B-B14F-4D97-AF65-F5344CB8AC3E}">
-        <p14:creationId xmlns:p14="http://schemas.microsoft.com/office/powerpoint/2010/main" val="1648763967"/>
+        <p14:creationId xmlns:p14="http://schemas.microsoft.com/office/powerpoint/2010/main" val="502014139"/>
       </p:ext>
     </p:extLst>
   </p:cSld>
@@ -1525,13 +3339,7 @@
       </p:grpSpPr>
       <p:sp>
         <p:nvSpPr>
-          <p:cNvPr id="2" name="Titel 1">
-            <a:extLst>
-              <a:ext uri="{FF2B5EF4-FFF2-40B4-BE49-F238E27FC236}">
-                <a16:creationId xmlns:a16="http://schemas.microsoft.com/office/drawing/2014/main" id="{051DE50E-F252-4850-84D1-4B2196EA3D13}"/>
-              </a:ext>
-            </a:extLst>
-          </p:cNvPr>
+          <p:cNvPr id="10" name="Title 9"/>
           <p:cNvSpPr>
             <a:spLocks noGrp="1"/>
           </p:cNvSpPr>
@@ -1541,8 +3349,8 @@
         </p:nvSpPr>
         <p:spPr>
           <a:xfrm>
-            <a:off x="839788" y="365125"/>
-            <a:ext cx="10515600" cy="1325563"/>
+            <a:off x="1097280" y="286603"/>
+            <a:ext cx="10058400" cy="1450757"/>
           </a:xfrm>
         </p:spPr>
         <p:txBody>
@@ -1553,19 +3361,13 @@
               <a:rPr lang="de-DE"/>
               <a:t>Mastertitelformat bearbeiten</a:t>
             </a:r>
-            <a:endParaRPr lang="de-CH"/>
-          </a:p>
-        </p:txBody>
-      </p:sp>
-      <p:sp>
-        <p:nvSpPr>
-          <p:cNvPr id="3" name="Textplatzhalter 2">
-            <a:extLst>
-              <a:ext uri="{FF2B5EF4-FFF2-40B4-BE49-F238E27FC236}">
-                <a16:creationId xmlns:a16="http://schemas.microsoft.com/office/drawing/2014/main" id="{94979334-B1CA-4957-A0E3-F8B7BB285880}"/>
-              </a:ext>
-            </a:extLst>
-          </p:cNvPr>
+            <a:endParaRPr lang="en-US" dirty="0"/>
+          </a:p>
+        </p:txBody>
+      </p:sp>
+      <p:sp>
+        <p:nvSpPr>
+          <p:cNvPr id="3" name="Text Placeholder 2"/>
           <p:cNvSpPr>
             <a:spLocks noGrp="1"/>
           </p:cNvSpPr>
@@ -1575,16 +3377,22 @@
         </p:nvSpPr>
         <p:spPr>
           <a:xfrm>
-            <a:off x="839788" y="1681163"/>
-            <a:ext cx="5157787" cy="823912"/>
+            <a:off x="1097280" y="1846052"/>
+            <a:ext cx="4937760" cy="736282"/>
           </a:xfrm>
         </p:spPr>
         <p:txBody>
-          <a:bodyPr anchor="b"/>
+          <a:bodyPr lIns="91440" rIns="91440" anchor="ctr">
+            <a:normAutofit/>
+          </a:bodyPr>
           <a:lstStyle>
             <a:lvl1pPr marL="0" indent="0">
               <a:buNone/>
-              <a:defRPr sz="2400" b="1"/>
+              <a:defRPr sz="2000" b="0" cap="all" baseline="0">
+                <a:solidFill>
+                  <a:schemeClr val="tx2"/>
+                </a:solidFill>
+              </a:defRPr>
             </a:lvl1pPr>
             <a:lvl2pPr marL="457200" indent="0">
               <a:buNone/>
@@ -1630,13 +3438,7 @@
       </p:sp>
       <p:sp>
         <p:nvSpPr>
-          <p:cNvPr id="4" name="Inhaltsplatzhalter 3">
-            <a:extLst>
-              <a:ext uri="{FF2B5EF4-FFF2-40B4-BE49-F238E27FC236}">
-                <a16:creationId xmlns:a16="http://schemas.microsoft.com/office/drawing/2014/main" id="{1CAE92BB-AB17-4808-A139-725A174EB4CB}"/>
-              </a:ext>
-            </a:extLst>
-          </p:cNvPr>
+          <p:cNvPr id="4" name="Content Placeholder 3"/>
           <p:cNvSpPr>
             <a:spLocks noGrp="1"/>
           </p:cNvSpPr>
@@ -1646,8 +3448,8 @@
         </p:nvSpPr>
         <p:spPr>
           <a:xfrm>
-            <a:off x="839788" y="2505075"/>
-            <a:ext cx="5157787" cy="3684588"/>
+            <a:off x="1097280" y="2582334"/>
+            <a:ext cx="4937760" cy="3378200"/>
           </a:xfrm>
         </p:spPr>
         <p:txBody>
@@ -1687,19 +3489,13 @@
               <a:rPr lang="de-DE"/>
               <a:t>Fünfte Ebene</a:t>
             </a:r>
-            <a:endParaRPr lang="de-CH"/>
-          </a:p>
-        </p:txBody>
-      </p:sp>
-      <p:sp>
-        <p:nvSpPr>
-          <p:cNvPr id="5" name="Textplatzhalter 4">
-            <a:extLst>
-              <a:ext uri="{FF2B5EF4-FFF2-40B4-BE49-F238E27FC236}">
-                <a16:creationId xmlns:a16="http://schemas.microsoft.com/office/drawing/2014/main" id="{5BC7C98B-56CA-4EBC-BFD2-CF9A34AF0B52}"/>
-              </a:ext>
-            </a:extLst>
-          </p:cNvPr>
+            <a:endParaRPr lang="en-US" dirty="0"/>
+          </a:p>
+        </p:txBody>
+      </p:sp>
+      <p:sp>
+        <p:nvSpPr>
+          <p:cNvPr id="5" name="Text Placeholder 4"/>
           <p:cNvSpPr>
             <a:spLocks noGrp="1"/>
           </p:cNvSpPr>
@@ -1709,16 +3505,22 @@
         </p:nvSpPr>
         <p:spPr>
           <a:xfrm>
-            <a:off x="6172200" y="1681163"/>
-            <a:ext cx="5183188" cy="823912"/>
+            <a:off x="6217920" y="1846052"/>
+            <a:ext cx="4937760" cy="736282"/>
           </a:xfrm>
         </p:spPr>
         <p:txBody>
-          <a:bodyPr anchor="b"/>
+          <a:bodyPr lIns="91440" rIns="91440" anchor="ctr">
+            <a:normAutofit/>
+          </a:bodyPr>
           <a:lstStyle>
             <a:lvl1pPr marL="0" indent="0">
               <a:buNone/>
-              <a:defRPr sz="2400" b="1"/>
+              <a:defRPr sz="2000" b="0" cap="all" baseline="0">
+                <a:solidFill>
+                  <a:schemeClr val="tx2"/>
+                </a:solidFill>
+              </a:defRPr>
             </a:lvl1pPr>
             <a:lvl2pPr marL="457200" indent="0">
               <a:buNone/>
@@ -1764,13 +3566,7 @@
       </p:sp>
       <p:sp>
         <p:nvSpPr>
-          <p:cNvPr id="6" name="Inhaltsplatzhalter 5">
-            <a:extLst>
-              <a:ext uri="{FF2B5EF4-FFF2-40B4-BE49-F238E27FC236}">
-                <a16:creationId xmlns:a16="http://schemas.microsoft.com/office/drawing/2014/main" id="{DF5607F5-8E32-4FB4-8DBF-517BCCFFB66F}"/>
-              </a:ext>
-            </a:extLst>
-          </p:cNvPr>
+          <p:cNvPr id="6" name="Content Placeholder 5"/>
           <p:cNvSpPr>
             <a:spLocks noGrp="1"/>
           </p:cNvSpPr>
@@ -1780,8 +3576,8 @@
         </p:nvSpPr>
         <p:spPr>
           <a:xfrm>
-            <a:off x="6172200" y="2505075"/>
-            <a:ext cx="5183188" cy="3684588"/>
+            <a:off x="6217920" y="2582334"/>
+            <a:ext cx="4937760" cy="3378200"/>
           </a:xfrm>
         </p:spPr>
         <p:txBody>
@@ -1821,19 +3617,13 @@
               <a:rPr lang="de-DE"/>
               <a:t>Fünfte Ebene</a:t>
             </a:r>
-            <a:endParaRPr lang="de-CH"/>
-          </a:p>
-        </p:txBody>
-      </p:sp>
-      <p:sp>
-        <p:nvSpPr>
-          <p:cNvPr id="7" name="Datumsplatzhalter 6">
-            <a:extLst>
-              <a:ext uri="{FF2B5EF4-FFF2-40B4-BE49-F238E27FC236}">
-                <a16:creationId xmlns:a16="http://schemas.microsoft.com/office/drawing/2014/main" id="{1683E4A7-57D0-4C12-8FEA-5A4012DB1FC0}"/>
-              </a:ext>
-            </a:extLst>
-          </p:cNvPr>
+            <a:endParaRPr lang="en-US" dirty="0"/>
+          </a:p>
+        </p:txBody>
+      </p:sp>
+      <p:sp>
+        <p:nvSpPr>
+          <p:cNvPr id="7" name="Date Placeholder 6"/>
           <p:cNvSpPr>
             <a:spLocks noGrp="1"/>
           </p:cNvSpPr>
@@ -1848,7 +3638,7 @@
           <a:p>
             <a:fld id="{CA877428-42F7-4241-8EA8-9490373D402E}" type="datetimeFigureOut">
               <a:rPr lang="de-CH" smtClean="0"/>
-              <a:t>07.04.2019</a:t>
+              <a:t>08.04.2019</a:t>
             </a:fld>
             <a:endParaRPr lang="de-CH"/>
           </a:p>
@@ -1856,13 +3646,7 @@
       </p:sp>
       <p:sp>
         <p:nvSpPr>
-          <p:cNvPr id="8" name="Fußzeilenplatzhalter 7">
-            <a:extLst>
-              <a:ext uri="{FF2B5EF4-FFF2-40B4-BE49-F238E27FC236}">
-                <a16:creationId xmlns:a16="http://schemas.microsoft.com/office/drawing/2014/main" id="{9FEEDD16-264E-4ABC-B437-9029ACA1E427}"/>
-              </a:ext>
-            </a:extLst>
-          </p:cNvPr>
+          <p:cNvPr id="8" name="Footer Placeholder 7"/>
           <p:cNvSpPr>
             <a:spLocks noGrp="1"/>
           </p:cNvSpPr>
@@ -1881,13 +3665,7 @@
       </p:sp>
       <p:sp>
         <p:nvSpPr>
-          <p:cNvPr id="9" name="Foliennummernplatzhalter 8">
-            <a:extLst>
-              <a:ext uri="{FF2B5EF4-FFF2-40B4-BE49-F238E27FC236}">
-                <a16:creationId xmlns:a16="http://schemas.microsoft.com/office/drawing/2014/main" id="{9222DFEB-1B29-46D4-9722-E008A5C7DDBF}"/>
-              </a:ext>
-            </a:extLst>
-          </p:cNvPr>
+          <p:cNvPr id="9" name="Slide Number Placeholder 8"/>
           <p:cNvSpPr>
             <a:spLocks noGrp="1"/>
           </p:cNvSpPr>
@@ -1911,7 +3689,7 @@
     </p:spTree>
     <p:extLst>
       <p:ext uri="{BB962C8B-B14F-4D97-AF65-F5344CB8AC3E}">
-        <p14:creationId xmlns:p14="http://schemas.microsoft.com/office/powerpoint/2010/main" val="83187470"/>
+        <p14:creationId xmlns:p14="http://schemas.microsoft.com/office/powerpoint/2010/main" val="4179088314"/>
       </p:ext>
     </p:extLst>
   </p:cSld>
@@ -1940,13 +3718,7 @@
       </p:grpSpPr>
       <p:sp>
         <p:nvSpPr>
-          <p:cNvPr id="2" name="Titel 1">
-            <a:extLst>
-              <a:ext uri="{FF2B5EF4-FFF2-40B4-BE49-F238E27FC236}">
-                <a16:creationId xmlns:a16="http://schemas.microsoft.com/office/drawing/2014/main" id="{3C3347A0-01AD-42ED-8CA0-E78981D0285E}"/>
-              </a:ext>
-            </a:extLst>
-          </p:cNvPr>
+          <p:cNvPr id="2" name="Title 1"/>
           <p:cNvSpPr>
             <a:spLocks noGrp="1"/>
           </p:cNvSpPr>
@@ -1963,19 +3735,13 @@
               <a:rPr lang="de-DE"/>
               <a:t>Mastertitelformat bearbeiten</a:t>
             </a:r>
-            <a:endParaRPr lang="de-CH"/>
-          </a:p>
-        </p:txBody>
-      </p:sp>
-      <p:sp>
-        <p:nvSpPr>
-          <p:cNvPr id="3" name="Datumsplatzhalter 2">
-            <a:extLst>
-              <a:ext uri="{FF2B5EF4-FFF2-40B4-BE49-F238E27FC236}">
-                <a16:creationId xmlns:a16="http://schemas.microsoft.com/office/drawing/2014/main" id="{5BAEC5DF-674D-4B0B-AA0E-9CE0E4DB80C1}"/>
-              </a:ext>
-            </a:extLst>
-          </p:cNvPr>
+            <a:endParaRPr lang="en-US" dirty="0"/>
+          </a:p>
+        </p:txBody>
+      </p:sp>
+      <p:sp>
+        <p:nvSpPr>
+          <p:cNvPr id="3" name="Date Placeholder 2"/>
           <p:cNvSpPr>
             <a:spLocks noGrp="1"/>
           </p:cNvSpPr>
@@ -1990,7 +3756,7 @@
           <a:p>
             <a:fld id="{CA877428-42F7-4241-8EA8-9490373D402E}" type="datetimeFigureOut">
               <a:rPr lang="de-CH" smtClean="0"/>
-              <a:t>07.04.2019</a:t>
+              <a:t>08.04.2019</a:t>
             </a:fld>
             <a:endParaRPr lang="de-CH"/>
           </a:p>
@@ -1998,13 +3764,7 @@
       </p:sp>
       <p:sp>
         <p:nvSpPr>
-          <p:cNvPr id="4" name="Fußzeilenplatzhalter 3">
-            <a:extLst>
-              <a:ext uri="{FF2B5EF4-FFF2-40B4-BE49-F238E27FC236}">
-                <a16:creationId xmlns:a16="http://schemas.microsoft.com/office/drawing/2014/main" id="{91BA630B-69CC-42D8-A5D5-B1654AA1BDD9}"/>
-              </a:ext>
-            </a:extLst>
-          </p:cNvPr>
+          <p:cNvPr id="4" name="Footer Placeholder 3"/>
           <p:cNvSpPr>
             <a:spLocks noGrp="1"/>
           </p:cNvSpPr>
@@ -2023,13 +3783,7 @@
       </p:sp>
       <p:sp>
         <p:nvSpPr>
-          <p:cNvPr id="5" name="Foliennummernplatzhalter 4">
-            <a:extLst>
-              <a:ext uri="{FF2B5EF4-FFF2-40B4-BE49-F238E27FC236}">
-                <a16:creationId xmlns:a16="http://schemas.microsoft.com/office/drawing/2014/main" id="{42A1979D-2590-4E0F-8285-37EB03E9481F}"/>
-              </a:ext>
-            </a:extLst>
-          </p:cNvPr>
+          <p:cNvPr id="5" name="Slide Number Placeholder 4"/>
           <p:cNvSpPr>
             <a:spLocks noGrp="1"/>
           </p:cNvSpPr>
@@ -2053,7 +3807,7 @@
     </p:spTree>
     <p:extLst>
       <p:ext uri="{BB962C8B-B14F-4D97-AF65-F5344CB8AC3E}">
-        <p14:creationId xmlns:p14="http://schemas.microsoft.com/office/powerpoint/2010/main" val="199875936"/>
+        <p14:creationId xmlns:p14="http://schemas.microsoft.com/office/powerpoint/2010/main" val="4214043468"/>
       </p:ext>
     </p:extLst>
   </p:cSld>
@@ -2064,7 +3818,7 @@
 </file>
 
 <file path=ppt/slideLayouts/slideLayout7.xml><?xml version="1.0" encoding="utf-8"?>
-<p:sldLayout xmlns:a="http://schemas.openxmlformats.org/drawingml/2006/main" xmlns:r="http://schemas.openxmlformats.org/officeDocument/2006/relationships" xmlns:p="http://schemas.openxmlformats.org/presentationml/2006/main" type="blank" preserve="1">
+<p:sldLayout xmlns:a="http://schemas.openxmlformats.org/drawingml/2006/main" xmlns:r="http://schemas.openxmlformats.org/officeDocument/2006/relationships" xmlns:p="http://schemas.openxmlformats.org/presentationml/2006/main" showMasterSp="0" type="blank" preserve="1">
   <p:cSld name="Leer">
     <p:spTree>
       <p:nvGrpSpPr>
@@ -2082,13 +3836,83 @@
       </p:grpSpPr>
       <p:sp>
         <p:nvSpPr>
-          <p:cNvPr id="2" name="Datumsplatzhalter 1">
-            <a:extLst>
-              <a:ext uri="{FF2B5EF4-FFF2-40B4-BE49-F238E27FC236}">
-                <a16:creationId xmlns:a16="http://schemas.microsoft.com/office/drawing/2014/main" id="{D40B988A-69F0-4E6B-904C-5A54041649EE}"/>
-              </a:ext>
-            </a:extLst>
-          </p:cNvPr>
+          <p:cNvPr id="5" name="Rectangle 4"/>
+          <p:cNvSpPr/>
+          <p:nvPr/>
+        </p:nvSpPr>
+        <p:spPr>
+          <a:xfrm>
+            <a:off x="3175" y="6400800"/>
+            <a:ext cx="12188825" cy="457200"/>
+          </a:xfrm>
+          <a:prstGeom prst="rect">
+            <a:avLst/>
+          </a:prstGeom>
+          <a:solidFill>
+            <a:schemeClr val="accent2"/>
+          </a:solidFill>
+          <a:ln>
+            <a:noFill/>
+          </a:ln>
+        </p:spPr>
+        <p:style>
+          <a:lnRef idx="2">
+            <a:schemeClr val="accent1">
+              <a:shade val="50000"/>
+            </a:schemeClr>
+          </a:lnRef>
+          <a:fillRef idx="1">
+            <a:schemeClr val="accent1"/>
+          </a:fillRef>
+          <a:effectRef idx="0">
+            <a:schemeClr val="accent1"/>
+          </a:effectRef>
+          <a:fontRef idx="minor">
+            <a:schemeClr val="lt1"/>
+          </a:fontRef>
+        </p:style>
+      </p:sp>
+      <p:sp>
+        <p:nvSpPr>
+          <p:cNvPr id="6" name="Rectangle 5"/>
+          <p:cNvSpPr/>
+          <p:nvPr/>
+        </p:nvSpPr>
+        <p:spPr>
+          <a:xfrm>
+            <a:off x="15" y="6334316"/>
+            <a:ext cx="12188825" cy="64008"/>
+          </a:xfrm>
+          <a:prstGeom prst="rect">
+            <a:avLst/>
+          </a:prstGeom>
+          <a:solidFill>
+            <a:schemeClr val="accent1"/>
+          </a:solidFill>
+          <a:ln>
+            <a:noFill/>
+          </a:ln>
+        </p:spPr>
+        <p:style>
+          <a:lnRef idx="2">
+            <a:schemeClr val="accent1">
+              <a:shade val="50000"/>
+            </a:schemeClr>
+          </a:lnRef>
+          <a:fillRef idx="1">
+            <a:schemeClr val="accent1"/>
+          </a:fillRef>
+          <a:effectRef idx="0">
+            <a:schemeClr val="accent1"/>
+          </a:effectRef>
+          <a:fontRef idx="minor">
+            <a:schemeClr val="lt1"/>
+          </a:fontRef>
+        </p:style>
+      </p:sp>
+      <p:sp>
+        <p:nvSpPr>
+          <p:cNvPr id="7" name="Date Placeholder 6"/>
           <p:cNvSpPr>
             <a:spLocks noGrp="1"/>
           </p:cNvSpPr>
@@ -2103,7 +3927,7 @@
           <a:p>
             <a:fld id="{CA877428-42F7-4241-8EA8-9490373D402E}" type="datetimeFigureOut">
               <a:rPr lang="de-CH" smtClean="0"/>
-              <a:t>07.04.2019</a:t>
+              <a:t>08.04.2019</a:t>
             </a:fld>
             <a:endParaRPr lang="de-CH"/>
           </a:p>
@@ -2111,13 +3935,7 @@
       </p:sp>
       <p:sp>
         <p:nvSpPr>
-          <p:cNvPr id="3" name="Fußzeilenplatzhalter 2">
-            <a:extLst>
-              <a:ext uri="{FF2B5EF4-FFF2-40B4-BE49-F238E27FC236}">
-                <a16:creationId xmlns:a16="http://schemas.microsoft.com/office/drawing/2014/main" id="{DB4B9BF7-A8E1-44EF-967A-F99F756539C1}"/>
-              </a:ext>
-            </a:extLst>
-          </p:cNvPr>
+          <p:cNvPr id="8" name="Footer Placeholder 7"/>
           <p:cNvSpPr>
             <a:spLocks noGrp="1"/>
           </p:cNvSpPr>
@@ -2128,7 +3946,15 @@
         <p:spPr/>
         <p:txBody>
           <a:bodyPr/>
-          <a:lstStyle/>
+          <a:lstStyle>
+            <a:lvl1pPr>
+              <a:defRPr>
+                <a:solidFill>
+                  <a:srgbClr val="FFFFFF"/>
+                </a:solidFill>
+              </a:defRPr>
+            </a:lvl1pPr>
+          </a:lstStyle>
           <a:p>
             <a:endParaRPr lang="de-CH"/>
           </a:p>
@@ -2136,13 +3962,7 @@
       </p:sp>
       <p:sp>
         <p:nvSpPr>
-          <p:cNvPr id="4" name="Foliennummernplatzhalter 3">
-            <a:extLst>
-              <a:ext uri="{FF2B5EF4-FFF2-40B4-BE49-F238E27FC236}">
-                <a16:creationId xmlns:a16="http://schemas.microsoft.com/office/drawing/2014/main" id="{388E911C-FC8A-46E0-AA58-79E39E0D65CC}"/>
-              </a:ext>
-            </a:extLst>
-          </p:cNvPr>
+          <p:cNvPr id="9" name="Slide Number Placeholder 8"/>
           <p:cNvSpPr>
             <a:spLocks noGrp="1"/>
           </p:cNvSpPr>
@@ -2166,7 +3986,7 @@
     </p:spTree>
     <p:extLst>
       <p:ext uri="{BB962C8B-B14F-4D97-AF65-F5344CB8AC3E}">
-        <p14:creationId xmlns:p14="http://schemas.microsoft.com/office/powerpoint/2010/main" val="649109364"/>
+        <p14:creationId xmlns:p14="http://schemas.microsoft.com/office/powerpoint/2010/main" val="2927571"/>
       </p:ext>
     </p:extLst>
   </p:cSld>
@@ -2177,7 +3997,7 @@
 </file>
 
 <file path=ppt/slideLayouts/slideLayout8.xml><?xml version="1.0" encoding="utf-8"?>
-<p:sldLayout xmlns:a="http://schemas.openxmlformats.org/drawingml/2006/main" xmlns:r="http://schemas.openxmlformats.org/officeDocument/2006/relationships" xmlns:p="http://schemas.openxmlformats.org/presentationml/2006/main" type="objTx" preserve="1">
+<p:sldLayout xmlns:a="http://schemas.openxmlformats.org/drawingml/2006/main" xmlns:r="http://schemas.openxmlformats.org/officeDocument/2006/relationships" xmlns:p="http://schemas.openxmlformats.org/presentationml/2006/main" showMasterSp="0" type="objTx" preserve="1">
   <p:cSld name="Inhalt mit Überschrift">
     <p:spTree>
       <p:nvGrpSpPr>
@@ -2195,31 +4015,107 @@
       </p:grpSpPr>
       <p:sp>
         <p:nvSpPr>
-          <p:cNvPr id="2" name="Titel 1">
-            <a:extLst>
-              <a:ext uri="{FF2B5EF4-FFF2-40B4-BE49-F238E27FC236}">
-                <a16:creationId xmlns:a16="http://schemas.microsoft.com/office/drawing/2014/main" id="{6DA00678-D5B9-4578-A3FD-5B1BFB5B40E0}"/>
-              </a:ext>
-            </a:extLst>
-          </p:cNvPr>
-          <p:cNvSpPr>
-            <a:spLocks noGrp="1"/>
-          </p:cNvSpPr>
-          <p:nvPr>
-            <p:ph type="title"/>
-          </p:nvPr>
+          <p:cNvPr id="8" name="Rectangle 7"/>
+          <p:cNvSpPr/>
+          <p:nvPr/>
         </p:nvSpPr>
         <p:spPr>
           <a:xfrm>
-            <a:off x="839788" y="457200"/>
-            <a:ext cx="3932237" cy="1600200"/>
+            <a:off x="16" y="0"/>
+            <a:ext cx="4050791" cy="6858000"/>
+          </a:xfrm>
+          <a:prstGeom prst="rect">
+            <a:avLst/>
+          </a:prstGeom>
+          <a:solidFill>
+            <a:schemeClr val="accent2"/>
+          </a:solidFill>
+          <a:ln>
+            <a:noFill/>
+          </a:ln>
+        </p:spPr>
+        <p:style>
+          <a:lnRef idx="2">
+            <a:schemeClr val="accent1">
+              <a:shade val="50000"/>
+            </a:schemeClr>
+          </a:lnRef>
+          <a:fillRef idx="1">
+            <a:schemeClr val="accent1"/>
+          </a:fillRef>
+          <a:effectRef idx="0">
+            <a:schemeClr val="accent1"/>
+          </a:effectRef>
+          <a:fontRef idx="minor">
+            <a:schemeClr val="lt1"/>
+          </a:fontRef>
+        </p:style>
+      </p:sp>
+      <p:sp>
+        <p:nvSpPr>
+          <p:cNvPr id="9" name="Rectangle 8"/>
+          <p:cNvSpPr/>
+          <p:nvPr/>
+        </p:nvSpPr>
+        <p:spPr>
+          <a:xfrm>
+            <a:off x="4040071" y="0"/>
+            <a:ext cx="64008" cy="6858000"/>
+          </a:xfrm>
+          <a:prstGeom prst="rect">
+            <a:avLst/>
+          </a:prstGeom>
+          <a:solidFill>
+            <a:schemeClr val="accent1"/>
+          </a:solidFill>
+          <a:ln>
+            <a:noFill/>
+          </a:ln>
+        </p:spPr>
+        <p:style>
+          <a:lnRef idx="2">
+            <a:schemeClr val="accent1">
+              <a:shade val="50000"/>
+            </a:schemeClr>
+          </a:lnRef>
+          <a:fillRef idx="1">
+            <a:schemeClr val="accent1"/>
+          </a:fillRef>
+          <a:effectRef idx="0">
+            <a:schemeClr val="accent1"/>
+          </a:effectRef>
+          <a:fontRef idx="minor">
+            <a:schemeClr val="lt1"/>
+          </a:fontRef>
+        </p:style>
+      </p:sp>
+      <p:sp>
+        <p:nvSpPr>
+          <p:cNvPr id="2" name="Title 1"/>
+          <p:cNvSpPr>
+            <a:spLocks noGrp="1"/>
+          </p:cNvSpPr>
+          <p:nvPr>
+            <p:ph type="title"/>
+          </p:nvPr>
+        </p:nvSpPr>
+        <p:spPr>
+          <a:xfrm>
+            <a:off x="457200" y="594359"/>
+            <a:ext cx="3200400" cy="2286000"/>
           </a:xfrm>
         </p:spPr>
         <p:txBody>
-          <a:bodyPr anchor="b"/>
+          <a:bodyPr anchor="b">
+            <a:normAutofit/>
+          </a:bodyPr>
           <a:lstStyle>
             <a:lvl1pPr>
-              <a:defRPr sz="3200"/>
+              <a:defRPr sz="3600" b="0">
+                <a:solidFill>
+                  <a:srgbClr val="FFFFFF"/>
+                </a:solidFill>
+              </a:defRPr>
             </a:lvl1pPr>
           </a:lstStyle>
           <a:p>
@@ -2227,19 +4123,13 @@
               <a:rPr lang="de-DE"/>
               <a:t>Mastertitelformat bearbeiten</a:t>
             </a:r>
-            <a:endParaRPr lang="de-CH"/>
-          </a:p>
-        </p:txBody>
-      </p:sp>
-      <p:sp>
-        <p:nvSpPr>
-          <p:cNvPr id="3" name="Inhaltsplatzhalter 2">
-            <a:extLst>
-              <a:ext uri="{FF2B5EF4-FFF2-40B4-BE49-F238E27FC236}">
-                <a16:creationId xmlns:a16="http://schemas.microsoft.com/office/drawing/2014/main" id="{14150DB3-E28B-45F9-A1CC-614ADD6CB8CE}"/>
-              </a:ext>
-            </a:extLst>
-          </p:cNvPr>
+            <a:endParaRPr lang="en-US" dirty="0"/>
+          </a:p>
+        </p:txBody>
+      </p:sp>
+      <p:sp>
+        <p:nvSpPr>
+          <p:cNvPr id="3" name="Content Placeholder 2"/>
           <p:cNvSpPr>
             <a:spLocks noGrp="1"/>
           </p:cNvSpPr>
@@ -2249,224 +4139,208 @@
         </p:nvSpPr>
         <p:spPr>
           <a:xfrm>
-            <a:off x="5183188" y="987425"/>
-            <a:ext cx="6172200" cy="4873625"/>
+            <a:off x="4800600" y="731520"/>
+            <a:ext cx="6492240" cy="5257800"/>
           </a:xfrm>
         </p:spPr>
         <p:txBody>
           <a:bodyPr/>
+          <a:lstStyle/>
+          <a:p>
+            <a:pPr lvl="0"/>
+            <a:r>
+              <a:rPr lang="de-DE"/>
+              <a:t>Mastertextformat bearbeiten</a:t>
+            </a:r>
+          </a:p>
+          <a:p>
+            <a:pPr lvl="1"/>
+            <a:r>
+              <a:rPr lang="de-DE"/>
+              <a:t>Zweite Ebene</a:t>
+            </a:r>
+          </a:p>
+          <a:p>
+            <a:pPr lvl="2"/>
+            <a:r>
+              <a:rPr lang="de-DE"/>
+              <a:t>Dritte Ebene</a:t>
+            </a:r>
+          </a:p>
+          <a:p>
+            <a:pPr lvl="3"/>
+            <a:r>
+              <a:rPr lang="de-DE"/>
+              <a:t>Vierte Ebene</a:t>
+            </a:r>
+          </a:p>
+          <a:p>
+            <a:pPr lvl="4"/>
+            <a:r>
+              <a:rPr lang="de-DE"/>
+              <a:t>Fünfte Ebene</a:t>
+            </a:r>
+            <a:endParaRPr lang="en-US" dirty="0"/>
+          </a:p>
+        </p:txBody>
+      </p:sp>
+      <p:sp>
+        <p:nvSpPr>
+          <p:cNvPr id="4" name="Text Placeholder 3"/>
+          <p:cNvSpPr>
+            <a:spLocks noGrp="1"/>
+          </p:cNvSpPr>
+          <p:nvPr>
+            <p:ph type="body" sz="half" idx="2"/>
+          </p:nvPr>
+        </p:nvSpPr>
+        <p:spPr>
+          <a:xfrm>
+            <a:off x="457200" y="2926080"/>
+            <a:ext cx="3200400" cy="3379124"/>
+          </a:xfrm>
+        </p:spPr>
+        <p:txBody>
+          <a:bodyPr lIns="91440" rIns="91440">
+            <a:normAutofit/>
+          </a:bodyPr>
+          <a:lstStyle>
+            <a:lvl1pPr marL="0" indent="0">
+              <a:buNone/>
+              <a:defRPr sz="1500">
+                <a:solidFill>
+                  <a:srgbClr val="FFFFFF"/>
+                </a:solidFill>
+              </a:defRPr>
+            </a:lvl1pPr>
+            <a:lvl2pPr marL="457200" indent="0">
+              <a:buNone/>
+              <a:defRPr sz="1200"/>
+            </a:lvl2pPr>
+            <a:lvl3pPr marL="914400" indent="0">
+              <a:buNone/>
+              <a:defRPr sz="1000"/>
+            </a:lvl3pPr>
+            <a:lvl4pPr marL="1371600" indent="0">
+              <a:buNone/>
+              <a:defRPr sz="900"/>
+            </a:lvl4pPr>
+            <a:lvl5pPr marL="1828800" indent="0">
+              <a:buNone/>
+              <a:defRPr sz="900"/>
+            </a:lvl5pPr>
+            <a:lvl6pPr marL="2286000" indent="0">
+              <a:buNone/>
+              <a:defRPr sz="900"/>
+            </a:lvl6pPr>
+            <a:lvl7pPr marL="2743200" indent="0">
+              <a:buNone/>
+              <a:defRPr sz="900"/>
+            </a:lvl7pPr>
+            <a:lvl8pPr marL="3200400" indent="0">
+              <a:buNone/>
+              <a:defRPr sz="900"/>
+            </a:lvl8pPr>
+            <a:lvl9pPr marL="3657600" indent="0">
+              <a:buNone/>
+              <a:defRPr sz="900"/>
+            </a:lvl9pPr>
+          </a:lstStyle>
+          <a:p>
+            <a:pPr lvl="0"/>
+            <a:r>
+              <a:rPr lang="de-DE"/>
+              <a:t>Mastertextformat bearbeiten</a:t>
+            </a:r>
+          </a:p>
+        </p:txBody>
+      </p:sp>
+      <p:sp>
+        <p:nvSpPr>
+          <p:cNvPr id="5" name="Date Placeholder 4"/>
+          <p:cNvSpPr>
+            <a:spLocks noGrp="1"/>
+          </p:cNvSpPr>
+          <p:nvPr>
+            <p:ph type="dt" sz="half" idx="10"/>
+          </p:nvPr>
+        </p:nvSpPr>
+        <p:spPr>
+          <a:xfrm>
+            <a:off x="465512" y="6459785"/>
+            <a:ext cx="2618510" cy="365125"/>
+          </a:xfrm>
+        </p:spPr>
+        <p:txBody>
+          <a:bodyPr/>
+          <a:lstStyle>
+            <a:lvl1pPr algn="l">
+              <a:defRPr/>
+            </a:lvl1pPr>
+          </a:lstStyle>
+          <a:p>
+            <a:fld id="{CA877428-42F7-4241-8EA8-9490373D402E}" type="datetimeFigureOut">
+              <a:rPr lang="de-CH" smtClean="0"/>
+              <a:t>08.04.2019</a:t>
+            </a:fld>
+            <a:endParaRPr lang="de-CH"/>
+          </a:p>
+        </p:txBody>
+      </p:sp>
+      <p:sp>
+        <p:nvSpPr>
+          <p:cNvPr id="6" name="Footer Placeholder 5"/>
+          <p:cNvSpPr>
+            <a:spLocks noGrp="1"/>
+          </p:cNvSpPr>
+          <p:nvPr>
+            <p:ph type="ftr" sz="quarter" idx="11"/>
+          </p:nvPr>
+        </p:nvSpPr>
+        <p:spPr>
+          <a:xfrm>
+            <a:off x="4800600" y="6459785"/>
+            <a:ext cx="4648200" cy="365125"/>
+          </a:xfrm>
+        </p:spPr>
+        <p:txBody>
+          <a:bodyPr/>
+          <a:lstStyle>
+            <a:lvl1pPr algn="l">
+              <a:defRPr>
+                <a:solidFill>
+                  <a:schemeClr val="tx2"/>
+                </a:solidFill>
+              </a:defRPr>
+            </a:lvl1pPr>
+          </a:lstStyle>
+          <a:p>
+            <a:endParaRPr lang="de-CH"/>
+          </a:p>
+        </p:txBody>
+      </p:sp>
+      <p:sp>
+        <p:nvSpPr>
+          <p:cNvPr id="7" name="Slide Number Placeholder 6"/>
+          <p:cNvSpPr>
+            <a:spLocks noGrp="1"/>
+          </p:cNvSpPr>
+          <p:nvPr>
+            <p:ph type="sldNum" sz="quarter" idx="12"/>
+          </p:nvPr>
+        </p:nvSpPr>
+        <p:spPr/>
+        <p:txBody>
+          <a:bodyPr/>
           <a:lstStyle>
             <a:lvl1pPr>
-              <a:defRPr sz="3200"/>
+              <a:defRPr>
+                <a:solidFill>
+                  <a:schemeClr val="tx2"/>
+                </a:solidFill>
+              </a:defRPr>
             </a:lvl1pPr>
-            <a:lvl2pPr>
-              <a:defRPr sz="2800"/>
-            </a:lvl2pPr>
-            <a:lvl3pPr>
-              <a:defRPr sz="2400"/>
-            </a:lvl3pPr>
-            <a:lvl4pPr>
-              <a:defRPr sz="2000"/>
-            </a:lvl4pPr>
-            <a:lvl5pPr>
-              <a:defRPr sz="2000"/>
-            </a:lvl5pPr>
-            <a:lvl6pPr>
-              <a:defRPr sz="2000"/>
-            </a:lvl6pPr>
-            <a:lvl7pPr>
-              <a:defRPr sz="2000"/>
-            </a:lvl7pPr>
-            <a:lvl8pPr>
-              <a:defRPr sz="2000"/>
-            </a:lvl8pPr>
-            <a:lvl9pPr>
-              <a:defRPr sz="2000"/>
-            </a:lvl9pPr>
           </a:lstStyle>
-          <a:p>
-            <a:pPr lvl="0"/>
-            <a:r>
-              <a:rPr lang="de-DE"/>
-              <a:t>Mastertextformat bearbeiten</a:t>
-            </a:r>
-          </a:p>
-          <a:p>
-            <a:pPr lvl="1"/>
-            <a:r>
-              <a:rPr lang="de-DE"/>
-              <a:t>Zweite Ebene</a:t>
-            </a:r>
-          </a:p>
-          <a:p>
-            <a:pPr lvl="2"/>
-            <a:r>
-              <a:rPr lang="de-DE"/>
-              <a:t>Dritte Ebene</a:t>
-            </a:r>
-          </a:p>
-          <a:p>
-            <a:pPr lvl="3"/>
-            <a:r>
-              <a:rPr lang="de-DE"/>
-              <a:t>Vierte Ebene</a:t>
-            </a:r>
-          </a:p>
-          <a:p>
-            <a:pPr lvl="4"/>
-            <a:r>
-              <a:rPr lang="de-DE"/>
-              <a:t>Fünfte Ebene</a:t>
-            </a:r>
-            <a:endParaRPr lang="de-CH"/>
-          </a:p>
-        </p:txBody>
-      </p:sp>
-      <p:sp>
-        <p:nvSpPr>
-          <p:cNvPr id="4" name="Textplatzhalter 3">
-            <a:extLst>
-              <a:ext uri="{FF2B5EF4-FFF2-40B4-BE49-F238E27FC236}">
-                <a16:creationId xmlns:a16="http://schemas.microsoft.com/office/drawing/2014/main" id="{1EAC846A-A572-4B1E-9950-3E1004DC1B71}"/>
-              </a:ext>
-            </a:extLst>
-          </p:cNvPr>
-          <p:cNvSpPr>
-            <a:spLocks noGrp="1"/>
-          </p:cNvSpPr>
-          <p:nvPr>
-            <p:ph type="body" sz="half" idx="2"/>
-          </p:nvPr>
-        </p:nvSpPr>
-        <p:spPr>
-          <a:xfrm>
-            <a:off x="839788" y="2057400"/>
-            <a:ext cx="3932237" cy="3811588"/>
-          </a:xfrm>
-        </p:spPr>
-        <p:txBody>
-          <a:bodyPr/>
-          <a:lstStyle>
-            <a:lvl1pPr marL="0" indent="0">
-              <a:buNone/>
-              <a:defRPr sz="1600"/>
-            </a:lvl1pPr>
-            <a:lvl2pPr marL="457200" indent="0">
-              <a:buNone/>
-              <a:defRPr sz="1400"/>
-            </a:lvl2pPr>
-            <a:lvl3pPr marL="914400" indent="0">
-              <a:buNone/>
-              <a:defRPr sz="1200"/>
-            </a:lvl3pPr>
-            <a:lvl4pPr marL="1371600" indent="0">
-              <a:buNone/>
-              <a:defRPr sz="1000"/>
-            </a:lvl4pPr>
-            <a:lvl5pPr marL="1828800" indent="0">
-              <a:buNone/>
-              <a:defRPr sz="1000"/>
-            </a:lvl5pPr>
-            <a:lvl6pPr marL="2286000" indent="0">
-              <a:buNone/>
-              <a:defRPr sz="1000"/>
-            </a:lvl6pPr>
-            <a:lvl7pPr marL="2743200" indent="0">
-              <a:buNone/>
-              <a:defRPr sz="1000"/>
-            </a:lvl7pPr>
-            <a:lvl8pPr marL="3200400" indent="0">
-              <a:buNone/>
-              <a:defRPr sz="1000"/>
-            </a:lvl8pPr>
-            <a:lvl9pPr marL="3657600" indent="0">
-              <a:buNone/>
-              <a:defRPr sz="1000"/>
-            </a:lvl9pPr>
-          </a:lstStyle>
-          <a:p>
-            <a:pPr lvl="0"/>
-            <a:r>
-              <a:rPr lang="de-DE"/>
-              <a:t>Mastertextformat bearbeiten</a:t>
-            </a:r>
-          </a:p>
-        </p:txBody>
-      </p:sp>
-      <p:sp>
-        <p:nvSpPr>
-          <p:cNvPr id="5" name="Datumsplatzhalter 4">
-            <a:extLst>
-              <a:ext uri="{FF2B5EF4-FFF2-40B4-BE49-F238E27FC236}">
-                <a16:creationId xmlns:a16="http://schemas.microsoft.com/office/drawing/2014/main" id="{136623AF-F733-4F75-9126-D5B3ED112A5B}"/>
-              </a:ext>
-            </a:extLst>
-          </p:cNvPr>
-          <p:cNvSpPr>
-            <a:spLocks noGrp="1"/>
-          </p:cNvSpPr>
-          <p:nvPr>
-            <p:ph type="dt" sz="half" idx="10"/>
-          </p:nvPr>
-        </p:nvSpPr>
-        <p:spPr/>
-        <p:txBody>
-          <a:bodyPr/>
-          <a:lstStyle/>
-          <a:p>
-            <a:fld id="{CA877428-42F7-4241-8EA8-9490373D402E}" type="datetimeFigureOut">
-              <a:rPr lang="de-CH" smtClean="0"/>
-              <a:t>07.04.2019</a:t>
-            </a:fld>
-            <a:endParaRPr lang="de-CH"/>
-          </a:p>
-        </p:txBody>
-      </p:sp>
-      <p:sp>
-        <p:nvSpPr>
-          <p:cNvPr id="6" name="Fußzeilenplatzhalter 5">
-            <a:extLst>
-              <a:ext uri="{FF2B5EF4-FFF2-40B4-BE49-F238E27FC236}">
-                <a16:creationId xmlns:a16="http://schemas.microsoft.com/office/drawing/2014/main" id="{E048A628-2D85-4B46-A3DB-0BF8AC2A935B}"/>
-              </a:ext>
-            </a:extLst>
-          </p:cNvPr>
-          <p:cNvSpPr>
-            <a:spLocks noGrp="1"/>
-          </p:cNvSpPr>
-          <p:nvPr>
-            <p:ph type="ftr" sz="quarter" idx="11"/>
-          </p:nvPr>
-        </p:nvSpPr>
-        <p:spPr/>
-        <p:txBody>
-          <a:bodyPr/>
-          <a:lstStyle/>
-          <a:p>
-            <a:endParaRPr lang="de-CH"/>
-          </a:p>
-        </p:txBody>
-      </p:sp>
-      <p:sp>
-        <p:nvSpPr>
-          <p:cNvPr id="7" name="Foliennummernplatzhalter 6">
-            <a:extLst>
-              <a:ext uri="{FF2B5EF4-FFF2-40B4-BE49-F238E27FC236}">
-                <a16:creationId xmlns:a16="http://schemas.microsoft.com/office/drawing/2014/main" id="{E565D7C8-88C0-4393-BFC8-F9B938E3E6CA}"/>
-              </a:ext>
-            </a:extLst>
-          </p:cNvPr>
-          <p:cNvSpPr>
-            <a:spLocks noGrp="1"/>
-          </p:cNvSpPr>
-          <p:nvPr>
-            <p:ph type="sldNum" sz="quarter" idx="12"/>
-          </p:nvPr>
-        </p:nvSpPr>
-        <p:spPr/>
-        <p:txBody>
-          <a:bodyPr/>
-          <a:lstStyle/>
           <a:p>
             <a:fld id="{67DE59EB-AC61-4D10-8801-60733011B4E4}" type="slidenum">
               <a:rPr lang="de-CH" smtClean="0"/>
@@ -2479,7 +4353,7 @@
     </p:spTree>
     <p:extLst>
       <p:ext uri="{BB962C8B-B14F-4D97-AF65-F5344CB8AC3E}">
-        <p14:creationId xmlns:p14="http://schemas.microsoft.com/office/powerpoint/2010/main" val="1860662632"/>
+        <p14:creationId xmlns:p14="http://schemas.microsoft.com/office/powerpoint/2010/main" val="4244312532"/>
       </p:ext>
     </p:extLst>
   </p:cSld>
@@ -2490,7 +4364,7 @@
 </file>
 
 <file path=ppt/slideLayouts/slideLayout9.xml><?xml version="1.0" encoding="utf-8"?>
-<p:sldLayout xmlns:a="http://schemas.openxmlformats.org/drawingml/2006/main" xmlns:r="http://schemas.openxmlformats.org/officeDocument/2006/relationships" xmlns:p="http://schemas.openxmlformats.org/presentationml/2006/main" type="picTx" preserve="1">
+<p:sldLayout xmlns:a="http://schemas.openxmlformats.org/drawingml/2006/main" xmlns:r="http://schemas.openxmlformats.org/officeDocument/2006/relationships" xmlns:p="http://schemas.openxmlformats.org/presentationml/2006/main" showMasterSp="0" type="picTx" preserve="1">
   <p:cSld name="Bild mit Überschrift">
     <p:spTree>
       <p:nvGrpSpPr>
@@ -2508,31 +4382,107 @@
       </p:grpSpPr>
       <p:sp>
         <p:nvSpPr>
-          <p:cNvPr id="2" name="Titel 1">
-            <a:extLst>
-              <a:ext uri="{FF2B5EF4-FFF2-40B4-BE49-F238E27FC236}">
-                <a16:creationId xmlns:a16="http://schemas.microsoft.com/office/drawing/2014/main" id="{B5E3295F-0804-4295-AB08-405922F706D3}"/>
-              </a:ext>
-            </a:extLst>
-          </p:cNvPr>
-          <p:cNvSpPr>
-            <a:spLocks noGrp="1"/>
-          </p:cNvSpPr>
-          <p:nvPr>
-            <p:ph type="title"/>
-          </p:nvPr>
+          <p:cNvPr id="8" name="Rectangle 7"/>
+          <p:cNvSpPr/>
+          <p:nvPr/>
         </p:nvSpPr>
         <p:spPr>
           <a:xfrm>
-            <a:off x="839788" y="457200"/>
-            <a:ext cx="3932237" cy="1600200"/>
+            <a:off x="0" y="4953000"/>
+            <a:ext cx="12188825" cy="1905000"/>
+          </a:xfrm>
+          <a:prstGeom prst="rect">
+            <a:avLst/>
+          </a:prstGeom>
+          <a:solidFill>
+            <a:schemeClr val="accent2"/>
+          </a:solidFill>
+          <a:ln>
+            <a:noFill/>
+          </a:ln>
+        </p:spPr>
+        <p:style>
+          <a:lnRef idx="2">
+            <a:schemeClr val="accent1">
+              <a:shade val="50000"/>
+            </a:schemeClr>
+          </a:lnRef>
+          <a:fillRef idx="1">
+            <a:schemeClr val="accent1"/>
+          </a:fillRef>
+          <a:effectRef idx="0">
+            <a:schemeClr val="accent1"/>
+          </a:effectRef>
+          <a:fontRef idx="minor">
+            <a:schemeClr val="lt1"/>
+          </a:fontRef>
+        </p:style>
+      </p:sp>
+      <p:sp>
+        <p:nvSpPr>
+          <p:cNvPr id="9" name="Rectangle 8"/>
+          <p:cNvSpPr/>
+          <p:nvPr/>
+        </p:nvSpPr>
+        <p:spPr>
+          <a:xfrm>
+            <a:off x="15" y="4915076"/>
+            <a:ext cx="12188825" cy="64008"/>
+          </a:xfrm>
+          <a:prstGeom prst="rect">
+            <a:avLst/>
+          </a:prstGeom>
+          <a:solidFill>
+            <a:schemeClr val="accent1"/>
+          </a:solidFill>
+          <a:ln>
+            <a:noFill/>
+          </a:ln>
+        </p:spPr>
+        <p:style>
+          <a:lnRef idx="2">
+            <a:schemeClr val="accent1">
+              <a:shade val="50000"/>
+            </a:schemeClr>
+          </a:lnRef>
+          <a:fillRef idx="1">
+            <a:schemeClr val="accent1"/>
+          </a:fillRef>
+          <a:effectRef idx="0">
+            <a:schemeClr val="accent1"/>
+          </a:effectRef>
+          <a:fontRef idx="minor">
+            <a:schemeClr val="lt1"/>
+          </a:fontRef>
+        </p:style>
+      </p:sp>
+      <p:sp>
+        <p:nvSpPr>
+          <p:cNvPr id="2" name="Title 1"/>
+          <p:cNvSpPr>
+            <a:spLocks noGrp="1"/>
+          </p:cNvSpPr>
+          <p:nvPr>
+            <p:ph type="title"/>
+          </p:nvPr>
+        </p:nvSpPr>
+        <p:spPr>
+          <a:xfrm>
+            <a:off x="1097280" y="5074920"/>
+            <a:ext cx="10113264" cy="822960"/>
           </a:xfrm>
         </p:spPr>
         <p:txBody>
-          <a:bodyPr anchor="b"/>
+          <a:bodyPr lIns="91440" tIns="0" rIns="91440" bIns="0" anchor="b">
+            <a:noAutofit/>
+          </a:bodyPr>
           <a:lstStyle>
             <a:lvl1pPr>
-              <a:defRPr sz="3200"/>
+              <a:defRPr sz="3600" b="0">
+                <a:solidFill>
+                  <a:srgbClr val="FFFFFF"/>
+                </a:solidFill>
+              </a:defRPr>
             </a:lvl1pPr>
           </a:lstStyle>
           <a:p>
@@ -2540,21 +4490,15 @@
               <a:rPr lang="de-DE"/>
               <a:t>Mastertitelformat bearbeiten</a:t>
             </a:r>
-            <a:endParaRPr lang="de-CH"/>
-          </a:p>
-        </p:txBody>
-      </p:sp>
-      <p:sp>
-        <p:nvSpPr>
-          <p:cNvPr id="3" name="Bildplatzhalter 2">
-            <a:extLst>
-              <a:ext uri="{FF2B5EF4-FFF2-40B4-BE49-F238E27FC236}">
-                <a16:creationId xmlns:a16="http://schemas.microsoft.com/office/drawing/2014/main" id="{D0EBA132-C809-4DED-8A02-911390A356A8}"/>
-              </a:ext>
-            </a:extLst>
-          </p:cNvPr>
-          <p:cNvSpPr>
-            <a:spLocks noGrp="1"/>
+            <a:endParaRPr lang="en-US" dirty="0"/>
+          </a:p>
+        </p:txBody>
+      </p:sp>
+      <p:sp>
+        <p:nvSpPr>
+          <p:cNvPr id="3" name="Picture Placeholder 2"/>
+          <p:cNvSpPr>
+            <a:spLocks noGrp="1" noChangeAspect="1"/>
           </p:cNvSpPr>
           <p:nvPr>
             <p:ph type="pic" idx="1"/>
@@ -2562,16 +4506,26 @@
         </p:nvSpPr>
         <p:spPr>
           <a:xfrm>
-            <a:off x="5183188" y="987425"/>
-            <a:ext cx="6172200" cy="4873625"/>
+            <a:off x="15" y="0"/>
+            <a:ext cx="12191985" cy="4915076"/>
           </a:xfrm>
+          <a:blipFill>
+            <a:blip r:embed="rId2"/>
+            <a:stretch>
+              <a:fillRect/>
+            </a:stretch>
+          </a:blipFill>
         </p:spPr>
         <p:txBody>
-          <a:bodyPr/>
+          <a:bodyPr lIns="457200" tIns="457200" anchor="t"/>
           <a:lstStyle>
             <a:lvl1pPr marL="0" indent="0">
               <a:buNone/>
-              <a:defRPr sz="3200"/>
+              <a:defRPr sz="3200">
+                <a:solidFill>
+                  <a:schemeClr val="bg1"/>
+                </a:solidFill>
+              </a:defRPr>
             </a:lvl1pPr>
             <a:lvl2pPr marL="457200" indent="0">
               <a:buNone/>
@@ -2607,19 +4561,17 @@
             </a:lvl9pPr>
           </a:lstStyle>
           <a:p>
-            <a:endParaRPr lang="de-CH"/>
-          </a:p>
-        </p:txBody>
-      </p:sp>
-      <p:sp>
-        <p:nvSpPr>
-          <p:cNvPr id="4" name="Textplatzhalter 3">
-            <a:extLst>
-              <a:ext uri="{FF2B5EF4-FFF2-40B4-BE49-F238E27FC236}">
-                <a16:creationId xmlns:a16="http://schemas.microsoft.com/office/drawing/2014/main" id="{C17D482B-5E38-4CF2-AC6A-C92B189651CE}"/>
-              </a:ext>
-            </a:extLst>
-          </p:cNvPr>
+            <a:r>
+              <a:rPr lang="de-DE"/>
+              <a:t>Bild durch Klicken auf Symbol hinzufügen</a:t>
+            </a:r>
+            <a:endParaRPr lang="en-US" dirty="0"/>
+          </a:p>
+        </p:txBody>
+      </p:sp>
+      <p:sp>
+        <p:nvSpPr>
+          <p:cNvPr id="4" name="Text Placeholder 3"/>
           <p:cNvSpPr>
             <a:spLocks noGrp="1"/>
           </p:cNvSpPr>
@@ -2629,48 +4581,60 @@
         </p:nvSpPr>
         <p:spPr>
           <a:xfrm>
-            <a:off x="839788" y="2057400"/>
-            <a:ext cx="3932237" cy="3811588"/>
+            <a:off x="1097280" y="5907023"/>
+            <a:ext cx="10113264" cy="594360"/>
           </a:xfrm>
         </p:spPr>
         <p:txBody>
-          <a:bodyPr/>
+          <a:bodyPr lIns="91440" tIns="0" rIns="91440" bIns="0">
+            <a:normAutofit/>
+          </a:bodyPr>
           <a:lstStyle>
             <a:lvl1pPr marL="0" indent="0">
-              <a:buNone/>
-              <a:defRPr sz="1600"/>
+              <a:spcBef>
+                <a:spcPts val="0"/>
+              </a:spcBef>
+              <a:spcAft>
+                <a:spcPts val="600"/>
+              </a:spcAft>
+              <a:buNone/>
+              <a:defRPr sz="1500">
+                <a:solidFill>
+                  <a:srgbClr val="FFFFFF"/>
+                </a:solidFill>
+              </a:defRPr>
             </a:lvl1pPr>
             <a:lvl2pPr marL="457200" indent="0">
               <a:buNone/>
-              <a:defRPr sz="1400"/>
+              <a:defRPr sz="1200"/>
             </a:lvl2pPr>
             <a:lvl3pPr marL="914400" indent="0">
               <a:buNone/>
-              <a:defRPr sz="1200"/>
+              <a:defRPr sz="1000"/>
             </a:lvl3pPr>
             <a:lvl4pPr marL="1371600" indent="0">
               <a:buNone/>
-              <a:defRPr sz="1000"/>
+              <a:defRPr sz="900"/>
             </a:lvl4pPr>
             <a:lvl5pPr marL="1828800" indent="0">
               <a:buNone/>
-              <a:defRPr sz="1000"/>
+              <a:defRPr sz="900"/>
             </a:lvl5pPr>
             <a:lvl6pPr marL="2286000" indent="0">
               <a:buNone/>
-              <a:defRPr sz="1000"/>
+              <a:defRPr sz="900"/>
             </a:lvl6pPr>
             <a:lvl7pPr marL="2743200" indent="0">
               <a:buNone/>
-              <a:defRPr sz="1000"/>
+              <a:defRPr sz="900"/>
             </a:lvl7pPr>
             <a:lvl8pPr marL="3200400" indent="0">
               <a:buNone/>
-              <a:defRPr sz="1000"/>
+              <a:defRPr sz="900"/>
             </a:lvl8pPr>
             <a:lvl9pPr marL="3657600" indent="0">
               <a:buNone/>
-              <a:defRPr sz="1000"/>
+              <a:defRPr sz="900"/>
             </a:lvl9pPr>
           </a:lstStyle>
           <a:p>
@@ -2684,13 +4648,7 @@
       </p:sp>
       <p:sp>
         <p:nvSpPr>
-          <p:cNvPr id="5" name="Datumsplatzhalter 4">
-            <a:extLst>
-              <a:ext uri="{FF2B5EF4-FFF2-40B4-BE49-F238E27FC236}">
-                <a16:creationId xmlns:a16="http://schemas.microsoft.com/office/drawing/2014/main" id="{9691B9D3-2668-43F8-A011-9C2A0B4675F1}"/>
-              </a:ext>
-            </a:extLst>
-          </p:cNvPr>
+          <p:cNvPr id="5" name="Date Placeholder 4"/>
           <p:cNvSpPr>
             <a:spLocks noGrp="1"/>
           </p:cNvSpPr>
@@ -2705,7 +4663,7 @@
           <a:p>
             <a:fld id="{CA877428-42F7-4241-8EA8-9490373D402E}" type="datetimeFigureOut">
               <a:rPr lang="de-CH" smtClean="0"/>
-              <a:t>07.04.2019</a:t>
+              <a:t>08.04.2019</a:t>
             </a:fld>
             <a:endParaRPr lang="de-CH"/>
           </a:p>
@@ -2713,13 +4671,7 @@
       </p:sp>
       <p:sp>
         <p:nvSpPr>
-          <p:cNvPr id="6" name="Fußzeilenplatzhalter 5">
-            <a:extLst>
-              <a:ext uri="{FF2B5EF4-FFF2-40B4-BE49-F238E27FC236}">
-                <a16:creationId xmlns:a16="http://schemas.microsoft.com/office/drawing/2014/main" id="{B1843B11-7EFF-42A8-9429-A432FAC09DAE}"/>
-              </a:ext>
-            </a:extLst>
-          </p:cNvPr>
+          <p:cNvPr id="6" name="Footer Placeholder 5"/>
           <p:cNvSpPr>
             <a:spLocks noGrp="1"/>
           </p:cNvSpPr>
@@ -2738,13 +4690,7 @@
       </p:sp>
       <p:sp>
         <p:nvSpPr>
-          <p:cNvPr id="7" name="Foliennummernplatzhalter 6">
-            <a:extLst>
-              <a:ext uri="{FF2B5EF4-FFF2-40B4-BE49-F238E27FC236}">
-                <a16:creationId xmlns:a16="http://schemas.microsoft.com/office/drawing/2014/main" id="{03BF2E5E-D0AB-48F5-9FA2-FC583E2EB813}"/>
-              </a:ext>
-            </a:extLst>
-          </p:cNvPr>
+          <p:cNvPr id="7" name="Slide Number Placeholder 6"/>
           <p:cNvSpPr>
             <a:spLocks noGrp="1"/>
           </p:cNvSpPr>
@@ -2768,7 +4714,7 @@
     </p:spTree>
     <p:extLst>
       <p:ext uri="{BB962C8B-B14F-4D97-AF65-F5344CB8AC3E}">
-        <p14:creationId xmlns:p14="http://schemas.microsoft.com/office/powerpoint/2010/main" val="2539584773"/>
+        <p14:creationId xmlns:p14="http://schemas.microsoft.com/office/powerpoint/2010/main" val="2561890993"/>
       </p:ext>
     </p:extLst>
   </p:cSld>
@@ -2782,21 +4728,9 @@
 <p:sldMaster xmlns:a="http://schemas.openxmlformats.org/drawingml/2006/main" xmlns:r="http://schemas.openxmlformats.org/officeDocument/2006/relationships" xmlns:p="http://schemas.openxmlformats.org/presentationml/2006/main">
   <p:cSld>
     <p:bg>
-      <p:bgPr>
-        <a:gradFill flip="none" rotWithShape="1">
-          <a:gsLst>
-            <a:gs pos="66000">
-              <a:srgbClr val="EEDD14"/>
-            </a:gs>
-            <a:gs pos="6000">
-              <a:schemeClr val="bg1"/>
-            </a:gs>
-          </a:gsLst>
-          <a:lin ang="16200000" scaled="1"/>
-          <a:tileRect/>
-        </a:gradFill>
-        <a:effectLst/>
-      </p:bgPr>
+      <p:bgRef idx="1001">
+        <a:schemeClr val="bg1"/>
+      </p:bgRef>
     </p:bg>
     <p:spTree>
       <p:nvGrpSpPr>
@@ -2814,31 +4748,101 @@
       </p:grpSpPr>
       <p:sp>
         <p:nvSpPr>
-          <p:cNvPr id="2" name="Titelplatzhalter 1">
-            <a:extLst>
-              <a:ext uri="{FF2B5EF4-FFF2-40B4-BE49-F238E27FC236}">
-                <a16:creationId xmlns:a16="http://schemas.microsoft.com/office/drawing/2014/main" id="{4299BC22-43A1-4CA0-A454-22C3253FF402}"/>
-              </a:ext>
-            </a:extLst>
-          </p:cNvPr>
-          <p:cNvSpPr>
-            <a:spLocks noGrp="1"/>
-          </p:cNvSpPr>
-          <p:nvPr>
-            <p:ph type="title"/>
-          </p:nvPr>
+          <p:cNvPr id="7" name="Rectangle 6"/>
+          <p:cNvSpPr/>
+          <p:nvPr/>
         </p:nvSpPr>
         <p:spPr>
           <a:xfrm>
-            <a:off x="838200" y="365125"/>
-            <a:ext cx="10515600" cy="1325563"/>
+            <a:off x="1" y="6400800"/>
+            <a:ext cx="12192000" cy="457200"/>
+          </a:xfrm>
+          <a:prstGeom prst="rect">
+            <a:avLst/>
+          </a:prstGeom>
+          <a:solidFill>
+            <a:schemeClr val="accent2"/>
+          </a:solidFill>
+          <a:ln>
+            <a:noFill/>
+          </a:ln>
+        </p:spPr>
+        <p:style>
+          <a:lnRef idx="2">
+            <a:schemeClr val="accent1">
+              <a:shade val="50000"/>
+            </a:schemeClr>
+          </a:lnRef>
+          <a:fillRef idx="1">
+            <a:schemeClr val="accent1"/>
+          </a:fillRef>
+          <a:effectRef idx="0">
+            <a:schemeClr val="accent1"/>
+          </a:effectRef>
+          <a:fontRef idx="minor">
+            <a:schemeClr val="lt1"/>
+          </a:fontRef>
+        </p:style>
+      </p:sp>
+      <p:sp>
+        <p:nvSpPr>
+          <p:cNvPr id="9" name="Rectangle 8"/>
+          <p:cNvSpPr/>
+          <p:nvPr/>
+        </p:nvSpPr>
+        <p:spPr>
+          <a:xfrm>
+            <a:off x="0" y="6334316"/>
+            <a:ext cx="12192001" cy="65998"/>
+          </a:xfrm>
+          <a:prstGeom prst="rect">
+            <a:avLst/>
+          </a:prstGeom>
+          <a:solidFill>
+            <a:schemeClr val="accent1"/>
+          </a:solidFill>
+          <a:ln>
+            <a:noFill/>
+          </a:ln>
+        </p:spPr>
+        <p:style>
+          <a:lnRef idx="2">
+            <a:schemeClr val="accent1">
+              <a:shade val="50000"/>
+            </a:schemeClr>
+          </a:lnRef>
+          <a:fillRef idx="1">
+            <a:schemeClr val="accent1"/>
+          </a:fillRef>
+          <a:effectRef idx="0">
+            <a:schemeClr val="accent1"/>
+          </a:effectRef>
+          <a:fontRef idx="minor">
+            <a:schemeClr val="lt1"/>
+          </a:fontRef>
+        </p:style>
+      </p:sp>
+      <p:sp>
+        <p:nvSpPr>
+          <p:cNvPr id="2" name="Title Placeholder 1"/>
+          <p:cNvSpPr>
+            <a:spLocks noGrp="1"/>
+          </p:cNvSpPr>
+          <p:nvPr>
+            <p:ph type="title"/>
+          </p:nvPr>
+        </p:nvSpPr>
+        <p:spPr>
+          <a:xfrm>
+            <a:off x="1097280" y="286603"/>
+            <a:ext cx="10058400" cy="1450757"/>
           </a:xfrm>
           <a:prstGeom prst="rect">
             <a:avLst/>
           </a:prstGeom>
         </p:spPr>
         <p:txBody>
-          <a:bodyPr vert="horz" lIns="91440" tIns="45720" rIns="91440" bIns="45720" rtlCol="0" anchor="ctr">
+          <a:bodyPr vert="horz" lIns="91440" tIns="45720" rIns="91440" bIns="45720" rtlCol="0" anchor="b">
             <a:normAutofit/>
           </a:bodyPr>
           <a:lstStyle/>
@@ -2847,19 +4851,13 @@
               <a:rPr lang="de-DE"/>
               <a:t>Mastertitelformat bearbeiten</a:t>
             </a:r>
-            <a:endParaRPr lang="de-CH"/>
-          </a:p>
-        </p:txBody>
-      </p:sp>
-      <p:sp>
-        <p:nvSpPr>
-          <p:cNvPr id="3" name="Textplatzhalter 2">
-            <a:extLst>
-              <a:ext uri="{FF2B5EF4-FFF2-40B4-BE49-F238E27FC236}">
-                <a16:creationId xmlns:a16="http://schemas.microsoft.com/office/drawing/2014/main" id="{1B419FC4-9246-42BE-ACED-7D3E7BBECE69}"/>
-              </a:ext>
-            </a:extLst>
-          </p:cNvPr>
+            <a:endParaRPr lang="en-US" dirty="0"/>
+          </a:p>
+        </p:txBody>
+      </p:sp>
+      <p:sp>
+        <p:nvSpPr>
+          <p:cNvPr id="3" name="Text Placeholder 2"/>
           <p:cNvSpPr>
             <a:spLocks noGrp="1"/>
           </p:cNvSpPr>
@@ -2869,15 +4867,15 @@
         </p:nvSpPr>
         <p:spPr>
           <a:xfrm>
-            <a:off x="838200" y="1825625"/>
-            <a:ext cx="10515600" cy="4351338"/>
+            <a:off x="1097280" y="1845734"/>
+            <a:ext cx="10058400" cy="4023360"/>
           </a:xfrm>
           <a:prstGeom prst="rect">
             <a:avLst/>
           </a:prstGeom>
         </p:spPr>
         <p:txBody>
-          <a:bodyPr vert="horz" lIns="91440" tIns="45720" rIns="91440" bIns="45720" rtlCol="0">
+          <a:bodyPr vert="horz" lIns="0" tIns="45720" rIns="0" bIns="45720" rtlCol="0">
             <a:normAutofit/>
           </a:bodyPr>
           <a:lstStyle/>
@@ -2915,19 +4913,13 @@
               <a:rPr lang="de-DE"/>
               <a:t>Fünfte Ebene</a:t>
             </a:r>
-            <a:endParaRPr lang="de-CH"/>
-          </a:p>
-        </p:txBody>
-      </p:sp>
-      <p:sp>
-        <p:nvSpPr>
-          <p:cNvPr id="4" name="Datumsplatzhalter 3">
-            <a:extLst>
-              <a:ext uri="{FF2B5EF4-FFF2-40B4-BE49-F238E27FC236}">
-                <a16:creationId xmlns:a16="http://schemas.microsoft.com/office/drawing/2014/main" id="{AC0E8010-1518-40CF-A3C8-2A24F53BFBF8}"/>
-              </a:ext>
-            </a:extLst>
-          </p:cNvPr>
+            <a:endParaRPr lang="en-US" dirty="0"/>
+          </a:p>
+        </p:txBody>
+      </p:sp>
+      <p:sp>
+        <p:nvSpPr>
+          <p:cNvPr id="4" name="Date Placeholder 3"/>
           <p:cNvSpPr>
             <a:spLocks noGrp="1"/>
           </p:cNvSpPr>
@@ -2937,8 +4929,8 @@
         </p:nvSpPr>
         <p:spPr>
           <a:xfrm>
-            <a:off x="838200" y="6356350"/>
-            <a:ext cx="2743200" cy="365125"/>
+            <a:off x="1097280" y="6459785"/>
+            <a:ext cx="2472271" cy="365125"/>
           </a:xfrm>
           <a:prstGeom prst="rect">
             <a:avLst/>
@@ -2948,11 +4940,9 @@
           <a:bodyPr vert="horz" lIns="91440" tIns="45720" rIns="91440" bIns="45720" rtlCol="0" anchor="ctr"/>
           <a:lstStyle>
             <a:lvl1pPr algn="l">
-              <a:defRPr sz="1200">
+              <a:defRPr sz="900">
                 <a:solidFill>
-                  <a:schemeClr val="tx1">
-                    <a:tint val="75000"/>
-                  </a:schemeClr>
+                  <a:srgbClr val="FFFFFF"/>
                 </a:solidFill>
               </a:defRPr>
             </a:lvl1pPr>
@@ -2960,7 +4950,7 @@
           <a:p>
             <a:fld id="{CA877428-42F7-4241-8EA8-9490373D402E}" type="datetimeFigureOut">
               <a:rPr lang="de-CH" smtClean="0"/>
-              <a:t>07.04.2019</a:t>
+              <a:t>08.04.2019</a:t>
             </a:fld>
             <a:endParaRPr lang="de-CH"/>
           </a:p>
@@ -2968,13 +4958,7 @@
       </p:sp>
       <p:sp>
         <p:nvSpPr>
-          <p:cNvPr id="5" name="Fußzeilenplatzhalter 4">
-            <a:extLst>
-              <a:ext uri="{FF2B5EF4-FFF2-40B4-BE49-F238E27FC236}">
-                <a16:creationId xmlns:a16="http://schemas.microsoft.com/office/drawing/2014/main" id="{CBD9A818-FCE2-458C-B4A7-8BA74712E167}"/>
-              </a:ext>
-            </a:extLst>
-          </p:cNvPr>
+          <p:cNvPr id="5" name="Footer Placeholder 4"/>
           <p:cNvSpPr>
             <a:spLocks noGrp="1"/>
           </p:cNvSpPr>
@@ -2984,8 +4968,8 @@
         </p:nvSpPr>
         <p:spPr>
           <a:xfrm>
-            <a:off x="4038600" y="6356350"/>
-            <a:ext cx="4114800" cy="365125"/>
+            <a:off x="3686185" y="6459785"/>
+            <a:ext cx="4822804" cy="365125"/>
           </a:xfrm>
           <a:prstGeom prst="rect">
             <a:avLst/>
@@ -2995,11 +4979,9 @@
           <a:bodyPr vert="horz" lIns="91440" tIns="45720" rIns="91440" bIns="45720" rtlCol="0" anchor="ctr"/>
           <a:lstStyle>
             <a:lvl1pPr algn="ctr">
-              <a:defRPr sz="1200">
+              <a:defRPr sz="900" cap="all" baseline="0">
                 <a:solidFill>
-                  <a:schemeClr val="tx1">
-                    <a:tint val="75000"/>
-                  </a:schemeClr>
+                  <a:srgbClr val="FFFFFF"/>
                 </a:solidFill>
               </a:defRPr>
             </a:lvl1pPr>
@@ -3011,13 +4993,7 @@
       </p:sp>
       <p:sp>
         <p:nvSpPr>
-          <p:cNvPr id="6" name="Foliennummernplatzhalter 5">
-            <a:extLst>
-              <a:ext uri="{FF2B5EF4-FFF2-40B4-BE49-F238E27FC236}">
-                <a16:creationId xmlns:a16="http://schemas.microsoft.com/office/drawing/2014/main" id="{635222AA-02D7-4DAC-A815-0DFDD9D749B1}"/>
-              </a:ext>
-            </a:extLst>
-          </p:cNvPr>
+          <p:cNvPr id="6" name="Slide Number Placeholder 5"/>
           <p:cNvSpPr>
             <a:spLocks noGrp="1"/>
           </p:cNvSpPr>
@@ -3027,8 +5003,8 @@
         </p:nvSpPr>
         <p:spPr>
           <a:xfrm>
-            <a:off x="8610600" y="6356350"/>
-            <a:ext cx="2743200" cy="365125"/>
+            <a:off x="9900458" y="6459785"/>
+            <a:ext cx="1312025" cy="365125"/>
           </a:xfrm>
           <a:prstGeom prst="rect">
             <a:avLst/>
@@ -3038,11 +5014,9 @@
           <a:bodyPr vert="horz" lIns="91440" tIns="45720" rIns="91440" bIns="45720" rtlCol="0" anchor="ctr"/>
           <a:lstStyle>
             <a:lvl1pPr algn="r">
-              <a:defRPr sz="1200">
+              <a:defRPr sz="1050">
                 <a:solidFill>
-                  <a:schemeClr val="tx1">
-                    <a:tint val="75000"/>
-                  </a:schemeClr>
+                  <a:srgbClr val="FFFFFF"/>
                 </a:solidFill>
               </a:defRPr>
             </a:lvl1pPr>
@@ -3056,40 +5030,81 @@
           </a:p>
         </p:txBody>
       </p:sp>
+      <p:cxnSp>
+        <p:nvCxnSpPr>
+          <p:cNvPr id="10" name="Straight Connector 9"/>
+          <p:cNvCxnSpPr/>
+          <p:nvPr/>
+        </p:nvCxnSpPr>
+        <p:spPr>
+          <a:xfrm>
+            <a:off x="1193532" y="1737845"/>
+            <a:ext cx="9966960" cy="0"/>
+          </a:xfrm>
+          <a:prstGeom prst="line">
+            <a:avLst/>
+          </a:prstGeom>
+          <a:ln w="6350">
+            <a:solidFill>
+              <a:schemeClr val="tx1">
+                <a:lumMod val="50000"/>
+                <a:lumOff val="50000"/>
+              </a:schemeClr>
+            </a:solidFill>
+          </a:ln>
+        </p:spPr>
+        <p:style>
+          <a:lnRef idx="1">
+            <a:schemeClr val="accent1"/>
+          </a:lnRef>
+          <a:fillRef idx="0">
+            <a:schemeClr val="accent1"/>
+          </a:fillRef>
+          <a:effectRef idx="0">
+            <a:schemeClr val="accent1"/>
+          </a:effectRef>
+          <a:fontRef idx="minor">
+            <a:schemeClr val="tx1"/>
+          </a:fontRef>
+        </p:style>
+      </p:cxnSp>
     </p:spTree>
     <p:extLst>
       <p:ext uri="{BB962C8B-B14F-4D97-AF65-F5344CB8AC3E}">
-        <p14:creationId xmlns:p14="http://schemas.microsoft.com/office/powerpoint/2010/main" val="3575541483"/>
+        <p14:creationId xmlns:p14="http://schemas.microsoft.com/office/powerpoint/2010/main" val="3955249807"/>
       </p:ext>
     </p:extLst>
   </p:cSld>
   <p:clrMap bg1="lt1" tx1="dk1" bg2="lt2" tx2="dk2" accent1="accent1" accent2="accent2" accent3="accent3" accent4="accent4" accent5="accent5" accent6="accent6" hlink="hlink" folHlink="folHlink"/>
   <p:sldLayoutIdLst>
-    <p:sldLayoutId id="2147483649" r:id="rId1"/>
-    <p:sldLayoutId id="2147483650" r:id="rId2"/>
-    <p:sldLayoutId id="2147483651" r:id="rId3"/>
-    <p:sldLayoutId id="2147483652" r:id="rId4"/>
-    <p:sldLayoutId id="2147483653" r:id="rId5"/>
-    <p:sldLayoutId id="2147483654" r:id="rId6"/>
-    <p:sldLayoutId id="2147483655" r:id="rId7"/>
-    <p:sldLayoutId id="2147483656" r:id="rId8"/>
-    <p:sldLayoutId id="2147483657" r:id="rId9"/>
-    <p:sldLayoutId id="2147483658" r:id="rId10"/>
-    <p:sldLayoutId id="2147483659" r:id="rId11"/>
+    <p:sldLayoutId id="2147483711" r:id="rId1"/>
+    <p:sldLayoutId id="2147483712" r:id="rId2"/>
+    <p:sldLayoutId id="2147483713" r:id="rId3"/>
+    <p:sldLayoutId id="2147483714" r:id="rId4"/>
+    <p:sldLayoutId id="2147483715" r:id="rId5"/>
+    <p:sldLayoutId id="2147483716" r:id="rId6"/>
+    <p:sldLayoutId id="2147483717" r:id="rId7"/>
+    <p:sldLayoutId id="2147483718" r:id="rId8"/>
+    <p:sldLayoutId id="2147483719" r:id="rId9"/>
+    <p:sldLayoutId id="2147483720" r:id="rId10"/>
+    <p:sldLayoutId id="2147483721" r:id="rId11"/>
   </p:sldLayoutIdLst>
   <p:txStyles>
     <p:titleStyle>
       <a:lvl1pPr algn="l" defTabSz="914400" rtl="0" eaLnBrk="1" latinLnBrk="0" hangingPunct="1">
         <a:lnSpc>
-          <a:spcPct val="90000"/>
+          <a:spcPct val="85000"/>
         </a:lnSpc>
         <a:spcBef>
           <a:spcPct val="0"/>
         </a:spcBef>
         <a:buNone/>
-        <a:defRPr sz="4400" kern="1200">
+        <a:defRPr sz="4800" kern="1200" spc="-50" baseline="0">
           <a:solidFill>
-            <a:schemeClr val="tx1"/>
+            <a:schemeClr val="tx1">
+              <a:lumMod val="75000"/>
+              <a:lumOff val="25000"/>
+            </a:schemeClr>
           </a:solidFill>
           <a:latin typeface="+mj-lt"/>
           <a:ea typeface="+mj-ea"/>
@@ -3098,162 +5113,244 @@
       </a:lvl1pPr>
     </p:titleStyle>
     <p:bodyStyle>
-      <a:lvl1pPr marL="228600" indent="-228600" algn="l" defTabSz="914400" rtl="0" eaLnBrk="1" latinLnBrk="0" hangingPunct="1">
+      <a:lvl1pPr marL="91440" indent="-91440" algn="l" defTabSz="914400" rtl="0" eaLnBrk="1" latinLnBrk="0" hangingPunct="1">
         <a:lnSpc>
           <a:spcPct val="90000"/>
         </a:lnSpc>
         <a:spcBef>
-          <a:spcPts val="1000"/>
+          <a:spcPts val="1200"/>
         </a:spcBef>
-        <a:buFont typeface="Arial" panose="020B0604020202020204" pitchFamily="34" charset="0"/>
-        <a:buChar char="•"/>
-        <a:defRPr sz="2800" kern="1200">
+        <a:spcAft>
+          <a:spcPts val="200"/>
+        </a:spcAft>
+        <a:buClr>
+          <a:schemeClr val="accent1"/>
+        </a:buClr>
+        <a:buSzPct val="100000"/>
+        <a:buFont typeface="Calibri" panose="020F0502020204030204" pitchFamily="34" charset="0"/>
+        <a:buChar char=" "/>
+        <a:defRPr sz="2000" kern="1200">
           <a:solidFill>
-            <a:schemeClr val="tx1"/>
+            <a:schemeClr val="tx1">
+              <a:lumMod val="75000"/>
+              <a:lumOff val="25000"/>
+            </a:schemeClr>
           </a:solidFill>
           <a:latin typeface="+mn-lt"/>
           <a:ea typeface="+mn-ea"/>
           <a:cs typeface="+mn-cs"/>
         </a:defRPr>
       </a:lvl1pPr>
-      <a:lvl2pPr marL="685800" indent="-228600" algn="l" defTabSz="914400" rtl="0" eaLnBrk="1" latinLnBrk="0" hangingPunct="1">
+      <a:lvl2pPr marL="384048" indent="-182880" algn="l" defTabSz="914400" rtl="0" eaLnBrk="1" latinLnBrk="0" hangingPunct="1">
         <a:lnSpc>
           <a:spcPct val="90000"/>
         </a:lnSpc>
         <a:spcBef>
-          <a:spcPts val="500"/>
+          <a:spcPts val="200"/>
         </a:spcBef>
-        <a:buFont typeface="Arial" panose="020B0604020202020204" pitchFamily="34" charset="0"/>
-        <a:buChar char="•"/>
-        <a:defRPr sz="2400" kern="1200">
+        <a:spcAft>
+          <a:spcPts val="400"/>
+        </a:spcAft>
+        <a:buClr>
+          <a:schemeClr val="accent1"/>
+        </a:buClr>
+        <a:buFont typeface="Calibri" pitchFamily="34" charset="0"/>
+        <a:buChar char="◦"/>
+        <a:defRPr sz="1800" kern="1200">
           <a:solidFill>
-            <a:schemeClr val="tx1"/>
+            <a:schemeClr val="tx1">
+              <a:lumMod val="75000"/>
+              <a:lumOff val="25000"/>
+            </a:schemeClr>
           </a:solidFill>
           <a:latin typeface="+mn-lt"/>
           <a:ea typeface="+mn-ea"/>
           <a:cs typeface="+mn-cs"/>
         </a:defRPr>
       </a:lvl2pPr>
-      <a:lvl3pPr marL="1143000" indent="-228600" algn="l" defTabSz="914400" rtl="0" eaLnBrk="1" latinLnBrk="0" hangingPunct="1">
+      <a:lvl3pPr marL="566928" indent="-182880" algn="l" defTabSz="914400" rtl="0" eaLnBrk="1" latinLnBrk="0" hangingPunct="1">
         <a:lnSpc>
           <a:spcPct val="90000"/>
         </a:lnSpc>
         <a:spcBef>
-          <a:spcPts val="500"/>
+          <a:spcPts val="200"/>
         </a:spcBef>
-        <a:buFont typeface="Arial" panose="020B0604020202020204" pitchFamily="34" charset="0"/>
-        <a:buChar char="•"/>
-        <a:defRPr sz="2000" kern="1200">
+        <a:spcAft>
+          <a:spcPts val="400"/>
+        </a:spcAft>
+        <a:buClr>
+          <a:schemeClr val="accent1"/>
+        </a:buClr>
+        <a:buFont typeface="Calibri" pitchFamily="34" charset="0"/>
+        <a:buChar char="◦"/>
+        <a:defRPr sz="1400" kern="1200">
           <a:solidFill>
-            <a:schemeClr val="tx1"/>
+            <a:schemeClr val="tx1">
+              <a:lumMod val="75000"/>
+              <a:lumOff val="25000"/>
+            </a:schemeClr>
           </a:solidFill>
           <a:latin typeface="+mn-lt"/>
           <a:ea typeface="+mn-ea"/>
           <a:cs typeface="+mn-cs"/>
         </a:defRPr>
       </a:lvl3pPr>
-      <a:lvl4pPr marL="1600200" indent="-228600" algn="l" defTabSz="914400" rtl="0" eaLnBrk="1" latinLnBrk="0" hangingPunct="1">
+      <a:lvl4pPr marL="749808" indent="-182880" algn="l" defTabSz="914400" rtl="0" eaLnBrk="1" latinLnBrk="0" hangingPunct="1">
         <a:lnSpc>
           <a:spcPct val="90000"/>
         </a:lnSpc>
         <a:spcBef>
-          <a:spcPts val="500"/>
+          <a:spcPts val="200"/>
         </a:spcBef>
-        <a:buFont typeface="Arial" panose="020B0604020202020204" pitchFamily="34" charset="0"/>
-        <a:buChar char="•"/>
-        <a:defRPr sz="1800" kern="1200">
+        <a:spcAft>
+          <a:spcPts val="400"/>
+        </a:spcAft>
+        <a:buClr>
+          <a:schemeClr val="accent1"/>
+        </a:buClr>
+        <a:buFont typeface="Calibri" pitchFamily="34" charset="0"/>
+        <a:buChar char="◦"/>
+        <a:defRPr sz="1400" kern="1200">
           <a:solidFill>
-            <a:schemeClr val="tx1"/>
+            <a:schemeClr val="tx1">
+              <a:lumMod val="75000"/>
+              <a:lumOff val="25000"/>
+            </a:schemeClr>
           </a:solidFill>
           <a:latin typeface="+mn-lt"/>
           <a:ea typeface="+mn-ea"/>
           <a:cs typeface="+mn-cs"/>
         </a:defRPr>
       </a:lvl4pPr>
-      <a:lvl5pPr marL="2057400" indent="-228600" algn="l" defTabSz="914400" rtl="0" eaLnBrk="1" latinLnBrk="0" hangingPunct="1">
+      <a:lvl5pPr marL="932688" indent="-182880" algn="l" defTabSz="914400" rtl="0" eaLnBrk="1" latinLnBrk="0" hangingPunct="1">
         <a:lnSpc>
           <a:spcPct val="90000"/>
         </a:lnSpc>
         <a:spcBef>
-          <a:spcPts val="500"/>
+          <a:spcPts val="200"/>
         </a:spcBef>
-        <a:buFont typeface="Arial" panose="020B0604020202020204" pitchFamily="34" charset="0"/>
-        <a:buChar char="•"/>
-        <a:defRPr sz="1800" kern="1200">
+        <a:spcAft>
+          <a:spcPts val="400"/>
+        </a:spcAft>
+        <a:buClr>
+          <a:schemeClr val="accent1"/>
+        </a:buClr>
+        <a:buFont typeface="Calibri" pitchFamily="34" charset="0"/>
+        <a:buChar char="◦"/>
+        <a:defRPr sz="1400" kern="1200">
           <a:solidFill>
-            <a:schemeClr val="tx1"/>
+            <a:schemeClr val="tx1">
+              <a:lumMod val="75000"/>
+              <a:lumOff val="25000"/>
+            </a:schemeClr>
           </a:solidFill>
           <a:latin typeface="+mn-lt"/>
           <a:ea typeface="+mn-ea"/>
           <a:cs typeface="+mn-cs"/>
         </a:defRPr>
       </a:lvl5pPr>
-      <a:lvl6pPr marL="2514600" indent="-228600" algn="l" defTabSz="914400" rtl="0" eaLnBrk="1" latinLnBrk="0" hangingPunct="1">
+      <a:lvl6pPr marL="1100000" indent="-228600" algn="l" defTabSz="914400" rtl="0" eaLnBrk="1" latinLnBrk="0" hangingPunct="1">
         <a:lnSpc>
           <a:spcPct val="90000"/>
         </a:lnSpc>
         <a:spcBef>
-          <a:spcPts val="500"/>
+          <a:spcPts val="200"/>
         </a:spcBef>
-        <a:buFont typeface="Arial" panose="020B0604020202020204" pitchFamily="34" charset="0"/>
-        <a:buChar char="•"/>
-        <a:defRPr sz="1800" kern="1200">
+        <a:spcAft>
+          <a:spcPts val="400"/>
+        </a:spcAft>
+        <a:buClr>
+          <a:schemeClr val="accent1"/>
+        </a:buClr>
+        <a:buFont typeface="Calibri" pitchFamily="34" charset="0"/>
+        <a:buChar char="◦"/>
+        <a:defRPr sz="1400" kern="1200">
           <a:solidFill>
-            <a:schemeClr val="tx1"/>
+            <a:schemeClr val="tx1">
+              <a:lumMod val="75000"/>
+              <a:lumOff val="25000"/>
+            </a:schemeClr>
           </a:solidFill>
           <a:latin typeface="+mn-lt"/>
           <a:ea typeface="+mn-ea"/>
           <a:cs typeface="+mn-cs"/>
         </a:defRPr>
       </a:lvl6pPr>
-      <a:lvl7pPr marL="2971800" indent="-228600" algn="l" defTabSz="914400" rtl="0" eaLnBrk="1" latinLnBrk="0" hangingPunct="1">
+      <a:lvl7pPr marL="1300000" indent="-228600" algn="l" defTabSz="914400" rtl="0" eaLnBrk="1" latinLnBrk="0" hangingPunct="1">
         <a:lnSpc>
           <a:spcPct val="90000"/>
         </a:lnSpc>
         <a:spcBef>
-          <a:spcPts val="500"/>
+          <a:spcPts val="200"/>
         </a:spcBef>
-        <a:buFont typeface="Arial" panose="020B0604020202020204" pitchFamily="34" charset="0"/>
-        <a:buChar char="•"/>
-        <a:defRPr sz="1800" kern="1200">
+        <a:spcAft>
+          <a:spcPts val="400"/>
+        </a:spcAft>
+        <a:buClr>
+          <a:schemeClr val="accent1"/>
+        </a:buClr>
+        <a:buFont typeface="Calibri" pitchFamily="34" charset="0"/>
+        <a:buChar char="◦"/>
+        <a:defRPr sz="1400" kern="1200">
           <a:solidFill>
-            <a:schemeClr val="tx1"/>
+            <a:schemeClr val="tx1">
+              <a:lumMod val="75000"/>
+              <a:lumOff val="25000"/>
+            </a:schemeClr>
           </a:solidFill>
           <a:latin typeface="+mn-lt"/>
           <a:ea typeface="+mn-ea"/>
           <a:cs typeface="+mn-cs"/>
         </a:defRPr>
       </a:lvl7pPr>
-      <a:lvl8pPr marL="3429000" indent="-228600" algn="l" defTabSz="914400" rtl="0" eaLnBrk="1" latinLnBrk="0" hangingPunct="1">
+      <a:lvl8pPr marL="1500000" indent="-228600" algn="l" defTabSz="914400" rtl="0" eaLnBrk="1" latinLnBrk="0" hangingPunct="1">
         <a:lnSpc>
           <a:spcPct val="90000"/>
         </a:lnSpc>
         <a:spcBef>
-          <a:spcPts val="500"/>
+          <a:spcPts val="200"/>
         </a:spcBef>
-        <a:buFont typeface="Arial" panose="020B0604020202020204" pitchFamily="34" charset="0"/>
-        <a:buChar char="•"/>
-        <a:defRPr sz="1800" kern="1200">
+        <a:spcAft>
+          <a:spcPts val="400"/>
+        </a:spcAft>
+        <a:buClr>
+          <a:schemeClr val="accent1"/>
+        </a:buClr>
+        <a:buFont typeface="Calibri" pitchFamily="34" charset="0"/>
+        <a:buChar char="◦"/>
+        <a:defRPr sz="1400" kern="1200">
           <a:solidFill>
-            <a:schemeClr val="tx1"/>
+            <a:schemeClr val="tx1">
+              <a:lumMod val="75000"/>
+              <a:lumOff val="25000"/>
+            </a:schemeClr>
           </a:solidFill>
           <a:latin typeface="+mn-lt"/>
           <a:ea typeface="+mn-ea"/>
           <a:cs typeface="+mn-cs"/>
         </a:defRPr>
       </a:lvl8pPr>
-      <a:lvl9pPr marL="3886200" indent="-228600" algn="l" defTabSz="914400" rtl="0" eaLnBrk="1" latinLnBrk="0" hangingPunct="1">
+      <a:lvl9pPr marL="1700000" indent="-228600" algn="l" defTabSz="914400" rtl="0" eaLnBrk="1" latinLnBrk="0" hangingPunct="1">
         <a:lnSpc>
           <a:spcPct val="90000"/>
         </a:lnSpc>
         <a:spcBef>
-          <a:spcPts val="500"/>
+          <a:spcPts val="200"/>
         </a:spcBef>
-        <a:buFont typeface="Arial" panose="020B0604020202020204" pitchFamily="34" charset="0"/>
-        <a:buChar char="•"/>
-        <a:defRPr sz="1800" kern="1200">
+        <a:spcAft>
+          <a:spcPts val="400"/>
+        </a:spcAft>
+        <a:buClr>
+          <a:schemeClr val="accent1"/>
+        </a:buClr>
+        <a:buFont typeface="Calibri" pitchFamily="34" charset="0"/>
+        <a:buChar char="◦"/>
+        <a:defRPr sz="1400" kern="1200">
           <a:solidFill>
-            <a:schemeClr val="tx1"/>
+            <a:schemeClr val="tx1">
+              <a:lumMod val="75000"/>
+              <a:lumOff val="25000"/>
+            </a:schemeClr>
           </a:solidFill>
           <a:latin typeface="+mn-lt"/>
           <a:ea typeface="+mn-ea"/>
@@ -3263,7 +5360,7 @@
     </p:bodyStyle>
     <p:otherStyle>
       <a:defPPr>
-        <a:defRPr lang="de-DE"/>
+        <a:defRPr lang="en-US"/>
       </a:defPPr>
       <a:lvl1pPr marL="0" algn="l" defTabSz="914400" rtl="0" eaLnBrk="1" latinLnBrk="0" hangingPunct="1">
         <a:defRPr sz="1800" kern="1200">
@@ -3395,45 +5492,32 @@
         </p:nvSpPr>
         <p:spPr>
           <a:xfrm>
-            <a:off x="0" y="2443480"/>
-            <a:ext cx="12192000" cy="1971040"/>
+            <a:off x="1172441" y="430923"/>
+            <a:ext cx="12192000" cy="1112683"/>
           </a:xfrm>
         </p:spPr>
         <p:txBody>
           <a:bodyPr>
-            <a:normAutofit/>
+            <a:noAutofit/>
           </a:bodyPr>
           <a:lstStyle/>
           <a:p>
             <a:r>
-              <a:rPr lang="de-CH" i="1" u="sng" dirty="0">
+              <a:rPr lang="de-CH" sz="4800" dirty="0">
                 <a:latin typeface="Arial" panose="020B0604020202020204" pitchFamily="34" charset="0"/>
                 <a:cs typeface="Arial" panose="020B0604020202020204" pitchFamily="34" charset="0"/>
               </a:rPr>
-              <a:t>Zwischenpräsentation </a:t>
-            </a:r>
-            <a:br>
-              <a:rPr lang="de-CH" i="1" u="sng" dirty="0">
-                <a:latin typeface="Arial" panose="020B0604020202020204" pitchFamily="34" charset="0"/>
-                <a:cs typeface="Arial" panose="020B0604020202020204" pitchFamily="34" charset="0"/>
-              </a:rPr>
-            </a:br>
-            <a:r>
-              <a:rPr lang="de-CH" i="1" u="sng" dirty="0">
-                <a:latin typeface="Arial" panose="020B0604020202020204" pitchFamily="34" charset="0"/>
-                <a:cs typeface="Arial" panose="020B0604020202020204" pitchFamily="34" charset="0"/>
-              </a:rPr>
-              <a:t>Gruppe 1</a:t>
+              <a:t>Zwischenpräsentation Gruppe 1</a:t>
             </a:r>
           </a:p>
         </p:txBody>
       </p:sp>
       <p:pic>
         <p:nvPicPr>
-          <p:cNvPr id="7" name="Grafik 6">
+          <p:cNvPr id="5" name="Grafik 4">
             <a:extLst>
               <a:ext uri="{FF2B5EF4-FFF2-40B4-BE49-F238E27FC236}">
-                <a16:creationId xmlns:a16="http://schemas.microsoft.com/office/drawing/2014/main" id="{92E2AD0C-3432-45AB-BE6E-5B6F67BDFAF8}"/>
+                <a16:creationId xmlns:a16="http://schemas.microsoft.com/office/drawing/2014/main" id="{CA7C0E0E-F9B8-43E8-A022-087C27AEBA3E}"/>
               </a:ext>
             </a:extLst>
           </p:cNvPr>
@@ -3443,7 +5527,7 @@
           <p:nvPr/>
         </p:nvPicPr>
         <p:blipFill>
-          <a:blip r:embed="rId2">
+          <a:blip r:embed="rId3">
             <a:extLst>
               <a:ext uri="{28A0092B-C50C-407E-A947-70E740481C1C}">
                 <a14:useLocalDpi xmlns:a14="http://schemas.microsoft.com/office/drawing/2010/main" val="0"/>
@@ -3456,14 +5540,88 @@
         </p:blipFill>
         <p:spPr>
           <a:xfrm>
-            <a:off x="9469120" y="-22890"/>
-            <a:ext cx="2722880" cy="1910025"/>
+            <a:off x="3016466" y="2142678"/>
+            <a:ext cx="5429439" cy="3628931"/>
           </a:xfrm>
           <a:prstGeom prst="rect">
             <a:avLst/>
           </a:prstGeom>
         </p:spPr>
       </p:pic>
+      <p:sp>
+        <p:nvSpPr>
+          <p:cNvPr id="6" name="Textfeld 5">
+            <a:extLst>
+              <a:ext uri="{FF2B5EF4-FFF2-40B4-BE49-F238E27FC236}">
+                <a16:creationId xmlns:a16="http://schemas.microsoft.com/office/drawing/2014/main" id="{0D1EB160-30B4-49AD-8082-B98FF5B5039A}"/>
+              </a:ext>
+            </a:extLst>
+          </p:cNvPr>
+          <p:cNvSpPr txBox="1"/>
+          <p:nvPr/>
+        </p:nvSpPr>
+        <p:spPr>
+          <a:xfrm>
+            <a:off x="1019503" y="3794233"/>
+            <a:ext cx="1996964" cy="987973"/>
+          </a:xfrm>
+          <a:prstGeom prst="rect">
+            <a:avLst/>
+          </a:prstGeom>
+          <a:solidFill>
+            <a:schemeClr val="bg1"/>
+          </a:solidFill>
+          <a:ln>
+            <a:noFill/>
+          </a:ln>
+        </p:spPr>
+        <p:txBody>
+          <a:bodyPr wrap="square" rtlCol="0">
+            <a:spAutoFit/>
+          </a:bodyPr>
+          <a:lstStyle/>
+          <a:p>
+            <a:endParaRPr lang="de-DE" dirty="0"/>
+          </a:p>
+        </p:txBody>
+      </p:sp>
+      <p:sp>
+        <p:nvSpPr>
+          <p:cNvPr id="8" name="Textfeld 7">
+            <a:extLst>
+              <a:ext uri="{FF2B5EF4-FFF2-40B4-BE49-F238E27FC236}">
+                <a16:creationId xmlns:a16="http://schemas.microsoft.com/office/drawing/2014/main" id="{2326EB37-DDDA-419D-B724-E1ED23278DCC}"/>
+              </a:ext>
+            </a:extLst>
+          </p:cNvPr>
+          <p:cNvSpPr txBox="1"/>
+          <p:nvPr/>
+        </p:nvSpPr>
+        <p:spPr>
+          <a:xfrm>
+            <a:off x="8445905" y="3957144"/>
+            <a:ext cx="2852715" cy="987973"/>
+          </a:xfrm>
+          <a:prstGeom prst="rect">
+            <a:avLst/>
+          </a:prstGeom>
+          <a:solidFill>
+            <a:schemeClr val="bg1"/>
+          </a:solidFill>
+          <a:ln>
+            <a:noFill/>
+          </a:ln>
+        </p:spPr>
+        <p:txBody>
+          <a:bodyPr wrap="square" rtlCol="0">
+            <a:spAutoFit/>
+          </a:bodyPr>
+          <a:lstStyle/>
+          <a:p>
+            <a:endParaRPr lang="de-DE" dirty="0"/>
+          </a:p>
+        </p:txBody>
+      </p:sp>
     </p:spTree>
     <p:extLst>
       <p:ext uri="{BB962C8B-B14F-4D97-AF65-F5344CB8AC3E}">
@@ -3499,7 +5657,7 @@
           <p:cNvPr id="2" name="Titel 1">
             <a:extLst>
               <a:ext uri="{FF2B5EF4-FFF2-40B4-BE49-F238E27FC236}">
-                <a16:creationId xmlns:a16="http://schemas.microsoft.com/office/drawing/2014/main" id="{CE186811-7AA7-4857-9D92-AEB6DB8C1F63}"/>
+                <a16:creationId xmlns:a16="http://schemas.microsoft.com/office/drawing/2014/main" id="{0E077631-1EC1-4878-9FED-CB023DD13DE4}"/>
               </a:ext>
             </a:extLst>
           </p:cNvPr>
@@ -3510,14 +5668,24 @@
             <p:ph type="title"/>
           </p:nvPr>
         </p:nvSpPr>
-        <p:spPr/>
-        <p:txBody>
-          <a:bodyPr/>
-          <a:lstStyle/>
-          <a:p>
-            <a:r>
-              <a:rPr lang="de-CH" dirty="0"/>
-              <a:t>Elektrotechnik</a:t>
+        <p:spPr>
+          <a:xfrm>
+            <a:off x="838200" y="294005"/>
+            <a:ext cx="10515600" cy="1325563"/>
+          </a:xfrm>
+        </p:spPr>
+        <p:txBody>
+          <a:bodyPr>
+            <a:noAutofit/>
+          </a:bodyPr>
+          <a:lstStyle/>
+          <a:p>
+            <a:r>
+              <a:rPr lang="de-CH" dirty="0">
+                <a:latin typeface="Arial" panose="020B0604020202020204" pitchFamily="34" charset="0"/>
+                <a:cs typeface="Arial" panose="020B0604020202020204" pitchFamily="34" charset="0"/>
+              </a:rPr>
+              <a:t>Mathematische Anforderungen</a:t>
             </a:r>
           </a:p>
         </p:txBody>
@@ -3527,7 +5695,7 @@
           <p:cNvPr id="3" name="Inhaltsplatzhalter 2">
             <a:extLst>
               <a:ext uri="{FF2B5EF4-FFF2-40B4-BE49-F238E27FC236}">
-                <a16:creationId xmlns:a16="http://schemas.microsoft.com/office/drawing/2014/main" id="{0FCCD327-018D-4C6E-911B-FEEFD441F8D1}"/>
+                <a16:creationId xmlns:a16="http://schemas.microsoft.com/office/drawing/2014/main" id="{087CF7F0-1F3E-4360-83C5-C43A47374AC5}"/>
               </a:ext>
             </a:extLst>
           </p:cNvPr>
@@ -3545,27 +5713,46 @@
           <a:p>
             <a:r>
               <a:rPr lang="de-CH" dirty="0"/>
-              <a:t>Auf die Grundschaltung eingehen</a:t>
+              <a:t>Mit Streuparameter S21 CM/DM äquivalente Schaltungen berechnen</a:t>
             </a:r>
           </a:p>
           <a:p>
             <a:r>
               <a:rPr lang="de-CH" dirty="0"/>
-              <a:t>Die Schwierigkeiten der Aufgabe</a:t>
+              <a:t>Berechnungen (Model) erweiterbar programmieren</a:t>
             </a:r>
           </a:p>
           <a:p>
             <a:r>
               <a:rPr lang="de-CH" dirty="0"/>
-              <a:t>Bisherige Berechnungen vorstellen</a:t>
-            </a:r>
+              <a:t>Berechnungen in Threads ausführen um «Lags» zu verhindern</a:t>
+            </a:r>
+          </a:p>
+          <a:p>
+            <a:pPr marL="0" indent="0">
+              <a:spcAft>
+                <a:spcPts val="600"/>
+              </a:spcAft>
+              <a:buClr>
+                <a:srgbClr val="007CAA"/>
+              </a:buClr>
+              <a:buSzPct val="100000"/>
+              <a:buNone/>
+            </a:pPr>
+            <a:endParaRPr lang="de-CH" dirty="0"/>
+          </a:p>
+          <a:p>
+            <a:pPr marL="0" indent="0">
+              <a:buNone/>
+            </a:pPr>
+            <a:endParaRPr lang="de-CH" dirty="0"/>
           </a:p>
         </p:txBody>
       </p:sp>
     </p:spTree>
     <p:extLst>
       <p:ext uri="{BB962C8B-B14F-4D97-AF65-F5344CB8AC3E}">
-        <p14:creationId xmlns:p14="http://schemas.microsoft.com/office/powerpoint/2010/main" val="3430439596"/>
+        <p14:creationId xmlns:p14="http://schemas.microsoft.com/office/powerpoint/2010/main" val="2546100067"/>
       </p:ext>
     </p:extLst>
   </p:cSld>
@@ -3597,7 +5784,7 @@
           <p:cNvPr id="2" name="Titel 1">
             <a:extLst>
               <a:ext uri="{FF2B5EF4-FFF2-40B4-BE49-F238E27FC236}">
-                <a16:creationId xmlns:a16="http://schemas.microsoft.com/office/drawing/2014/main" id="{8CBBDB5F-B964-4458-8E0B-B425EEEA316B}"/>
+                <a16:creationId xmlns:a16="http://schemas.microsoft.com/office/drawing/2014/main" id="{0E077631-1EC1-4878-9FED-CB023DD13DE4}"/>
               </a:ext>
             </a:extLst>
           </p:cNvPr>
@@ -3608,14 +5795,24 @@
             <p:ph type="title"/>
           </p:nvPr>
         </p:nvSpPr>
-        <p:spPr/>
-        <p:txBody>
-          <a:bodyPr/>
-          <a:lstStyle/>
-          <a:p>
-            <a:r>
-              <a:rPr lang="de-CH" dirty="0"/>
-              <a:t>Schluss</a:t>
+        <p:spPr>
+          <a:xfrm>
+            <a:off x="838200" y="294005"/>
+            <a:ext cx="10515600" cy="1325563"/>
+          </a:xfrm>
+        </p:spPr>
+        <p:txBody>
+          <a:bodyPr>
+            <a:noAutofit/>
+          </a:bodyPr>
+          <a:lstStyle/>
+          <a:p>
+            <a:r>
+              <a:rPr lang="de-CH" dirty="0">
+                <a:latin typeface="Arial" panose="020B0604020202020204" pitchFamily="34" charset="0"/>
+                <a:cs typeface="Arial" panose="020B0604020202020204" pitchFamily="34" charset="0"/>
+              </a:rPr>
+              <a:t>Parametereingabe</a:t>
             </a:r>
           </a:p>
         </p:txBody>
@@ -3625,7 +5822,7 @@
           <p:cNvPr id="3" name="Inhaltsplatzhalter 2">
             <a:extLst>
               <a:ext uri="{FF2B5EF4-FFF2-40B4-BE49-F238E27FC236}">
-                <a16:creationId xmlns:a16="http://schemas.microsoft.com/office/drawing/2014/main" id="{D2374DC3-9369-48A7-BAFF-3EC784E8AEA1}"/>
+                <a16:creationId xmlns:a16="http://schemas.microsoft.com/office/drawing/2014/main" id="{087CF7F0-1F3E-4360-83C5-C43A47374AC5}"/>
               </a:ext>
             </a:extLst>
           </p:cNvPr>
@@ -3641,14 +5838,66 @@
           <a:bodyPr/>
           <a:lstStyle/>
           <a:p>
-            <a:endParaRPr lang="de-CH"/>
-          </a:p>
-        </p:txBody>
-      </p:sp>
+            <a:pPr marL="0" indent="0">
+              <a:spcAft>
+                <a:spcPts val="600"/>
+              </a:spcAft>
+              <a:buClr>
+                <a:srgbClr val="007CAA"/>
+              </a:buClr>
+              <a:buSzPct val="100000"/>
+              <a:buNone/>
+            </a:pPr>
+            <a:endParaRPr lang="de-CH" dirty="0"/>
+          </a:p>
+          <a:p>
+            <a:pPr marL="0" indent="0">
+              <a:buNone/>
+            </a:pPr>
+            <a:endParaRPr lang="de-CH" dirty="0"/>
+          </a:p>
+        </p:txBody>
+      </p:sp>
+      <p:pic>
+        <p:nvPicPr>
+          <p:cNvPr id="5" name="Grafik 4">
+            <a:extLst>
+              <a:ext uri="{FF2B5EF4-FFF2-40B4-BE49-F238E27FC236}">
+                <a16:creationId xmlns:a16="http://schemas.microsoft.com/office/drawing/2014/main" id="{3CA4D3E8-BC23-451D-85B5-64290764413C}"/>
+              </a:ext>
+            </a:extLst>
+          </p:cNvPr>
+          <p:cNvPicPr>
+            <a:picLocks noChangeAspect="1"/>
+          </p:cNvPicPr>
+          <p:nvPr/>
+        </p:nvPicPr>
+        <p:blipFill>
+          <a:blip r:embed="rId3">
+            <a:extLst>
+              <a:ext uri="{28A0092B-C50C-407E-A947-70E740481C1C}">
+                <a14:useLocalDpi xmlns:a14="http://schemas.microsoft.com/office/drawing/2010/main" val="0"/>
+              </a:ext>
+            </a:extLst>
+          </a:blip>
+          <a:stretch>
+            <a:fillRect/>
+          </a:stretch>
+        </p:blipFill>
+        <p:spPr>
+          <a:xfrm>
+            <a:off x="2231183" y="2181572"/>
+            <a:ext cx="7729634" cy="3634768"/>
+          </a:xfrm>
+          <a:prstGeom prst="rect">
+            <a:avLst/>
+          </a:prstGeom>
+        </p:spPr>
+      </p:pic>
     </p:spTree>
     <p:extLst>
       <p:ext uri="{BB962C8B-B14F-4D97-AF65-F5344CB8AC3E}">
-        <p14:creationId xmlns:p14="http://schemas.microsoft.com/office/powerpoint/2010/main" val="3919693850"/>
+        <p14:creationId xmlns:p14="http://schemas.microsoft.com/office/powerpoint/2010/main" val="126549446"/>
       </p:ext>
     </p:extLst>
   </p:cSld>
@@ -3699,38 +5948,84 @@
         </p:spPr>
         <p:txBody>
           <a:bodyPr>
-            <a:normAutofit/>
+            <a:noAutofit/>
           </a:bodyPr>
           <a:lstStyle/>
           <a:p>
+            <a:r>
+              <a:rPr lang="de-CH" dirty="0" err="1">
+                <a:latin typeface="Arial" panose="020B0604020202020204" pitchFamily="34" charset="0"/>
+                <a:cs typeface="Arial" panose="020B0604020202020204" pitchFamily="34" charset="0"/>
+              </a:rPr>
+              <a:t>Ploten</a:t>
+            </a:r>
             <a:r>
               <a:rPr lang="de-CH" dirty="0">
                 <a:latin typeface="Arial" panose="020B0604020202020204" pitchFamily="34" charset="0"/>
                 <a:cs typeface="Arial" panose="020B0604020202020204" pitchFamily="34" charset="0"/>
               </a:rPr>
-              <a:t>Software</a:t>
-            </a:r>
+              <a:t> der Berechnungen</a:t>
+            </a:r>
+          </a:p>
+        </p:txBody>
+      </p:sp>
+      <p:sp>
+        <p:nvSpPr>
+          <p:cNvPr id="3" name="Inhaltsplatzhalter 2">
+            <a:extLst>
+              <a:ext uri="{FF2B5EF4-FFF2-40B4-BE49-F238E27FC236}">
+                <a16:creationId xmlns:a16="http://schemas.microsoft.com/office/drawing/2014/main" id="{087CF7F0-1F3E-4360-83C5-C43A47374AC5}"/>
+              </a:ext>
+            </a:extLst>
+          </p:cNvPr>
+          <p:cNvSpPr>
+            <a:spLocks noGrp="1"/>
+          </p:cNvSpPr>
+          <p:nvPr>
+            <p:ph idx="1"/>
+          </p:nvPr>
+        </p:nvSpPr>
+        <p:spPr/>
+        <p:txBody>
+          <a:bodyPr/>
+          <a:lstStyle/>
+          <a:p>
+            <a:pPr marL="0" indent="0">
+              <a:spcAft>
+                <a:spcPts val="600"/>
+              </a:spcAft>
+              <a:buClr>
+                <a:srgbClr val="007CAA"/>
+              </a:buClr>
+              <a:buSzPct val="100000"/>
+              <a:buNone/>
+            </a:pPr>
+            <a:endParaRPr lang="de-CH" dirty="0"/>
+          </a:p>
+          <a:p>
+            <a:pPr marL="0" indent="0">
+              <a:buNone/>
+            </a:pPr>
+            <a:endParaRPr lang="de-CH" dirty="0"/>
           </a:p>
         </p:txBody>
       </p:sp>
       <p:pic>
         <p:nvPicPr>
-          <p:cNvPr id="7" name="Inhaltsplatzhalter 6">
+          <p:cNvPr id="6" name="Grafik 5">
             <a:extLst>
               <a:ext uri="{FF2B5EF4-FFF2-40B4-BE49-F238E27FC236}">
-                <a16:creationId xmlns:a16="http://schemas.microsoft.com/office/drawing/2014/main" id="{FC6ADAD1-A022-445C-8AD2-7C3B4FF29E41}"/>
+                <a16:creationId xmlns:a16="http://schemas.microsoft.com/office/drawing/2014/main" id="{ADF3D102-C5FE-41A7-832F-2D6EEE7AA7E5}"/>
               </a:ext>
             </a:extLst>
           </p:cNvPr>
           <p:cNvPicPr>
-            <a:picLocks noGrp="1" noChangeAspect="1"/>
+            <a:picLocks noChangeAspect="1"/>
           </p:cNvPicPr>
-          <p:nvPr>
-            <p:ph idx="1"/>
-          </p:nvPr>
+          <p:nvPr/>
         </p:nvPicPr>
         <p:blipFill>
-          <a:blip r:embed="rId2">
+          <a:blip r:embed="rId3">
             <a:extLst>
               <a:ext uri="{28A0092B-C50C-407E-A947-70E740481C1C}">
                 <a14:useLocalDpi xmlns:a14="http://schemas.microsoft.com/office/drawing/2010/main" val="0"/>
@@ -3743,15 +6038,53 @@
         </p:blipFill>
         <p:spPr>
           <a:xfrm>
-            <a:off x="2538360" y="1486218"/>
-            <a:ext cx="6529440" cy="4979652"/>
+            <a:off x="1868365" y="2127199"/>
+            <a:ext cx="8455269" cy="3639295"/>
           </a:xfrm>
+          <a:prstGeom prst="rect">
+            <a:avLst/>
+          </a:prstGeom>
+        </p:spPr>
+      </p:pic>
+      <p:pic>
+        <p:nvPicPr>
+          <p:cNvPr id="8" name="Grafik 7">
+            <a:extLst>
+              <a:ext uri="{FF2B5EF4-FFF2-40B4-BE49-F238E27FC236}">
+                <a16:creationId xmlns:a16="http://schemas.microsoft.com/office/drawing/2014/main" id="{2E40BE8E-B4FC-43A9-942E-D54341D6CF00}"/>
+              </a:ext>
+            </a:extLst>
+          </p:cNvPr>
+          <p:cNvPicPr>
+            <a:picLocks noChangeAspect="1"/>
+          </p:cNvPicPr>
+          <p:nvPr/>
+        </p:nvPicPr>
+        <p:blipFill rotWithShape="1">
+          <a:blip r:embed="rId4">
+            <a:extLst>
+              <a:ext uri="{28A0092B-C50C-407E-A947-70E740481C1C}">
+                <a14:useLocalDpi xmlns:a14="http://schemas.microsoft.com/office/drawing/2010/main" val="0"/>
+              </a:ext>
+            </a:extLst>
+          </a:blip>
+          <a:srcRect l="54904" t="5062" r="3161" b="9773"/>
+          <a:stretch/>
+        </p:blipFill>
+        <p:spPr>
+          <a:xfrm>
+            <a:off x="4382964" y="2977375"/>
+            <a:ext cx="1296865" cy="2255228"/>
+          </a:xfrm>
+          <a:prstGeom prst="rect">
+            <a:avLst/>
+          </a:prstGeom>
         </p:spPr>
       </p:pic>
     </p:spTree>
     <p:extLst>
       <p:ext uri="{BB962C8B-B14F-4D97-AF65-F5344CB8AC3E}">
-        <p14:creationId xmlns:p14="http://schemas.microsoft.com/office/powerpoint/2010/main" val="3701219265"/>
+        <p14:creationId xmlns:p14="http://schemas.microsoft.com/office/powerpoint/2010/main" val="1059463329"/>
       </p:ext>
     </p:extLst>
   </p:cSld>
@@ -3802,7 +6135,7 @@
         </p:spPr>
         <p:txBody>
           <a:bodyPr>
-            <a:normAutofit/>
+            <a:noAutofit/>
           </a:bodyPr>
           <a:lstStyle/>
           <a:p>
@@ -3811,29 +6144,68 @@
                 <a:latin typeface="Arial" panose="020B0604020202020204" pitchFamily="34" charset="0"/>
                 <a:cs typeface="Arial" panose="020B0604020202020204" pitchFamily="34" charset="0"/>
               </a:rPr>
-              <a:t>Softwarestruktur</a:t>
-            </a:r>
+              <a:t>Speicherverwaltung</a:t>
+            </a:r>
+          </a:p>
+        </p:txBody>
+      </p:sp>
+      <p:sp>
+        <p:nvSpPr>
+          <p:cNvPr id="3" name="Inhaltsplatzhalter 2">
+            <a:extLst>
+              <a:ext uri="{FF2B5EF4-FFF2-40B4-BE49-F238E27FC236}">
+                <a16:creationId xmlns:a16="http://schemas.microsoft.com/office/drawing/2014/main" id="{087CF7F0-1F3E-4360-83C5-C43A47374AC5}"/>
+              </a:ext>
+            </a:extLst>
+          </p:cNvPr>
+          <p:cNvSpPr>
+            <a:spLocks noGrp="1"/>
+          </p:cNvSpPr>
+          <p:nvPr>
+            <p:ph idx="1"/>
+          </p:nvPr>
+        </p:nvSpPr>
+        <p:spPr/>
+        <p:txBody>
+          <a:bodyPr/>
+          <a:lstStyle/>
+          <a:p>
+            <a:pPr marL="0" indent="0">
+              <a:spcAft>
+                <a:spcPts val="600"/>
+              </a:spcAft>
+              <a:buClr>
+                <a:srgbClr val="007CAA"/>
+              </a:buClr>
+              <a:buSzPct val="100000"/>
+              <a:buNone/>
+            </a:pPr>
+            <a:endParaRPr lang="de-CH" dirty="0"/>
+          </a:p>
+          <a:p>
+            <a:pPr marL="0" indent="0">
+              <a:buNone/>
+            </a:pPr>
+            <a:endParaRPr lang="de-CH" dirty="0"/>
           </a:p>
         </p:txBody>
       </p:sp>
       <p:pic>
         <p:nvPicPr>
-          <p:cNvPr id="5" name="Inhaltsplatzhalter 4">
+          <p:cNvPr id="5" name="Grafik 4">
             <a:extLst>
               <a:ext uri="{FF2B5EF4-FFF2-40B4-BE49-F238E27FC236}">
-                <a16:creationId xmlns:a16="http://schemas.microsoft.com/office/drawing/2014/main" id="{BE849776-008B-4C9C-B7AF-B4C6CB2B6584}"/>
+                <a16:creationId xmlns:a16="http://schemas.microsoft.com/office/drawing/2014/main" id="{A4C53210-A79B-4C56-8674-B7E2CB2E5AC4}"/>
               </a:ext>
             </a:extLst>
           </p:cNvPr>
           <p:cNvPicPr>
-            <a:picLocks noGrp="1" noChangeAspect="1"/>
+            <a:picLocks noChangeAspect="1"/>
           </p:cNvPicPr>
-          <p:nvPr>
-            <p:ph idx="1"/>
-          </p:nvPr>
+          <p:nvPr/>
         </p:nvPicPr>
         <p:blipFill>
-          <a:blip r:embed="rId2">
+          <a:blip r:embed="rId3">
             <a:extLst>
               <a:ext uri="{28A0092B-C50C-407E-A947-70E740481C1C}">
                 <a14:useLocalDpi xmlns:a14="http://schemas.microsoft.com/office/drawing/2010/main" val="0"/>
@@ -3846,15 +6218,18 @@
         </p:blipFill>
         <p:spPr>
           <a:xfrm>
-            <a:off x="2238375" y="1619568"/>
-            <a:ext cx="7033161" cy="4847742"/>
+            <a:off x="4245063" y="2839916"/>
+            <a:ext cx="3346651" cy="1948229"/>
           </a:xfrm>
+          <a:prstGeom prst="rect">
+            <a:avLst/>
+          </a:prstGeom>
         </p:spPr>
       </p:pic>
     </p:spTree>
     <p:extLst>
       <p:ext uri="{BB962C8B-B14F-4D97-AF65-F5344CB8AC3E}">
-        <p14:creationId xmlns:p14="http://schemas.microsoft.com/office/powerpoint/2010/main" val="1553349631"/>
+        <p14:creationId xmlns:p14="http://schemas.microsoft.com/office/powerpoint/2010/main" val="4205371402"/>
       </p:ext>
     </p:extLst>
   </p:cSld>
@@ -3914,7 +6289,7 @@
                 <a:latin typeface="Arial" panose="020B0604020202020204" pitchFamily="34" charset="0"/>
                 <a:cs typeface="Arial" panose="020B0604020202020204" pitchFamily="34" charset="0"/>
               </a:rPr>
-              <a:t>Mathematische Anforderungen</a:t>
+              <a:t>Bedienungshilfe</a:t>
             </a:r>
           </a:p>
         </p:txBody>
@@ -3939,24 +6314,6 @@
         <p:txBody>
           <a:bodyPr/>
           <a:lstStyle/>
-          <a:p>
-            <a:r>
-              <a:rPr lang="de-CH" dirty="0"/>
-              <a:t>Mit Streuparameter S21 CM/DM äquivalente Schaltungen berechnen</a:t>
-            </a:r>
-          </a:p>
-          <a:p>
-            <a:r>
-              <a:rPr lang="de-CH" dirty="0"/>
-              <a:t>Berechnungen (Model) erweiterbar programmieren</a:t>
-            </a:r>
-          </a:p>
-          <a:p>
-            <a:r>
-              <a:rPr lang="de-CH" dirty="0"/>
-              <a:t>Berechnungen in Threads ausführen um «Lags» zu verhindern</a:t>
-            </a:r>
-          </a:p>
           <a:p>
             <a:pPr marL="0" indent="0">
               <a:spcAft>
@@ -3978,10 +6335,46 @@
           </a:p>
         </p:txBody>
       </p:sp>
+      <p:pic>
+        <p:nvPicPr>
+          <p:cNvPr id="5" name="Grafik 4">
+            <a:extLst>
+              <a:ext uri="{FF2B5EF4-FFF2-40B4-BE49-F238E27FC236}">
+                <a16:creationId xmlns:a16="http://schemas.microsoft.com/office/drawing/2014/main" id="{9386A5CB-1445-4866-B066-64207C6340F9}"/>
+              </a:ext>
+            </a:extLst>
+          </p:cNvPr>
+          <p:cNvPicPr>
+            <a:picLocks noChangeAspect="1"/>
+          </p:cNvPicPr>
+          <p:nvPr/>
+        </p:nvPicPr>
+        <p:blipFill>
+          <a:blip r:embed="rId3">
+            <a:extLst>
+              <a:ext uri="{28A0092B-C50C-407E-A947-70E740481C1C}">
+                <a14:useLocalDpi xmlns:a14="http://schemas.microsoft.com/office/drawing/2010/main" val="0"/>
+              </a:ext>
+            </a:extLst>
+          </a:blip>
+          <a:stretch>
+            <a:fillRect/>
+          </a:stretch>
+        </p:blipFill>
+        <p:spPr>
+          <a:xfrm>
+            <a:off x="3648808" y="2903617"/>
+            <a:ext cx="4605773" cy="1830308"/>
+          </a:xfrm>
+          <a:prstGeom prst="rect">
+            <a:avLst/>
+          </a:prstGeom>
+        </p:spPr>
+      </p:pic>
     </p:spTree>
     <p:extLst>
       <p:ext uri="{BB962C8B-B14F-4D97-AF65-F5344CB8AC3E}">
-        <p14:creationId xmlns:p14="http://schemas.microsoft.com/office/powerpoint/2010/main" val="2546100067"/>
+        <p14:creationId xmlns:p14="http://schemas.microsoft.com/office/powerpoint/2010/main" val="467456655"/>
       </p:ext>
     </p:extLst>
   </p:cSld>
@@ -4041,7 +6434,7 @@
                 <a:latin typeface="Arial" panose="020B0604020202020204" pitchFamily="34" charset="0"/>
                 <a:cs typeface="Arial" panose="020B0604020202020204" pitchFamily="34" charset="0"/>
               </a:rPr>
-              <a:t>Parametereingabe</a:t>
+              <a:t>Testkonzept</a:t>
             </a:r>
           </a:p>
         </p:txBody>
@@ -4087,46 +6480,10 @@
           </a:p>
         </p:txBody>
       </p:sp>
-      <p:pic>
-        <p:nvPicPr>
-          <p:cNvPr id="5" name="Grafik 4">
-            <a:extLst>
-              <a:ext uri="{FF2B5EF4-FFF2-40B4-BE49-F238E27FC236}">
-                <a16:creationId xmlns:a16="http://schemas.microsoft.com/office/drawing/2014/main" id="{3CA4D3E8-BC23-451D-85B5-64290764413C}"/>
-              </a:ext>
-            </a:extLst>
-          </p:cNvPr>
-          <p:cNvPicPr>
-            <a:picLocks noChangeAspect="1"/>
-          </p:cNvPicPr>
-          <p:nvPr/>
-        </p:nvPicPr>
-        <p:blipFill>
-          <a:blip r:embed="rId2">
-            <a:extLst>
-              <a:ext uri="{28A0092B-C50C-407E-A947-70E740481C1C}">
-                <a14:useLocalDpi xmlns:a14="http://schemas.microsoft.com/office/drawing/2010/main" val="0"/>
-              </a:ext>
-            </a:extLst>
-          </a:blip>
-          <a:stretch>
-            <a:fillRect/>
-          </a:stretch>
-        </p:blipFill>
-        <p:spPr>
-          <a:xfrm>
-            <a:off x="1104900" y="1825625"/>
-            <a:ext cx="9363075" cy="4402874"/>
-          </a:xfrm>
-          <a:prstGeom prst="rect">
-            <a:avLst/>
-          </a:prstGeom>
-        </p:spPr>
-      </p:pic>
     </p:spTree>
     <p:extLst>
       <p:ext uri="{BB962C8B-B14F-4D97-AF65-F5344CB8AC3E}">
-        <p14:creationId xmlns:p14="http://schemas.microsoft.com/office/powerpoint/2010/main" val="126549446"/>
+        <p14:creationId xmlns:p14="http://schemas.microsoft.com/office/powerpoint/2010/main" val="3081290772"/>
       </p:ext>
     </p:extLst>
   </p:cSld>
@@ -4158,7 +6515,7 @@
           <p:cNvPr id="2" name="Titel 1">
             <a:extLst>
               <a:ext uri="{FF2B5EF4-FFF2-40B4-BE49-F238E27FC236}">
-                <a16:creationId xmlns:a16="http://schemas.microsoft.com/office/drawing/2014/main" id="{0E077631-1EC1-4878-9FED-CB023DD13DE4}"/>
+                <a16:creationId xmlns:a16="http://schemas.microsoft.com/office/drawing/2014/main" id="{8CBBDB5F-B964-4458-8E0B-B425EEEA316B}"/>
               </a:ext>
             </a:extLst>
           </p:cNvPr>
@@ -4169,41 +6526,24 @@
             <p:ph type="title"/>
           </p:nvPr>
         </p:nvSpPr>
-        <p:spPr>
-          <a:xfrm>
-            <a:off x="838200" y="294005"/>
-            <a:ext cx="10515600" cy="1325563"/>
-          </a:xfrm>
-        </p:spPr>
-        <p:txBody>
-          <a:bodyPr>
-            <a:noAutofit/>
-          </a:bodyPr>
-          <a:lstStyle/>
-          <a:p>
-            <a:r>
-              <a:rPr lang="de-CH" dirty="0" err="1">
-                <a:latin typeface="Arial" panose="020B0604020202020204" pitchFamily="34" charset="0"/>
-                <a:cs typeface="Arial" panose="020B0604020202020204" pitchFamily="34" charset="0"/>
-              </a:rPr>
-              <a:t>Ploten</a:t>
-            </a:r>
-            <a:r>
-              <a:rPr lang="de-CH" dirty="0">
-                <a:latin typeface="Arial" panose="020B0604020202020204" pitchFamily="34" charset="0"/>
-                <a:cs typeface="Arial" panose="020B0604020202020204" pitchFamily="34" charset="0"/>
-              </a:rPr>
-              <a:t> der Berechnungen</a:t>
-            </a:r>
-          </a:p>
-        </p:txBody>
-      </p:sp>
-      <p:sp>
-        <p:nvSpPr>
-          <p:cNvPr id="3" name="Inhaltsplatzhalter 2">
+        <p:spPr/>
+        <p:txBody>
+          <a:bodyPr/>
+          <a:lstStyle/>
+          <a:p>
+            <a:r>
+              <a:rPr lang="de-CH" dirty="0"/>
+              <a:t>Fragen</a:t>
+            </a:r>
+          </a:p>
+        </p:txBody>
+      </p:sp>
+      <p:sp>
+        <p:nvSpPr>
+          <p:cNvPr id="6" name="Inhaltsplatzhalter 5">
             <a:extLst>
               <a:ext uri="{FF2B5EF4-FFF2-40B4-BE49-F238E27FC236}">
-                <a16:creationId xmlns:a16="http://schemas.microsoft.com/office/drawing/2014/main" id="{087CF7F0-1F3E-4360-83C5-C43A47374AC5}"/>
+                <a16:creationId xmlns:a16="http://schemas.microsoft.com/office/drawing/2014/main" id="{690A17AA-8380-485F-AD39-D21C570F8400}"/>
               </a:ext>
             </a:extLst>
           </p:cNvPr>
@@ -4219,504 +6559,14 @@
           <a:bodyPr/>
           <a:lstStyle/>
           <a:p>
-            <a:pPr marL="0" indent="0">
-              <a:spcAft>
-                <a:spcPts val="600"/>
-              </a:spcAft>
-              <a:buClr>
-                <a:srgbClr val="007CAA"/>
-              </a:buClr>
-              <a:buSzPct val="100000"/>
-              <a:buNone/>
-            </a:pPr>
-            <a:endParaRPr lang="de-CH" dirty="0"/>
-          </a:p>
-          <a:p>
-            <a:pPr marL="0" indent="0">
-              <a:buNone/>
-            </a:pPr>
-            <a:endParaRPr lang="de-CH" dirty="0"/>
-          </a:p>
-        </p:txBody>
-      </p:sp>
-      <p:pic>
-        <p:nvPicPr>
-          <p:cNvPr id="6" name="Grafik 5">
-            <a:extLst>
-              <a:ext uri="{FF2B5EF4-FFF2-40B4-BE49-F238E27FC236}">
-                <a16:creationId xmlns:a16="http://schemas.microsoft.com/office/drawing/2014/main" id="{ADF3D102-C5FE-41A7-832F-2D6EEE7AA7E5}"/>
-              </a:ext>
-            </a:extLst>
-          </p:cNvPr>
-          <p:cNvPicPr>
-            <a:picLocks noChangeAspect="1"/>
-          </p:cNvPicPr>
-          <p:nvPr/>
-        </p:nvPicPr>
-        <p:blipFill>
-          <a:blip r:embed="rId2">
-            <a:extLst>
-              <a:ext uri="{28A0092B-C50C-407E-A947-70E740481C1C}">
-                <a14:useLocalDpi xmlns:a14="http://schemas.microsoft.com/office/drawing/2010/main" val="0"/>
-              </a:ext>
-            </a:extLst>
-          </a:blip>
-          <a:stretch>
-            <a:fillRect/>
-          </a:stretch>
-        </p:blipFill>
-        <p:spPr>
-          <a:xfrm>
-            <a:off x="1363295" y="1888880"/>
-            <a:ext cx="9070243" cy="3903991"/>
-          </a:xfrm>
-          <a:prstGeom prst="rect">
-            <a:avLst/>
-          </a:prstGeom>
-        </p:spPr>
-      </p:pic>
-      <p:pic>
-        <p:nvPicPr>
-          <p:cNvPr id="8" name="Grafik 7">
-            <a:extLst>
-              <a:ext uri="{FF2B5EF4-FFF2-40B4-BE49-F238E27FC236}">
-                <a16:creationId xmlns:a16="http://schemas.microsoft.com/office/drawing/2014/main" id="{2E40BE8E-B4FC-43A9-942E-D54341D6CF00}"/>
-              </a:ext>
-            </a:extLst>
-          </p:cNvPr>
-          <p:cNvPicPr>
-            <a:picLocks noChangeAspect="1"/>
-          </p:cNvPicPr>
-          <p:nvPr/>
-        </p:nvPicPr>
-        <p:blipFill rotWithShape="1">
-          <a:blip r:embed="rId3">
-            <a:extLst>
-              <a:ext uri="{28A0092B-C50C-407E-A947-70E740481C1C}">
-                <a14:useLocalDpi xmlns:a14="http://schemas.microsoft.com/office/drawing/2010/main" val="0"/>
-              </a:ext>
-            </a:extLst>
-          </a:blip>
-          <a:srcRect l="54904" t="5062" r="3161" b="9773"/>
-          <a:stretch/>
-        </p:blipFill>
-        <p:spPr>
-          <a:xfrm>
-            <a:off x="4101611" y="2986167"/>
-            <a:ext cx="1296865" cy="2255228"/>
-          </a:xfrm>
-          <a:prstGeom prst="rect">
-            <a:avLst/>
-          </a:prstGeom>
-        </p:spPr>
-      </p:pic>
+            <a:endParaRPr lang="de-DE"/>
+          </a:p>
+        </p:txBody>
+      </p:sp>
     </p:spTree>
     <p:extLst>
       <p:ext uri="{BB962C8B-B14F-4D97-AF65-F5344CB8AC3E}">
-        <p14:creationId xmlns:p14="http://schemas.microsoft.com/office/powerpoint/2010/main" val="1059463329"/>
-      </p:ext>
-    </p:extLst>
-  </p:cSld>
-  <p:clrMapOvr>
-    <a:masterClrMapping/>
-  </p:clrMapOvr>
-</p:sld>
-</file>
-
-<file path=ppt/slides/slide17.xml><?xml version="1.0" encoding="utf-8"?>
-<p:sld xmlns:a="http://schemas.openxmlformats.org/drawingml/2006/main" xmlns:r="http://schemas.openxmlformats.org/officeDocument/2006/relationships" xmlns:p="http://schemas.openxmlformats.org/presentationml/2006/main">
-  <p:cSld>
-    <p:spTree>
-      <p:nvGrpSpPr>
-        <p:cNvPr id="1" name=""/>
-        <p:cNvGrpSpPr/>
-        <p:nvPr/>
-      </p:nvGrpSpPr>
-      <p:grpSpPr>
-        <a:xfrm>
-          <a:off x="0" y="0"/>
-          <a:ext cx="0" cy="0"/>
-          <a:chOff x="0" y="0"/>
-          <a:chExt cx="0" cy="0"/>
-        </a:xfrm>
-      </p:grpSpPr>
-      <p:sp>
-        <p:nvSpPr>
-          <p:cNvPr id="2" name="Titel 1">
-            <a:extLst>
-              <a:ext uri="{FF2B5EF4-FFF2-40B4-BE49-F238E27FC236}">
-                <a16:creationId xmlns:a16="http://schemas.microsoft.com/office/drawing/2014/main" id="{0E077631-1EC1-4878-9FED-CB023DD13DE4}"/>
-              </a:ext>
-            </a:extLst>
-          </p:cNvPr>
-          <p:cNvSpPr>
-            <a:spLocks noGrp="1"/>
-          </p:cNvSpPr>
-          <p:nvPr>
-            <p:ph type="title"/>
-          </p:nvPr>
-        </p:nvSpPr>
-        <p:spPr>
-          <a:xfrm>
-            <a:off x="838200" y="294005"/>
-            <a:ext cx="10515600" cy="1325563"/>
-          </a:xfrm>
-        </p:spPr>
-        <p:txBody>
-          <a:bodyPr>
-            <a:noAutofit/>
-          </a:bodyPr>
-          <a:lstStyle/>
-          <a:p>
-            <a:r>
-              <a:rPr lang="de-CH" dirty="0">
-                <a:latin typeface="Arial" panose="020B0604020202020204" pitchFamily="34" charset="0"/>
-                <a:cs typeface="Arial" panose="020B0604020202020204" pitchFamily="34" charset="0"/>
-              </a:rPr>
-              <a:t>Speicherverwaltung</a:t>
-            </a:r>
-          </a:p>
-        </p:txBody>
-      </p:sp>
-      <p:sp>
-        <p:nvSpPr>
-          <p:cNvPr id="3" name="Inhaltsplatzhalter 2">
-            <a:extLst>
-              <a:ext uri="{FF2B5EF4-FFF2-40B4-BE49-F238E27FC236}">
-                <a16:creationId xmlns:a16="http://schemas.microsoft.com/office/drawing/2014/main" id="{087CF7F0-1F3E-4360-83C5-C43A47374AC5}"/>
-              </a:ext>
-            </a:extLst>
-          </p:cNvPr>
-          <p:cNvSpPr>
-            <a:spLocks noGrp="1"/>
-          </p:cNvSpPr>
-          <p:nvPr>
-            <p:ph idx="1"/>
-          </p:nvPr>
-        </p:nvSpPr>
-        <p:spPr/>
-        <p:txBody>
-          <a:bodyPr/>
-          <a:lstStyle/>
-          <a:p>
-            <a:pPr marL="0" indent="0">
-              <a:spcAft>
-                <a:spcPts val="600"/>
-              </a:spcAft>
-              <a:buClr>
-                <a:srgbClr val="007CAA"/>
-              </a:buClr>
-              <a:buSzPct val="100000"/>
-              <a:buNone/>
-            </a:pPr>
-            <a:endParaRPr lang="de-CH" dirty="0"/>
-          </a:p>
-          <a:p>
-            <a:pPr marL="0" indent="0">
-              <a:buNone/>
-            </a:pPr>
-            <a:endParaRPr lang="de-CH" dirty="0"/>
-          </a:p>
-        </p:txBody>
-      </p:sp>
-      <p:pic>
-        <p:nvPicPr>
-          <p:cNvPr id="5" name="Grafik 4">
-            <a:extLst>
-              <a:ext uri="{FF2B5EF4-FFF2-40B4-BE49-F238E27FC236}">
-                <a16:creationId xmlns:a16="http://schemas.microsoft.com/office/drawing/2014/main" id="{A4C53210-A79B-4C56-8674-B7E2CB2E5AC4}"/>
-              </a:ext>
-            </a:extLst>
-          </p:cNvPr>
-          <p:cNvPicPr>
-            <a:picLocks noChangeAspect="1"/>
-          </p:cNvPicPr>
-          <p:nvPr/>
-        </p:nvPicPr>
-        <p:blipFill>
-          <a:blip r:embed="rId2">
-            <a:extLst>
-              <a:ext uri="{28A0092B-C50C-407E-A947-70E740481C1C}">
-                <a14:useLocalDpi xmlns:a14="http://schemas.microsoft.com/office/drawing/2010/main" val="0"/>
-              </a:ext>
-            </a:extLst>
-          </a:blip>
-          <a:stretch>
-            <a:fillRect/>
-          </a:stretch>
-        </p:blipFill>
-        <p:spPr>
-          <a:xfrm>
-            <a:off x="3428064" y="2530448"/>
-            <a:ext cx="4014181" cy="2336827"/>
-          </a:xfrm>
-          <a:prstGeom prst="rect">
-            <a:avLst/>
-          </a:prstGeom>
-        </p:spPr>
-      </p:pic>
-    </p:spTree>
-    <p:extLst>
-      <p:ext uri="{BB962C8B-B14F-4D97-AF65-F5344CB8AC3E}">
-        <p14:creationId xmlns:p14="http://schemas.microsoft.com/office/powerpoint/2010/main" val="4205371402"/>
-      </p:ext>
-    </p:extLst>
-  </p:cSld>
-  <p:clrMapOvr>
-    <a:masterClrMapping/>
-  </p:clrMapOvr>
-</p:sld>
-</file>
-
-<file path=ppt/slides/slide18.xml><?xml version="1.0" encoding="utf-8"?>
-<p:sld xmlns:a="http://schemas.openxmlformats.org/drawingml/2006/main" xmlns:r="http://schemas.openxmlformats.org/officeDocument/2006/relationships" xmlns:p="http://schemas.openxmlformats.org/presentationml/2006/main">
-  <p:cSld>
-    <p:spTree>
-      <p:nvGrpSpPr>
-        <p:cNvPr id="1" name=""/>
-        <p:cNvGrpSpPr/>
-        <p:nvPr/>
-      </p:nvGrpSpPr>
-      <p:grpSpPr>
-        <a:xfrm>
-          <a:off x="0" y="0"/>
-          <a:ext cx="0" cy="0"/>
-          <a:chOff x="0" y="0"/>
-          <a:chExt cx="0" cy="0"/>
-        </a:xfrm>
-      </p:grpSpPr>
-      <p:sp>
-        <p:nvSpPr>
-          <p:cNvPr id="2" name="Titel 1">
-            <a:extLst>
-              <a:ext uri="{FF2B5EF4-FFF2-40B4-BE49-F238E27FC236}">
-                <a16:creationId xmlns:a16="http://schemas.microsoft.com/office/drawing/2014/main" id="{0E077631-1EC1-4878-9FED-CB023DD13DE4}"/>
-              </a:ext>
-            </a:extLst>
-          </p:cNvPr>
-          <p:cNvSpPr>
-            <a:spLocks noGrp="1"/>
-          </p:cNvSpPr>
-          <p:nvPr>
-            <p:ph type="title"/>
-          </p:nvPr>
-        </p:nvSpPr>
-        <p:spPr>
-          <a:xfrm>
-            <a:off x="838200" y="294005"/>
-            <a:ext cx="10515600" cy="1325563"/>
-          </a:xfrm>
-        </p:spPr>
-        <p:txBody>
-          <a:bodyPr>
-            <a:noAutofit/>
-          </a:bodyPr>
-          <a:lstStyle/>
-          <a:p>
-            <a:r>
-              <a:rPr lang="de-CH" dirty="0" err="1">
-                <a:latin typeface="Arial" panose="020B0604020202020204" pitchFamily="34" charset="0"/>
-                <a:cs typeface="Arial" panose="020B0604020202020204" pitchFamily="34" charset="0"/>
-              </a:rPr>
-              <a:t>Bedinungshilfe</a:t>
-            </a:r>
-            <a:endParaRPr lang="de-CH" dirty="0">
-              <a:latin typeface="Arial" panose="020B0604020202020204" pitchFamily="34" charset="0"/>
-              <a:cs typeface="Arial" panose="020B0604020202020204" pitchFamily="34" charset="0"/>
-            </a:endParaRPr>
-          </a:p>
-        </p:txBody>
-      </p:sp>
-      <p:sp>
-        <p:nvSpPr>
-          <p:cNvPr id="3" name="Inhaltsplatzhalter 2">
-            <a:extLst>
-              <a:ext uri="{FF2B5EF4-FFF2-40B4-BE49-F238E27FC236}">
-                <a16:creationId xmlns:a16="http://schemas.microsoft.com/office/drawing/2014/main" id="{087CF7F0-1F3E-4360-83C5-C43A47374AC5}"/>
-              </a:ext>
-            </a:extLst>
-          </p:cNvPr>
-          <p:cNvSpPr>
-            <a:spLocks noGrp="1"/>
-          </p:cNvSpPr>
-          <p:nvPr>
-            <p:ph idx="1"/>
-          </p:nvPr>
-        </p:nvSpPr>
-        <p:spPr/>
-        <p:txBody>
-          <a:bodyPr/>
-          <a:lstStyle/>
-          <a:p>
-            <a:pPr marL="0" indent="0">
-              <a:spcAft>
-                <a:spcPts val="600"/>
-              </a:spcAft>
-              <a:buClr>
-                <a:srgbClr val="007CAA"/>
-              </a:buClr>
-              <a:buSzPct val="100000"/>
-              <a:buNone/>
-            </a:pPr>
-            <a:endParaRPr lang="de-CH" dirty="0"/>
-          </a:p>
-          <a:p>
-            <a:pPr marL="0" indent="0">
-              <a:buNone/>
-            </a:pPr>
-            <a:endParaRPr lang="de-CH" dirty="0"/>
-          </a:p>
-        </p:txBody>
-      </p:sp>
-      <p:pic>
-        <p:nvPicPr>
-          <p:cNvPr id="5" name="Grafik 4">
-            <a:extLst>
-              <a:ext uri="{FF2B5EF4-FFF2-40B4-BE49-F238E27FC236}">
-                <a16:creationId xmlns:a16="http://schemas.microsoft.com/office/drawing/2014/main" id="{9386A5CB-1445-4866-B066-64207C6340F9}"/>
-              </a:ext>
-            </a:extLst>
-          </p:cNvPr>
-          <p:cNvPicPr>
-            <a:picLocks noChangeAspect="1"/>
-          </p:cNvPicPr>
-          <p:nvPr/>
-        </p:nvPicPr>
-        <p:blipFill>
-          <a:blip r:embed="rId2">
-            <a:extLst>
-              <a:ext uri="{28A0092B-C50C-407E-A947-70E740481C1C}">
-                <a14:useLocalDpi xmlns:a14="http://schemas.microsoft.com/office/drawing/2010/main" val="0"/>
-              </a:ext>
-            </a:extLst>
-          </a:blip>
-          <a:stretch>
-            <a:fillRect/>
-          </a:stretch>
-        </p:blipFill>
-        <p:spPr>
-          <a:xfrm>
-            <a:off x="3444824" y="2822555"/>
-            <a:ext cx="4809757" cy="1911370"/>
-          </a:xfrm>
-          <a:prstGeom prst="rect">
-            <a:avLst/>
-          </a:prstGeom>
-        </p:spPr>
-      </p:pic>
-    </p:spTree>
-    <p:extLst>
-      <p:ext uri="{BB962C8B-B14F-4D97-AF65-F5344CB8AC3E}">
-        <p14:creationId xmlns:p14="http://schemas.microsoft.com/office/powerpoint/2010/main" val="467456655"/>
-      </p:ext>
-    </p:extLst>
-  </p:cSld>
-  <p:clrMapOvr>
-    <a:masterClrMapping/>
-  </p:clrMapOvr>
-</p:sld>
-</file>
-
-<file path=ppt/slides/slide19.xml><?xml version="1.0" encoding="utf-8"?>
-<p:sld xmlns:a="http://schemas.openxmlformats.org/drawingml/2006/main" xmlns:r="http://schemas.openxmlformats.org/officeDocument/2006/relationships" xmlns:p="http://schemas.openxmlformats.org/presentationml/2006/main">
-  <p:cSld>
-    <p:spTree>
-      <p:nvGrpSpPr>
-        <p:cNvPr id="1" name=""/>
-        <p:cNvGrpSpPr/>
-        <p:nvPr/>
-      </p:nvGrpSpPr>
-      <p:grpSpPr>
-        <a:xfrm>
-          <a:off x="0" y="0"/>
-          <a:ext cx="0" cy="0"/>
-          <a:chOff x="0" y="0"/>
-          <a:chExt cx="0" cy="0"/>
-        </a:xfrm>
-      </p:grpSpPr>
-      <p:sp>
-        <p:nvSpPr>
-          <p:cNvPr id="2" name="Titel 1">
-            <a:extLst>
-              <a:ext uri="{FF2B5EF4-FFF2-40B4-BE49-F238E27FC236}">
-                <a16:creationId xmlns:a16="http://schemas.microsoft.com/office/drawing/2014/main" id="{0E077631-1EC1-4878-9FED-CB023DD13DE4}"/>
-              </a:ext>
-            </a:extLst>
-          </p:cNvPr>
-          <p:cNvSpPr>
-            <a:spLocks noGrp="1"/>
-          </p:cNvSpPr>
-          <p:nvPr>
-            <p:ph type="title"/>
-          </p:nvPr>
-        </p:nvSpPr>
-        <p:spPr>
-          <a:xfrm>
-            <a:off x="838200" y="294005"/>
-            <a:ext cx="10515600" cy="1325563"/>
-          </a:xfrm>
-        </p:spPr>
-        <p:txBody>
-          <a:bodyPr>
-            <a:noAutofit/>
-          </a:bodyPr>
-          <a:lstStyle/>
-          <a:p>
-            <a:r>
-              <a:rPr lang="de-CH" dirty="0">
-                <a:latin typeface="Arial" panose="020B0604020202020204" pitchFamily="34" charset="0"/>
-                <a:cs typeface="Arial" panose="020B0604020202020204" pitchFamily="34" charset="0"/>
-              </a:rPr>
-              <a:t>Testkonzept</a:t>
-            </a:r>
-          </a:p>
-        </p:txBody>
-      </p:sp>
-      <p:sp>
-        <p:nvSpPr>
-          <p:cNvPr id="3" name="Inhaltsplatzhalter 2">
-            <a:extLst>
-              <a:ext uri="{FF2B5EF4-FFF2-40B4-BE49-F238E27FC236}">
-                <a16:creationId xmlns:a16="http://schemas.microsoft.com/office/drawing/2014/main" id="{087CF7F0-1F3E-4360-83C5-C43A47374AC5}"/>
-              </a:ext>
-            </a:extLst>
-          </p:cNvPr>
-          <p:cNvSpPr>
-            <a:spLocks noGrp="1"/>
-          </p:cNvSpPr>
-          <p:nvPr>
-            <p:ph idx="1"/>
-          </p:nvPr>
-        </p:nvSpPr>
-        <p:spPr/>
-        <p:txBody>
-          <a:bodyPr/>
-          <a:lstStyle/>
-          <a:p>
-            <a:pPr marL="0" indent="0">
-              <a:spcAft>
-                <a:spcPts val="600"/>
-              </a:spcAft>
-              <a:buClr>
-                <a:srgbClr val="007CAA"/>
-              </a:buClr>
-              <a:buSzPct val="100000"/>
-              <a:buNone/>
-            </a:pPr>
-            <a:endParaRPr lang="de-CH" dirty="0"/>
-          </a:p>
-          <a:p>
-            <a:pPr marL="0" indent="0">
-              <a:buNone/>
-            </a:pPr>
-            <a:endParaRPr lang="de-CH" dirty="0"/>
-          </a:p>
-        </p:txBody>
-      </p:sp>
-    </p:spTree>
-    <p:extLst>
-      <p:ext uri="{BB962C8B-B14F-4D97-AF65-F5344CB8AC3E}">
-        <p14:creationId xmlns:p14="http://schemas.microsoft.com/office/powerpoint/2010/main" val="3081290772"/>
+        <p14:creationId xmlns:p14="http://schemas.microsoft.com/office/powerpoint/2010/main" val="3919693850"/>
       </p:ext>
     </p:extLst>
   </p:cSld>
@@ -4810,7 +6660,7 @@
           <a:p>
             <a:r>
               <a:rPr lang="de-CH" dirty="0"/>
-              <a:t>Organisation</a:t>
+              <a:t>Teamaufbau</a:t>
             </a:r>
           </a:p>
           <a:p>
@@ -4994,7 +6844,7 @@
           <a:p>
             <a:r>
               <a:rPr lang="de-CH" dirty="0"/>
-              <a:t>Organisation</a:t>
+              <a:t>Teamaufbau</a:t>
             </a:r>
           </a:p>
         </p:txBody>
@@ -5023,33 +6873,6 @@
             <a:pPr marL="0" indent="0">
               <a:buNone/>
             </a:pPr>
-            <a:r>
-              <a:rPr lang="de-CH" dirty="0"/>
-              <a:t>Teamaufteilung</a:t>
-            </a:r>
-          </a:p>
-          <a:p>
-            <a:pPr marL="0" indent="0">
-              <a:buNone/>
-            </a:pPr>
-            <a:r>
-              <a:rPr lang="de-CH" dirty="0"/>
-              <a:t>Organisation der Teamarbeit</a:t>
-            </a:r>
-          </a:p>
-          <a:p>
-            <a:pPr marL="0" indent="0">
-              <a:buNone/>
-            </a:pPr>
-            <a:r>
-              <a:rPr lang="de-CH" dirty="0"/>
-              <a:t>Terminplan (Meilensteine)</a:t>
-            </a:r>
-          </a:p>
-          <a:p>
-            <a:pPr marL="0" indent="0">
-              <a:buNone/>
-            </a:pPr>
             <a:endParaRPr lang="de-CH" dirty="0"/>
           </a:p>
         </p:txBody>
@@ -5057,7 +6880,7 @@
     </p:spTree>
     <p:extLst>
       <p:ext uri="{BB962C8B-B14F-4D97-AF65-F5344CB8AC3E}">
-        <p14:creationId xmlns:p14="http://schemas.microsoft.com/office/powerpoint/2010/main" val="1820622921"/>
+        <p14:creationId xmlns:p14="http://schemas.microsoft.com/office/powerpoint/2010/main" val="879266066"/>
       </p:ext>
     </p:extLst>
   </p:cSld>
@@ -5068,232 +6891,7 @@
 </file>
 
 <file path=ppt/slides/slide5.xml><?xml version="1.0" encoding="utf-8"?>
-<p:sld xmlns:a="http://schemas.openxmlformats.org/drawingml/2006/main" xmlns:r="http://schemas.openxmlformats.org/officeDocument/2006/relationships" xmlns:p="http://schemas.openxmlformats.org/presentationml/2006/main">
-  <p:cSld>
-    <p:bg>
-      <p:bgPr>
-        <a:gradFill flip="none" rotWithShape="1">
-          <a:gsLst>
-            <a:gs pos="24000">
-              <a:srgbClr val="EEDD14"/>
-            </a:gs>
-            <a:gs pos="6000">
-              <a:schemeClr val="bg1"/>
-            </a:gs>
-          </a:gsLst>
-          <a:lin ang="16200000" scaled="1"/>
-          <a:tileRect/>
-        </a:gradFill>
-        <a:effectLst/>
-      </p:bgPr>
-    </p:bg>
-    <p:spTree>
-      <p:nvGrpSpPr>
-        <p:cNvPr id="1" name=""/>
-        <p:cNvGrpSpPr/>
-        <p:nvPr/>
-      </p:nvGrpSpPr>
-      <p:grpSpPr>
-        <a:xfrm>
-          <a:off x="0" y="0"/>
-          <a:ext cx="0" cy="0"/>
-          <a:chOff x="0" y="0"/>
-          <a:chExt cx="0" cy="0"/>
-        </a:xfrm>
-      </p:grpSpPr>
-      <p:pic>
-        <p:nvPicPr>
-          <p:cNvPr id="5" name="Grafik 4">
-            <a:extLst>
-              <a:ext uri="{FF2B5EF4-FFF2-40B4-BE49-F238E27FC236}">
-                <a16:creationId xmlns:a16="http://schemas.microsoft.com/office/drawing/2014/main" id="{71C8358A-5E76-45DD-8C56-B371D5A828FA}"/>
-              </a:ext>
-            </a:extLst>
-          </p:cNvPr>
-          <p:cNvPicPr>
-            <a:picLocks noChangeAspect="1"/>
-          </p:cNvPicPr>
-          <p:nvPr/>
-        </p:nvPicPr>
-        <p:blipFill>
-          <a:blip r:embed="rId2">
-            <a:extLst>
-              <a:ext uri="{28A0092B-C50C-407E-A947-70E740481C1C}">
-                <a14:useLocalDpi xmlns:a14="http://schemas.microsoft.com/office/drawing/2010/main" val="0"/>
-              </a:ext>
-            </a:extLst>
-          </a:blip>
-          <a:stretch>
-            <a:fillRect/>
-          </a:stretch>
-        </p:blipFill>
-        <p:spPr>
-          <a:xfrm>
-            <a:off x="0" y="1213000"/>
-            <a:ext cx="12192000" cy="4432000"/>
-          </a:xfrm>
-          <a:prstGeom prst="rect">
-            <a:avLst/>
-          </a:prstGeom>
-        </p:spPr>
-      </p:pic>
-      <p:sp>
-        <p:nvSpPr>
-          <p:cNvPr id="6" name="Textfeld 5">
-            <a:extLst>
-              <a:ext uri="{FF2B5EF4-FFF2-40B4-BE49-F238E27FC236}">
-                <a16:creationId xmlns:a16="http://schemas.microsoft.com/office/drawing/2014/main" id="{33539866-315F-4353-A5A0-3616BB628E43}"/>
-              </a:ext>
-            </a:extLst>
-          </p:cNvPr>
-          <p:cNvSpPr txBox="1"/>
-          <p:nvPr/>
-        </p:nvSpPr>
-        <p:spPr>
-          <a:xfrm>
-            <a:off x="0" y="33771"/>
-            <a:ext cx="10955382" cy="1015663"/>
-          </a:xfrm>
-          <a:prstGeom prst="rect">
-            <a:avLst/>
-          </a:prstGeom>
-          <a:noFill/>
-        </p:spPr>
-        <p:txBody>
-          <a:bodyPr wrap="square" rtlCol="0">
-            <a:spAutoFit/>
-          </a:bodyPr>
-          <a:lstStyle/>
-          <a:p>
-            <a:r>
-              <a:rPr lang="de-CH" sz="6000" dirty="0"/>
-              <a:t>Organigramm</a:t>
-            </a:r>
-          </a:p>
-        </p:txBody>
-      </p:sp>
-    </p:spTree>
-    <p:extLst>
-      <p:ext uri="{BB962C8B-B14F-4D97-AF65-F5344CB8AC3E}">
-        <p14:creationId xmlns:p14="http://schemas.microsoft.com/office/powerpoint/2010/main" val="1211872745"/>
-      </p:ext>
-    </p:extLst>
-  </p:cSld>
-  <p:clrMapOvr>
-    <a:masterClrMapping/>
-  </p:clrMapOvr>
-</p:sld>
-</file>
-
-<file path=ppt/slides/slide6.xml><?xml version="1.0" encoding="utf-8"?>
-<p:sld xmlns:a="http://schemas.openxmlformats.org/drawingml/2006/main" xmlns:r="http://schemas.openxmlformats.org/officeDocument/2006/relationships" xmlns:p="http://schemas.openxmlformats.org/presentationml/2006/main">
-  <p:cSld>
-    <p:spTree>
-      <p:nvGrpSpPr>
-        <p:cNvPr id="1" name=""/>
-        <p:cNvGrpSpPr/>
-        <p:nvPr/>
-      </p:nvGrpSpPr>
-      <p:grpSpPr>
-        <a:xfrm>
-          <a:off x="0" y="0"/>
-          <a:ext cx="0" cy="0"/>
-          <a:chOff x="0" y="0"/>
-          <a:chExt cx="0" cy="0"/>
-        </a:xfrm>
-      </p:grpSpPr>
-      <p:sp>
-        <p:nvSpPr>
-          <p:cNvPr id="2" name="Titel 1">
-            <a:extLst>
-              <a:ext uri="{FF2B5EF4-FFF2-40B4-BE49-F238E27FC236}">
-                <a16:creationId xmlns:a16="http://schemas.microsoft.com/office/drawing/2014/main" id="{4C6E9AF3-06BD-4DB5-83D8-A9B9B2533B5F}"/>
-              </a:ext>
-            </a:extLst>
-          </p:cNvPr>
-          <p:cNvSpPr>
-            <a:spLocks noGrp="1"/>
-          </p:cNvSpPr>
-          <p:nvPr>
-            <p:ph type="title"/>
-          </p:nvPr>
-        </p:nvSpPr>
-        <p:spPr/>
-        <p:txBody>
-          <a:bodyPr/>
-          <a:lstStyle/>
-          <a:p>
-            <a:r>
-              <a:rPr lang="de-CH" dirty="0"/>
-              <a:t>Software</a:t>
-            </a:r>
-          </a:p>
-        </p:txBody>
-      </p:sp>
-      <p:sp>
-        <p:nvSpPr>
-          <p:cNvPr id="3" name="Inhaltsplatzhalter 2">
-            <a:extLst>
-              <a:ext uri="{FF2B5EF4-FFF2-40B4-BE49-F238E27FC236}">
-                <a16:creationId xmlns:a16="http://schemas.microsoft.com/office/drawing/2014/main" id="{07BF12CA-C715-4DE7-A2E5-236685DDBCFD}"/>
-              </a:ext>
-            </a:extLst>
-          </p:cNvPr>
-          <p:cNvSpPr>
-            <a:spLocks noGrp="1"/>
-          </p:cNvSpPr>
-          <p:nvPr>
-            <p:ph idx="1"/>
-          </p:nvPr>
-        </p:nvSpPr>
-        <p:spPr/>
-        <p:txBody>
-          <a:bodyPr/>
-          <a:lstStyle/>
-          <a:p>
-            <a:r>
-              <a:rPr lang="de-CH" dirty="0"/>
-              <a:t>Vorstellung des Konzepts</a:t>
-            </a:r>
-          </a:p>
-          <a:p>
-            <a:r>
-              <a:rPr lang="de-CH" dirty="0"/>
-              <a:t>Funktionen der Software</a:t>
-            </a:r>
-          </a:p>
-          <a:p>
-            <a:r>
-              <a:rPr lang="de-CH" dirty="0"/>
-              <a:t>Der aktuelle Stand (GUI zeigen)</a:t>
-            </a:r>
-          </a:p>
-          <a:p>
-            <a:pPr marL="0" indent="0">
-              <a:buNone/>
-            </a:pPr>
-            <a:endParaRPr lang="de-CH" dirty="0"/>
-          </a:p>
-          <a:p>
-            <a:endParaRPr lang="de-CH" dirty="0"/>
-          </a:p>
-        </p:txBody>
-      </p:sp>
-    </p:spTree>
-    <p:extLst>
-      <p:ext uri="{BB962C8B-B14F-4D97-AF65-F5344CB8AC3E}">
-        <p14:creationId xmlns:p14="http://schemas.microsoft.com/office/powerpoint/2010/main" val="3505559765"/>
-      </p:ext>
-    </p:extLst>
-  </p:cSld>
-  <p:clrMapOvr>
-    <a:masterClrMapping/>
-  </p:clrMapOvr>
-</p:sld>
-</file>
-
-<file path=ppt/slides/slide7.xml><?xml version="1.0" encoding="utf-8"?>
-<p:sld xmlns:a="http://schemas.openxmlformats.org/drawingml/2006/main" xmlns:r="http://schemas.openxmlformats.org/officeDocument/2006/relationships" xmlns:p="http://schemas.openxmlformats.org/presentationml/2006/main">
+<p:sld xmlns:a="http://schemas.openxmlformats.org/drawingml/2006/main" xmlns:r="http://schemas.openxmlformats.org/officeDocument/2006/relationships" xmlns:p="http://schemas.openxmlformats.org/presentationml/2006/main" show="0">
   <p:cSld>
     <p:spTree>
       <p:nvGrpSpPr>
@@ -5383,8 +6981,8 @@
 </p:sld>
 </file>
 
-<file path=ppt/slides/slide8.xml><?xml version="1.0" encoding="utf-8"?>
-<p:sld xmlns:a="http://schemas.openxmlformats.org/drawingml/2006/main" xmlns:r="http://schemas.openxmlformats.org/officeDocument/2006/relationships" xmlns:p="http://schemas.openxmlformats.org/presentationml/2006/main">
+<file path=ppt/slides/slide6.xml><?xml version="1.0" encoding="utf-8"?>
+<p:sld xmlns:a="http://schemas.openxmlformats.org/drawingml/2006/main" xmlns:r="http://schemas.openxmlformats.org/officeDocument/2006/relationships" xmlns:p="http://schemas.openxmlformats.org/presentationml/2006/main" show="0">
   <p:cSld>
     <p:spTree>
       <p:nvGrpSpPr>
@@ -5555,8 +7153,8 @@
 </p:sld>
 </file>
 
-<file path=ppt/slides/slide9.xml><?xml version="1.0" encoding="utf-8"?>
-<p:sld xmlns:a="http://schemas.openxmlformats.org/drawingml/2006/main" xmlns:r="http://schemas.openxmlformats.org/officeDocument/2006/relationships" xmlns:p="http://schemas.openxmlformats.org/presentationml/2006/main">
+<file path=ppt/slides/slide7.xml><?xml version="1.0" encoding="utf-8"?>
+<p:sld xmlns:a="http://schemas.openxmlformats.org/drawingml/2006/main" xmlns:r="http://schemas.openxmlformats.org/officeDocument/2006/relationships" xmlns:p="http://schemas.openxmlformats.org/presentationml/2006/main" show="0">
   <p:cSld>
     <p:spTree>
       <p:nvGrpSpPr>
@@ -5727,7 +7325,496 @@
 </p:sld>
 </file>
 
+<file path=ppt/slides/slide8.xml><?xml version="1.0" encoding="utf-8"?>
+<p:sld xmlns:a="http://schemas.openxmlformats.org/drawingml/2006/main" xmlns:r="http://schemas.openxmlformats.org/officeDocument/2006/relationships" xmlns:p="http://schemas.openxmlformats.org/presentationml/2006/main">
+  <p:cSld>
+    <p:spTree>
+      <p:nvGrpSpPr>
+        <p:cNvPr id="1" name=""/>
+        <p:cNvGrpSpPr/>
+        <p:nvPr/>
+      </p:nvGrpSpPr>
+      <p:grpSpPr>
+        <a:xfrm>
+          <a:off x="0" y="0"/>
+          <a:ext cx="0" cy="0"/>
+          <a:chOff x="0" y="0"/>
+          <a:chExt cx="0" cy="0"/>
+        </a:xfrm>
+      </p:grpSpPr>
+      <p:sp>
+        <p:nvSpPr>
+          <p:cNvPr id="2" name="Titel 1">
+            <a:extLst>
+              <a:ext uri="{FF2B5EF4-FFF2-40B4-BE49-F238E27FC236}">
+                <a16:creationId xmlns:a16="http://schemas.microsoft.com/office/drawing/2014/main" id="{0E077631-1EC1-4878-9FED-CB023DD13DE4}"/>
+              </a:ext>
+            </a:extLst>
+          </p:cNvPr>
+          <p:cNvSpPr>
+            <a:spLocks noGrp="1"/>
+          </p:cNvSpPr>
+          <p:nvPr>
+            <p:ph type="title"/>
+          </p:nvPr>
+        </p:nvSpPr>
+        <p:spPr>
+          <a:xfrm>
+            <a:off x="838200" y="294005"/>
+            <a:ext cx="10515600" cy="1325563"/>
+          </a:xfrm>
+        </p:spPr>
+        <p:txBody>
+          <a:bodyPr>
+            <a:normAutofit/>
+          </a:bodyPr>
+          <a:lstStyle/>
+          <a:p>
+            <a:r>
+              <a:rPr lang="de-CH" dirty="0">
+                <a:latin typeface="Arial" panose="020B0604020202020204" pitchFamily="34" charset="0"/>
+                <a:cs typeface="Arial" panose="020B0604020202020204" pitchFamily="34" charset="0"/>
+              </a:rPr>
+              <a:t>Softwarekonzept</a:t>
+            </a:r>
+          </a:p>
+        </p:txBody>
+      </p:sp>
+      <p:pic>
+        <p:nvPicPr>
+          <p:cNvPr id="7" name="Inhaltsplatzhalter 6">
+            <a:extLst>
+              <a:ext uri="{FF2B5EF4-FFF2-40B4-BE49-F238E27FC236}">
+                <a16:creationId xmlns:a16="http://schemas.microsoft.com/office/drawing/2014/main" id="{FC6ADAD1-A022-445C-8AD2-7C3B4FF29E41}"/>
+              </a:ext>
+            </a:extLst>
+          </p:cNvPr>
+          <p:cNvPicPr>
+            <a:picLocks noGrp="1" noChangeAspect="1"/>
+          </p:cNvPicPr>
+          <p:nvPr>
+            <p:ph idx="1"/>
+          </p:nvPr>
+        </p:nvPicPr>
+        <p:blipFill>
+          <a:blip r:embed="rId3">
+            <a:extLst>
+              <a:ext uri="{28A0092B-C50C-407E-A947-70E740481C1C}">
+                <a14:useLocalDpi xmlns:a14="http://schemas.microsoft.com/office/drawing/2010/main" val="0"/>
+              </a:ext>
+            </a:extLst>
+          </a:blip>
+          <a:stretch>
+            <a:fillRect/>
+          </a:stretch>
+        </p:blipFill>
+        <p:spPr>
+          <a:xfrm>
+            <a:off x="2971944" y="1916722"/>
+            <a:ext cx="5579884" cy="4255477"/>
+          </a:xfrm>
+        </p:spPr>
+      </p:pic>
+    </p:spTree>
+    <p:extLst>
+      <p:ext uri="{BB962C8B-B14F-4D97-AF65-F5344CB8AC3E}">
+        <p14:creationId xmlns:p14="http://schemas.microsoft.com/office/powerpoint/2010/main" val="3701219265"/>
+      </p:ext>
+    </p:extLst>
+  </p:cSld>
+  <p:clrMapOvr>
+    <a:masterClrMapping/>
+  </p:clrMapOvr>
+</p:sld>
+</file>
+
+<file path=ppt/slides/slide9.xml><?xml version="1.0" encoding="utf-8"?>
+<p:sld xmlns:a="http://schemas.openxmlformats.org/drawingml/2006/main" xmlns:r="http://schemas.openxmlformats.org/officeDocument/2006/relationships" xmlns:p="http://schemas.openxmlformats.org/presentationml/2006/main">
+  <p:cSld>
+    <p:spTree>
+      <p:nvGrpSpPr>
+        <p:cNvPr id="1" name=""/>
+        <p:cNvGrpSpPr/>
+        <p:nvPr/>
+      </p:nvGrpSpPr>
+      <p:grpSpPr>
+        <a:xfrm>
+          <a:off x="0" y="0"/>
+          <a:ext cx="0" cy="0"/>
+          <a:chOff x="0" y="0"/>
+          <a:chExt cx="0" cy="0"/>
+        </a:xfrm>
+      </p:grpSpPr>
+      <p:sp>
+        <p:nvSpPr>
+          <p:cNvPr id="2" name="Titel 1">
+            <a:extLst>
+              <a:ext uri="{FF2B5EF4-FFF2-40B4-BE49-F238E27FC236}">
+                <a16:creationId xmlns:a16="http://schemas.microsoft.com/office/drawing/2014/main" id="{0E077631-1EC1-4878-9FED-CB023DD13DE4}"/>
+              </a:ext>
+            </a:extLst>
+          </p:cNvPr>
+          <p:cNvSpPr>
+            <a:spLocks noGrp="1"/>
+          </p:cNvSpPr>
+          <p:nvPr>
+            <p:ph type="title"/>
+          </p:nvPr>
+        </p:nvSpPr>
+        <p:spPr>
+          <a:xfrm>
+            <a:off x="838200" y="294005"/>
+            <a:ext cx="10515600" cy="1325563"/>
+          </a:xfrm>
+        </p:spPr>
+        <p:txBody>
+          <a:bodyPr>
+            <a:normAutofit/>
+          </a:bodyPr>
+          <a:lstStyle/>
+          <a:p>
+            <a:r>
+              <a:rPr lang="de-CH" dirty="0">
+                <a:latin typeface="Arial" panose="020B0604020202020204" pitchFamily="34" charset="0"/>
+                <a:cs typeface="Arial" panose="020B0604020202020204" pitchFamily="34" charset="0"/>
+              </a:rPr>
+              <a:t>Softwarestruktur</a:t>
+            </a:r>
+          </a:p>
+        </p:txBody>
+      </p:sp>
+      <p:pic>
+        <p:nvPicPr>
+          <p:cNvPr id="5" name="Inhaltsplatzhalter 4">
+            <a:extLst>
+              <a:ext uri="{FF2B5EF4-FFF2-40B4-BE49-F238E27FC236}">
+                <a16:creationId xmlns:a16="http://schemas.microsoft.com/office/drawing/2014/main" id="{BE849776-008B-4C9C-B7AF-B4C6CB2B6584}"/>
+              </a:ext>
+            </a:extLst>
+          </p:cNvPr>
+          <p:cNvPicPr>
+            <a:picLocks noGrp="1" noChangeAspect="1"/>
+          </p:cNvPicPr>
+          <p:nvPr>
+            <p:ph idx="1"/>
+          </p:nvPr>
+        </p:nvPicPr>
+        <p:blipFill>
+          <a:blip r:embed="rId3">
+            <a:extLst>
+              <a:ext uri="{28A0092B-C50C-407E-A947-70E740481C1C}">
+                <a14:useLocalDpi xmlns:a14="http://schemas.microsoft.com/office/drawing/2010/main" val="0"/>
+              </a:ext>
+            </a:extLst>
+          </a:blip>
+          <a:stretch>
+            <a:fillRect/>
+          </a:stretch>
+        </p:blipFill>
+        <p:spPr>
+          <a:xfrm>
+            <a:off x="2798924" y="1872761"/>
+            <a:ext cx="6270389" cy="4321987"/>
+          </a:xfrm>
+        </p:spPr>
+      </p:pic>
+    </p:spTree>
+    <p:extLst>
+      <p:ext uri="{BB962C8B-B14F-4D97-AF65-F5344CB8AC3E}">
+        <p14:creationId xmlns:p14="http://schemas.microsoft.com/office/powerpoint/2010/main" val="1553349631"/>
+      </p:ext>
+    </p:extLst>
+  </p:cSld>
+  <p:clrMapOvr>
+    <a:masterClrMapping/>
+  </p:clrMapOvr>
+</p:sld>
+</file>
+
 <file path=ppt/theme/theme1.xml><?xml version="1.0" encoding="utf-8"?>
+<a:theme xmlns:a="http://schemas.openxmlformats.org/drawingml/2006/main" name="Rückblick">
+  <a:themeElements>
+    <a:clrScheme name="Rückblick">
+      <a:dk1>
+        <a:srgbClr val="000000"/>
+      </a:dk1>
+      <a:lt1>
+        <a:sysClr val="window" lastClr="FFFFFF"/>
+      </a:lt1>
+      <a:dk2>
+        <a:srgbClr val="637052"/>
+      </a:dk2>
+      <a:lt2>
+        <a:srgbClr val="CCDDEA"/>
+      </a:lt2>
+      <a:accent1>
+        <a:srgbClr val="E48312"/>
+      </a:accent1>
+      <a:accent2>
+        <a:srgbClr val="BD582C"/>
+      </a:accent2>
+      <a:accent3>
+        <a:srgbClr val="865640"/>
+      </a:accent3>
+      <a:accent4>
+        <a:srgbClr val="9B8357"/>
+      </a:accent4>
+      <a:accent5>
+        <a:srgbClr val="C2BC80"/>
+      </a:accent5>
+      <a:accent6>
+        <a:srgbClr val="94A088"/>
+      </a:accent6>
+      <a:hlink>
+        <a:srgbClr val="2998E3"/>
+      </a:hlink>
+      <a:folHlink>
+        <a:srgbClr val="8C8C8C"/>
+      </a:folHlink>
+    </a:clrScheme>
+    <a:fontScheme name="Rückblick">
+      <a:majorFont>
+        <a:latin typeface="Calibri Light" panose="020F0302020204030204"/>
+        <a:ea typeface=""/>
+        <a:cs typeface=""/>
+        <a:font script="Jpan" typeface="ＭＳ Ｐゴシック"/>
+        <a:font script="Hang" typeface="맑은 고딕"/>
+        <a:font script="Hans" typeface="宋体"/>
+        <a:font script="Hant" typeface="新細明體"/>
+        <a:font script="Arab" typeface="Times New Roman"/>
+        <a:font script="Hebr" typeface="Times New Roman"/>
+        <a:font script="Thai" typeface="Angsana New"/>
+        <a:font script="Ethi" typeface="Nyala"/>
+        <a:font script="Beng" typeface="Vrinda"/>
+        <a:font script="Gujr" typeface="Shruti"/>
+        <a:font script="Khmr" typeface="MoolBoran"/>
+        <a:font script="Knda" typeface="Tunga"/>
+        <a:font script="Guru" typeface="Raavi"/>
+        <a:font script="Cans" typeface="Euphemia"/>
+        <a:font script="Cher" typeface="Plantagenet Cherokee"/>
+        <a:font script="Yiii" typeface="Microsoft Yi Baiti"/>
+        <a:font script="Tibt" typeface="Microsoft Himalaya"/>
+        <a:font script="Thaa" typeface="MV Boli"/>
+        <a:font script="Deva" typeface="Mangal"/>
+        <a:font script="Telu" typeface="Gautami"/>
+        <a:font script="Taml" typeface="Latha"/>
+        <a:font script="Syrc" typeface="Estrangelo Edessa"/>
+        <a:font script="Orya" typeface="Kalinga"/>
+        <a:font script="Mlym" typeface="Kartika"/>
+        <a:font script="Laoo" typeface="DokChampa"/>
+        <a:font script="Sinh" typeface="Iskoola Pota"/>
+        <a:font script="Mong" typeface="Mongolian Baiti"/>
+        <a:font script="Viet" typeface="Times New Roman"/>
+        <a:font script="Uigh" typeface="Microsoft Uighur"/>
+        <a:font script="Geor" typeface="Sylfaen"/>
+      </a:majorFont>
+      <a:minorFont>
+        <a:latin typeface="Calibri" panose="020F0502020204030204"/>
+        <a:ea typeface=""/>
+        <a:cs typeface=""/>
+        <a:font script="Jpan" typeface="ＭＳ Ｐゴシック"/>
+        <a:font script="Hang" typeface="맑은 고딕"/>
+        <a:font script="Hans" typeface="宋体"/>
+        <a:font script="Hant" typeface="新細明體"/>
+        <a:font script="Arab" typeface="Arial"/>
+        <a:font script="Hebr" typeface="Arial"/>
+        <a:font script="Thai" typeface="Cordia New"/>
+        <a:font script="Ethi" typeface="Nyala"/>
+        <a:font script="Beng" typeface="Vrinda"/>
+        <a:font script="Gujr" typeface="Shruti"/>
+        <a:font script="Khmr" typeface="DaunPenh"/>
+        <a:font script="Knda" typeface="Tunga"/>
+        <a:font script="Guru" typeface="Raavi"/>
+        <a:font script="Cans" typeface="Euphemia"/>
+        <a:font script="Cher" typeface="Plantagenet Cherokee"/>
+        <a:font script="Yiii" typeface="Microsoft Yi Baiti"/>
+        <a:font script="Tibt" typeface="Microsoft Himalaya"/>
+        <a:font script="Thaa" typeface="MV Boli"/>
+        <a:font script="Deva" typeface="Mangal"/>
+        <a:font script="Telu" typeface="Gautami"/>
+        <a:font script="Taml" typeface="Latha"/>
+        <a:font script="Syrc" typeface="Estrangelo Edessa"/>
+        <a:font script="Orya" typeface="Kalinga"/>
+        <a:font script="Mlym" typeface="Kartika"/>
+        <a:font script="Laoo" typeface="DokChampa"/>
+        <a:font script="Sinh" typeface="Iskoola Pota"/>
+        <a:font script="Mong" typeface="Mongolian Baiti"/>
+        <a:font script="Viet" typeface="Arial"/>
+        <a:font script="Uigh" typeface="Microsoft Uighur"/>
+        <a:font script="Geor" typeface="Sylfaen"/>
+      </a:minorFont>
+    </a:fontScheme>
+    <a:fmtScheme name="Rückblick">
+      <a:fillStyleLst>
+        <a:solidFill>
+          <a:schemeClr val="phClr"/>
+        </a:solidFill>
+        <a:gradFill rotWithShape="1">
+          <a:gsLst>
+            <a:gs pos="0">
+              <a:schemeClr val="phClr">
+                <a:tint val="65000"/>
+                <a:shade val="92000"/>
+                <a:satMod val="130000"/>
+              </a:schemeClr>
+            </a:gs>
+            <a:gs pos="45000">
+              <a:schemeClr val="phClr">
+                <a:tint val="60000"/>
+                <a:shade val="99000"/>
+                <a:satMod val="120000"/>
+              </a:schemeClr>
+            </a:gs>
+            <a:gs pos="100000">
+              <a:schemeClr val="phClr">
+                <a:tint val="55000"/>
+                <a:satMod val="140000"/>
+              </a:schemeClr>
+            </a:gs>
+          </a:gsLst>
+          <a:path path="circle">
+            <a:fillToRect l="100000" t="100000" r="100000" b="100000"/>
+          </a:path>
+        </a:gradFill>
+        <a:gradFill rotWithShape="1">
+          <a:gsLst>
+            <a:gs pos="0">
+              <a:schemeClr val="phClr">
+                <a:shade val="85000"/>
+                <a:satMod val="130000"/>
+              </a:schemeClr>
+            </a:gs>
+            <a:gs pos="34000">
+              <a:schemeClr val="phClr">
+                <a:shade val="87000"/>
+                <a:satMod val="125000"/>
+              </a:schemeClr>
+            </a:gs>
+            <a:gs pos="70000">
+              <a:schemeClr val="phClr">
+                <a:tint val="100000"/>
+                <a:shade val="90000"/>
+                <a:satMod val="130000"/>
+              </a:schemeClr>
+            </a:gs>
+            <a:gs pos="100000">
+              <a:schemeClr val="phClr">
+                <a:tint val="100000"/>
+                <a:shade val="100000"/>
+                <a:satMod val="110000"/>
+              </a:schemeClr>
+            </a:gs>
+          </a:gsLst>
+          <a:path path="circle">
+            <a:fillToRect l="100000" t="100000" r="100000" b="100000"/>
+          </a:path>
+        </a:gradFill>
+      </a:fillStyleLst>
+      <a:lnStyleLst>
+        <a:ln w="12700" cap="flat" cmpd="sng" algn="ctr">
+          <a:solidFill>
+            <a:schemeClr val="phClr"/>
+          </a:solidFill>
+          <a:prstDash val="solid"/>
+        </a:ln>
+        <a:ln w="15875" cap="flat" cmpd="sng" algn="ctr">
+          <a:solidFill>
+            <a:schemeClr val="phClr"/>
+          </a:solidFill>
+          <a:prstDash val="solid"/>
+        </a:ln>
+        <a:ln w="25400" cap="flat" cmpd="sng" algn="ctr">
+          <a:solidFill>
+            <a:schemeClr val="phClr"/>
+          </a:solidFill>
+          <a:prstDash val="solid"/>
+        </a:ln>
+      </a:lnStyleLst>
+      <a:effectStyleLst>
+        <a:effectStyle>
+          <a:effectLst/>
+        </a:effectStyle>
+        <a:effectStyle>
+          <a:effectLst>
+            <a:outerShdw blurRad="38100" dist="25400" dir="2700000" algn="br" rotWithShape="0">
+              <a:srgbClr val="000000">
+                <a:alpha val="60000"/>
+              </a:srgbClr>
+            </a:outerShdw>
+          </a:effectLst>
+        </a:effectStyle>
+        <a:effectStyle>
+          <a:effectLst>
+            <a:outerShdw blurRad="44450" dist="25400" dir="2700000" algn="br" rotWithShape="0">
+              <a:srgbClr val="000000">
+                <a:alpha val="60000"/>
+              </a:srgbClr>
+            </a:outerShdw>
+          </a:effectLst>
+          <a:scene3d>
+            <a:camera prst="orthographicFront">
+              <a:rot lat="0" lon="0" rev="0"/>
+            </a:camera>
+            <a:lightRig rig="threePt" dir="t">
+              <a:rot lat="0" lon="0" rev="19800000"/>
+            </a:lightRig>
+          </a:scene3d>
+          <a:sp3d prstMaterial="flat">
+            <a:bevelT w="25400" h="31750"/>
+          </a:sp3d>
+        </a:effectStyle>
+      </a:effectStyleLst>
+      <a:bgFillStyleLst>
+        <a:solidFill>
+          <a:schemeClr val="phClr"/>
+        </a:solidFill>
+        <a:solidFill>
+          <a:schemeClr val="phClr">
+            <a:tint val="90000"/>
+            <a:shade val="97000"/>
+            <a:satMod val="130000"/>
+          </a:schemeClr>
+        </a:solidFill>
+        <a:gradFill rotWithShape="1">
+          <a:gsLst>
+            <a:gs pos="0">
+              <a:schemeClr val="phClr">
+                <a:tint val="96000"/>
+                <a:shade val="99000"/>
+                <a:satMod val="140000"/>
+              </a:schemeClr>
+            </a:gs>
+            <a:gs pos="65000">
+              <a:schemeClr val="phClr">
+                <a:tint val="100000"/>
+                <a:shade val="80000"/>
+                <a:satMod val="130000"/>
+              </a:schemeClr>
+            </a:gs>
+            <a:gs pos="100000">
+              <a:schemeClr val="phClr">
+                <a:tint val="100000"/>
+                <a:shade val="48000"/>
+                <a:satMod val="120000"/>
+              </a:schemeClr>
+            </a:gs>
+          </a:gsLst>
+          <a:lin ang="16200000" scaled="0"/>
+        </a:gradFill>
+      </a:bgFillStyleLst>
+    </a:fmtScheme>
+  </a:themeElements>
+  <a:objectDefaults/>
+  <a:extraClrSchemeLst/>
+  <a:extLst>
+    <a:ext uri="{05A4C25C-085E-4340-85A3-A5531E510DB2}">
+      <thm15:themeFamily xmlns:thm15="http://schemas.microsoft.com/office/thememl/2012/main" name="Retrospect" id="{5F128B03-DCCA-4EEB-AB3B-CF2899314A46}" vid="{3F1AAB62-24C6-49D2-8E01-B56FAC9A3DCD}"/>
+    </a:ext>
+  </a:extLst>
+</a:theme>
+</file>
+
+<file path=ppt/theme/theme2.xml><?xml version="1.0" encoding="utf-8"?>
 <a:theme xmlns:a="http://schemas.openxmlformats.org/drawingml/2006/main" name="Office">
   <a:themeElements>
     <a:clrScheme name="Office">

--- a/Präsentation/Zwischenpräsentation.pptx
+++ b/Präsentation/Zwischenpräsentation.pptx
@@ -1,6 +1,6 @@
 
 <file path=ppt/presentation.xml><?xml version="1.0" encoding="utf-8"?>
-<p:presentation xmlns:a="http://schemas.openxmlformats.org/drawingml/2006/main" xmlns:r="http://schemas.openxmlformats.org/officeDocument/2006/relationships" xmlns:p="http://schemas.openxmlformats.org/presentationml/2006/main" saveSubsetFonts="1">
+<p:presentation xmlns:a="http://schemas.openxmlformats.org/drawingml/2006/main" xmlns:r="http://schemas.openxmlformats.org/officeDocument/2006/relationships" xmlns:p="http://schemas.openxmlformats.org/presentationml/2006/main" showSpecialPlsOnTitleSld="0" saveSubsetFonts="1">
   <p:sldMasterIdLst>
     <p:sldMasterId id="2147483710" r:id="rId1"/>
   </p:sldMasterIdLst>
@@ -212,7 +212,7 @@
           <a:p>
             <a:fld id="{082AF0A2-73D9-4858-851E-F8063A45314E}" type="datetimeFigureOut">
               <a:rPr lang="de-DE" smtClean="0"/>
-              <a:t>08.04.2019</a:t>
+              <a:t>09.04.2019</a:t>
             </a:fld>
             <a:endParaRPr lang="de-DE"/>
           </a:p>
@@ -655,6 +655,20 @@
           <a:p>
             <a:endParaRPr lang="de-DE" dirty="0"/>
           </a:p>
+          <a:p>
+            <a:r>
+              <a:rPr lang="de-DE" dirty="0"/>
+              <a:t>Damit der Benutzer nicht nach dem </a:t>
+            </a:r>
+            <a:r>
+              <a:rPr lang="de-DE" dirty="0" err="1"/>
+              <a:t>Schliessen</a:t>
+            </a:r>
+            <a:r>
+              <a:rPr lang="de-DE" dirty="0"/>
+              <a:t> des Programmes den Filter wieder neu eingeben muss. Können die Filter über eine Speicherverwaltung in einem Textfile abgespeichert und auch wieder geladen werden.</a:t>
+            </a:r>
+          </a:p>
         </p:txBody>
       </p:sp>
       <p:sp>
@@ -762,6 +776,25 @@
           <a:p>
             <a:endParaRPr lang="de-DE" dirty="0"/>
           </a:p>
+          <a:p>
+            <a:r>
+              <a:rPr lang="de-DE" dirty="0"/>
+              <a:t>Um die Bedienung zu vereinfachen sind die CM und DM Ersatzschaltungen im Programm hinterlegt. Der Benutzer kann somit direkt sehen welche parasitären Parameter wo in der Ersatzschaltungen zu finden </a:t>
+            </a:r>
+            <a:r>
+              <a:rPr lang="de-DE"/>
+              <a:t>sind,.</a:t>
+            </a:r>
+          </a:p>
+          <a:p>
+            <a:endParaRPr lang="de-DE" dirty="0"/>
+          </a:p>
+          <a:p>
+            <a:r>
+              <a:rPr lang="de-DE" dirty="0"/>
+              <a:t>Jetzt wird Simon euch noch unser Testkonzept vorstellen.</a:t>
+            </a:r>
+          </a:p>
         </p:txBody>
       </p:sp>
       <p:sp>
@@ -1324,6 +1357,15 @@
               <a:t>Pascal</a:t>
             </a:r>
           </a:p>
+          <a:p>
+            <a:endParaRPr lang="de-DE" dirty="0"/>
+          </a:p>
+          <a:p>
+            <a:r>
+              <a:rPr lang="de-DE" dirty="0"/>
+              <a:t>Jetzt wollen wir euch unser Softwarekonzept vorstellen. Auf diesem Bild seht ihr schonmal der erste grobe Entwurf wie die GUI aufgebaut ist.</a:t>
+            </a:r>
+          </a:p>
         </p:txBody>
       </p:sp>
       <p:sp>
@@ -1429,6 +1471,81 @@
             </a:r>
           </a:p>
           <a:p>
+            <a:pPr marL="0" marR="0" lvl="0" indent="0" algn="l" defTabSz="914400" rtl="0" eaLnBrk="1" fontAlgn="auto" latinLnBrk="0" hangingPunct="1">
+              <a:lnSpc>
+                <a:spcPct val="100000"/>
+              </a:lnSpc>
+              <a:spcBef>
+                <a:spcPts val="0"/>
+              </a:spcBef>
+              <a:spcAft>
+                <a:spcPts val="0"/>
+              </a:spcAft>
+              <a:buClrTx/>
+              <a:buSzTx/>
+              <a:buFontTx/>
+              <a:buNone/>
+              <a:tabLst/>
+              <a:defRPr/>
+            </a:pPr>
+            <a:endParaRPr lang="de-DE" dirty="0"/>
+          </a:p>
+          <a:p>
+            <a:pPr marL="0" marR="0" lvl="0" indent="0" algn="l" defTabSz="914400" rtl="0" eaLnBrk="1" fontAlgn="auto" latinLnBrk="0" hangingPunct="1">
+              <a:lnSpc>
+                <a:spcPct val="100000"/>
+              </a:lnSpc>
+              <a:spcBef>
+                <a:spcPts val="0"/>
+              </a:spcBef>
+              <a:spcAft>
+                <a:spcPts val="0"/>
+              </a:spcAft>
+              <a:buClrTx/>
+              <a:buSzTx/>
+              <a:buFontTx/>
+              <a:buNone/>
+              <a:tabLst/>
+              <a:defRPr/>
+            </a:pPr>
+            <a:r>
+              <a:rPr lang="de-DE" dirty="0"/>
+              <a:t>Die Softwaredahinter wird nach dem MVC </a:t>
+            </a:r>
+            <a:r>
+              <a:rPr lang="de-DE" dirty="0" err="1"/>
+              <a:t>framework</a:t>
+            </a:r>
+            <a:r>
+              <a:rPr lang="de-DE" dirty="0"/>
+              <a:t>, </a:t>
+            </a:r>
+            <a:r>
+              <a:rPr lang="de-DE" dirty="0" err="1"/>
+              <a:t>model</a:t>
+            </a:r>
+            <a:r>
+              <a:rPr lang="de-DE" dirty="0"/>
+              <a:t> </a:t>
+            </a:r>
+            <a:r>
+              <a:rPr lang="de-DE" dirty="0" err="1"/>
+              <a:t>view</a:t>
+            </a:r>
+            <a:r>
+              <a:rPr lang="de-DE" dirty="0"/>
+              <a:t> </a:t>
+            </a:r>
+            <a:r>
+              <a:rPr lang="de-DE" dirty="0" err="1"/>
+              <a:t>controller</a:t>
+            </a:r>
+            <a:r>
+              <a:rPr lang="de-DE" dirty="0"/>
+              <a:t>, konstruiert. Die Berechnungen, die Steuerung und die Anzeige sind weitestgehend getrennt. Dies hat den Vorteil das die Software einfach erweitert werden kann</a:t>
+            </a:r>
+          </a:p>
+          <a:p>
             <a:endParaRPr lang="de-DE" dirty="0"/>
           </a:p>
         </p:txBody>
@@ -1538,6 +1655,18 @@
           <a:p>
             <a:endParaRPr lang="de-DE" dirty="0"/>
           </a:p>
+          <a:p>
+            <a:r>
+              <a:rPr lang="de-DE" dirty="0"/>
+              <a:t>Die elektrotechnischen bzw. mathematischen Anforderungen an die Software sind, dass man die CM/DM äquivalente Schaltungen mit den Streuparameter S21 berechnen kann. Dabei sollten die Berechnungen im Model so ausprogrammiert werden, dass es theoretisch möglich ist die Software auch auf andere Filteranordnungen bei einer Erweiterung einfach anwenden zu können</a:t>
+            </a:r>
+          </a:p>
+          <a:p>
+            <a:r>
+              <a:rPr lang="de-DE" dirty="0"/>
+              <a:t>Damit längere Berechnungen den Programmablauf nicht stören, werden diese in einem Thread ausgeführt</a:t>
+            </a:r>
+          </a:p>
         </p:txBody>
       </p:sp>
       <p:sp>
@@ -1645,6 +1774,42 @@
           <a:p>
             <a:endParaRPr lang="de-DE" dirty="0"/>
           </a:p>
+          <a:p>
+            <a:r>
+              <a:rPr lang="de-DE" dirty="0"/>
+              <a:t>Der Benutzer des Programmes kann über das Inputpanel die Berechnungen steuern. Die parasitären Parameter können einzeln in einem Textfeld eingegeben und mit einem Schieberegler um +-30 verändert werden.</a:t>
+            </a:r>
+          </a:p>
+          <a:p>
+            <a:r>
+              <a:rPr lang="de-DE" dirty="0"/>
+              <a:t>Um Fehler zu verhindert werden die Textfelder vor Fehleingaben des Benutzer geschützt. Zusätzlich unterstützt die Software Spezialeingaben wie </a:t>
+            </a:r>
+            <a:r>
+              <a:rPr lang="de-DE" dirty="0" err="1"/>
+              <a:t>z.B</a:t>
+            </a:r>
+            <a:r>
+              <a:rPr lang="de-DE" dirty="0"/>
+              <a:t> ein m für </a:t>
+            </a:r>
+            <a:r>
+              <a:rPr lang="de-DE" dirty="0" err="1"/>
+              <a:t>milli</a:t>
+            </a:r>
+            <a:r>
+              <a:rPr lang="de-DE" dirty="0"/>
+              <a:t> oder u für </a:t>
+            </a:r>
+            <a:r>
+              <a:rPr lang="de-DE" dirty="0" err="1"/>
+              <a:t>micro</a:t>
+            </a:r>
+            <a:r>
+              <a:rPr lang="de-DE" dirty="0"/>
+              <a:t>. So können kleine Zahlen, wie dies oft bei den Kapazitäten und Induktivitäten der Fall ist, einfacher eingegeben werden</a:t>
+            </a:r>
+          </a:p>
         </p:txBody>
       </p:sp>
       <p:sp>
@@ -1730,6 +1895,23 @@
             <a:r>
               <a:rPr lang="de-DE" dirty="0"/>
               <a:t>Pascal</a:t>
+            </a:r>
+          </a:p>
+          <a:p>
+            <a:endParaRPr lang="de-DE" dirty="0"/>
+          </a:p>
+          <a:p>
+            <a:r>
+              <a:rPr lang="de-DE" dirty="0"/>
+              <a:t>Die Berechnungen werden anschließend in einem CM und DM Plot dargestellt. Änderungen der parasitären Parameter sind im Plot direkt grafisch ersichtlich. Für die Plots wird das Package </a:t>
+            </a:r>
+            <a:r>
+              <a:rPr lang="de-DE" dirty="0" err="1"/>
+              <a:t>JfreeChart</a:t>
+            </a:r>
+            <a:r>
+              <a:rPr lang="de-DE" dirty="0"/>
+              <a:t> verwendet. Dieses beinhaltet schon sehr viele Zusatzfunktionen wie das Exportieren, Zoomen und Verändern der Darstellung der Kurven</a:t>
             </a:r>
           </a:p>
         </p:txBody>
@@ -2001,10 +2183,10 @@
           <a:bodyPr/>
           <a:lstStyle/>
           <a:p>
-            <a:fld id="{CA877428-42F7-4241-8EA8-9490373D402E}" type="datetimeFigureOut">
-              <a:rPr lang="de-CH" smtClean="0"/>
-              <a:t>08.04.2019</a:t>
-            </a:fld>
+            <a:r>
+              <a:rPr lang="de-CH"/>
+              <a:t>11.04.2019</a:t>
+            </a:r>
             <a:endParaRPr lang="de-CH" dirty="0"/>
           </a:p>
         </p:txBody>
@@ -2024,6 +2206,10 @@
           <a:bodyPr/>
           <a:lstStyle/>
           <a:p>
+            <a:r>
+              <a:rPr lang="de-CH"/>
+              <a:t>Gruppe 1</a:t>
+            </a:r>
             <a:endParaRPr lang="de-CH" dirty="0"/>
           </a:p>
         </p:txBody>
@@ -2209,11 +2395,10 @@
           <a:bodyPr/>
           <a:lstStyle/>
           <a:p>
-            <a:fld id="{CA877428-42F7-4241-8EA8-9490373D402E}" type="datetimeFigureOut">
-              <a:rPr lang="de-CH" smtClean="0"/>
-              <a:t>08.04.2019</a:t>
-            </a:fld>
-            <a:endParaRPr lang="de-CH"/>
+            <a:r>
+              <a:rPr lang="de-CH"/>
+              <a:t>11.04.2019</a:t>
+            </a:r>
           </a:p>
         </p:txBody>
       </p:sp>
@@ -2232,7 +2417,10 @@
           <a:bodyPr/>
           <a:lstStyle/>
           <a:p>
-            <a:endParaRPr lang="de-CH"/>
+            <a:r>
+              <a:rPr lang="de-CH"/>
+              <a:t>Gruppe 1</a:t>
+            </a:r>
           </a:p>
         </p:txBody>
       </p:sp>
@@ -2465,11 +2653,10 @@
           <a:bodyPr/>
           <a:lstStyle/>
           <a:p>
-            <a:fld id="{CA877428-42F7-4241-8EA8-9490373D402E}" type="datetimeFigureOut">
-              <a:rPr lang="de-CH" smtClean="0"/>
-              <a:t>08.04.2019</a:t>
-            </a:fld>
-            <a:endParaRPr lang="de-CH"/>
+            <a:r>
+              <a:rPr lang="de-CH"/>
+              <a:t>11.04.2019</a:t>
+            </a:r>
           </a:p>
         </p:txBody>
       </p:sp>
@@ -2488,7 +2675,10 @@
           <a:bodyPr/>
           <a:lstStyle/>
           <a:p>
-            <a:endParaRPr lang="de-CH"/>
+            <a:r>
+              <a:rPr lang="de-CH"/>
+              <a:t>Gruppe 1</a:t>
+            </a:r>
           </a:p>
         </p:txBody>
       </p:sp>
@@ -2639,11 +2829,10 @@
           <a:bodyPr/>
           <a:lstStyle/>
           <a:p>
-            <a:fld id="{CA877428-42F7-4241-8EA8-9490373D402E}" type="datetimeFigureOut">
-              <a:rPr lang="de-CH" smtClean="0"/>
-              <a:t>08.04.2019</a:t>
-            </a:fld>
-            <a:endParaRPr lang="de-CH"/>
+            <a:r>
+              <a:rPr lang="de-CH"/>
+              <a:t>11.04.2019</a:t>
+            </a:r>
           </a:p>
         </p:txBody>
       </p:sp>
@@ -2662,7 +2851,10 @@
           <a:bodyPr/>
           <a:lstStyle/>
           <a:p>
-            <a:endParaRPr lang="de-CH"/>
+            <a:r>
+              <a:rPr lang="de-CH"/>
+              <a:t>Gruppe 1</a:t>
+            </a:r>
           </a:p>
         </p:txBody>
       </p:sp>
@@ -2982,11 +3174,10 @@
           <a:bodyPr/>
           <a:lstStyle/>
           <a:p>
-            <a:fld id="{CA877428-42F7-4241-8EA8-9490373D402E}" type="datetimeFigureOut">
-              <a:rPr lang="de-CH" smtClean="0"/>
-              <a:t>08.04.2019</a:t>
-            </a:fld>
-            <a:endParaRPr lang="de-CH"/>
+            <a:r>
+              <a:rPr lang="de-CH"/>
+              <a:t>11.04.2019</a:t>
+            </a:r>
           </a:p>
         </p:txBody>
       </p:sp>
@@ -3005,7 +3196,10 @@
           <a:bodyPr/>
           <a:lstStyle/>
           <a:p>
-            <a:endParaRPr lang="de-CH"/>
+            <a:r>
+              <a:rPr lang="de-CH"/>
+              <a:t>Gruppe 1</a:t>
+            </a:r>
           </a:p>
         </p:txBody>
       </p:sp>
@@ -3257,11 +3451,10 @@
           <a:bodyPr/>
           <a:lstStyle/>
           <a:p>
-            <a:fld id="{CA877428-42F7-4241-8EA8-9490373D402E}" type="datetimeFigureOut">
-              <a:rPr lang="de-CH" smtClean="0"/>
-              <a:t>08.04.2019</a:t>
-            </a:fld>
-            <a:endParaRPr lang="de-CH"/>
+            <a:r>
+              <a:rPr lang="de-CH"/>
+              <a:t>11.04.2019</a:t>
+            </a:r>
           </a:p>
         </p:txBody>
       </p:sp>
@@ -3280,7 +3473,10 @@
           <a:bodyPr/>
           <a:lstStyle/>
           <a:p>
-            <a:endParaRPr lang="de-CH"/>
+            <a:r>
+              <a:rPr lang="de-CH"/>
+              <a:t>Gruppe 1</a:t>
+            </a:r>
           </a:p>
         </p:txBody>
       </p:sp>
@@ -3636,11 +3832,10 @@
           <a:bodyPr/>
           <a:lstStyle/>
           <a:p>
-            <a:fld id="{CA877428-42F7-4241-8EA8-9490373D402E}" type="datetimeFigureOut">
-              <a:rPr lang="de-CH" smtClean="0"/>
-              <a:t>08.04.2019</a:t>
-            </a:fld>
-            <a:endParaRPr lang="de-CH"/>
+            <a:r>
+              <a:rPr lang="de-CH"/>
+              <a:t>11.04.2019</a:t>
+            </a:r>
           </a:p>
         </p:txBody>
       </p:sp>
@@ -3659,7 +3854,10 @@
           <a:bodyPr/>
           <a:lstStyle/>
           <a:p>
-            <a:endParaRPr lang="de-CH"/>
+            <a:r>
+              <a:rPr lang="de-CH"/>
+              <a:t>Gruppe 1</a:t>
+            </a:r>
           </a:p>
         </p:txBody>
       </p:sp>
@@ -3754,11 +3952,10 @@
           <a:bodyPr/>
           <a:lstStyle/>
           <a:p>
-            <a:fld id="{CA877428-42F7-4241-8EA8-9490373D402E}" type="datetimeFigureOut">
-              <a:rPr lang="de-CH" smtClean="0"/>
-              <a:t>08.04.2019</a:t>
-            </a:fld>
-            <a:endParaRPr lang="de-CH"/>
+            <a:r>
+              <a:rPr lang="de-CH"/>
+              <a:t>11.04.2019</a:t>
+            </a:r>
           </a:p>
         </p:txBody>
       </p:sp>
@@ -3777,7 +3974,10 @@
           <a:bodyPr/>
           <a:lstStyle/>
           <a:p>
-            <a:endParaRPr lang="de-CH"/>
+            <a:r>
+              <a:rPr lang="de-CH"/>
+              <a:t>Gruppe 1</a:t>
+            </a:r>
           </a:p>
         </p:txBody>
       </p:sp>
@@ -3925,11 +4125,10 @@
           <a:bodyPr/>
           <a:lstStyle/>
           <a:p>
-            <a:fld id="{CA877428-42F7-4241-8EA8-9490373D402E}" type="datetimeFigureOut">
-              <a:rPr lang="de-CH" smtClean="0"/>
-              <a:t>08.04.2019</a:t>
-            </a:fld>
-            <a:endParaRPr lang="de-CH"/>
+            <a:r>
+              <a:rPr lang="de-CH"/>
+              <a:t>11.04.2019</a:t>
+            </a:r>
           </a:p>
         </p:txBody>
       </p:sp>
@@ -3956,7 +4155,10 @@
             </a:lvl1pPr>
           </a:lstStyle>
           <a:p>
-            <a:endParaRPr lang="de-CH"/>
+            <a:r>
+              <a:rPr lang="de-CH"/>
+              <a:t>Gruppe 1</a:t>
+            </a:r>
           </a:p>
         </p:txBody>
       </p:sp>
@@ -4279,11 +4481,10 @@
             </a:lvl1pPr>
           </a:lstStyle>
           <a:p>
-            <a:fld id="{CA877428-42F7-4241-8EA8-9490373D402E}" type="datetimeFigureOut">
-              <a:rPr lang="de-CH" smtClean="0"/>
-              <a:t>08.04.2019</a:t>
-            </a:fld>
-            <a:endParaRPr lang="de-CH"/>
+            <a:r>
+              <a:rPr lang="de-CH"/>
+              <a:t>11.04.2019</a:t>
+            </a:r>
           </a:p>
         </p:txBody>
       </p:sp>
@@ -4315,7 +4516,10 @@
             </a:lvl1pPr>
           </a:lstStyle>
           <a:p>
-            <a:endParaRPr lang="de-CH"/>
+            <a:r>
+              <a:rPr lang="de-CH"/>
+              <a:t>Gruppe 1</a:t>
+            </a:r>
           </a:p>
         </p:txBody>
       </p:sp>
@@ -4661,11 +4865,10 @@
           <a:bodyPr/>
           <a:lstStyle/>
           <a:p>
-            <a:fld id="{CA877428-42F7-4241-8EA8-9490373D402E}" type="datetimeFigureOut">
-              <a:rPr lang="de-CH" smtClean="0"/>
-              <a:t>08.04.2019</a:t>
-            </a:fld>
-            <a:endParaRPr lang="de-CH"/>
+            <a:r>
+              <a:rPr lang="de-CH"/>
+              <a:t>11.04.2019</a:t>
+            </a:r>
           </a:p>
         </p:txBody>
       </p:sp>
@@ -4684,7 +4887,10 @@
           <a:bodyPr/>
           <a:lstStyle/>
           <a:p>
-            <a:endParaRPr lang="de-CH"/>
+            <a:r>
+              <a:rPr lang="de-CH"/>
+              <a:t>Gruppe 1</a:t>
+            </a:r>
           </a:p>
         </p:txBody>
       </p:sp>
@@ -4948,11 +5154,10 @@
             </a:lvl1pPr>
           </a:lstStyle>
           <a:p>
-            <a:fld id="{CA877428-42F7-4241-8EA8-9490373D402E}" type="datetimeFigureOut">
-              <a:rPr lang="de-CH" smtClean="0"/>
-              <a:t>08.04.2019</a:t>
-            </a:fld>
-            <a:endParaRPr lang="de-CH"/>
+            <a:r>
+              <a:rPr lang="de-CH"/>
+              <a:t>11.04.2019</a:t>
+            </a:r>
           </a:p>
         </p:txBody>
       </p:sp>
@@ -4987,7 +5192,10 @@
             </a:lvl1pPr>
           </a:lstStyle>
           <a:p>
-            <a:endParaRPr lang="de-CH"/>
+            <a:r>
+              <a:rPr lang="de-CH"/>
+              <a:t>Gruppe 1</a:t>
+            </a:r>
           </a:p>
         </p:txBody>
       </p:sp>
@@ -5089,6 +5297,7 @@
     <p:sldLayoutId id="2147483720" r:id="rId10"/>
     <p:sldLayoutId id="2147483721" r:id="rId11"/>
   </p:sldLayoutIdLst>
+  <p:hf hdr="0"/>
   <p:txStyles>
     <p:titleStyle>
       <a:lvl1pPr algn="l" defTabSz="914400" rtl="0" eaLnBrk="1" latinLnBrk="0" hangingPunct="1">
@@ -5749,6 +5958,91 @@
           </a:p>
         </p:txBody>
       </p:sp>
+      <p:sp>
+        <p:nvSpPr>
+          <p:cNvPr id="4" name="Datumsplatzhalter 3">
+            <a:extLst>
+              <a:ext uri="{FF2B5EF4-FFF2-40B4-BE49-F238E27FC236}">
+                <a16:creationId xmlns:a16="http://schemas.microsoft.com/office/drawing/2014/main" id="{B44C65DC-0B7F-4804-A5DF-1C2F9AB84B15}"/>
+              </a:ext>
+            </a:extLst>
+          </p:cNvPr>
+          <p:cNvSpPr>
+            <a:spLocks noGrp="1"/>
+          </p:cNvSpPr>
+          <p:nvPr>
+            <p:ph type="dt" sz="half" idx="10"/>
+          </p:nvPr>
+        </p:nvSpPr>
+        <p:spPr/>
+        <p:txBody>
+          <a:bodyPr/>
+          <a:lstStyle/>
+          <a:p>
+            <a:r>
+              <a:rPr lang="de-CH"/>
+              <a:t>11.04.2019</a:t>
+            </a:r>
+          </a:p>
+        </p:txBody>
+      </p:sp>
+      <p:sp>
+        <p:nvSpPr>
+          <p:cNvPr id="5" name="Fußzeilenplatzhalter 4">
+            <a:extLst>
+              <a:ext uri="{FF2B5EF4-FFF2-40B4-BE49-F238E27FC236}">
+                <a16:creationId xmlns:a16="http://schemas.microsoft.com/office/drawing/2014/main" id="{82869943-9A05-4640-9475-7A53E84C3507}"/>
+              </a:ext>
+            </a:extLst>
+          </p:cNvPr>
+          <p:cNvSpPr>
+            <a:spLocks noGrp="1"/>
+          </p:cNvSpPr>
+          <p:nvPr>
+            <p:ph type="ftr" sz="quarter" idx="11"/>
+          </p:nvPr>
+        </p:nvSpPr>
+        <p:spPr/>
+        <p:txBody>
+          <a:bodyPr/>
+          <a:lstStyle/>
+          <a:p>
+            <a:r>
+              <a:rPr lang="de-CH"/>
+              <a:t>Gruppe 1</a:t>
+            </a:r>
+          </a:p>
+        </p:txBody>
+      </p:sp>
+      <p:sp>
+        <p:nvSpPr>
+          <p:cNvPr id="6" name="Foliennummernplatzhalter 5">
+            <a:extLst>
+              <a:ext uri="{FF2B5EF4-FFF2-40B4-BE49-F238E27FC236}">
+                <a16:creationId xmlns:a16="http://schemas.microsoft.com/office/drawing/2014/main" id="{FAEF8CB2-A81F-4F40-B2C9-163B7D7473BB}"/>
+              </a:ext>
+            </a:extLst>
+          </p:cNvPr>
+          <p:cNvSpPr>
+            <a:spLocks noGrp="1"/>
+          </p:cNvSpPr>
+          <p:nvPr>
+            <p:ph type="sldNum" sz="quarter" idx="12"/>
+          </p:nvPr>
+        </p:nvSpPr>
+        <p:spPr/>
+        <p:txBody>
+          <a:bodyPr/>
+          <a:lstStyle/>
+          <a:p>
+            <a:fld id="{67DE59EB-AC61-4D10-8801-60733011B4E4}" type="slidenum">
+              <a:rPr lang="de-CH" smtClean="0"/>
+              <a:t>10</a:t>
+            </a:fld>
+            <a:endParaRPr lang="de-CH"/>
+          </a:p>
+        </p:txBody>
+      </p:sp>
     </p:spTree>
     <p:extLst>
       <p:ext uri="{BB962C8B-B14F-4D97-AF65-F5344CB8AC3E}">
@@ -5894,6 +6188,91 @@
           </a:prstGeom>
         </p:spPr>
       </p:pic>
+      <p:sp>
+        <p:nvSpPr>
+          <p:cNvPr id="4" name="Datumsplatzhalter 3">
+            <a:extLst>
+              <a:ext uri="{FF2B5EF4-FFF2-40B4-BE49-F238E27FC236}">
+                <a16:creationId xmlns:a16="http://schemas.microsoft.com/office/drawing/2014/main" id="{D9CB5B6E-8221-4F04-9C14-345EE107D095}"/>
+              </a:ext>
+            </a:extLst>
+          </p:cNvPr>
+          <p:cNvSpPr>
+            <a:spLocks noGrp="1"/>
+          </p:cNvSpPr>
+          <p:nvPr>
+            <p:ph type="dt" sz="half" idx="10"/>
+          </p:nvPr>
+        </p:nvSpPr>
+        <p:spPr/>
+        <p:txBody>
+          <a:bodyPr/>
+          <a:lstStyle/>
+          <a:p>
+            <a:r>
+              <a:rPr lang="de-CH"/>
+              <a:t>11.04.2019</a:t>
+            </a:r>
+          </a:p>
+        </p:txBody>
+      </p:sp>
+      <p:sp>
+        <p:nvSpPr>
+          <p:cNvPr id="6" name="Fußzeilenplatzhalter 5">
+            <a:extLst>
+              <a:ext uri="{FF2B5EF4-FFF2-40B4-BE49-F238E27FC236}">
+                <a16:creationId xmlns:a16="http://schemas.microsoft.com/office/drawing/2014/main" id="{C64BA861-A233-4070-BF97-DBD6F06EC420}"/>
+              </a:ext>
+            </a:extLst>
+          </p:cNvPr>
+          <p:cNvSpPr>
+            <a:spLocks noGrp="1"/>
+          </p:cNvSpPr>
+          <p:nvPr>
+            <p:ph type="ftr" sz="quarter" idx="11"/>
+          </p:nvPr>
+        </p:nvSpPr>
+        <p:spPr/>
+        <p:txBody>
+          <a:bodyPr/>
+          <a:lstStyle/>
+          <a:p>
+            <a:r>
+              <a:rPr lang="de-CH"/>
+              <a:t>Gruppe 1</a:t>
+            </a:r>
+          </a:p>
+        </p:txBody>
+      </p:sp>
+      <p:sp>
+        <p:nvSpPr>
+          <p:cNvPr id="7" name="Foliennummernplatzhalter 6">
+            <a:extLst>
+              <a:ext uri="{FF2B5EF4-FFF2-40B4-BE49-F238E27FC236}">
+                <a16:creationId xmlns:a16="http://schemas.microsoft.com/office/drawing/2014/main" id="{D205FD8F-2B03-4C16-AE7E-FB05718F245F}"/>
+              </a:ext>
+            </a:extLst>
+          </p:cNvPr>
+          <p:cNvSpPr>
+            <a:spLocks noGrp="1"/>
+          </p:cNvSpPr>
+          <p:nvPr>
+            <p:ph type="sldNum" sz="quarter" idx="12"/>
+          </p:nvPr>
+        </p:nvSpPr>
+        <p:spPr/>
+        <p:txBody>
+          <a:bodyPr/>
+          <a:lstStyle/>
+          <a:p>
+            <a:fld id="{67DE59EB-AC61-4D10-8801-60733011B4E4}" type="slidenum">
+              <a:rPr lang="de-CH" smtClean="0"/>
+              <a:t>11</a:t>
+            </a:fld>
+            <a:endParaRPr lang="de-CH"/>
+          </a:p>
+        </p:txBody>
+      </p:sp>
     </p:spTree>
     <p:extLst>
       <p:ext uri="{BB962C8B-B14F-4D97-AF65-F5344CB8AC3E}">
@@ -6081,6 +6460,91 @@
           </a:prstGeom>
         </p:spPr>
       </p:pic>
+      <p:sp>
+        <p:nvSpPr>
+          <p:cNvPr id="4" name="Datumsplatzhalter 3">
+            <a:extLst>
+              <a:ext uri="{FF2B5EF4-FFF2-40B4-BE49-F238E27FC236}">
+                <a16:creationId xmlns:a16="http://schemas.microsoft.com/office/drawing/2014/main" id="{F82EDEEE-D56F-41B8-A196-BE4430C5C29B}"/>
+              </a:ext>
+            </a:extLst>
+          </p:cNvPr>
+          <p:cNvSpPr>
+            <a:spLocks noGrp="1"/>
+          </p:cNvSpPr>
+          <p:nvPr>
+            <p:ph type="dt" sz="half" idx="10"/>
+          </p:nvPr>
+        </p:nvSpPr>
+        <p:spPr/>
+        <p:txBody>
+          <a:bodyPr/>
+          <a:lstStyle/>
+          <a:p>
+            <a:r>
+              <a:rPr lang="de-CH"/>
+              <a:t>11.04.2019</a:t>
+            </a:r>
+          </a:p>
+        </p:txBody>
+      </p:sp>
+      <p:sp>
+        <p:nvSpPr>
+          <p:cNvPr id="5" name="Fußzeilenplatzhalter 4">
+            <a:extLst>
+              <a:ext uri="{FF2B5EF4-FFF2-40B4-BE49-F238E27FC236}">
+                <a16:creationId xmlns:a16="http://schemas.microsoft.com/office/drawing/2014/main" id="{E7F46C25-E90C-4A30-AE46-D2C02F90E62A}"/>
+              </a:ext>
+            </a:extLst>
+          </p:cNvPr>
+          <p:cNvSpPr>
+            <a:spLocks noGrp="1"/>
+          </p:cNvSpPr>
+          <p:nvPr>
+            <p:ph type="ftr" sz="quarter" idx="11"/>
+          </p:nvPr>
+        </p:nvSpPr>
+        <p:spPr/>
+        <p:txBody>
+          <a:bodyPr/>
+          <a:lstStyle/>
+          <a:p>
+            <a:r>
+              <a:rPr lang="de-CH"/>
+              <a:t>Gruppe 1</a:t>
+            </a:r>
+          </a:p>
+        </p:txBody>
+      </p:sp>
+      <p:sp>
+        <p:nvSpPr>
+          <p:cNvPr id="7" name="Foliennummernplatzhalter 6">
+            <a:extLst>
+              <a:ext uri="{FF2B5EF4-FFF2-40B4-BE49-F238E27FC236}">
+                <a16:creationId xmlns:a16="http://schemas.microsoft.com/office/drawing/2014/main" id="{305838B0-3F39-4019-9561-98EF46B36D21}"/>
+              </a:ext>
+            </a:extLst>
+          </p:cNvPr>
+          <p:cNvSpPr>
+            <a:spLocks noGrp="1"/>
+          </p:cNvSpPr>
+          <p:nvPr>
+            <p:ph type="sldNum" sz="quarter" idx="12"/>
+          </p:nvPr>
+        </p:nvSpPr>
+        <p:spPr/>
+        <p:txBody>
+          <a:bodyPr/>
+          <a:lstStyle/>
+          <a:p>
+            <a:fld id="{67DE59EB-AC61-4D10-8801-60733011B4E4}" type="slidenum">
+              <a:rPr lang="de-CH" smtClean="0"/>
+              <a:t>12</a:t>
+            </a:fld>
+            <a:endParaRPr lang="de-CH"/>
+          </a:p>
+        </p:txBody>
+      </p:sp>
     </p:spTree>
     <p:extLst>
       <p:ext uri="{BB962C8B-B14F-4D97-AF65-F5344CB8AC3E}">
@@ -6226,6 +6690,128 @@
           </a:prstGeom>
         </p:spPr>
       </p:pic>
+      <p:sp>
+        <p:nvSpPr>
+          <p:cNvPr id="4" name="Datumsplatzhalter 3">
+            <a:extLst>
+              <a:ext uri="{FF2B5EF4-FFF2-40B4-BE49-F238E27FC236}">
+                <a16:creationId xmlns:a16="http://schemas.microsoft.com/office/drawing/2014/main" id="{803360A6-F888-49EF-9ADB-8A6243BB812A}"/>
+              </a:ext>
+            </a:extLst>
+          </p:cNvPr>
+          <p:cNvSpPr>
+            <a:spLocks noGrp="1"/>
+          </p:cNvSpPr>
+          <p:nvPr>
+            <p:ph type="dt" sz="half" idx="10"/>
+          </p:nvPr>
+        </p:nvSpPr>
+        <p:spPr/>
+        <p:txBody>
+          <a:bodyPr/>
+          <a:lstStyle/>
+          <a:p>
+            <a:r>
+              <a:rPr lang="de-CH"/>
+              <a:t>11.04.2019</a:t>
+            </a:r>
+          </a:p>
+        </p:txBody>
+      </p:sp>
+      <p:sp>
+        <p:nvSpPr>
+          <p:cNvPr id="6" name="Fußzeilenplatzhalter 5">
+            <a:extLst>
+              <a:ext uri="{FF2B5EF4-FFF2-40B4-BE49-F238E27FC236}">
+                <a16:creationId xmlns:a16="http://schemas.microsoft.com/office/drawing/2014/main" id="{0E62FC5D-26FE-4E45-BED4-FAE7E9C1EE73}"/>
+              </a:ext>
+            </a:extLst>
+          </p:cNvPr>
+          <p:cNvSpPr>
+            <a:spLocks noGrp="1"/>
+          </p:cNvSpPr>
+          <p:nvPr>
+            <p:ph type="ftr" sz="quarter" idx="11"/>
+          </p:nvPr>
+        </p:nvSpPr>
+        <p:spPr/>
+        <p:txBody>
+          <a:bodyPr/>
+          <a:lstStyle/>
+          <a:p>
+            <a:r>
+              <a:rPr lang="de-CH"/>
+              <a:t>Gruppe 1</a:t>
+            </a:r>
+          </a:p>
+        </p:txBody>
+      </p:sp>
+      <p:sp>
+        <p:nvSpPr>
+          <p:cNvPr id="7" name="Foliennummernplatzhalter 6">
+            <a:extLst>
+              <a:ext uri="{FF2B5EF4-FFF2-40B4-BE49-F238E27FC236}">
+                <a16:creationId xmlns:a16="http://schemas.microsoft.com/office/drawing/2014/main" id="{FD6D58A5-9524-471A-9A42-F4D7E5AAC8B7}"/>
+              </a:ext>
+            </a:extLst>
+          </p:cNvPr>
+          <p:cNvSpPr>
+            <a:spLocks noGrp="1"/>
+          </p:cNvSpPr>
+          <p:nvPr>
+            <p:ph type="sldNum" sz="quarter" idx="12"/>
+          </p:nvPr>
+        </p:nvSpPr>
+        <p:spPr/>
+        <p:txBody>
+          <a:bodyPr/>
+          <a:lstStyle/>
+          <a:p>
+            <a:fld id="{67DE59EB-AC61-4D10-8801-60733011B4E4}" type="slidenum">
+              <a:rPr lang="de-CH" smtClean="0"/>
+              <a:t>13</a:t>
+            </a:fld>
+            <a:endParaRPr lang="de-CH"/>
+          </a:p>
+        </p:txBody>
+      </p:sp>
+      <p:sp>
+        <p:nvSpPr>
+          <p:cNvPr id="8" name="Textfeld 7">
+            <a:extLst>
+              <a:ext uri="{FF2B5EF4-FFF2-40B4-BE49-F238E27FC236}">
+                <a16:creationId xmlns:a16="http://schemas.microsoft.com/office/drawing/2014/main" id="{1E6440BC-6482-41EF-8698-9F342C679C97}"/>
+              </a:ext>
+            </a:extLst>
+          </p:cNvPr>
+          <p:cNvSpPr txBox="1"/>
+          <p:nvPr/>
+        </p:nvSpPr>
+        <p:spPr>
+          <a:xfrm>
+            <a:off x="4782207" y="2365036"/>
+            <a:ext cx="1881351" cy="832945"/>
+          </a:xfrm>
+          <a:prstGeom prst="rect">
+            <a:avLst/>
+          </a:prstGeom>
+          <a:solidFill>
+            <a:schemeClr val="bg1"/>
+          </a:solidFill>
+          <a:ln>
+            <a:noFill/>
+          </a:ln>
+        </p:spPr>
+        <p:txBody>
+          <a:bodyPr wrap="square" rtlCol="0">
+            <a:spAutoFit/>
+          </a:bodyPr>
+          <a:lstStyle/>
+          <a:p>
+            <a:endParaRPr lang="de-DE" dirty="0"/>
+          </a:p>
+        </p:txBody>
+      </p:sp>
     </p:spTree>
     <p:extLst>
       <p:ext uri="{BB962C8B-B14F-4D97-AF65-F5344CB8AC3E}">
@@ -6371,6 +6957,91 @@
           </a:prstGeom>
         </p:spPr>
       </p:pic>
+      <p:sp>
+        <p:nvSpPr>
+          <p:cNvPr id="4" name="Datumsplatzhalter 3">
+            <a:extLst>
+              <a:ext uri="{FF2B5EF4-FFF2-40B4-BE49-F238E27FC236}">
+                <a16:creationId xmlns:a16="http://schemas.microsoft.com/office/drawing/2014/main" id="{DAE78038-2421-4C4C-A011-00FC1D9D3F54}"/>
+              </a:ext>
+            </a:extLst>
+          </p:cNvPr>
+          <p:cNvSpPr>
+            <a:spLocks noGrp="1"/>
+          </p:cNvSpPr>
+          <p:nvPr>
+            <p:ph type="dt" sz="half" idx="10"/>
+          </p:nvPr>
+        </p:nvSpPr>
+        <p:spPr/>
+        <p:txBody>
+          <a:bodyPr/>
+          <a:lstStyle/>
+          <a:p>
+            <a:r>
+              <a:rPr lang="de-CH"/>
+              <a:t>11.04.2019</a:t>
+            </a:r>
+          </a:p>
+        </p:txBody>
+      </p:sp>
+      <p:sp>
+        <p:nvSpPr>
+          <p:cNvPr id="6" name="Fußzeilenplatzhalter 5">
+            <a:extLst>
+              <a:ext uri="{FF2B5EF4-FFF2-40B4-BE49-F238E27FC236}">
+                <a16:creationId xmlns:a16="http://schemas.microsoft.com/office/drawing/2014/main" id="{FD4210A4-3B7F-412C-99DA-D3EFFE27DEE0}"/>
+              </a:ext>
+            </a:extLst>
+          </p:cNvPr>
+          <p:cNvSpPr>
+            <a:spLocks noGrp="1"/>
+          </p:cNvSpPr>
+          <p:nvPr>
+            <p:ph type="ftr" sz="quarter" idx="11"/>
+          </p:nvPr>
+        </p:nvSpPr>
+        <p:spPr/>
+        <p:txBody>
+          <a:bodyPr/>
+          <a:lstStyle/>
+          <a:p>
+            <a:r>
+              <a:rPr lang="de-CH"/>
+              <a:t>Gruppe 1</a:t>
+            </a:r>
+          </a:p>
+        </p:txBody>
+      </p:sp>
+      <p:sp>
+        <p:nvSpPr>
+          <p:cNvPr id="7" name="Foliennummernplatzhalter 6">
+            <a:extLst>
+              <a:ext uri="{FF2B5EF4-FFF2-40B4-BE49-F238E27FC236}">
+                <a16:creationId xmlns:a16="http://schemas.microsoft.com/office/drawing/2014/main" id="{E17EE59D-2DE0-4247-B681-277AB19A6ABA}"/>
+              </a:ext>
+            </a:extLst>
+          </p:cNvPr>
+          <p:cNvSpPr>
+            <a:spLocks noGrp="1"/>
+          </p:cNvSpPr>
+          <p:nvPr>
+            <p:ph type="sldNum" sz="quarter" idx="12"/>
+          </p:nvPr>
+        </p:nvSpPr>
+        <p:spPr/>
+        <p:txBody>
+          <a:bodyPr/>
+          <a:lstStyle/>
+          <a:p>
+            <a:fld id="{67DE59EB-AC61-4D10-8801-60733011B4E4}" type="slidenum">
+              <a:rPr lang="de-CH" smtClean="0"/>
+              <a:t>14</a:t>
+            </a:fld>
+            <a:endParaRPr lang="de-CH"/>
+          </a:p>
+        </p:txBody>
+      </p:sp>
     </p:spTree>
     <p:extLst>
       <p:ext uri="{BB962C8B-B14F-4D97-AF65-F5344CB8AC3E}">
@@ -6480,6 +7151,91 @@
           </a:p>
         </p:txBody>
       </p:sp>
+      <p:sp>
+        <p:nvSpPr>
+          <p:cNvPr id="4" name="Datumsplatzhalter 3">
+            <a:extLst>
+              <a:ext uri="{FF2B5EF4-FFF2-40B4-BE49-F238E27FC236}">
+                <a16:creationId xmlns:a16="http://schemas.microsoft.com/office/drawing/2014/main" id="{9104E0D1-F5D0-45FE-AC65-CC6DE211AA26}"/>
+              </a:ext>
+            </a:extLst>
+          </p:cNvPr>
+          <p:cNvSpPr>
+            <a:spLocks noGrp="1"/>
+          </p:cNvSpPr>
+          <p:nvPr>
+            <p:ph type="dt" sz="half" idx="10"/>
+          </p:nvPr>
+        </p:nvSpPr>
+        <p:spPr/>
+        <p:txBody>
+          <a:bodyPr/>
+          <a:lstStyle/>
+          <a:p>
+            <a:r>
+              <a:rPr lang="de-CH"/>
+              <a:t>11.04.2019</a:t>
+            </a:r>
+          </a:p>
+        </p:txBody>
+      </p:sp>
+      <p:sp>
+        <p:nvSpPr>
+          <p:cNvPr id="5" name="Fußzeilenplatzhalter 4">
+            <a:extLst>
+              <a:ext uri="{FF2B5EF4-FFF2-40B4-BE49-F238E27FC236}">
+                <a16:creationId xmlns:a16="http://schemas.microsoft.com/office/drawing/2014/main" id="{0BC8872E-BD08-4C3E-A02D-49F1454A0457}"/>
+              </a:ext>
+            </a:extLst>
+          </p:cNvPr>
+          <p:cNvSpPr>
+            <a:spLocks noGrp="1"/>
+          </p:cNvSpPr>
+          <p:nvPr>
+            <p:ph type="ftr" sz="quarter" idx="11"/>
+          </p:nvPr>
+        </p:nvSpPr>
+        <p:spPr/>
+        <p:txBody>
+          <a:bodyPr/>
+          <a:lstStyle/>
+          <a:p>
+            <a:r>
+              <a:rPr lang="de-CH"/>
+              <a:t>Gruppe 1</a:t>
+            </a:r>
+          </a:p>
+        </p:txBody>
+      </p:sp>
+      <p:sp>
+        <p:nvSpPr>
+          <p:cNvPr id="6" name="Foliennummernplatzhalter 5">
+            <a:extLst>
+              <a:ext uri="{FF2B5EF4-FFF2-40B4-BE49-F238E27FC236}">
+                <a16:creationId xmlns:a16="http://schemas.microsoft.com/office/drawing/2014/main" id="{0C5F4BD1-6361-40EC-843A-74CF77637264}"/>
+              </a:ext>
+            </a:extLst>
+          </p:cNvPr>
+          <p:cNvSpPr>
+            <a:spLocks noGrp="1"/>
+          </p:cNvSpPr>
+          <p:nvPr>
+            <p:ph type="sldNum" sz="quarter" idx="12"/>
+          </p:nvPr>
+        </p:nvSpPr>
+        <p:spPr/>
+        <p:txBody>
+          <a:bodyPr/>
+          <a:lstStyle/>
+          <a:p>
+            <a:fld id="{67DE59EB-AC61-4D10-8801-60733011B4E4}" type="slidenum">
+              <a:rPr lang="de-CH" smtClean="0"/>
+              <a:t>15</a:t>
+            </a:fld>
+            <a:endParaRPr lang="de-CH"/>
+          </a:p>
+        </p:txBody>
+      </p:sp>
     </p:spTree>
     <p:extLst>
       <p:ext uri="{BB962C8B-B14F-4D97-AF65-F5344CB8AC3E}">
@@ -6563,6 +7319,91 @@
           </a:p>
         </p:txBody>
       </p:sp>
+      <p:sp>
+        <p:nvSpPr>
+          <p:cNvPr id="3" name="Datumsplatzhalter 2">
+            <a:extLst>
+              <a:ext uri="{FF2B5EF4-FFF2-40B4-BE49-F238E27FC236}">
+                <a16:creationId xmlns:a16="http://schemas.microsoft.com/office/drawing/2014/main" id="{34BAC75A-B53C-41CF-808B-15D21FDCEC9D}"/>
+              </a:ext>
+            </a:extLst>
+          </p:cNvPr>
+          <p:cNvSpPr>
+            <a:spLocks noGrp="1"/>
+          </p:cNvSpPr>
+          <p:nvPr>
+            <p:ph type="dt" sz="half" idx="10"/>
+          </p:nvPr>
+        </p:nvSpPr>
+        <p:spPr/>
+        <p:txBody>
+          <a:bodyPr/>
+          <a:lstStyle/>
+          <a:p>
+            <a:r>
+              <a:rPr lang="de-CH"/>
+              <a:t>11.04.2019</a:t>
+            </a:r>
+          </a:p>
+        </p:txBody>
+      </p:sp>
+      <p:sp>
+        <p:nvSpPr>
+          <p:cNvPr id="4" name="Fußzeilenplatzhalter 3">
+            <a:extLst>
+              <a:ext uri="{FF2B5EF4-FFF2-40B4-BE49-F238E27FC236}">
+                <a16:creationId xmlns:a16="http://schemas.microsoft.com/office/drawing/2014/main" id="{F405E387-A2E1-4E30-8970-0605782B7E7E}"/>
+              </a:ext>
+            </a:extLst>
+          </p:cNvPr>
+          <p:cNvSpPr>
+            <a:spLocks noGrp="1"/>
+          </p:cNvSpPr>
+          <p:nvPr>
+            <p:ph type="ftr" sz="quarter" idx="11"/>
+          </p:nvPr>
+        </p:nvSpPr>
+        <p:spPr/>
+        <p:txBody>
+          <a:bodyPr/>
+          <a:lstStyle/>
+          <a:p>
+            <a:r>
+              <a:rPr lang="de-CH"/>
+              <a:t>Gruppe 1</a:t>
+            </a:r>
+          </a:p>
+        </p:txBody>
+      </p:sp>
+      <p:sp>
+        <p:nvSpPr>
+          <p:cNvPr id="5" name="Foliennummernplatzhalter 4">
+            <a:extLst>
+              <a:ext uri="{FF2B5EF4-FFF2-40B4-BE49-F238E27FC236}">
+                <a16:creationId xmlns:a16="http://schemas.microsoft.com/office/drawing/2014/main" id="{37ADF01D-C825-4187-B6D7-5B0A6A07BB3D}"/>
+              </a:ext>
+            </a:extLst>
+          </p:cNvPr>
+          <p:cNvSpPr>
+            <a:spLocks noGrp="1"/>
+          </p:cNvSpPr>
+          <p:nvPr>
+            <p:ph type="sldNum" sz="quarter" idx="12"/>
+          </p:nvPr>
+        </p:nvSpPr>
+        <p:spPr/>
+        <p:txBody>
+          <a:bodyPr/>
+          <a:lstStyle/>
+          <a:p>
+            <a:fld id="{67DE59EB-AC61-4D10-8801-60733011B4E4}" type="slidenum">
+              <a:rPr lang="de-CH" smtClean="0"/>
+              <a:t>16</a:t>
+            </a:fld>
+            <a:endParaRPr lang="de-CH"/>
+          </a:p>
+        </p:txBody>
+      </p:sp>
     </p:spTree>
     <p:extLst>
       <p:ext uri="{BB962C8B-B14F-4D97-AF65-F5344CB8AC3E}">
@@ -6689,6 +7530,91 @@
           </a:p>
         </p:txBody>
       </p:sp>
+      <p:sp>
+        <p:nvSpPr>
+          <p:cNvPr id="4" name="Datumsplatzhalter 3">
+            <a:extLst>
+              <a:ext uri="{FF2B5EF4-FFF2-40B4-BE49-F238E27FC236}">
+                <a16:creationId xmlns:a16="http://schemas.microsoft.com/office/drawing/2014/main" id="{E740446E-1394-4FE7-9B41-E5FB27058978}"/>
+              </a:ext>
+            </a:extLst>
+          </p:cNvPr>
+          <p:cNvSpPr>
+            <a:spLocks noGrp="1"/>
+          </p:cNvSpPr>
+          <p:nvPr>
+            <p:ph type="dt" sz="half" idx="10"/>
+          </p:nvPr>
+        </p:nvSpPr>
+        <p:spPr/>
+        <p:txBody>
+          <a:bodyPr/>
+          <a:lstStyle/>
+          <a:p>
+            <a:r>
+              <a:rPr lang="de-CH"/>
+              <a:t>11.04.2019</a:t>
+            </a:r>
+          </a:p>
+        </p:txBody>
+      </p:sp>
+      <p:sp>
+        <p:nvSpPr>
+          <p:cNvPr id="5" name="Fußzeilenplatzhalter 4">
+            <a:extLst>
+              <a:ext uri="{FF2B5EF4-FFF2-40B4-BE49-F238E27FC236}">
+                <a16:creationId xmlns:a16="http://schemas.microsoft.com/office/drawing/2014/main" id="{6B6096FE-BB3C-47FE-93B3-648408A9FF2F}"/>
+              </a:ext>
+            </a:extLst>
+          </p:cNvPr>
+          <p:cNvSpPr>
+            <a:spLocks noGrp="1"/>
+          </p:cNvSpPr>
+          <p:nvPr>
+            <p:ph type="ftr" sz="quarter" idx="11"/>
+          </p:nvPr>
+        </p:nvSpPr>
+        <p:spPr/>
+        <p:txBody>
+          <a:bodyPr/>
+          <a:lstStyle/>
+          <a:p>
+            <a:r>
+              <a:rPr lang="de-CH"/>
+              <a:t>Gruppe 1</a:t>
+            </a:r>
+          </a:p>
+        </p:txBody>
+      </p:sp>
+      <p:sp>
+        <p:nvSpPr>
+          <p:cNvPr id="6" name="Foliennummernplatzhalter 5">
+            <a:extLst>
+              <a:ext uri="{FF2B5EF4-FFF2-40B4-BE49-F238E27FC236}">
+                <a16:creationId xmlns:a16="http://schemas.microsoft.com/office/drawing/2014/main" id="{5F0B6470-275E-41F5-A1F5-397671116739}"/>
+              </a:ext>
+            </a:extLst>
+          </p:cNvPr>
+          <p:cNvSpPr>
+            <a:spLocks noGrp="1"/>
+          </p:cNvSpPr>
+          <p:nvPr>
+            <p:ph type="sldNum" sz="quarter" idx="12"/>
+          </p:nvPr>
+        </p:nvSpPr>
+        <p:spPr/>
+        <p:txBody>
+          <a:bodyPr/>
+          <a:lstStyle/>
+          <a:p>
+            <a:fld id="{67DE59EB-AC61-4D10-8801-60733011B4E4}" type="slidenum">
+              <a:rPr lang="de-CH" smtClean="0"/>
+              <a:t>2</a:t>
+            </a:fld>
+            <a:endParaRPr lang="de-CH"/>
+          </a:p>
+        </p:txBody>
+      </p:sp>
     </p:spTree>
     <p:extLst>
       <p:ext uri="{BB962C8B-B14F-4D97-AF65-F5344CB8AC3E}">
@@ -6791,6 +7717,91 @@
           </a:p>
         </p:txBody>
       </p:sp>
+      <p:sp>
+        <p:nvSpPr>
+          <p:cNvPr id="4" name="Datumsplatzhalter 3">
+            <a:extLst>
+              <a:ext uri="{FF2B5EF4-FFF2-40B4-BE49-F238E27FC236}">
+                <a16:creationId xmlns:a16="http://schemas.microsoft.com/office/drawing/2014/main" id="{D1E75C81-E087-4223-84EF-2831BD42B185}"/>
+              </a:ext>
+            </a:extLst>
+          </p:cNvPr>
+          <p:cNvSpPr>
+            <a:spLocks noGrp="1"/>
+          </p:cNvSpPr>
+          <p:nvPr>
+            <p:ph type="dt" sz="half" idx="10"/>
+          </p:nvPr>
+        </p:nvSpPr>
+        <p:spPr/>
+        <p:txBody>
+          <a:bodyPr/>
+          <a:lstStyle/>
+          <a:p>
+            <a:r>
+              <a:rPr lang="de-CH"/>
+              <a:t>11.04.2019</a:t>
+            </a:r>
+          </a:p>
+        </p:txBody>
+      </p:sp>
+      <p:sp>
+        <p:nvSpPr>
+          <p:cNvPr id="5" name="Fußzeilenplatzhalter 4">
+            <a:extLst>
+              <a:ext uri="{FF2B5EF4-FFF2-40B4-BE49-F238E27FC236}">
+                <a16:creationId xmlns:a16="http://schemas.microsoft.com/office/drawing/2014/main" id="{056C630D-028A-4566-AE17-7298785AC74F}"/>
+              </a:ext>
+            </a:extLst>
+          </p:cNvPr>
+          <p:cNvSpPr>
+            <a:spLocks noGrp="1"/>
+          </p:cNvSpPr>
+          <p:nvPr>
+            <p:ph type="ftr" sz="quarter" idx="11"/>
+          </p:nvPr>
+        </p:nvSpPr>
+        <p:spPr/>
+        <p:txBody>
+          <a:bodyPr/>
+          <a:lstStyle/>
+          <a:p>
+            <a:r>
+              <a:rPr lang="de-CH"/>
+              <a:t>Gruppe 1</a:t>
+            </a:r>
+          </a:p>
+        </p:txBody>
+      </p:sp>
+      <p:sp>
+        <p:nvSpPr>
+          <p:cNvPr id="6" name="Foliennummernplatzhalter 5">
+            <a:extLst>
+              <a:ext uri="{FF2B5EF4-FFF2-40B4-BE49-F238E27FC236}">
+                <a16:creationId xmlns:a16="http://schemas.microsoft.com/office/drawing/2014/main" id="{DF1F39EF-A25F-4CA7-AC0E-06B9E449455C}"/>
+              </a:ext>
+            </a:extLst>
+          </p:cNvPr>
+          <p:cNvSpPr>
+            <a:spLocks noGrp="1"/>
+          </p:cNvSpPr>
+          <p:nvPr>
+            <p:ph type="sldNum" sz="quarter" idx="12"/>
+          </p:nvPr>
+        </p:nvSpPr>
+        <p:spPr/>
+        <p:txBody>
+          <a:bodyPr/>
+          <a:lstStyle/>
+          <a:p>
+            <a:fld id="{67DE59EB-AC61-4D10-8801-60733011B4E4}" type="slidenum">
+              <a:rPr lang="de-CH" smtClean="0"/>
+              <a:t>3</a:t>
+            </a:fld>
+            <a:endParaRPr lang="de-CH"/>
+          </a:p>
+        </p:txBody>
+      </p:sp>
     </p:spTree>
     <p:extLst>
       <p:ext uri="{BB962C8B-B14F-4D97-AF65-F5344CB8AC3E}">
@@ -6877,6 +7888,91 @@
           </a:p>
         </p:txBody>
       </p:sp>
+      <p:sp>
+        <p:nvSpPr>
+          <p:cNvPr id="4" name="Datumsplatzhalter 3">
+            <a:extLst>
+              <a:ext uri="{FF2B5EF4-FFF2-40B4-BE49-F238E27FC236}">
+                <a16:creationId xmlns:a16="http://schemas.microsoft.com/office/drawing/2014/main" id="{2246BFC4-68E7-471B-91A9-A28771B7AAE4}"/>
+              </a:ext>
+            </a:extLst>
+          </p:cNvPr>
+          <p:cNvSpPr>
+            <a:spLocks noGrp="1"/>
+          </p:cNvSpPr>
+          <p:nvPr>
+            <p:ph type="dt" sz="half" idx="10"/>
+          </p:nvPr>
+        </p:nvSpPr>
+        <p:spPr/>
+        <p:txBody>
+          <a:bodyPr/>
+          <a:lstStyle/>
+          <a:p>
+            <a:r>
+              <a:rPr lang="de-CH"/>
+              <a:t>11.04.2019</a:t>
+            </a:r>
+          </a:p>
+        </p:txBody>
+      </p:sp>
+      <p:sp>
+        <p:nvSpPr>
+          <p:cNvPr id="5" name="Fußzeilenplatzhalter 4">
+            <a:extLst>
+              <a:ext uri="{FF2B5EF4-FFF2-40B4-BE49-F238E27FC236}">
+                <a16:creationId xmlns:a16="http://schemas.microsoft.com/office/drawing/2014/main" id="{D24C1F53-2EFF-4930-8F1F-210833E0C878}"/>
+              </a:ext>
+            </a:extLst>
+          </p:cNvPr>
+          <p:cNvSpPr>
+            <a:spLocks noGrp="1"/>
+          </p:cNvSpPr>
+          <p:nvPr>
+            <p:ph type="ftr" sz="quarter" idx="11"/>
+          </p:nvPr>
+        </p:nvSpPr>
+        <p:spPr/>
+        <p:txBody>
+          <a:bodyPr/>
+          <a:lstStyle/>
+          <a:p>
+            <a:r>
+              <a:rPr lang="de-CH"/>
+              <a:t>Gruppe 1</a:t>
+            </a:r>
+          </a:p>
+        </p:txBody>
+      </p:sp>
+      <p:sp>
+        <p:nvSpPr>
+          <p:cNvPr id="6" name="Foliennummernplatzhalter 5">
+            <a:extLst>
+              <a:ext uri="{FF2B5EF4-FFF2-40B4-BE49-F238E27FC236}">
+                <a16:creationId xmlns:a16="http://schemas.microsoft.com/office/drawing/2014/main" id="{20706644-47D9-4BF3-A200-CB2CD2EF6864}"/>
+              </a:ext>
+            </a:extLst>
+          </p:cNvPr>
+          <p:cNvSpPr>
+            <a:spLocks noGrp="1"/>
+          </p:cNvSpPr>
+          <p:nvPr>
+            <p:ph type="sldNum" sz="quarter" idx="12"/>
+          </p:nvPr>
+        </p:nvSpPr>
+        <p:spPr/>
+        <p:txBody>
+          <a:bodyPr/>
+          <a:lstStyle/>
+          <a:p>
+            <a:fld id="{67DE59EB-AC61-4D10-8801-60733011B4E4}" type="slidenum">
+              <a:rPr lang="de-CH" smtClean="0"/>
+              <a:t>4</a:t>
+            </a:fld>
+            <a:endParaRPr lang="de-CH"/>
+          </a:p>
+        </p:txBody>
+      </p:sp>
     </p:spTree>
     <p:extLst>
       <p:ext uri="{BB962C8B-B14F-4D97-AF65-F5344CB8AC3E}">
@@ -6968,6 +8064,91 @@
           </a:prstGeom>
         </p:spPr>
       </p:pic>
+      <p:sp>
+        <p:nvSpPr>
+          <p:cNvPr id="3" name="Datumsplatzhalter 2">
+            <a:extLst>
+              <a:ext uri="{FF2B5EF4-FFF2-40B4-BE49-F238E27FC236}">
+                <a16:creationId xmlns:a16="http://schemas.microsoft.com/office/drawing/2014/main" id="{F7A643DD-B5B0-4378-A61F-14AF9E5408CA}"/>
+              </a:ext>
+            </a:extLst>
+          </p:cNvPr>
+          <p:cNvSpPr>
+            <a:spLocks noGrp="1"/>
+          </p:cNvSpPr>
+          <p:nvPr>
+            <p:ph type="dt" sz="half" idx="10"/>
+          </p:nvPr>
+        </p:nvSpPr>
+        <p:spPr/>
+        <p:txBody>
+          <a:bodyPr/>
+          <a:lstStyle/>
+          <a:p>
+            <a:r>
+              <a:rPr lang="de-CH"/>
+              <a:t>11.04.2019</a:t>
+            </a:r>
+          </a:p>
+        </p:txBody>
+      </p:sp>
+      <p:sp>
+        <p:nvSpPr>
+          <p:cNvPr id="4" name="Fußzeilenplatzhalter 3">
+            <a:extLst>
+              <a:ext uri="{FF2B5EF4-FFF2-40B4-BE49-F238E27FC236}">
+                <a16:creationId xmlns:a16="http://schemas.microsoft.com/office/drawing/2014/main" id="{84523ECE-2588-4DFD-8F61-DE7780075A13}"/>
+              </a:ext>
+            </a:extLst>
+          </p:cNvPr>
+          <p:cNvSpPr>
+            <a:spLocks noGrp="1"/>
+          </p:cNvSpPr>
+          <p:nvPr>
+            <p:ph type="ftr" sz="quarter" idx="11"/>
+          </p:nvPr>
+        </p:nvSpPr>
+        <p:spPr/>
+        <p:txBody>
+          <a:bodyPr/>
+          <a:lstStyle/>
+          <a:p>
+            <a:r>
+              <a:rPr lang="de-CH"/>
+              <a:t>Gruppe 1</a:t>
+            </a:r>
+          </a:p>
+        </p:txBody>
+      </p:sp>
+      <p:sp>
+        <p:nvSpPr>
+          <p:cNvPr id="6" name="Foliennummernplatzhalter 5">
+            <a:extLst>
+              <a:ext uri="{FF2B5EF4-FFF2-40B4-BE49-F238E27FC236}">
+                <a16:creationId xmlns:a16="http://schemas.microsoft.com/office/drawing/2014/main" id="{9D67451D-42A9-43A7-A178-A94AF78FFCF2}"/>
+              </a:ext>
+            </a:extLst>
+          </p:cNvPr>
+          <p:cNvSpPr>
+            <a:spLocks noGrp="1"/>
+          </p:cNvSpPr>
+          <p:nvPr>
+            <p:ph type="sldNum" sz="quarter" idx="12"/>
+          </p:nvPr>
+        </p:nvSpPr>
+        <p:spPr/>
+        <p:txBody>
+          <a:bodyPr/>
+          <a:lstStyle/>
+          <a:p>
+            <a:fld id="{67DE59EB-AC61-4D10-8801-60733011B4E4}" type="slidenum">
+              <a:rPr lang="de-CH" smtClean="0"/>
+              <a:t>5</a:t>
+            </a:fld>
+            <a:endParaRPr lang="de-CH"/>
+          </a:p>
+        </p:txBody>
+      </p:sp>
     </p:spTree>
     <p:extLst>
       <p:ext uri="{BB962C8B-B14F-4D97-AF65-F5344CB8AC3E}">
@@ -7140,6 +8321,91 @@
           </a:p>
         </p:txBody>
       </p:sp>
+      <p:sp>
+        <p:nvSpPr>
+          <p:cNvPr id="2" name="Datumsplatzhalter 1">
+            <a:extLst>
+              <a:ext uri="{FF2B5EF4-FFF2-40B4-BE49-F238E27FC236}">
+                <a16:creationId xmlns:a16="http://schemas.microsoft.com/office/drawing/2014/main" id="{FC32EDD1-A84E-4FCB-B177-1645DA781B9C}"/>
+              </a:ext>
+            </a:extLst>
+          </p:cNvPr>
+          <p:cNvSpPr>
+            <a:spLocks noGrp="1"/>
+          </p:cNvSpPr>
+          <p:nvPr>
+            <p:ph type="dt" sz="half" idx="10"/>
+          </p:nvPr>
+        </p:nvSpPr>
+        <p:spPr/>
+        <p:txBody>
+          <a:bodyPr/>
+          <a:lstStyle/>
+          <a:p>
+            <a:r>
+              <a:rPr lang="de-CH"/>
+              <a:t>11.04.2019</a:t>
+            </a:r>
+          </a:p>
+        </p:txBody>
+      </p:sp>
+      <p:sp>
+        <p:nvSpPr>
+          <p:cNvPr id="3" name="Fußzeilenplatzhalter 2">
+            <a:extLst>
+              <a:ext uri="{FF2B5EF4-FFF2-40B4-BE49-F238E27FC236}">
+                <a16:creationId xmlns:a16="http://schemas.microsoft.com/office/drawing/2014/main" id="{A7607573-7CDD-4CEB-A7F6-F0DCD4BC6DD6}"/>
+              </a:ext>
+            </a:extLst>
+          </p:cNvPr>
+          <p:cNvSpPr>
+            <a:spLocks noGrp="1"/>
+          </p:cNvSpPr>
+          <p:nvPr>
+            <p:ph type="ftr" sz="quarter" idx="11"/>
+          </p:nvPr>
+        </p:nvSpPr>
+        <p:spPr/>
+        <p:txBody>
+          <a:bodyPr/>
+          <a:lstStyle/>
+          <a:p>
+            <a:r>
+              <a:rPr lang="de-CH"/>
+              <a:t>Gruppe 1</a:t>
+            </a:r>
+          </a:p>
+        </p:txBody>
+      </p:sp>
+      <p:sp>
+        <p:nvSpPr>
+          <p:cNvPr id="4" name="Foliennummernplatzhalter 3">
+            <a:extLst>
+              <a:ext uri="{FF2B5EF4-FFF2-40B4-BE49-F238E27FC236}">
+                <a16:creationId xmlns:a16="http://schemas.microsoft.com/office/drawing/2014/main" id="{21A5610C-74F3-4FDF-B7DB-D40B6A03B904}"/>
+              </a:ext>
+            </a:extLst>
+          </p:cNvPr>
+          <p:cNvSpPr>
+            <a:spLocks noGrp="1"/>
+          </p:cNvSpPr>
+          <p:nvPr>
+            <p:ph type="sldNum" sz="quarter" idx="12"/>
+          </p:nvPr>
+        </p:nvSpPr>
+        <p:spPr/>
+        <p:txBody>
+          <a:bodyPr/>
+          <a:lstStyle/>
+          <a:p>
+            <a:fld id="{67DE59EB-AC61-4D10-8801-60733011B4E4}" type="slidenum">
+              <a:rPr lang="de-CH" smtClean="0"/>
+              <a:t>6</a:t>
+            </a:fld>
+            <a:endParaRPr lang="de-CH"/>
+          </a:p>
+        </p:txBody>
+      </p:sp>
     </p:spTree>
     <p:extLst>
       <p:ext uri="{BB962C8B-B14F-4D97-AF65-F5344CB8AC3E}">
@@ -7312,6 +8578,91 @@
           </a:p>
         </p:txBody>
       </p:sp>
+      <p:sp>
+        <p:nvSpPr>
+          <p:cNvPr id="2" name="Datumsplatzhalter 1">
+            <a:extLst>
+              <a:ext uri="{FF2B5EF4-FFF2-40B4-BE49-F238E27FC236}">
+                <a16:creationId xmlns:a16="http://schemas.microsoft.com/office/drawing/2014/main" id="{3980D1CA-A106-481F-8A54-BCAFA7AC81BB}"/>
+              </a:ext>
+            </a:extLst>
+          </p:cNvPr>
+          <p:cNvSpPr>
+            <a:spLocks noGrp="1"/>
+          </p:cNvSpPr>
+          <p:nvPr>
+            <p:ph type="dt" sz="half" idx="10"/>
+          </p:nvPr>
+        </p:nvSpPr>
+        <p:spPr/>
+        <p:txBody>
+          <a:bodyPr/>
+          <a:lstStyle/>
+          <a:p>
+            <a:r>
+              <a:rPr lang="de-CH"/>
+              <a:t>11.04.2019</a:t>
+            </a:r>
+          </a:p>
+        </p:txBody>
+      </p:sp>
+      <p:sp>
+        <p:nvSpPr>
+          <p:cNvPr id="3" name="Fußzeilenplatzhalter 2">
+            <a:extLst>
+              <a:ext uri="{FF2B5EF4-FFF2-40B4-BE49-F238E27FC236}">
+                <a16:creationId xmlns:a16="http://schemas.microsoft.com/office/drawing/2014/main" id="{882B3E43-C76B-43D8-B0F3-85FC4397E38F}"/>
+              </a:ext>
+            </a:extLst>
+          </p:cNvPr>
+          <p:cNvSpPr>
+            <a:spLocks noGrp="1"/>
+          </p:cNvSpPr>
+          <p:nvPr>
+            <p:ph type="ftr" sz="quarter" idx="11"/>
+          </p:nvPr>
+        </p:nvSpPr>
+        <p:spPr/>
+        <p:txBody>
+          <a:bodyPr/>
+          <a:lstStyle/>
+          <a:p>
+            <a:r>
+              <a:rPr lang="de-CH"/>
+              <a:t>Gruppe 1</a:t>
+            </a:r>
+          </a:p>
+        </p:txBody>
+      </p:sp>
+      <p:sp>
+        <p:nvSpPr>
+          <p:cNvPr id="4" name="Foliennummernplatzhalter 3">
+            <a:extLst>
+              <a:ext uri="{FF2B5EF4-FFF2-40B4-BE49-F238E27FC236}">
+                <a16:creationId xmlns:a16="http://schemas.microsoft.com/office/drawing/2014/main" id="{53A10353-78DB-4CD0-8E92-F140B72B1686}"/>
+              </a:ext>
+            </a:extLst>
+          </p:cNvPr>
+          <p:cNvSpPr>
+            <a:spLocks noGrp="1"/>
+          </p:cNvSpPr>
+          <p:nvPr>
+            <p:ph type="sldNum" sz="quarter" idx="12"/>
+          </p:nvPr>
+        </p:nvSpPr>
+        <p:spPr/>
+        <p:txBody>
+          <a:bodyPr/>
+          <a:lstStyle/>
+          <a:p>
+            <a:fld id="{67DE59EB-AC61-4D10-8801-60733011B4E4}" type="slidenum">
+              <a:rPr lang="de-CH" smtClean="0"/>
+              <a:t>7</a:t>
+            </a:fld>
+            <a:endParaRPr lang="de-CH"/>
+          </a:p>
+        </p:txBody>
+      </p:sp>
     </p:spTree>
     <p:extLst>
       <p:ext uri="{BB962C8B-B14F-4D97-AF65-F5344CB8AC3E}">
@@ -7415,6 +8766,91 @@
           </a:xfrm>
         </p:spPr>
       </p:pic>
+      <p:sp>
+        <p:nvSpPr>
+          <p:cNvPr id="3" name="Datumsplatzhalter 2">
+            <a:extLst>
+              <a:ext uri="{FF2B5EF4-FFF2-40B4-BE49-F238E27FC236}">
+                <a16:creationId xmlns:a16="http://schemas.microsoft.com/office/drawing/2014/main" id="{0D381AEC-7F85-48A6-8A2C-CD36FDD1A860}"/>
+              </a:ext>
+            </a:extLst>
+          </p:cNvPr>
+          <p:cNvSpPr>
+            <a:spLocks noGrp="1"/>
+          </p:cNvSpPr>
+          <p:nvPr>
+            <p:ph type="dt" sz="half" idx="10"/>
+          </p:nvPr>
+        </p:nvSpPr>
+        <p:spPr/>
+        <p:txBody>
+          <a:bodyPr/>
+          <a:lstStyle/>
+          <a:p>
+            <a:r>
+              <a:rPr lang="de-CH"/>
+              <a:t>11.04.2019</a:t>
+            </a:r>
+          </a:p>
+        </p:txBody>
+      </p:sp>
+      <p:sp>
+        <p:nvSpPr>
+          <p:cNvPr id="4" name="Fußzeilenplatzhalter 3">
+            <a:extLst>
+              <a:ext uri="{FF2B5EF4-FFF2-40B4-BE49-F238E27FC236}">
+                <a16:creationId xmlns:a16="http://schemas.microsoft.com/office/drawing/2014/main" id="{67A4438C-AE65-4368-889B-54D68278C857}"/>
+              </a:ext>
+            </a:extLst>
+          </p:cNvPr>
+          <p:cNvSpPr>
+            <a:spLocks noGrp="1"/>
+          </p:cNvSpPr>
+          <p:nvPr>
+            <p:ph type="ftr" sz="quarter" idx="11"/>
+          </p:nvPr>
+        </p:nvSpPr>
+        <p:spPr/>
+        <p:txBody>
+          <a:bodyPr/>
+          <a:lstStyle/>
+          <a:p>
+            <a:r>
+              <a:rPr lang="de-CH"/>
+              <a:t>Gruppe 1</a:t>
+            </a:r>
+          </a:p>
+        </p:txBody>
+      </p:sp>
+      <p:sp>
+        <p:nvSpPr>
+          <p:cNvPr id="5" name="Foliennummernplatzhalter 4">
+            <a:extLst>
+              <a:ext uri="{FF2B5EF4-FFF2-40B4-BE49-F238E27FC236}">
+                <a16:creationId xmlns:a16="http://schemas.microsoft.com/office/drawing/2014/main" id="{DBB5FEF5-4498-490F-BE5D-C37143E8361A}"/>
+              </a:ext>
+            </a:extLst>
+          </p:cNvPr>
+          <p:cNvSpPr>
+            <a:spLocks noGrp="1"/>
+          </p:cNvSpPr>
+          <p:nvPr>
+            <p:ph type="sldNum" sz="quarter" idx="12"/>
+          </p:nvPr>
+        </p:nvSpPr>
+        <p:spPr/>
+        <p:txBody>
+          <a:bodyPr/>
+          <a:lstStyle/>
+          <a:p>
+            <a:fld id="{67DE59EB-AC61-4D10-8801-60733011B4E4}" type="slidenum">
+              <a:rPr lang="de-CH" smtClean="0"/>
+              <a:t>8</a:t>
+            </a:fld>
+            <a:endParaRPr lang="de-CH"/>
+          </a:p>
+        </p:txBody>
+      </p:sp>
     </p:spTree>
     <p:extLst>
       <p:ext uri="{BB962C8B-B14F-4D97-AF65-F5344CB8AC3E}">
@@ -7518,6 +8954,91 @@
           </a:xfrm>
         </p:spPr>
       </p:pic>
+      <p:sp>
+        <p:nvSpPr>
+          <p:cNvPr id="3" name="Datumsplatzhalter 2">
+            <a:extLst>
+              <a:ext uri="{FF2B5EF4-FFF2-40B4-BE49-F238E27FC236}">
+                <a16:creationId xmlns:a16="http://schemas.microsoft.com/office/drawing/2014/main" id="{346A7BB0-DE88-49D7-851E-097C83BF3BCA}"/>
+              </a:ext>
+            </a:extLst>
+          </p:cNvPr>
+          <p:cNvSpPr>
+            <a:spLocks noGrp="1"/>
+          </p:cNvSpPr>
+          <p:nvPr>
+            <p:ph type="dt" sz="half" idx="10"/>
+          </p:nvPr>
+        </p:nvSpPr>
+        <p:spPr/>
+        <p:txBody>
+          <a:bodyPr/>
+          <a:lstStyle/>
+          <a:p>
+            <a:r>
+              <a:rPr lang="de-CH"/>
+              <a:t>11.04.2019</a:t>
+            </a:r>
+          </a:p>
+        </p:txBody>
+      </p:sp>
+      <p:sp>
+        <p:nvSpPr>
+          <p:cNvPr id="4" name="Fußzeilenplatzhalter 3">
+            <a:extLst>
+              <a:ext uri="{FF2B5EF4-FFF2-40B4-BE49-F238E27FC236}">
+                <a16:creationId xmlns:a16="http://schemas.microsoft.com/office/drawing/2014/main" id="{81ABF27F-FDE4-4DE3-BC0A-24E3D747A4DA}"/>
+              </a:ext>
+            </a:extLst>
+          </p:cNvPr>
+          <p:cNvSpPr>
+            <a:spLocks noGrp="1"/>
+          </p:cNvSpPr>
+          <p:nvPr>
+            <p:ph type="ftr" sz="quarter" idx="11"/>
+          </p:nvPr>
+        </p:nvSpPr>
+        <p:spPr/>
+        <p:txBody>
+          <a:bodyPr/>
+          <a:lstStyle/>
+          <a:p>
+            <a:r>
+              <a:rPr lang="de-CH"/>
+              <a:t>Gruppe 1</a:t>
+            </a:r>
+          </a:p>
+        </p:txBody>
+      </p:sp>
+      <p:sp>
+        <p:nvSpPr>
+          <p:cNvPr id="6" name="Foliennummernplatzhalter 5">
+            <a:extLst>
+              <a:ext uri="{FF2B5EF4-FFF2-40B4-BE49-F238E27FC236}">
+                <a16:creationId xmlns:a16="http://schemas.microsoft.com/office/drawing/2014/main" id="{6330A05C-1A58-4908-827F-FA2A97696E5C}"/>
+              </a:ext>
+            </a:extLst>
+          </p:cNvPr>
+          <p:cNvSpPr>
+            <a:spLocks noGrp="1"/>
+          </p:cNvSpPr>
+          <p:nvPr>
+            <p:ph type="sldNum" sz="quarter" idx="12"/>
+          </p:nvPr>
+        </p:nvSpPr>
+        <p:spPr/>
+        <p:txBody>
+          <a:bodyPr/>
+          <a:lstStyle/>
+          <a:p>
+            <a:fld id="{67DE59EB-AC61-4D10-8801-60733011B4E4}" type="slidenum">
+              <a:rPr lang="de-CH" smtClean="0"/>
+              <a:t>9</a:t>
+            </a:fld>
+            <a:endParaRPr lang="de-CH"/>
+          </a:p>
+        </p:txBody>
+      </p:sp>
     </p:spTree>
     <p:extLst>
       <p:ext uri="{BB962C8B-B14F-4D97-AF65-F5344CB8AC3E}">

--- a/Präsentation/Zwischenpräsentation.pptx
+++ b/Präsentation/Zwischenpräsentation.pptx
@@ -5,7 +5,7 @@
     <p:sldMasterId id="2147483710" r:id="rId1"/>
   </p:sldMasterIdLst>
   <p:notesMasterIdLst>
-    <p:notesMasterId r:id="rId18"/>
+    <p:notesMasterId r:id="rId16"/>
   </p:notesMasterIdLst>
   <p:sldIdLst>
     <p:sldId id="256" r:id="rId2"/>
@@ -13,17 +13,15 @@
     <p:sldId id="266" r:id="rId4"/>
     <p:sldId id="275" r:id="rId5"/>
     <p:sldId id="263" r:id="rId6"/>
-    <p:sldId id="264" r:id="rId7"/>
-    <p:sldId id="265" r:id="rId8"/>
-    <p:sldId id="273" r:id="rId9"/>
-    <p:sldId id="267" r:id="rId10"/>
-    <p:sldId id="268" r:id="rId11"/>
-    <p:sldId id="269" r:id="rId12"/>
-    <p:sldId id="270" r:id="rId13"/>
-    <p:sldId id="271" r:id="rId14"/>
-    <p:sldId id="272" r:id="rId15"/>
-    <p:sldId id="274" r:id="rId16"/>
-    <p:sldId id="261" r:id="rId17"/>
+    <p:sldId id="273" r:id="rId7"/>
+    <p:sldId id="267" r:id="rId8"/>
+    <p:sldId id="268" r:id="rId9"/>
+    <p:sldId id="269" r:id="rId10"/>
+    <p:sldId id="270" r:id="rId11"/>
+    <p:sldId id="271" r:id="rId12"/>
+    <p:sldId id="272" r:id="rId13"/>
+    <p:sldId id="274" r:id="rId14"/>
+    <p:sldId id="261" r:id="rId15"/>
   </p:sldIdLst>
   <p:sldSz cx="12192000" cy="6858000"/>
   <p:notesSz cx="6858000" cy="9144000"/>
@@ -130,6 +128,4662 @@
 </p:presentation>
 </file>
 
+<file path=ppt/diagrams/colors1.xml><?xml version="1.0" encoding="utf-8"?>
+<dgm:colorsDef xmlns:dgm="http://schemas.openxmlformats.org/drawingml/2006/diagram" xmlns:a="http://schemas.openxmlformats.org/drawingml/2006/main" uniqueId="urn:microsoft.com/office/officeart/2005/8/colors/accent1_2">
+  <dgm:title val=""/>
+  <dgm:desc val=""/>
+  <dgm:catLst>
+    <dgm:cat type="accent1" pri="11200"/>
+  </dgm:catLst>
+  <dgm:styleLbl name="node0">
+    <dgm:fillClrLst meth="repeat">
+      <a:schemeClr val="accent1"/>
+    </dgm:fillClrLst>
+    <dgm:linClrLst meth="repeat">
+      <a:schemeClr val="lt1"/>
+    </dgm:linClrLst>
+    <dgm:effectClrLst/>
+    <dgm:txLinClrLst/>
+    <dgm:txFillClrLst/>
+    <dgm:txEffectClrLst/>
+  </dgm:styleLbl>
+  <dgm:styleLbl name="alignNode1">
+    <dgm:fillClrLst meth="repeat">
+      <a:schemeClr val="accent1"/>
+    </dgm:fillClrLst>
+    <dgm:linClrLst meth="repeat">
+      <a:schemeClr val="accent1"/>
+    </dgm:linClrLst>
+    <dgm:effectClrLst/>
+    <dgm:txLinClrLst/>
+    <dgm:txFillClrLst/>
+    <dgm:txEffectClrLst/>
+  </dgm:styleLbl>
+  <dgm:styleLbl name="node1">
+    <dgm:fillClrLst meth="repeat">
+      <a:schemeClr val="accent1"/>
+    </dgm:fillClrLst>
+    <dgm:linClrLst meth="repeat">
+      <a:schemeClr val="lt1"/>
+    </dgm:linClrLst>
+    <dgm:effectClrLst/>
+    <dgm:txLinClrLst/>
+    <dgm:txFillClrLst/>
+    <dgm:txEffectClrLst/>
+  </dgm:styleLbl>
+  <dgm:styleLbl name="lnNode1">
+    <dgm:fillClrLst meth="repeat">
+      <a:schemeClr val="accent1"/>
+    </dgm:fillClrLst>
+    <dgm:linClrLst meth="repeat">
+      <a:schemeClr val="lt1"/>
+    </dgm:linClrLst>
+    <dgm:effectClrLst/>
+    <dgm:txLinClrLst/>
+    <dgm:txFillClrLst/>
+    <dgm:txEffectClrLst/>
+  </dgm:styleLbl>
+  <dgm:styleLbl name="vennNode1">
+    <dgm:fillClrLst meth="repeat">
+      <a:schemeClr val="accent1">
+        <a:alpha val="50000"/>
+      </a:schemeClr>
+    </dgm:fillClrLst>
+    <dgm:linClrLst meth="repeat">
+      <a:schemeClr val="lt1"/>
+    </dgm:linClrLst>
+    <dgm:effectClrLst/>
+    <dgm:txLinClrLst/>
+    <dgm:txFillClrLst/>
+    <dgm:txEffectClrLst/>
+  </dgm:styleLbl>
+  <dgm:styleLbl name="node2">
+    <dgm:fillClrLst meth="repeat">
+      <a:schemeClr val="accent1"/>
+    </dgm:fillClrLst>
+    <dgm:linClrLst meth="repeat">
+      <a:schemeClr val="lt1"/>
+    </dgm:linClrLst>
+    <dgm:effectClrLst/>
+    <dgm:txLinClrLst/>
+    <dgm:txFillClrLst/>
+    <dgm:txEffectClrLst/>
+  </dgm:styleLbl>
+  <dgm:styleLbl name="node3">
+    <dgm:fillClrLst meth="repeat">
+      <a:schemeClr val="accent1"/>
+    </dgm:fillClrLst>
+    <dgm:linClrLst meth="repeat">
+      <a:schemeClr val="lt1"/>
+    </dgm:linClrLst>
+    <dgm:effectClrLst/>
+    <dgm:txLinClrLst/>
+    <dgm:txFillClrLst/>
+    <dgm:txEffectClrLst/>
+  </dgm:styleLbl>
+  <dgm:styleLbl name="node4">
+    <dgm:fillClrLst meth="repeat">
+      <a:schemeClr val="accent1"/>
+    </dgm:fillClrLst>
+    <dgm:linClrLst meth="repeat">
+      <a:schemeClr val="lt1"/>
+    </dgm:linClrLst>
+    <dgm:effectClrLst/>
+    <dgm:txLinClrLst/>
+    <dgm:txFillClrLst/>
+    <dgm:txEffectClrLst/>
+  </dgm:styleLbl>
+  <dgm:styleLbl name="fgImgPlace1">
+    <dgm:fillClrLst meth="repeat">
+      <a:schemeClr val="accent1">
+        <a:tint val="50000"/>
+      </a:schemeClr>
+    </dgm:fillClrLst>
+    <dgm:linClrLst meth="repeat">
+      <a:schemeClr val="lt1"/>
+    </dgm:linClrLst>
+    <dgm:effectClrLst/>
+    <dgm:txLinClrLst/>
+    <dgm:txFillClrLst meth="repeat">
+      <a:schemeClr val="lt1"/>
+    </dgm:txFillClrLst>
+    <dgm:txEffectClrLst/>
+  </dgm:styleLbl>
+  <dgm:styleLbl name="alignImgPlace1">
+    <dgm:fillClrLst meth="repeat">
+      <a:schemeClr val="accent1">
+        <a:tint val="50000"/>
+      </a:schemeClr>
+    </dgm:fillClrLst>
+    <dgm:linClrLst meth="repeat">
+      <a:schemeClr val="lt1"/>
+    </dgm:linClrLst>
+    <dgm:effectClrLst/>
+    <dgm:txLinClrLst/>
+    <dgm:txFillClrLst meth="repeat">
+      <a:schemeClr val="lt1"/>
+    </dgm:txFillClrLst>
+    <dgm:txEffectClrLst/>
+  </dgm:styleLbl>
+  <dgm:styleLbl name="bgImgPlace1">
+    <dgm:fillClrLst meth="repeat">
+      <a:schemeClr val="accent1">
+        <a:tint val="50000"/>
+      </a:schemeClr>
+    </dgm:fillClrLst>
+    <dgm:linClrLst meth="repeat">
+      <a:schemeClr val="lt1"/>
+    </dgm:linClrLst>
+    <dgm:effectClrLst/>
+    <dgm:txLinClrLst/>
+    <dgm:txFillClrLst meth="repeat">
+      <a:schemeClr val="lt1"/>
+    </dgm:txFillClrLst>
+    <dgm:txEffectClrLst/>
+  </dgm:styleLbl>
+  <dgm:styleLbl name="sibTrans2D1">
+    <dgm:fillClrLst meth="repeat">
+      <a:schemeClr val="accent1">
+        <a:tint val="60000"/>
+      </a:schemeClr>
+    </dgm:fillClrLst>
+    <dgm:linClrLst meth="repeat">
+      <a:schemeClr val="accent1">
+        <a:tint val="60000"/>
+      </a:schemeClr>
+    </dgm:linClrLst>
+    <dgm:effectClrLst/>
+    <dgm:txLinClrLst/>
+    <dgm:txFillClrLst/>
+    <dgm:txEffectClrLst/>
+  </dgm:styleLbl>
+  <dgm:styleLbl name="fgSibTrans2D1">
+    <dgm:fillClrLst meth="repeat">
+      <a:schemeClr val="accent1">
+        <a:tint val="60000"/>
+      </a:schemeClr>
+    </dgm:fillClrLst>
+    <dgm:linClrLst meth="repeat">
+      <a:schemeClr val="accent1">
+        <a:tint val="60000"/>
+      </a:schemeClr>
+    </dgm:linClrLst>
+    <dgm:effectClrLst/>
+    <dgm:txLinClrLst/>
+    <dgm:txFillClrLst/>
+    <dgm:txEffectClrLst/>
+  </dgm:styleLbl>
+  <dgm:styleLbl name="bgSibTrans2D1">
+    <dgm:fillClrLst meth="repeat">
+      <a:schemeClr val="accent1">
+        <a:tint val="60000"/>
+      </a:schemeClr>
+    </dgm:fillClrLst>
+    <dgm:linClrLst meth="repeat">
+      <a:schemeClr val="accent1">
+        <a:tint val="60000"/>
+      </a:schemeClr>
+    </dgm:linClrLst>
+    <dgm:effectClrLst/>
+    <dgm:txLinClrLst/>
+    <dgm:txFillClrLst/>
+    <dgm:txEffectClrLst/>
+  </dgm:styleLbl>
+  <dgm:styleLbl name="sibTrans1D1">
+    <dgm:fillClrLst meth="repeat">
+      <a:schemeClr val="accent1"/>
+    </dgm:fillClrLst>
+    <dgm:linClrLst meth="repeat">
+      <a:schemeClr val="accent1"/>
+    </dgm:linClrLst>
+    <dgm:effectClrLst/>
+    <dgm:txLinClrLst/>
+    <dgm:txFillClrLst meth="repeat">
+      <a:schemeClr val="tx1"/>
+    </dgm:txFillClrLst>
+    <dgm:txEffectClrLst/>
+  </dgm:styleLbl>
+  <dgm:styleLbl name="callout">
+    <dgm:fillClrLst meth="repeat">
+      <a:schemeClr val="accent1"/>
+    </dgm:fillClrLst>
+    <dgm:linClrLst meth="repeat">
+      <a:schemeClr val="accent1">
+        <a:tint val="50000"/>
+      </a:schemeClr>
+    </dgm:linClrLst>
+    <dgm:effectClrLst/>
+    <dgm:txLinClrLst/>
+    <dgm:txFillClrLst meth="repeat">
+      <a:schemeClr val="tx1"/>
+    </dgm:txFillClrLst>
+    <dgm:txEffectClrLst/>
+  </dgm:styleLbl>
+  <dgm:styleLbl name="asst0">
+    <dgm:fillClrLst meth="repeat">
+      <a:schemeClr val="accent1"/>
+    </dgm:fillClrLst>
+    <dgm:linClrLst meth="repeat">
+      <a:schemeClr val="lt1"/>
+    </dgm:linClrLst>
+    <dgm:effectClrLst/>
+    <dgm:txLinClrLst/>
+    <dgm:txFillClrLst/>
+    <dgm:txEffectClrLst/>
+  </dgm:styleLbl>
+  <dgm:styleLbl name="asst1">
+    <dgm:fillClrLst meth="repeat">
+      <a:schemeClr val="accent1"/>
+    </dgm:fillClrLst>
+    <dgm:linClrLst meth="repeat">
+      <a:schemeClr val="lt1"/>
+    </dgm:linClrLst>
+    <dgm:effectClrLst/>
+    <dgm:txLinClrLst/>
+    <dgm:txFillClrLst/>
+    <dgm:txEffectClrLst/>
+  </dgm:styleLbl>
+  <dgm:styleLbl name="asst2">
+    <dgm:fillClrLst meth="repeat">
+      <a:schemeClr val="accent1"/>
+    </dgm:fillClrLst>
+    <dgm:linClrLst meth="repeat">
+      <a:schemeClr val="lt1"/>
+    </dgm:linClrLst>
+    <dgm:effectClrLst/>
+    <dgm:txLinClrLst/>
+    <dgm:txFillClrLst/>
+    <dgm:txEffectClrLst/>
+  </dgm:styleLbl>
+  <dgm:styleLbl name="asst3">
+    <dgm:fillClrLst meth="repeat">
+      <a:schemeClr val="accent1"/>
+    </dgm:fillClrLst>
+    <dgm:linClrLst meth="repeat">
+      <a:schemeClr val="lt1"/>
+    </dgm:linClrLst>
+    <dgm:effectClrLst/>
+    <dgm:txLinClrLst/>
+    <dgm:txFillClrLst/>
+    <dgm:txEffectClrLst/>
+  </dgm:styleLbl>
+  <dgm:styleLbl name="asst4">
+    <dgm:fillClrLst meth="repeat">
+      <a:schemeClr val="accent1"/>
+    </dgm:fillClrLst>
+    <dgm:linClrLst meth="repeat">
+      <a:schemeClr val="lt1"/>
+    </dgm:linClrLst>
+    <dgm:effectClrLst/>
+    <dgm:txLinClrLst/>
+    <dgm:txFillClrLst/>
+    <dgm:txEffectClrLst/>
+  </dgm:styleLbl>
+  <dgm:styleLbl name="parChTrans2D1">
+    <dgm:fillClrLst meth="repeat">
+      <a:schemeClr val="accent1">
+        <a:tint val="60000"/>
+      </a:schemeClr>
+    </dgm:fillClrLst>
+    <dgm:linClrLst meth="repeat">
+      <a:schemeClr val="accent1">
+        <a:tint val="60000"/>
+      </a:schemeClr>
+    </dgm:linClrLst>
+    <dgm:effectClrLst/>
+    <dgm:txLinClrLst/>
+    <dgm:txFillClrLst meth="repeat">
+      <a:schemeClr val="lt1"/>
+    </dgm:txFillClrLst>
+    <dgm:txEffectClrLst/>
+  </dgm:styleLbl>
+  <dgm:styleLbl name="parChTrans2D2">
+    <dgm:fillClrLst meth="repeat">
+      <a:schemeClr val="accent1"/>
+    </dgm:fillClrLst>
+    <dgm:linClrLst meth="repeat">
+      <a:schemeClr val="accent1"/>
+    </dgm:linClrLst>
+    <dgm:effectClrLst/>
+    <dgm:txLinClrLst/>
+    <dgm:txFillClrLst meth="repeat">
+      <a:schemeClr val="lt1"/>
+    </dgm:txFillClrLst>
+    <dgm:txEffectClrLst/>
+  </dgm:styleLbl>
+  <dgm:styleLbl name="parChTrans2D3">
+    <dgm:fillClrLst meth="repeat">
+      <a:schemeClr val="accent1"/>
+    </dgm:fillClrLst>
+    <dgm:linClrLst meth="repeat">
+      <a:schemeClr val="accent1"/>
+    </dgm:linClrLst>
+    <dgm:effectClrLst/>
+    <dgm:txLinClrLst/>
+    <dgm:txFillClrLst meth="repeat">
+      <a:schemeClr val="lt1"/>
+    </dgm:txFillClrLst>
+    <dgm:txEffectClrLst/>
+  </dgm:styleLbl>
+  <dgm:styleLbl name="parChTrans2D4">
+    <dgm:fillClrLst meth="repeat">
+      <a:schemeClr val="accent1"/>
+    </dgm:fillClrLst>
+    <dgm:linClrLst meth="repeat">
+      <a:schemeClr val="accent1"/>
+    </dgm:linClrLst>
+    <dgm:effectClrLst/>
+    <dgm:txLinClrLst/>
+    <dgm:txFillClrLst meth="repeat">
+      <a:schemeClr val="lt1"/>
+    </dgm:txFillClrLst>
+    <dgm:txEffectClrLst/>
+  </dgm:styleLbl>
+  <dgm:styleLbl name="parChTrans1D1">
+    <dgm:fillClrLst meth="repeat">
+      <a:schemeClr val="accent1"/>
+    </dgm:fillClrLst>
+    <dgm:linClrLst meth="repeat">
+      <a:schemeClr val="accent1">
+        <a:shade val="60000"/>
+      </a:schemeClr>
+    </dgm:linClrLst>
+    <dgm:effectClrLst/>
+    <dgm:txLinClrLst/>
+    <dgm:txFillClrLst meth="repeat">
+      <a:schemeClr val="tx1"/>
+    </dgm:txFillClrLst>
+    <dgm:txEffectClrLst/>
+  </dgm:styleLbl>
+  <dgm:styleLbl name="parChTrans1D2">
+    <dgm:fillClrLst meth="repeat">
+      <a:schemeClr val="accent1"/>
+    </dgm:fillClrLst>
+    <dgm:linClrLst meth="repeat">
+      <a:schemeClr val="accent1">
+        <a:shade val="60000"/>
+      </a:schemeClr>
+    </dgm:linClrLst>
+    <dgm:effectClrLst/>
+    <dgm:txLinClrLst/>
+    <dgm:txFillClrLst meth="repeat">
+      <a:schemeClr val="tx1"/>
+    </dgm:txFillClrLst>
+    <dgm:txEffectClrLst/>
+  </dgm:styleLbl>
+  <dgm:styleLbl name="parChTrans1D3">
+    <dgm:fillClrLst meth="repeat">
+      <a:schemeClr val="accent1"/>
+    </dgm:fillClrLst>
+    <dgm:linClrLst meth="repeat">
+      <a:schemeClr val="accent1">
+        <a:shade val="80000"/>
+      </a:schemeClr>
+    </dgm:linClrLst>
+    <dgm:effectClrLst/>
+    <dgm:txLinClrLst/>
+    <dgm:txFillClrLst meth="repeat">
+      <a:schemeClr val="tx1"/>
+    </dgm:txFillClrLst>
+    <dgm:txEffectClrLst/>
+  </dgm:styleLbl>
+  <dgm:styleLbl name="parChTrans1D4">
+    <dgm:fillClrLst meth="repeat">
+      <a:schemeClr val="accent1"/>
+    </dgm:fillClrLst>
+    <dgm:linClrLst meth="repeat">
+      <a:schemeClr val="accent1">
+        <a:shade val="80000"/>
+      </a:schemeClr>
+    </dgm:linClrLst>
+    <dgm:effectClrLst/>
+    <dgm:txLinClrLst/>
+    <dgm:txFillClrLst meth="repeat">
+      <a:schemeClr val="tx1"/>
+    </dgm:txFillClrLst>
+    <dgm:txEffectClrLst/>
+  </dgm:styleLbl>
+  <dgm:styleLbl name="fgAcc1">
+    <dgm:fillClrLst meth="repeat">
+      <a:schemeClr val="lt1">
+        <a:alpha val="90000"/>
+      </a:schemeClr>
+    </dgm:fillClrLst>
+    <dgm:linClrLst meth="repeat">
+      <a:schemeClr val="accent1"/>
+    </dgm:linClrLst>
+    <dgm:effectClrLst/>
+    <dgm:txLinClrLst/>
+    <dgm:txFillClrLst meth="repeat">
+      <a:schemeClr val="dk1"/>
+    </dgm:txFillClrLst>
+    <dgm:txEffectClrLst/>
+  </dgm:styleLbl>
+  <dgm:styleLbl name="conFgAcc1">
+    <dgm:fillClrLst meth="repeat">
+      <a:schemeClr val="lt1">
+        <a:alpha val="90000"/>
+      </a:schemeClr>
+    </dgm:fillClrLst>
+    <dgm:linClrLst meth="repeat">
+      <a:schemeClr val="accent1"/>
+    </dgm:linClrLst>
+    <dgm:effectClrLst/>
+    <dgm:txLinClrLst/>
+    <dgm:txFillClrLst meth="repeat">
+      <a:schemeClr val="dk1"/>
+    </dgm:txFillClrLst>
+    <dgm:txEffectClrLst/>
+  </dgm:styleLbl>
+  <dgm:styleLbl name="alignAcc1">
+    <dgm:fillClrLst meth="repeat">
+      <a:schemeClr val="lt1">
+        <a:alpha val="90000"/>
+      </a:schemeClr>
+    </dgm:fillClrLst>
+    <dgm:linClrLst meth="repeat">
+      <a:schemeClr val="accent1"/>
+    </dgm:linClrLst>
+    <dgm:effectClrLst/>
+    <dgm:txLinClrLst/>
+    <dgm:txFillClrLst meth="repeat">
+      <a:schemeClr val="dk1"/>
+    </dgm:txFillClrLst>
+    <dgm:txEffectClrLst/>
+  </dgm:styleLbl>
+  <dgm:styleLbl name="trAlignAcc1">
+    <dgm:fillClrLst meth="repeat">
+      <a:schemeClr val="lt1">
+        <a:alpha val="40000"/>
+      </a:schemeClr>
+    </dgm:fillClrLst>
+    <dgm:linClrLst meth="repeat">
+      <a:schemeClr val="accent1"/>
+    </dgm:linClrLst>
+    <dgm:effectClrLst/>
+    <dgm:txLinClrLst/>
+    <dgm:txFillClrLst meth="repeat">
+      <a:schemeClr val="dk1"/>
+    </dgm:txFillClrLst>
+    <dgm:txEffectClrLst/>
+  </dgm:styleLbl>
+  <dgm:styleLbl name="bgAcc1">
+    <dgm:fillClrLst meth="repeat">
+      <a:schemeClr val="lt1">
+        <a:alpha val="90000"/>
+      </a:schemeClr>
+    </dgm:fillClrLst>
+    <dgm:linClrLst meth="repeat">
+      <a:schemeClr val="accent1"/>
+    </dgm:linClrLst>
+    <dgm:effectClrLst/>
+    <dgm:txLinClrLst/>
+    <dgm:txFillClrLst meth="repeat">
+      <a:schemeClr val="dk1"/>
+    </dgm:txFillClrLst>
+    <dgm:txEffectClrLst/>
+  </dgm:styleLbl>
+  <dgm:styleLbl name="solidFgAcc1">
+    <dgm:fillClrLst meth="repeat">
+      <a:schemeClr val="lt1"/>
+    </dgm:fillClrLst>
+    <dgm:linClrLst meth="repeat">
+      <a:schemeClr val="accent1"/>
+    </dgm:linClrLst>
+    <dgm:effectClrLst/>
+    <dgm:txLinClrLst/>
+    <dgm:txFillClrLst meth="repeat">
+      <a:schemeClr val="dk1"/>
+    </dgm:txFillClrLst>
+    <dgm:txEffectClrLst/>
+  </dgm:styleLbl>
+  <dgm:styleLbl name="solidAlignAcc1">
+    <dgm:fillClrLst meth="repeat">
+      <a:schemeClr val="lt1"/>
+    </dgm:fillClrLst>
+    <dgm:linClrLst meth="repeat">
+      <a:schemeClr val="accent1"/>
+    </dgm:linClrLst>
+    <dgm:effectClrLst/>
+    <dgm:txLinClrLst/>
+    <dgm:txFillClrLst meth="repeat">
+      <a:schemeClr val="dk1"/>
+    </dgm:txFillClrLst>
+    <dgm:txEffectClrLst/>
+  </dgm:styleLbl>
+  <dgm:styleLbl name="solidBgAcc1">
+    <dgm:fillClrLst meth="repeat">
+      <a:schemeClr val="lt1"/>
+    </dgm:fillClrLst>
+    <dgm:linClrLst meth="repeat">
+      <a:schemeClr val="accent1"/>
+    </dgm:linClrLst>
+    <dgm:effectClrLst/>
+    <dgm:txLinClrLst/>
+    <dgm:txFillClrLst meth="repeat">
+      <a:schemeClr val="dk1"/>
+    </dgm:txFillClrLst>
+    <dgm:txEffectClrLst/>
+  </dgm:styleLbl>
+  <dgm:styleLbl name="fgAccFollowNode1">
+    <dgm:fillClrLst meth="repeat">
+      <a:schemeClr val="accent1">
+        <a:alpha val="90000"/>
+        <a:tint val="40000"/>
+      </a:schemeClr>
+    </dgm:fillClrLst>
+    <dgm:linClrLst meth="repeat">
+      <a:schemeClr val="accent1">
+        <a:alpha val="90000"/>
+        <a:tint val="40000"/>
+      </a:schemeClr>
+    </dgm:linClrLst>
+    <dgm:effectClrLst/>
+    <dgm:txLinClrLst/>
+    <dgm:txFillClrLst meth="repeat">
+      <a:schemeClr val="dk1"/>
+    </dgm:txFillClrLst>
+    <dgm:txEffectClrLst/>
+  </dgm:styleLbl>
+  <dgm:styleLbl name="alignAccFollowNode1">
+    <dgm:fillClrLst meth="repeat">
+      <a:schemeClr val="accent1">
+        <a:alpha val="90000"/>
+        <a:tint val="40000"/>
+      </a:schemeClr>
+    </dgm:fillClrLst>
+    <dgm:linClrLst meth="repeat">
+      <a:schemeClr val="accent1">
+        <a:alpha val="90000"/>
+        <a:tint val="40000"/>
+      </a:schemeClr>
+    </dgm:linClrLst>
+    <dgm:effectClrLst/>
+    <dgm:txLinClrLst/>
+    <dgm:txFillClrLst meth="repeat">
+      <a:schemeClr val="dk1"/>
+    </dgm:txFillClrLst>
+    <dgm:txEffectClrLst/>
+  </dgm:styleLbl>
+  <dgm:styleLbl name="bgAccFollowNode1">
+    <dgm:fillClrLst meth="repeat">
+      <a:schemeClr val="accent1">
+        <a:alpha val="90000"/>
+        <a:tint val="40000"/>
+      </a:schemeClr>
+    </dgm:fillClrLst>
+    <dgm:linClrLst meth="repeat">
+      <a:schemeClr val="accent1">
+        <a:alpha val="90000"/>
+        <a:tint val="40000"/>
+      </a:schemeClr>
+    </dgm:linClrLst>
+    <dgm:effectClrLst/>
+    <dgm:txLinClrLst/>
+    <dgm:txFillClrLst meth="repeat">
+      <a:schemeClr val="dk1"/>
+    </dgm:txFillClrLst>
+    <dgm:txEffectClrLst/>
+  </dgm:styleLbl>
+  <dgm:styleLbl name="fgAcc0">
+    <dgm:fillClrLst meth="repeat">
+      <a:schemeClr val="lt1">
+        <a:alpha val="90000"/>
+      </a:schemeClr>
+    </dgm:fillClrLst>
+    <dgm:linClrLst meth="repeat">
+      <a:schemeClr val="accent1"/>
+    </dgm:linClrLst>
+    <dgm:effectClrLst/>
+    <dgm:txLinClrLst/>
+    <dgm:txFillClrLst meth="repeat">
+      <a:schemeClr val="dk1"/>
+    </dgm:txFillClrLst>
+    <dgm:txEffectClrLst/>
+  </dgm:styleLbl>
+  <dgm:styleLbl name="fgAcc2">
+    <dgm:fillClrLst meth="repeat">
+      <a:schemeClr val="lt1">
+        <a:alpha val="90000"/>
+      </a:schemeClr>
+    </dgm:fillClrLst>
+    <dgm:linClrLst meth="repeat">
+      <a:schemeClr val="accent1"/>
+    </dgm:linClrLst>
+    <dgm:effectClrLst/>
+    <dgm:txLinClrLst/>
+    <dgm:txFillClrLst meth="repeat">
+      <a:schemeClr val="dk1"/>
+    </dgm:txFillClrLst>
+    <dgm:txEffectClrLst/>
+  </dgm:styleLbl>
+  <dgm:styleLbl name="fgAcc3">
+    <dgm:fillClrLst meth="repeat">
+      <a:schemeClr val="lt1">
+        <a:alpha val="90000"/>
+      </a:schemeClr>
+    </dgm:fillClrLst>
+    <dgm:linClrLst meth="repeat">
+      <a:schemeClr val="accent1"/>
+    </dgm:linClrLst>
+    <dgm:effectClrLst/>
+    <dgm:txLinClrLst/>
+    <dgm:txFillClrLst meth="repeat">
+      <a:schemeClr val="dk1"/>
+    </dgm:txFillClrLst>
+    <dgm:txEffectClrLst/>
+  </dgm:styleLbl>
+  <dgm:styleLbl name="fgAcc4">
+    <dgm:fillClrLst meth="repeat">
+      <a:schemeClr val="lt1">
+        <a:alpha val="90000"/>
+      </a:schemeClr>
+    </dgm:fillClrLst>
+    <dgm:linClrLst meth="repeat">
+      <a:schemeClr val="accent1"/>
+    </dgm:linClrLst>
+    <dgm:effectClrLst/>
+    <dgm:txLinClrLst/>
+    <dgm:txFillClrLst meth="repeat">
+      <a:schemeClr val="dk1"/>
+    </dgm:txFillClrLst>
+    <dgm:txEffectClrLst/>
+  </dgm:styleLbl>
+  <dgm:styleLbl name="bgShp">
+    <dgm:fillClrLst meth="repeat">
+      <a:schemeClr val="accent1">
+        <a:tint val="40000"/>
+      </a:schemeClr>
+    </dgm:fillClrLst>
+    <dgm:linClrLst meth="repeat">
+      <a:schemeClr val="accent1"/>
+    </dgm:linClrLst>
+    <dgm:effectClrLst/>
+    <dgm:txLinClrLst/>
+    <dgm:txFillClrLst meth="repeat">
+      <a:schemeClr val="dk1"/>
+    </dgm:txFillClrLst>
+    <dgm:txEffectClrLst/>
+  </dgm:styleLbl>
+  <dgm:styleLbl name="dkBgShp">
+    <dgm:fillClrLst meth="repeat">
+      <a:schemeClr val="accent1">
+        <a:shade val="80000"/>
+      </a:schemeClr>
+    </dgm:fillClrLst>
+    <dgm:linClrLst meth="repeat">
+      <a:schemeClr val="accent1"/>
+    </dgm:linClrLst>
+    <dgm:effectClrLst/>
+    <dgm:txLinClrLst/>
+    <dgm:txFillClrLst meth="repeat">
+      <a:schemeClr val="lt1"/>
+    </dgm:txFillClrLst>
+    <dgm:txEffectClrLst/>
+  </dgm:styleLbl>
+  <dgm:styleLbl name="trBgShp">
+    <dgm:fillClrLst meth="repeat">
+      <a:schemeClr val="accent1">
+        <a:tint val="50000"/>
+        <a:alpha val="40000"/>
+      </a:schemeClr>
+    </dgm:fillClrLst>
+    <dgm:linClrLst meth="repeat">
+      <a:schemeClr val="accent1"/>
+    </dgm:linClrLst>
+    <dgm:effectClrLst/>
+    <dgm:txLinClrLst/>
+    <dgm:txFillClrLst meth="repeat">
+      <a:schemeClr val="lt1"/>
+    </dgm:txFillClrLst>
+    <dgm:txEffectClrLst/>
+  </dgm:styleLbl>
+  <dgm:styleLbl name="fgShp">
+    <dgm:fillClrLst meth="repeat">
+      <a:schemeClr val="accent1">
+        <a:tint val="60000"/>
+      </a:schemeClr>
+    </dgm:fillClrLst>
+    <dgm:linClrLst meth="repeat">
+      <a:schemeClr val="lt1"/>
+    </dgm:linClrLst>
+    <dgm:effectClrLst/>
+    <dgm:txLinClrLst/>
+    <dgm:txFillClrLst meth="repeat">
+      <a:schemeClr val="dk1"/>
+    </dgm:txFillClrLst>
+    <dgm:txEffectClrLst/>
+  </dgm:styleLbl>
+  <dgm:styleLbl name="revTx">
+    <dgm:fillClrLst meth="repeat">
+      <a:schemeClr val="lt1">
+        <a:alpha val="0"/>
+      </a:schemeClr>
+    </dgm:fillClrLst>
+    <dgm:linClrLst meth="repeat">
+      <a:schemeClr val="dk1">
+        <a:alpha val="0"/>
+      </a:schemeClr>
+    </dgm:linClrLst>
+    <dgm:effectClrLst/>
+    <dgm:txLinClrLst/>
+    <dgm:txFillClrLst meth="repeat">
+      <a:schemeClr val="tx1"/>
+    </dgm:txFillClrLst>
+    <dgm:txEffectClrLst/>
+  </dgm:styleLbl>
+</dgm:colorsDef>
+</file>
+
+<file path=ppt/diagrams/data1.xml><?xml version="1.0" encoding="utf-8"?>
+<dgm:dataModel xmlns:dgm="http://schemas.openxmlformats.org/drawingml/2006/diagram" xmlns:a="http://schemas.openxmlformats.org/drawingml/2006/main">
+  <dgm:ptLst>
+    <dgm:pt modelId="{90A31413-5276-453D-800E-EFE8C66251FC}" type="doc">
+      <dgm:prSet loTypeId="urn:microsoft.com/office/officeart/2009/layout/CircleArrowProcess" loCatId="cycle" qsTypeId="urn:microsoft.com/office/officeart/2005/8/quickstyle/simple1" qsCatId="simple" csTypeId="urn:microsoft.com/office/officeart/2005/8/colors/accent1_2" csCatId="accent1" phldr="1"/>
+      <dgm:spPr/>
+      <dgm:t>
+        <a:bodyPr/>
+        <a:lstStyle/>
+        <a:p>
+          <a:endParaRPr lang="de-CH"/>
+        </a:p>
+      </dgm:t>
+    </dgm:pt>
+    <dgm:pt modelId="{2AECB3B4-72B7-452D-B8DD-C84063281253}">
+      <dgm:prSet phldrT="[Text]" custT="1"/>
+      <dgm:spPr/>
+      <dgm:t>
+        <a:bodyPr/>
+        <a:lstStyle/>
+        <a:p>
+          <a:r>
+            <a:rPr lang="de-CH" sz="2000" dirty="0"/>
+            <a:t>Kontinuierliche</a:t>
+          </a:r>
+          <a:br>
+            <a:rPr lang="de-CH" sz="2300" dirty="0"/>
+          </a:br>
+          <a:r>
+            <a:rPr lang="de-CH" sz="2000" dirty="0"/>
+            <a:t>Tests</a:t>
+          </a:r>
+        </a:p>
+      </dgm:t>
+    </dgm:pt>
+    <dgm:pt modelId="{BA164270-2624-48D9-B095-65FD23650424}" type="parTrans" cxnId="{5B259375-DA65-4444-A57B-193E4B43971A}">
+      <dgm:prSet/>
+      <dgm:spPr/>
+      <dgm:t>
+        <a:bodyPr/>
+        <a:lstStyle/>
+        <a:p>
+          <a:endParaRPr lang="de-CH"/>
+        </a:p>
+      </dgm:t>
+    </dgm:pt>
+    <dgm:pt modelId="{7ED50094-743B-4A0B-A98F-7C822468E6DE}" type="sibTrans" cxnId="{5B259375-DA65-4444-A57B-193E4B43971A}">
+      <dgm:prSet/>
+      <dgm:spPr/>
+      <dgm:t>
+        <a:bodyPr/>
+        <a:lstStyle/>
+        <a:p>
+          <a:endParaRPr lang="de-CH"/>
+        </a:p>
+      </dgm:t>
+    </dgm:pt>
+    <dgm:pt modelId="{095D9B6B-8D64-44E3-82BD-4CBB20597E5F}">
+      <dgm:prSet phldrT="[Text]" custT="1"/>
+      <dgm:spPr/>
+      <dgm:t>
+        <a:bodyPr/>
+        <a:lstStyle/>
+        <a:p>
+          <a:r>
+            <a:rPr lang="de-CH" sz="2000"/>
+            <a:t>Interne</a:t>
+          </a:r>
+          <a:br>
+            <a:rPr lang="de-CH" sz="2000"/>
+          </a:br>
+          <a:r>
+            <a:rPr lang="de-CH" sz="2000"/>
+            <a:t>Tests</a:t>
+          </a:r>
+        </a:p>
+      </dgm:t>
+    </dgm:pt>
+    <dgm:pt modelId="{0087D500-8E69-4E0D-AA78-1F879D3547BB}" type="parTrans" cxnId="{0B8DBF80-6703-472B-B8FE-569CB69EA6DF}">
+      <dgm:prSet/>
+      <dgm:spPr/>
+      <dgm:t>
+        <a:bodyPr/>
+        <a:lstStyle/>
+        <a:p>
+          <a:endParaRPr lang="de-CH"/>
+        </a:p>
+      </dgm:t>
+    </dgm:pt>
+    <dgm:pt modelId="{8CE4E0E6-7872-4A36-AADA-ADC706A5F269}" type="sibTrans" cxnId="{0B8DBF80-6703-472B-B8FE-569CB69EA6DF}">
+      <dgm:prSet/>
+      <dgm:spPr/>
+      <dgm:t>
+        <a:bodyPr/>
+        <a:lstStyle/>
+        <a:p>
+          <a:endParaRPr lang="de-CH"/>
+        </a:p>
+      </dgm:t>
+    </dgm:pt>
+    <dgm:pt modelId="{15C353FB-131D-412D-834B-E882533B5FA1}">
+      <dgm:prSet phldrT="[Text]" custT="1"/>
+      <dgm:spPr/>
+      <dgm:t>
+        <a:bodyPr/>
+        <a:lstStyle/>
+        <a:p>
+          <a:r>
+            <a:rPr lang="de-CH" sz="2000"/>
+            <a:t>Abgabe</a:t>
+          </a:r>
+        </a:p>
+      </dgm:t>
+    </dgm:pt>
+    <dgm:pt modelId="{BCC71947-A694-4B6D-BA70-46B6DFB984D1}" type="parTrans" cxnId="{376A9CD8-ECC4-441E-A9C8-F0C3AEE7CEA7}">
+      <dgm:prSet/>
+      <dgm:spPr/>
+      <dgm:t>
+        <a:bodyPr/>
+        <a:lstStyle/>
+        <a:p>
+          <a:endParaRPr lang="de-CH"/>
+        </a:p>
+      </dgm:t>
+    </dgm:pt>
+    <dgm:pt modelId="{FAFD71E1-D1FF-4E8F-BD67-C924E2D12B93}" type="sibTrans" cxnId="{376A9CD8-ECC4-441E-A9C8-F0C3AEE7CEA7}">
+      <dgm:prSet/>
+      <dgm:spPr/>
+      <dgm:t>
+        <a:bodyPr/>
+        <a:lstStyle/>
+        <a:p>
+          <a:endParaRPr lang="de-CH"/>
+        </a:p>
+      </dgm:t>
+    </dgm:pt>
+    <dgm:pt modelId="{D50FCD14-457C-4F95-8ABF-EC3FF469F8C4}">
+      <dgm:prSet phldrT="[Text]" custT="1"/>
+      <dgm:spPr/>
+      <dgm:t>
+        <a:bodyPr/>
+        <a:lstStyle/>
+        <a:p>
+          <a:r>
+            <a:rPr lang="de-CH" sz="2000"/>
+            <a:t>Tests durch</a:t>
+          </a:r>
+          <a:br>
+            <a:rPr lang="de-CH" sz="2000"/>
+          </a:br>
+          <a:r>
+            <a:rPr lang="de-CH" sz="2000"/>
+            <a:t>Dritte </a:t>
+          </a:r>
+        </a:p>
+      </dgm:t>
+    </dgm:pt>
+    <dgm:pt modelId="{03804C86-6C78-4AAA-8DC0-2224FE5BC24D}" type="parTrans" cxnId="{17849ED6-ED2B-41DA-B4B0-01955B95CAC3}">
+      <dgm:prSet/>
+      <dgm:spPr/>
+      <dgm:t>
+        <a:bodyPr/>
+        <a:lstStyle/>
+        <a:p>
+          <a:endParaRPr lang="de-CH"/>
+        </a:p>
+      </dgm:t>
+    </dgm:pt>
+    <dgm:pt modelId="{9B76530B-407D-43A3-A0C7-95496251E06E}" type="sibTrans" cxnId="{17849ED6-ED2B-41DA-B4B0-01955B95CAC3}">
+      <dgm:prSet/>
+      <dgm:spPr/>
+      <dgm:t>
+        <a:bodyPr/>
+        <a:lstStyle/>
+        <a:p>
+          <a:endParaRPr lang="de-CH"/>
+        </a:p>
+      </dgm:t>
+    </dgm:pt>
+    <dgm:pt modelId="{0EA3E28C-616F-4793-8C82-DD7DAC438DBE}" type="pres">
+      <dgm:prSet presAssocID="{90A31413-5276-453D-800E-EFE8C66251FC}" presName="Name0" presStyleCnt="0">
+        <dgm:presLayoutVars>
+          <dgm:chMax val="7"/>
+          <dgm:chPref val="7"/>
+          <dgm:dir/>
+          <dgm:animLvl val="lvl"/>
+        </dgm:presLayoutVars>
+      </dgm:prSet>
+      <dgm:spPr/>
+    </dgm:pt>
+    <dgm:pt modelId="{F51FB66A-6D76-4985-9FAC-B56E7BA1CA40}" type="pres">
+      <dgm:prSet presAssocID="{2AECB3B4-72B7-452D-B8DD-C84063281253}" presName="Accent1" presStyleCnt="0"/>
+      <dgm:spPr/>
+    </dgm:pt>
+    <dgm:pt modelId="{5B38B174-1E93-44A9-85CC-AA96A7032567}" type="pres">
+      <dgm:prSet presAssocID="{2AECB3B4-72B7-452D-B8DD-C84063281253}" presName="Accent" presStyleLbl="node1" presStyleIdx="0" presStyleCnt="4" custScaleX="143962" custScaleY="98400"/>
+      <dgm:spPr>
+        <a:solidFill>
+          <a:schemeClr val="bg2">
+            <a:lumMod val="75000"/>
+          </a:schemeClr>
+        </a:solidFill>
+      </dgm:spPr>
+    </dgm:pt>
+    <dgm:pt modelId="{083F8748-2809-4D80-91B7-A2E3DABCCF19}" type="pres">
+      <dgm:prSet presAssocID="{2AECB3B4-72B7-452D-B8DD-C84063281253}" presName="Parent1" presStyleLbl="revTx" presStyleIdx="0" presStyleCnt="4" custScaleX="167227" custScaleY="152058" custLinFactNeighborX="682" custLinFactNeighborY="-9147">
+        <dgm:presLayoutVars>
+          <dgm:chMax val="1"/>
+          <dgm:chPref val="1"/>
+          <dgm:bulletEnabled val="1"/>
+        </dgm:presLayoutVars>
+      </dgm:prSet>
+      <dgm:spPr/>
+    </dgm:pt>
+    <dgm:pt modelId="{691B61D8-CF09-4BC3-BD03-DA80F1D8CB75}" type="pres">
+      <dgm:prSet presAssocID="{095D9B6B-8D64-44E3-82BD-4CBB20597E5F}" presName="Accent2" presStyleCnt="0"/>
+      <dgm:spPr/>
+    </dgm:pt>
+    <dgm:pt modelId="{4343F972-F5E5-4C72-BD74-31A64EE82089}" type="pres">
+      <dgm:prSet presAssocID="{095D9B6B-8D64-44E3-82BD-4CBB20597E5F}" presName="Accent" presStyleLbl="node1" presStyleIdx="1" presStyleCnt="4" custScaleY="85239"/>
+      <dgm:spPr>
+        <a:solidFill>
+          <a:schemeClr val="bg2">
+            <a:lumMod val="75000"/>
+          </a:schemeClr>
+        </a:solidFill>
+      </dgm:spPr>
+    </dgm:pt>
+    <dgm:pt modelId="{CE02E26B-995A-4E62-8797-8DC290D32A1A}" type="pres">
+      <dgm:prSet presAssocID="{095D9B6B-8D64-44E3-82BD-4CBB20597E5F}" presName="Parent2" presStyleLbl="revTx" presStyleIdx="1" presStyleCnt="4">
+        <dgm:presLayoutVars>
+          <dgm:chMax val="1"/>
+          <dgm:chPref val="1"/>
+          <dgm:bulletEnabled val="1"/>
+        </dgm:presLayoutVars>
+      </dgm:prSet>
+      <dgm:spPr/>
+    </dgm:pt>
+    <dgm:pt modelId="{6912D60C-E465-4741-9CE2-0C7230B22D5E}" type="pres">
+      <dgm:prSet presAssocID="{D50FCD14-457C-4F95-8ABF-EC3FF469F8C4}" presName="Accent3" presStyleCnt="0"/>
+      <dgm:spPr/>
+    </dgm:pt>
+    <dgm:pt modelId="{0588B600-3167-4F2D-814C-8A55E868B879}" type="pres">
+      <dgm:prSet presAssocID="{D50FCD14-457C-4F95-8ABF-EC3FF469F8C4}" presName="Accent" presStyleLbl="node1" presStyleIdx="2" presStyleCnt="4" custScaleX="105634"/>
+      <dgm:spPr>
+        <a:solidFill>
+          <a:schemeClr val="bg2">
+            <a:lumMod val="75000"/>
+          </a:schemeClr>
+        </a:solidFill>
+      </dgm:spPr>
+    </dgm:pt>
+    <dgm:pt modelId="{6E711016-118F-4BC7-8F65-96AFC2CEF46B}" type="pres">
+      <dgm:prSet presAssocID="{D50FCD14-457C-4F95-8ABF-EC3FF469F8C4}" presName="Parent3" presStyleLbl="revTx" presStyleIdx="2" presStyleCnt="4" custScaleX="127679" custScaleY="134534" custLinFactNeighborX="-2728" custLinFactNeighborY="-8183">
+        <dgm:presLayoutVars>
+          <dgm:chMax val="1"/>
+          <dgm:chPref val="1"/>
+          <dgm:bulletEnabled val="1"/>
+        </dgm:presLayoutVars>
+      </dgm:prSet>
+      <dgm:spPr/>
+    </dgm:pt>
+    <dgm:pt modelId="{0074636E-4685-4F2D-88C4-D84FC39676C8}" type="pres">
+      <dgm:prSet presAssocID="{15C353FB-131D-412D-834B-E882533B5FA1}" presName="Accent4" presStyleCnt="0"/>
+      <dgm:spPr/>
+    </dgm:pt>
+    <dgm:pt modelId="{02F8A46D-8849-4539-826E-D18F691A85B2}" type="pres">
+      <dgm:prSet presAssocID="{15C353FB-131D-412D-834B-E882533B5FA1}" presName="Accent" presStyleLbl="node1" presStyleIdx="3" presStyleCnt="4"/>
+      <dgm:spPr>
+        <a:solidFill>
+          <a:schemeClr val="bg2">
+            <a:lumMod val="75000"/>
+          </a:schemeClr>
+        </a:solidFill>
+      </dgm:spPr>
+    </dgm:pt>
+    <dgm:pt modelId="{62A27E19-74CA-473A-BA78-1AEE28F2209D}" type="pres">
+      <dgm:prSet presAssocID="{15C353FB-131D-412D-834B-E882533B5FA1}" presName="Parent4" presStyleLbl="revTx" presStyleIdx="3" presStyleCnt="4">
+        <dgm:presLayoutVars>
+          <dgm:chMax val="1"/>
+          <dgm:chPref val="1"/>
+          <dgm:bulletEnabled val="1"/>
+        </dgm:presLayoutVars>
+      </dgm:prSet>
+      <dgm:spPr/>
+    </dgm:pt>
+  </dgm:ptLst>
+  <dgm:cxnLst>
+    <dgm:cxn modelId="{3C02E10D-1DB6-4ED7-86B9-B22376588A12}" type="presOf" srcId="{90A31413-5276-453D-800E-EFE8C66251FC}" destId="{0EA3E28C-616F-4793-8C82-DD7DAC438DBE}" srcOrd="0" destOrd="0" presId="urn:microsoft.com/office/officeart/2009/layout/CircleArrowProcess"/>
+    <dgm:cxn modelId="{46492A61-5C6E-4BD1-B611-3F0636596429}" type="presOf" srcId="{15C353FB-131D-412D-834B-E882533B5FA1}" destId="{62A27E19-74CA-473A-BA78-1AEE28F2209D}" srcOrd="0" destOrd="0" presId="urn:microsoft.com/office/officeart/2009/layout/CircleArrowProcess"/>
+    <dgm:cxn modelId="{DCCB0549-54A3-4858-9E3E-AEFB3FFC3914}" type="presOf" srcId="{095D9B6B-8D64-44E3-82BD-4CBB20597E5F}" destId="{CE02E26B-995A-4E62-8797-8DC290D32A1A}" srcOrd="0" destOrd="0" presId="urn:microsoft.com/office/officeart/2009/layout/CircleArrowProcess"/>
+    <dgm:cxn modelId="{CAA5F36B-97F5-41FC-AF72-7A7811DD8881}" type="presOf" srcId="{2AECB3B4-72B7-452D-B8DD-C84063281253}" destId="{083F8748-2809-4D80-91B7-A2E3DABCCF19}" srcOrd="0" destOrd="0" presId="urn:microsoft.com/office/officeart/2009/layout/CircleArrowProcess"/>
+    <dgm:cxn modelId="{5B259375-DA65-4444-A57B-193E4B43971A}" srcId="{90A31413-5276-453D-800E-EFE8C66251FC}" destId="{2AECB3B4-72B7-452D-B8DD-C84063281253}" srcOrd="0" destOrd="0" parTransId="{BA164270-2624-48D9-B095-65FD23650424}" sibTransId="{7ED50094-743B-4A0B-A98F-7C822468E6DE}"/>
+    <dgm:cxn modelId="{0B8DBF80-6703-472B-B8FE-569CB69EA6DF}" srcId="{90A31413-5276-453D-800E-EFE8C66251FC}" destId="{095D9B6B-8D64-44E3-82BD-4CBB20597E5F}" srcOrd="1" destOrd="0" parTransId="{0087D500-8E69-4E0D-AA78-1F879D3547BB}" sibTransId="{8CE4E0E6-7872-4A36-AADA-ADC706A5F269}"/>
+    <dgm:cxn modelId="{89189E82-122D-486B-9648-8F705DF270EF}" type="presOf" srcId="{D50FCD14-457C-4F95-8ABF-EC3FF469F8C4}" destId="{6E711016-118F-4BC7-8F65-96AFC2CEF46B}" srcOrd="0" destOrd="0" presId="urn:microsoft.com/office/officeart/2009/layout/CircleArrowProcess"/>
+    <dgm:cxn modelId="{17849ED6-ED2B-41DA-B4B0-01955B95CAC3}" srcId="{90A31413-5276-453D-800E-EFE8C66251FC}" destId="{D50FCD14-457C-4F95-8ABF-EC3FF469F8C4}" srcOrd="2" destOrd="0" parTransId="{03804C86-6C78-4AAA-8DC0-2224FE5BC24D}" sibTransId="{9B76530B-407D-43A3-A0C7-95496251E06E}"/>
+    <dgm:cxn modelId="{376A9CD8-ECC4-441E-A9C8-F0C3AEE7CEA7}" srcId="{90A31413-5276-453D-800E-EFE8C66251FC}" destId="{15C353FB-131D-412D-834B-E882533B5FA1}" srcOrd="3" destOrd="0" parTransId="{BCC71947-A694-4B6D-BA70-46B6DFB984D1}" sibTransId="{FAFD71E1-D1FF-4E8F-BD67-C924E2D12B93}"/>
+    <dgm:cxn modelId="{43FE0CD5-E2DE-41CC-970A-1DA742AEFF56}" type="presParOf" srcId="{0EA3E28C-616F-4793-8C82-DD7DAC438DBE}" destId="{F51FB66A-6D76-4985-9FAC-B56E7BA1CA40}" srcOrd="0" destOrd="0" presId="urn:microsoft.com/office/officeart/2009/layout/CircleArrowProcess"/>
+    <dgm:cxn modelId="{FA924EFD-4CCB-497A-90E0-C2DBD7745096}" type="presParOf" srcId="{F51FB66A-6D76-4985-9FAC-B56E7BA1CA40}" destId="{5B38B174-1E93-44A9-85CC-AA96A7032567}" srcOrd="0" destOrd="0" presId="urn:microsoft.com/office/officeart/2009/layout/CircleArrowProcess"/>
+    <dgm:cxn modelId="{079772F5-81AB-4A1F-A547-5C3CD704C913}" type="presParOf" srcId="{0EA3E28C-616F-4793-8C82-DD7DAC438DBE}" destId="{083F8748-2809-4D80-91B7-A2E3DABCCF19}" srcOrd="1" destOrd="0" presId="urn:microsoft.com/office/officeart/2009/layout/CircleArrowProcess"/>
+    <dgm:cxn modelId="{287A7F4C-3BD7-4633-A12E-0D4CF66FCBD7}" type="presParOf" srcId="{0EA3E28C-616F-4793-8C82-DD7DAC438DBE}" destId="{691B61D8-CF09-4BC3-BD03-DA80F1D8CB75}" srcOrd="2" destOrd="0" presId="urn:microsoft.com/office/officeart/2009/layout/CircleArrowProcess"/>
+    <dgm:cxn modelId="{958E44F8-91CC-48F8-98F0-FE5380AEED38}" type="presParOf" srcId="{691B61D8-CF09-4BC3-BD03-DA80F1D8CB75}" destId="{4343F972-F5E5-4C72-BD74-31A64EE82089}" srcOrd="0" destOrd="0" presId="urn:microsoft.com/office/officeart/2009/layout/CircleArrowProcess"/>
+    <dgm:cxn modelId="{4F14F2B6-3FB7-4DC9-9F50-A9E83F12FC64}" type="presParOf" srcId="{0EA3E28C-616F-4793-8C82-DD7DAC438DBE}" destId="{CE02E26B-995A-4E62-8797-8DC290D32A1A}" srcOrd="3" destOrd="0" presId="urn:microsoft.com/office/officeart/2009/layout/CircleArrowProcess"/>
+    <dgm:cxn modelId="{2606E9B4-F106-464B-A43C-343B8181BF65}" type="presParOf" srcId="{0EA3E28C-616F-4793-8C82-DD7DAC438DBE}" destId="{6912D60C-E465-4741-9CE2-0C7230B22D5E}" srcOrd="4" destOrd="0" presId="urn:microsoft.com/office/officeart/2009/layout/CircleArrowProcess"/>
+    <dgm:cxn modelId="{6985DC2E-3AA1-4438-BBBB-408872FD8941}" type="presParOf" srcId="{6912D60C-E465-4741-9CE2-0C7230B22D5E}" destId="{0588B600-3167-4F2D-814C-8A55E868B879}" srcOrd="0" destOrd="0" presId="urn:microsoft.com/office/officeart/2009/layout/CircleArrowProcess"/>
+    <dgm:cxn modelId="{754E53A6-518B-4039-8EC9-282CA9D52506}" type="presParOf" srcId="{0EA3E28C-616F-4793-8C82-DD7DAC438DBE}" destId="{6E711016-118F-4BC7-8F65-96AFC2CEF46B}" srcOrd="5" destOrd="0" presId="urn:microsoft.com/office/officeart/2009/layout/CircleArrowProcess"/>
+    <dgm:cxn modelId="{69322D22-DE37-4A56-BC7E-4116CCDE4C5F}" type="presParOf" srcId="{0EA3E28C-616F-4793-8C82-DD7DAC438DBE}" destId="{0074636E-4685-4F2D-88C4-D84FC39676C8}" srcOrd="6" destOrd="0" presId="urn:microsoft.com/office/officeart/2009/layout/CircleArrowProcess"/>
+    <dgm:cxn modelId="{0A656438-313D-43A9-AB3D-40167A8633E8}" type="presParOf" srcId="{0074636E-4685-4F2D-88C4-D84FC39676C8}" destId="{02F8A46D-8849-4539-826E-D18F691A85B2}" srcOrd="0" destOrd="0" presId="urn:microsoft.com/office/officeart/2009/layout/CircleArrowProcess"/>
+    <dgm:cxn modelId="{DF6733AD-2509-4A09-822D-A00D3A522EDE}" type="presParOf" srcId="{0EA3E28C-616F-4793-8C82-DD7DAC438DBE}" destId="{62A27E19-74CA-473A-BA78-1AEE28F2209D}" srcOrd="7" destOrd="0" presId="urn:microsoft.com/office/officeart/2009/layout/CircleArrowProcess"/>
+  </dgm:cxnLst>
+  <dgm:bg/>
+  <dgm:whole/>
+  <dgm:extLst>
+    <a:ext uri="http://schemas.microsoft.com/office/drawing/2008/diagram">
+      <dsp:dataModelExt xmlns:dsp="http://schemas.microsoft.com/office/drawing/2008/diagram" relId="rId7" minVer="http://schemas.openxmlformats.org/drawingml/2006/diagram"/>
+    </a:ext>
+  </dgm:extLst>
+</dgm:dataModel>
+</file>
+
+<file path=ppt/diagrams/drawing1.xml><?xml version="1.0" encoding="utf-8"?>
+<dsp:drawing xmlns:dgm="http://schemas.openxmlformats.org/drawingml/2006/diagram" xmlns:dsp="http://schemas.microsoft.com/office/drawing/2008/diagram" xmlns:a="http://schemas.openxmlformats.org/drawingml/2006/main">
+  <dsp:spTree>
+    <dsp:nvGrpSpPr>
+      <dsp:cNvPr id="0" name=""/>
+      <dsp:cNvGrpSpPr/>
+    </dsp:nvGrpSpPr>
+    <dsp:grpSpPr/>
+    <dsp:sp modelId="{5B38B174-1E93-44A9-85CC-AA96A7032567}">
+      <dsp:nvSpPr>
+        <dsp:cNvPr id="0" name=""/>
+        <dsp:cNvSpPr/>
+      </dsp:nvSpPr>
+      <dsp:spPr>
+        <a:xfrm>
+          <a:off x="2197018" y="6988"/>
+          <a:ext cx="2515069" cy="1719259"/>
+        </a:xfrm>
+        <a:prstGeom prst="circularArrow">
+          <a:avLst>
+            <a:gd name="adj1" fmla="val 10980"/>
+            <a:gd name="adj2" fmla="val 1142322"/>
+            <a:gd name="adj3" fmla="val 4500000"/>
+            <a:gd name="adj4" fmla="val 10800000"/>
+            <a:gd name="adj5" fmla="val 12500"/>
+          </a:avLst>
+        </a:prstGeom>
+        <a:solidFill>
+          <a:schemeClr val="bg2">
+            <a:lumMod val="75000"/>
+          </a:schemeClr>
+        </a:solidFill>
+        <a:ln w="15875" cap="flat" cmpd="sng" algn="ctr">
+          <a:solidFill>
+            <a:schemeClr val="lt1">
+              <a:hueOff val="0"/>
+              <a:satOff val="0"/>
+              <a:lumOff val="0"/>
+              <a:alphaOff val="0"/>
+            </a:schemeClr>
+          </a:solidFill>
+          <a:prstDash val="solid"/>
+        </a:ln>
+        <a:effectLst/>
+      </dsp:spPr>
+      <dsp:style>
+        <a:lnRef idx="2">
+          <a:scrgbClr r="0" g="0" b="0"/>
+        </a:lnRef>
+        <a:fillRef idx="1">
+          <a:scrgbClr r="0" g="0" b="0"/>
+        </a:fillRef>
+        <a:effectRef idx="0">
+          <a:scrgbClr r="0" g="0" b="0"/>
+        </a:effectRef>
+        <a:fontRef idx="minor">
+          <a:schemeClr val="lt1"/>
+        </a:fontRef>
+      </dsp:style>
+    </dsp:sp>
+    <dsp:sp modelId="{083F8748-2809-4D80-91B7-A2E3DABCCF19}">
+      <dsp:nvSpPr>
+        <dsp:cNvPr id="0" name=""/>
+        <dsp:cNvSpPr/>
+      </dsp:nvSpPr>
+      <dsp:spPr>
+        <a:xfrm>
+          <a:off x="2645688" y="454000"/>
+          <a:ext cx="1630372" cy="741164"/>
+        </a:xfrm>
+        <a:prstGeom prst="rect">
+          <a:avLst/>
+        </a:prstGeom>
+        <a:noFill/>
+        <a:ln>
+          <a:noFill/>
+        </a:ln>
+        <a:effectLst/>
+      </dsp:spPr>
+      <dsp:style>
+        <a:lnRef idx="0">
+          <a:scrgbClr r="0" g="0" b="0"/>
+        </a:lnRef>
+        <a:fillRef idx="0">
+          <a:scrgbClr r="0" g="0" b="0"/>
+        </a:fillRef>
+        <a:effectRef idx="0">
+          <a:scrgbClr r="0" g="0" b="0"/>
+        </a:effectRef>
+        <a:fontRef idx="minor"/>
+      </dsp:style>
+      <dsp:txBody>
+        <a:bodyPr spcFirstLastPara="0" vert="horz" wrap="square" lIns="12700" tIns="12700" rIns="12700" bIns="12700" numCol="1" spcCol="1270" anchor="ctr" anchorCtr="0">
+          <a:noAutofit/>
+        </a:bodyPr>
+        <a:lstStyle/>
+        <a:p>
+          <a:pPr marL="0" lvl="0" indent="0" algn="ctr" defTabSz="889000">
+            <a:lnSpc>
+              <a:spcPct val="90000"/>
+            </a:lnSpc>
+            <a:spcBef>
+              <a:spcPct val="0"/>
+            </a:spcBef>
+            <a:spcAft>
+              <a:spcPct val="35000"/>
+            </a:spcAft>
+            <a:buNone/>
+          </a:pPr>
+          <a:r>
+            <a:rPr lang="de-CH" sz="2000" kern="1200" dirty="0"/>
+            <a:t>Kontinuierliche</a:t>
+          </a:r>
+          <a:br>
+            <a:rPr lang="de-CH" sz="2300" kern="1200" dirty="0"/>
+          </a:br>
+          <a:r>
+            <a:rPr lang="de-CH" sz="2000" kern="1200" dirty="0"/>
+            <a:t>Tests</a:t>
+          </a:r>
+        </a:p>
+      </dsp:txBody>
+      <dsp:txXfrm>
+        <a:off x="2645688" y="454000"/>
+        <a:ext cx="1630372" cy="741164"/>
+      </dsp:txXfrm>
+    </dsp:sp>
+    <dsp:sp modelId="{4343F972-F5E5-4C72-BD74-31A64EE82089}">
+      <dsp:nvSpPr>
+        <dsp:cNvPr id="0" name=""/>
+        <dsp:cNvSpPr/>
+      </dsp:nvSpPr>
+      <dsp:spPr>
+        <a:xfrm>
+          <a:off x="2095691" y="1125999"/>
+          <a:ext cx="1747037" cy="1489308"/>
+        </a:xfrm>
+        <a:prstGeom prst="leftCircularArrow">
+          <a:avLst>
+            <a:gd name="adj1" fmla="val 10980"/>
+            <a:gd name="adj2" fmla="val 1142322"/>
+            <a:gd name="adj3" fmla="val 6300000"/>
+            <a:gd name="adj4" fmla="val 18900000"/>
+            <a:gd name="adj5" fmla="val 12500"/>
+          </a:avLst>
+        </a:prstGeom>
+        <a:solidFill>
+          <a:schemeClr val="bg2">
+            <a:lumMod val="75000"/>
+          </a:schemeClr>
+        </a:solidFill>
+        <a:ln w="15875" cap="flat" cmpd="sng" algn="ctr">
+          <a:solidFill>
+            <a:schemeClr val="lt1">
+              <a:hueOff val="0"/>
+              <a:satOff val="0"/>
+              <a:lumOff val="0"/>
+              <a:alphaOff val="0"/>
+            </a:schemeClr>
+          </a:solidFill>
+          <a:prstDash val="solid"/>
+        </a:ln>
+        <a:effectLst/>
+      </dsp:spPr>
+      <dsp:style>
+        <a:lnRef idx="2">
+          <a:scrgbClr r="0" g="0" b="0"/>
+        </a:lnRef>
+        <a:fillRef idx="1">
+          <a:scrgbClr r="0" g="0" b="0"/>
+        </a:fillRef>
+        <a:effectRef idx="0">
+          <a:scrgbClr r="0" g="0" b="0"/>
+        </a:effectRef>
+        <a:fontRef idx="minor">
+          <a:schemeClr val="lt1"/>
+        </a:fontRef>
+      </dsp:style>
+    </dsp:sp>
+    <dsp:sp modelId="{CE02E26B-995A-4E62-8797-8DC290D32A1A}">
+      <dsp:nvSpPr>
+        <dsp:cNvPr id="0" name=""/>
+        <dsp:cNvSpPr/>
+      </dsp:nvSpPr>
+      <dsp:spPr>
+        <a:xfrm>
+          <a:off x="2479443" y="1631343"/>
+          <a:ext cx="974945" cy="487422"/>
+        </a:xfrm>
+        <a:prstGeom prst="rect">
+          <a:avLst/>
+        </a:prstGeom>
+        <a:noFill/>
+        <a:ln>
+          <a:noFill/>
+        </a:ln>
+        <a:effectLst/>
+      </dsp:spPr>
+      <dsp:style>
+        <a:lnRef idx="0">
+          <a:scrgbClr r="0" g="0" b="0"/>
+        </a:lnRef>
+        <a:fillRef idx="0">
+          <a:scrgbClr r="0" g="0" b="0"/>
+        </a:fillRef>
+        <a:effectRef idx="0">
+          <a:scrgbClr r="0" g="0" b="0"/>
+        </a:effectRef>
+        <a:fontRef idx="minor"/>
+      </dsp:style>
+      <dsp:txBody>
+        <a:bodyPr spcFirstLastPara="0" vert="horz" wrap="square" lIns="12700" tIns="12700" rIns="12700" bIns="12700" numCol="1" spcCol="1270" anchor="ctr" anchorCtr="0">
+          <a:noAutofit/>
+        </a:bodyPr>
+        <a:lstStyle/>
+        <a:p>
+          <a:pPr marL="0" lvl="0" indent="0" algn="ctr" defTabSz="889000">
+            <a:lnSpc>
+              <a:spcPct val="90000"/>
+            </a:lnSpc>
+            <a:spcBef>
+              <a:spcPct val="0"/>
+            </a:spcBef>
+            <a:spcAft>
+              <a:spcPct val="35000"/>
+            </a:spcAft>
+            <a:buNone/>
+          </a:pPr>
+          <a:r>
+            <a:rPr lang="de-CH" sz="2000" kern="1200"/>
+            <a:t>Interne</a:t>
+          </a:r>
+          <a:br>
+            <a:rPr lang="de-CH" sz="2000" kern="1200"/>
+          </a:br>
+          <a:r>
+            <a:rPr lang="de-CH" sz="2000" kern="1200"/>
+            <a:t>Tests</a:t>
+          </a:r>
+        </a:p>
+      </dsp:txBody>
+      <dsp:txXfrm>
+        <a:off x="2479443" y="1631343"/>
+        <a:ext cx="974945" cy="487422"/>
+      </dsp:txXfrm>
+    </dsp:sp>
+    <dsp:sp modelId="{0588B600-3167-4F2D-814C-8A55E868B879}">
+      <dsp:nvSpPr>
+        <dsp:cNvPr id="0" name=""/>
+        <dsp:cNvSpPr/>
+      </dsp:nvSpPr>
+      <dsp:spPr>
+        <a:xfrm>
+          <a:off x="2531820" y="2004787"/>
+          <a:ext cx="1845465" cy="1747215"/>
+        </a:xfrm>
+        <a:prstGeom prst="circularArrow">
+          <a:avLst>
+            <a:gd name="adj1" fmla="val 10980"/>
+            <a:gd name="adj2" fmla="val 1142322"/>
+            <a:gd name="adj3" fmla="val 4500000"/>
+            <a:gd name="adj4" fmla="val 13500000"/>
+            <a:gd name="adj5" fmla="val 12500"/>
+          </a:avLst>
+        </a:prstGeom>
+        <a:solidFill>
+          <a:schemeClr val="bg2">
+            <a:lumMod val="75000"/>
+          </a:schemeClr>
+        </a:solidFill>
+        <a:ln w="15875" cap="flat" cmpd="sng" algn="ctr">
+          <a:solidFill>
+            <a:schemeClr val="lt1">
+              <a:hueOff val="0"/>
+              <a:satOff val="0"/>
+              <a:lumOff val="0"/>
+              <a:alphaOff val="0"/>
+            </a:schemeClr>
+          </a:solidFill>
+          <a:prstDash val="solid"/>
+        </a:ln>
+        <a:effectLst/>
+      </dsp:spPr>
+      <dsp:style>
+        <a:lnRef idx="2">
+          <a:scrgbClr r="0" g="0" b="0"/>
+        </a:lnRef>
+        <a:fillRef idx="1">
+          <a:scrgbClr r="0" g="0" b="0"/>
+        </a:fillRef>
+        <a:effectRef idx="0">
+          <a:scrgbClr r="0" g="0" b="0"/>
+        </a:effectRef>
+        <a:fontRef idx="minor">
+          <a:schemeClr val="lt1"/>
+        </a:fontRef>
+      </dsp:style>
+    </dsp:sp>
+    <dsp:sp modelId="{6E711016-118F-4BC7-8F65-96AFC2CEF46B}">
+      <dsp:nvSpPr>
+        <dsp:cNvPr id="0" name=""/>
+        <dsp:cNvSpPr/>
+      </dsp:nvSpPr>
+      <dsp:spPr>
+        <a:xfrm>
+          <a:off x="2805228" y="2513182"/>
+          <a:ext cx="1244801" cy="655749"/>
+        </a:xfrm>
+        <a:prstGeom prst="rect">
+          <a:avLst/>
+        </a:prstGeom>
+        <a:noFill/>
+        <a:ln>
+          <a:noFill/>
+        </a:ln>
+        <a:effectLst/>
+      </dsp:spPr>
+      <dsp:style>
+        <a:lnRef idx="0">
+          <a:scrgbClr r="0" g="0" b="0"/>
+        </a:lnRef>
+        <a:fillRef idx="0">
+          <a:scrgbClr r="0" g="0" b="0"/>
+        </a:fillRef>
+        <a:effectRef idx="0">
+          <a:scrgbClr r="0" g="0" b="0"/>
+        </a:effectRef>
+        <a:fontRef idx="minor"/>
+      </dsp:style>
+      <dsp:txBody>
+        <a:bodyPr spcFirstLastPara="0" vert="horz" wrap="square" lIns="12700" tIns="12700" rIns="12700" bIns="12700" numCol="1" spcCol="1270" anchor="ctr" anchorCtr="0">
+          <a:noAutofit/>
+        </a:bodyPr>
+        <a:lstStyle/>
+        <a:p>
+          <a:pPr marL="0" lvl="0" indent="0" algn="ctr" defTabSz="889000">
+            <a:lnSpc>
+              <a:spcPct val="90000"/>
+            </a:lnSpc>
+            <a:spcBef>
+              <a:spcPct val="0"/>
+            </a:spcBef>
+            <a:spcAft>
+              <a:spcPct val="35000"/>
+            </a:spcAft>
+            <a:buNone/>
+          </a:pPr>
+          <a:r>
+            <a:rPr lang="de-CH" sz="2000" kern="1200"/>
+            <a:t>Tests durch</a:t>
+          </a:r>
+          <a:br>
+            <a:rPr lang="de-CH" sz="2000" kern="1200"/>
+          </a:br>
+          <a:r>
+            <a:rPr lang="de-CH" sz="2000" kern="1200"/>
+            <a:t>Dritte </a:t>
+          </a:r>
+        </a:p>
+      </dsp:txBody>
+      <dsp:txXfrm>
+        <a:off x="2805228" y="2513182"/>
+        <a:ext cx="1244801" cy="655749"/>
+      </dsp:txXfrm>
+    </dsp:sp>
+    <dsp:sp modelId="{02F8A46D-8849-4539-826E-D18F691A85B2}">
+      <dsp:nvSpPr>
+        <dsp:cNvPr id="0" name=""/>
+        <dsp:cNvSpPr/>
+      </dsp:nvSpPr>
+      <dsp:spPr>
+        <a:xfrm>
+          <a:off x="2220222" y="3124654"/>
+          <a:ext cx="1500925" cy="1501650"/>
+        </a:xfrm>
+        <a:prstGeom prst="blockArc">
+          <a:avLst>
+            <a:gd name="adj1" fmla="val 0"/>
+            <a:gd name="adj2" fmla="val 18900000"/>
+            <a:gd name="adj3" fmla="val 12740"/>
+          </a:avLst>
+        </a:prstGeom>
+        <a:solidFill>
+          <a:schemeClr val="bg2">
+            <a:lumMod val="75000"/>
+          </a:schemeClr>
+        </a:solidFill>
+        <a:ln w="15875" cap="flat" cmpd="sng" algn="ctr">
+          <a:solidFill>
+            <a:schemeClr val="lt1">
+              <a:hueOff val="0"/>
+              <a:satOff val="0"/>
+              <a:lumOff val="0"/>
+              <a:alphaOff val="0"/>
+            </a:schemeClr>
+          </a:solidFill>
+          <a:prstDash val="solid"/>
+        </a:ln>
+        <a:effectLst/>
+      </dsp:spPr>
+      <dsp:style>
+        <a:lnRef idx="2">
+          <a:scrgbClr r="0" g="0" b="0"/>
+        </a:lnRef>
+        <a:fillRef idx="1">
+          <a:scrgbClr r="0" g="0" b="0"/>
+        </a:fillRef>
+        <a:effectRef idx="0">
+          <a:scrgbClr r="0" g="0" b="0"/>
+        </a:effectRef>
+        <a:fontRef idx="minor">
+          <a:schemeClr val="lt1"/>
+        </a:fontRef>
+      </dsp:style>
+    </dsp:sp>
+    <dsp:sp modelId="{62A27E19-74CA-473A-BA78-1AEE28F2209D}">
+      <dsp:nvSpPr>
+        <dsp:cNvPr id="0" name=""/>
+        <dsp:cNvSpPr/>
+      </dsp:nvSpPr>
+      <dsp:spPr>
+        <a:xfrm>
+          <a:off x="2479443" y="3643120"/>
+          <a:ext cx="974945" cy="487422"/>
+        </a:xfrm>
+        <a:prstGeom prst="rect">
+          <a:avLst/>
+        </a:prstGeom>
+        <a:noFill/>
+        <a:ln>
+          <a:noFill/>
+        </a:ln>
+        <a:effectLst/>
+      </dsp:spPr>
+      <dsp:style>
+        <a:lnRef idx="0">
+          <a:scrgbClr r="0" g="0" b="0"/>
+        </a:lnRef>
+        <a:fillRef idx="0">
+          <a:scrgbClr r="0" g="0" b="0"/>
+        </a:fillRef>
+        <a:effectRef idx="0">
+          <a:scrgbClr r="0" g="0" b="0"/>
+        </a:effectRef>
+        <a:fontRef idx="minor"/>
+      </dsp:style>
+      <dsp:txBody>
+        <a:bodyPr spcFirstLastPara="0" vert="horz" wrap="square" lIns="12700" tIns="12700" rIns="12700" bIns="12700" numCol="1" spcCol="1270" anchor="ctr" anchorCtr="0">
+          <a:noAutofit/>
+        </a:bodyPr>
+        <a:lstStyle/>
+        <a:p>
+          <a:pPr marL="0" lvl="0" indent="0" algn="ctr" defTabSz="889000">
+            <a:lnSpc>
+              <a:spcPct val="90000"/>
+            </a:lnSpc>
+            <a:spcBef>
+              <a:spcPct val="0"/>
+            </a:spcBef>
+            <a:spcAft>
+              <a:spcPct val="35000"/>
+            </a:spcAft>
+            <a:buNone/>
+          </a:pPr>
+          <a:r>
+            <a:rPr lang="de-CH" sz="2000" kern="1200"/>
+            <a:t>Abgabe</a:t>
+          </a:r>
+        </a:p>
+      </dsp:txBody>
+      <dsp:txXfrm>
+        <a:off x="2479443" y="3643120"/>
+        <a:ext cx="974945" cy="487422"/>
+      </dsp:txXfrm>
+    </dsp:sp>
+  </dsp:spTree>
+</dsp:drawing>
+</file>
+
+<file path=ppt/diagrams/layout1.xml><?xml version="1.0" encoding="utf-8"?>
+<dgm:layoutDef xmlns:dgm="http://schemas.openxmlformats.org/drawingml/2006/diagram" xmlns:a="http://schemas.openxmlformats.org/drawingml/2006/main" uniqueId="urn:microsoft.com/office/officeart/2009/layout/CircleArrowProcess">
+  <dgm:title val=""/>
+  <dgm:desc val=""/>
+  <dgm:catLst>
+    <dgm:cat type="process" pri="16500"/>
+    <dgm:cat type="cycle" pri="16000"/>
+  </dgm:catLst>
+  <dgm:sampData>
+    <dgm:dataModel>
+      <dgm:ptLst>
+        <dgm:pt modelId="0" type="doc"/>
+        <dgm:pt modelId="10">
+          <dgm:prSet phldr="1"/>
+        </dgm:pt>
+        <dgm:pt modelId="20">
+          <dgm:prSet phldr="1"/>
+        </dgm:pt>
+        <dgm:pt modelId="30">
+          <dgm:prSet phldr="1"/>
+        </dgm:pt>
+      </dgm:ptLst>
+      <dgm:cxnLst>
+        <dgm:cxn modelId="40" srcId="0" destId="10" srcOrd="0" destOrd="0"/>
+        <dgm:cxn modelId="50" srcId="0" destId="20" srcOrd="1" destOrd="0"/>
+        <dgm:cxn modelId="60" srcId="0" destId="30" srcOrd="2" destOrd="0"/>
+      </dgm:cxnLst>
+      <dgm:bg/>
+      <dgm:whole/>
+    </dgm:dataModel>
+  </dgm:sampData>
+  <dgm:styleData>
+    <dgm:dataModel>
+      <dgm:ptLst>
+        <dgm:pt modelId="0" type="doc"/>
+        <dgm:pt modelId="10">
+          <dgm:prSet phldr="1"/>
+        </dgm:pt>
+        <dgm:pt modelId="20">
+          <dgm:prSet phldr="1"/>
+        </dgm:pt>
+      </dgm:ptLst>
+      <dgm:cxnLst>
+        <dgm:cxn modelId="30" srcId="0" destId="10" srcOrd="0" destOrd="0"/>
+        <dgm:cxn modelId="40" srcId="0" destId="20" srcOrd="1" destOrd="0"/>
+      </dgm:cxnLst>
+      <dgm:bg/>
+      <dgm:whole/>
+    </dgm:dataModel>
+  </dgm:styleData>
+  <dgm:clrData>
+    <dgm:dataModel>
+      <dgm:ptLst>
+        <dgm:pt modelId="0" type="doc"/>
+        <dgm:pt modelId="10">
+          <dgm:prSet phldr="1"/>
+        </dgm:pt>
+        <dgm:pt modelId="20">
+          <dgm:prSet phldr="1"/>
+        </dgm:pt>
+        <dgm:pt modelId="30">
+          <dgm:prSet phldr="1"/>
+        </dgm:pt>
+        <dgm:pt modelId="40">
+          <dgm:prSet phldr="1"/>
+        </dgm:pt>
+      </dgm:ptLst>
+      <dgm:cxnLst>
+        <dgm:cxn modelId="50" srcId="0" destId="10" srcOrd="0" destOrd="0"/>
+        <dgm:cxn modelId="60" srcId="0" destId="20" srcOrd="1" destOrd="0"/>
+        <dgm:cxn modelId="70" srcId="0" destId="30" srcOrd="2" destOrd="0"/>
+        <dgm:cxn modelId="80" srcId="0" destId="40" srcOrd="3" destOrd="0"/>
+      </dgm:cxnLst>
+      <dgm:bg/>
+      <dgm:whole/>
+    </dgm:dataModel>
+  </dgm:clrData>
+  <dgm:layoutNode name="Name0">
+    <dgm:varLst>
+      <dgm:chMax val="7"/>
+      <dgm:chPref val="7"/>
+      <dgm:dir/>
+      <dgm:animLvl val="lvl"/>
+    </dgm:varLst>
+    <dgm:shape xmlns:r="http://schemas.openxmlformats.org/officeDocument/2006/relationships" r:blip="">
+      <dgm:adjLst/>
+    </dgm:shape>
+    <dgm:choose name="Name1">
+      <dgm:if name="Name2" func="var" arg="dir" op="equ" val="norm">
+        <dgm:choose name="Name3">
+          <dgm:if name="Name4" axis="ch" ptType="node" func="cnt" op="equ" val="1">
+            <dgm:alg type="composite">
+              <dgm:param type="ar" val="1.5999"/>
+            </dgm:alg>
+            <dgm:constrLst>
+              <dgm:constr type="primFontSz" for="des" forName="Child1" val="65"/>
+              <dgm:constr type="primFontSz" for="des" forName="Parent1" val="65"/>
+              <dgm:constr type="primFontSz" for="des" forName="Child1" refType="primFontSz" refFor="des" refForName="Parent1" op="lte"/>
+              <dgm:constr type="l" for="ch" forName="Child1" refType="w" fact="0.625"/>
+              <dgm:constr type="t" for="ch" forName="Child1" refType="h" fact="0.2981"/>
+              <dgm:constr type="w" for="ch" forName="Child1" refType="w" fact="0.375"/>
+              <dgm:constr type="h" for="ch" forName="Child1" refType="h" fact="0.4001"/>
+              <dgm:constr type="l" for="ch" forName="Accent1" refType="w" fact="0"/>
+              <dgm:constr type="t" for="ch" forName="Accent1" refType="h" fact="0"/>
+              <dgm:constr type="w" for="ch" forName="Accent1" refType="w" fact="0.6249"/>
+              <dgm:constr type="h" for="ch" forName="Accent1" refType="h"/>
+              <dgm:constr type="l" for="ch" forName="Parent1" refType="w" fact="0.138"/>
+              <dgm:constr type="t" for="ch" forName="Parent1" refType="h" fact="0.362"/>
+              <dgm:constr type="w" for="ch" forName="Parent1" refType="w" fact="0.3487"/>
+              <dgm:constr type="h" for="ch" forName="Parent1" refType="h" fact="0.2789"/>
+            </dgm:constrLst>
+          </dgm:if>
+          <dgm:if name="Name5" axis="ch" ptType="node" func="cnt" op="equ" val="2">
+            <dgm:alg type="composite">
+              <dgm:param type="ar" val="1.2026"/>
+            </dgm:alg>
+            <dgm:constrLst>
+              <dgm:constr type="primFontSz" for="des" forName="Child1" val="65"/>
+              <dgm:constr type="primFontSz" for="des" forName="Parent1" val="65"/>
+              <dgm:constr type="primFontSz" for="des" forName="Child1" refType="primFontSz" refFor="des" refForName="Parent1" op="lte"/>
+              <dgm:constr type="primFontSz" for="des" forName="Child2" refType="primFontSz" refFor="des" refForName="Parent1" op="lte"/>
+              <dgm:constr type="primFontSz" for="des" forName="Child1" refType="primFontSz" refFor="des" refForName="Parent2" op="lte"/>
+              <dgm:constr type="primFontSz" for="des" forName="Child2" refType="primFontSz" refFor="des" refForName="Parent2" op="lte"/>
+              <dgm:constr type="primFontSz" for="des" forName="Parent2" refType="primFontSz" refFor="des" refForName="Parent1" op="equ"/>
+              <dgm:constr type="primFontSz" for="des" forName="Child2" refType="primFontSz" refFor="des" refForName="Child1" op="equ"/>
+              <dgm:constr type="l" for="ch" forName="Accent1" refType="w" fact="0.1144"/>
+              <dgm:constr type="t" for="ch" forName="Accent1" refType="h" fact="0"/>
+              <dgm:constr type="w" for="ch" forName="Accent1" refType="w" fact="0.5542"/>
+              <dgm:constr type="h" for="ch" forName="Accent1" refType="h" fact="0.6665"/>
+              <dgm:constr type="l" for="ch" forName="Parent1" refType="w" fact="0.2368"/>
+              <dgm:constr type="t" for="ch" forName="Parent1" refType="h" fact="0.2413"/>
+              <dgm:constr type="w" for="ch" forName="Parent1" refType="w" fact="0.3092"/>
+              <dgm:constr type="h" for="ch" forName="Parent1" refType="h" fact="0.1859"/>
+              <dgm:constr type="l" for="ch" forName="Parent2" refType="w" fact="0.0822"/>
+              <dgm:constr type="t" for="ch" forName="Parent2" refType="h" fact="0.625"/>
+              <dgm:constr type="w" for="ch" forName="Parent2" refType="w" fact="0.3092"/>
+              <dgm:constr type="h" for="ch" forName="Parent2" refType="h" fact="0.1859"/>
+              <dgm:constr type="l" for="ch" forName="Child1" refType="w" fact="0.6678"/>
+              <dgm:constr type="t" for="ch" forName="Child1" refType="h" fact="0.1978"/>
+              <dgm:constr type="w" for="ch" forName="Child1" refType="w" fact="0.3322"/>
+              <dgm:constr type="h" for="ch" forName="Child1" refType="h" fact="0.265"/>
+              <dgm:constr type="l" for="ch" forName="Child2" refType="w" fact="0.5164"/>
+              <dgm:constr type="t" for="ch" forName="Child2" refType="h" fact="0.5855"/>
+              <dgm:constr type="w" for="ch" forName="Child2" refType="w" fact="0.3322"/>
+              <dgm:constr type="h" for="ch" forName="Child2" refType="h" fact="0.265"/>
+              <dgm:constr type="l" for="ch" forName="Accent2" refType="w" fact="0"/>
+              <dgm:constr type="t" for="ch" forName="Accent2" refType="h" fact="0.4272"/>
+              <dgm:constr type="w" for="ch" forName="Accent2" refType="w" fact="0.4761"/>
+              <dgm:constr type="h" for="ch" forName="Accent2" refType="h" fact="0.5728"/>
+            </dgm:constrLst>
+          </dgm:if>
+          <dgm:if name="Name6" axis="ch" ptType="node" func="cnt" op="equ" val="3">
+            <dgm:alg type="composite">
+              <dgm:param type="ar" val="0.9039"/>
+            </dgm:alg>
+            <dgm:shape xmlns:r="http://schemas.openxmlformats.org/officeDocument/2006/relationships" r:blip="">
+              <dgm:adjLst/>
+            </dgm:shape>
+            <dgm:constrLst>
+              <dgm:constr type="primFontSz" for="des" forName="Child1" val="65"/>
+              <dgm:constr type="primFontSz" for="des" forName="Parent1" val="65"/>
+              <dgm:constr type="primFontSz" for="des" forName="Child1" refType="primFontSz" refFor="des" refForName="Parent1" op="lte"/>
+              <dgm:constr type="primFontSz" for="des" forName="Child2" refType="primFontSz" refFor="des" refForName="Parent1" op="lte"/>
+              <dgm:constr type="primFontSz" for="des" forName="Child3" refType="primFontSz" refFor="des" refForName="Parent1" op="lte"/>
+              <dgm:constr type="primFontSz" for="des" forName="Child1" refType="primFontSz" refFor="des" refForName="Parent2" op="lte"/>
+              <dgm:constr type="primFontSz" for="des" forName="Child2" refType="primFontSz" refFor="des" refForName="Parent2" op="lte"/>
+              <dgm:constr type="primFontSz" for="des" forName="Child3" refType="primFontSz" refFor="des" refForName="Parent2" op="lte"/>
+              <dgm:constr type="primFontSz" for="des" forName="Child1" refType="primFontSz" refFor="des" refForName="Parent3" op="lte"/>
+              <dgm:constr type="primFontSz" for="des" forName="Child2" refType="primFontSz" refFor="des" refForName="Parent3" op="lte"/>
+              <dgm:constr type="primFontSz" for="des" forName="Child3" refType="primFontSz" refFor="des" refForName="Parent3" op="lte"/>
+              <dgm:constr type="primFontSz" for="des" forName="Parent2" refType="primFontSz" refFor="des" refForName="Parent1" op="equ"/>
+              <dgm:constr type="primFontSz" for="des" forName="Parent3" refType="primFontSz" refFor="des" refForName="Parent1" op="equ"/>
+              <dgm:constr type="primFontSz" for="des" forName="Child2" refType="primFontSz" refFor="des" refForName="Child1" op="equ"/>
+              <dgm:constr type="primFontSz" for="des" forName="Child3" refType="primFontSz" refFor="des" refForName="Child1" op="equ"/>
+              <dgm:constr type="l" for="ch" forName="Accent1" refType="w" fact="0.1479"/>
+              <dgm:constr type="t" for="ch" forName="Accent1" refType="h" fact="0"/>
+              <dgm:constr type="w" for="ch" forName="Accent1" refType="w" fact="0.5325"/>
+              <dgm:constr type="h" for="ch" forName="Accent1" refType="h" fact="0.4814"/>
+              <dgm:constr type="l" for="ch" forName="Accent2" refType="w" fact="0"/>
+              <dgm:constr type="t" for="ch" forName="Accent2" refType="h" fact="0.2766"/>
+              <dgm:constr type="w" for="ch" forName="Accent2" refType="w" fact="0.5325"/>
+              <dgm:constr type="h" for="ch" forName="Accent2" refType="h" fact="0.4814"/>
+              <dgm:constr type="l" for="ch" forName="Parent1" refType="w" fact="0.2656"/>
+              <dgm:constr type="t" for="ch" forName="Parent1" refType="h" fact="0.1738"/>
+              <dgm:constr type="w" for="ch" forName="Parent1" refType="w" fact="0.2959"/>
+              <dgm:constr type="h" for="ch" forName="Parent1" refType="h" fact="0.1337"/>
+              <dgm:constr type="l" for="ch" forName="Accent3" refType="w" fact="0.1858"/>
+              <dgm:constr type="t" for="ch" forName="Accent3" refType="h" fact="0.5863"/>
+              <dgm:constr type="w" for="ch" forName="Accent3" refType="w" fact="0.4575"/>
+              <dgm:constr type="h" for="ch" forName="Accent3" refType="h" fact="0.4137"/>
+              <dgm:constr type="l" for="ch" forName="Parent2" refType="w" fact="0.1183"/>
+              <dgm:constr type="t" for="ch" forName="Parent2" refType="h" fact="0.452"/>
+              <dgm:constr type="w" for="ch" forName="Parent2" refType="w" fact="0.2959"/>
+              <dgm:constr type="h" for="ch" forName="Parent2" refType="h" fact="0.1337"/>
+              <dgm:constr type="l" for="ch" forName="Parent3" refType="w" fact="0.2663"/>
+              <dgm:constr type="t" for="ch" forName="Parent3" refType="h" fact="0.7306"/>
+              <dgm:constr type="w" for="ch" forName="Parent3" refType="w" fact="0.2959"/>
+              <dgm:constr type="h" for="ch" forName="Parent3" refType="h" fact="0.1337"/>
+              <dgm:constr type="l" for="ch" forName="Child2" refType="w" fact="0.5325"/>
+              <dgm:constr type="t" for="ch" forName="Child2" refType="h" fact="0.4217"/>
+              <dgm:constr type="w" for="ch" forName="Child2" refType="w" fact="0.3195"/>
+              <dgm:constr type="h" for="ch" forName="Child2" refType="h" fact="0.1926"/>
+              <dgm:constr type="l" for="ch" forName="Child1" refType="w" fact="0.6805"/>
+              <dgm:constr type="t" for="ch" forName="Child1" refType="h" fact="0.1435"/>
+              <dgm:constr type="w" for="ch" forName="Child1" refType="w" fact="0.3195"/>
+              <dgm:constr type="h" for="ch" forName="Child1" refType="h" fact="0.1926"/>
+              <dgm:constr type="l" for="ch" forName="Child3" refType="w" fact="0.6805"/>
+              <dgm:constr type="t" for="ch" forName="Child3" refType="h" fact="0.6998"/>
+              <dgm:constr type="w" for="ch" forName="Child3" refType="w" fact="0.3195"/>
+              <dgm:constr type="h" for="ch" forName="Child3" refType="h" fact="0.1926"/>
+            </dgm:constrLst>
+          </dgm:if>
+          <dgm:if name="Name7" axis="ch" ptType="node" func="cnt" op="equ" val="4">
+            <dgm:alg type="composite">
+              <dgm:param type="ar" val="0.7073"/>
+            </dgm:alg>
+            <dgm:constrLst>
+              <dgm:constr type="primFontSz" for="des" forName="Child1" val="65"/>
+              <dgm:constr type="primFontSz" for="des" forName="Parent1" val="65"/>
+              <dgm:constr type="primFontSz" for="des" forName="Child1" refType="primFontSz" refFor="des" refForName="Parent1" op="lte"/>
+              <dgm:constr type="primFontSz" for="des" forName="Child2" refType="primFontSz" refFor="des" refForName="Parent1" op="lte"/>
+              <dgm:constr type="primFontSz" for="des" forName="Child3" refType="primFontSz" refFor="des" refForName="Parent1" op="lte"/>
+              <dgm:constr type="primFontSz" for="des" forName="Child4" refType="primFontSz" refFor="des" refForName="Parent1" op="lte"/>
+              <dgm:constr type="primFontSz" for="des" forName="Child1" refType="primFontSz" refFor="des" refForName="Parent2" op="lte"/>
+              <dgm:constr type="primFontSz" for="des" forName="Child2" refType="primFontSz" refFor="des" refForName="Parent2" op="lte"/>
+              <dgm:constr type="primFontSz" for="des" forName="Child3" refType="primFontSz" refFor="des" refForName="Parent2" op="lte"/>
+              <dgm:constr type="primFontSz" for="des" forName="Child4" refType="primFontSz" refFor="des" refForName="Parent2" op="lte"/>
+              <dgm:constr type="primFontSz" for="des" forName="Child1" refType="primFontSz" refFor="des" refForName="Parent3" op="lte"/>
+              <dgm:constr type="primFontSz" for="des" forName="Child2" refType="primFontSz" refFor="des" refForName="Parent3" op="lte"/>
+              <dgm:constr type="primFontSz" for="des" forName="Child3" refType="primFontSz" refFor="des" refForName="Parent3" op="lte"/>
+              <dgm:constr type="primFontSz" for="des" forName="Child4" refType="primFontSz" refFor="des" refForName="Parent3" op="lte"/>
+              <dgm:constr type="primFontSz" for="des" forName="Child1" refType="primFontSz" refFor="des" refForName="Parent4" op="lte"/>
+              <dgm:constr type="primFontSz" for="des" forName="Child2" refType="primFontSz" refFor="des" refForName="Parent4" op="lte"/>
+              <dgm:constr type="primFontSz" for="des" forName="Child3" refType="primFontSz" refFor="des" refForName="Parent4" op="lte"/>
+              <dgm:constr type="primFontSz" for="des" forName="Child4" refType="primFontSz" refFor="des" refForName="Parent4" op="lte"/>
+              <dgm:constr type="primFontSz" for="des" forName="Parent2" refType="primFontSz" refFor="des" refForName="Parent1" op="equ"/>
+              <dgm:constr type="primFontSz" for="des" forName="Parent3" refType="primFontSz" refFor="des" refForName="Parent1" op="equ"/>
+              <dgm:constr type="primFontSz" for="des" forName="Parent4" refType="primFontSz" refFor="des" refForName="Parent1" op="equ"/>
+              <dgm:constr type="primFontSz" for="des" forName="Child2" refType="primFontSz" refFor="des" refForName="Child1" op="equ"/>
+              <dgm:constr type="primFontSz" for="des" forName="Child3" refType="primFontSz" refFor="des" refForName="Child1" op="equ"/>
+              <dgm:constr type="primFontSz" for="des" forName="Child4" refType="primFontSz" refFor="des" refForName="Child1" op="equ"/>
+              <dgm:constr type="l" for="ch" forName="Accent1" refType="w" fact="0.1481"/>
+              <dgm:constr type="t" for="ch" forName="Accent1" refType="h" fact="0"/>
+              <dgm:constr type="w" for="ch" forName="Accent1" refType="w" fact="0.5331"/>
+              <dgm:constr type="h" for="ch" forName="Accent1" refType="h" fact="0.3771"/>
+              <dgm:constr type="l" for="ch" forName="Accent2" refType="w" fact="0"/>
+              <dgm:constr type="t" for="ch" forName="Accent2" refType="h" fact="0.2167"/>
+              <dgm:constr type="w" for="ch" forName="Accent2" refType="w" fact="0.5331"/>
+              <dgm:constr type="h" for="ch" forName="Accent2" refType="h" fact="0.3771"/>
+              <dgm:constr type="l" for="ch" forName="Accent3" refType="w" fact="0.1481"/>
+              <dgm:constr type="t" for="ch" forName="Accent3" refType="h" fact="0.4342"/>
+              <dgm:constr type="w" for="ch" forName="Accent3" refType="w" fact="0.5331"/>
+              <dgm:constr type="h" for="ch" forName="Accent3" refType="h" fact="0.3771"/>
+              <dgm:constr type="l" for="ch" forName="Parent1" refType="w" fact="0.2658"/>
+              <dgm:constr type="t" for="ch" forName="Parent1" refType="h" fact="0.1365"/>
+              <dgm:constr type="w" for="ch" forName="Parent1" refType="w" fact="0.2975"/>
+              <dgm:constr type="h" for="ch" forName="Parent1" refType="h" fact="0.1052"/>
+              <dgm:constr type="l" for="ch" forName="Parent2" refType="w" fact="0.1171"/>
+              <dgm:constr type="t" for="ch" forName="Parent2" refType="h" fact="0.3536"/>
+              <dgm:constr type="w" for="ch" forName="Parent2" refType="w" fact="0.2975"/>
+              <dgm:constr type="h" for="ch" forName="Parent2" refType="h" fact="0.1052"/>
+              <dgm:constr type="l" for="ch" forName="Parent3" refType="w" fact="0.2658"/>
+              <dgm:constr type="t" for="ch" forName="Parent3" refType="h" fact="0.5707"/>
+              <dgm:constr type="w" for="ch" forName="Parent3" refType="w" fact="0.2975"/>
+              <dgm:constr type="h" for="ch" forName="Parent3" refType="h" fact="0.1052"/>
+              <dgm:constr type="l" for="ch" forName="Parent4" refType="w" fact="0.1171"/>
+              <dgm:constr type="t" for="ch" forName="Parent4" refType="h" fact="0.7878"/>
+              <dgm:constr type="w" for="ch" forName="Parent4" refType="w" fact="0.2975"/>
+              <dgm:constr type="h" for="ch" forName="Parent4" refType="h" fact="0.1052"/>
+              <dgm:constr type="l" for="ch" forName="Child1" refType="w" fact="0.6804"/>
+              <dgm:constr type="t" for="ch" forName="Child1" refType="h" fact="0.1119"/>
+              <dgm:constr type="w" for="ch" forName="Child1" refType="w" fact="0.3196"/>
+              <dgm:constr type="h" for="ch" forName="Child1" refType="h" fact="0.15"/>
+              <dgm:constr type="l" for="ch" forName="Child2" refType="w" fact="0.5348"/>
+              <dgm:constr type="t" for="ch" forName="Child2" refType="h" fact="0.3312"/>
+              <dgm:constr type="w" for="ch" forName="Child2" refType="w" fact="0.3196"/>
+              <dgm:constr type="h" for="ch" forName="Child2" refType="h" fact="0.15"/>
+              <dgm:constr type="l" for="ch" forName="Child3" refType="w" fact="0.6804"/>
+              <dgm:constr type="t" for="ch" forName="Child3" refType="h" fact="0.5461"/>
+              <dgm:constr type="w" for="ch" forName="Child3" refType="w" fact="0.3196"/>
+              <dgm:constr type="h" for="ch" forName="Child3" refType="h" fact="0.15"/>
+              <dgm:constr type="l" for="ch" forName="Child4" refType="w" fact="0.5348"/>
+              <dgm:constr type="t" for="ch" forName="Child4" refType="h" fact="0.7632"/>
+              <dgm:constr type="w" for="ch" forName="Child4" refType="w" fact="0.3196"/>
+              <dgm:constr type="h" for="ch" forName="Child4" refType="h" fact="0.15"/>
+              <dgm:constr type="l" for="ch" forName="Accent4" refType="w" fact="0.038"/>
+              <dgm:constr type="t" for="ch" forName="Accent4" refType="h" fact="0.6759"/>
+              <dgm:constr type="w" for="ch" forName="Accent4" refType="w" fact="0.458"/>
+              <dgm:constr type="h" for="ch" forName="Accent4" refType="h" fact="0.3241"/>
+            </dgm:constrLst>
+          </dgm:if>
+          <dgm:if name="Name8" axis="ch" ptType="node" func="cnt" op="equ" val="5">
+            <dgm:alg type="composite">
+              <dgm:param type="ar" val="0.5811"/>
+            </dgm:alg>
+            <dgm:constrLst>
+              <dgm:constr type="primFontSz" for="des" forName="Child1" val="65"/>
+              <dgm:constr type="primFontSz" for="des" forName="Parent1" val="65"/>
+              <dgm:constr type="primFontSz" for="des" forName="Child1" refType="primFontSz" refFor="des" refForName="Parent1" op="lte"/>
+              <dgm:constr type="primFontSz" for="des" forName="Child2" refType="primFontSz" refFor="des" refForName="Parent1" op="lte"/>
+              <dgm:constr type="primFontSz" for="des" forName="Child3" refType="primFontSz" refFor="des" refForName="Parent1" op="lte"/>
+              <dgm:constr type="primFontSz" for="des" forName="Child4" refType="primFontSz" refFor="des" refForName="Parent1" op="lte"/>
+              <dgm:constr type="primFontSz" for="des" forName="Child5" refType="primFontSz" refFor="des" refForName="Parent1" op="lte"/>
+              <dgm:constr type="primFontSz" for="des" forName="Child1" refType="primFontSz" refFor="des" refForName="Parent2" op="lte"/>
+              <dgm:constr type="primFontSz" for="des" forName="Child2" refType="primFontSz" refFor="des" refForName="Parent2" op="lte"/>
+              <dgm:constr type="primFontSz" for="des" forName="Child3" refType="primFontSz" refFor="des" refForName="Parent2" op="lte"/>
+              <dgm:constr type="primFontSz" for="des" forName="Child4" refType="primFontSz" refFor="des" refForName="Parent2" op="lte"/>
+              <dgm:constr type="primFontSz" for="des" forName="Child5" refType="primFontSz" refFor="des" refForName="Parent2" op="lte"/>
+              <dgm:constr type="primFontSz" for="des" forName="Child1" refType="primFontSz" refFor="des" refForName="Parent3" op="lte"/>
+              <dgm:constr type="primFontSz" for="des" forName="Child2" refType="primFontSz" refFor="des" refForName="Parent3" op="lte"/>
+              <dgm:constr type="primFontSz" for="des" forName="Child3" refType="primFontSz" refFor="des" refForName="Parent3" op="lte"/>
+              <dgm:constr type="primFontSz" for="des" forName="Child4" refType="primFontSz" refFor="des" refForName="Parent3" op="lte"/>
+              <dgm:constr type="primFontSz" for="des" forName="Child5" refType="primFontSz" refFor="des" refForName="Parent3" op="lte"/>
+              <dgm:constr type="primFontSz" for="des" forName="Child1" refType="primFontSz" refFor="des" refForName="Parent4" op="lte"/>
+              <dgm:constr type="primFontSz" for="des" forName="Child2" refType="primFontSz" refFor="des" refForName="Parent4" op="lte"/>
+              <dgm:constr type="primFontSz" for="des" forName="Child3" refType="primFontSz" refFor="des" refForName="Parent4" op="lte"/>
+              <dgm:constr type="primFontSz" for="des" forName="Child4" refType="primFontSz" refFor="des" refForName="Parent4" op="lte"/>
+              <dgm:constr type="primFontSz" for="des" forName="Child5" refType="primFontSz" refFor="des" refForName="Parent4" op="lte"/>
+              <dgm:constr type="primFontSz" for="des" forName="Child1" refType="primFontSz" refFor="des" refForName="Parent5" op="lte"/>
+              <dgm:constr type="primFontSz" for="des" forName="Child2" refType="primFontSz" refFor="des" refForName="Parent5" op="lte"/>
+              <dgm:constr type="primFontSz" for="des" forName="Child3" refType="primFontSz" refFor="des" refForName="Parent5" op="lte"/>
+              <dgm:constr type="primFontSz" for="des" forName="Child4" refType="primFontSz" refFor="des" refForName="Parent5" op="lte"/>
+              <dgm:constr type="primFontSz" for="des" forName="Child5" refType="primFontSz" refFor="des" refForName="Parent5" op="lte"/>
+              <dgm:constr type="primFontSz" for="des" forName="Parent2" refType="primFontSz" refFor="des" refForName="Parent1" op="equ"/>
+              <dgm:constr type="primFontSz" for="des" forName="Parent3" refType="primFontSz" refFor="des" refForName="Parent1" op="equ"/>
+              <dgm:constr type="primFontSz" for="des" forName="Parent4" refType="primFontSz" refFor="des" refForName="Parent1" op="equ"/>
+              <dgm:constr type="primFontSz" for="des" forName="Parent5" refType="primFontSz" refFor="des" refForName="Parent1" op="equ"/>
+              <dgm:constr type="primFontSz" for="des" forName="Child2" refType="primFontSz" refFor="des" refForName="Child1" op="equ"/>
+              <dgm:constr type="primFontSz" for="des" forName="Child3" refType="primFontSz" refFor="des" refForName="Child1" op="equ"/>
+              <dgm:constr type="primFontSz" for="des" forName="Child4" refType="primFontSz" refFor="des" refForName="Child1" op="equ"/>
+              <dgm:constr type="primFontSz" for="des" forName="Child5" refType="primFontSz" refFor="des" refForName="Child1" op="equ"/>
+              <dgm:constr type="l" for="ch" forName="Accent1" refType="w" fact="0.1481"/>
+              <dgm:constr type="t" for="ch" forName="Accent1" refType="h" fact="0"/>
+              <dgm:constr type="w" for="ch" forName="Accent1" refType="w" fact="0.5331"/>
+              <dgm:constr type="h" for="ch" forName="Accent1" refType="h" fact="0.3098"/>
+              <dgm:constr type="l" for="ch" forName="Accent2" refType="w" fact="0"/>
+              <dgm:constr type="t" for="ch" forName="Accent2" refType="h" fact="0.178"/>
+              <dgm:constr type="w" for="ch" forName="Accent2" refType="w" fact="0.5331"/>
+              <dgm:constr type="h" for="ch" forName="Accent2" refType="h" fact="0.3098"/>
+              <dgm:constr type="l" for="ch" forName="Accent3" refType="w" fact="0.1481"/>
+              <dgm:constr type="t" for="ch" forName="Accent3" refType="h" fact="0.3568"/>
+              <dgm:constr type="w" for="ch" forName="Accent3" refType="w" fact="0.5331"/>
+              <dgm:constr type="h" for="ch" forName="Accent3" refType="h" fact="0.3098"/>
+              <dgm:constr type="l" for="ch" forName="Accent4" refType="w" fact="0"/>
+              <dgm:constr type="t" for="ch" forName="Accent4" refType="h" fact="0.5351"/>
+              <dgm:constr type="w" for="ch" forName="Accent4" refType="w" fact="0.5331"/>
+              <dgm:constr type="h" for="ch" forName="Accent4" refType="h" fact="0.3098"/>
+              <dgm:constr type="l" for="ch" forName="Accent5" refType="w" fact="0.186"/>
+              <dgm:constr type="t" for="ch" forName="Accent5" refType="h" fact="0.7337"/>
+              <dgm:constr type="w" for="ch" forName="Accent5" refType="w" fact="0.458"/>
+              <dgm:constr type="h" for="ch" forName="Accent5" refType="h" fact="0.2663"/>
+              <dgm:constr type="l" for="ch" forName="Parent1" refType="w" fact="0.2658"/>
+              <dgm:constr type="t" for="ch" forName="Parent1" refType="h" fact="0.1122"/>
+              <dgm:constr type="w" for="ch" forName="Parent1" refType="w" fact="0.2975"/>
+              <dgm:constr type="h" for="ch" forName="Parent1" refType="h" fact="0.0864"/>
+              <dgm:constr type="l" for="ch" forName="Parent2" refType="w" fact="0.1171"/>
+              <dgm:constr type="t" for="ch" forName="Parent2" refType="h" fact="0.2906"/>
+              <dgm:constr type="w" for="ch" forName="Parent2" refType="w" fact="0.2975"/>
+              <dgm:constr type="h" for="ch" forName="Parent2" refType="h" fact="0.0864"/>
+              <dgm:constr type="l" for="ch" forName="Parent3" refType="w" fact="0.2658"/>
+              <dgm:constr type="t" for="ch" forName="Parent3" refType="h" fact="0.4689"/>
+              <dgm:constr type="w" for="ch" forName="Parent3" refType="w" fact="0.2975"/>
+              <dgm:constr type="h" for="ch" forName="Parent3" refType="h" fact="0.0864"/>
+              <dgm:constr type="l" for="ch" forName="Parent4" refType="w" fact="0.1171"/>
+              <dgm:constr type="t" for="ch" forName="Parent4" refType="h" fact="0.6473"/>
+              <dgm:constr type="w" for="ch" forName="Parent4" refType="w" fact="0.2975"/>
+              <dgm:constr type="h" for="ch" forName="Parent4" refType="h" fact="0.0864"/>
+              <dgm:constr type="l" for="ch" forName="Parent5" refType="w" fact="0.2658"/>
+              <dgm:constr type="t" for="ch" forName="Parent5" refType="h" fact="0.8257"/>
+              <dgm:constr type="w" for="ch" forName="Parent5" refType="w" fact="0.2975"/>
+              <dgm:constr type="h" for="ch" forName="Parent5" refType="h" fact="0.0864"/>
+              <dgm:constr type="l" for="ch" forName="Child1" refType="w" fact="0.6804"/>
+              <dgm:constr type="t" for="ch" forName="Child1" refType="h" fact="0.0919"/>
+              <dgm:constr type="w" for="ch" forName="Child1" refType="w" fact="0.3196"/>
+              <dgm:constr type="h" for="ch" forName="Child1" refType="h" fact="0.1232"/>
+              <dgm:constr type="l" for="ch" forName="Child2" refType="w" fact="0.5348"/>
+              <dgm:constr type="t" for="ch" forName="Child2" refType="h" fact="0.2722"/>
+              <dgm:constr type="w" for="ch" forName="Child2" refType="w" fact="0.3196"/>
+              <dgm:constr type="h" for="ch" forName="Child2" refType="h" fact="0.1232"/>
+              <dgm:constr type="l" for="ch" forName="Child3" refType="w" fact="0.6804"/>
+              <dgm:constr type="t" for="ch" forName="Child3" refType="h" fact="0.4487"/>
+              <dgm:constr type="w" for="ch" forName="Child3" refType="w" fact="0.3196"/>
+              <dgm:constr type="h" for="ch" forName="Child3" refType="h" fact="0.1232"/>
+              <dgm:constr type="l" for="ch" forName="Child4" refType="w" fact="0.5348"/>
+              <dgm:constr type="t" for="ch" forName="Child4" refType="h" fact="0.6271"/>
+              <dgm:constr type="w" for="ch" forName="Child4" refType="w" fact="0.3196"/>
+              <dgm:constr type="h" for="ch" forName="Child4" refType="h" fact="0.1232"/>
+              <dgm:constr type="l" for="ch" forName="Child5" refType="w" fact="0.6804"/>
+              <dgm:constr type="t" for="ch" forName="Child5" refType="h" fact="0.8073"/>
+              <dgm:constr type="w" for="ch" forName="Child5" refType="w" fact="0.3196"/>
+              <dgm:constr type="h" for="ch" forName="Child5" refType="h" fact="0.1232"/>
+            </dgm:constrLst>
+          </dgm:if>
+          <dgm:if name="Name9" axis="ch" ptType="node" func="cnt" op="equ" val="6">
+            <dgm:alg type="composite">
+              <dgm:param type="ar" val="0.4931"/>
+            </dgm:alg>
+            <dgm:constrLst>
+              <dgm:constr type="primFontSz" for="des" forName="Child1" val="65"/>
+              <dgm:constr type="primFontSz" for="des" forName="Parent1" val="65"/>
+              <dgm:constr type="primFontSz" for="des" forName="Child1" refType="primFontSz" refFor="des" refForName="Parent1" op="lte"/>
+              <dgm:constr type="primFontSz" for="des" forName="Child2" refType="primFontSz" refFor="des" refForName="Parent1" op="lte"/>
+              <dgm:constr type="primFontSz" for="des" forName="Child3" refType="primFontSz" refFor="des" refForName="Parent1" op="lte"/>
+              <dgm:constr type="primFontSz" for="des" forName="Child4" refType="primFontSz" refFor="des" refForName="Parent1" op="lte"/>
+              <dgm:constr type="primFontSz" for="des" forName="Child5" refType="primFontSz" refFor="des" refForName="Parent1" op="lte"/>
+              <dgm:constr type="primFontSz" for="des" forName="Child6" refType="primFontSz" refFor="des" refForName="Parent1" op="lte"/>
+              <dgm:constr type="primFontSz" for="des" forName="Child1" refType="primFontSz" refFor="des" refForName="Parent2" op="lte"/>
+              <dgm:constr type="primFontSz" for="des" forName="Child2" refType="primFontSz" refFor="des" refForName="Parent2" op="lte"/>
+              <dgm:constr type="primFontSz" for="des" forName="Child3" refType="primFontSz" refFor="des" refForName="Parent2" op="lte"/>
+              <dgm:constr type="primFontSz" for="des" forName="Child4" refType="primFontSz" refFor="des" refForName="Parent2" op="lte"/>
+              <dgm:constr type="primFontSz" for="des" forName="Child5" refType="primFontSz" refFor="des" refForName="Parent2" op="lte"/>
+              <dgm:constr type="primFontSz" for="des" forName="Child6" refType="primFontSz" refFor="des" refForName="Parent2" op="lte"/>
+              <dgm:constr type="primFontSz" for="des" forName="Child1" refType="primFontSz" refFor="des" refForName="Parent3" op="lte"/>
+              <dgm:constr type="primFontSz" for="des" forName="Child2" refType="primFontSz" refFor="des" refForName="Parent3" op="lte"/>
+              <dgm:constr type="primFontSz" for="des" forName="Child3" refType="primFontSz" refFor="des" refForName="Parent3" op="lte"/>
+              <dgm:constr type="primFontSz" for="des" forName="Child4" refType="primFontSz" refFor="des" refForName="Parent3" op="lte"/>
+              <dgm:constr type="primFontSz" for="des" forName="Child5" refType="primFontSz" refFor="des" refForName="Parent3" op="lte"/>
+              <dgm:constr type="primFontSz" for="des" forName="Child6" refType="primFontSz" refFor="des" refForName="Parent3" op="lte"/>
+              <dgm:constr type="primFontSz" for="des" forName="Child1" refType="primFontSz" refFor="des" refForName="Parent4" op="lte"/>
+              <dgm:constr type="primFontSz" for="des" forName="Child2" refType="primFontSz" refFor="des" refForName="Parent4" op="lte"/>
+              <dgm:constr type="primFontSz" for="des" forName="Child3" refType="primFontSz" refFor="des" refForName="Parent4" op="lte"/>
+              <dgm:constr type="primFontSz" for="des" forName="Child4" refType="primFontSz" refFor="des" refForName="Parent4" op="lte"/>
+              <dgm:constr type="primFontSz" for="des" forName="Child5" refType="primFontSz" refFor="des" refForName="Parent4" op="lte"/>
+              <dgm:constr type="primFontSz" for="des" forName="Child6" refType="primFontSz" refFor="des" refForName="Parent4" op="lte"/>
+              <dgm:constr type="primFontSz" for="des" forName="Child1" refType="primFontSz" refFor="des" refForName="Parent5" op="lte"/>
+              <dgm:constr type="primFontSz" for="des" forName="Child2" refType="primFontSz" refFor="des" refForName="Parent5" op="lte"/>
+              <dgm:constr type="primFontSz" for="des" forName="Child3" refType="primFontSz" refFor="des" refForName="Parent5" op="lte"/>
+              <dgm:constr type="primFontSz" for="des" forName="Child4" refType="primFontSz" refFor="des" refForName="Parent5" op="lte"/>
+              <dgm:constr type="primFontSz" for="des" forName="Child5" refType="primFontSz" refFor="des" refForName="Parent5" op="lte"/>
+              <dgm:constr type="primFontSz" for="des" forName="Child6" refType="primFontSz" refFor="des" refForName="Parent5" op="lte"/>
+              <dgm:constr type="primFontSz" for="des" forName="Child1" refType="primFontSz" refFor="des" refForName="Parent6" op="lte"/>
+              <dgm:constr type="primFontSz" for="des" forName="Child2" refType="primFontSz" refFor="des" refForName="Parent6" op="lte"/>
+              <dgm:constr type="primFontSz" for="des" forName="Child3" refType="primFontSz" refFor="des" refForName="Parent6" op="lte"/>
+              <dgm:constr type="primFontSz" for="des" forName="Child4" refType="primFontSz" refFor="des" refForName="Parent6" op="lte"/>
+              <dgm:constr type="primFontSz" for="des" forName="Child5" refType="primFontSz" refFor="des" refForName="Parent6" op="lte"/>
+              <dgm:constr type="primFontSz" for="des" forName="Child6" refType="primFontSz" refFor="des" refForName="Parent6" op="lte"/>
+              <dgm:constr type="primFontSz" for="des" forName="Parent2" refType="primFontSz" refFor="des" refForName="Parent1" op="equ"/>
+              <dgm:constr type="primFontSz" for="des" forName="Parent3" refType="primFontSz" refFor="des" refForName="Parent1" op="equ"/>
+              <dgm:constr type="primFontSz" for="des" forName="Parent4" refType="primFontSz" refFor="des" refForName="Parent1" op="equ"/>
+              <dgm:constr type="primFontSz" for="des" forName="Parent5" refType="primFontSz" refFor="des" refForName="Parent1" op="equ"/>
+              <dgm:constr type="primFontSz" for="des" forName="Parent6" refType="primFontSz" refFor="des" refForName="Parent1" op="equ"/>
+              <dgm:constr type="primFontSz" for="des" forName="Child2" refType="primFontSz" refFor="des" refForName="Child1" op="equ"/>
+              <dgm:constr type="primFontSz" for="des" forName="Child3" refType="primFontSz" refFor="des" refForName="Child1" op="equ"/>
+              <dgm:constr type="primFontSz" for="des" forName="Child4" refType="primFontSz" refFor="des" refForName="Child1" op="equ"/>
+              <dgm:constr type="primFontSz" for="des" forName="Child5" refType="primFontSz" refFor="des" refForName="Child1" op="equ"/>
+              <dgm:constr type="primFontSz" for="des" forName="Child6" refType="primFontSz" refFor="des" refForName="Child1" op="equ"/>
+              <dgm:constr type="l" for="ch" forName="Accent1" refType="w" fact="0.1481"/>
+              <dgm:constr type="t" for="ch" forName="Accent1" refType="h" fact="0"/>
+              <dgm:constr type="w" for="ch" forName="Accent1" refType="w" fact="0.5331"/>
+              <dgm:constr type="h" for="ch" forName="Accent1" refType="h" fact="0.2629"/>
+              <dgm:constr type="l" for="ch" forName="Accent2" refType="w" fact="0"/>
+              <dgm:constr type="t" for="ch" forName="Accent2" refType="h" fact="0.1511"/>
+              <dgm:constr type="w" for="ch" forName="Accent2" refType="w" fact="0.5331"/>
+              <dgm:constr type="h" for="ch" forName="Accent2" refType="h" fact="0.2629"/>
+              <dgm:constr type="l" for="ch" forName="Accent3" refType="w" fact="0.1481"/>
+              <dgm:constr type="t" for="ch" forName="Accent3" refType="h" fact="0.3027"/>
+              <dgm:constr type="w" for="ch" forName="Accent3" refType="w" fact="0.5331"/>
+              <dgm:constr type="h" for="ch" forName="Accent3" refType="h" fact="0.2629"/>
+              <dgm:constr type="l" for="ch" forName="Accent4" refType="w" fact="0"/>
+              <dgm:constr type="t" for="ch" forName="Accent4" refType="h" fact="0.4541"/>
+              <dgm:constr type="w" for="ch" forName="Accent4" refType="w" fact="0.5331"/>
+              <dgm:constr type="h" for="ch" forName="Accent4" refType="h" fact="0.2629"/>
+              <dgm:constr type="l" for="ch" forName="Parent1" refType="w" fact="0.2658"/>
+              <dgm:constr type="t" for="ch" forName="Parent1" refType="h" fact="0.0952"/>
+              <dgm:constr type="w" for="ch" forName="Parent1" refType="w" fact="0.2975"/>
+              <dgm:constr type="h" for="ch" forName="Parent1" refType="h" fact="0.0733"/>
+              <dgm:constr type="l" for="ch" forName="Parent2" refType="w" fact="0.1171"/>
+              <dgm:constr type="t" for="ch" forName="Parent2" refType="h" fact="0.2466"/>
+              <dgm:constr type="w" for="ch" forName="Parent2" refType="w" fact="0.2975"/>
+              <dgm:constr type="h" for="ch" forName="Parent2" refType="h" fact="0.0733"/>
+              <dgm:constr type="l" for="ch" forName="Parent3" refType="w" fact="0.2658"/>
+              <dgm:constr type="t" for="ch" forName="Parent3" refType="h" fact="0.3979"/>
+              <dgm:constr type="w" for="ch" forName="Parent3" refType="w" fact="0.2975"/>
+              <dgm:constr type="h" for="ch" forName="Parent3" refType="h" fact="0.0733"/>
+              <dgm:constr type="l" for="ch" forName="Parent4" refType="w" fact="0.1171"/>
+              <dgm:constr type="t" for="ch" forName="Parent4" refType="h" fact="0.5493"/>
+              <dgm:constr type="w" for="ch" forName="Parent4" refType="w" fact="0.2975"/>
+              <dgm:constr type="h" for="ch" forName="Parent4" refType="h" fact="0.0733"/>
+              <dgm:constr type="l" for="ch" forName="Child1" refType="w" fact="0.6804"/>
+              <dgm:constr type="t" for="ch" forName="Child1" refType="h" fact="0.078"/>
+              <dgm:constr type="w" for="ch" forName="Child1" refType="w" fact="0.3196"/>
+              <dgm:constr type="h" for="ch" forName="Child1" refType="h" fact="0.1046"/>
+              <dgm:constr type="l" for="ch" forName="Child2" refType="w" fact="0.5348"/>
+              <dgm:constr type="t" for="ch" forName="Child2" refType="h" fact="0.231"/>
+              <dgm:constr type="w" for="ch" forName="Child2" refType="w" fact="0.3196"/>
+              <dgm:constr type="h" for="ch" forName="Child2" refType="h" fact="0.1046"/>
+              <dgm:constr type="l" for="ch" forName="Child3" refType="w" fact="0.6804"/>
+              <dgm:constr type="t" for="ch" forName="Child3" refType="h" fact="0.3808"/>
+              <dgm:constr type="w" for="ch" forName="Child3" refType="w" fact="0.3196"/>
+              <dgm:constr type="h" for="ch" forName="Child3" refType="h" fact="0.1046"/>
+              <dgm:constr type="l" for="ch" forName="Child4" refType="w" fact="0.5348"/>
+              <dgm:constr type="t" for="ch" forName="Child4" refType="h" fact="0.5322"/>
+              <dgm:constr type="w" for="ch" forName="Child4" refType="w" fact="0.3196"/>
+              <dgm:constr type="h" for="ch" forName="Child4" refType="h" fact="0.1046"/>
+              <dgm:constr type="l" for="ch" forName="Accent5" refType="w" fact="0.1481"/>
+              <dgm:constr type="t" for="ch" forName="Accent5" refType="h" fact="0.6053"/>
+              <dgm:constr type="w" for="ch" forName="Accent5" refType="w" fact="0.5331"/>
+              <dgm:constr type="h" for="ch" forName="Accent5" refType="h" fact="0.2629"/>
+              <dgm:constr type="l" for="ch" forName="Accent6" refType="w" fact="0.038"/>
+              <dgm:constr type="t" for="ch" forName="Accent6" refType="h" fact="0.774"/>
+              <dgm:constr type="w" for="ch" forName="Accent6" refType="w" fact="0.458"/>
+              <dgm:constr type="h" for="ch" forName="Accent6" refType="h" fact="0.226"/>
+              <dgm:constr type="l" for="ch" forName="Parent5" refType="w" fact="0.2658"/>
+              <dgm:constr type="t" for="ch" forName="Parent5" refType="h" fact="0.7005"/>
+              <dgm:constr type="w" for="ch" forName="Parent5" refType="w" fact="0.2975"/>
+              <dgm:constr type="h" for="ch" forName="Parent5" refType="h" fact="0.0733"/>
+              <dgm:constr type="l" for="ch" forName="Parent6" refType="w" fact="0.1171"/>
+              <dgm:constr type="t" for="ch" forName="Parent6" refType="h" fact="0.8519"/>
+              <dgm:constr type="w" for="ch" forName="Parent6" refType="w" fact="0.2975"/>
+              <dgm:constr type="h" for="ch" forName="Parent6" refType="h" fact="0.0733"/>
+              <dgm:constr type="l" for="ch" forName="Child5" refType="w" fact="0.6804"/>
+              <dgm:constr type="t" for="ch" forName="Child5" refType="h" fact="0.6833"/>
+              <dgm:constr type="w" for="ch" forName="Child5" refType="w" fact="0.3196"/>
+              <dgm:constr type="h" for="ch" forName="Child5" refType="h" fact="0.1046"/>
+              <dgm:constr type="l" for="ch" forName="Child6" refType="w" fact="0.5348"/>
+              <dgm:constr type="t" for="ch" forName="Child6" refType="h" fact="0.8347"/>
+              <dgm:constr type="w" for="ch" forName="Child6" refType="w" fact="0.3196"/>
+              <dgm:constr type="h" for="ch" forName="Child6" refType="h" fact="0.1046"/>
+            </dgm:constrLst>
+          </dgm:if>
+          <dgm:else name="Name10">
+            <dgm:alg type="composite">
+              <dgm:param type="ar" val="0.4284"/>
+            </dgm:alg>
+            <dgm:constrLst>
+              <dgm:constr type="primFontSz" for="des" forName="Child1" val="65"/>
+              <dgm:constr type="primFontSz" for="des" forName="Parent1" val="65"/>
+              <dgm:constr type="primFontSz" for="des" forName="Child1" refType="primFontSz" refFor="des" refForName="Parent1" op="lte"/>
+              <dgm:constr type="primFontSz" for="des" forName="Child2" refType="primFontSz" refFor="des" refForName="Parent1" op="lte"/>
+              <dgm:constr type="primFontSz" for="des" forName="Child3" refType="primFontSz" refFor="des" refForName="Parent1" op="lte"/>
+              <dgm:constr type="primFontSz" for="des" forName="Child4" refType="primFontSz" refFor="des" refForName="Parent1" op="lte"/>
+              <dgm:constr type="primFontSz" for="des" forName="Child5" refType="primFontSz" refFor="des" refForName="Parent1" op="lte"/>
+              <dgm:constr type="primFontSz" for="des" forName="Child6" refType="primFontSz" refFor="des" refForName="Parent1" op="lte"/>
+              <dgm:constr type="primFontSz" for="des" forName="Child7" refType="primFontSz" refFor="des" refForName="Parent1" op="lte"/>
+              <dgm:constr type="primFontSz" for="des" forName="Child1" refType="primFontSz" refFor="des" refForName="Parent2" op="lte"/>
+              <dgm:constr type="primFontSz" for="des" forName="Child2" refType="primFontSz" refFor="des" refForName="Parent2" op="lte"/>
+              <dgm:constr type="primFontSz" for="des" forName="Child3" refType="primFontSz" refFor="des" refForName="Parent2" op="lte"/>
+              <dgm:constr type="primFontSz" for="des" forName="Child4" refType="primFontSz" refFor="des" refForName="Parent2" op="lte"/>
+              <dgm:constr type="primFontSz" for="des" forName="Child5" refType="primFontSz" refFor="des" refForName="Parent2" op="lte"/>
+              <dgm:constr type="primFontSz" for="des" forName="Child6" refType="primFontSz" refFor="des" refForName="Parent2" op="lte"/>
+              <dgm:constr type="primFontSz" for="des" forName="Child7" refType="primFontSz" refFor="des" refForName="Parent2" op="lte"/>
+              <dgm:constr type="primFontSz" for="des" forName="Child1" refType="primFontSz" refFor="des" refForName="Parent3" op="lte"/>
+              <dgm:constr type="primFontSz" for="des" forName="Child2" refType="primFontSz" refFor="des" refForName="Parent3" op="lte"/>
+              <dgm:constr type="primFontSz" for="des" forName="Child3" refType="primFontSz" refFor="des" refForName="Parent3" op="lte"/>
+              <dgm:constr type="primFontSz" for="des" forName="Child4" refType="primFontSz" refFor="des" refForName="Parent3" op="lte"/>
+              <dgm:constr type="primFontSz" for="des" forName="Child5" refType="primFontSz" refFor="des" refForName="Parent3" op="lte"/>
+              <dgm:constr type="primFontSz" for="des" forName="Child6" refType="primFontSz" refFor="des" refForName="Parent3" op="lte"/>
+              <dgm:constr type="primFontSz" for="des" forName="Child7" refType="primFontSz" refFor="des" refForName="Parent3" op="lte"/>
+              <dgm:constr type="primFontSz" for="des" forName="Child1" refType="primFontSz" refFor="des" refForName="Parent4" op="lte"/>
+              <dgm:constr type="primFontSz" for="des" forName="Child2" refType="primFontSz" refFor="des" refForName="Parent4" op="lte"/>
+              <dgm:constr type="primFontSz" for="des" forName="Child3" refType="primFontSz" refFor="des" refForName="Parent4" op="lte"/>
+              <dgm:constr type="primFontSz" for="des" forName="Child4" refType="primFontSz" refFor="des" refForName="Parent4" op="lte"/>
+              <dgm:constr type="primFontSz" for="des" forName="Child5" refType="primFontSz" refFor="des" refForName="Parent4" op="lte"/>
+              <dgm:constr type="primFontSz" for="des" forName="Child6" refType="primFontSz" refFor="des" refForName="Parent4" op="lte"/>
+              <dgm:constr type="primFontSz" for="des" forName="Child7" refType="primFontSz" refFor="des" refForName="Parent4" op="lte"/>
+              <dgm:constr type="primFontSz" for="des" forName="Child1" refType="primFontSz" refFor="des" refForName="Parent5" op="lte"/>
+              <dgm:constr type="primFontSz" for="des" forName="Child2" refType="primFontSz" refFor="des" refForName="Parent5" op="lte"/>
+              <dgm:constr type="primFontSz" for="des" forName="Child3" refType="primFontSz" refFor="des" refForName="Parent5" op="lte"/>
+              <dgm:constr type="primFontSz" for="des" forName="Child4" refType="primFontSz" refFor="des" refForName="Parent5" op="lte"/>
+              <dgm:constr type="primFontSz" for="des" forName="Child5" refType="primFontSz" refFor="des" refForName="Parent5" op="lte"/>
+              <dgm:constr type="primFontSz" for="des" forName="Child6" refType="primFontSz" refFor="des" refForName="Parent5" op="lte"/>
+              <dgm:constr type="primFontSz" for="des" forName="Child7" refType="primFontSz" refFor="des" refForName="Parent5" op="lte"/>
+              <dgm:constr type="primFontSz" for="des" forName="Child1" refType="primFontSz" refFor="des" refForName="Parent6" op="lte"/>
+              <dgm:constr type="primFontSz" for="des" forName="Child2" refType="primFontSz" refFor="des" refForName="Parent6" op="lte"/>
+              <dgm:constr type="primFontSz" for="des" forName="Child3" refType="primFontSz" refFor="des" refForName="Parent6" op="lte"/>
+              <dgm:constr type="primFontSz" for="des" forName="Child4" refType="primFontSz" refFor="des" refForName="Parent6" op="lte"/>
+              <dgm:constr type="primFontSz" for="des" forName="Child5" refType="primFontSz" refFor="des" refForName="Parent6" op="lte"/>
+              <dgm:constr type="primFontSz" for="des" forName="Child6" refType="primFontSz" refFor="des" refForName="Parent6" op="lte"/>
+              <dgm:constr type="primFontSz" for="des" forName="Child7" refType="primFontSz" refFor="des" refForName="Parent6" op="lte"/>
+              <dgm:constr type="primFontSz" for="des" forName="Child1" refType="primFontSz" refFor="des" refForName="Parent7" op="lte"/>
+              <dgm:constr type="primFontSz" for="des" forName="Child2" refType="primFontSz" refFor="des" refForName="Parent7" op="lte"/>
+              <dgm:constr type="primFontSz" for="des" forName="Child3" refType="primFontSz" refFor="des" refForName="Parent7" op="lte"/>
+              <dgm:constr type="primFontSz" for="des" forName="Child4" refType="primFontSz" refFor="des" refForName="Parent7" op="lte"/>
+              <dgm:constr type="primFontSz" for="des" forName="Child5" refType="primFontSz" refFor="des" refForName="Parent7" op="lte"/>
+              <dgm:constr type="primFontSz" for="des" forName="Child6" refType="primFontSz" refFor="des" refForName="Parent7" op="lte"/>
+              <dgm:constr type="primFontSz" for="des" forName="Child7" refType="primFontSz" refFor="des" refForName="Parent7" op="lte"/>
+              <dgm:constr type="primFontSz" for="des" forName="Parent2" refType="primFontSz" refFor="des" refForName="Parent1" op="equ"/>
+              <dgm:constr type="primFontSz" for="des" forName="Parent3" refType="primFontSz" refFor="des" refForName="Parent1" op="equ"/>
+              <dgm:constr type="primFontSz" for="des" forName="Parent4" refType="primFontSz" refFor="des" refForName="Parent1" op="equ"/>
+              <dgm:constr type="primFontSz" for="des" forName="Parent5" refType="primFontSz" refFor="des" refForName="Parent1" op="equ"/>
+              <dgm:constr type="primFontSz" for="des" forName="Parent6" refType="primFontSz" refFor="des" refForName="Parent1" op="equ"/>
+              <dgm:constr type="primFontSz" for="des" forName="Parent7" refType="primFontSz" refFor="des" refForName="Parent1" op="equ"/>
+              <dgm:constr type="primFontSz" for="des" forName="Child2" refType="primFontSz" refFor="des" refForName="Child1" op="equ"/>
+              <dgm:constr type="primFontSz" for="des" forName="Child3" refType="primFontSz" refFor="des" refForName="Child1" op="equ"/>
+              <dgm:constr type="primFontSz" for="des" forName="Child4" refType="primFontSz" refFor="des" refForName="Child1" op="equ"/>
+              <dgm:constr type="primFontSz" for="des" forName="Child5" refType="primFontSz" refFor="des" refForName="Child1" op="equ"/>
+              <dgm:constr type="primFontSz" for="des" forName="Child6" refType="primFontSz" refFor="des" refForName="Child1" op="equ"/>
+              <dgm:constr type="primFontSz" for="des" forName="Child7" refType="primFontSz" refFor="des" refForName="Child1" op="equ"/>
+              <dgm:constr type="l" for="ch" forName="Accent1" refType="w" fact="0.1481"/>
+              <dgm:constr type="t" for="ch" forName="Accent1" refType="h" fact="0"/>
+              <dgm:constr type="w" for="ch" forName="Accent1" refType="w" fact="0.5331"/>
+              <dgm:constr type="h" for="ch" forName="Accent1" refType="h" fact="0.2284"/>
+              <dgm:constr type="l" for="ch" forName="Accent2" refType="w" fact="0"/>
+              <dgm:constr type="t" for="ch" forName="Accent2" refType="h" fact="0.1312"/>
+              <dgm:constr type="w" for="ch" forName="Accent2" refType="w" fact="0.5331"/>
+              <dgm:constr type="h" for="ch" forName="Accent2" refType="h" fact="0.2284"/>
+              <dgm:constr type="l" for="ch" forName="Accent3" refType="w" fact="0.1481"/>
+              <dgm:constr type="t" for="ch" forName="Accent3" refType="h" fact="0.263"/>
+              <dgm:constr type="w" for="ch" forName="Accent3" refType="w" fact="0.5331"/>
+              <dgm:constr type="h" for="ch" forName="Accent3" refType="h" fact="0.2284"/>
+              <dgm:constr type="l" for="ch" forName="Accent4" refType="w" fact="0"/>
+              <dgm:constr type="t" for="ch" forName="Accent4" refType="h" fact="0.3945"/>
+              <dgm:constr type="w" for="ch" forName="Accent4" refType="w" fact="0.5331"/>
+              <dgm:constr type="h" for="ch" forName="Accent4" refType="h" fact="0.2284"/>
+              <dgm:constr type="l" for="ch" forName="Parent1" refType="w" fact="0.2658"/>
+              <dgm:constr type="t" for="ch" forName="Parent1" refType="h" fact="0.0827"/>
+              <dgm:constr type="w" for="ch" forName="Parent1" refType="w" fact="0.2975"/>
+              <dgm:constr type="h" for="ch" forName="Parent1" refType="h" fact="0.0637"/>
+              <dgm:constr type="l" for="ch" forName="Parent2" refType="w" fact="0.1171"/>
+              <dgm:constr type="t" for="ch" forName="Parent2" refType="h" fact="0.2142"/>
+              <dgm:constr type="w" for="ch" forName="Parent2" refType="w" fact="0.2975"/>
+              <dgm:constr type="h" for="ch" forName="Parent2" refType="h" fact="0.0637"/>
+              <dgm:constr type="l" for="ch" forName="Parent3" refType="w" fact="0.2658"/>
+              <dgm:constr type="t" for="ch" forName="Parent3" refType="h" fact="0.3457"/>
+              <dgm:constr type="w" for="ch" forName="Parent3" refType="w" fact="0.2975"/>
+              <dgm:constr type="h" for="ch" forName="Parent3" refType="h" fact="0.0637"/>
+              <dgm:constr type="l" for="ch" forName="Parent4" refType="w" fact="0.1171"/>
+              <dgm:constr type="t" for="ch" forName="Parent4" refType="h" fact="0.4772"/>
+              <dgm:constr type="w" for="ch" forName="Parent4" refType="w" fact="0.2975"/>
+              <dgm:constr type="h" for="ch" forName="Parent4" refType="h" fact="0.0637"/>
+              <dgm:constr type="l" for="ch" forName="Child1" refType="w" fact="0.6804"/>
+              <dgm:constr type="t" for="ch" forName="Child1" refType="h" fact="0.0678"/>
+              <dgm:constr type="w" for="ch" forName="Child1" refType="w" fact="0.3196"/>
+              <dgm:constr type="h" for="ch" forName="Child1" refType="h" fact="0.0908"/>
+              <dgm:constr type="l" for="ch" forName="Child2" refType="w" fact="0.5348"/>
+              <dgm:constr type="t" for="ch" forName="Child2" refType="h" fact="0.2006"/>
+              <dgm:constr type="w" for="ch" forName="Child2" refType="w" fact="0.3196"/>
+              <dgm:constr type="h" for="ch" forName="Child2" refType="h" fact="0.0908"/>
+              <dgm:constr type="l" for="ch" forName="Child3" refType="w" fact="0.6804"/>
+              <dgm:constr type="t" for="ch" forName="Child3" refType="h" fact="0.3308"/>
+              <dgm:constr type="w" for="ch" forName="Child3" refType="w" fact="0.3196"/>
+              <dgm:constr type="h" for="ch" forName="Child3" refType="h" fact="0.0908"/>
+              <dgm:constr type="l" for="ch" forName="Child4" refType="w" fact="0.5348"/>
+              <dgm:constr type="t" for="ch" forName="Child4" refType="h" fact="0.4623"/>
+              <dgm:constr type="w" for="ch" forName="Child4" refType="w" fact="0.3196"/>
+              <dgm:constr type="h" for="ch" forName="Child4" refType="h" fact="0.0908"/>
+              <dgm:constr type="l" for="ch" forName="Accent5" refType="w" fact="0.1481"/>
+              <dgm:constr type="t" for="ch" forName="Accent5" refType="h" fact="0.5258"/>
+              <dgm:constr type="w" for="ch" forName="Accent5" refType="w" fact="0.5331"/>
+              <dgm:constr type="h" for="ch" forName="Accent5" refType="h" fact="0.2284"/>
+              <dgm:constr type="l" for="ch" forName="Accent6" refType="w" fact="0"/>
+              <dgm:constr type="t" for="ch" forName="Accent6" refType="h" fact="0.6573"/>
+              <dgm:constr type="w" for="ch" forName="Accent6" refType="w" fact="0.5331"/>
+              <dgm:constr type="h" for="ch" forName="Accent6" refType="h" fact="0.2284"/>
+              <dgm:constr type="l" for="ch" forName="Accent7" refType="w" fact="0.186"/>
+              <dgm:constr type="t" for="ch" forName="Accent7" refType="h" fact="0.8037"/>
+              <dgm:constr type="w" for="ch" forName="Accent7" refType="w" fact="0.458"/>
+              <dgm:constr type="h" for="ch" forName="Accent7" refType="h" fact="0.1963"/>
+              <dgm:constr type="l" for="ch" forName="Parent5" refType="w" fact="0.2658"/>
+              <dgm:constr type="t" for="ch" forName="Parent5" refType="h" fact="0.6085"/>
+              <dgm:constr type="w" for="ch" forName="Parent5" refType="w" fact="0.2975"/>
+              <dgm:constr type="h" for="ch" forName="Parent5" refType="h" fact="0.0637"/>
+              <dgm:constr type="l" for="ch" forName="Parent6" refType="w" fact="0.1171"/>
+              <dgm:constr type="t" for="ch" forName="Parent6" refType="h" fact="0.74"/>
+              <dgm:constr type="w" for="ch" forName="Parent6" refType="w" fact="0.2975"/>
+              <dgm:constr type="h" for="ch" forName="Parent6" refType="h" fact="0.0637"/>
+              <dgm:constr type="l" for="ch" forName="Parent7" refType="w" fact="0.2658"/>
+              <dgm:constr type="t" for="ch" forName="Parent7" refType="h" fact="0.8715"/>
+              <dgm:constr type="w" for="ch" forName="Parent7" refType="w" fact="0.2975"/>
+              <dgm:constr type="h" for="ch" forName="Parent7" refType="h" fact="0.0637"/>
+              <dgm:constr type="l" for="ch" forName="Child5" refType="w" fact="0.6804"/>
+              <dgm:constr type="t" for="ch" forName="Child5" refType="h" fact="0.5936"/>
+              <dgm:constr type="w" for="ch" forName="Child5" refType="w" fact="0.3196"/>
+              <dgm:constr type="h" for="ch" forName="Child5" refType="h" fact="0.0908"/>
+              <dgm:constr type="l" for="ch" forName="Child6" refType="w" fact="0.5348"/>
+              <dgm:constr type="t" for="ch" forName="Child6" refType="h" fact="0.7251"/>
+              <dgm:constr type="w" for="ch" forName="Child6" refType="w" fact="0.3196"/>
+              <dgm:constr type="h" for="ch" forName="Child6" refType="h" fact="0.0908"/>
+              <dgm:constr type="l" for="ch" forName="Child7" refType="w" fact="0.6804"/>
+              <dgm:constr type="t" for="ch" forName="Child7" refType="h" fact="0.8579"/>
+              <dgm:constr type="w" for="ch" forName="Child7" refType="w" fact="0.3196"/>
+              <dgm:constr type="h" for="ch" forName="Child7" refType="h" fact="0.0908"/>
+            </dgm:constrLst>
+          </dgm:else>
+        </dgm:choose>
+      </dgm:if>
+      <dgm:else name="Name11">
+        <dgm:choose name="Name12">
+          <dgm:if name="Name13" axis="ch" ptType="node" func="cnt" op="equ" val="1">
+            <dgm:alg type="composite">
+              <dgm:param type="ar" val="1.5999"/>
+            </dgm:alg>
+            <dgm:constrLst>
+              <dgm:constr type="primFontSz" for="des" forName="Child1" val="65"/>
+              <dgm:constr type="primFontSz" for="des" forName="Parent1" val="65"/>
+              <dgm:constr type="primFontSz" for="des" forName="Child1" refType="primFontSz" refFor="des" refForName="Parent1" op="lte"/>
+              <dgm:constr type="l" for="ch" forName="Child1" refType="w" fact="0.625"/>
+              <dgm:constr type="t" for="ch" forName="Child1" refType="h" fact="0.2981"/>
+              <dgm:constr type="w" for="ch" forName="Child1" refType="w" fact="0.375"/>
+              <dgm:constr type="h" for="ch" forName="Child1" refType="h" fact="0.4001"/>
+              <dgm:constr type="l" for="ch" forName="Accent1" refType="w" fact="0"/>
+              <dgm:constr type="t" for="ch" forName="Accent1" refType="h" fact="0"/>
+              <dgm:constr type="w" for="ch" forName="Accent1" refType="w" fact="0.6249"/>
+              <dgm:constr type="h" for="ch" forName="Accent1" refType="h"/>
+              <dgm:constr type="l" for="ch" forName="Parent1" refType="w" fact="0.138"/>
+              <dgm:constr type="t" for="ch" forName="Parent1" refType="h" fact="0.362"/>
+              <dgm:constr type="w" for="ch" forName="Parent1" refType="w" fact="0.3487"/>
+              <dgm:constr type="h" for="ch" forName="Parent1" refType="h" fact="0.2789"/>
+            </dgm:constrLst>
+          </dgm:if>
+          <dgm:if name="Name14" axis="ch" ptType="node" func="cnt" op="equ" val="2">
+            <dgm:alg type="composite">
+              <dgm:param type="ar" val="1.2026"/>
+            </dgm:alg>
+            <dgm:constrLst>
+              <dgm:constr type="primFontSz" for="des" forName="Child1" val="65"/>
+              <dgm:constr type="primFontSz" for="des" forName="Parent1" val="65"/>
+              <dgm:constr type="primFontSz" for="des" forName="Child1" refType="primFontSz" refFor="des" refForName="Parent1" op="lte"/>
+              <dgm:constr type="primFontSz" for="des" forName="Child2" refType="primFontSz" refFor="des" refForName="Parent1" op="lte"/>
+              <dgm:constr type="primFontSz" for="des" forName="Child1" refType="primFontSz" refFor="des" refForName="Parent2" op="lte"/>
+              <dgm:constr type="primFontSz" for="des" forName="Child2" refType="primFontSz" refFor="des" refForName="Parent2" op="lte"/>
+              <dgm:constr type="primFontSz" for="des" forName="Parent2" refType="primFontSz" refFor="des" refForName="Parent1" op="equ"/>
+              <dgm:constr type="primFontSz" for="des" forName="Child2" refType="primFontSz" refFor="des" refForName="Child1" op="equ"/>
+              <dgm:constr type="l" for="ch" forName="Accent1" refType="w" fact="-0.0407"/>
+              <dgm:constr type="t" for="ch" forName="Accent1" refType="h" fact="0"/>
+              <dgm:constr type="w" for="ch" forName="Accent1" refType="w" fact="0.5542"/>
+              <dgm:constr type="h" for="ch" forName="Accent1" refType="h" fact="0.6665"/>
+              <dgm:constr type="l" for="ch" forName="Accent2" refType="w" fact="0.1533"/>
+              <dgm:constr type="t" for="ch" forName="Accent2" refType="h" fact="0.4272"/>
+              <dgm:constr type="w" for="ch" forName="Accent2" refType="w" fact="0.4761"/>
+              <dgm:constr type="h" for="ch" forName="Accent2" refType="h" fact="0.5728"/>
+              <dgm:constr type="l" for="ch" forName="Parent1" refType="w" fact="0.0822"/>
+              <dgm:constr type="t" for="ch" forName="Parent1" refType="h" fact="0.2413"/>
+              <dgm:constr type="w" for="ch" forName="Parent1" refType="w" fact="0.3092"/>
+              <dgm:constr type="h" for="ch" forName="Parent1" refType="h" fact="0.1859"/>
+              <dgm:constr type="l" for="ch" forName="Parent2" refType="w" fact="0.2368"/>
+              <dgm:constr type="t" for="ch" forName="Parent2" refType="h" fact="0.625"/>
+              <dgm:constr type="w" for="ch" forName="Parent2" refType="w" fact="0.3092"/>
+              <dgm:constr type="h" for="ch" forName="Parent2" refType="h" fact="0.1859"/>
+              <dgm:constr type="l" for="ch" forName="Child1" refType="w" fact="0.5164"/>
+              <dgm:constr type="t" for="ch" forName="Child1" refType="h" fact="0.1978"/>
+              <dgm:constr type="w" for="ch" forName="Child1" refType="w" fact="0.3322"/>
+              <dgm:constr type="h" for="ch" forName="Child1" refType="h" fact="0.265"/>
+              <dgm:constr type="l" for="ch" forName="Child2" refType="w" fact="0.6678"/>
+              <dgm:constr type="t" for="ch" forName="Child2" refType="h" fact="0.5855"/>
+              <dgm:constr type="w" for="ch" forName="Child2" refType="w" fact="0.3322"/>
+              <dgm:constr type="h" for="ch" forName="Child2" refType="h" fact="0.265"/>
+            </dgm:constrLst>
+          </dgm:if>
+          <dgm:if name="Name15" axis="ch" ptType="node" func="cnt" op="equ" val="3">
+            <dgm:alg type="composite">
+              <dgm:param type="ar" val="0.9039"/>
+            </dgm:alg>
+            <dgm:shape xmlns:r="http://schemas.openxmlformats.org/officeDocument/2006/relationships" r:blip="">
+              <dgm:adjLst/>
+            </dgm:shape>
+            <dgm:constrLst>
+              <dgm:constr type="primFontSz" for="des" forName="Child1" val="65"/>
+              <dgm:constr type="primFontSz" for="des" forName="Parent1" val="65"/>
+              <dgm:constr type="primFontSz" for="des" forName="Child1" refType="primFontSz" refFor="des" refForName="Parent1" op="lte"/>
+              <dgm:constr type="primFontSz" for="des" forName="Child2" refType="primFontSz" refFor="des" refForName="Parent1" op="lte"/>
+              <dgm:constr type="primFontSz" for="des" forName="Child3" refType="primFontSz" refFor="des" refForName="Parent1" op="lte"/>
+              <dgm:constr type="primFontSz" for="des" forName="Child1" refType="primFontSz" refFor="des" refForName="Parent2" op="lte"/>
+              <dgm:constr type="primFontSz" for="des" forName="Child2" refType="primFontSz" refFor="des" refForName="Parent2" op="lte"/>
+              <dgm:constr type="primFontSz" for="des" forName="Child3" refType="primFontSz" refFor="des" refForName="Parent2" op="lte"/>
+              <dgm:constr type="primFontSz" for="des" forName="Child1" refType="primFontSz" refFor="des" refForName="Parent3" op="lte"/>
+              <dgm:constr type="primFontSz" for="des" forName="Child2" refType="primFontSz" refFor="des" refForName="Parent3" op="lte"/>
+              <dgm:constr type="primFontSz" for="des" forName="Child3" refType="primFontSz" refFor="des" refForName="Parent3" op="lte"/>
+              <dgm:constr type="primFontSz" for="des" forName="Parent2" refType="primFontSz" refFor="des" refForName="Parent1" op="equ"/>
+              <dgm:constr type="primFontSz" for="des" forName="Parent3" refType="primFontSz" refFor="des" refForName="Parent1" op="equ"/>
+              <dgm:constr type="primFontSz" for="des" forName="Child2" refType="primFontSz" refFor="des" refForName="Child1" op="equ"/>
+              <dgm:constr type="primFontSz" for="des" forName="Child3" refType="primFontSz" refFor="des" refForName="Child1" op="equ"/>
+              <dgm:constr type="l" for="ch" forName="Accent1" refType="w" fact="0"/>
+              <dgm:constr type="t" for="ch" forName="Accent1" refType="h" fact="0"/>
+              <dgm:constr type="w" for="ch" forName="Accent1" refType="w" fact="0.5325"/>
+              <dgm:constr type="h" for="ch" forName="Accent1" refType="h" fact="0.4814"/>
+              <dgm:constr type="l" for="ch" forName="Accent2" refType="w" fact="0.1479"/>
+              <dgm:constr type="t" for="ch" forName="Accent2" refType="h" fact="0.2766"/>
+              <dgm:constr type="w" for="ch" forName="Accent2" refType="w" fact="0.5325"/>
+              <dgm:constr type="h" for="ch" forName="Accent2" refType="h" fact="0.4814"/>
+              <dgm:constr type="l" for="ch" forName="Accent3" refType="w" fact="0.0378"/>
+              <dgm:constr type="t" for="ch" forName="Accent3" refType="h" fact="0.5863"/>
+              <dgm:constr type="w" for="ch" forName="Accent3" refType="w" fact="0.4575"/>
+              <dgm:constr type="h" for="ch" forName="Accent3" refType="h" fact="0.4137"/>
+              <dgm:constr type="l" for="ch" forName="Parent1" refType="w" fact="0.1183"/>
+              <dgm:constr type="t" for="ch" forName="Parent1" refType="h" fact="0.1738"/>
+              <dgm:constr type="w" for="ch" forName="Parent1" refType="w" fact="0.2959"/>
+              <dgm:constr type="h" for="ch" forName="Parent1" refType="h" fact="0.1337"/>
+              <dgm:constr type="l" for="ch" forName="Parent2" refType="w" fact="0.2656"/>
+              <dgm:constr type="t" for="ch" forName="Parent2" refType="h" fact="0.452"/>
+              <dgm:constr type="w" for="ch" forName="Parent2" refType="w" fact="0.2959"/>
+              <dgm:constr type="h" for="ch" forName="Parent2" refType="h" fact="0.1337"/>
+              <dgm:constr type="l" for="ch" forName="Parent3" refType="w" fact="0.1183"/>
+              <dgm:constr type="t" for="ch" forName="Parent3" refType="h" fact="0.7306"/>
+              <dgm:constr type="w" for="ch" forName="Parent3" refType="w" fact="0.2959"/>
+              <dgm:constr type="h" for="ch" forName="Parent3" refType="h" fact="0.1337"/>
+              <dgm:constr type="l" for="ch" forName="Child1" refType="w" fact="0.5325"/>
+              <dgm:constr type="t" for="ch" forName="Child1" refType="h" fact="0.1435"/>
+              <dgm:constr type="w" for="ch" forName="Child1" refType="w" fact="0.3195"/>
+              <dgm:constr type="h" for="ch" forName="Child1" refType="h" fact="0.1926"/>
+              <dgm:constr type="l" for="ch" forName="Child2" refType="w" fact="0.6805"/>
+              <dgm:constr type="t" for="ch" forName="Child2" refType="h" fact="0.4217"/>
+              <dgm:constr type="w" for="ch" forName="Child2" refType="w" fact="0.3195"/>
+              <dgm:constr type="h" for="ch" forName="Child2" refType="h" fact="0.1926"/>
+              <dgm:constr type="l" for="ch" forName="Child3" refType="w" fact="0.5325"/>
+              <dgm:constr type="t" for="ch" forName="Child3" refType="h" fact="0.6998"/>
+              <dgm:constr type="w" for="ch" forName="Child3" refType="w" fact="0.3195"/>
+              <dgm:constr type="h" for="ch" forName="Child3" refType="h" fact="0.1926"/>
+            </dgm:constrLst>
+          </dgm:if>
+          <dgm:if name="Name16" axis="ch" ptType="node" func="cnt" op="equ" val="4">
+            <dgm:alg type="composite">
+              <dgm:param type="ar" val="0.7073"/>
+            </dgm:alg>
+            <dgm:constrLst>
+              <dgm:constr type="primFontSz" for="des" forName="Child1" val="65"/>
+              <dgm:constr type="primFontSz" for="des" forName="Parent1" val="65"/>
+              <dgm:constr type="primFontSz" for="des" forName="Child1" refType="primFontSz" refFor="des" refForName="Parent1" op="lte"/>
+              <dgm:constr type="primFontSz" for="des" forName="Child2" refType="primFontSz" refFor="des" refForName="Parent1" op="lte"/>
+              <dgm:constr type="primFontSz" for="des" forName="Child3" refType="primFontSz" refFor="des" refForName="Parent1" op="lte"/>
+              <dgm:constr type="primFontSz" for="des" forName="Child4" refType="primFontSz" refFor="des" refForName="Parent1" op="lte"/>
+              <dgm:constr type="primFontSz" for="des" forName="Child1" refType="primFontSz" refFor="des" refForName="Parent2" op="lte"/>
+              <dgm:constr type="primFontSz" for="des" forName="Child2" refType="primFontSz" refFor="des" refForName="Parent2" op="lte"/>
+              <dgm:constr type="primFontSz" for="des" forName="Child3" refType="primFontSz" refFor="des" refForName="Parent2" op="lte"/>
+              <dgm:constr type="primFontSz" for="des" forName="Child4" refType="primFontSz" refFor="des" refForName="Parent2" op="lte"/>
+              <dgm:constr type="primFontSz" for="des" forName="Child1" refType="primFontSz" refFor="des" refForName="Parent3" op="lte"/>
+              <dgm:constr type="primFontSz" for="des" forName="Child2" refType="primFontSz" refFor="des" refForName="Parent3" op="lte"/>
+              <dgm:constr type="primFontSz" for="des" forName="Child3" refType="primFontSz" refFor="des" refForName="Parent3" op="lte"/>
+              <dgm:constr type="primFontSz" for="des" forName="Child4" refType="primFontSz" refFor="des" refForName="Parent3" op="lte"/>
+              <dgm:constr type="primFontSz" for="des" forName="Child1" refType="primFontSz" refFor="des" refForName="Parent4" op="lte"/>
+              <dgm:constr type="primFontSz" for="des" forName="Child2" refType="primFontSz" refFor="des" refForName="Parent4" op="lte"/>
+              <dgm:constr type="primFontSz" for="des" forName="Child3" refType="primFontSz" refFor="des" refForName="Parent4" op="lte"/>
+              <dgm:constr type="primFontSz" for="des" forName="Child4" refType="primFontSz" refFor="des" refForName="Parent4" op="lte"/>
+              <dgm:constr type="primFontSz" for="des" forName="Parent2" refType="primFontSz" refFor="des" refForName="Parent1" op="equ"/>
+              <dgm:constr type="primFontSz" for="des" forName="Parent3" refType="primFontSz" refFor="des" refForName="Parent1" op="equ"/>
+              <dgm:constr type="primFontSz" for="des" forName="Parent4" refType="primFontSz" refFor="des" refForName="Parent1" op="equ"/>
+              <dgm:constr type="primFontSz" for="des" forName="Child2" refType="primFontSz" refFor="des" refForName="Child1" op="equ"/>
+              <dgm:constr type="primFontSz" for="des" forName="Child3" refType="primFontSz" refFor="des" refForName="Child1" op="equ"/>
+              <dgm:constr type="primFontSz" for="des" forName="Child4" refType="primFontSz" refFor="des" refForName="Child1" op="equ"/>
+              <dgm:constr type="l" for="ch" forName="Accent1" refType="w" fact="0"/>
+              <dgm:constr type="t" for="ch" forName="Accent1" refType="h" fact="0"/>
+              <dgm:constr type="w" for="ch" forName="Accent1" refType="w" fact="0.5331"/>
+              <dgm:constr type="h" for="ch" forName="Accent1" refType="h" fact="0.3771"/>
+              <dgm:constr type="l" for="ch" forName="Accent2" refType="w" fact="0.1481"/>
+              <dgm:constr type="t" for="ch" forName="Accent2" refType="h" fact="0.2167"/>
+              <dgm:constr type="w" for="ch" forName="Accent2" refType="w" fact="0.5331"/>
+              <dgm:constr type="h" for="ch" forName="Accent2" refType="h" fact="0.3771"/>
+              <dgm:constr type="l" for="ch" forName="Accent3" refType="w" fact="0"/>
+              <dgm:constr type="t" for="ch" forName="Accent3" refType="h" fact="0.4342"/>
+              <dgm:constr type="w" for="ch" forName="Accent3" refType="w" fact="0.5331"/>
+              <dgm:constr type="h" for="ch" forName="Accent3" refType="h" fact="0.3771"/>
+              <dgm:constr type="l" for="ch" forName="Accent4" refType="w" fact="0.186"/>
+              <dgm:constr type="t" for="ch" forName="Accent4" refType="h" fact="0.6759"/>
+              <dgm:constr type="w" for="ch" forName="Accent4" refType="w" fact="0.458"/>
+              <dgm:constr type="h" for="ch" forName="Accent4" refType="h" fact="0.3241"/>
+              <dgm:constr type="l" for="ch" forName="Parent1" refType="w" fact="0.1171"/>
+              <dgm:constr type="t" for="ch" forName="Parent1" refType="h" fact="0.1365"/>
+              <dgm:constr type="w" for="ch" forName="Parent1" refType="w" fact="0.2975"/>
+              <dgm:constr type="h" for="ch" forName="Parent1" refType="h" fact="0.1052"/>
+              <dgm:constr type="l" for="ch" forName="Parent2" refType="w" fact="0.2658"/>
+              <dgm:constr type="t" for="ch" forName="Parent2" refType="h" fact="0.3536"/>
+              <dgm:constr type="w" for="ch" forName="Parent2" refType="w" fact="0.2975"/>
+              <dgm:constr type="h" for="ch" forName="Parent2" refType="h" fact="0.1052"/>
+              <dgm:constr type="l" for="ch" forName="Parent3" refType="w" fact="0.1171"/>
+              <dgm:constr type="t" for="ch" forName="Parent3" refType="h" fact="0.5707"/>
+              <dgm:constr type="w" for="ch" forName="Parent3" refType="w" fact="0.2975"/>
+              <dgm:constr type="h" for="ch" forName="Parent3" refType="h" fact="0.1052"/>
+              <dgm:constr type="l" for="ch" forName="Parent4" refType="w" fact="0.2658"/>
+              <dgm:constr type="t" for="ch" forName="Parent4" refType="h" fact="0.7878"/>
+              <dgm:constr type="w" for="ch" forName="Parent4" refType="w" fact="0.2975"/>
+              <dgm:constr type="h" for="ch" forName="Parent4" refType="h" fact="0.1052"/>
+              <dgm:constr type="l" for="ch" forName="Child1" refType="w" fact="0.5348"/>
+              <dgm:constr type="t" for="ch" forName="Child1" refType="h" fact="0.1119"/>
+              <dgm:constr type="w" for="ch" forName="Child1" refType="w" fact="0.3196"/>
+              <dgm:constr type="h" for="ch" forName="Child1" refType="h" fact="0.15"/>
+              <dgm:constr type="l" for="ch" forName="Child2" refType="w" fact="0.6804"/>
+              <dgm:constr type="t" for="ch" forName="Child2" refType="h" fact="0.3312"/>
+              <dgm:constr type="w" for="ch" forName="Child2" refType="w" fact="0.3196"/>
+              <dgm:constr type="h" for="ch" forName="Child2" refType="h" fact="0.15"/>
+              <dgm:constr type="l" for="ch" forName="Child3" refType="w" fact="0.5348"/>
+              <dgm:constr type="t" for="ch" forName="Child3" refType="h" fact="0.5461"/>
+              <dgm:constr type="w" for="ch" forName="Child3" refType="w" fact="0.3196"/>
+              <dgm:constr type="h" for="ch" forName="Child3" refType="h" fact="0.15"/>
+              <dgm:constr type="l" for="ch" forName="Child4" refType="w" fact="0.6804"/>
+              <dgm:constr type="t" for="ch" forName="Child4" refType="h" fact="0.7632"/>
+              <dgm:constr type="w" for="ch" forName="Child4" refType="w" fact="0.3196"/>
+              <dgm:constr type="h" for="ch" forName="Child4" refType="h" fact="0.15"/>
+            </dgm:constrLst>
+          </dgm:if>
+          <dgm:if name="Name17" axis="ch" ptType="node" func="cnt" op="equ" val="5">
+            <dgm:alg type="composite">
+              <dgm:param type="ar" val="0.5811"/>
+            </dgm:alg>
+            <dgm:constrLst>
+              <dgm:constr type="primFontSz" for="des" forName="Child1" val="65"/>
+              <dgm:constr type="primFontSz" for="des" forName="Parent1" val="65"/>
+              <dgm:constr type="primFontSz" for="des" forName="Child1" refType="primFontSz" refFor="des" refForName="Parent1" op="lte"/>
+              <dgm:constr type="primFontSz" for="des" forName="Child2" refType="primFontSz" refFor="des" refForName="Parent1" op="lte"/>
+              <dgm:constr type="primFontSz" for="des" forName="Child3" refType="primFontSz" refFor="des" refForName="Parent1" op="lte"/>
+              <dgm:constr type="primFontSz" for="des" forName="Child4" refType="primFontSz" refFor="des" refForName="Parent1" op="lte"/>
+              <dgm:constr type="primFontSz" for="des" forName="Child5" refType="primFontSz" refFor="des" refForName="Parent1" op="lte"/>
+              <dgm:constr type="primFontSz" for="des" forName="Child1" refType="primFontSz" refFor="des" refForName="Parent2" op="lte"/>
+              <dgm:constr type="primFontSz" for="des" forName="Child2" refType="primFontSz" refFor="des" refForName="Parent2" op="lte"/>
+              <dgm:constr type="primFontSz" for="des" forName="Child3" refType="primFontSz" refFor="des" refForName="Parent2" op="lte"/>
+              <dgm:constr type="primFontSz" for="des" forName="Child4" refType="primFontSz" refFor="des" refForName="Parent2" op="lte"/>
+              <dgm:constr type="primFontSz" for="des" forName="Child5" refType="primFontSz" refFor="des" refForName="Parent2" op="lte"/>
+              <dgm:constr type="primFontSz" for="des" forName="Child1" refType="primFontSz" refFor="des" refForName="Parent3" op="lte"/>
+              <dgm:constr type="primFontSz" for="des" forName="Child2" refType="primFontSz" refFor="des" refForName="Parent3" op="lte"/>
+              <dgm:constr type="primFontSz" for="des" forName="Child3" refType="primFontSz" refFor="des" refForName="Parent3" op="lte"/>
+              <dgm:constr type="primFontSz" for="des" forName="Child4" refType="primFontSz" refFor="des" refForName="Parent3" op="lte"/>
+              <dgm:constr type="primFontSz" for="des" forName="Child5" refType="primFontSz" refFor="des" refForName="Parent3" op="lte"/>
+              <dgm:constr type="primFontSz" for="des" forName="Child1" refType="primFontSz" refFor="des" refForName="Parent4" op="lte"/>
+              <dgm:constr type="primFontSz" for="des" forName="Child2" refType="primFontSz" refFor="des" refForName="Parent4" op="lte"/>
+              <dgm:constr type="primFontSz" for="des" forName="Child3" refType="primFontSz" refFor="des" refForName="Parent4" op="lte"/>
+              <dgm:constr type="primFontSz" for="des" forName="Child4" refType="primFontSz" refFor="des" refForName="Parent4" op="lte"/>
+              <dgm:constr type="primFontSz" for="des" forName="Child5" refType="primFontSz" refFor="des" refForName="Parent4" op="lte"/>
+              <dgm:constr type="primFontSz" for="des" forName="Child1" refType="primFontSz" refFor="des" refForName="Parent5" op="lte"/>
+              <dgm:constr type="primFontSz" for="des" forName="Child2" refType="primFontSz" refFor="des" refForName="Parent5" op="lte"/>
+              <dgm:constr type="primFontSz" for="des" forName="Child3" refType="primFontSz" refFor="des" refForName="Parent5" op="lte"/>
+              <dgm:constr type="primFontSz" for="des" forName="Child4" refType="primFontSz" refFor="des" refForName="Parent5" op="lte"/>
+              <dgm:constr type="primFontSz" for="des" forName="Child5" refType="primFontSz" refFor="des" refForName="Parent5" op="lte"/>
+              <dgm:constr type="primFontSz" for="des" forName="Parent2" refType="primFontSz" refFor="des" refForName="Parent1" op="equ"/>
+              <dgm:constr type="primFontSz" for="des" forName="Parent3" refType="primFontSz" refFor="des" refForName="Parent1" op="equ"/>
+              <dgm:constr type="primFontSz" for="des" forName="Parent4" refType="primFontSz" refFor="des" refForName="Parent1" op="equ"/>
+              <dgm:constr type="primFontSz" for="des" forName="Parent5" refType="primFontSz" refFor="des" refForName="Parent1" op="equ"/>
+              <dgm:constr type="primFontSz" for="des" forName="Child2" refType="primFontSz" refFor="des" refForName="Child1" op="equ"/>
+              <dgm:constr type="primFontSz" for="des" forName="Child3" refType="primFontSz" refFor="des" refForName="Child1" op="equ"/>
+              <dgm:constr type="primFontSz" for="des" forName="Child4" refType="primFontSz" refFor="des" refForName="Child1" op="equ"/>
+              <dgm:constr type="primFontSz" for="des" forName="Child5" refType="primFontSz" refFor="des" refForName="Child1" op="equ"/>
+              <dgm:constr type="l" for="ch" forName="Accent1" refType="w" fact="0"/>
+              <dgm:constr type="t" for="ch" forName="Accent1" refType="h" fact="0"/>
+              <dgm:constr type="w" for="ch" forName="Accent1" refType="w" fact="0.5331"/>
+              <dgm:constr type="h" for="ch" forName="Accent1" refType="h" fact="0.3098"/>
+              <dgm:constr type="l" for="ch" forName="Accent2" refType="w" fact="0.1481"/>
+              <dgm:constr type="t" for="ch" forName="Accent2" refType="h" fact="0.178"/>
+              <dgm:constr type="w" for="ch" forName="Accent2" refType="w" fact="0.5331"/>
+              <dgm:constr type="h" for="ch" forName="Accent2" refType="h" fact="0.3098"/>
+              <dgm:constr type="l" for="ch" forName="Accent3" refType="w" fact="0"/>
+              <dgm:constr type="t" for="ch" forName="Accent3" refType="h" fact="0.3568"/>
+              <dgm:constr type="w" for="ch" forName="Accent3" refType="w" fact="0.5331"/>
+              <dgm:constr type="h" for="ch" forName="Accent3" refType="h" fact="0.3098"/>
+              <dgm:constr type="l" for="ch" forName="Accent4" refType="w" fact="0.1481"/>
+              <dgm:constr type="t" for="ch" forName="Accent4" refType="h" fact="0.5351"/>
+              <dgm:constr type="w" for="ch" forName="Accent4" refType="w" fact="0.5331"/>
+              <dgm:constr type="h" for="ch" forName="Accent4" refType="h" fact="0.3098"/>
+              <dgm:constr type="l" for="ch" forName="Accent5" refType="w" fact="0.0378"/>
+              <dgm:constr type="t" for="ch" forName="Accent5" refType="h" fact="0.7337"/>
+              <dgm:constr type="w" for="ch" forName="Accent5" refType="w" fact="0.458"/>
+              <dgm:constr type="h" for="ch" forName="Accent5" refType="h" fact="0.2663"/>
+              <dgm:constr type="l" for="ch" forName="Parent1" refType="w" fact="0.1171"/>
+              <dgm:constr type="t" for="ch" forName="Parent1" refType="h" fact="0.1122"/>
+              <dgm:constr type="w" for="ch" forName="Parent1" refType="w" fact="0.2975"/>
+              <dgm:constr type="h" for="ch" forName="Parent1" refType="h" fact="0.0864"/>
+              <dgm:constr type="l" for="ch" forName="Parent2" refType="w" fact="0.2658"/>
+              <dgm:constr type="t" for="ch" forName="Parent2" refType="h" fact="0.2906"/>
+              <dgm:constr type="w" for="ch" forName="Parent2" refType="w" fact="0.2975"/>
+              <dgm:constr type="h" for="ch" forName="Parent2" refType="h" fact="0.0864"/>
+              <dgm:constr type="l" for="ch" forName="Parent3" refType="w" fact="0.1171"/>
+              <dgm:constr type="t" for="ch" forName="Parent3" refType="h" fact="0.4689"/>
+              <dgm:constr type="w" for="ch" forName="Parent3" refType="w" fact="0.2975"/>
+              <dgm:constr type="h" for="ch" forName="Parent3" refType="h" fact="0.0864"/>
+              <dgm:constr type="l" for="ch" forName="Parent4" refType="w" fact="0.2658"/>
+              <dgm:constr type="t" for="ch" forName="Parent4" refType="h" fact="0.6473"/>
+              <dgm:constr type="w" for="ch" forName="Parent4" refType="w" fact="0.2975"/>
+              <dgm:constr type="h" for="ch" forName="Parent4" refType="h" fact="0.0864"/>
+              <dgm:constr type="l" for="ch" forName="Parent5" refType="w" fact="0.1171"/>
+              <dgm:constr type="t" for="ch" forName="Parent5" refType="h" fact="0.8257"/>
+              <dgm:constr type="w" for="ch" forName="Parent5" refType="w" fact="0.2975"/>
+              <dgm:constr type="h" for="ch" forName="Parent5" refType="h" fact="0.0864"/>
+              <dgm:constr type="l" for="ch" forName="Child1" refType="w" fact="0.5348"/>
+              <dgm:constr type="t" for="ch" forName="Child1" refType="h" fact="0.0919"/>
+              <dgm:constr type="w" for="ch" forName="Child1" refType="w" fact="0.3196"/>
+              <dgm:constr type="h" for="ch" forName="Child1" refType="h" fact="0.1232"/>
+              <dgm:constr type="l" for="ch" forName="Child2" refType="w" fact="0.6804"/>
+              <dgm:constr type="t" for="ch" forName="Child2" refType="h" fact="0.2722"/>
+              <dgm:constr type="w" for="ch" forName="Child2" refType="w" fact="0.3196"/>
+              <dgm:constr type="h" for="ch" forName="Child2" refType="h" fact="0.1232"/>
+              <dgm:constr type="l" for="ch" forName="Child3" refType="w" fact="0.5348"/>
+              <dgm:constr type="t" for="ch" forName="Child3" refType="h" fact="0.4487"/>
+              <dgm:constr type="w" for="ch" forName="Child3" refType="w" fact="0.3196"/>
+              <dgm:constr type="h" for="ch" forName="Child3" refType="h" fact="0.1232"/>
+              <dgm:constr type="l" for="ch" forName="Child4" refType="w" fact="0.6804"/>
+              <dgm:constr type="t" for="ch" forName="Child4" refType="h" fact="0.6271"/>
+              <dgm:constr type="w" for="ch" forName="Child4" refType="w" fact="0.3196"/>
+              <dgm:constr type="h" for="ch" forName="Child4" refType="h" fact="0.1232"/>
+              <dgm:constr type="l" for="ch" forName="Child5" refType="w" fact="0.5348"/>
+              <dgm:constr type="t" for="ch" forName="Child5" refType="h" fact="0.8073"/>
+              <dgm:constr type="w" for="ch" forName="Child5" refType="w" fact="0.3196"/>
+              <dgm:constr type="h" for="ch" forName="Child5" refType="h" fact="0.1232"/>
+            </dgm:constrLst>
+          </dgm:if>
+          <dgm:if name="Name18" axis="ch" ptType="node" func="cnt" op="equ" val="6">
+            <dgm:alg type="composite">
+              <dgm:param type="ar" val="0.4931"/>
+            </dgm:alg>
+            <dgm:constrLst>
+              <dgm:constr type="primFontSz" for="des" forName="Child1" val="65"/>
+              <dgm:constr type="primFontSz" for="des" forName="Parent1" val="65"/>
+              <dgm:constr type="primFontSz" for="des" forName="Child1" refType="primFontSz" refFor="des" refForName="Parent1" op="lte"/>
+              <dgm:constr type="primFontSz" for="des" forName="Child2" refType="primFontSz" refFor="des" refForName="Parent1" op="lte"/>
+              <dgm:constr type="primFontSz" for="des" forName="Child3" refType="primFontSz" refFor="des" refForName="Parent1" op="lte"/>
+              <dgm:constr type="primFontSz" for="des" forName="Child4" refType="primFontSz" refFor="des" refForName="Parent1" op="lte"/>
+              <dgm:constr type="primFontSz" for="des" forName="Child5" refType="primFontSz" refFor="des" refForName="Parent1" op="lte"/>
+              <dgm:constr type="primFontSz" for="des" forName="Child6" refType="primFontSz" refFor="des" refForName="Parent1" op="lte"/>
+              <dgm:constr type="primFontSz" for="des" forName="Child1" refType="primFontSz" refFor="des" refForName="Parent2" op="lte"/>
+              <dgm:constr type="primFontSz" for="des" forName="Child2" refType="primFontSz" refFor="des" refForName="Parent2" op="lte"/>
+              <dgm:constr type="primFontSz" for="des" forName="Child3" refType="primFontSz" refFor="des" refForName="Parent2" op="lte"/>
+              <dgm:constr type="primFontSz" for="des" forName="Child4" refType="primFontSz" refFor="des" refForName="Parent2" op="lte"/>
+              <dgm:constr type="primFontSz" for="des" forName="Child5" refType="primFontSz" refFor="des" refForName="Parent2" op="lte"/>
+              <dgm:constr type="primFontSz" for="des" forName="Child6" refType="primFontSz" refFor="des" refForName="Parent2" op="lte"/>
+              <dgm:constr type="primFontSz" for="des" forName="Child1" refType="primFontSz" refFor="des" refForName="Parent3" op="lte"/>
+              <dgm:constr type="primFontSz" for="des" forName="Child2" refType="primFontSz" refFor="des" refForName="Parent3" op="lte"/>
+              <dgm:constr type="primFontSz" for="des" forName="Child3" refType="primFontSz" refFor="des" refForName="Parent3" op="lte"/>
+              <dgm:constr type="primFontSz" for="des" forName="Child4" refType="primFontSz" refFor="des" refForName="Parent3" op="lte"/>
+              <dgm:constr type="primFontSz" for="des" forName="Child5" refType="primFontSz" refFor="des" refForName="Parent3" op="lte"/>
+              <dgm:constr type="primFontSz" for="des" forName="Child6" refType="primFontSz" refFor="des" refForName="Parent3" op="lte"/>
+              <dgm:constr type="primFontSz" for="des" forName="Child1" refType="primFontSz" refFor="des" refForName="Parent4" op="lte"/>
+              <dgm:constr type="primFontSz" for="des" forName="Child2" refType="primFontSz" refFor="des" refForName="Parent4" op="lte"/>
+              <dgm:constr type="primFontSz" for="des" forName="Child3" refType="primFontSz" refFor="des" refForName="Parent4" op="lte"/>
+              <dgm:constr type="primFontSz" for="des" forName="Child4" refType="primFontSz" refFor="des" refForName="Parent4" op="lte"/>
+              <dgm:constr type="primFontSz" for="des" forName="Child5" refType="primFontSz" refFor="des" refForName="Parent4" op="lte"/>
+              <dgm:constr type="primFontSz" for="des" forName="Child6" refType="primFontSz" refFor="des" refForName="Parent4" op="lte"/>
+              <dgm:constr type="primFontSz" for="des" forName="Child1" refType="primFontSz" refFor="des" refForName="Parent5" op="lte"/>
+              <dgm:constr type="primFontSz" for="des" forName="Child2" refType="primFontSz" refFor="des" refForName="Parent5" op="lte"/>
+              <dgm:constr type="primFontSz" for="des" forName="Child3" refType="primFontSz" refFor="des" refForName="Parent5" op="lte"/>
+              <dgm:constr type="primFontSz" for="des" forName="Child4" refType="primFontSz" refFor="des" refForName="Parent5" op="lte"/>
+              <dgm:constr type="primFontSz" for="des" forName="Child5" refType="primFontSz" refFor="des" refForName="Parent5" op="lte"/>
+              <dgm:constr type="primFontSz" for="des" forName="Child6" refType="primFontSz" refFor="des" refForName="Parent5" op="lte"/>
+              <dgm:constr type="primFontSz" for="des" forName="Child1" refType="primFontSz" refFor="des" refForName="Parent6" op="lte"/>
+              <dgm:constr type="primFontSz" for="des" forName="Child2" refType="primFontSz" refFor="des" refForName="Parent6" op="lte"/>
+              <dgm:constr type="primFontSz" for="des" forName="Child3" refType="primFontSz" refFor="des" refForName="Parent6" op="lte"/>
+              <dgm:constr type="primFontSz" for="des" forName="Child4" refType="primFontSz" refFor="des" refForName="Parent6" op="lte"/>
+              <dgm:constr type="primFontSz" for="des" forName="Child5" refType="primFontSz" refFor="des" refForName="Parent6" op="lte"/>
+              <dgm:constr type="primFontSz" for="des" forName="Child6" refType="primFontSz" refFor="des" refForName="Parent6" op="lte"/>
+              <dgm:constr type="primFontSz" for="des" forName="Parent2" refType="primFontSz" refFor="des" refForName="Parent1" op="equ"/>
+              <dgm:constr type="primFontSz" for="des" forName="Parent3" refType="primFontSz" refFor="des" refForName="Parent1" op="equ"/>
+              <dgm:constr type="primFontSz" for="des" forName="Parent4" refType="primFontSz" refFor="des" refForName="Parent1" op="equ"/>
+              <dgm:constr type="primFontSz" for="des" forName="Parent5" refType="primFontSz" refFor="des" refForName="Parent1" op="equ"/>
+              <dgm:constr type="primFontSz" for="des" forName="Parent6" refType="primFontSz" refFor="des" refForName="Parent1" op="equ"/>
+              <dgm:constr type="primFontSz" for="des" forName="Child2" refType="primFontSz" refFor="des" refForName="Child1" op="equ"/>
+              <dgm:constr type="primFontSz" for="des" forName="Child3" refType="primFontSz" refFor="des" refForName="Child1" op="equ"/>
+              <dgm:constr type="primFontSz" for="des" forName="Child4" refType="primFontSz" refFor="des" refForName="Child1" op="equ"/>
+              <dgm:constr type="primFontSz" for="des" forName="Child5" refType="primFontSz" refFor="des" refForName="Child1" op="equ"/>
+              <dgm:constr type="primFontSz" for="des" forName="Child6" refType="primFontSz" refFor="des" refForName="Child1" op="equ"/>
+              <dgm:constr type="l" for="ch" forName="Accent1" refType="w" fact="0"/>
+              <dgm:constr type="t" for="ch" forName="Accent1" refType="h" fact="0"/>
+              <dgm:constr type="w" for="ch" forName="Accent1" refType="w" fact="0.5331"/>
+              <dgm:constr type="h" for="ch" forName="Accent1" refType="h" fact="0.2629"/>
+              <dgm:constr type="l" for="ch" forName="Accent2" refType="w" fact="0.1481"/>
+              <dgm:constr type="t" for="ch" forName="Accent2" refType="h" fact="0.1511"/>
+              <dgm:constr type="w" for="ch" forName="Accent2" refType="w" fact="0.5331"/>
+              <dgm:constr type="h" for="ch" forName="Accent2" refType="h" fact="0.2629"/>
+              <dgm:constr type="l" for="ch" forName="Accent3" refType="w" fact="0"/>
+              <dgm:constr type="t" for="ch" forName="Accent3" refType="h" fact="0.3027"/>
+              <dgm:constr type="w" for="ch" forName="Accent3" refType="w" fact="0.5331"/>
+              <dgm:constr type="h" for="ch" forName="Accent3" refType="h" fact="0.2629"/>
+              <dgm:constr type="l" for="ch" forName="Accent4" refType="w" fact="0.1481"/>
+              <dgm:constr type="t" for="ch" forName="Accent4" refType="h" fact="0.4541"/>
+              <dgm:constr type="w" for="ch" forName="Accent4" refType="w" fact="0.5331"/>
+              <dgm:constr type="h" for="ch" forName="Accent4" refType="h" fact="0.2629"/>
+              <dgm:constr type="l" for="ch" forName="Accent5" refType="w" fact="0"/>
+              <dgm:constr type="t" for="ch" forName="Accent5" refType="h" fact="0.6053"/>
+              <dgm:constr type="w" for="ch" forName="Accent5" refType="w" fact="0.5331"/>
+              <dgm:constr type="h" for="ch" forName="Accent5" refType="h" fact="0.2629"/>
+              <dgm:constr type="l" for="ch" forName="Accent6" refType="w" fact="0.186"/>
+              <dgm:constr type="t" for="ch" forName="Accent6" refType="h" fact="0.774"/>
+              <dgm:constr type="w" for="ch" forName="Accent6" refType="w" fact="0.458"/>
+              <dgm:constr type="h" for="ch" forName="Accent6" refType="h" fact="0.226"/>
+              <dgm:constr type="l" for="ch" forName="Parent1" refType="w" fact="0.1171"/>
+              <dgm:constr type="t" for="ch" forName="Parent1" refType="h" fact="0.0952"/>
+              <dgm:constr type="w" for="ch" forName="Parent1" refType="w" fact="0.2975"/>
+              <dgm:constr type="h" for="ch" forName="Parent1" refType="h" fact="0.0733"/>
+              <dgm:constr type="l" for="ch" forName="Parent2" refType="w" fact="0.2658"/>
+              <dgm:constr type="t" for="ch" forName="Parent2" refType="h" fact="0.2466"/>
+              <dgm:constr type="w" for="ch" forName="Parent2" refType="w" fact="0.2975"/>
+              <dgm:constr type="h" for="ch" forName="Parent2" refType="h" fact="0.0733"/>
+              <dgm:constr type="l" for="ch" forName="Parent3" refType="w" fact="0.1171"/>
+              <dgm:constr type="t" for="ch" forName="Parent3" refType="h" fact="0.3979"/>
+              <dgm:constr type="w" for="ch" forName="Parent3" refType="w" fact="0.2975"/>
+              <dgm:constr type="h" for="ch" forName="Parent3" refType="h" fact="0.0733"/>
+              <dgm:constr type="l" for="ch" forName="Parent4" refType="w" fact="0.2658"/>
+              <dgm:constr type="t" for="ch" forName="Parent4" refType="h" fact="0.5493"/>
+              <dgm:constr type="w" for="ch" forName="Parent4" refType="w" fact="0.2975"/>
+              <dgm:constr type="h" for="ch" forName="Parent4" refType="h" fact="0.0733"/>
+              <dgm:constr type="l" for="ch" forName="Parent5" refType="w" fact="0.1171"/>
+              <dgm:constr type="t" for="ch" forName="Parent5" refType="h" fact="0.7005"/>
+              <dgm:constr type="w" for="ch" forName="Parent5" refType="w" fact="0.2975"/>
+              <dgm:constr type="h" for="ch" forName="Parent5" refType="h" fact="0.0733"/>
+              <dgm:constr type="l" for="ch" forName="Parent6" refType="w" fact="0.2658"/>
+              <dgm:constr type="t" for="ch" forName="Parent6" refType="h" fact="0.8519"/>
+              <dgm:constr type="w" for="ch" forName="Parent6" refType="w" fact="0.2975"/>
+              <dgm:constr type="h" for="ch" forName="Parent6" refType="h" fact="0.0733"/>
+              <dgm:constr type="l" for="ch" forName="Child1" refType="w" fact="0.5348"/>
+              <dgm:constr type="t" for="ch" forName="Child1" refType="h" fact="0.078"/>
+              <dgm:constr type="w" for="ch" forName="Child1" refType="w" fact="0.3196"/>
+              <dgm:constr type="h" for="ch" forName="Child1" refType="h" fact="0.1046"/>
+              <dgm:constr type="l" for="ch" forName="Child2" refType="w" fact="0.6804"/>
+              <dgm:constr type="t" for="ch" forName="Child2" refType="h" fact="0.231"/>
+              <dgm:constr type="w" for="ch" forName="Child2" refType="w" fact="0.3196"/>
+              <dgm:constr type="h" for="ch" forName="Child2" refType="h" fact="0.1046"/>
+              <dgm:constr type="l" for="ch" forName="Child3" refType="w" fact="0.5348"/>
+              <dgm:constr type="t" for="ch" forName="Child3" refType="h" fact="0.3808"/>
+              <dgm:constr type="w" for="ch" forName="Child3" refType="w" fact="0.3196"/>
+              <dgm:constr type="h" for="ch" forName="Child3" refType="h" fact="0.1046"/>
+              <dgm:constr type="l" for="ch" forName="Child4" refType="w" fact="0.6804"/>
+              <dgm:constr type="t" for="ch" forName="Child4" refType="h" fact="0.5322"/>
+              <dgm:constr type="w" for="ch" forName="Child4" refType="w" fact="0.3196"/>
+              <dgm:constr type="h" for="ch" forName="Child4" refType="h" fact="0.1046"/>
+              <dgm:constr type="l" for="ch" forName="Child5" refType="w" fact="0.5348"/>
+              <dgm:constr type="t" for="ch" forName="Child5" refType="h" fact="0.6833"/>
+              <dgm:constr type="w" for="ch" forName="Child5" refType="w" fact="0.3196"/>
+              <dgm:constr type="h" for="ch" forName="Child5" refType="h" fact="0.1046"/>
+              <dgm:constr type="l" for="ch" forName="Child6" refType="w" fact="0.6804"/>
+              <dgm:constr type="t" for="ch" forName="Child6" refType="h" fact="0.8347"/>
+              <dgm:constr type="w" for="ch" forName="Child6" refType="w" fact="0.3196"/>
+              <dgm:constr type="h" for="ch" forName="Child6" refType="h" fact="0.1046"/>
+            </dgm:constrLst>
+          </dgm:if>
+          <dgm:else name="Name19">
+            <dgm:alg type="composite">
+              <dgm:param type="ar" val="0.4284"/>
+            </dgm:alg>
+            <dgm:constrLst>
+              <dgm:constr type="primFontSz" for="des" forName="Child1" val="65"/>
+              <dgm:constr type="primFontSz" for="des" forName="Parent1" val="65"/>
+              <dgm:constr type="primFontSz" for="des" forName="Child1" refType="primFontSz" refFor="des" refForName="Parent1" op="lte"/>
+              <dgm:constr type="primFontSz" for="des" forName="Child2" refType="primFontSz" refFor="des" refForName="Parent1" op="lte"/>
+              <dgm:constr type="primFontSz" for="des" forName="Child3" refType="primFontSz" refFor="des" refForName="Parent1" op="lte"/>
+              <dgm:constr type="primFontSz" for="des" forName="Child4" refType="primFontSz" refFor="des" refForName="Parent1" op="lte"/>
+              <dgm:constr type="primFontSz" for="des" forName="Child5" refType="primFontSz" refFor="des" refForName="Parent1" op="lte"/>
+              <dgm:constr type="primFontSz" for="des" forName="Child6" refType="primFontSz" refFor="des" refForName="Parent1" op="lte"/>
+              <dgm:constr type="primFontSz" for="des" forName="Child7" refType="primFontSz" refFor="des" refForName="Parent1" op="lte"/>
+              <dgm:constr type="primFontSz" for="des" forName="Child1" refType="primFontSz" refFor="des" refForName="Parent2" op="lte"/>
+              <dgm:constr type="primFontSz" for="des" forName="Child2" refType="primFontSz" refFor="des" refForName="Parent2" op="lte"/>
+              <dgm:constr type="primFontSz" for="des" forName="Child3" refType="primFontSz" refFor="des" refForName="Parent2" op="lte"/>
+              <dgm:constr type="primFontSz" for="des" forName="Child4" refType="primFontSz" refFor="des" refForName="Parent2" op="lte"/>
+              <dgm:constr type="primFontSz" for="des" forName="Child5" refType="primFontSz" refFor="des" refForName="Parent2" op="lte"/>
+              <dgm:constr type="primFontSz" for="des" forName="Child6" refType="primFontSz" refFor="des" refForName="Parent2" op="lte"/>
+              <dgm:constr type="primFontSz" for="des" forName="Child7" refType="primFontSz" refFor="des" refForName="Parent2" op="lte"/>
+              <dgm:constr type="primFontSz" for="des" forName="Child1" refType="primFontSz" refFor="des" refForName="Parent3" op="lte"/>
+              <dgm:constr type="primFontSz" for="des" forName="Child2" refType="primFontSz" refFor="des" refForName="Parent3" op="lte"/>
+              <dgm:constr type="primFontSz" for="des" forName="Child3" refType="primFontSz" refFor="des" refForName="Parent3" op="lte"/>
+              <dgm:constr type="primFontSz" for="des" forName="Child4" refType="primFontSz" refFor="des" refForName="Parent3" op="lte"/>
+              <dgm:constr type="primFontSz" for="des" forName="Child5" refType="primFontSz" refFor="des" refForName="Parent3" op="lte"/>
+              <dgm:constr type="primFontSz" for="des" forName="Child6" refType="primFontSz" refFor="des" refForName="Parent3" op="lte"/>
+              <dgm:constr type="primFontSz" for="des" forName="Child7" refType="primFontSz" refFor="des" refForName="Parent3" op="lte"/>
+              <dgm:constr type="primFontSz" for="des" forName="Child1" refType="primFontSz" refFor="des" refForName="Parent4" op="lte"/>
+              <dgm:constr type="primFontSz" for="des" forName="Child2" refType="primFontSz" refFor="des" refForName="Parent4" op="lte"/>
+              <dgm:constr type="primFontSz" for="des" forName="Child3" refType="primFontSz" refFor="des" refForName="Parent4" op="lte"/>
+              <dgm:constr type="primFontSz" for="des" forName="Child4" refType="primFontSz" refFor="des" refForName="Parent4" op="lte"/>
+              <dgm:constr type="primFontSz" for="des" forName="Child5" refType="primFontSz" refFor="des" refForName="Parent4" op="lte"/>
+              <dgm:constr type="primFontSz" for="des" forName="Child6" refType="primFontSz" refFor="des" refForName="Parent4" op="lte"/>
+              <dgm:constr type="primFontSz" for="des" forName="Child7" refType="primFontSz" refFor="des" refForName="Parent4" op="lte"/>
+              <dgm:constr type="primFontSz" for="des" forName="Child1" refType="primFontSz" refFor="des" refForName="Parent5" op="lte"/>
+              <dgm:constr type="primFontSz" for="des" forName="Child2" refType="primFontSz" refFor="des" refForName="Parent5" op="lte"/>
+              <dgm:constr type="primFontSz" for="des" forName="Child3" refType="primFontSz" refFor="des" refForName="Parent5" op="lte"/>
+              <dgm:constr type="primFontSz" for="des" forName="Child4" refType="primFontSz" refFor="des" refForName="Parent5" op="lte"/>
+              <dgm:constr type="primFontSz" for="des" forName="Child5" refType="primFontSz" refFor="des" refForName="Parent5" op="lte"/>
+              <dgm:constr type="primFontSz" for="des" forName="Child6" refType="primFontSz" refFor="des" refForName="Parent5" op="lte"/>
+              <dgm:constr type="primFontSz" for="des" forName="Child7" refType="primFontSz" refFor="des" refForName="Parent5" op="lte"/>
+              <dgm:constr type="primFontSz" for="des" forName="Child1" refType="primFontSz" refFor="des" refForName="Parent6" op="lte"/>
+              <dgm:constr type="primFontSz" for="des" forName="Child2" refType="primFontSz" refFor="des" refForName="Parent6" op="lte"/>
+              <dgm:constr type="primFontSz" for="des" forName="Child3" refType="primFontSz" refFor="des" refForName="Parent6" op="lte"/>
+              <dgm:constr type="primFontSz" for="des" forName="Child4" refType="primFontSz" refFor="des" refForName="Parent6" op="lte"/>
+              <dgm:constr type="primFontSz" for="des" forName="Child5" refType="primFontSz" refFor="des" refForName="Parent6" op="lte"/>
+              <dgm:constr type="primFontSz" for="des" forName="Child6" refType="primFontSz" refFor="des" refForName="Parent6" op="lte"/>
+              <dgm:constr type="primFontSz" for="des" forName="Child7" refType="primFontSz" refFor="des" refForName="Parent6" op="lte"/>
+              <dgm:constr type="primFontSz" for="des" forName="Child1" refType="primFontSz" refFor="des" refForName="Parent7" op="lte"/>
+              <dgm:constr type="primFontSz" for="des" forName="Child2" refType="primFontSz" refFor="des" refForName="Parent7" op="lte"/>
+              <dgm:constr type="primFontSz" for="des" forName="Child3" refType="primFontSz" refFor="des" refForName="Parent7" op="lte"/>
+              <dgm:constr type="primFontSz" for="des" forName="Child4" refType="primFontSz" refFor="des" refForName="Parent7" op="lte"/>
+              <dgm:constr type="primFontSz" for="des" forName="Child5" refType="primFontSz" refFor="des" refForName="Parent7" op="lte"/>
+              <dgm:constr type="primFontSz" for="des" forName="Child6" refType="primFontSz" refFor="des" refForName="Parent7" op="lte"/>
+              <dgm:constr type="primFontSz" for="des" forName="Child7" refType="primFontSz" refFor="des" refForName="Parent7" op="lte"/>
+              <dgm:constr type="primFontSz" for="des" forName="Parent2" refType="primFontSz" refFor="des" refForName="Parent1" op="equ"/>
+              <dgm:constr type="primFontSz" for="des" forName="Parent3" refType="primFontSz" refFor="des" refForName="Parent1" op="equ"/>
+              <dgm:constr type="primFontSz" for="des" forName="Parent4" refType="primFontSz" refFor="des" refForName="Parent1" op="equ"/>
+              <dgm:constr type="primFontSz" for="des" forName="Parent5" refType="primFontSz" refFor="des" refForName="Parent1" op="equ"/>
+              <dgm:constr type="primFontSz" for="des" forName="Parent6" refType="primFontSz" refFor="des" refForName="Parent1" op="equ"/>
+              <dgm:constr type="primFontSz" for="des" forName="Parent7" refType="primFontSz" refFor="des" refForName="Parent1" op="equ"/>
+              <dgm:constr type="primFontSz" for="des" forName="Child2" refType="primFontSz" refFor="des" refForName="Child1" op="equ"/>
+              <dgm:constr type="primFontSz" for="des" forName="Child3" refType="primFontSz" refFor="des" refForName="Child1" op="equ"/>
+              <dgm:constr type="primFontSz" for="des" forName="Child4" refType="primFontSz" refFor="des" refForName="Child1" op="equ"/>
+              <dgm:constr type="primFontSz" for="des" forName="Child5" refType="primFontSz" refFor="des" refForName="Child1" op="equ"/>
+              <dgm:constr type="primFontSz" for="des" forName="Child6" refType="primFontSz" refFor="des" refForName="Child1" op="equ"/>
+              <dgm:constr type="primFontSz" for="des" forName="Child7" refType="primFontSz" refFor="des" refForName="Child1" op="equ"/>
+              <dgm:constr type="l" for="ch" forName="Accent1" refType="w" fact="0"/>
+              <dgm:constr type="t" for="ch" forName="Accent1" refType="h" fact="0"/>
+              <dgm:constr type="w" for="ch" forName="Accent1" refType="w" fact="0.5331"/>
+              <dgm:constr type="h" for="ch" forName="Accent1" refType="h" fact="0.2284"/>
+              <dgm:constr type="l" for="ch" forName="Accent2" refType="w" fact="0.1481"/>
+              <dgm:constr type="t" for="ch" forName="Accent2" refType="h" fact="0.1312"/>
+              <dgm:constr type="w" for="ch" forName="Accent2" refType="w" fact="0.5331"/>
+              <dgm:constr type="h" for="ch" forName="Accent2" refType="h" fact="0.2284"/>
+              <dgm:constr type="l" for="ch" forName="Accent3" refType="w" fact="0"/>
+              <dgm:constr type="t" for="ch" forName="Accent3" refType="h" fact="0.263"/>
+              <dgm:constr type="w" for="ch" forName="Accent3" refType="w" fact="0.5331"/>
+              <dgm:constr type="h" for="ch" forName="Accent3" refType="h" fact="0.2284"/>
+              <dgm:constr type="l" for="ch" forName="Accent4" refType="w" fact="0.1481"/>
+              <dgm:constr type="t" for="ch" forName="Accent4" refType="h" fact="0.3945"/>
+              <dgm:constr type="w" for="ch" forName="Accent4" refType="w" fact="0.5331"/>
+              <dgm:constr type="h" for="ch" forName="Accent4" refType="h" fact="0.2284"/>
+              <dgm:constr type="l" for="ch" forName="Accent5" refType="w" fact="0"/>
+              <dgm:constr type="t" for="ch" forName="Accent5" refType="h" fact="0.5258"/>
+              <dgm:constr type="w" for="ch" forName="Accent5" refType="w" fact="0.5331"/>
+              <dgm:constr type="h" for="ch" forName="Accent5" refType="h" fact="0.2284"/>
+              <dgm:constr type="l" for="ch" forName="Accent6" refType="w" fact="0.1481"/>
+              <dgm:constr type="t" for="ch" forName="Accent6" refType="h" fact="0.6573"/>
+              <dgm:constr type="w" for="ch" forName="Accent6" refType="w" fact="0.5331"/>
+              <dgm:constr type="h" for="ch" forName="Accent6" refType="h" fact="0.2284"/>
+              <dgm:constr type="l" for="ch" forName="Accent7" refType="w" fact="0.0378"/>
+              <dgm:constr type="t" for="ch" forName="Accent7" refType="h" fact="0.8037"/>
+              <dgm:constr type="w" for="ch" forName="Accent7" refType="w" fact="0.458"/>
+              <dgm:constr type="h" for="ch" forName="Accent7" refType="h" fact="0.1963"/>
+              <dgm:constr type="l" for="ch" forName="Parent1" refType="w" fact="0.1171"/>
+              <dgm:constr type="t" for="ch" forName="Parent1" refType="h" fact="0.0827"/>
+              <dgm:constr type="w" for="ch" forName="Parent1" refType="w" fact="0.2975"/>
+              <dgm:constr type="h" for="ch" forName="Parent1" refType="h" fact="0.0637"/>
+              <dgm:constr type="l" for="ch" forName="Parent2" refType="w" fact="0.2658"/>
+              <dgm:constr type="t" for="ch" forName="Parent2" refType="h" fact="0.2142"/>
+              <dgm:constr type="w" for="ch" forName="Parent2" refType="w" fact="0.2975"/>
+              <dgm:constr type="h" for="ch" forName="Parent2" refType="h" fact="0.0637"/>
+              <dgm:constr type="l" for="ch" forName="Parent3" refType="w" fact="0.1171"/>
+              <dgm:constr type="t" for="ch" forName="Parent3" refType="h" fact="0.3457"/>
+              <dgm:constr type="w" for="ch" forName="Parent3" refType="w" fact="0.2975"/>
+              <dgm:constr type="h" for="ch" forName="Parent3" refType="h" fact="0.0637"/>
+              <dgm:constr type="l" for="ch" forName="Parent4" refType="w" fact="0.2658"/>
+              <dgm:constr type="t" for="ch" forName="Parent4" refType="h" fact="0.4772"/>
+              <dgm:constr type="w" for="ch" forName="Parent4" refType="w" fact="0.2975"/>
+              <dgm:constr type="h" for="ch" forName="Parent4" refType="h" fact="0.0637"/>
+              <dgm:constr type="l" for="ch" forName="Parent5" refType="w" fact="0.1171"/>
+              <dgm:constr type="t" for="ch" forName="Parent5" refType="h" fact="0.6085"/>
+              <dgm:constr type="w" for="ch" forName="Parent5" refType="w" fact="0.2975"/>
+              <dgm:constr type="h" for="ch" forName="Parent5" refType="h" fact="0.0637"/>
+              <dgm:constr type="l" for="ch" forName="Parent6" refType="w" fact="0.2658"/>
+              <dgm:constr type="t" for="ch" forName="Parent6" refType="h" fact="0.74"/>
+              <dgm:constr type="w" for="ch" forName="Parent6" refType="w" fact="0.2975"/>
+              <dgm:constr type="h" for="ch" forName="Parent6" refType="h" fact="0.0637"/>
+              <dgm:constr type="l" for="ch" forName="Parent7" refType="w" fact="0.1171"/>
+              <dgm:constr type="t" for="ch" forName="Parent7" refType="h" fact="0.8715"/>
+              <dgm:constr type="w" for="ch" forName="Parent7" refType="w" fact="0.2975"/>
+              <dgm:constr type="h" for="ch" forName="Parent7" refType="h" fact="0.0637"/>
+              <dgm:constr type="l" for="ch" forName="Child1" refType="w" fact="0.5348"/>
+              <dgm:constr type="t" for="ch" forName="Child1" refType="h" fact="0.0678"/>
+              <dgm:constr type="w" for="ch" forName="Child1" refType="w" fact="0.3196"/>
+              <dgm:constr type="h" for="ch" forName="Child1" refType="h" fact="0.0908"/>
+              <dgm:constr type="l" for="ch" forName="Child2" refType="w" fact="0.6804"/>
+              <dgm:constr type="t" for="ch" forName="Child2" refType="h" fact="0.2006"/>
+              <dgm:constr type="w" for="ch" forName="Child2" refType="w" fact="0.3196"/>
+              <dgm:constr type="h" for="ch" forName="Child2" refType="h" fact="0.0908"/>
+              <dgm:constr type="l" for="ch" forName="Child3" refType="w" fact="0.5348"/>
+              <dgm:constr type="t" for="ch" forName="Child3" refType="h" fact="0.3308"/>
+              <dgm:constr type="w" for="ch" forName="Child3" refType="w" fact="0.3196"/>
+              <dgm:constr type="h" for="ch" forName="Child3" refType="h" fact="0.0908"/>
+              <dgm:constr type="l" for="ch" forName="Child4" refType="w" fact="0.6804"/>
+              <dgm:constr type="t" for="ch" forName="Child4" refType="h" fact="0.4623"/>
+              <dgm:constr type="w" for="ch" forName="Child4" refType="w" fact="0.3196"/>
+              <dgm:constr type="h" for="ch" forName="Child4" refType="h" fact="0.0908"/>
+              <dgm:constr type="l" for="ch" forName="Child5" refType="w" fact="0.5348"/>
+              <dgm:constr type="t" for="ch" forName="Child5" refType="h" fact="0.5936"/>
+              <dgm:constr type="w" for="ch" forName="Child5" refType="w" fact="0.3196"/>
+              <dgm:constr type="h" for="ch" forName="Child5" refType="h" fact="0.0908"/>
+              <dgm:constr type="l" for="ch" forName="Child6" refType="w" fact="0.6804"/>
+              <dgm:constr type="t" for="ch" forName="Child6" refType="h" fact="0.7251"/>
+              <dgm:constr type="w" for="ch" forName="Child6" refType="w" fact="0.3196"/>
+              <dgm:constr type="h" for="ch" forName="Child6" refType="h" fact="0.0908"/>
+              <dgm:constr type="l" for="ch" forName="Child7" refType="w" fact="0.5348"/>
+              <dgm:constr type="t" for="ch" forName="Child7" refType="h" fact="0.8579"/>
+              <dgm:constr type="w" for="ch" forName="Child7" refType="w" fact="0.3196"/>
+              <dgm:constr type="h" for="ch" forName="Child7" refType="h" fact="0.0908"/>
+            </dgm:constrLst>
+          </dgm:else>
+        </dgm:choose>
+      </dgm:else>
+    </dgm:choose>
+    <dgm:forEach name="wrapper" axis="self" ptType="parTrans">
+      <dgm:forEach name="accentRepeat" axis="self">
+        <dgm:layoutNode name="Accent" styleLbl="node1">
+          <dgm:alg type="sp"/>
+          <dgm:choose name="Name20">
+            <dgm:if name="Name21" func="var" arg="dir" op="equ" val="norm">
+              <dgm:choose name="Name22">
+                <dgm:if name="Name23" axis="precedSib" ptType="node" func="cnt" op="equ" val="0">
+                  <dgm:choose name="Name24">
+                    <dgm:if name="Name25" axis="followSib" ptType="node" func="cnt" op="equ" val="0">
+                      <dgm:shape xmlns:r="http://schemas.openxmlformats.org/officeDocument/2006/relationships" type="circularArrow" r:blip="">
+                        <dgm:adjLst>
+                          <dgm:adj idx="1" val="0.1098"/>
+                          <dgm:adj idx="2" val="19.0387"/>
+                          <dgm:adj idx="3" val="150"/>
+                          <dgm:adj idx="4" val="180"/>
+                          <dgm:adj idx="5" val="0.125"/>
+                        </dgm:adjLst>
+                      </dgm:shape>
+                    </dgm:if>
+                    <dgm:else name="Name26">
+                      <dgm:shape xmlns:r="http://schemas.openxmlformats.org/officeDocument/2006/relationships" type="circularArrow" r:blip="">
+                        <dgm:adjLst>
+                          <dgm:adj idx="1" val="0.1098"/>
+                          <dgm:adj idx="2" val="19.0387"/>
+                          <dgm:adj idx="3" val="75"/>
+                          <dgm:adj idx="4" val="180"/>
+                          <dgm:adj idx="5" val="0.125"/>
+                        </dgm:adjLst>
+                      </dgm:shape>
+                    </dgm:else>
+                  </dgm:choose>
+                </dgm:if>
+                <dgm:else name="Name27">
+                  <dgm:choose name="Name28">
+                    <dgm:if name="Name29" axis="followSib" ptType="node" func="cnt" op="equ" val="0">
+                      <dgm:choose name="Name30">
+                        <dgm:if name="Name31" axis="precedSib" ptType="node" func="cnt" op="equ" val="1">
+                          <dgm:shape xmlns:r="http://schemas.openxmlformats.org/officeDocument/2006/relationships" type="blockArc" r:blip="">
+                            <dgm:adjLst>
+                              <dgm:adj idx="1" val="0"/>
+                              <dgm:adj idx="2" val="-45"/>
+                              <dgm:adj idx="3" val="0.1274"/>
+                            </dgm:adjLst>
+                          </dgm:shape>
+                        </dgm:if>
+                        <dgm:if name="Name32" axis="precedSib" ptType="node" func="cnt" op="equ" val="2">
+                          <dgm:shape xmlns:r="http://schemas.openxmlformats.org/officeDocument/2006/relationships" type="blockArc" r:blip="">
+                            <dgm:adjLst>
+                              <dgm:adj idx="1" val="-135"/>
+                              <dgm:adj idx="2" val="180"/>
+                              <dgm:adj idx="3" val="0.1274"/>
+                            </dgm:adjLst>
+                          </dgm:shape>
+                        </dgm:if>
+                        <dgm:if name="Name33" axis="precedSib" ptType="node" func="cnt" op="equ" val="3">
+                          <dgm:shape xmlns:r="http://schemas.openxmlformats.org/officeDocument/2006/relationships" type="blockArc" r:blip="">
+                            <dgm:adjLst>
+                              <dgm:adj idx="1" val="0"/>
+                              <dgm:adj idx="2" val="-45"/>
+                              <dgm:adj idx="3" val="0.1274"/>
+                            </dgm:adjLst>
+                          </dgm:shape>
+                        </dgm:if>
+                        <dgm:if name="Name34" axis="precedSib" ptType="node" func="cnt" op="equ" val="4">
+                          <dgm:shape xmlns:r="http://schemas.openxmlformats.org/officeDocument/2006/relationships" type="blockArc" r:blip="">
+                            <dgm:adjLst>
+                              <dgm:adj idx="1" val="-135"/>
+                              <dgm:adj idx="2" val="180"/>
+                              <dgm:adj idx="3" val="0.1274"/>
+                            </dgm:adjLst>
+                          </dgm:shape>
+                        </dgm:if>
+                        <dgm:if name="Name35" axis="precedSib" ptType="node" func="cnt" op="equ" val="5">
+                          <dgm:shape xmlns:r="http://schemas.openxmlformats.org/officeDocument/2006/relationships" type="blockArc" r:blip="">
+                            <dgm:adjLst>
+                              <dgm:adj idx="1" val="0"/>
+                              <dgm:adj idx="2" val="-45"/>
+                              <dgm:adj idx="3" val="0.1274"/>
+                            </dgm:adjLst>
+                          </dgm:shape>
+                        </dgm:if>
+                        <dgm:if name="Name36" axis="precedSib" ptType="node" func="cnt" op="equ" val="6">
+                          <dgm:shape xmlns:r="http://schemas.openxmlformats.org/officeDocument/2006/relationships" type="blockArc" r:blip="">
+                            <dgm:adjLst>
+                              <dgm:adj idx="1" val="-135"/>
+                              <dgm:adj idx="2" val="180"/>
+                              <dgm:adj idx="3" val="0.1274"/>
+                            </dgm:adjLst>
+                          </dgm:shape>
+                        </dgm:if>
+                        <dgm:else name="Name37"/>
+                      </dgm:choose>
+                    </dgm:if>
+                    <dgm:else name="Name38">
+                      <dgm:choose name="Name39">
+                        <dgm:if name="Name40" axis="precedSib" ptType="node" func="cnt" op="equ" val="0">
+                          <dgm:shape xmlns:r="http://schemas.openxmlformats.org/officeDocument/2006/relationships" type="blockArc" r:blip="">
+                            <dgm:adjLst>
+                              <dgm:adj idx="1" val="-133.1632"/>
+                              <dgm:adj idx="2" val="65"/>
+                              <dgm:adj idx="3" val="0.13"/>
+                            </dgm:adjLst>
+                          </dgm:shape>
+                        </dgm:if>
+                        <dgm:if name="Name41" axis="precedSib" ptType="node" func="cnt" op="equ" val="1">
+                          <dgm:shape xmlns:r="http://schemas.openxmlformats.org/officeDocument/2006/relationships" type="leftCircularArrow" r:blip="">
+                            <dgm:adjLst>
+                              <dgm:adj idx="1" val="0.1098"/>
+                              <dgm:adj idx="2" val="19.0387"/>
+                              <dgm:adj idx="3" val="105"/>
+                              <dgm:adj idx="4" val="-45"/>
+                              <dgm:adj idx="5" val="0.125"/>
+                            </dgm:adjLst>
+                          </dgm:shape>
+                        </dgm:if>
+                        <dgm:if name="Name42" axis="precedSib" ptType="node" func="cnt" op="equ" val="2">
+                          <dgm:shape xmlns:r="http://schemas.openxmlformats.org/officeDocument/2006/relationships" type="circularArrow" r:blip="">
+                            <dgm:adjLst>
+                              <dgm:adj idx="1" val="0.1098"/>
+                              <dgm:adj idx="2" val="19.0387"/>
+                              <dgm:adj idx="3" val="75"/>
+                              <dgm:adj idx="4" val="-135"/>
+                              <dgm:adj idx="5" val="0.125"/>
+                            </dgm:adjLst>
+                          </dgm:shape>
+                        </dgm:if>
+                        <dgm:if name="Name43" axis="precedSib" ptType="node" func="cnt" op="equ" val="3">
+                          <dgm:shape xmlns:r="http://schemas.openxmlformats.org/officeDocument/2006/relationships" type="leftCircularArrow" r:blip="">
+                            <dgm:adjLst>
+                              <dgm:adj idx="1" val="0.1098"/>
+                              <dgm:adj idx="2" val="19.0387"/>
+                              <dgm:adj idx="3" val="105"/>
+                              <dgm:adj idx="4" val="-45"/>
+                              <dgm:adj idx="5" val="0.125"/>
+                            </dgm:adjLst>
+                          </dgm:shape>
+                        </dgm:if>
+                        <dgm:if name="Name44" axis="precedSib" ptType="node" func="cnt" op="equ" val="4">
+                          <dgm:shape xmlns:r="http://schemas.openxmlformats.org/officeDocument/2006/relationships" type="circularArrow" r:blip="">
+                            <dgm:adjLst>
+                              <dgm:adj idx="1" val="0.1098"/>
+                              <dgm:adj idx="2" val="19.0387"/>
+                              <dgm:adj idx="3" val="75"/>
+                              <dgm:adj idx="4" val="-135"/>
+                              <dgm:adj idx="5" val="0.125"/>
+                            </dgm:adjLst>
+                          </dgm:shape>
+                        </dgm:if>
+                        <dgm:if name="Name45" axis="precedSib" ptType="node" func="cnt" op="equ" val="5">
+                          <dgm:shape xmlns:r="http://schemas.openxmlformats.org/officeDocument/2006/relationships" type="leftCircularArrow" r:blip="">
+                            <dgm:adjLst>
+                              <dgm:adj idx="1" val="0.1098"/>
+                              <dgm:adj idx="2" val="19.0387"/>
+                              <dgm:adj idx="3" val="105"/>
+                              <dgm:adj idx="4" val="-45"/>
+                              <dgm:adj idx="5" val="0.125"/>
+                            </dgm:adjLst>
+                          </dgm:shape>
+                        </dgm:if>
+                        <dgm:if name="Name46" axis="precedSib" ptType="node" func="cnt" op="equ" val="6">
+                          <dgm:shape xmlns:r="http://schemas.openxmlformats.org/officeDocument/2006/relationships" type="blockArc" r:blip="">
+                            <dgm:adjLst>
+                              <dgm:adj idx="1" val="-135"/>
+                              <dgm:adj idx="2" val="180"/>
+                              <dgm:adj idx="3" val="0.1274"/>
+                            </dgm:adjLst>
+                          </dgm:shape>
+                        </dgm:if>
+                        <dgm:else name="Name47"/>
+                      </dgm:choose>
+                    </dgm:else>
+                  </dgm:choose>
+                </dgm:else>
+              </dgm:choose>
+            </dgm:if>
+            <dgm:else name="Name48">
+              <dgm:choose name="Name49">
+                <dgm:if name="Name50" axis="precedSib" ptType="node" func="cnt" op="equ" val="0">
+                  <dgm:choose name="Name51">
+                    <dgm:if name="Name52" axis="followSib" ptType="node" func="cnt" op="equ" val="0">
+                      <dgm:shape xmlns:r="http://schemas.openxmlformats.org/officeDocument/2006/relationships" type="leftCircularArrow" r:blip="">
+                        <dgm:adjLst>
+                          <dgm:adj idx="1" val="0.1098"/>
+                          <dgm:adj idx="2" val="19.0387"/>
+                          <dgm:adj idx="3" val="30"/>
+                          <dgm:adj idx="4" val="0"/>
+                          <dgm:adj idx="5" val="0.125"/>
+                        </dgm:adjLst>
+                      </dgm:shape>
+                    </dgm:if>
+                    <dgm:else name="Name53">
+                      <dgm:shape xmlns:r="http://schemas.openxmlformats.org/officeDocument/2006/relationships" type="leftCircularArrow" r:blip="">
+                        <dgm:adjLst>
+                          <dgm:adj idx="1" val="0.1098"/>
+                          <dgm:adj idx="2" val="19.0387"/>
+                          <dgm:adj idx="3" val="105"/>
+                          <dgm:adj idx="4" val="0"/>
+                          <dgm:adj idx="5" val="0.125"/>
+                        </dgm:adjLst>
+                      </dgm:shape>
+                    </dgm:else>
+                  </dgm:choose>
+                </dgm:if>
+                <dgm:else name="Name54">
+                  <dgm:choose name="Name55">
+                    <dgm:if name="Name56" axis="followSib" ptType="node" func="cnt" op="equ" val="0">
+                      <dgm:choose name="Name57">
+                        <dgm:if name="Name58" axis="precedSib" ptType="node" func="cnt" op="equ" val="1">
+                          <dgm:shape xmlns:r="http://schemas.openxmlformats.org/officeDocument/2006/relationships" type="blockArc" r:blip="">
+                            <dgm:adjLst>
+                              <dgm:adj idx="1" val="-135"/>
+                              <dgm:adj idx="2" val="180"/>
+                              <dgm:adj idx="3" val="0.1274"/>
+                            </dgm:adjLst>
+                          </dgm:shape>
+                        </dgm:if>
+                        <dgm:if name="Name59" axis="precedSib" ptType="node" func="cnt" op="equ" val="2">
+                          <dgm:shape xmlns:r="http://schemas.openxmlformats.org/officeDocument/2006/relationships" type="blockArc" r:blip="">
+                            <dgm:adjLst>
+                              <dgm:adj idx="1" val="0"/>
+                              <dgm:adj idx="2" val="-45"/>
+                              <dgm:adj idx="3" val="0.1274"/>
+                            </dgm:adjLst>
+                          </dgm:shape>
+                        </dgm:if>
+                        <dgm:if name="Name60" axis="precedSib" ptType="node" func="cnt" op="equ" val="3">
+                          <dgm:shape xmlns:r="http://schemas.openxmlformats.org/officeDocument/2006/relationships" type="blockArc" r:blip="">
+                            <dgm:adjLst>
+                              <dgm:adj idx="1" val="-135"/>
+                              <dgm:adj idx="2" val="180"/>
+                              <dgm:adj idx="3" val="0.1274"/>
+                            </dgm:adjLst>
+                          </dgm:shape>
+                        </dgm:if>
+                        <dgm:if name="Name61" axis="precedSib" ptType="node" func="cnt" op="equ" val="4">
+                          <dgm:shape xmlns:r="http://schemas.openxmlformats.org/officeDocument/2006/relationships" type="blockArc" r:blip="">
+                            <dgm:adjLst>
+                              <dgm:adj idx="1" val="0"/>
+                              <dgm:adj idx="2" val="-45"/>
+                              <dgm:adj idx="3" val="0.1274"/>
+                            </dgm:adjLst>
+                          </dgm:shape>
+                        </dgm:if>
+                        <dgm:if name="Name62" axis="precedSib" ptType="node" func="cnt" op="equ" val="5">
+                          <dgm:shape xmlns:r="http://schemas.openxmlformats.org/officeDocument/2006/relationships" type="blockArc" r:blip="">
+                            <dgm:adjLst>
+                              <dgm:adj idx="1" val="-135"/>
+                              <dgm:adj idx="2" val="180"/>
+                              <dgm:adj idx="3" val="0.1274"/>
+                            </dgm:adjLst>
+                          </dgm:shape>
+                        </dgm:if>
+                        <dgm:if name="Name63" axis="precedSib" ptType="node" func="cnt" op="equ" val="6">
+                          <dgm:shape xmlns:r="http://schemas.openxmlformats.org/officeDocument/2006/relationships" type="blockArc" r:blip="">
+                            <dgm:adjLst>
+                              <dgm:adj idx="1" val="0"/>
+                              <dgm:adj idx="2" val="-45"/>
+                              <dgm:adj idx="3" val="0.1274"/>
+                            </dgm:adjLst>
+                          </dgm:shape>
+                        </dgm:if>
+                        <dgm:else name="Name64"/>
+                      </dgm:choose>
+                    </dgm:if>
+                    <dgm:else name="Name65">
+                      <dgm:choose name="Name66">
+                        <dgm:if name="Name67" axis="precedSib" ptType="node" func="cnt" op="equ" val="0">
+                          <dgm:shape xmlns:r="http://schemas.openxmlformats.org/officeDocument/2006/relationships" type="blockArc" r:blip="">
+                            <dgm:adjLst>
+                              <dgm:adj idx="1" val="-133.1632"/>
+                              <dgm:adj idx="2" val="65"/>
+                              <dgm:adj idx="3" val="0.13"/>
+                            </dgm:adjLst>
+                          </dgm:shape>
+                        </dgm:if>
+                        <dgm:if name="Name68" axis="precedSib" ptType="node" func="cnt" op="equ" val="1">
+                          <dgm:shape xmlns:r="http://schemas.openxmlformats.org/officeDocument/2006/relationships" type="circularArrow" r:blip="">
+                            <dgm:adjLst>
+                              <dgm:adj idx="1" val="0.1098"/>
+                              <dgm:adj idx="2" val="19.0387"/>
+                              <dgm:adj idx="3" val="75"/>
+                              <dgm:adj idx="4" val="-135"/>
+                              <dgm:adj idx="5" val="0.125"/>
+                            </dgm:adjLst>
+                          </dgm:shape>
+                        </dgm:if>
+                        <dgm:if name="Name69" axis="precedSib" ptType="node" func="cnt" op="equ" val="2">
+                          <dgm:shape xmlns:r="http://schemas.openxmlformats.org/officeDocument/2006/relationships" type="leftCircularArrow" r:blip="">
+                            <dgm:adjLst>
+                              <dgm:adj idx="1" val="0.1098"/>
+                              <dgm:adj idx="2" val="19.0387"/>
+                              <dgm:adj idx="3" val="105"/>
+                              <dgm:adj idx="4" val="-45"/>
+                              <dgm:adj idx="5" val="0.125"/>
+                            </dgm:adjLst>
+                          </dgm:shape>
+                        </dgm:if>
+                        <dgm:if name="Name70" axis="precedSib" ptType="node" func="cnt" op="equ" val="3">
+                          <dgm:shape xmlns:r="http://schemas.openxmlformats.org/officeDocument/2006/relationships" type="circularArrow" r:blip="">
+                            <dgm:adjLst>
+                              <dgm:adj idx="1" val="0.1098"/>
+                              <dgm:adj idx="2" val="19.0387"/>
+                              <dgm:adj idx="3" val="75"/>
+                              <dgm:adj idx="4" val="-135"/>
+                              <dgm:adj idx="5" val="0.125"/>
+                            </dgm:adjLst>
+                          </dgm:shape>
+                        </dgm:if>
+                        <dgm:if name="Name71" axis="precedSib" ptType="node" func="cnt" op="equ" val="4">
+                          <dgm:shape xmlns:r="http://schemas.openxmlformats.org/officeDocument/2006/relationships" type="leftCircularArrow" r:blip="">
+                            <dgm:adjLst>
+                              <dgm:adj idx="1" val="0.1098"/>
+                              <dgm:adj idx="2" val="19.0387"/>
+                              <dgm:adj idx="3" val="105"/>
+                              <dgm:adj idx="4" val="-45"/>
+                              <dgm:adj idx="5" val="0.125"/>
+                            </dgm:adjLst>
+                          </dgm:shape>
+                        </dgm:if>
+                        <dgm:if name="Name72" axis="precedSib" ptType="node" func="cnt" op="equ" val="5">
+                          <dgm:shape xmlns:r="http://schemas.openxmlformats.org/officeDocument/2006/relationships" type="circularArrow" r:blip="">
+                            <dgm:adjLst>
+                              <dgm:adj idx="1" val="0.1098"/>
+                              <dgm:adj idx="2" val="19.0387"/>
+                              <dgm:adj idx="3" val="75"/>
+                              <dgm:adj idx="4" val="-135"/>
+                              <dgm:adj idx="5" val="0.125"/>
+                            </dgm:adjLst>
+                          </dgm:shape>
+                        </dgm:if>
+                        <dgm:if name="Name73" axis="precedSib" ptType="node" func="cnt" op="equ" val="6">
+                          <dgm:shape xmlns:r="http://schemas.openxmlformats.org/officeDocument/2006/relationships" type="blockArc" r:blip="">
+                            <dgm:adjLst>
+                              <dgm:adj idx="1" val="0"/>
+                              <dgm:adj idx="2" val="-45"/>
+                              <dgm:adj idx="3" val="0.1274"/>
+                            </dgm:adjLst>
+                          </dgm:shape>
+                        </dgm:if>
+                        <dgm:else name="Name74"/>
+                      </dgm:choose>
+                    </dgm:else>
+                  </dgm:choose>
+                </dgm:else>
+              </dgm:choose>
+            </dgm:else>
+          </dgm:choose>
+          <dgm:presOf/>
+        </dgm:layoutNode>
+      </dgm:forEach>
+    </dgm:forEach>
+    <dgm:forEach name="Name75" axis="ch" ptType="node" cnt="1">
+      <dgm:layoutNode name="Accent1">
+        <dgm:alg type="sp"/>
+        <dgm:shape xmlns:r="http://schemas.openxmlformats.org/officeDocument/2006/relationships" r:blip="">
+          <dgm:adjLst/>
+        </dgm:shape>
+        <dgm:presOf/>
+        <dgm:constrLst/>
+        <dgm:forEach name="Name76" ref="accentRepeat"/>
+      </dgm:layoutNode>
+      <dgm:choose name="Name77">
+        <dgm:if name="Name78" axis="ch" ptType="node" func="cnt" op="gte" val="1">
+          <dgm:layoutNode name="Child1" styleLbl="revTx">
+            <dgm:varLst>
+              <dgm:chMax val="0"/>
+              <dgm:chPref val="0"/>
+              <dgm:bulletEnabled val="1"/>
+            </dgm:varLst>
+            <dgm:alg type="tx">
+              <dgm:param type="stBulletLvl" val="1"/>
+              <dgm:param type="parTxLTRAlign" val="l"/>
+              <dgm:param type="txAnchorVertCh" val="mid"/>
+            </dgm:alg>
+            <dgm:shape xmlns:r="http://schemas.openxmlformats.org/officeDocument/2006/relationships" type="rect" r:blip="">
+              <dgm:adjLst/>
+            </dgm:shape>
+            <dgm:presOf axis="des" ptType="node"/>
+            <dgm:constrLst>
+              <dgm:constr type="lMarg" refType="primFontSz" fact="0.05"/>
+              <dgm:constr type="rMarg" refType="primFontSz" fact="0.05"/>
+              <dgm:constr type="tMarg" refType="primFontSz" fact="0.05"/>
+              <dgm:constr type="bMarg" refType="primFontSz" fact="0.05"/>
+            </dgm:constrLst>
+            <dgm:ruleLst>
+              <dgm:rule type="primFontSz" val="5" fact="NaN" max="NaN"/>
+            </dgm:ruleLst>
+          </dgm:layoutNode>
+        </dgm:if>
+        <dgm:else name="Name79"/>
+      </dgm:choose>
+      <dgm:layoutNode name="Parent1" styleLbl="revTx">
+        <dgm:varLst>
+          <dgm:chMax val="1"/>
+          <dgm:chPref val="1"/>
+          <dgm:bulletEnabled val="1"/>
+        </dgm:varLst>
+        <dgm:alg type="tx">
+          <dgm:param type="shpTxLTRAlignCh" val="ctr"/>
+          <dgm:param type="txAnchorVertCh" val="mid"/>
+        </dgm:alg>
+        <dgm:shape xmlns:r="http://schemas.openxmlformats.org/officeDocument/2006/relationships" type="rect" r:blip="">
+          <dgm:adjLst/>
+        </dgm:shape>
+        <dgm:presOf axis="self" ptType="node"/>
+        <dgm:constrLst>
+          <dgm:constr type="lMarg" refType="primFontSz" fact="0.05"/>
+          <dgm:constr type="rMarg" refType="primFontSz" fact="0.05"/>
+          <dgm:constr type="tMarg" refType="primFontSz" fact="0.05"/>
+          <dgm:constr type="bMarg" refType="primFontSz" fact="0.05"/>
+        </dgm:constrLst>
+        <dgm:ruleLst>
+          <dgm:rule type="primFontSz" val="5" fact="NaN" max="NaN"/>
+        </dgm:ruleLst>
+      </dgm:layoutNode>
+    </dgm:forEach>
+    <dgm:forEach name="Name80" axis="ch" ptType="node" st="2" cnt="1">
+      <dgm:layoutNode name="Accent2">
+        <dgm:alg type="sp"/>
+        <dgm:shape xmlns:r="http://schemas.openxmlformats.org/officeDocument/2006/relationships" r:blip="">
+          <dgm:adjLst/>
+        </dgm:shape>
+        <dgm:presOf/>
+        <dgm:constrLst/>
+        <dgm:forEach name="Name81" ref="accentRepeat"/>
+      </dgm:layoutNode>
+      <dgm:choose name="Name82">
+        <dgm:if name="Name83" axis="ch" ptType="node" func="cnt" op="gte" val="1">
+          <dgm:layoutNode name="Child2" styleLbl="revTx">
+            <dgm:varLst>
+              <dgm:chMax val="0"/>
+              <dgm:chPref val="0"/>
+              <dgm:bulletEnabled val="1"/>
+            </dgm:varLst>
+            <dgm:alg type="tx">
+              <dgm:param type="stBulletLvl" val="1"/>
+              <dgm:param type="parTxLTRAlign" val="l"/>
+              <dgm:param type="txAnchorVertCh" val="mid"/>
+            </dgm:alg>
+            <dgm:shape xmlns:r="http://schemas.openxmlformats.org/officeDocument/2006/relationships" type="rect" r:blip="">
+              <dgm:adjLst/>
+            </dgm:shape>
+            <dgm:presOf axis="des" ptType="node"/>
+            <dgm:constrLst>
+              <dgm:constr type="lMarg" refType="primFontSz" fact="0.05"/>
+              <dgm:constr type="rMarg" refType="primFontSz" fact="0.05"/>
+              <dgm:constr type="tMarg" refType="primFontSz" fact="0.05"/>
+              <dgm:constr type="bMarg" refType="primFontSz" fact="0.05"/>
+            </dgm:constrLst>
+            <dgm:ruleLst>
+              <dgm:rule type="primFontSz" val="5" fact="NaN" max="NaN"/>
+            </dgm:ruleLst>
+          </dgm:layoutNode>
+        </dgm:if>
+        <dgm:else name="Name84"/>
+      </dgm:choose>
+      <dgm:layoutNode name="Parent2" styleLbl="revTx">
+        <dgm:varLst>
+          <dgm:chMax val="1"/>
+          <dgm:chPref val="1"/>
+          <dgm:bulletEnabled val="1"/>
+        </dgm:varLst>
+        <dgm:alg type="tx">
+          <dgm:param type="shpTxLTRAlignCh" val="ctr"/>
+          <dgm:param type="txAnchorVertCh" val="mid"/>
+        </dgm:alg>
+        <dgm:shape xmlns:r="http://schemas.openxmlformats.org/officeDocument/2006/relationships" type="rect" r:blip="">
+          <dgm:adjLst/>
+        </dgm:shape>
+        <dgm:presOf axis="self" ptType="node"/>
+        <dgm:constrLst>
+          <dgm:constr type="lMarg" refType="primFontSz" fact="0.05"/>
+          <dgm:constr type="rMarg" refType="primFontSz" fact="0.05"/>
+          <dgm:constr type="tMarg" refType="primFontSz" fact="0.05"/>
+          <dgm:constr type="bMarg" refType="primFontSz" fact="0.05"/>
+        </dgm:constrLst>
+        <dgm:ruleLst>
+          <dgm:rule type="primFontSz" val="5" fact="NaN" max="NaN"/>
+        </dgm:ruleLst>
+      </dgm:layoutNode>
+    </dgm:forEach>
+    <dgm:forEach name="Name85" axis="ch" ptType="node" st="3" cnt="1">
+      <dgm:layoutNode name="Accent3">
+        <dgm:alg type="sp"/>
+        <dgm:shape xmlns:r="http://schemas.openxmlformats.org/officeDocument/2006/relationships" r:blip="">
+          <dgm:adjLst/>
+        </dgm:shape>
+        <dgm:presOf/>
+        <dgm:constrLst/>
+        <dgm:forEach name="Name86" ref="accentRepeat"/>
+      </dgm:layoutNode>
+      <dgm:choose name="Name87">
+        <dgm:if name="Name88" axis="ch" ptType="node" func="cnt" op="gte" val="1">
+          <dgm:layoutNode name="Child3" styleLbl="revTx">
+            <dgm:varLst>
+              <dgm:chMax val="0"/>
+              <dgm:chPref val="0"/>
+              <dgm:bulletEnabled val="1"/>
+            </dgm:varLst>
+            <dgm:alg type="tx">
+              <dgm:param type="stBulletLvl" val="1"/>
+              <dgm:param type="parTxLTRAlign" val="l"/>
+              <dgm:param type="txAnchorVertCh" val="mid"/>
+            </dgm:alg>
+            <dgm:shape xmlns:r="http://schemas.openxmlformats.org/officeDocument/2006/relationships" type="rect" r:blip="">
+              <dgm:adjLst/>
+            </dgm:shape>
+            <dgm:presOf axis="des" ptType="node"/>
+            <dgm:constrLst>
+              <dgm:constr type="lMarg" refType="primFontSz" fact="0.05"/>
+              <dgm:constr type="rMarg" refType="primFontSz" fact="0.05"/>
+              <dgm:constr type="tMarg" refType="primFontSz" fact="0.05"/>
+              <dgm:constr type="bMarg" refType="primFontSz" fact="0.05"/>
+            </dgm:constrLst>
+            <dgm:ruleLst>
+              <dgm:rule type="primFontSz" val="5" fact="NaN" max="NaN"/>
+            </dgm:ruleLst>
+          </dgm:layoutNode>
+        </dgm:if>
+        <dgm:else name="Name89"/>
+      </dgm:choose>
+      <dgm:layoutNode name="Parent3" styleLbl="revTx">
+        <dgm:varLst>
+          <dgm:chMax val="1"/>
+          <dgm:chPref val="1"/>
+          <dgm:bulletEnabled val="1"/>
+        </dgm:varLst>
+        <dgm:alg type="tx">
+          <dgm:param type="shpTxLTRAlignCh" val="ctr"/>
+          <dgm:param type="txAnchorVertCh" val="mid"/>
+        </dgm:alg>
+        <dgm:shape xmlns:r="http://schemas.openxmlformats.org/officeDocument/2006/relationships" type="rect" r:blip="">
+          <dgm:adjLst/>
+        </dgm:shape>
+        <dgm:presOf axis="self" ptType="node"/>
+        <dgm:constrLst>
+          <dgm:constr type="lMarg" refType="primFontSz" fact="0.05"/>
+          <dgm:constr type="rMarg" refType="primFontSz" fact="0.05"/>
+          <dgm:constr type="tMarg" refType="primFontSz" fact="0.05"/>
+          <dgm:constr type="bMarg" refType="primFontSz" fact="0.05"/>
+        </dgm:constrLst>
+        <dgm:ruleLst>
+          <dgm:rule type="primFontSz" val="5" fact="NaN" max="NaN"/>
+        </dgm:ruleLst>
+      </dgm:layoutNode>
+    </dgm:forEach>
+    <dgm:forEach name="Name90" axis="ch" ptType="node" st="4" cnt="1">
+      <dgm:layoutNode name="Accent4">
+        <dgm:alg type="sp"/>
+        <dgm:shape xmlns:r="http://schemas.openxmlformats.org/officeDocument/2006/relationships" r:blip="">
+          <dgm:adjLst/>
+        </dgm:shape>
+        <dgm:presOf/>
+        <dgm:constrLst/>
+        <dgm:forEach name="Name91" ref="accentRepeat"/>
+      </dgm:layoutNode>
+      <dgm:choose name="Name92">
+        <dgm:if name="Name93" axis="ch" ptType="node" func="cnt" op="gte" val="1">
+          <dgm:layoutNode name="Child4" styleLbl="revTx">
+            <dgm:varLst>
+              <dgm:chMax val="0"/>
+              <dgm:chPref val="0"/>
+              <dgm:bulletEnabled val="1"/>
+            </dgm:varLst>
+            <dgm:alg type="tx">
+              <dgm:param type="stBulletLvl" val="1"/>
+              <dgm:param type="parTxLTRAlign" val="l"/>
+              <dgm:param type="txAnchorVertCh" val="mid"/>
+            </dgm:alg>
+            <dgm:shape xmlns:r="http://schemas.openxmlformats.org/officeDocument/2006/relationships" type="rect" r:blip="">
+              <dgm:adjLst/>
+            </dgm:shape>
+            <dgm:presOf axis="des" ptType="node"/>
+            <dgm:constrLst>
+              <dgm:constr type="lMarg" refType="primFontSz" fact="0.05"/>
+              <dgm:constr type="rMarg" refType="primFontSz" fact="0.05"/>
+              <dgm:constr type="tMarg" refType="primFontSz" fact="0.05"/>
+              <dgm:constr type="bMarg" refType="primFontSz" fact="0.05"/>
+            </dgm:constrLst>
+            <dgm:ruleLst>
+              <dgm:rule type="primFontSz" val="5" fact="NaN" max="NaN"/>
+            </dgm:ruleLst>
+          </dgm:layoutNode>
+        </dgm:if>
+        <dgm:else name="Name94"/>
+      </dgm:choose>
+      <dgm:layoutNode name="Parent4" styleLbl="revTx">
+        <dgm:varLst>
+          <dgm:chMax val="1"/>
+          <dgm:chPref val="1"/>
+          <dgm:bulletEnabled val="1"/>
+        </dgm:varLst>
+        <dgm:alg type="tx">
+          <dgm:param type="shpTxLTRAlignCh" val="ctr"/>
+          <dgm:param type="txAnchorVertCh" val="mid"/>
+        </dgm:alg>
+        <dgm:shape xmlns:r="http://schemas.openxmlformats.org/officeDocument/2006/relationships" type="rect" r:blip="">
+          <dgm:adjLst/>
+        </dgm:shape>
+        <dgm:presOf axis="self" ptType="node"/>
+        <dgm:constrLst>
+          <dgm:constr type="lMarg" refType="primFontSz" fact="0.05"/>
+          <dgm:constr type="rMarg" refType="primFontSz" fact="0.05"/>
+          <dgm:constr type="tMarg" refType="primFontSz" fact="0.05"/>
+          <dgm:constr type="bMarg" refType="primFontSz" fact="0.05"/>
+        </dgm:constrLst>
+        <dgm:ruleLst>
+          <dgm:rule type="primFontSz" val="5" fact="NaN" max="NaN"/>
+        </dgm:ruleLst>
+      </dgm:layoutNode>
+    </dgm:forEach>
+    <dgm:forEach name="Name95" axis="ch" ptType="node" st="5" cnt="1">
+      <dgm:layoutNode name="Accent5">
+        <dgm:alg type="sp"/>
+        <dgm:shape xmlns:r="http://schemas.openxmlformats.org/officeDocument/2006/relationships" r:blip="">
+          <dgm:adjLst/>
+        </dgm:shape>
+        <dgm:presOf/>
+        <dgm:constrLst/>
+        <dgm:forEach name="Name96" ref="accentRepeat"/>
+      </dgm:layoutNode>
+      <dgm:choose name="Name97">
+        <dgm:if name="Name98" axis="ch" ptType="node" func="cnt" op="gte" val="1">
+          <dgm:layoutNode name="Child5" styleLbl="revTx">
+            <dgm:varLst>
+              <dgm:chMax val="0"/>
+              <dgm:chPref val="0"/>
+              <dgm:bulletEnabled val="1"/>
+            </dgm:varLst>
+            <dgm:alg type="tx">
+              <dgm:param type="stBulletLvl" val="1"/>
+              <dgm:param type="parTxLTRAlign" val="l"/>
+              <dgm:param type="txAnchorVertCh" val="mid"/>
+            </dgm:alg>
+            <dgm:shape xmlns:r="http://schemas.openxmlformats.org/officeDocument/2006/relationships" type="rect" r:blip="">
+              <dgm:adjLst/>
+            </dgm:shape>
+            <dgm:presOf axis="des" ptType="node"/>
+            <dgm:constrLst>
+              <dgm:constr type="lMarg" refType="primFontSz" fact="0.05"/>
+              <dgm:constr type="rMarg" refType="primFontSz" fact="0.05"/>
+              <dgm:constr type="tMarg" refType="primFontSz" fact="0.05"/>
+              <dgm:constr type="bMarg" refType="primFontSz" fact="0.05"/>
+            </dgm:constrLst>
+            <dgm:ruleLst>
+              <dgm:rule type="primFontSz" val="5" fact="NaN" max="NaN"/>
+            </dgm:ruleLst>
+          </dgm:layoutNode>
+        </dgm:if>
+        <dgm:else name="Name99"/>
+      </dgm:choose>
+      <dgm:layoutNode name="Parent5" styleLbl="revTx">
+        <dgm:varLst>
+          <dgm:chMax val="1"/>
+          <dgm:chPref val="1"/>
+          <dgm:bulletEnabled val="1"/>
+        </dgm:varLst>
+        <dgm:alg type="tx">
+          <dgm:param type="shpTxLTRAlignCh" val="ctr"/>
+          <dgm:param type="txAnchorVertCh" val="mid"/>
+        </dgm:alg>
+        <dgm:shape xmlns:r="http://schemas.openxmlformats.org/officeDocument/2006/relationships" type="rect" r:blip="">
+          <dgm:adjLst/>
+        </dgm:shape>
+        <dgm:presOf axis="self" ptType="node"/>
+        <dgm:constrLst>
+          <dgm:constr type="lMarg" refType="primFontSz" fact="0.05"/>
+          <dgm:constr type="rMarg" refType="primFontSz" fact="0.05"/>
+          <dgm:constr type="tMarg" refType="primFontSz" fact="0.05"/>
+          <dgm:constr type="bMarg" refType="primFontSz" fact="0.05"/>
+        </dgm:constrLst>
+        <dgm:ruleLst>
+          <dgm:rule type="primFontSz" val="5" fact="NaN" max="NaN"/>
+        </dgm:ruleLst>
+      </dgm:layoutNode>
+    </dgm:forEach>
+    <dgm:forEach name="Name100" axis="ch" ptType="node" st="6" cnt="1">
+      <dgm:layoutNode name="Accent6">
+        <dgm:alg type="sp"/>
+        <dgm:shape xmlns:r="http://schemas.openxmlformats.org/officeDocument/2006/relationships" r:blip="">
+          <dgm:adjLst/>
+        </dgm:shape>
+        <dgm:presOf/>
+        <dgm:constrLst/>
+        <dgm:forEach name="Name101" ref="accentRepeat"/>
+      </dgm:layoutNode>
+      <dgm:choose name="Name102">
+        <dgm:if name="Name103" axis="ch" ptType="node" func="cnt" op="gte" val="1">
+          <dgm:layoutNode name="Child6" styleLbl="revTx">
+            <dgm:varLst>
+              <dgm:chMax val="0"/>
+              <dgm:chPref val="0"/>
+              <dgm:bulletEnabled val="1"/>
+            </dgm:varLst>
+            <dgm:alg type="tx">
+              <dgm:param type="stBulletLvl" val="1"/>
+              <dgm:param type="parTxLTRAlign" val="l"/>
+              <dgm:param type="txAnchorVertCh" val="mid"/>
+            </dgm:alg>
+            <dgm:shape xmlns:r="http://schemas.openxmlformats.org/officeDocument/2006/relationships" type="rect" r:blip="">
+              <dgm:adjLst/>
+            </dgm:shape>
+            <dgm:presOf axis="des" ptType="node"/>
+            <dgm:constrLst>
+              <dgm:constr type="lMarg" refType="primFontSz" fact="0.05"/>
+              <dgm:constr type="rMarg" refType="primFontSz" fact="0.05"/>
+              <dgm:constr type="tMarg" refType="primFontSz" fact="0.05"/>
+              <dgm:constr type="bMarg" refType="primFontSz" fact="0.05"/>
+            </dgm:constrLst>
+            <dgm:ruleLst>
+              <dgm:rule type="primFontSz" val="5" fact="NaN" max="NaN"/>
+            </dgm:ruleLst>
+          </dgm:layoutNode>
+        </dgm:if>
+        <dgm:else name="Name104"/>
+      </dgm:choose>
+      <dgm:layoutNode name="Parent6" styleLbl="revTx">
+        <dgm:varLst>
+          <dgm:chMax val="1"/>
+          <dgm:chPref val="1"/>
+          <dgm:bulletEnabled val="1"/>
+        </dgm:varLst>
+        <dgm:alg type="tx">
+          <dgm:param type="shpTxLTRAlignCh" val="ctr"/>
+          <dgm:param type="txAnchorVertCh" val="mid"/>
+        </dgm:alg>
+        <dgm:shape xmlns:r="http://schemas.openxmlformats.org/officeDocument/2006/relationships" type="rect" r:blip="">
+          <dgm:adjLst/>
+        </dgm:shape>
+        <dgm:presOf axis="self" ptType="node"/>
+        <dgm:constrLst>
+          <dgm:constr type="lMarg" refType="primFontSz" fact="0.05"/>
+          <dgm:constr type="rMarg" refType="primFontSz" fact="0.05"/>
+          <dgm:constr type="tMarg" refType="primFontSz" fact="0.05"/>
+          <dgm:constr type="bMarg" refType="primFontSz" fact="0.05"/>
+        </dgm:constrLst>
+        <dgm:ruleLst>
+          <dgm:rule type="primFontSz" val="5" fact="NaN" max="NaN"/>
+        </dgm:ruleLst>
+      </dgm:layoutNode>
+    </dgm:forEach>
+    <dgm:forEach name="Name105" axis="ch" ptType="node" st="7" cnt="1">
+      <dgm:layoutNode name="Accent7">
+        <dgm:alg type="sp"/>
+        <dgm:shape xmlns:r="http://schemas.openxmlformats.org/officeDocument/2006/relationships" r:blip="">
+          <dgm:adjLst/>
+        </dgm:shape>
+        <dgm:presOf/>
+        <dgm:constrLst/>
+        <dgm:forEach name="Name106" ref="accentRepeat"/>
+      </dgm:layoutNode>
+      <dgm:choose name="Name107">
+        <dgm:if name="Name108" axis="ch" ptType="node" func="cnt" op="gte" val="1">
+          <dgm:layoutNode name="Child7" styleLbl="revTx">
+            <dgm:varLst>
+              <dgm:chMax val="0"/>
+              <dgm:chPref val="0"/>
+              <dgm:bulletEnabled val="1"/>
+            </dgm:varLst>
+            <dgm:alg type="tx">
+              <dgm:param type="stBulletLvl" val="1"/>
+              <dgm:param type="parTxLTRAlign" val="l"/>
+              <dgm:param type="txAnchorVertCh" val="mid"/>
+            </dgm:alg>
+            <dgm:shape xmlns:r="http://schemas.openxmlformats.org/officeDocument/2006/relationships" type="rect" r:blip="">
+              <dgm:adjLst/>
+            </dgm:shape>
+            <dgm:presOf axis="des" ptType="node"/>
+            <dgm:constrLst>
+              <dgm:constr type="lMarg" refType="primFontSz" fact="0.05"/>
+              <dgm:constr type="rMarg" refType="primFontSz" fact="0.05"/>
+              <dgm:constr type="tMarg" refType="primFontSz" fact="0.05"/>
+              <dgm:constr type="bMarg" refType="primFontSz" fact="0.05"/>
+            </dgm:constrLst>
+            <dgm:ruleLst>
+              <dgm:rule type="primFontSz" val="5" fact="NaN" max="NaN"/>
+            </dgm:ruleLst>
+          </dgm:layoutNode>
+        </dgm:if>
+        <dgm:else name="Name109"/>
+      </dgm:choose>
+      <dgm:layoutNode name="Parent7" styleLbl="revTx">
+        <dgm:varLst>
+          <dgm:chMax val="1"/>
+          <dgm:chPref val="1"/>
+          <dgm:bulletEnabled val="1"/>
+        </dgm:varLst>
+        <dgm:alg type="tx">
+          <dgm:param type="shpTxLTRAlignCh" val="ctr"/>
+          <dgm:param type="txAnchorVertCh" val="mid"/>
+        </dgm:alg>
+        <dgm:shape xmlns:r="http://schemas.openxmlformats.org/officeDocument/2006/relationships" type="rect" r:blip="">
+          <dgm:adjLst/>
+        </dgm:shape>
+        <dgm:presOf axis="self" ptType="node"/>
+        <dgm:constrLst>
+          <dgm:constr type="lMarg" refType="primFontSz" fact="0.05"/>
+          <dgm:constr type="rMarg" refType="primFontSz" fact="0.05"/>
+          <dgm:constr type="tMarg" refType="primFontSz" fact="0.05"/>
+          <dgm:constr type="bMarg" refType="primFontSz" fact="0.05"/>
+        </dgm:constrLst>
+        <dgm:ruleLst>
+          <dgm:rule type="primFontSz" val="5" fact="NaN" max="NaN"/>
+        </dgm:ruleLst>
+      </dgm:layoutNode>
+    </dgm:forEach>
+  </dgm:layoutNode>
+</dgm:layoutDef>
+</file>
+
+<file path=ppt/diagrams/quickStyle1.xml><?xml version="1.0" encoding="utf-8"?>
+<dgm:styleDef xmlns:dgm="http://schemas.openxmlformats.org/drawingml/2006/diagram" xmlns:a="http://schemas.openxmlformats.org/drawingml/2006/main" uniqueId="urn:microsoft.com/office/officeart/2005/8/quickstyle/simple1">
+  <dgm:title val=""/>
+  <dgm:desc val=""/>
+  <dgm:catLst>
+    <dgm:cat type="simple" pri="10100"/>
+  </dgm:catLst>
+  <dgm:scene3d>
+    <a:camera prst="orthographicFront"/>
+    <a:lightRig rig="threePt" dir="t"/>
+  </dgm:scene3d>
+  <dgm:styleLbl name="node0">
+    <dgm:scene3d>
+      <a:camera prst="orthographicFront"/>
+      <a:lightRig rig="threePt" dir="t"/>
+    </dgm:scene3d>
+    <dgm:sp3d/>
+    <dgm:txPr/>
+    <dgm:style>
+      <a:lnRef idx="2">
+        <a:scrgbClr r="0" g="0" b="0"/>
+      </a:lnRef>
+      <a:fillRef idx="1">
+        <a:scrgbClr r="0" g="0" b="0"/>
+      </a:fillRef>
+      <a:effectRef idx="0">
+        <a:scrgbClr r="0" g="0" b="0"/>
+      </a:effectRef>
+      <a:fontRef idx="minor">
+        <a:schemeClr val="lt1"/>
+      </a:fontRef>
+    </dgm:style>
+  </dgm:styleLbl>
+  <dgm:styleLbl name="lnNode1">
+    <dgm:scene3d>
+      <a:camera prst="orthographicFront"/>
+      <a:lightRig rig="threePt" dir="t"/>
+    </dgm:scene3d>
+    <dgm:sp3d/>
+    <dgm:txPr/>
+    <dgm:style>
+      <a:lnRef idx="2">
+        <a:scrgbClr r="0" g="0" b="0"/>
+      </a:lnRef>
+      <a:fillRef idx="1">
+        <a:scrgbClr r="0" g="0" b="0"/>
+      </a:fillRef>
+      <a:effectRef idx="0">
+        <a:scrgbClr r="0" g="0" b="0"/>
+      </a:effectRef>
+      <a:fontRef idx="minor">
+        <a:schemeClr val="lt1"/>
+      </a:fontRef>
+    </dgm:style>
+  </dgm:styleLbl>
+  <dgm:styleLbl name="vennNode1">
+    <dgm:scene3d>
+      <a:camera prst="orthographicFront"/>
+      <a:lightRig rig="threePt" dir="t"/>
+    </dgm:scene3d>
+    <dgm:sp3d/>
+    <dgm:txPr/>
+    <dgm:style>
+      <a:lnRef idx="2">
+        <a:scrgbClr r="0" g="0" b="0"/>
+      </a:lnRef>
+      <a:fillRef idx="1">
+        <a:scrgbClr r="0" g="0" b="0"/>
+      </a:fillRef>
+      <a:effectRef idx="0">
+        <a:scrgbClr r="0" g="0" b="0"/>
+      </a:effectRef>
+      <a:fontRef idx="minor">
+        <a:schemeClr val="tx1"/>
+      </a:fontRef>
+    </dgm:style>
+  </dgm:styleLbl>
+  <dgm:styleLbl name="alignNode1">
+    <dgm:scene3d>
+      <a:camera prst="orthographicFront"/>
+      <a:lightRig rig="threePt" dir="t"/>
+    </dgm:scene3d>
+    <dgm:sp3d/>
+    <dgm:txPr/>
+    <dgm:style>
+      <a:lnRef idx="2">
+        <a:scrgbClr r="0" g="0" b="0"/>
+      </a:lnRef>
+      <a:fillRef idx="1">
+        <a:scrgbClr r="0" g="0" b="0"/>
+      </a:fillRef>
+      <a:effectRef idx="0">
+        <a:scrgbClr r="0" g="0" b="0"/>
+      </a:effectRef>
+      <a:fontRef idx="minor">
+        <a:schemeClr val="lt1"/>
+      </a:fontRef>
+    </dgm:style>
+  </dgm:styleLbl>
+  <dgm:styleLbl name="node1">
+    <dgm:scene3d>
+      <a:camera prst="orthographicFront"/>
+      <a:lightRig rig="threePt" dir="t"/>
+    </dgm:scene3d>
+    <dgm:sp3d/>
+    <dgm:txPr/>
+    <dgm:style>
+      <a:lnRef idx="2">
+        <a:scrgbClr r="0" g="0" b="0"/>
+      </a:lnRef>
+      <a:fillRef idx="1">
+        <a:scrgbClr r="0" g="0" b="0"/>
+      </a:fillRef>
+      <a:effectRef idx="0">
+        <a:scrgbClr r="0" g="0" b="0"/>
+      </a:effectRef>
+      <a:fontRef idx="minor">
+        <a:schemeClr val="lt1"/>
+      </a:fontRef>
+    </dgm:style>
+  </dgm:styleLbl>
+  <dgm:styleLbl name="node2">
+    <dgm:scene3d>
+      <a:camera prst="orthographicFront"/>
+      <a:lightRig rig="threePt" dir="t"/>
+    </dgm:scene3d>
+    <dgm:sp3d/>
+    <dgm:txPr/>
+    <dgm:style>
+      <a:lnRef idx="2">
+        <a:scrgbClr r="0" g="0" b="0"/>
+      </a:lnRef>
+      <a:fillRef idx="1">
+        <a:scrgbClr r="0" g="0" b="0"/>
+      </a:fillRef>
+      <a:effectRef idx="0">
+        <a:scrgbClr r="0" g="0" b="0"/>
+      </a:effectRef>
+      <a:fontRef idx="minor">
+        <a:schemeClr val="lt1"/>
+      </a:fontRef>
+    </dgm:style>
+  </dgm:styleLbl>
+  <dgm:styleLbl name="node3">
+    <dgm:scene3d>
+      <a:camera prst="orthographicFront"/>
+      <a:lightRig rig="threePt" dir="t"/>
+    </dgm:scene3d>
+    <dgm:sp3d/>
+    <dgm:txPr/>
+    <dgm:style>
+      <a:lnRef idx="2">
+        <a:scrgbClr r="0" g="0" b="0"/>
+      </a:lnRef>
+      <a:fillRef idx="1">
+        <a:scrgbClr r="0" g="0" b="0"/>
+      </a:fillRef>
+      <a:effectRef idx="0">
+        <a:scrgbClr r="0" g="0" b="0"/>
+      </a:effectRef>
+      <a:fontRef idx="minor">
+        <a:schemeClr val="lt1"/>
+      </a:fontRef>
+    </dgm:style>
+  </dgm:styleLbl>
+  <dgm:styleLbl name="node4">
+    <dgm:scene3d>
+      <a:camera prst="orthographicFront"/>
+      <a:lightRig rig="threePt" dir="t"/>
+    </dgm:scene3d>
+    <dgm:sp3d/>
+    <dgm:txPr/>
+    <dgm:style>
+      <a:lnRef idx="2">
+        <a:scrgbClr r="0" g="0" b="0"/>
+      </a:lnRef>
+      <a:fillRef idx="1">
+        <a:scrgbClr r="0" g="0" b="0"/>
+      </a:fillRef>
+      <a:effectRef idx="0">
+        <a:scrgbClr r="0" g="0" b="0"/>
+      </a:effectRef>
+      <a:fontRef idx="minor">
+        <a:schemeClr val="lt1"/>
+      </a:fontRef>
+    </dgm:style>
+  </dgm:styleLbl>
+  <dgm:styleLbl name="fgImgPlace1">
+    <dgm:scene3d>
+      <a:camera prst="orthographicFront"/>
+      <a:lightRig rig="threePt" dir="t"/>
+    </dgm:scene3d>
+    <dgm:sp3d/>
+    <dgm:txPr/>
+    <dgm:style>
+      <a:lnRef idx="2">
+        <a:scrgbClr r="0" g="0" b="0"/>
+      </a:lnRef>
+      <a:fillRef idx="1">
+        <a:scrgbClr r="0" g="0" b="0"/>
+      </a:fillRef>
+      <a:effectRef idx="0">
+        <a:scrgbClr r="0" g="0" b="0"/>
+      </a:effectRef>
+      <a:fontRef idx="minor"/>
+    </dgm:style>
+  </dgm:styleLbl>
+  <dgm:styleLbl name="alignImgPlace1">
+    <dgm:scene3d>
+      <a:camera prst="orthographicFront"/>
+      <a:lightRig rig="threePt" dir="t"/>
+    </dgm:scene3d>
+    <dgm:sp3d/>
+    <dgm:txPr/>
+    <dgm:style>
+      <a:lnRef idx="2">
+        <a:scrgbClr r="0" g="0" b="0"/>
+      </a:lnRef>
+      <a:fillRef idx="1">
+        <a:scrgbClr r="0" g="0" b="0"/>
+      </a:fillRef>
+      <a:effectRef idx="0">
+        <a:scrgbClr r="0" g="0" b="0"/>
+      </a:effectRef>
+      <a:fontRef idx="minor"/>
+    </dgm:style>
+  </dgm:styleLbl>
+  <dgm:styleLbl name="bgImgPlace1">
+    <dgm:scene3d>
+      <a:camera prst="orthographicFront"/>
+      <a:lightRig rig="threePt" dir="t"/>
+    </dgm:scene3d>
+    <dgm:sp3d/>
+    <dgm:txPr/>
+    <dgm:style>
+      <a:lnRef idx="2">
+        <a:scrgbClr r="0" g="0" b="0"/>
+      </a:lnRef>
+      <a:fillRef idx="1">
+        <a:scrgbClr r="0" g="0" b="0"/>
+      </a:fillRef>
+      <a:effectRef idx="0">
+        <a:scrgbClr r="0" g="0" b="0"/>
+      </a:effectRef>
+      <a:fontRef idx="minor"/>
+    </dgm:style>
+  </dgm:styleLbl>
+  <dgm:styleLbl name="sibTrans2D1">
+    <dgm:scene3d>
+      <a:camera prst="orthographicFront"/>
+      <a:lightRig rig="threePt" dir="t"/>
+    </dgm:scene3d>
+    <dgm:sp3d/>
+    <dgm:txPr/>
+    <dgm:style>
+      <a:lnRef idx="0">
+        <a:scrgbClr r="0" g="0" b="0"/>
+      </a:lnRef>
+      <a:fillRef idx="1">
+        <a:scrgbClr r="0" g="0" b="0"/>
+      </a:fillRef>
+      <a:effectRef idx="0">
+        <a:scrgbClr r="0" g="0" b="0"/>
+      </a:effectRef>
+      <a:fontRef idx="minor">
+        <a:schemeClr val="lt1"/>
+      </a:fontRef>
+    </dgm:style>
+  </dgm:styleLbl>
+  <dgm:styleLbl name="fgSibTrans2D1">
+    <dgm:scene3d>
+      <a:camera prst="orthographicFront"/>
+      <a:lightRig rig="threePt" dir="t"/>
+    </dgm:scene3d>
+    <dgm:sp3d/>
+    <dgm:txPr/>
+    <dgm:style>
+      <a:lnRef idx="0">
+        <a:scrgbClr r="0" g="0" b="0"/>
+      </a:lnRef>
+      <a:fillRef idx="1">
+        <a:scrgbClr r="0" g="0" b="0"/>
+      </a:fillRef>
+      <a:effectRef idx="0">
+        <a:scrgbClr r="0" g="0" b="0"/>
+      </a:effectRef>
+      <a:fontRef idx="minor">
+        <a:schemeClr val="lt1"/>
+      </a:fontRef>
+    </dgm:style>
+  </dgm:styleLbl>
+  <dgm:styleLbl name="bgSibTrans2D1">
+    <dgm:scene3d>
+      <a:camera prst="orthographicFront"/>
+      <a:lightRig rig="threePt" dir="t"/>
+    </dgm:scene3d>
+    <dgm:sp3d/>
+    <dgm:txPr/>
+    <dgm:style>
+      <a:lnRef idx="0">
+        <a:scrgbClr r="0" g="0" b="0"/>
+      </a:lnRef>
+      <a:fillRef idx="1">
+        <a:scrgbClr r="0" g="0" b="0"/>
+      </a:fillRef>
+      <a:effectRef idx="0">
+        <a:scrgbClr r="0" g="0" b="0"/>
+      </a:effectRef>
+      <a:fontRef idx="minor">
+        <a:schemeClr val="lt1"/>
+      </a:fontRef>
+    </dgm:style>
+  </dgm:styleLbl>
+  <dgm:styleLbl name="sibTrans1D1">
+    <dgm:scene3d>
+      <a:camera prst="orthographicFront"/>
+      <a:lightRig rig="threePt" dir="t"/>
+    </dgm:scene3d>
+    <dgm:sp3d/>
+    <dgm:txPr/>
+    <dgm:style>
+      <a:lnRef idx="1">
+        <a:scrgbClr r="0" g="0" b="0"/>
+      </a:lnRef>
+      <a:fillRef idx="0">
+        <a:scrgbClr r="0" g="0" b="0"/>
+      </a:fillRef>
+      <a:effectRef idx="0">
+        <a:scrgbClr r="0" g="0" b="0"/>
+      </a:effectRef>
+      <a:fontRef idx="minor"/>
+    </dgm:style>
+  </dgm:styleLbl>
+  <dgm:styleLbl name="callout">
+    <dgm:scene3d>
+      <a:camera prst="orthographicFront"/>
+      <a:lightRig rig="threePt" dir="t"/>
+    </dgm:scene3d>
+    <dgm:sp3d/>
+    <dgm:txPr/>
+    <dgm:style>
+      <a:lnRef idx="2">
+        <a:scrgbClr r="0" g="0" b="0"/>
+      </a:lnRef>
+      <a:fillRef idx="1">
+        <a:scrgbClr r="0" g="0" b="0"/>
+      </a:fillRef>
+      <a:effectRef idx="0">
+        <a:scrgbClr r="0" g="0" b="0"/>
+      </a:effectRef>
+      <a:fontRef idx="minor"/>
+    </dgm:style>
+  </dgm:styleLbl>
+  <dgm:styleLbl name="asst0">
+    <dgm:scene3d>
+      <a:camera prst="orthographicFront"/>
+      <a:lightRig rig="threePt" dir="t"/>
+    </dgm:scene3d>
+    <dgm:sp3d/>
+    <dgm:txPr/>
+    <dgm:style>
+      <a:lnRef idx="2">
+        <a:scrgbClr r="0" g="0" b="0"/>
+      </a:lnRef>
+      <a:fillRef idx="1">
+        <a:scrgbClr r="0" g="0" b="0"/>
+      </a:fillRef>
+      <a:effectRef idx="0">
+        <a:scrgbClr r="0" g="0" b="0"/>
+      </a:effectRef>
+      <a:fontRef idx="minor">
+        <a:schemeClr val="lt1"/>
+      </a:fontRef>
+    </dgm:style>
+  </dgm:styleLbl>
+  <dgm:styleLbl name="asst1">
+    <dgm:scene3d>
+      <a:camera prst="orthographicFront"/>
+      <a:lightRig rig="threePt" dir="t"/>
+    </dgm:scene3d>
+    <dgm:sp3d/>
+    <dgm:txPr/>
+    <dgm:style>
+      <a:lnRef idx="2">
+        <a:scrgbClr r="0" g="0" b="0"/>
+      </a:lnRef>
+      <a:fillRef idx="1">
+        <a:scrgbClr r="0" g="0" b="0"/>
+      </a:fillRef>
+      <a:effectRef idx="0">
+        <a:scrgbClr r="0" g="0" b="0"/>
+      </a:effectRef>
+      <a:fontRef idx="minor">
+        <a:schemeClr val="lt1"/>
+      </a:fontRef>
+    </dgm:style>
+  </dgm:styleLbl>
+  <dgm:styleLbl name="asst2">
+    <dgm:scene3d>
+      <a:camera prst="orthographicFront"/>
+      <a:lightRig rig="threePt" dir="t"/>
+    </dgm:scene3d>
+    <dgm:sp3d/>
+    <dgm:txPr/>
+    <dgm:style>
+      <a:lnRef idx="2">
+        <a:scrgbClr r="0" g="0" b="0"/>
+      </a:lnRef>
+      <a:fillRef idx="1">
+        <a:scrgbClr r="0" g="0" b="0"/>
+      </a:fillRef>
+      <a:effectRef idx="0">
+        <a:scrgbClr r="0" g="0" b="0"/>
+      </a:effectRef>
+      <a:fontRef idx="minor">
+        <a:schemeClr val="lt1"/>
+      </a:fontRef>
+    </dgm:style>
+  </dgm:styleLbl>
+  <dgm:styleLbl name="asst3">
+    <dgm:scene3d>
+      <a:camera prst="orthographicFront"/>
+      <a:lightRig rig="threePt" dir="t"/>
+    </dgm:scene3d>
+    <dgm:sp3d/>
+    <dgm:txPr/>
+    <dgm:style>
+      <a:lnRef idx="2">
+        <a:scrgbClr r="0" g="0" b="0"/>
+      </a:lnRef>
+      <a:fillRef idx="1">
+        <a:scrgbClr r="0" g="0" b="0"/>
+      </a:fillRef>
+      <a:effectRef idx="0">
+        <a:scrgbClr r="0" g="0" b="0"/>
+      </a:effectRef>
+      <a:fontRef idx="minor">
+        <a:schemeClr val="lt1"/>
+      </a:fontRef>
+    </dgm:style>
+  </dgm:styleLbl>
+  <dgm:styleLbl name="asst4">
+    <dgm:scene3d>
+      <a:camera prst="orthographicFront"/>
+      <a:lightRig rig="threePt" dir="t"/>
+    </dgm:scene3d>
+    <dgm:sp3d/>
+    <dgm:txPr/>
+    <dgm:style>
+      <a:lnRef idx="2">
+        <a:scrgbClr r="0" g="0" b="0"/>
+      </a:lnRef>
+      <a:fillRef idx="1">
+        <a:scrgbClr r="0" g="0" b="0"/>
+      </a:fillRef>
+      <a:effectRef idx="0">
+        <a:scrgbClr r="0" g="0" b="0"/>
+      </a:effectRef>
+      <a:fontRef idx="minor">
+        <a:schemeClr val="lt1"/>
+      </a:fontRef>
+    </dgm:style>
+  </dgm:styleLbl>
+  <dgm:styleLbl name="parChTrans2D1">
+    <dgm:scene3d>
+      <a:camera prst="orthographicFront"/>
+      <a:lightRig rig="threePt" dir="t"/>
+    </dgm:scene3d>
+    <dgm:sp3d/>
+    <dgm:txPr/>
+    <dgm:style>
+      <a:lnRef idx="2">
+        <a:scrgbClr r="0" g="0" b="0"/>
+      </a:lnRef>
+      <a:fillRef idx="1">
+        <a:scrgbClr r="0" g="0" b="0"/>
+      </a:fillRef>
+      <a:effectRef idx="0">
+        <a:scrgbClr r="0" g="0" b="0"/>
+      </a:effectRef>
+      <a:fontRef idx="minor">
+        <a:schemeClr val="lt1"/>
+      </a:fontRef>
+    </dgm:style>
+  </dgm:styleLbl>
+  <dgm:styleLbl name="parChTrans2D2">
+    <dgm:scene3d>
+      <a:camera prst="orthographicFront"/>
+      <a:lightRig rig="threePt" dir="t"/>
+    </dgm:scene3d>
+    <dgm:sp3d/>
+    <dgm:txPr/>
+    <dgm:style>
+      <a:lnRef idx="2">
+        <a:scrgbClr r="0" g="0" b="0"/>
+      </a:lnRef>
+      <a:fillRef idx="1">
+        <a:scrgbClr r="0" g="0" b="0"/>
+      </a:fillRef>
+      <a:effectRef idx="0">
+        <a:scrgbClr r="0" g="0" b="0"/>
+      </a:effectRef>
+      <a:fontRef idx="minor">
+        <a:schemeClr val="lt1"/>
+      </a:fontRef>
+    </dgm:style>
+  </dgm:styleLbl>
+  <dgm:styleLbl name="parChTrans2D3">
+    <dgm:scene3d>
+      <a:camera prst="orthographicFront"/>
+      <a:lightRig rig="threePt" dir="t"/>
+    </dgm:scene3d>
+    <dgm:sp3d/>
+    <dgm:txPr/>
+    <dgm:style>
+      <a:lnRef idx="2">
+        <a:scrgbClr r="0" g="0" b="0"/>
+      </a:lnRef>
+      <a:fillRef idx="1">
+        <a:scrgbClr r="0" g="0" b="0"/>
+      </a:fillRef>
+      <a:effectRef idx="0">
+        <a:scrgbClr r="0" g="0" b="0"/>
+      </a:effectRef>
+      <a:fontRef idx="minor">
+        <a:schemeClr val="lt1"/>
+      </a:fontRef>
+    </dgm:style>
+  </dgm:styleLbl>
+  <dgm:styleLbl name="parChTrans2D4">
+    <dgm:scene3d>
+      <a:camera prst="orthographicFront"/>
+      <a:lightRig rig="threePt" dir="t"/>
+    </dgm:scene3d>
+    <dgm:sp3d/>
+    <dgm:txPr/>
+    <dgm:style>
+      <a:lnRef idx="2">
+        <a:scrgbClr r="0" g="0" b="0"/>
+      </a:lnRef>
+      <a:fillRef idx="1">
+        <a:scrgbClr r="0" g="0" b="0"/>
+      </a:fillRef>
+      <a:effectRef idx="0">
+        <a:scrgbClr r="0" g="0" b="0"/>
+      </a:effectRef>
+      <a:fontRef idx="minor">
+        <a:schemeClr val="lt1"/>
+      </a:fontRef>
+    </dgm:style>
+  </dgm:styleLbl>
+  <dgm:styleLbl name="parChTrans1D1">
+    <dgm:scene3d>
+      <a:camera prst="orthographicFront"/>
+      <a:lightRig rig="threePt" dir="t"/>
+    </dgm:scene3d>
+    <dgm:sp3d/>
+    <dgm:txPr/>
+    <dgm:style>
+      <a:lnRef idx="2">
+        <a:scrgbClr r="0" g="0" b="0"/>
+      </a:lnRef>
+      <a:fillRef idx="0">
+        <a:scrgbClr r="0" g="0" b="0"/>
+      </a:fillRef>
+      <a:effectRef idx="0">
+        <a:scrgbClr r="0" g="0" b="0"/>
+      </a:effectRef>
+      <a:fontRef idx="minor"/>
+    </dgm:style>
+  </dgm:styleLbl>
+  <dgm:styleLbl name="parChTrans1D2">
+    <dgm:scene3d>
+      <a:camera prst="orthographicFront"/>
+      <a:lightRig rig="threePt" dir="t"/>
+    </dgm:scene3d>
+    <dgm:sp3d/>
+    <dgm:txPr/>
+    <dgm:style>
+      <a:lnRef idx="2">
+        <a:scrgbClr r="0" g="0" b="0"/>
+      </a:lnRef>
+      <a:fillRef idx="0">
+        <a:scrgbClr r="0" g="0" b="0"/>
+      </a:fillRef>
+      <a:effectRef idx="0">
+        <a:scrgbClr r="0" g="0" b="0"/>
+      </a:effectRef>
+      <a:fontRef idx="minor"/>
+    </dgm:style>
+  </dgm:styleLbl>
+  <dgm:styleLbl name="parChTrans1D3">
+    <dgm:scene3d>
+      <a:camera prst="orthographicFront"/>
+      <a:lightRig rig="threePt" dir="t"/>
+    </dgm:scene3d>
+    <dgm:sp3d/>
+    <dgm:txPr/>
+    <dgm:style>
+      <a:lnRef idx="2">
+        <a:scrgbClr r="0" g="0" b="0"/>
+      </a:lnRef>
+      <a:fillRef idx="0">
+        <a:scrgbClr r="0" g="0" b="0"/>
+      </a:fillRef>
+      <a:effectRef idx="0">
+        <a:scrgbClr r="0" g="0" b="0"/>
+      </a:effectRef>
+      <a:fontRef idx="minor"/>
+    </dgm:style>
+  </dgm:styleLbl>
+  <dgm:styleLbl name="parChTrans1D4">
+    <dgm:scene3d>
+      <a:camera prst="orthographicFront"/>
+      <a:lightRig rig="threePt" dir="t"/>
+    </dgm:scene3d>
+    <dgm:sp3d/>
+    <dgm:txPr/>
+    <dgm:style>
+      <a:lnRef idx="2">
+        <a:scrgbClr r="0" g="0" b="0"/>
+      </a:lnRef>
+      <a:fillRef idx="0">
+        <a:scrgbClr r="0" g="0" b="0"/>
+      </a:fillRef>
+      <a:effectRef idx="0">
+        <a:scrgbClr r="0" g="0" b="0"/>
+      </a:effectRef>
+      <a:fontRef idx="minor"/>
+    </dgm:style>
+  </dgm:styleLbl>
+  <dgm:styleLbl name="fgAcc1">
+    <dgm:scene3d>
+      <a:camera prst="orthographicFront"/>
+      <a:lightRig rig="threePt" dir="t"/>
+    </dgm:scene3d>
+    <dgm:sp3d/>
+    <dgm:txPr/>
+    <dgm:style>
+      <a:lnRef idx="2">
+        <a:scrgbClr r="0" g="0" b="0"/>
+      </a:lnRef>
+      <a:fillRef idx="1">
+        <a:scrgbClr r="0" g="0" b="0"/>
+      </a:fillRef>
+      <a:effectRef idx="0">
+        <a:scrgbClr r="0" g="0" b="0"/>
+      </a:effectRef>
+      <a:fontRef idx="minor"/>
+    </dgm:style>
+  </dgm:styleLbl>
+  <dgm:styleLbl name="conFgAcc1">
+    <dgm:scene3d>
+      <a:camera prst="orthographicFront"/>
+      <a:lightRig rig="threePt" dir="t"/>
+    </dgm:scene3d>
+    <dgm:sp3d/>
+    <dgm:txPr/>
+    <dgm:style>
+      <a:lnRef idx="2">
+        <a:scrgbClr r="0" g="0" b="0"/>
+      </a:lnRef>
+      <a:fillRef idx="1">
+        <a:scrgbClr r="0" g="0" b="0"/>
+      </a:fillRef>
+      <a:effectRef idx="0">
+        <a:scrgbClr r="0" g="0" b="0"/>
+      </a:effectRef>
+      <a:fontRef idx="minor"/>
+    </dgm:style>
+  </dgm:styleLbl>
+  <dgm:styleLbl name="alignAcc1">
+    <dgm:scene3d>
+      <a:camera prst="orthographicFront"/>
+      <a:lightRig rig="threePt" dir="t"/>
+    </dgm:scene3d>
+    <dgm:sp3d/>
+    <dgm:txPr/>
+    <dgm:style>
+      <a:lnRef idx="2">
+        <a:scrgbClr r="0" g="0" b="0"/>
+      </a:lnRef>
+      <a:fillRef idx="1">
+        <a:scrgbClr r="0" g="0" b="0"/>
+      </a:fillRef>
+      <a:effectRef idx="0">
+        <a:scrgbClr r="0" g="0" b="0"/>
+      </a:effectRef>
+      <a:fontRef idx="minor"/>
+    </dgm:style>
+  </dgm:styleLbl>
+  <dgm:styleLbl name="trAlignAcc1">
+    <dgm:scene3d>
+      <a:camera prst="orthographicFront"/>
+      <a:lightRig rig="threePt" dir="t"/>
+    </dgm:scene3d>
+    <dgm:sp3d/>
+    <dgm:txPr/>
+    <dgm:style>
+      <a:lnRef idx="1">
+        <a:scrgbClr r="0" g="0" b="0"/>
+      </a:lnRef>
+      <a:fillRef idx="1">
+        <a:scrgbClr r="0" g="0" b="0"/>
+      </a:fillRef>
+      <a:effectRef idx="0">
+        <a:scrgbClr r="0" g="0" b="0"/>
+      </a:effectRef>
+      <a:fontRef idx="minor"/>
+    </dgm:style>
+  </dgm:styleLbl>
+  <dgm:styleLbl name="bgAcc1">
+    <dgm:scene3d>
+      <a:camera prst="orthographicFront"/>
+      <a:lightRig rig="threePt" dir="t"/>
+    </dgm:scene3d>
+    <dgm:sp3d/>
+    <dgm:txPr/>
+    <dgm:style>
+      <a:lnRef idx="2">
+        <a:scrgbClr r="0" g="0" b="0"/>
+      </a:lnRef>
+      <a:fillRef idx="1">
+        <a:scrgbClr r="0" g="0" b="0"/>
+      </a:fillRef>
+      <a:effectRef idx="0">
+        <a:scrgbClr r="0" g="0" b="0"/>
+      </a:effectRef>
+      <a:fontRef idx="minor"/>
+    </dgm:style>
+  </dgm:styleLbl>
+  <dgm:styleLbl name="solidFgAcc1">
+    <dgm:scene3d>
+      <a:camera prst="orthographicFront"/>
+      <a:lightRig rig="threePt" dir="t"/>
+    </dgm:scene3d>
+    <dgm:sp3d/>
+    <dgm:txPr/>
+    <dgm:style>
+      <a:lnRef idx="2">
+        <a:scrgbClr r="0" g="0" b="0"/>
+      </a:lnRef>
+      <a:fillRef idx="1">
+        <a:scrgbClr r="0" g="0" b="0"/>
+      </a:fillRef>
+      <a:effectRef idx="0">
+        <a:scrgbClr r="0" g="0" b="0"/>
+      </a:effectRef>
+      <a:fontRef idx="minor"/>
+    </dgm:style>
+  </dgm:styleLbl>
+  <dgm:styleLbl name="solidAlignAcc1">
+    <dgm:scene3d>
+      <a:camera prst="orthographicFront"/>
+      <a:lightRig rig="threePt" dir="t"/>
+    </dgm:scene3d>
+    <dgm:sp3d/>
+    <dgm:txPr/>
+    <dgm:style>
+      <a:lnRef idx="2">
+        <a:scrgbClr r="0" g="0" b="0"/>
+      </a:lnRef>
+      <a:fillRef idx="1">
+        <a:scrgbClr r="0" g="0" b="0"/>
+      </a:fillRef>
+      <a:effectRef idx="0">
+        <a:scrgbClr r="0" g="0" b="0"/>
+      </a:effectRef>
+      <a:fontRef idx="minor"/>
+    </dgm:style>
+  </dgm:styleLbl>
+  <dgm:styleLbl name="solidBgAcc1">
+    <dgm:scene3d>
+      <a:camera prst="orthographicFront"/>
+      <a:lightRig rig="threePt" dir="t"/>
+    </dgm:scene3d>
+    <dgm:sp3d/>
+    <dgm:txPr/>
+    <dgm:style>
+      <a:lnRef idx="2">
+        <a:scrgbClr r="0" g="0" b="0"/>
+      </a:lnRef>
+      <a:fillRef idx="1">
+        <a:scrgbClr r="0" g="0" b="0"/>
+      </a:fillRef>
+      <a:effectRef idx="0">
+        <a:scrgbClr r="0" g="0" b="0"/>
+      </a:effectRef>
+      <a:fontRef idx="minor"/>
+    </dgm:style>
+  </dgm:styleLbl>
+  <dgm:styleLbl name="fgAccFollowNode1">
+    <dgm:scene3d>
+      <a:camera prst="orthographicFront"/>
+      <a:lightRig rig="threePt" dir="t"/>
+    </dgm:scene3d>
+    <dgm:sp3d/>
+    <dgm:txPr/>
+    <dgm:style>
+      <a:lnRef idx="2">
+        <a:scrgbClr r="0" g="0" b="0"/>
+      </a:lnRef>
+      <a:fillRef idx="1">
+        <a:scrgbClr r="0" g="0" b="0"/>
+      </a:fillRef>
+      <a:effectRef idx="0">
+        <a:scrgbClr r="0" g="0" b="0"/>
+      </a:effectRef>
+      <a:fontRef idx="minor"/>
+    </dgm:style>
+  </dgm:styleLbl>
+  <dgm:styleLbl name="alignAccFollowNode1">
+    <dgm:scene3d>
+      <a:camera prst="orthographicFront"/>
+      <a:lightRig rig="threePt" dir="t"/>
+    </dgm:scene3d>
+    <dgm:sp3d/>
+    <dgm:txPr/>
+    <dgm:style>
+      <a:lnRef idx="2">
+        <a:scrgbClr r="0" g="0" b="0"/>
+      </a:lnRef>
+      <a:fillRef idx="1">
+        <a:scrgbClr r="0" g="0" b="0"/>
+      </a:fillRef>
+      <a:effectRef idx="0">
+        <a:scrgbClr r="0" g="0" b="0"/>
+      </a:effectRef>
+      <a:fontRef idx="minor"/>
+    </dgm:style>
+  </dgm:styleLbl>
+  <dgm:styleLbl name="bgAccFollowNode1">
+    <dgm:scene3d>
+      <a:camera prst="orthographicFront"/>
+      <a:lightRig rig="threePt" dir="t"/>
+    </dgm:scene3d>
+    <dgm:sp3d/>
+    <dgm:txPr/>
+    <dgm:style>
+      <a:lnRef idx="2">
+        <a:scrgbClr r="0" g="0" b="0"/>
+      </a:lnRef>
+      <a:fillRef idx="1">
+        <a:scrgbClr r="0" g="0" b="0"/>
+      </a:fillRef>
+      <a:effectRef idx="0">
+        <a:scrgbClr r="0" g="0" b="0"/>
+      </a:effectRef>
+      <a:fontRef idx="minor"/>
+    </dgm:style>
+  </dgm:styleLbl>
+  <dgm:styleLbl name="fgAcc0">
+    <dgm:scene3d>
+      <a:camera prst="orthographicFront"/>
+      <a:lightRig rig="threePt" dir="t"/>
+    </dgm:scene3d>
+    <dgm:sp3d/>
+    <dgm:txPr/>
+    <dgm:style>
+      <a:lnRef idx="2">
+        <a:scrgbClr r="0" g="0" b="0"/>
+      </a:lnRef>
+      <a:fillRef idx="1">
+        <a:scrgbClr r="0" g="0" b="0"/>
+      </a:fillRef>
+      <a:effectRef idx="0">
+        <a:scrgbClr r="0" g="0" b="0"/>
+      </a:effectRef>
+      <a:fontRef idx="minor"/>
+    </dgm:style>
+  </dgm:styleLbl>
+  <dgm:styleLbl name="fgAcc2">
+    <dgm:scene3d>
+      <a:camera prst="orthographicFront"/>
+      <a:lightRig rig="threePt" dir="t"/>
+    </dgm:scene3d>
+    <dgm:sp3d/>
+    <dgm:txPr/>
+    <dgm:style>
+      <a:lnRef idx="2">
+        <a:scrgbClr r="0" g="0" b="0"/>
+      </a:lnRef>
+      <a:fillRef idx="1">
+        <a:scrgbClr r="0" g="0" b="0"/>
+      </a:fillRef>
+      <a:effectRef idx="0">
+        <a:scrgbClr r="0" g="0" b="0"/>
+      </a:effectRef>
+      <a:fontRef idx="minor"/>
+    </dgm:style>
+  </dgm:styleLbl>
+  <dgm:styleLbl name="fgAcc3">
+    <dgm:scene3d>
+      <a:camera prst="orthographicFront"/>
+      <a:lightRig rig="threePt" dir="t"/>
+    </dgm:scene3d>
+    <dgm:sp3d/>
+    <dgm:txPr/>
+    <dgm:style>
+      <a:lnRef idx="2">
+        <a:scrgbClr r="0" g="0" b="0"/>
+      </a:lnRef>
+      <a:fillRef idx="1">
+        <a:scrgbClr r="0" g="0" b="0"/>
+      </a:fillRef>
+      <a:effectRef idx="0">
+        <a:scrgbClr r="0" g="0" b="0"/>
+      </a:effectRef>
+      <a:fontRef idx="minor"/>
+    </dgm:style>
+  </dgm:styleLbl>
+  <dgm:styleLbl name="fgAcc4">
+    <dgm:scene3d>
+      <a:camera prst="orthographicFront"/>
+      <a:lightRig rig="threePt" dir="t"/>
+    </dgm:scene3d>
+    <dgm:sp3d/>
+    <dgm:txPr/>
+    <dgm:style>
+      <a:lnRef idx="2">
+        <a:scrgbClr r="0" g="0" b="0"/>
+      </a:lnRef>
+      <a:fillRef idx="1">
+        <a:scrgbClr r="0" g="0" b="0"/>
+      </a:fillRef>
+      <a:effectRef idx="0">
+        <a:scrgbClr r="0" g="0" b="0"/>
+      </a:effectRef>
+      <a:fontRef idx="minor"/>
+    </dgm:style>
+  </dgm:styleLbl>
+  <dgm:styleLbl name="bgShp">
+    <dgm:scene3d>
+      <a:camera prst="orthographicFront"/>
+      <a:lightRig rig="threePt" dir="t"/>
+    </dgm:scene3d>
+    <dgm:sp3d/>
+    <dgm:txPr/>
+    <dgm:style>
+      <a:lnRef idx="0">
+        <a:scrgbClr r="0" g="0" b="0"/>
+      </a:lnRef>
+      <a:fillRef idx="1">
+        <a:scrgbClr r="0" g="0" b="0"/>
+      </a:fillRef>
+      <a:effectRef idx="0">
+        <a:scrgbClr r="0" g="0" b="0"/>
+      </a:effectRef>
+      <a:fontRef idx="minor"/>
+    </dgm:style>
+  </dgm:styleLbl>
+  <dgm:styleLbl name="dkBgShp">
+    <dgm:scene3d>
+      <a:camera prst="orthographicFront"/>
+      <a:lightRig rig="threePt" dir="t"/>
+    </dgm:scene3d>
+    <dgm:sp3d/>
+    <dgm:txPr/>
+    <dgm:style>
+      <a:lnRef idx="0">
+        <a:scrgbClr r="0" g="0" b="0"/>
+      </a:lnRef>
+      <a:fillRef idx="1">
+        <a:scrgbClr r="0" g="0" b="0"/>
+      </a:fillRef>
+      <a:effectRef idx="0">
+        <a:scrgbClr r="0" g="0" b="0"/>
+      </a:effectRef>
+      <a:fontRef idx="minor"/>
+    </dgm:style>
+  </dgm:styleLbl>
+  <dgm:styleLbl name="trBgShp">
+    <dgm:scene3d>
+      <a:camera prst="orthographicFront"/>
+      <a:lightRig rig="threePt" dir="t"/>
+    </dgm:scene3d>
+    <dgm:sp3d/>
+    <dgm:txPr/>
+    <dgm:style>
+      <a:lnRef idx="0">
+        <a:scrgbClr r="0" g="0" b="0"/>
+      </a:lnRef>
+      <a:fillRef idx="1">
+        <a:scrgbClr r="0" g="0" b="0"/>
+      </a:fillRef>
+      <a:effectRef idx="0">
+        <a:scrgbClr r="0" g="0" b="0"/>
+      </a:effectRef>
+      <a:fontRef idx="minor"/>
+    </dgm:style>
+  </dgm:styleLbl>
+  <dgm:styleLbl name="fgShp">
+    <dgm:scene3d>
+      <a:camera prst="orthographicFront"/>
+      <a:lightRig rig="threePt" dir="t"/>
+    </dgm:scene3d>
+    <dgm:sp3d/>
+    <dgm:txPr/>
+    <dgm:style>
+      <a:lnRef idx="2">
+        <a:scrgbClr r="0" g="0" b="0"/>
+      </a:lnRef>
+      <a:fillRef idx="1">
+        <a:scrgbClr r="0" g="0" b="0"/>
+      </a:fillRef>
+      <a:effectRef idx="0">
+        <a:scrgbClr r="0" g="0" b="0"/>
+      </a:effectRef>
+      <a:fontRef idx="minor"/>
+    </dgm:style>
+  </dgm:styleLbl>
+  <dgm:styleLbl name="revTx">
+    <dgm:scene3d>
+      <a:camera prst="orthographicFront"/>
+      <a:lightRig rig="threePt" dir="t"/>
+    </dgm:scene3d>
+    <dgm:sp3d/>
+    <dgm:txPr/>
+    <dgm:style>
+      <a:lnRef idx="0">
+        <a:scrgbClr r="0" g="0" b="0"/>
+      </a:lnRef>
+      <a:fillRef idx="0">
+        <a:scrgbClr r="0" g="0" b="0"/>
+      </a:fillRef>
+      <a:effectRef idx="0">
+        <a:scrgbClr r="0" g="0" b="0"/>
+      </a:effectRef>
+      <a:fontRef idx="minor"/>
+    </dgm:style>
+  </dgm:styleLbl>
+</dgm:styleDef>
+</file>
+
 <file path=ppt/notesMasters/notesMaster1.xml><?xml version="1.0" encoding="utf-8"?>
 <p:notesMaster xmlns:a="http://schemas.openxmlformats.org/drawingml/2006/main" xmlns:r="http://schemas.openxmlformats.org/officeDocument/2006/relationships" xmlns:p="http://schemas.openxmlformats.org/presentationml/2006/main">
   <p:cSld>
@@ -212,7 +4866,7 @@
           <a:p>
             <a:fld id="{082AF0A2-73D9-4858-851E-F8063A45314E}" type="datetimeFigureOut">
               <a:rPr lang="de-DE" smtClean="0"/>
-              <a:t>09.04.2019</a:t>
+              <a:t>10.04.2019</a:t>
             </a:fld>
             <a:endParaRPr lang="de-DE"/>
           </a:p>
@@ -688,7 +5342,7 @@
           <a:p>
             <a:fld id="{3F29246C-16D7-4C3E-9D9F-DF7E50C352C7}" type="slidenum">
               <a:rPr lang="de-DE" smtClean="0"/>
-              <a:t>13</a:t>
+              <a:t>11</a:t>
             </a:fld>
             <a:endParaRPr lang="de-DE"/>
           </a:p>
@@ -814,7 +5468,7 @@
           <a:p>
             <a:fld id="{3F29246C-16D7-4C3E-9D9F-DF7E50C352C7}" type="slidenum">
               <a:rPr lang="de-DE" smtClean="0"/>
-              <a:t>14</a:t>
+              <a:t>12</a:t>
             </a:fld>
             <a:endParaRPr lang="de-DE"/>
           </a:p>
@@ -901,7 +5555,7 @@
           <a:p>
             <a:fld id="{3F29246C-16D7-4C3E-9D9F-DF7E50C352C7}" type="slidenum">
               <a:rPr lang="de-DE" smtClean="0"/>
-              <a:t>15</a:t>
+              <a:t>13</a:t>
             </a:fld>
             <a:endParaRPr lang="de-DE"/>
           </a:p>
@@ -988,7 +5642,7 @@
           <a:p>
             <a:fld id="{3F29246C-16D7-4C3E-9D9F-DF7E50C352C7}" type="slidenum">
               <a:rPr lang="de-DE" smtClean="0"/>
-              <a:t>16</a:t>
+              <a:t>14</a:t>
             </a:fld>
             <a:endParaRPr lang="de-DE"/>
           </a:p>
@@ -1385,7 +6039,7 @@
           <a:p>
             <a:fld id="{3F29246C-16D7-4C3E-9D9F-DF7E50C352C7}" type="slidenum">
               <a:rPr lang="de-DE" smtClean="0"/>
-              <a:t>8</a:t>
+              <a:t>6</a:t>
             </a:fld>
             <a:endParaRPr lang="de-DE"/>
           </a:p>
@@ -1567,7 +6221,7 @@
           <a:p>
             <a:fld id="{3F29246C-16D7-4C3E-9D9F-DF7E50C352C7}" type="slidenum">
               <a:rPr lang="de-DE" smtClean="0"/>
-              <a:t>9</a:t>
+              <a:t>7</a:t>
             </a:fld>
             <a:endParaRPr lang="de-DE"/>
           </a:p>
@@ -1686,7 +6340,7 @@
           <a:p>
             <a:fld id="{3F29246C-16D7-4C3E-9D9F-DF7E50C352C7}" type="slidenum">
               <a:rPr lang="de-DE" smtClean="0"/>
-              <a:t>10</a:t>
+              <a:t>8</a:t>
             </a:fld>
             <a:endParaRPr lang="de-DE"/>
           </a:p>
@@ -1829,7 +6483,7 @@
           <a:p>
             <a:fld id="{3F29246C-16D7-4C3E-9D9F-DF7E50C352C7}" type="slidenum">
               <a:rPr lang="de-DE" smtClean="0"/>
-              <a:t>11</a:t>
+              <a:t>9</a:t>
             </a:fld>
             <a:endParaRPr lang="de-DE"/>
           </a:p>
@@ -1933,7 +6587,7 @@
           <a:p>
             <a:fld id="{3F29246C-16D7-4C3E-9D9F-DF7E50C352C7}" type="slidenum">
               <a:rPr lang="de-DE" smtClean="0"/>
-              <a:t>12</a:t>
+              <a:t>10</a:t>
             </a:fld>
             <a:endParaRPr lang="de-DE"/>
           </a:p>
@@ -5890,448 +10544,6 @@
           <a:lstStyle/>
           <a:p>
             <a:r>
-              <a:rPr lang="de-CH" dirty="0">
-                <a:latin typeface="Arial" panose="020B0604020202020204" pitchFamily="34" charset="0"/>
-                <a:cs typeface="Arial" panose="020B0604020202020204" pitchFamily="34" charset="0"/>
-              </a:rPr>
-              <a:t>Mathematische Anforderungen</a:t>
-            </a:r>
-          </a:p>
-        </p:txBody>
-      </p:sp>
-      <p:sp>
-        <p:nvSpPr>
-          <p:cNvPr id="3" name="Inhaltsplatzhalter 2">
-            <a:extLst>
-              <a:ext uri="{FF2B5EF4-FFF2-40B4-BE49-F238E27FC236}">
-                <a16:creationId xmlns:a16="http://schemas.microsoft.com/office/drawing/2014/main" id="{087CF7F0-1F3E-4360-83C5-C43A47374AC5}"/>
-              </a:ext>
-            </a:extLst>
-          </p:cNvPr>
-          <p:cNvSpPr>
-            <a:spLocks noGrp="1"/>
-          </p:cNvSpPr>
-          <p:nvPr>
-            <p:ph idx="1"/>
-          </p:nvPr>
-        </p:nvSpPr>
-        <p:spPr/>
-        <p:txBody>
-          <a:bodyPr/>
-          <a:lstStyle/>
-          <a:p>
-            <a:r>
-              <a:rPr lang="de-CH" dirty="0"/>
-              <a:t>Mit Streuparameter S21 CM/DM äquivalente Schaltungen berechnen</a:t>
-            </a:r>
-          </a:p>
-          <a:p>
-            <a:r>
-              <a:rPr lang="de-CH" dirty="0"/>
-              <a:t>Berechnungen (Model) erweiterbar programmieren</a:t>
-            </a:r>
-          </a:p>
-          <a:p>
-            <a:r>
-              <a:rPr lang="de-CH" dirty="0"/>
-              <a:t>Berechnungen in Threads ausführen um «Lags» zu verhindern</a:t>
-            </a:r>
-          </a:p>
-          <a:p>
-            <a:pPr marL="0" indent="0">
-              <a:spcAft>
-                <a:spcPts val="600"/>
-              </a:spcAft>
-              <a:buClr>
-                <a:srgbClr val="007CAA"/>
-              </a:buClr>
-              <a:buSzPct val="100000"/>
-              <a:buNone/>
-            </a:pPr>
-            <a:endParaRPr lang="de-CH" dirty="0"/>
-          </a:p>
-          <a:p>
-            <a:pPr marL="0" indent="0">
-              <a:buNone/>
-            </a:pPr>
-            <a:endParaRPr lang="de-CH" dirty="0"/>
-          </a:p>
-        </p:txBody>
-      </p:sp>
-      <p:sp>
-        <p:nvSpPr>
-          <p:cNvPr id="4" name="Datumsplatzhalter 3">
-            <a:extLst>
-              <a:ext uri="{FF2B5EF4-FFF2-40B4-BE49-F238E27FC236}">
-                <a16:creationId xmlns:a16="http://schemas.microsoft.com/office/drawing/2014/main" id="{B44C65DC-0B7F-4804-A5DF-1C2F9AB84B15}"/>
-              </a:ext>
-            </a:extLst>
-          </p:cNvPr>
-          <p:cNvSpPr>
-            <a:spLocks noGrp="1"/>
-          </p:cNvSpPr>
-          <p:nvPr>
-            <p:ph type="dt" sz="half" idx="10"/>
-          </p:nvPr>
-        </p:nvSpPr>
-        <p:spPr/>
-        <p:txBody>
-          <a:bodyPr/>
-          <a:lstStyle/>
-          <a:p>
-            <a:r>
-              <a:rPr lang="de-CH"/>
-              <a:t>11.04.2019</a:t>
-            </a:r>
-          </a:p>
-        </p:txBody>
-      </p:sp>
-      <p:sp>
-        <p:nvSpPr>
-          <p:cNvPr id="5" name="Fußzeilenplatzhalter 4">
-            <a:extLst>
-              <a:ext uri="{FF2B5EF4-FFF2-40B4-BE49-F238E27FC236}">
-                <a16:creationId xmlns:a16="http://schemas.microsoft.com/office/drawing/2014/main" id="{82869943-9A05-4640-9475-7A53E84C3507}"/>
-              </a:ext>
-            </a:extLst>
-          </p:cNvPr>
-          <p:cNvSpPr>
-            <a:spLocks noGrp="1"/>
-          </p:cNvSpPr>
-          <p:nvPr>
-            <p:ph type="ftr" sz="quarter" idx="11"/>
-          </p:nvPr>
-        </p:nvSpPr>
-        <p:spPr/>
-        <p:txBody>
-          <a:bodyPr/>
-          <a:lstStyle/>
-          <a:p>
-            <a:r>
-              <a:rPr lang="de-CH"/>
-              <a:t>Gruppe 1</a:t>
-            </a:r>
-          </a:p>
-        </p:txBody>
-      </p:sp>
-      <p:sp>
-        <p:nvSpPr>
-          <p:cNvPr id="6" name="Foliennummernplatzhalter 5">
-            <a:extLst>
-              <a:ext uri="{FF2B5EF4-FFF2-40B4-BE49-F238E27FC236}">
-                <a16:creationId xmlns:a16="http://schemas.microsoft.com/office/drawing/2014/main" id="{FAEF8CB2-A81F-4F40-B2C9-163B7D7473BB}"/>
-              </a:ext>
-            </a:extLst>
-          </p:cNvPr>
-          <p:cNvSpPr>
-            <a:spLocks noGrp="1"/>
-          </p:cNvSpPr>
-          <p:nvPr>
-            <p:ph type="sldNum" sz="quarter" idx="12"/>
-          </p:nvPr>
-        </p:nvSpPr>
-        <p:spPr/>
-        <p:txBody>
-          <a:bodyPr/>
-          <a:lstStyle/>
-          <a:p>
-            <a:fld id="{67DE59EB-AC61-4D10-8801-60733011B4E4}" type="slidenum">
-              <a:rPr lang="de-CH" smtClean="0"/>
-              <a:t>10</a:t>
-            </a:fld>
-            <a:endParaRPr lang="de-CH"/>
-          </a:p>
-        </p:txBody>
-      </p:sp>
-    </p:spTree>
-    <p:extLst>
-      <p:ext uri="{BB962C8B-B14F-4D97-AF65-F5344CB8AC3E}">
-        <p14:creationId xmlns:p14="http://schemas.microsoft.com/office/powerpoint/2010/main" val="2546100067"/>
-      </p:ext>
-    </p:extLst>
-  </p:cSld>
-  <p:clrMapOvr>
-    <a:masterClrMapping/>
-  </p:clrMapOvr>
-</p:sld>
-</file>
-
-<file path=ppt/slides/slide11.xml><?xml version="1.0" encoding="utf-8"?>
-<p:sld xmlns:a="http://schemas.openxmlformats.org/drawingml/2006/main" xmlns:r="http://schemas.openxmlformats.org/officeDocument/2006/relationships" xmlns:p="http://schemas.openxmlformats.org/presentationml/2006/main">
-  <p:cSld>
-    <p:spTree>
-      <p:nvGrpSpPr>
-        <p:cNvPr id="1" name=""/>
-        <p:cNvGrpSpPr/>
-        <p:nvPr/>
-      </p:nvGrpSpPr>
-      <p:grpSpPr>
-        <a:xfrm>
-          <a:off x="0" y="0"/>
-          <a:ext cx="0" cy="0"/>
-          <a:chOff x="0" y="0"/>
-          <a:chExt cx="0" cy="0"/>
-        </a:xfrm>
-      </p:grpSpPr>
-      <p:sp>
-        <p:nvSpPr>
-          <p:cNvPr id="2" name="Titel 1">
-            <a:extLst>
-              <a:ext uri="{FF2B5EF4-FFF2-40B4-BE49-F238E27FC236}">
-                <a16:creationId xmlns:a16="http://schemas.microsoft.com/office/drawing/2014/main" id="{0E077631-1EC1-4878-9FED-CB023DD13DE4}"/>
-              </a:ext>
-            </a:extLst>
-          </p:cNvPr>
-          <p:cNvSpPr>
-            <a:spLocks noGrp="1"/>
-          </p:cNvSpPr>
-          <p:nvPr>
-            <p:ph type="title"/>
-          </p:nvPr>
-        </p:nvSpPr>
-        <p:spPr>
-          <a:xfrm>
-            <a:off x="838200" y="294005"/>
-            <a:ext cx="10515600" cy="1325563"/>
-          </a:xfrm>
-        </p:spPr>
-        <p:txBody>
-          <a:bodyPr>
-            <a:noAutofit/>
-          </a:bodyPr>
-          <a:lstStyle/>
-          <a:p>
-            <a:r>
-              <a:rPr lang="de-CH" dirty="0">
-                <a:latin typeface="Arial" panose="020B0604020202020204" pitchFamily="34" charset="0"/>
-                <a:cs typeface="Arial" panose="020B0604020202020204" pitchFamily="34" charset="0"/>
-              </a:rPr>
-              <a:t>Parametereingabe</a:t>
-            </a:r>
-          </a:p>
-        </p:txBody>
-      </p:sp>
-      <p:sp>
-        <p:nvSpPr>
-          <p:cNvPr id="3" name="Inhaltsplatzhalter 2">
-            <a:extLst>
-              <a:ext uri="{FF2B5EF4-FFF2-40B4-BE49-F238E27FC236}">
-                <a16:creationId xmlns:a16="http://schemas.microsoft.com/office/drawing/2014/main" id="{087CF7F0-1F3E-4360-83C5-C43A47374AC5}"/>
-              </a:ext>
-            </a:extLst>
-          </p:cNvPr>
-          <p:cNvSpPr>
-            <a:spLocks noGrp="1"/>
-          </p:cNvSpPr>
-          <p:nvPr>
-            <p:ph idx="1"/>
-          </p:nvPr>
-        </p:nvSpPr>
-        <p:spPr/>
-        <p:txBody>
-          <a:bodyPr/>
-          <a:lstStyle/>
-          <a:p>
-            <a:pPr marL="0" indent="0">
-              <a:spcAft>
-                <a:spcPts val="600"/>
-              </a:spcAft>
-              <a:buClr>
-                <a:srgbClr val="007CAA"/>
-              </a:buClr>
-              <a:buSzPct val="100000"/>
-              <a:buNone/>
-            </a:pPr>
-            <a:endParaRPr lang="de-CH" dirty="0"/>
-          </a:p>
-          <a:p>
-            <a:pPr marL="0" indent="0">
-              <a:buNone/>
-            </a:pPr>
-            <a:endParaRPr lang="de-CH" dirty="0"/>
-          </a:p>
-        </p:txBody>
-      </p:sp>
-      <p:pic>
-        <p:nvPicPr>
-          <p:cNvPr id="5" name="Grafik 4">
-            <a:extLst>
-              <a:ext uri="{FF2B5EF4-FFF2-40B4-BE49-F238E27FC236}">
-                <a16:creationId xmlns:a16="http://schemas.microsoft.com/office/drawing/2014/main" id="{3CA4D3E8-BC23-451D-85B5-64290764413C}"/>
-              </a:ext>
-            </a:extLst>
-          </p:cNvPr>
-          <p:cNvPicPr>
-            <a:picLocks noChangeAspect="1"/>
-          </p:cNvPicPr>
-          <p:nvPr/>
-        </p:nvPicPr>
-        <p:blipFill>
-          <a:blip r:embed="rId3">
-            <a:extLst>
-              <a:ext uri="{28A0092B-C50C-407E-A947-70E740481C1C}">
-                <a14:useLocalDpi xmlns:a14="http://schemas.microsoft.com/office/drawing/2010/main" val="0"/>
-              </a:ext>
-            </a:extLst>
-          </a:blip>
-          <a:stretch>
-            <a:fillRect/>
-          </a:stretch>
-        </p:blipFill>
-        <p:spPr>
-          <a:xfrm>
-            <a:off x="2231183" y="2181572"/>
-            <a:ext cx="7729634" cy="3634768"/>
-          </a:xfrm>
-          <a:prstGeom prst="rect">
-            <a:avLst/>
-          </a:prstGeom>
-        </p:spPr>
-      </p:pic>
-      <p:sp>
-        <p:nvSpPr>
-          <p:cNvPr id="4" name="Datumsplatzhalter 3">
-            <a:extLst>
-              <a:ext uri="{FF2B5EF4-FFF2-40B4-BE49-F238E27FC236}">
-                <a16:creationId xmlns:a16="http://schemas.microsoft.com/office/drawing/2014/main" id="{D9CB5B6E-8221-4F04-9C14-345EE107D095}"/>
-              </a:ext>
-            </a:extLst>
-          </p:cNvPr>
-          <p:cNvSpPr>
-            <a:spLocks noGrp="1"/>
-          </p:cNvSpPr>
-          <p:nvPr>
-            <p:ph type="dt" sz="half" idx="10"/>
-          </p:nvPr>
-        </p:nvSpPr>
-        <p:spPr/>
-        <p:txBody>
-          <a:bodyPr/>
-          <a:lstStyle/>
-          <a:p>
-            <a:r>
-              <a:rPr lang="de-CH"/>
-              <a:t>11.04.2019</a:t>
-            </a:r>
-          </a:p>
-        </p:txBody>
-      </p:sp>
-      <p:sp>
-        <p:nvSpPr>
-          <p:cNvPr id="6" name="Fußzeilenplatzhalter 5">
-            <a:extLst>
-              <a:ext uri="{FF2B5EF4-FFF2-40B4-BE49-F238E27FC236}">
-                <a16:creationId xmlns:a16="http://schemas.microsoft.com/office/drawing/2014/main" id="{C64BA861-A233-4070-BF97-DBD6F06EC420}"/>
-              </a:ext>
-            </a:extLst>
-          </p:cNvPr>
-          <p:cNvSpPr>
-            <a:spLocks noGrp="1"/>
-          </p:cNvSpPr>
-          <p:nvPr>
-            <p:ph type="ftr" sz="quarter" idx="11"/>
-          </p:nvPr>
-        </p:nvSpPr>
-        <p:spPr/>
-        <p:txBody>
-          <a:bodyPr/>
-          <a:lstStyle/>
-          <a:p>
-            <a:r>
-              <a:rPr lang="de-CH"/>
-              <a:t>Gruppe 1</a:t>
-            </a:r>
-          </a:p>
-        </p:txBody>
-      </p:sp>
-      <p:sp>
-        <p:nvSpPr>
-          <p:cNvPr id="7" name="Foliennummernplatzhalter 6">
-            <a:extLst>
-              <a:ext uri="{FF2B5EF4-FFF2-40B4-BE49-F238E27FC236}">
-                <a16:creationId xmlns:a16="http://schemas.microsoft.com/office/drawing/2014/main" id="{D205FD8F-2B03-4C16-AE7E-FB05718F245F}"/>
-              </a:ext>
-            </a:extLst>
-          </p:cNvPr>
-          <p:cNvSpPr>
-            <a:spLocks noGrp="1"/>
-          </p:cNvSpPr>
-          <p:nvPr>
-            <p:ph type="sldNum" sz="quarter" idx="12"/>
-          </p:nvPr>
-        </p:nvSpPr>
-        <p:spPr/>
-        <p:txBody>
-          <a:bodyPr/>
-          <a:lstStyle/>
-          <a:p>
-            <a:fld id="{67DE59EB-AC61-4D10-8801-60733011B4E4}" type="slidenum">
-              <a:rPr lang="de-CH" smtClean="0"/>
-              <a:t>11</a:t>
-            </a:fld>
-            <a:endParaRPr lang="de-CH"/>
-          </a:p>
-        </p:txBody>
-      </p:sp>
-    </p:spTree>
-    <p:extLst>
-      <p:ext uri="{BB962C8B-B14F-4D97-AF65-F5344CB8AC3E}">
-        <p14:creationId xmlns:p14="http://schemas.microsoft.com/office/powerpoint/2010/main" val="126549446"/>
-      </p:ext>
-    </p:extLst>
-  </p:cSld>
-  <p:clrMapOvr>
-    <a:masterClrMapping/>
-  </p:clrMapOvr>
-</p:sld>
-</file>
-
-<file path=ppt/slides/slide12.xml><?xml version="1.0" encoding="utf-8"?>
-<p:sld xmlns:a="http://schemas.openxmlformats.org/drawingml/2006/main" xmlns:r="http://schemas.openxmlformats.org/officeDocument/2006/relationships" xmlns:p="http://schemas.openxmlformats.org/presentationml/2006/main">
-  <p:cSld>
-    <p:spTree>
-      <p:nvGrpSpPr>
-        <p:cNvPr id="1" name=""/>
-        <p:cNvGrpSpPr/>
-        <p:nvPr/>
-      </p:nvGrpSpPr>
-      <p:grpSpPr>
-        <a:xfrm>
-          <a:off x="0" y="0"/>
-          <a:ext cx="0" cy="0"/>
-          <a:chOff x="0" y="0"/>
-          <a:chExt cx="0" cy="0"/>
-        </a:xfrm>
-      </p:grpSpPr>
-      <p:sp>
-        <p:nvSpPr>
-          <p:cNvPr id="2" name="Titel 1">
-            <a:extLst>
-              <a:ext uri="{FF2B5EF4-FFF2-40B4-BE49-F238E27FC236}">
-                <a16:creationId xmlns:a16="http://schemas.microsoft.com/office/drawing/2014/main" id="{0E077631-1EC1-4878-9FED-CB023DD13DE4}"/>
-              </a:ext>
-            </a:extLst>
-          </p:cNvPr>
-          <p:cNvSpPr>
-            <a:spLocks noGrp="1"/>
-          </p:cNvSpPr>
-          <p:nvPr>
-            <p:ph type="title"/>
-          </p:nvPr>
-        </p:nvSpPr>
-        <p:spPr>
-          <a:xfrm>
-            <a:off x="838200" y="294005"/>
-            <a:ext cx="10515600" cy="1325563"/>
-          </a:xfrm>
-        </p:spPr>
-        <p:txBody>
-          <a:bodyPr>
-            <a:noAutofit/>
-          </a:bodyPr>
-          <a:lstStyle/>
-          <a:p>
-            <a:r>
               <a:rPr lang="de-CH" dirty="0" err="1">
                 <a:latin typeface="Arial" panose="020B0604020202020204" pitchFamily="34" charset="0"/>
                 <a:cs typeface="Arial" panose="020B0604020202020204" pitchFamily="34" charset="0"/>
@@ -6539,7 +10751,7 @@
           <a:p>
             <a:fld id="{67DE59EB-AC61-4D10-8801-60733011B4E4}" type="slidenum">
               <a:rPr lang="de-CH" smtClean="0"/>
-              <a:t>12</a:t>
+              <a:t>10</a:t>
             </a:fld>
             <a:endParaRPr lang="de-CH"/>
           </a:p>
@@ -6558,7 +10770,7 @@
 </p:sld>
 </file>
 
-<file path=ppt/slides/slide13.xml><?xml version="1.0" encoding="utf-8"?>
+<file path=ppt/slides/slide11.xml><?xml version="1.0" encoding="utf-8"?>
 <p:sld xmlns:a="http://schemas.openxmlformats.org/drawingml/2006/main" xmlns:r="http://schemas.openxmlformats.org/officeDocument/2006/relationships" xmlns:p="http://schemas.openxmlformats.org/presentationml/2006/main">
   <p:cSld>
     <p:spTree>
@@ -6769,7 +10981,7 @@
           <a:p>
             <a:fld id="{67DE59EB-AC61-4D10-8801-60733011B4E4}" type="slidenum">
               <a:rPr lang="de-CH" smtClean="0"/>
-              <a:t>13</a:t>
+              <a:t>11</a:t>
             </a:fld>
             <a:endParaRPr lang="de-CH"/>
           </a:p>
@@ -6825,7 +11037,7 @@
 </p:sld>
 </file>
 
-<file path=ppt/slides/slide14.xml><?xml version="1.0" encoding="utf-8"?>
+<file path=ppt/slides/slide12.xml><?xml version="1.0" encoding="utf-8"?>
 <p:sld xmlns:a="http://schemas.openxmlformats.org/drawingml/2006/main" xmlns:r="http://schemas.openxmlformats.org/officeDocument/2006/relationships" xmlns:p="http://schemas.openxmlformats.org/presentationml/2006/main">
   <p:cSld>
     <p:spTree>
@@ -7036,7 +11248,7 @@
           <a:p>
             <a:fld id="{67DE59EB-AC61-4D10-8801-60733011B4E4}" type="slidenum">
               <a:rPr lang="de-CH" smtClean="0"/>
-              <a:t>14</a:t>
+              <a:t>12</a:t>
             </a:fld>
             <a:endParaRPr lang="de-CH"/>
           </a:p>
@@ -7055,7 +11267,7 @@
 </p:sld>
 </file>
 
-<file path=ppt/slides/slide15.xml><?xml version="1.0" encoding="utf-8"?>
+<file path=ppt/slides/slide13.xml><?xml version="1.0" encoding="utf-8"?>
 <p:sld xmlns:a="http://schemas.openxmlformats.org/drawingml/2006/main" xmlns:r="http://schemas.openxmlformats.org/officeDocument/2006/relationships" xmlns:p="http://schemas.openxmlformats.org/presentationml/2006/main">
   <p:cSld>
     <p:spTree>
@@ -7230,12 +11442,40 @@
           <a:p>
             <a:fld id="{67DE59EB-AC61-4D10-8801-60733011B4E4}" type="slidenum">
               <a:rPr lang="de-CH" smtClean="0"/>
-              <a:t>15</a:t>
+              <a:t>13</a:t>
             </a:fld>
             <a:endParaRPr lang="de-CH"/>
           </a:p>
         </p:txBody>
       </p:sp>
+      <p:graphicFrame>
+        <p:nvGraphicFramePr>
+          <p:cNvPr id="13" name="Diagramm 12">
+            <a:extLst>
+              <a:ext uri="{FF2B5EF4-FFF2-40B4-BE49-F238E27FC236}">
+                <a16:creationId xmlns:a16="http://schemas.microsoft.com/office/drawing/2014/main" id="{D2342EB1-599E-47B7-A70F-8CABC8FF5D66}"/>
+              </a:ext>
+            </a:extLst>
+          </p:cNvPr>
+          <p:cNvGraphicFramePr/>
+          <p:nvPr>
+            <p:extLst>
+              <p:ext uri="{D42A27DB-BD31-4B8C-83A1-F6EECF244321}">
+                <p14:modId xmlns:p14="http://schemas.microsoft.com/office/powerpoint/2010/main" val="776719675"/>
+              </p:ext>
+            </p:extLst>
+          </p:nvPr>
+        </p:nvGraphicFramePr>
+        <p:xfrm>
+          <a:off x="2903779" y="1662403"/>
+          <a:ext cx="6807780" cy="4633294"/>
+        </p:xfrm>
+        <a:graphic>
+          <a:graphicData uri="http://schemas.openxmlformats.org/drawingml/2006/diagram">
+            <dgm:relIds xmlns:dgm="http://schemas.openxmlformats.org/drawingml/2006/diagram" xmlns:r="http://schemas.openxmlformats.org/officeDocument/2006/relationships" r:dm="rId3" r:lo="rId4" r:qs="rId5" r:cs="rId6"/>
+          </a:graphicData>
+        </a:graphic>
+      </p:graphicFrame>
     </p:spTree>
     <p:extLst>
       <p:ext uri="{BB962C8B-B14F-4D97-AF65-F5344CB8AC3E}">
@@ -7246,10 +11486,1017 @@
   <p:clrMapOvr>
     <a:masterClrMapping/>
   </p:clrMapOvr>
+  <p:timing>
+    <p:tnLst>
+      <p:par>
+        <p:cTn id="1" dur="indefinite" restart="never" nodeType="tmRoot">
+          <p:childTnLst>
+            <p:seq concurrent="1" nextAc="seek">
+              <p:cTn id="2" dur="indefinite" nodeType="mainSeq">
+                <p:childTnLst>
+                  <p:par>
+                    <p:cTn id="3" fill="hold">
+                      <p:stCondLst>
+                        <p:cond delay="indefinite"/>
+                      </p:stCondLst>
+                      <p:childTnLst>
+                        <p:par>
+                          <p:cTn id="4" fill="hold">
+                            <p:stCondLst>
+                              <p:cond delay="0"/>
+                            </p:stCondLst>
+                            <p:childTnLst>
+                              <p:par>
+                                <p:cTn id="5" presetID="1" presetClass="entr" presetSubtype="0" fill="hold" grpId="0" nodeType="clickEffect">
+                                  <p:stCondLst>
+                                    <p:cond delay="0"/>
+                                  </p:stCondLst>
+                                  <p:childTnLst>
+                                    <p:set>
+                                      <p:cBhvr>
+                                        <p:cTn id="6" dur="1" fill="hold">
+                                          <p:stCondLst>
+                                            <p:cond delay="0"/>
+                                          </p:stCondLst>
+                                        </p:cTn>
+                                        <p:tgtEl>
+                                          <p:spTgt spid="13">
+                                            <p:graphicEl>
+                                              <a:dgm id="{5B38B174-1E93-44A9-85CC-AA96A7032567}"/>
+                                            </p:graphicEl>
+                                          </p:spTgt>
+                                        </p:tgtEl>
+                                        <p:attrNameLst>
+                                          <p:attrName>style.visibility</p:attrName>
+                                        </p:attrNameLst>
+                                      </p:cBhvr>
+                                      <p:to>
+                                        <p:strVal val="visible"/>
+                                      </p:to>
+                                    </p:set>
+                                  </p:childTnLst>
+                                </p:cTn>
+                              </p:par>
+                              <p:par>
+                                <p:cTn id="7" presetID="1" presetClass="entr" presetSubtype="0" fill="hold" grpId="0" nodeType="withEffect">
+                                  <p:stCondLst>
+                                    <p:cond delay="0"/>
+                                  </p:stCondLst>
+                                  <p:childTnLst>
+                                    <p:set>
+                                      <p:cBhvr>
+                                        <p:cTn id="8" dur="1" fill="hold">
+                                          <p:stCondLst>
+                                            <p:cond delay="0"/>
+                                          </p:stCondLst>
+                                        </p:cTn>
+                                        <p:tgtEl>
+                                          <p:spTgt spid="13">
+                                            <p:graphicEl>
+                                              <a:dgm id="{083F8748-2809-4D80-91B7-A2E3DABCCF19}"/>
+                                            </p:graphicEl>
+                                          </p:spTgt>
+                                        </p:tgtEl>
+                                        <p:attrNameLst>
+                                          <p:attrName>style.visibility</p:attrName>
+                                        </p:attrNameLst>
+                                      </p:cBhvr>
+                                      <p:to>
+                                        <p:strVal val="visible"/>
+                                      </p:to>
+                                    </p:set>
+                                  </p:childTnLst>
+                                </p:cTn>
+                              </p:par>
+                            </p:childTnLst>
+                          </p:cTn>
+                        </p:par>
+                      </p:childTnLst>
+                    </p:cTn>
+                  </p:par>
+                  <p:par>
+                    <p:cTn id="9" fill="hold">
+                      <p:stCondLst>
+                        <p:cond delay="indefinite"/>
+                      </p:stCondLst>
+                      <p:childTnLst>
+                        <p:par>
+                          <p:cTn id="10" fill="hold">
+                            <p:stCondLst>
+                              <p:cond delay="0"/>
+                            </p:stCondLst>
+                            <p:childTnLst>
+                              <p:par>
+                                <p:cTn id="11" presetID="1" presetClass="entr" presetSubtype="0" fill="hold" grpId="0" nodeType="clickEffect">
+                                  <p:stCondLst>
+                                    <p:cond delay="0"/>
+                                  </p:stCondLst>
+                                  <p:childTnLst>
+                                    <p:set>
+                                      <p:cBhvr>
+                                        <p:cTn id="12" dur="1" fill="hold">
+                                          <p:stCondLst>
+                                            <p:cond delay="0"/>
+                                          </p:stCondLst>
+                                        </p:cTn>
+                                        <p:tgtEl>
+                                          <p:spTgt spid="13">
+                                            <p:graphicEl>
+                                              <a:dgm id="{4343F972-F5E5-4C72-BD74-31A64EE82089}"/>
+                                            </p:graphicEl>
+                                          </p:spTgt>
+                                        </p:tgtEl>
+                                        <p:attrNameLst>
+                                          <p:attrName>style.visibility</p:attrName>
+                                        </p:attrNameLst>
+                                      </p:cBhvr>
+                                      <p:to>
+                                        <p:strVal val="visible"/>
+                                      </p:to>
+                                    </p:set>
+                                  </p:childTnLst>
+                                </p:cTn>
+                              </p:par>
+                              <p:par>
+                                <p:cTn id="13" presetID="1" presetClass="entr" presetSubtype="0" fill="hold" grpId="0" nodeType="withEffect">
+                                  <p:stCondLst>
+                                    <p:cond delay="0"/>
+                                  </p:stCondLst>
+                                  <p:childTnLst>
+                                    <p:set>
+                                      <p:cBhvr>
+                                        <p:cTn id="14" dur="1" fill="hold">
+                                          <p:stCondLst>
+                                            <p:cond delay="0"/>
+                                          </p:stCondLst>
+                                        </p:cTn>
+                                        <p:tgtEl>
+                                          <p:spTgt spid="13">
+                                            <p:graphicEl>
+                                              <a:dgm id="{CE02E26B-995A-4E62-8797-8DC290D32A1A}"/>
+                                            </p:graphicEl>
+                                          </p:spTgt>
+                                        </p:tgtEl>
+                                        <p:attrNameLst>
+                                          <p:attrName>style.visibility</p:attrName>
+                                        </p:attrNameLst>
+                                      </p:cBhvr>
+                                      <p:to>
+                                        <p:strVal val="visible"/>
+                                      </p:to>
+                                    </p:set>
+                                  </p:childTnLst>
+                                </p:cTn>
+                              </p:par>
+                            </p:childTnLst>
+                          </p:cTn>
+                        </p:par>
+                      </p:childTnLst>
+                    </p:cTn>
+                  </p:par>
+                  <p:par>
+                    <p:cTn id="15" fill="hold">
+                      <p:stCondLst>
+                        <p:cond delay="indefinite"/>
+                      </p:stCondLst>
+                      <p:childTnLst>
+                        <p:par>
+                          <p:cTn id="16" fill="hold">
+                            <p:stCondLst>
+                              <p:cond delay="0"/>
+                            </p:stCondLst>
+                            <p:childTnLst>
+                              <p:par>
+                                <p:cTn id="17" presetID="1" presetClass="entr" presetSubtype="0" fill="hold" grpId="0" nodeType="clickEffect">
+                                  <p:stCondLst>
+                                    <p:cond delay="0"/>
+                                  </p:stCondLst>
+                                  <p:childTnLst>
+                                    <p:set>
+                                      <p:cBhvr>
+                                        <p:cTn id="18" dur="1" fill="hold">
+                                          <p:stCondLst>
+                                            <p:cond delay="0"/>
+                                          </p:stCondLst>
+                                        </p:cTn>
+                                        <p:tgtEl>
+                                          <p:spTgt spid="13">
+                                            <p:graphicEl>
+                                              <a:dgm id="{0588B600-3167-4F2D-814C-8A55E868B879}"/>
+                                            </p:graphicEl>
+                                          </p:spTgt>
+                                        </p:tgtEl>
+                                        <p:attrNameLst>
+                                          <p:attrName>style.visibility</p:attrName>
+                                        </p:attrNameLst>
+                                      </p:cBhvr>
+                                      <p:to>
+                                        <p:strVal val="visible"/>
+                                      </p:to>
+                                    </p:set>
+                                  </p:childTnLst>
+                                </p:cTn>
+                              </p:par>
+                              <p:par>
+                                <p:cTn id="19" presetID="1" presetClass="entr" presetSubtype="0" fill="hold" grpId="0" nodeType="withEffect">
+                                  <p:stCondLst>
+                                    <p:cond delay="0"/>
+                                  </p:stCondLst>
+                                  <p:childTnLst>
+                                    <p:set>
+                                      <p:cBhvr>
+                                        <p:cTn id="20" dur="1" fill="hold">
+                                          <p:stCondLst>
+                                            <p:cond delay="0"/>
+                                          </p:stCondLst>
+                                        </p:cTn>
+                                        <p:tgtEl>
+                                          <p:spTgt spid="13">
+                                            <p:graphicEl>
+                                              <a:dgm id="{6E711016-118F-4BC7-8F65-96AFC2CEF46B}"/>
+                                            </p:graphicEl>
+                                          </p:spTgt>
+                                        </p:tgtEl>
+                                        <p:attrNameLst>
+                                          <p:attrName>style.visibility</p:attrName>
+                                        </p:attrNameLst>
+                                      </p:cBhvr>
+                                      <p:to>
+                                        <p:strVal val="visible"/>
+                                      </p:to>
+                                    </p:set>
+                                  </p:childTnLst>
+                                </p:cTn>
+                              </p:par>
+                            </p:childTnLst>
+                          </p:cTn>
+                        </p:par>
+                      </p:childTnLst>
+                    </p:cTn>
+                  </p:par>
+                  <p:par>
+                    <p:cTn id="21" fill="hold">
+                      <p:stCondLst>
+                        <p:cond delay="indefinite"/>
+                      </p:stCondLst>
+                      <p:childTnLst>
+                        <p:par>
+                          <p:cTn id="22" fill="hold">
+                            <p:stCondLst>
+                              <p:cond delay="0"/>
+                            </p:stCondLst>
+                            <p:childTnLst>
+                              <p:par>
+                                <p:cTn id="23" presetID="1" presetClass="entr" presetSubtype="0" fill="hold" grpId="0" nodeType="clickEffect">
+                                  <p:stCondLst>
+                                    <p:cond delay="0"/>
+                                  </p:stCondLst>
+                                  <p:childTnLst>
+                                    <p:set>
+                                      <p:cBhvr>
+                                        <p:cTn id="24" dur="1" fill="hold">
+                                          <p:stCondLst>
+                                            <p:cond delay="0"/>
+                                          </p:stCondLst>
+                                        </p:cTn>
+                                        <p:tgtEl>
+                                          <p:spTgt spid="13">
+                                            <p:graphicEl>
+                                              <a:dgm id="{02F8A46D-8849-4539-826E-D18F691A85B2}"/>
+                                            </p:graphicEl>
+                                          </p:spTgt>
+                                        </p:tgtEl>
+                                        <p:attrNameLst>
+                                          <p:attrName>style.visibility</p:attrName>
+                                        </p:attrNameLst>
+                                      </p:cBhvr>
+                                      <p:to>
+                                        <p:strVal val="visible"/>
+                                      </p:to>
+                                    </p:set>
+                                  </p:childTnLst>
+                                </p:cTn>
+                              </p:par>
+                              <p:par>
+                                <p:cTn id="25" presetID="1" presetClass="entr" presetSubtype="0" fill="hold" grpId="0" nodeType="withEffect">
+                                  <p:stCondLst>
+                                    <p:cond delay="0"/>
+                                  </p:stCondLst>
+                                  <p:childTnLst>
+                                    <p:set>
+                                      <p:cBhvr>
+                                        <p:cTn id="26" dur="1" fill="hold">
+                                          <p:stCondLst>
+                                            <p:cond delay="0"/>
+                                          </p:stCondLst>
+                                        </p:cTn>
+                                        <p:tgtEl>
+                                          <p:spTgt spid="13">
+                                            <p:graphicEl>
+                                              <a:dgm id="{62A27E19-74CA-473A-BA78-1AEE28F2209D}"/>
+                                            </p:graphicEl>
+                                          </p:spTgt>
+                                        </p:tgtEl>
+                                        <p:attrNameLst>
+                                          <p:attrName>style.visibility</p:attrName>
+                                        </p:attrNameLst>
+                                      </p:cBhvr>
+                                      <p:to>
+                                        <p:strVal val="visible"/>
+                                      </p:to>
+                                    </p:set>
+                                  </p:childTnLst>
+                                </p:cTn>
+                              </p:par>
+                            </p:childTnLst>
+                          </p:cTn>
+                        </p:par>
+                      </p:childTnLst>
+                    </p:cTn>
+                  </p:par>
+                  <p:par>
+                    <p:cTn id="27" fill="hold">
+                      <p:stCondLst>
+                        <p:cond delay="indefinite"/>
+                      </p:stCondLst>
+                      <p:childTnLst>
+                        <p:par>
+                          <p:cTn id="28" fill="hold">
+                            <p:stCondLst>
+                              <p:cond delay="0"/>
+                            </p:stCondLst>
+                            <p:childTnLst>
+                              <p:par>
+                                <p:cTn id="29" presetID="1" presetClass="entr" presetSubtype="0" fill="hold" grpId="1" nodeType="clickEffect">
+                                  <p:stCondLst>
+                                    <p:cond delay="0"/>
+                                  </p:stCondLst>
+                                  <p:childTnLst>
+                                    <p:set>
+                                      <p:cBhvr>
+                                        <p:cTn id="30" dur="1" fill="hold">
+                                          <p:stCondLst>
+                                            <p:cond delay="0"/>
+                                          </p:stCondLst>
+                                        </p:cTn>
+                                        <p:tgtEl>
+                                          <p:spTgt spid="13">
+                                            <p:graphicEl>
+                                              <a:dgm id="{5B38B174-1E93-44A9-85CC-AA96A7032567}"/>
+                                            </p:graphicEl>
+                                          </p:spTgt>
+                                        </p:tgtEl>
+                                        <p:attrNameLst>
+                                          <p:attrName>style.visibility</p:attrName>
+                                        </p:attrNameLst>
+                                      </p:cBhvr>
+                                      <p:to>
+                                        <p:strVal val="visible"/>
+                                      </p:to>
+                                    </p:set>
+                                  </p:childTnLst>
+                                </p:cTn>
+                              </p:par>
+                              <p:par>
+                                <p:cTn id="31" presetID="1" presetClass="entr" presetSubtype="0" fill="hold" grpId="1" nodeType="withEffect">
+                                  <p:stCondLst>
+                                    <p:cond delay="0"/>
+                                  </p:stCondLst>
+                                  <p:childTnLst>
+                                    <p:set>
+                                      <p:cBhvr>
+                                        <p:cTn id="32" dur="1" fill="hold">
+                                          <p:stCondLst>
+                                            <p:cond delay="0"/>
+                                          </p:stCondLst>
+                                        </p:cTn>
+                                        <p:tgtEl>
+                                          <p:spTgt spid="13">
+                                            <p:graphicEl>
+                                              <a:dgm id="{083F8748-2809-4D80-91B7-A2E3DABCCF19}"/>
+                                            </p:graphicEl>
+                                          </p:spTgt>
+                                        </p:tgtEl>
+                                        <p:attrNameLst>
+                                          <p:attrName>style.visibility</p:attrName>
+                                        </p:attrNameLst>
+                                      </p:cBhvr>
+                                      <p:to>
+                                        <p:strVal val="visible"/>
+                                      </p:to>
+                                    </p:set>
+                                  </p:childTnLst>
+                                </p:cTn>
+                              </p:par>
+                            </p:childTnLst>
+                          </p:cTn>
+                        </p:par>
+                      </p:childTnLst>
+                    </p:cTn>
+                  </p:par>
+                  <p:par>
+                    <p:cTn id="33" fill="hold">
+                      <p:stCondLst>
+                        <p:cond delay="indefinite"/>
+                      </p:stCondLst>
+                      <p:childTnLst>
+                        <p:par>
+                          <p:cTn id="34" fill="hold">
+                            <p:stCondLst>
+                              <p:cond delay="0"/>
+                            </p:stCondLst>
+                            <p:childTnLst>
+                              <p:par>
+                                <p:cTn id="35" presetID="1" presetClass="entr" presetSubtype="0" fill="hold" grpId="1" nodeType="clickEffect">
+                                  <p:stCondLst>
+                                    <p:cond delay="0"/>
+                                  </p:stCondLst>
+                                  <p:childTnLst>
+                                    <p:set>
+                                      <p:cBhvr>
+                                        <p:cTn id="36" dur="1" fill="hold">
+                                          <p:stCondLst>
+                                            <p:cond delay="0"/>
+                                          </p:stCondLst>
+                                        </p:cTn>
+                                        <p:tgtEl>
+                                          <p:spTgt spid="13">
+                                            <p:graphicEl>
+                                              <a:dgm id="{4343F972-F5E5-4C72-BD74-31A64EE82089}"/>
+                                            </p:graphicEl>
+                                          </p:spTgt>
+                                        </p:tgtEl>
+                                        <p:attrNameLst>
+                                          <p:attrName>style.visibility</p:attrName>
+                                        </p:attrNameLst>
+                                      </p:cBhvr>
+                                      <p:to>
+                                        <p:strVal val="visible"/>
+                                      </p:to>
+                                    </p:set>
+                                  </p:childTnLst>
+                                </p:cTn>
+                              </p:par>
+                              <p:par>
+                                <p:cTn id="37" presetID="1" presetClass="entr" presetSubtype="0" fill="hold" grpId="1" nodeType="withEffect">
+                                  <p:stCondLst>
+                                    <p:cond delay="0"/>
+                                  </p:stCondLst>
+                                  <p:childTnLst>
+                                    <p:set>
+                                      <p:cBhvr>
+                                        <p:cTn id="38" dur="1" fill="hold">
+                                          <p:stCondLst>
+                                            <p:cond delay="0"/>
+                                          </p:stCondLst>
+                                        </p:cTn>
+                                        <p:tgtEl>
+                                          <p:spTgt spid="13">
+                                            <p:graphicEl>
+                                              <a:dgm id="{CE02E26B-995A-4E62-8797-8DC290D32A1A}"/>
+                                            </p:graphicEl>
+                                          </p:spTgt>
+                                        </p:tgtEl>
+                                        <p:attrNameLst>
+                                          <p:attrName>style.visibility</p:attrName>
+                                        </p:attrNameLst>
+                                      </p:cBhvr>
+                                      <p:to>
+                                        <p:strVal val="visible"/>
+                                      </p:to>
+                                    </p:set>
+                                  </p:childTnLst>
+                                </p:cTn>
+                              </p:par>
+                            </p:childTnLst>
+                          </p:cTn>
+                        </p:par>
+                      </p:childTnLst>
+                    </p:cTn>
+                  </p:par>
+                  <p:par>
+                    <p:cTn id="39" fill="hold">
+                      <p:stCondLst>
+                        <p:cond delay="indefinite"/>
+                      </p:stCondLst>
+                      <p:childTnLst>
+                        <p:par>
+                          <p:cTn id="40" fill="hold">
+                            <p:stCondLst>
+                              <p:cond delay="0"/>
+                            </p:stCondLst>
+                            <p:childTnLst>
+                              <p:par>
+                                <p:cTn id="41" presetID="1" presetClass="entr" presetSubtype="0" fill="hold" grpId="1" nodeType="clickEffect">
+                                  <p:stCondLst>
+                                    <p:cond delay="0"/>
+                                  </p:stCondLst>
+                                  <p:childTnLst>
+                                    <p:set>
+                                      <p:cBhvr>
+                                        <p:cTn id="42" dur="1" fill="hold">
+                                          <p:stCondLst>
+                                            <p:cond delay="0"/>
+                                          </p:stCondLst>
+                                        </p:cTn>
+                                        <p:tgtEl>
+                                          <p:spTgt spid="13">
+                                            <p:graphicEl>
+                                              <a:dgm id="{0588B600-3167-4F2D-814C-8A55E868B879}"/>
+                                            </p:graphicEl>
+                                          </p:spTgt>
+                                        </p:tgtEl>
+                                        <p:attrNameLst>
+                                          <p:attrName>style.visibility</p:attrName>
+                                        </p:attrNameLst>
+                                      </p:cBhvr>
+                                      <p:to>
+                                        <p:strVal val="visible"/>
+                                      </p:to>
+                                    </p:set>
+                                  </p:childTnLst>
+                                </p:cTn>
+                              </p:par>
+                              <p:par>
+                                <p:cTn id="43" presetID="1" presetClass="entr" presetSubtype="0" fill="hold" grpId="1" nodeType="withEffect">
+                                  <p:stCondLst>
+                                    <p:cond delay="0"/>
+                                  </p:stCondLst>
+                                  <p:childTnLst>
+                                    <p:set>
+                                      <p:cBhvr>
+                                        <p:cTn id="44" dur="1" fill="hold">
+                                          <p:stCondLst>
+                                            <p:cond delay="0"/>
+                                          </p:stCondLst>
+                                        </p:cTn>
+                                        <p:tgtEl>
+                                          <p:spTgt spid="13">
+                                            <p:graphicEl>
+                                              <a:dgm id="{6E711016-118F-4BC7-8F65-96AFC2CEF46B}"/>
+                                            </p:graphicEl>
+                                          </p:spTgt>
+                                        </p:tgtEl>
+                                        <p:attrNameLst>
+                                          <p:attrName>style.visibility</p:attrName>
+                                        </p:attrNameLst>
+                                      </p:cBhvr>
+                                      <p:to>
+                                        <p:strVal val="visible"/>
+                                      </p:to>
+                                    </p:set>
+                                  </p:childTnLst>
+                                </p:cTn>
+                              </p:par>
+                            </p:childTnLst>
+                          </p:cTn>
+                        </p:par>
+                      </p:childTnLst>
+                    </p:cTn>
+                  </p:par>
+                  <p:par>
+                    <p:cTn id="45" fill="hold">
+                      <p:stCondLst>
+                        <p:cond delay="indefinite"/>
+                      </p:stCondLst>
+                      <p:childTnLst>
+                        <p:par>
+                          <p:cTn id="46" fill="hold">
+                            <p:stCondLst>
+                              <p:cond delay="0"/>
+                            </p:stCondLst>
+                            <p:childTnLst>
+                              <p:par>
+                                <p:cTn id="47" presetID="1" presetClass="entr" presetSubtype="0" fill="hold" grpId="1" nodeType="clickEffect">
+                                  <p:stCondLst>
+                                    <p:cond delay="0"/>
+                                  </p:stCondLst>
+                                  <p:childTnLst>
+                                    <p:set>
+                                      <p:cBhvr>
+                                        <p:cTn id="48" dur="1" fill="hold">
+                                          <p:stCondLst>
+                                            <p:cond delay="0"/>
+                                          </p:stCondLst>
+                                        </p:cTn>
+                                        <p:tgtEl>
+                                          <p:spTgt spid="13">
+                                            <p:graphicEl>
+                                              <a:dgm id="{02F8A46D-8849-4539-826E-D18F691A85B2}"/>
+                                            </p:graphicEl>
+                                          </p:spTgt>
+                                        </p:tgtEl>
+                                        <p:attrNameLst>
+                                          <p:attrName>style.visibility</p:attrName>
+                                        </p:attrNameLst>
+                                      </p:cBhvr>
+                                      <p:to>
+                                        <p:strVal val="visible"/>
+                                      </p:to>
+                                    </p:set>
+                                  </p:childTnLst>
+                                </p:cTn>
+                              </p:par>
+                              <p:par>
+                                <p:cTn id="49" presetID="1" presetClass="entr" presetSubtype="0" fill="hold" grpId="1" nodeType="withEffect">
+                                  <p:stCondLst>
+                                    <p:cond delay="0"/>
+                                  </p:stCondLst>
+                                  <p:childTnLst>
+                                    <p:set>
+                                      <p:cBhvr>
+                                        <p:cTn id="50" dur="1" fill="hold">
+                                          <p:stCondLst>
+                                            <p:cond delay="0"/>
+                                          </p:stCondLst>
+                                        </p:cTn>
+                                        <p:tgtEl>
+                                          <p:spTgt spid="13">
+                                            <p:graphicEl>
+                                              <a:dgm id="{62A27E19-74CA-473A-BA78-1AEE28F2209D}"/>
+                                            </p:graphicEl>
+                                          </p:spTgt>
+                                        </p:tgtEl>
+                                        <p:attrNameLst>
+                                          <p:attrName>style.visibility</p:attrName>
+                                        </p:attrNameLst>
+                                      </p:cBhvr>
+                                      <p:to>
+                                        <p:strVal val="visible"/>
+                                      </p:to>
+                                    </p:set>
+                                  </p:childTnLst>
+                                </p:cTn>
+                              </p:par>
+                            </p:childTnLst>
+                          </p:cTn>
+                        </p:par>
+                      </p:childTnLst>
+                    </p:cTn>
+                  </p:par>
+                  <p:par>
+                    <p:cTn id="51" fill="hold">
+                      <p:stCondLst>
+                        <p:cond delay="indefinite"/>
+                      </p:stCondLst>
+                      <p:childTnLst>
+                        <p:par>
+                          <p:cTn id="52" fill="hold">
+                            <p:stCondLst>
+                              <p:cond delay="0"/>
+                            </p:stCondLst>
+                            <p:childTnLst>
+                              <p:par>
+                                <p:cTn id="53" presetID="1" presetClass="entr" presetSubtype="0" fill="hold" grpId="2" nodeType="clickEffect">
+                                  <p:stCondLst>
+                                    <p:cond delay="0"/>
+                                  </p:stCondLst>
+                                  <p:childTnLst>
+                                    <p:set>
+                                      <p:cBhvr>
+                                        <p:cTn id="54" dur="1" fill="hold">
+                                          <p:stCondLst>
+                                            <p:cond delay="0"/>
+                                          </p:stCondLst>
+                                        </p:cTn>
+                                        <p:tgtEl>
+                                          <p:spTgt spid="13">
+                                            <p:graphicEl>
+                                              <a:dgm id="{5B38B174-1E93-44A9-85CC-AA96A7032567}"/>
+                                            </p:graphicEl>
+                                          </p:spTgt>
+                                        </p:tgtEl>
+                                        <p:attrNameLst>
+                                          <p:attrName>style.visibility</p:attrName>
+                                        </p:attrNameLst>
+                                      </p:cBhvr>
+                                      <p:to>
+                                        <p:strVal val="visible"/>
+                                      </p:to>
+                                    </p:set>
+                                  </p:childTnLst>
+                                </p:cTn>
+                              </p:par>
+                              <p:par>
+                                <p:cTn id="55" presetID="1" presetClass="entr" presetSubtype="0" fill="hold" grpId="2" nodeType="withEffect">
+                                  <p:stCondLst>
+                                    <p:cond delay="0"/>
+                                  </p:stCondLst>
+                                  <p:childTnLst>
+                                    <p:set>
+                                      <p:cBhvr>
+                                        <p:cTn id="56" dur="1" fill="hold">
+                                          <p:stCondLst>
+                                            <p:cond delay="0"/>
+                                          </p:stCondLst>
+                                        </p:cTn>
+                                        <p:tgtEl>
+                                          <p:spTgt spid="13">
+                                            <p:graphicEl>
+                                              <a:dgm id="{083F8748-2809-4D80-91B7-A2E3DABCCF19}"/>
+                                            </p:graphicEl>
+                                          </p:spTgt>
+                                        </p:tgtEl>
+                                        <p:attrNameLst>
+                                          <p:attrName>style.visibility</p:attrName>
+                                        </p:attrNameLst>
+                                      </p:cBhvr>
+                                      <p:to>
+                                        <p:strVal val="visible"/>
+                                      </p:to>
+                                    </p:set>
+                                  </p:childTnLst>
+                                </p:cTn>
+                              </p:par>
+                            </p:childTnLst>
+                          </p:cTn>
+                        </p:par>
+                      </p:childTnLst>
+                    </p:cTn>
+                  </p:par>
+                  <p:par>
+                    <p:cTn id="57" fill="hold">
+                      <p:stCondLst>
+                        <p:cond delay="indefinite"/>
+                      </p:stCondLst>
+                      <p:childTnLst>
+                        <p:par>
+                          <p:cTn id="58" fill="hold">
+                            <p:stCondLst>
+                              <p:cond delay="0"/>
+                            </p:stCondLst>
+                            <p:childTnLst>
+                              <p:par>
+                                <p:cTn id="59" presetID="1" presetClass="entr" presetSubtype="0" fill="hold" grpId="2" nodeType="clickEffect">
+                                  <p:stCondLst>
+                                    <p:cond delay="0"/>
+                                  </p:stCondLst>
+                                  <p:childTnLst>
+                                    <p:set>
+                                      <p:cBhvr>
+                                        <p:cTn id="60" dur="1" fill="hold">
+                                          <p:stCondLst>
+                                            <p:cond delay="0"/>
+                                          </p:stCondLst>
+                                        </p:cTn>
+                                        <p:tgtEl>
+                                          <p:spTgt spid="13">
+                                            <p:graphicEl>
+                                              <a:dgm id="{4343F972-F5E5-4C72-BD74-31A64EE82089}"/>
+                                            </p:graphicEl>
+                                          </p:spTgt>
+                                        </p:tgtEl>
+                                        <p:attrNameLst>
+                                          <p:attrName>style.visibility</p:attrName>
+                                        </p:attrNameLst>
+                                      </p:cBhvr>
+                                      <p:to>
+                                        <p:strVal val="visible"/>
+                                      </p:to>
+                                    </p:set>
+                                  </p:childTnLst>
+                                </p:cTn>
+                              </p:par>
+                              <p:par>
+                                <p:cTn id="61" presetID="1" presetClass="entr" presetSubtype="0" fill="hold" grpId="2" nodeType="withEffect">
+                                  <p:stCondLst>
+                                    <p:cond delay="0"/>
+                                  </p:stCondLst>
+                                  <p:childTnLst>
+                                    <p:set>
+                                      <p:cBhvr>
+                                        <p:cTn id="62" dur="1" fill="hold">
+                                          <p:stCondLst>
+                                            <p:cond delay="0"/>
+                                          </p:stCondLst>
+                                        </p:cTn>
+                                        <p:tgtEl>
+                                          <p:spTgt spid="13">
+                                            <p:graphicEl>
+                                              <a:dgm id="{CE02E26B-995A-4E62-8797-8DC290D32A1A}"/>
+                                            </p:graphicEl>
+                                          </p:spTgt>
+                                        </p:tgtEl>
+                                        <p:attrNameLst>
+                                          <p:attrName>style.visibility</p:attrName>
+                                        </p:attrNameLst>
+                                      </p:cBhvr>
+                                      <p:to>
+                                        <p:strVal val="visible"/>
+                                      </p:to>
+                                    </p:set>
+                                  </p:childTnLst>
+                                </p:cTn>
+                              </p:par>
+                            </p:childTnLst>
+                          </p:cTn>
+                        </p:par>
+                      </p:childTnLst>
+                    </p:cTn>
+                  </p:par>
+                  <p:par>
+                    <p:cTn id="63" fill="hold">
+                      <p:stCondLst>
+                        <p:cond delay="indefinite"/>
+                      </p:stCondLst>
+                      <p:childTnLst>
+                        <p:par>
+                          <p:cTn id="64" fill="hold">
+                            <p:stCondLst>
+                              <p:cond delay="0"/>
+                            </p:stCondLst>
+                            <p:childTnLst>
+                              <p:par>
+                                <p:cTn id="65" presetID="1" presetClass="entr" presetSubtype="0" fill="hold" grpId="2" nodeType="clickEffect">
+                                  <p:stCondLst>
+                                    <p:cond delay="0"/>
+                                  </p:stCondLst>
+                                  <p:childTnLst>
+                                    <p:set>
+                                      <p:cBhvr>
+                                        <p:cTn id="66" dur="1" fill="hold">
+                                          <p:stCondLst>
+                                            <p:cond delay="0"/>
+                                          </p:stCondLst>
+                                        </p:cTn>
+                                        <p:tgtEl>
+                                          <p:spTgt spid="13">
+                                            <p:graphicEl>
+                                              <a:dgm id="{0588B600-3167-4F2D-814C-8A55E868B879}"/>
+                                            </p:graphicEl>
+                                          </p:spTgt>
+                                        </p:tgtEl>
+                                        <p:attrNameLst>
+                                          <p:attrName>style.visibility</p:attrName>
+                                        </p:attrNameLst>
+                                      </p:cBhvr>
+                                      <p:to>
+                                        <p:strVal val="visible"/>
+                                      </p:to>
+                                    </p:set>
+                                  </p:childTnLst>
+                                </p:cTn>
+                              </p:par>
+                              <p:par>
+                                <p:cTn id="67" presetID="1" presetClass="entr" presetSubtype="0" fill="hold" grpId="2" nodeType="withEffect">
+                                  <p:stCondLst>
+                                    <p:cond delay="0"/>
+                                  </p:stCondLst>
+                                  <p:childTnLst>
+                                    <p:set>
+                                      <p:cBhvr>
+                                        <p:cTn id="68" dur="1" fill="hold">
+                                          <p:stCondLst>
+                                            <p:cond delay="0"/>
+                                          </p:stCondLst>
+                                        </p:cTn>
+                                        <p:tgtEl>
+                                          <p:spTgt spid="13">
+                                            <p:graphicEl>
+                                              <a:dgm id="{6E711016-118F-4BC7-8F65-96AFC2CEF46B}"/>
+                                            </p:graphicEl>
+                                          </p:spTgt>
+                                        </p:tgtEl>
+                                        <p:attrNameLst>
+                                          <p:attrName>style.visibility</p:attrName>
+                                        </p:attrNameLst>
+                                      </p:cBhvr>
+                                      <p:to>
+                                        <p:strVal val="visible"/>
+                                      </p:to>
+                                    </p:set>
+                                  </p:childTnLst>
+                                </p:cTn>
+                              </p:par>
+                            </p:childTnLst>
+                          </p:cTn>
+                        </p:par>
+                      </p:childTnLst>
+                    </p:cTn>
+                  </p:par>
+                  <p:par>
+                    <p:cTn id="69" fill="hold">
+                      <p:stCondLst>
+                        <p:cond delay="indefinite"/>
+                      </p:stCondLst>
+                      <p:childTnLst>
+                        <p:par>
+                          <p:cTn id="70" fill="hold">
+                            <p:stCondLst>
+                              <p:cond delay="0"/>
+                            </p:stCondLst>
+                            <p:childTnLst>
+                              <p:par>
+                                <p:cTn id="71" presetID="1" presetClass="entr" presetSubtype="0" fill="hold" grpId="2" nodeType="clickEffect">
+                                  <p:stCondLst>
+                                    <p:cond delay="0"/>
+                                  </p:stCondLst>
+                                  <p:childTnLst>
+                                    <p:set>
+                                      <p:cBhvr>
+                                        <p:cTn id="72" dur="1" fill="hold">
+                                          <p:stCondLst>
+                                            <p:cond delay="0"/>
+                                          </p:stCondLst>
+                                        </p:cTn>
+                                        <p:tgtEl>
+                                          <p:spTgt spid="13">
+                                            <p:graphicEl>
+                                              <a:dgm id="{02F8A46D-8849-4539-826E-D18F691A85B2}"/>
+                                            </p:graphicEl>
+                                          </p:spTgt>
+                                        </p:tgtEl>
+                                        <p:attrNameLst>
+                                          <p:attrName>style.visibility</p:attrName>
+                                        </p:attrNameLst>
+                                      </p:cBhvr>
+                                      <p:to>
+                                        <p:strVal val="visible"/>
+                                      </p:to>
+                                    </p:set>
+                                  </p:childTnLst>
+                                </p:cTn>
+                              </p:par>
+                              <p:par>
+                                <p:cTn id="73" presetID="1" presetClass="entr" presetSubtype="0" fill="hold" grpId="2" nodeType="withEffect">
+                                  <p:stCondLst>
+                                    <p:cond delay="0"/>
+                                  </p:stCondLst>
+                                  <p:childTnLst>
+                                    <p:set>
+                                      <p:cBhvr>
+                                        <p:cTn id="74" dur="1" fill="hold">
+                                          <p:stCondLst>
+                                            <p:cond delay="0"/>
+                                          </p:stCondLst>
+                                        </p:cTn>
+                                        <p:tgtEl>
+                                          <p:spTgt spid="13">
+                                            <p:graphicEl>
+                                              <a:dgm id="{62A27E19-74CA-473A-BA78-1AEE28F2209D}"/>
+                                            </p:graphicEl>
+                                          </p:spTgt>
+                                        </p:tgtEl>
+                                        <p:attrNameLst>
+                                          <p:attrName>style.visibility</p:attrName>
+                                        </p:attrNameLst>
+                                      </p:cBhvr>
+                                      <p:to>
+                                        <p:strVal val="visible"/>
+                                      </p:to>
+                                    </p:set>
+                                  </p:childTnLst>
+                                </p:cTn>
+                              </p:par>
+                            </p:childTnLst>
+                          </p:cTn>
+                        </p:par>
+                      </p:childTnLst>
+                    </p:cTn>
+                  </p:par>
+                </p:childTnLst>
+              </p:cTn>
+              <p:prevCondLst>
+                <p:cond evt="onPrev" delay="0">
+                  <p:tgtEl>
+                    <p:sldTgt/>
+                  </p:tgtEl>
+                </p:cond>
+              </p:prevCondLst>
+              <p:nextCondLst>
+                <p:cond evt="onNext" delay="0">
+                  <p:tgtEl>
+                    <p:sldTgt/>
+                  </p:tgtEl>
+                </p:cond>
+              </p:nextCondLst>
+            </p:seq>
+          </p:childTnLst>
+        </p:cTn>
+      </p:par>
+    </p:tnLst>
+    <p:bldLst>
+      <p:bldGraphic spid="13" grpId="0" uiExpand="1">
+        <p:bldSub>
+          <a:bldDgm bld="one"/>
+        </p:bldSub>
+      </p:bldGraphic>
+      <p:bldGraphic spid="13" grpId="1">
+        <p:bldSub>
+          <a:bldDgm bld="one"/>
+        </p:bldSub>
+      </p:bldGraphic>
+      <p:bldGraphic spid="13" grpId="2">
+        <p:bldSub>
+          <a:bldDgm bld="one"/>
+        </p:bldSub>
+      </p:bldGraphic>
+    </p:bldLst>
+  </p:timing>
 </p:sld>
 </file>
 
-<file path=ppt/slides/slide16.xml><?xml version="1.0" encoding="utf-8"?>
+<file path=ppt/slides/slide14.xml><?xml version="1.0" encoding="utf-8"?>
 <p:sld xmlns:a="http://schemas.openxmlformats.org/drawingml/2006/main" xmlns:r="http://schemas.openxmlformats.org/officeDocument/2006/relationships" xmlns:p="http://schemas.openxmlformats.org/presentationml/2006/main">
   <p:cSld>
     <p:spTree>
@@ -7315,7 +12562,7 @@
           <a:bodyPr/>
           <a:lstStyle/>
           <a:p>
-            <a:endParaRPr lang="de-DE"/>
+            <a:endParaRPr lang="de-DE" dirty="0"/>
           </a:p>
         </p:txBody>
       </p:sp>
@@ -7398,7 +12645,7 @@
           <a:p>
             <a:fld id="{67DE59EB-AC61-4D10-8801-60733011B4E4}" type="slidenum">
               <a:rPr lang="de-CH" smtClean="0"/>
-              <a:t>16</a:t>
+              <a:t>14</a:t>
             </a:fld>
             <a:endParaRPr lang="de-CH"/>
           </a:p>
@@ -7494,31 +12741,31 @@
           <a:lstStyle/>
           <a:p>
             <a:r>
-              <a:rPr lang="de-CH" dirty="0"/>
+              <a:rPr lang="de-CH" sz="3000" dirty="0"/>
               <a:t>Einleitung </a:t>
             </a:r>
           </a:p>
           <a:p>
             <a:r>
-              <a:rPr lang="de-CH" dirty="0"/>
+              <a:rPr lang="de-CH" sz="3000" dirty="0"/>
               <a:t>Teamaufbau</a:t>
             </a:r>
           </a:p>
           <a:p>
             <a:r>
-              <a:rPr lang="de-CH" dirty="0"/>
+              <a:rPr lang="de-CH" sz="3000" dirty="0"/>
               <a:t>Softwarekonzept</a:t>
             </a:r>
           </a:p>
           <a:p>
             <a:r>
-              <a:rPr lang="de-CH" dirty="0"/>
+              <a:rPr lang="de-CH" sz="3000" dirty="0"/>
               <a:t>Testkonzept</a:t>
             </a:r>
           </a:p>
           <a:p>
             <a:r>
-              <a:rPr lang="de-CH" dirty="0"/>
+              <a:rPr lang="de-CH" sz="3000" dirty="0"/>
               <a:t>Schluss</a:t>
             </a:r>
           </a:p>
@@ -7860,34 +13107,41 @@
           </a:p>
         </p:txBody>
       </p:sp>
-      <p:sp>
-        <p:nvSpPr>
-          <p:cNvPr id="3" name="Inhaltsplatzhalter 2">
+      <p:pic>
+        <p:nvPicPr>
+          <p:cNvPr id="8" name="Inhaltsplatzhalter 7">
             <a:extLst>
               <a:ext uri="{FF2B5EF4-FFF2-40B4-BE49-F238E27FC236}">
-                <a16:creationId xmlns:a16="http://schemas.microsoft.com/office/drawing/2014/main" id="{8074CB07-0B9C-414C-A43C-32452F80008F}"/>
+                <a16:creationId xmlns:a16="http://schemas.microsoft.com/office/drawing/2014/main" id="{E67C6096-93B3-4794-8966-9BFC78DB826F}"/>
               </a:ext>
             </a:extLst>
           </p:cNvPr>
-          <p:cNvSpPr>
-            <a:spLocks noGrp="1"/>
-          </p:cNvSpPr>
+          <p:cNvPicPr>
+            <a:picLocks noGrp="1" noChangeAspect="1"/>
+          </p:cNvPicPr>
           <p:nvPr>
             <p:ph idx="1"/>
           </p:nvPr>
-        </p:nvSpPr>
-        <p:spPr/>
-        <p:txBody>
-          <a:bodyPr/>
-          <a:lstStyle/>
-          <a:p>
-            <a:pPr marL="0" indent="0">
-              <a:buNone/>
-            </a:pPr>
-            <a:endParaRPr lang="de-CH" dirty="0"/>
-          </a:p>
-        </p:txBody>
-      </p:sp>
+        </p:nvPicPr>
+        <p:blipFill>
+          <a:blip r:embed="rId3">
+            <a:extLst>
+              <a:ext uri="{28A0092B-C50C-407E-A947-70E740481C1C}">
+                <a14:useLocalDpi xmlns:a14="http://schemas.microsoft.com/office/drawing/2010/main" val="0"/>
+              </a:ext>
+            </a:extLst>
+          </a:blip>
+          <a:stretch>
+            <a:fillRect/>
+          </a:stretch>
+        </p:blipFill>
+        <p:spPr>
+          <a:xfrm>
+            <a:off x="1096963" y="2017973"/>
+            <a:ext cx="10058400" cy="3679305"/>
+          </a:xfrm>
+        </p:spPr>
+      </p:pic>
       <p:sp>
         <p:nvSpPr>
           <p:cNvPr id="4" name="Datumsplatzhalter 3">
@@ -8163,7 +13417,7 @@
 </file>
 
 <file path=ppt/slides/slide6.xml><?xml version="1.0" encoding="utf-8"?>
-<p:sld xmlns:a="http://schemas.openxmlformats.org/drawingml/2006/main" xmlns:r="http://schemas.openxmlformats.org/officeDocument/2006/relationships" xmlns:p="http://schemas.openxmlformats.org/presentationml/2006/main" show="0">
+<p:sld xmlns:a="http://schemas.openxmlformats.org/drawingml/2006/main" xmlns:r="http://schemas.openxmlformats.org/officeDocument/2006/relationships" xmlns:p="http://schemas.openxmlformats.org/presentationml/2006/main">
   <p:cSld>
     <p:spTree>
       <p:nvGrpSpPr>
@@ -8179,55 +13433,59 @@
           <a:chExt cx="0" cy="0"/>
         </a:xfrm>
       </p:grpSpPr>
+      <p:sp>
+        <p:nvSpPr>
+          <p:cNvPr id="2" name="Titel 1">
+            <a:extLst>
+              <a:ext uri="{FF2B5EF4-FFF2-40B4-BE49-F238E27FC236}">
+                <a16:creationId xmlns:a16="http://schemas.microsoft.com/office/drawing/2014/main" id="{0E077631-1EC1-4878-9FED-CB023DD13DE4}"/>
+              </a:ext>
+            </a:extLst>
+          </p:cNvPr>
+          <p:cNvSpPr>
+            <a:spLocks noGrp="1"/>
+          </p:cNvSpPr>
+          <p:nvPr>
+            <p:ph type="title"/>
+          </p:nvPr>
+        </p:nvSpPr>
+        <p:spPr>
+          <a:xfrm>
+            <a:off x="838200" y="294005"/>
+            <a:ext cx="10515600" cy="1325563"/>
+          </a:xfrm>
+        </p:spPr>
+        <p:txBody>
+          <a:bodyPr>
+            <a:normAutofit/>
+          </a:bodyPr>
+          <a:lstStyle/>
+          <a:p>
+            <a:r>
+              <a:rPr lang="de-CH" dirty="0">
+                <a:latin typeface="Arial" panose="020B0604020202020204" pitchFamily="34" charset="0"/>
+                <a:cs typeface="Arial" panose="020B0604020202020204" pitchFamily="34" charset="0"/>
+              </a:rPr>
+              <a:t>Softwarekonzept</a:t>
+            </a:r>
+          </a:p>
+        </p:txBody>
+      </p:sp>
       <p:pic>
         <p:nvPicPr>
-          <p:cNvPr id="5" name="Grafik 4">
+          <p:cNvPr id="7" name="Inhaltsplatzhalter 6">
             <a:extLst>
               <a:ext uri="{FF2B5EF4-FFF2-40B4-BE49-F238E27FC236}">
-                <a16:creationId xmlns:a16="http://schemas.microsoft.com/office/drawing/2014/main" id="{0B4190DA-5453-448E-A418-62DE38F22714}"/>
+                <a16:creationId xmlns:a16="http://schemas.microsoft.com/office/drawing/2014/main" id="{FC6ADAD1-A022-445C-8AD2-7C3B4FF29E41}"/>
               </a:ext>
             </a:extLst>
           </p:cNvPr>
           <p:cNvPicPr>
-            <a:picLocks noChangeAspect="1"/>
+            <a:picLocks noGrp="1" noChangeAspect="1"/>
           </p:cNvPicPr>
-          <p:nvPr/>
-        </p:nvPicPr>
-        <p:blipFill>
-          <a:blip r:embed="rId2">
-            <a:extLst>
-              <a:ext uri="{28A0092B-C50C-407E-A947-70E740481C1C}">
-                <a14:useLocalDpi xmlns:a14="http://schemas.microsoft.com/office/drawing/2010/main" val="0"/>
-              </a:ext>
-            </a:extLst>
-          </a:blip>
-          <a:stretch>
-            <a:fillRect/>
-          </a:stretch>
-        </p:blipFill>
-        <p:spPr>
-          <a:xfrm>
-            <a:off x="-1" y="0"/>
-            <a:ext cx="12192001" cy="6858000"/>
-          </a:xfrm>
-          <a:prstGeom prst="rect">
-            <a:avLst/>
-          </a:prstGeom>
-        </p:spPr>
-      </p:pic>
-      <p:pic>
-        <p:nvPicPr>
-          <p:cNvPr id="7" name="Grafik 6">
-            <a:extLst>
-              <a:ext uri="{FF2B5EF4-FFF2-40B4-BE49-F238E27FC236}">
-                <a16:creationId xmlns:a16="http://schemas.microsoft.com/office/drawing/2014/main" id="{A798E1C0-5BD3-4FAD-B527-FA5FD47B5452}"/>
-              </a:ext>
-            </a:extLst>
-          </p:cNvPr>
-          <p:cNvPicPr>
-            <a:picLocks noChangeAspect="1"/>
-          </p:cNvPicPr>
-          <p:nvPr/>
+          <p:nvPr>
+            <p:ph idx="1"/>
+          </p:nvPr>
         </p:nvPicPr>
         <p:blipFill>
           <a:blip r:embed="rId3">
@@ -8243,90 +13501,45 @@
         </p:blipFill>
         <p:spPr>
           <a:xfrm>
-            <a:off x="116794" y="377137"/>
-            <a:ext cx="1778091" cy="1035103"/>
+            <a:off x="2971944" y="1916722"/>
+            <a:ext cx="5579884" cy="4255477"/>
           </a:xfrm>
-          <a:prstGeom prst="rect">
-            <a:avLst/>
-          </a:prstGeom>
         </p:spPr>
       </p:pic>
       <p:sp>
         <p:nvSpPr>
-          <p:cNvPr id="11" name="Flussdiagramm: Prozess 10">
+          <p:cNvPr id="3" name="Datumsplatzhalter 2">
             <a:extLst>
               <a:ext uri="{FF2B5EF4-FFF2-40B4-BE49-F238E27FC236}">
-                <a16:creationId xmlns:a16="http://schemas.microsoft.com/office/drawing/2014/main" id="{B6BD3BF8-0D5C-49A4-BDCF-4A9C9951EF8F}"/>
+                <a16:creationId xmlns:a16="http://schemas.microsoft.com/office/drawing/2014/main" id="{0D381AEC-7F85-48A6-8A2C-CD36FDD1A860}"/>
               </a:ext>
             </a:extLst>
           </p:cNvPr>
-          <p:cNvSpPr/>
-          <p:nvPr/>
-        </p:nvSpPr>
-        <p:spPr>
-          <a:xfrm>
-            <a:off x="116794" y="310488"/>
-            <a:ext cx="1844086" cy="1168400"/>
-          </a:xfrm>
-          <a:prstGeom prst="flowChartProcess">
-            <a:avLst/>
-          </a:prstGeom>
-          <a:noFill/>
-          <a:ln w="57150">
-            <a:solidFill>
-              <a:srgbClr val="FF0000"/>
-            </a:solidFill>
-          </a:ln>
-        </p:spPr>
-        <p:style>
-          <a:lnRef idx="2">
-            <a:schemeClr val="accent1">
-              <a:shade val="50000"/>
-            </a:schemeClr>
-          </a:lnRef>
-          <a:fillRef idx="1">
-            <a:schemeClr val="accent1"/>
-          </a:fillRef>
-          <a:effectRef idx="0">
-            <a:schemeClr val="accent1"/>
-          </a:effectRef>
-          <a:fontRef idx="minor">
-            <a:schemeClr val="lt1"/>
-          </a:fontRef>
-        </p:style>
-        <p:txBody>
-          <a:bodyPr rot="0" spcFirstLastPara="0" vertOverflow="overflow" horzOverflow="overflow" vert="horz" wrap="square" lIns="91440" tIns="45720" rIns="91440" bIns="45720" numCol="1" spcCol="0" rtlCol="0" fromWordArt="0" anchor="ctr" anchorCtr="0" forceAA="0" compatLnSpc="1">
-            <a:prstTxWarp prst="textNoShape">
-              <a:avLst/>
-            </a:prstTxWarp>
-            <a:noAutofit/>
-          </a:bodyPr>
+          <p:cNvSpPr>
+            <a:spLocks noGrp="1"/>
+          </p:cNvSpPr>
+          <p:nvPr>
+            <p:ph type="dt" sz="half" idx="10"/>
+          </p:nvPr>
+        </p:nvSpPr>
+        <p:spPr/>
+        <p:txBody>
+          <a:bodyPr/>
           <a:lstStyle/>
           <a:p>
-            <a:pPr algn="ctr"/>
-            <a:endParaRPr lang="de-CH">
-              <a:ln w="0"/>
-              <a:gradFill>
-                <a:gsLst>
-                  <a:gs pos="21000">
-                    <a:srgbClr val="53575C"/>
-                  </a:gs>
-                  <a:gs pos="88000">
-                    <a:srgbClr val="C5C7CA"/>
-                  </a:gs>
-                </a:gsLst>
-                <a:lin ang="5400000"/>
-              </a:gradFill>
-            </a:endParaRPr>
-          </a:p>
-        </p:txBody>
-      </p:sp>
-      <p:sp>
-        <p:nvSpPr>
-          <p:cNvPr id="2" name="Datumsplatzhalter 1">
+            <a:r>
+              <a:rPr lang="de-CH"/>
+              <a:t>11.04.2019</a:t>
+            </a:r>
+          </a:p>
+        </p:txBody>
+      </p:sp>
+      <p:sp>
+        <p:nvSpPr>
+          <p:cNvPr id="4" name="Fußzeilenplatzhalter 3">
             <a:extLst>
               <a:ext uri="{FF2B5EF4-FFF2-40B4-BE49-F238E27FC236}">
-                <a16:creationId xmlns:a16="http://schemas.microsoft.com/office/drawing/2014/main" id="{FC32EDD1-A84E-4FCB-B177-1645DA781B9C}"/>
+                <a16:creationId xmlns:a16="http://schemas.microsoft.com/office/drawing/2014/main" id="{67A4438C-AE65-4368-889B-54D68278C857}"/>
               </a:ext>
             </a:extLst>
           </p:cNvPr>
@@ -8334,7 +13547,7 @@
             <a:spLocks noGrp="1"/>
           </p:cNvSpPr>
           <p:nvPr>
-            <p:ph type="dt" sz="half" idx="10"/>
+            <p:ph type="ftr" sz="quarter" idx="11"/>
           </p:nvPr>
         </p:nvSpPr>
         <p:spPr/>
@@ -8344,45 +13557,17 @@
           <a:p>
             <a:r>
               <a:rPr lang="de-CH"/>
-              <a:t>11.04.2019</a:t>
-            </a:r>
-          </a:p>
-        </p:txBody>
-      </p:sp>
-      <p:sp>
-        <p:nvSpPr>
-          <p:cNvPr id="3" name="Fußzeilenplatzhalter 2">
+              <a:t>Gruppe 1</a:t>
+            </a:r>
+          </a:p>
+        </p:txBody>
+      </p:sp>
+      <p:sp>
+        <p:nvSpPr>
+          <p:cNvPr id="5" name="Foliennummernplatzhalter 4">
             <a:extLst>
               <a:ext uri="{FF2B5EF4-FFF2-40B4-BE49-F238E27FC236}">
-                <a16:creationId xmlns:a16="http://schemas.microsoft.com/office/drawing/2014/main" id="{A7607573-7CDD-4CEB-A7F6-F0DCD4BC6DD6}"/>
-              </a:ext>
-            </a:extLst>
-          </p:cNvPr>
-          <p:cNvSpPr>
-            <a:spLocks noGrp="1"/>
-          </p:cNvSpPr>
-          <p:nvPr>
-            <p:ph type="ftr" sz="quarter" idx="11"/>
-          </p:nvPr>
-        </p:nvSpPr>
-        <p:spPr/>
-        <p:txBody>
-          <a:bodyPr/>
-          <a:lstStyle/>
-          <a:p>
-            <a:r>
-              <a:rPr lang="de-CH"/>
-              <a:t>Gruppe 1</a:t>
-            </a:r>
-          </a:p>
-        </p:txBody>
-      </p:sp>
-      <p:sp>
-        <p:nvSpPr>
-          <p:cNvPr id="4" name="Foliennummernplatzhalter 3">
-            <a:extLst>
-              <a:ext uri="{FF2B5EF4-FFF2-40B4-BE49-F238E27FC236}">
-                <a16:creationId xmlns:a16="http://schemas.microsoft.com/office/drawing/2014/main" id="{21A5610C-74F3-4FDF-B7DB-D40B6A03B904}"/>
+                <a16:creationId xmlns:a16="http://schemas.microsoft.com/office/drawing/2014/main" id="{DBB5FEF5-4498-490F-BE5D-C37143E8361A}"/>
               </a:ext>
             </a:extLst>
           </p:cNvPr>
@@ -8409,7 +13594,7 @@
     </p:spTree>
     <p:extLst>
       <p:ext uri="{BB962C8B-B14F-4D97-AF65-F5344CB8AC3E}">
-        <p14:creationId xmlns:p14="http://schemas.microsoft.com/office/powerpoint/2010/main" val="1143842492"/>
+        <p14:creationId xmlns:p14="http://schemas.microsoft.com/office/powerpoint/2010/main" val="3701219265"/>
       </p:ext>
     </p:extLst>
   </p:cSld>
@@ -8420,7 +13605,7 @@
 </file>
 
 <file path=ppt/slides/slide7.xml><?xml version="1.0" encoding="utf-8"?>
-<p:sld xmlns:a="http://schemas.openxmlformats.org/drawingml/2006/main" xmlns:r="http://schemas.openxmlformats.org/officeDocument/2006/relationships" xmlns:p="http://schemas.openxmlformats.org/presentationml/2006/main" show="0">
+<p:sld xmlns:a="http://schemas.openxmlformats.org/drawingml/2006/main" xmlns:r="http://schemas.openxmlformats.org/officeDocument/2006/relationships" xmlns:p="http://schemas.openxmlformats.org/presentationml/2006/main">
   <p:cSld>
     <p:spTree>
       <p:nvGrpSpPr>
@@ -8436,55 +13621,59 @@
           <a:chExt cx="0" cy="0"/>
         </a:xfrm>
       </p:grpSpPr>
+      <p:sp>
+        <p:nvSpPr>
+          <p:cNvPr id="2" name="Titel 1">
+            <a:extLst>
+              <a:ext uri="{FF2B5EF4-FFF2-40B4-BE49-F238E27FC236}">
+                <a16:creationId xmlns:a16="http://schemas.microsoft.com/office/drawing/2014/main" id="{0E077631-1EC1-4878-9FED-CB023DD13DE4}"/>
+              </a:ext>
+            </a:extLst>
+          </p:cNvPr>
+          <p:cNvSpPr>
+            <a:spLocks noGrp="1"/>
+          </p:cNvSpPr>
+          <p:nvPr>
+            <p:ph type="title"/>
+          </p:nvPr>
+        </p:nvSpPr>
+        <p:spPr>
+          <a:xfrm>
+            <a:off x="838200" y="294005"/>
+            <a:ext cx="10515600" cy="1325563"/>
+          </a:xfrm>
+        </p:spPr>
+        <p:txBody>
+          <a:bodyPr>
+            <a:normAutofit/>
+          </a:bodyPr>
+          <a:lstStyle/>
+          <a:p>
+            <a:r>
+              <a:rPr lang="de-CH" dirty="0">
+                <a:latin typeface="Arial" panose="020B0604020202020204" pitchFamily="34" charset="0"/>
+                <a:cs typeface="Arial" panose="020B0604020202020204" pitchFamily="34" charset="0"/>
+              </a:rPr>
+              <a:t>Softwarestruktur</a:t>
+            </a:r>
+          </a:p>
+        </p:txBody>
+      </p:sp>
       <p:pic>
         <p:nvPicPr>
-          <p:cNvPr id="5" name="Grafik 4">
+          <p:cNvPr id="5" name="Inhaltsplatzhalter 4">
             <a:extLst>
               <a:ext uri="{FF2B5EF4-FFF2-40B4-BE49-F238E27FC236}">
-                <a16:creationId xmlns:a16="http://schemas.microsoft.com/office/drawing/2014/main" id="{98F96598-30F8-4CEA-AFAF-140CC1764F4F}"/>
+                <a16:creationId xmlns:a16="http://schemas.microsoft.com/office/drawing/2014/main" id="{BE849776-008B-4C9C-B7AF-B4C6CB2B6584}"/>
               </a:ext>
             </a:extLst>
           </p:cNvPr>
           <p:cNvPicPr>
-            <a:picLocks noChangeAspect="1"/>
+            <a:picLocks noGrp="1" noChangeAspect="1"/>
           </p:cNvPicPr>
-          <p:nvPr/>
-        </p:nvPicPr>
-        <p:blipFill>
-          <a:blip r:embed="rId2">
-            <a:extLst>
-              <a:ext uri="{28A0092B-C50C-407E-A947-70E740481C1C}">
-                <a14:useLocalDpi xmlns:a14="http://schemas.microsoft.com/office/drawing/2010/main" val="0"/>
-              </a:ext>
-            </a:extLst>
-          </a:blip>
-          <a:stretch>
-            <a:fillRect/>
-          </a:stretch>
-        </p:blipFill>
-        <p:spPr>
-          <a:xfrm>
-            <a:off x="0" y="-6693"/>
-            <a:ext cx="12192000" cy="6858000"/>
-          </a:xfrm>
-          <a:prstGeom prst="rect">
-            <a:avLst/>
-          </a:prstGeom>
-        </p:spPr>
-      </p:pic>
-      <p:pic>
-        <p:nvPicPr>
-          <p:cNvPr id="7" name="Grafik 6">
-            <a:extLst>
-              <a:ext uri="{FF2B5EF4-FFF2-40B4-BE49-F238E27FC236}">
-                <a16:creationId xmlns:a16="http://schemas.microsoft.com/office/drawing/2014/main" id="{A8D41BC3-0E60-47C1-9C29-474218316163}"/>
-              </a:ext>
-            </a:extLst>
-          </p:cNvPr>
-          <p:cNvPicPr>
-            <a:picLocks noChangeAspect="1"/>
-          </p:cNvPicPr>
-          <p:nvPr/>
+          <p:nvPr>
+            <p:ph idx="1"/>
+          </p:nvPr>
         </p:nvPicPr>
         <p:blipFill>
           <a:blip r:embed="rId3">
@@ -8500,90 +13689,45 @@
         </p:blipFill>
         <p:spPr>
           <a:xfrm>
-            <a:off x="1402665" y="298430"/>
-            <a:ext cx="1949550" cy="774740"/>
+            <a:off x="2798924" y="1872761"/>
+            <a:ext cx="6270389" cy="4321987"/>
           </a:xfrm>
-          <a:prstGeom prst="rect">
-            <a:avLst/>
-          </a:prstGeom>
         </p:spPr>
       </p:pic>
       <p:sp>
         <p:nvSpPr>
-          <p:cNvPr id="8" name="Flussdiagramm: Prozess 7">
+          <p:cNvPr id="3" name="Datumsplatzhalter 2">
             <a:extLst>
               <a:ext uri="{FF2B5EF4-FFF2-40B4-BE49-F238E27FC236}">
-                <a16:creationId xmlns:a16="http://schemas.microsoft.com/office/drawing/2014/main" id="{89774B84-B309-4D4C-BE28-B116641BE82D}"/>
+                <a16:creationId xmlns:a16="http://schemas.microsoft.com/office/drawing/2014/main" id="{346A7BB0-DE88-49D7-851E-097C83BF3BCA}"/>
               </a:ext>
             </a:extLst>
           </p:cNvPr>
-          <p:cNvSpPr/>
-          <p:nvPr/>
-        </p:nvSpPr>
-        <p:spPr>
-          <a:xfrm>
-            <a:off x="1402664" y="179859"/>
-            <a:ext cx="1949549" cy="893311"/>
-          </a:xfrm>
-          <a:prstGeom prst="flowChartProcess">
-            <a:avLst/>
-          </a:prstGeom>
-          <a:noFill/>
-          <a:ln w="57150">
-            <a:solidFill>
-              <a:srgbClr val="FF0000"/>
-            </a:solidFill>
-          </a:ln>
-        </p:spPr>
-        <p:style>
-          <a:lnRef idx="2">
-            <a:schemeClr val="accent1">
-              <a:shade val="50000"/>
-            </a:schemeClr>
-          </a:lnRef>
-          <a:fillRef idx="1">
-            <a:schemeClr val="accent1"/>
-          </a:fillRef>
-          <a:effectRef idx="0">
-            <a:schemeClr val="accent1"/>
-          </a:effectRef>
-          <a:fontRef idx="minor">
-            <a:schemeClr val="lt1"/>
-          </a:fontRef>
-        </p:style>
-        <p:txBody>
-          <a:bodyPr rot="0" spcFirstLastPara="0" vertOverflow="overflow" horzOverflow="overflow" vert="horz" wrap="square" lIns="91440" tIns="45720" rIns="91440" bIns="45720" numCol="1" spcCol="0" rtlCol="0" fromWordArt="0" anchor="ctr" anchorCtr="0" forceAA="0" compatLnSpc="1">
-            <a:prstTxWarp prst="textNoShape">
-              <a:avLst/>
-            </a:prstTxWarp>
-            <a:noAutofit/>
-          </a:bodyPr>
+          <p:cNvSpPr>
+            <a:spLocks noGrp="1"/>
+          </p:cNvSpPr>
+          <p:nvPr>
+            <p:ph type="dt" sz="half" idx="10"/>
+          </p:nvPr>
+        </p:nvSpPr>
+        <p:spPr/>
+        <p:txBody>
+          <a:bodyPr/>
           <a:lstStyle/>
           <a:p>
-            <a:pPr algn="ctr"/>
-            <a:endParaRPr lang="de-CH">
-              <a:ln w="0"/>
-              <a:gradFill>
-                <a:gsLst>
-                  <a:gs pos="21000">
-                    <a:srgbClr val="53575C"/>
-                  </a:gs>
-                  <a:gs pos="88000">
-                    <a:srgbClr val="C5C7CA"/>
-                  </a:gs>
-                </a:gsLst>
-                <a:lin ang="5400000"/>
-              </a:gradFill>
-            </a:endParaRPr>
-          </a:p>
-        </p:txBody>
-      </p:sp>
-      <p:sp>
-        <p:nvSpPr>
-          <p:cNvPr id="2" name="Datumsplatzhalter 1">
+            <a:r>
+              <a:rPr lang="de-CH"/>
+              <a:t>11.04.2019</a:t>
+            </a:r>
+          </a:p>
+        </p:txBody>
+      </p:sp>
+      <p:sp>
+        <p:nvSpPr>
+          <p:cNvPr id="4" name="Fußzeilenplatzhalter 3">
             <a:extLst>
               <a:ext uri="{FF2B5EF4-FFF2-40B4-BE49-F238E27FC236}">
-                <a16:creationId xmlns:a16="http://schemas.microsoft.com/office/drawing/2014/main" id="{3980D1CA-A106-481F-8A54-BCAFA7AC81BB}"/>
+                <a16:creationId xmlns:a16="http://schemas.microsoft.com/office/drawing/2014/main" id="{81ABF27F-FDE4-4DE3-BC0A-24E3D747A4DA}"/>
               </a:ext>
             </a:extLst>
           </p:cNvPr>
@@ -8591,7 +13735,7 @@
             <a:spLocks noGrp="1"/>
           </p:cNvSpPr>
           <p:nvPr>
-            <p:ph type="dt" sz="half" idx="10"/>
+            <p:ph type="ftr" sz="quarter" idx="11"/>
           </p:nvPr>
         </p:nvSpPr>
         <p:spPr/>
@@ -8601,45 +13745,17 @@
           <a:p>
             <a:r>
               <a:rPr lang="de-CH"/>
-              <a:t>11.04.2019</a:t>
-            </a:r>
-          </a:p>
-        </p:txBody>
-      </p:sp>
-      <p:sp>
-        <p:nvSpPr>
-          <p:cNvPr id="3" name="Fußzeilenplatzhalter 2">
+              <a:t>Gruppe 1</a:t>
+            </a:r>
+          </a:p>
+        </p:txBody>
+      </p:sp>
+      <p:sp>
+        <p:nvSpPr>
+          <p:cNvPr id="6" name="Foliennummernplatzhalter 5">
             <a:extLst>
               <a:ext uri="{FF2B5EF4-FFF2-40B4-BE49-F238E27FC236}">
-                <a16:creationId xmlns:a16="http://schemas.microsoft.com/office/drawing/2014/main" id="{882B3E43-C76B-43D8-B0F3-85FC4397E38F}"/>
-              </a:ext>
-            </a:extLst>
-          </p:cNvPr>
-          <p:cNvSpPr>
-            <a:spLocks noGrp="1"/>
-          </p:cNvSpPr>
-          <p:nvPr>
-            <p:ph type="ftr" sz="quarter" idx="11"/>
-          </p:nvPr>
-        </p:nvSpPr>
-        <p:spPr/>
-        <p:txBody>
-          <a:bodyPr/>
-          <a:lstStyle/>
-          <a:p>
-            <a:r>
-              <a:rPr lang="de-CH"/>
-              <a:t>Gruppe 1</a:t>
-            </a:r>
-          </a:p>
-        </p:txBody>
-      </p:sp>
-      <p:sp>
-        <p:nvSpPr>
-          <p:cNvPr id="4" name="Foliennummernplatzhalter 3">
-            <a:extLst>
-              <a:ext uri="{FF2B5EF4-FFF2-40B4-BE49-F238E27FC236}">
-                <a16:creationId xmlns:a16="http://schemas.microsoft.com/office/drawing/2014/main" id="{53A10353-78DB-4CD0-8E92-F140B72B1686}"/>
+                <a16:creationId xmlns:a16="http://schemas.microsoft.com/office/drawing/2014/main" id="{6330A05C-1A58-4908-827F-FA2A97696E5C}"/>
               </a:ext>
             </a:extLst>
           </p:cNvPr>
@@ -8666,7 +13782,7 @@
     </p:spTree>
     <p:extLst>
       <p:ext uri="{BB962C8B-B14F-4D97-AF65-F5344CB8AC3E}">
-        <p14:creationId xmlns:p14="http://schemas.microsoft.com/office/powerpoint/2010/main" val="984377087"/>
+        <p14:creationId xmlns:p14="http://schemas.microsoft.com/office/powerpoint/2010/main" val="1553349631"/>
       </p:ext>
     </p:extLst>
   </p:cSld>
@@ -8717,7 +13833,7 @@
         </p:spPr>
         <p:txBody>
           <a:bodyPr>
-            <a:normAutofit/>
+            <a:noAutofit/>
           </a:bodyPr>
           <a:lstStyle/>
           <a:p>
@@ -8726,52 +13842,76 @@
                 <a:latin typeface="Arial" panose="020B0604020202020204" pitchFamily="34" charset="0"/>
                 <a:cs typeface="Arial" panose="020B0604020202020204" pitchFamily="34" charset="0"/>
               </a:rPr>
-              <a:t>Softwarekonzept</a:t>
-            </a:r>
-          </a:p>
-        </p:txBody>
-      </p:sp>
-      <p:pic>
-        <p:nvPicPr>
-          <p:cNvPr id="7" name="Inhaltsplatzhalter 6">
+              <a:t>Mathematische Anforderungen</a:t>
+            </a:r>
+          </a:p>
+        </p:txBody>
+      </p:sp>
+      <p:sp>
+        <p:nvSpPr>
+          <p:cNvPr id="3" name="Inhaltsplatzhalter 2">
             <a:extLst>
               <a:ext uri="{FF2B5EF4-FFF2-40B4-BE49-F238E27FC236}">
-                <a16:creationId xmlns:a16="http://schemas.microsoft.com/office/drawing/2014/main" id="{FC6ADAD1-A022-445C-8AD2-7C3B4FF29E41}"/>
+                <a16:creationId xmlns:a16="http://schemas.microsoft.com/office/drawing/2014/main" id="{087CF7F0-1F3E-4360-83C5-C43A47374AC5}"/>
               </a:ext>
             </a:extLst>
           </p:cNvPr>
-          <p:cNvPicPr>
-            <a:picLocks noGrp="1" noChangeAspect="1"/>
-          </p:cNvPicPr>
+          <p:cNvSpPr>
+            <a:spLocks noGrp="1"/>
+          </p:cNvSpPr>
           <p:nvPr>
             <p:ph idx="1"/>
           </p:nvPr>
-        </p:nvPicPr>
-        <p:blipFill>
-          <a:blip r:embed="rId3">
-            <a:extLst>
-              <a:ext uri="{28A0092B-C50C-407E-A947-70E740481C1C}">
-                <a14:useLocalDpi xmlns:a14="http://schemas.microsoft.com/office/drawing/2010/main" val="0"/>
-              </a:ext>
-            </a:extLst>
-          </a:blip>
-          <a:stretch>
-            <a:fillRect/>
-          </a:stretch>
-        </p:blipFill>
-        <p:spPr>
-          <a:xfrm>
-            <a:off x="2971944" y="1916722"/>
-            <a:ext cx="5579884" cy="4255477"/>
-          </a:xfrm>
-        </p:spPr>
-      </p:pic>
-      <p:sp>
-        <p:nvSpPr>
-          <p:cNvPr id="3" name="Datumsplatzhalter 2">
+        </p:nvSpPr>
+        <p:spPr/>
+        <p:txBody>
+          <a:bodyPr/>
+          <a:lstStyle/>
+          <a:p>
+            <a:r>
+              <a:rPr lang="de-CH" dirty="0"/>
+              <a:t>Mit Streuparameter S21 CM/DM äquivalente Schaltungen berechnen</a:t>
+            </a:r>
+          </a:p>
+          <a:p>
+            <a:r>
+              <a:rPr lang="de-CH" dirty="0"/>
+              <a:t>Berechnungen (Model) erweiterbar programmieren</a:t>
+            </a:r>
+          </a:p>
+          <a:p>
+            <a:r>
+              <a:rPr lang="de-CH" dirty="0"/>
+              <a:t>Berechnungen in Threads ausführen um «Lags» zu verhindern</a:t>
+            </a:r>
+          </a:p>
+          <a:p>
+            <a:pPr marL="0" indent="0">
+              <a:spcAft>
+                <a:spcPts val="600"/>
+              </a:spcAft>
+              <a:buClr>
+                <a:srgbClr val="007CAA"/>
+              </a:buClr>
+              <a:buSzPct val="100000"/>
+              <a:buNone/>
+            </a:pPr>
+            <a:endParaRPr lang="de-CH" dirty="0"/>
+          </a:p>
+          <a:p>
+            <a:pPr marL="0" indent="0">
+              <a:buNone/>
+            </a:pPr>
+            <a:endParaRPr lang="de-CH" dirty="0"/>
+          </a:p>
+        </p:txBody>
+      </p:sp>
+      <p:sp>
+        <p:nvSpPr>
+          <p:cNvPr id="4" name="Datumsplatzhalter 3">
             <a:extLst>
               <a:ext uri="{FF2B5EF4-FFF2-40B4-BE49-F238E27FC236}">
-                <a16:creationId xmlns:a16="http://schemas.microsoft.com/office/drawing/2014/main" id="{0D381AEC-7F85-48A6-8A2C-CD36FDD1A860}"/>
+                <a16:creationId xmlns:a16="http://schemas.microsoft.com/office/drawing/2014/main" id="{B44C65DC-0B7F-4804-A5DF-1C2F9AB84B15}"/>
               </a:ext>
             </a:extLst>
           </p:cNvPr>
@@ -8796,10 +13936,10 @@
       </p:sp>
       <p:sp>
         <p:nvSpPr>
-          <p:cNvPr id="4" name="Fußzeilenplatzhalter 3">
+          <p:cNvPr id="5" name="Fußzeilenplatzhalter 4">
             <a:extLst>
               <a:ext uri="{FF2B5EF4-FFF2-40B4-BE49-F238E27FC236}">
-                <a16:creationId xmlns:a16="http://schemas.microsoft.com/office/drawing/2014/main" id="{67A4438C-AE65-4368-889B-54D68278C857}"/>
+                <a16:creationId xmlns:a16="http://schemas.microsoft.com/office/drawing/2014/main" id="{82869943-9A05-4640-9475-7A53E84C3507}"/>
               </a:ext>
             </a:extLst>
           </p:cNvPr>
@@ -8824,10 +13964,10 @@
       </p:sp>
       <p:sp>
         <p:nvSpPr>
-          <p:cNvPr id="5" name="Foliennummernplatzhalter 4">
+          <p:cNvPr id="6" name="Foliennummernplatzhalter 5">
             <a:extLst>
               <a:ext uri="{FF2B5EF4-FFF2-40B4-BE49-F238E27FC236}">
-                <a16:creationId xmlns:a16="http://schemas.microsoft.com/office/drawing/2014/main" id="{DBB5FEF5-4498-490F-BE5D-C37143E8361A}"/>
+                <a16:creationId xmlns:a16="http://schemas.microsoft.com/office/drawing/2014/main" id="{FAEF8CB2-A81F-4F40-B2C9-163B7D7473BB}"/>
               </a:ext>
             </a:extLst>
           </p:cNvPr>
@@ -8854,7 +13994,7 @@
     </p:spTree>
     <p:extLst>
       <p:ext uri="{BB962C8B-B14F-4D97-AF65-F5344CB8AC3E}">
-        <p14:creationId xmlns:p14="http://schemas.microsoft.com/office/powerpoint/2010/main" val="3701219265"/>
+        <p14:creationId xmlns:p14="http://schemas.microsoft.com/office/powerpoint/2010/main" val="2546100067"/>
       </p:ext>
     </p:extLst>
   </p:cSld>
@@ -8905,7 +14045,7 @@
         </p:spPr>
         <p:txBody>
           <a:bodyPr>
-            <a:normAutofit/>
+            <a:noAutofit/>
           </a:bodyPr>
           <a:lstStyle/>
           <a:p>
@@ -8914,26 +14054,65 @@
                 <a:latin typeface="Arial" panose="020B0604020202020204" pitchFamily="34" charset="0"/>
                 <a:cs typeface="Arial" panose="020B0604020202020204" pitchFamily="34" charset="0"/>
               </a:rPr>
-              <a:t>Softwarestruktur</a:t>
-            </a:r>
+              <a:t>Parametereingabe</a:t>
+            </a:r>
+          </a:p>
+        </p:txBody>
+      </p:sp>
+      <p:sp>
+        <p:nvSpPr>
+          <p:cNvPr id="3" name="Inhaltsplatzhalter 2">
+            <a:extLst>
+              <a:ext uri="{FF2B5EF4-FFF2-40B4-BE49-F238E27FC236}">
+                <a16:creationId xmlns:a16="http://schemas.microsoft.com/office/drawing/2014/main" id="{087CF7F0-1F3E-4360-83C5-C43A47374AC5}"/>
+              </a:ext>
+            </a:extLst>
+          </p:cNvPr>
+          <p:cNvSpPr>
+            <a:spLocks noGrp="1"/>
+          </p:cNvSpPr>
+          <p:nvPr>
+            <p:ph idx="1"/>
+          </p:nvPr>
+        </p:nvSpPr>
+        <p:spPr/>
+        <p:txBody>
+          <a:bodyPr/>
+          <a:lstStyle/>
+          <a:p>
+            <a:pPr marL="0" indent="0">
+              <a:spcAft>
+                <a:spcPts val="600"/>
+              </a:spcAft>
+              <a:buClr>
+                <a:srgbClr val="007CAA"/>
+              </a:buClr>
+              <a:buSzPct val="100000"/>
+              <a:buNone/>
+            </a:pPr>
+            <a:endParaRPr lang="de-CH" dirty="0"/>
+          </a:p>
+          <a:p>
+            <a:pPr marL="0" indent="0">
+              <a:buNone/>
+            </a:pPr>
+            <a:endParaRPr lang="de-CH" dirty="0"/>
           </a:p>
         </p:txBody>
       </p:sp>
       <p:pic>
         <p:nvPicPr>
-          <p:cNvPr id="5" name="Inhaltsplatzhalter 4">
+          <p:cNvPr id="5" name="Grafik 4">
             <a:extLst>
               <a:ext uri="{FF2B5EF4-FFF2-40B4-BE49-F238E27FC236}">
-                <a16:creationId xmlns:a16="http://schemas.microsoft.com/office/drawing/2014/main" id="{BE849776-008B-4C9C-B7AF-B4C6CB2B6584}"/>
+                <a16:creationId xmlns:a16="http://schemas.microsoft.com/office/drawing/2014/main" id="{3CA4D3E8-BC23-451D-85B5-64290764413C}"/>
               </a:ext>
             </a:extLst>
           </p:cNvPr>
           <p:cNvPicPr>
-            <a:picLocks noGrp="1" noChangeAspect="1"/>
+            <a:picLocks noChangeAspect="1"/>
           </p:cNvPicPr>
-          <p:nvPr>
-            <p:ph idx="1"/>
-          </p:nvPr>
+          <p:nvPr/>
         </p:nvPicPr>
         <p:blipFill>
           <a:blip r:embed="rId3">
@@ -8949,17 +14128,20 @@
         </p:blipFill>
         <p:spPr>
           <a:xfrm>
-            <a:off x="2798924" y="1872761"/>
-            <a:ext cx="6270389" cy="4321987"/>
+            <a:off x="2231183" y="2181572"/>
+            <a:ext cx="7729634" cy="3634768"/>
           </a:xfrm>
+          <a:prstGeom prst="rect">
+            <a:avLst/>
+          </a:prstGeom>
         </p:spPr>
       </p:pic>
       <p:sp>
         <p:nvSpPr>
-          <p:cNvPr id="3" name="Datumsplatzhalter 2">
+          <p:cNvPr id="4" name="Datumsplatzhalter 3">
             <a:extLst>
               <a:ext uri="{FF2B5EF4-FFF2-40B4-BE49-F238E27FC236}">
-                <a16:creationId xmlns:a16="http://schemas.microsoft.com/office/drawing/2014/main" id="{346A7BB0-DE88-49D7-851E-097C83BF3BCA}"/>
+                <a16:creationId xmlns:a16="http://schemas.microsoft.com/office/drawing/2014/main" id="{D9CB5B6E-8221-4F04-9C14-345EE107D095}"/>
               </a:ext>
             </a:extLst>
           </p:cNvPr>
@@ -8984,10 +14166,10 @@
       </p:sp>
       <p:sp>
         <p:nvSpPr>
-          <p:cNvPr id="4" name="Fußzeilenplatzhalter 3">
+          <p:cNvPr id="6" name="Fußzeilenplatzhalter 5">
             <a:extLst>
               <a:ext uri="{FF2B5EF4-FFF2-40B4-BE49-F238E27FC236}">
-                <a16:creationId xmlns:a16="http://schemas.microsoft.com/office/drawing/2014/main" id="{81ABF27F-FDE4-4DE3-BC0A-24E3D747A4DA}"/>
+                <a16:creationId xmlns:a16="http://schemas.microsoft.com/office/drawing/2014/main" id="{C64BA861-A233-4070-BF97-DBD6F06EC420}"/>
               </a:ext>
             </a:extLst>
           </p:cNvPr>
@@ -9012,10 +14194,10 @@
       </p:sp>
       <p:sp>
         <p:nvSpPr>
-          <p:cNvPr id="6" name="Foliennummernplatzhalter 5">
+          <p:cNvPr id="7" name="Foliennummernplatzhalter 6">
             <a:extLst>
               <a:ext uri="{FF2B5EF4-FFF2-40B4-BE49-F238E27FC236}">
-                <a16:creationId xmlns:a16="http://schemas.microsoft.com/office/drawing/2014/main" id="{6330A05C-1A58-4908-827F-FA2A97696E5C}"/>
+                <a16:creationId xmlns:a16="http://schemas.microsoft.com/office/drawing/2014/main" id="{D205FD8F-2B03-4C16-AE7E-FB05718F245F}"/>
               </a:ext>
             </a:extLst>
           </p:cNvPr>
@@ -9042,7 +14224,7 @@
     </p:spTree>
     <p:extLst>
       <p:ext uri="{BB962C8B-B14F-4D97-AF65-F5344CB8AC3E}">
-        <p14:creationId xmlns:p14="http://schemas.microsoft.com/office/powerpoint/2010/main" val="1553349631"/>
+        <p14:creationId xmlns:p14="http://schemas.microsoft.com/office/powerpoint/2010/main" val="126549446"/>
       </p:ext>
     </p:extLst>
   </p:cSld>

--- a/Präsentation/Zwischenpräsentation.pptx
+++ b/Präsentation/Zwischenpräsentation.pptx
@@ -126,6 +126,59 @@
     </p:ext>
   </p:extLst>
 </p:presentation>
+</file>
+
+<file path=ppt/revisionInfo.xml><?xml version="1.0" encoding="utf-8"?>
+<p1510:revInfo xmlns:a="http://schemas.openxmlformats.org/drawingml/2006/main" xmlns:r="http://schemas.openxmlformats.org/officeDocument/2006/relationships" xmlns:p1510="http://schemas.microsoft.com/office/powerpoint/2015/10/main">
+  <p1510:revLst>
+    <p1510:client id="{A28C6701-6061-CB44-932D-F148420474DD}" v="1" dt="2019-04-10T16:55:00.615"/>
+  </p1510:revLst>
+</p1510:revInfo>
+</file>
+
+<file path=ppt/changesInfos/changesInfo1.xml><?xml version="1.0" encoding="utf-8"?>
+<pc:chgInfo xmlns:a="http://schemas.openxmlformats.org/drawingml/2006/main" xmlns:r="http://schemas.openxmlformats.org/officeDocument/2006/relationships" xmlns:ac="http://schemas.microsoft.com/office/drawing/2013/main/command" xmlns:pc="http://schemas.microsoft.com/office/powerpoint/2013/main/command">
+  <pc:docChgLst>
+    <pc:chgData name="Niklaus Schwegler" userId="e770999b6604146b" providerId="LiveId" clId="{A28C6701-6061-CB44-932D-F148420474DD}"/>
+    <pc:docChg chg="custSel modSld">
+      <pc:chgData name="Niklaus Schwegler" userId="e770999b6604146b" providerId="LiveId" clId="{A28C6701-6061-CB44-932D-F148420474DD}" dt="2019-04-10T16:55:13.558" v="7" actId="1076"/>
+      <pc:docMkLst>
+        <pc:docMk/>
+      </pc:docMkLst>
+      <pc:sldChg chg="addSp delSp modSp">
+        <pc:chgData name="Niklaus Schwegler" userId="e770999b6604146b" providerId="LiveId" clId="{A28C6701-6061-CB44-932D-F148420474DD}" dt="2019-04-10T16:55:13.558" v="7" actId="1076"/>
+        <pc:sldMkLst>
+          <pc:docMk/>
+          <pc:sldMk cId="879266066" sldId="275"/>
+        </pc:sldMkLst>
+        <pc:spChg chg="add del mod">
+          <ac:chgData name="Niklaus Schwegler" userId="e770999b6604146b" providerId="LiveId" clId="{A28C6701-6061-CB44-932D-F148420474DD}" dt="2019-04-10T16:55:00.615" v="1"/>
+          <ac:spMkLst>
+            <pc:docMk/>
+            <pc:sldMk cId="879266066" sldId="275"/>
+            <ac:spMk id="7" creationId="{5F7A19AF-A16F-9043-9198-EE068B6D17BF}"/>
+          </ac:spMkLst>
+        </pc:spChg>
+        <pc:picChg chg="del">
+          <ac:chgData name="Niklaus Schwegler" userId="e770999b6604146b" providerId="LiveId" clId="{A28C6701-6061-CB44-932D-F148420474DD}" dt="2019-04-10T16:54:54.775" v="0" actId="478"/>
+          <ac:picMkLst>
+            <pc:docMk/>
+            <pc:sldMk cId="879266066" sldId="275"/>
+            <ac:picMk id="8" creationId="{E67C6096-93B3-4794-8966-9BFC78DB826F}"/>
+          </ac:picMkLst>
+        </pc:picChg>
+        <pc:picChg chg="add mod">
+          <ac:chgData name="Niklaus Schwegler" userId="e770999b6604146b" providerId="LiveId" clId="{A28C6701-6061-CB44-932D-F148420474DD}" dt="2019-04-10T16:55:13.558" v="7" actId="1076"/>
+          <ac:picMkLst>
+            <pc:docMk/>
+            <pc:sldMk cId="879266066" sldId="275"/>
+            <ac:picMk id="10" creationId="{4BB0A74E-D4F7-3344-AB8F-3C3317430827}"/>
+          </ac:picMkLst>
+        </pc:picChg>
+      </pc:sldChg>
+    </pc:docChg>
+  </pc:docChgLst>
+</pc:chgInfo>
 </file>
 
 <file path=ppt/diagrams/colors1.xml><?xml version="1.0" encoding="utf-8"?>
@@ -1164,8 +1217,8 @@
   </dgm:ptLst>
   <dgm:cxnLst>
     <dgm:cxn modelId="{3C02E10D-1DB6-4ED7-86B9-B22376588A12}" type="presOf" srcId="{90A31413-5276-453D-800E-EFE8C66251FC}" destId="{0EA3E28C-616F-4793-8C82-DD7DAC438DBE}" srcOrd="0" destOrd="0" presId="urn:microsoft.com/office/officeart/2009/layout/CircleArrowProcess"/>
+    <dgm:cxn modelId="{DCCB0549-54A3-4858-9E3E-AEFB3FFC3914}" type="presOf" srcId="{095D9B6B-8D64-44E3-82BD-4CBB20597E5F}" destId="{CE02E26B-995A-4E62-8797-8DC290D32A1A}" srcOrd="0" destOrd="0" presId="urn:microsoft.com/office/officeart/2009/layout/CircleArrowProcess"/>
     <dgm:cxn modelId="{46492A61-5C6E-4BD1-B611-3F0636596429}" type="presOf" srcId="{15C353FB-131D-412D-834B-E882533B5FA1}" destId="{62A27E19-74CA-473A-BA78-1AEE28F2209D}" srcOrd="0" destOrd="0" presId="urn:microsoft.com/office/officeart/2009/layout/CircleArrowProcess"/>
-    <dgm:cxn modelId="{DCCB0549-54A3-4858-9E3E-AEFB3FFC3914}" type="presOf" srcId="{095D9B6B-8D64-44E3-82BD-4CBB20597E5F}" destId="{CE02E26B-995A-4E62-8797-8DC290D32A1A}" srcOrd="0" destOrd="0" presId="urn:microsoft.com/office/officeart/2009/layout/CircleArrowProcess"/>
     <dgm:cxn modelId="{CAA5F36B-97F5-41FC-AF72-7A7811DD8881}" type="presOf" srcId="{2AECB3B4-72B7-452D-B8DD-C84063281253}" destId="{083F8748-2809-4D80-91B7-A2E3DABCCF19}" srcOrd="0" destOrd="0" presId="urn:microsoft.com/office/officeart/2009/layout/CircleArrowProcess"/>
     <dgm:cxn modelId="{5B259375-DA65-4444-A57B-193E4B43971A}" srcId="{90A31413-5276-453D-800E-EFE8C66251FC}" destId="{2AECB3B4-72B7-452D-B8DD-C84063281253}" srcOrd="0" destOrd="0" parTransId="{BA164270-2624-48D9-B095-65FD23650424}" sibTransId="{7ED50094-743B-4A0B-A98F-7C822468E6DE}"/>
     <dgm:cxn modelId="{0B8DBF80-6703-472B-B8FE-569CB69EA6DF}" srcId="{90A31413-5276-453D-800E-EFE8C66251FC}" destId="{095D9B6B-8D64-44E3-82BD-4CBB20597E5F}" srcOrd="1" destOrd="0" parTransId="{0087D500-8E69-4E0D-AA78-1F879D3547BB}" sibTransId="{8CE4E0E6-7872-4A36-AADA-ADC706A5F269}"/>
@@ -4866,7 +4919,7 @@
           <a:p>
             <a:fld id="{082AF0A2-73D9-4858-851E-F8063A45314E}" type="datetimeFigureOut">
               <a:rPr lang="de-DE" smtClean="0"/>
-              <a:t>10.04.2019</a:t>
+              <a:t>10.04.19</a:t>
             </a:fld>
             <a:endParaRPr lang="de-DE"/>
           </a:p>
@@ -13107,12 +13160,97 @@
           </a:p>
         </p:txBody>
       </p:sp>
+      <p:sp>
+        <p:nvSpPr>
+          <p:cNvPr id="4" name="Datumsplatzhalter 3">
+            <a:extLst>
+              <a:ext uri="{FF2B5EF4-FFF2-40B4-BE49-F238E27FC236}">
+                <a16:creationId xmlns:a16="http://schemas.microsoft.com/office/drawing/2014/main" id="{2246BFC4-68E7-471B-91A9-A28771B7AAE4}"/>
+              </a:ext>
+            </a:extLst>
+          </p:cNvPr>
+          <p:cNvSpPr>
+            <a:spLocks noGrp="1"/>
+          </p:cNvSpPr>
+          <p:nvPr>
+            <p:ph type="dt" sz="half" idx="10"/>
+          </p:nvPr>
+        </p:nvSpPr>
+        <p:spPr/>
+        <p:txBody>
+          <a:bodyPr/>
+          <a:lstStyle/>
+          <a:p>
+            <a:r>
+              <a:rPr lang="de-CH"/>
+              <a:t>11.04.2019</a:t>
+            </a:r>
+          </a:p>
+        </p:txBody>
+      </p:sp>
+      <p:sp>
+        <p:nvSpPr>
+          <p:cNvPr id="5" name="Fußzeilenplatzhalter 4">
+            <a:extLst>
+              <a:ext uri="{FF2B5EF4-FFF2-40B4-BE49-F238E27FC236}">
+                <a16:creationId xmlns:a16="http://schemas.microsoft.com/office/drawing/2014/main" id="{D24C1F53-2EFF-4930-8F1F-210833E0C878}"/>
+              </a:ext>
+            </a:extLst>
+          </p:cNvPr>
+          <p:cNvSpPr>
+            <a:spLocks noGrp="1"/>
+          </p:cNvSpPr>
+          <p:nvPr>
+            <p:ph type="ftr" sz="quarter" idx="11"/>
+          </p:nvPr>
+        </p:nvSpPr>
+        <p:spPr/>
+        <p:txBody>
+          <a:bodyPr/>
+          <a:lstStyle/>
+          <a:p>
+            <a:r>
+              <a:rPr lang="de-CH"/>
+              <a:t>Gruppe 1</a:t>
+            </a:r>
+          </a:p>
+        </p:txBody>
+      </p:sp>
+      <p:sp>
+        <p:nvSpPr>
+          <p:cNvPr id="6" name="Foliennummernplatzhalter 5">
+            <a:extLst>
+              <a:ext uri="{FF2B5EF4-FFF2-40B4-BE49-F238E27FC236}">
+                <a16:creationId xmlns:a16="http://schemas.microsoft.com/office/drawing/2014/main" id="{20706644-47D9-4BF3-A200-CB2CD2EF6864}"/>
+              </a:ext>
+            </a:extLst>
+          </p:cNvPr>
+          <p:cNvSpPr>
+            <a:spLocks noGrp="1"/>
+          </p:cNvSpPr>
+          <p:nvPr>
+            <p:ph type="sldNum" sz="quarter" idx="12"/>
+          </p:nvPr>
+        </p:nvSpPr>
+        <p:spPr/>
+        <p:txBody>
+          <a:bodyPr/>
+          <a:lstStyle/>
+          <a:p>
+            <a:fld id="{67DE59EB-AC61-4D10-8801-60733011B4E4}" type="slidenum">
+              <a:rPr lang="de-CH" smtClean="0"/>
+              <a:t>4</a:t>
+            </a:fld>
+            <a:endParaRPr lang="de-CH"/>
+          </a:p>
+        </p:txBody>
+      </p:sp>
       <p:pic>
         <p:nvPicPr>
-          <p:cNvPr id="8" name="Inhaltsplatzhalter 7">
+          <p:cNvPr id="10" name="Inhaltsplatzhalter 9" descr="Ein Bild, das Screenshot enthält.&#10;&#10;Automatisch generierte Beschreibung">
             <a:extLst>
               <a:ext uri="{FF2B5EF4-FFF2-40B4-BE49-F238E27FC236}">
-                <a16:creationId xmlns:a16="http://schemas.microsoft.com/office/drawing/2014/main" id="{E67C6096-93B3-4794-8966-9BFC78DB826F}"/>
+                <a16:creationId xmlns:a16="http://schemas.microsoft.com/office/drawing/2014/main" id="{4BB0A74E-D4F7-3344-AB8F-3C3317430827}"/>
               </a:ext>
             </a:extLst>
           </p:cNvPr>
@@ -13137,96 +13275,11 @@
         </p:blipFill>
         <p:spPr>
           <a:xfrm>
-            <a:off x="1096963" y="2017973"/>
-            <a:ext cx="10058400" cy="3679305"/>
+            <a:off x="1291453" y="2570805"/>
+            <a:ext cx="9609093" cy="2801295"/>
           </a:xfrm>
         </p:spPr>
       </p:pic>
-      <p:sp>
-        <p:nvSpPr>
-          <p:cNvPr id="4" name="Datumsplatzhalter 3">
-            <a:extLst>
-              <a:ext uri="{FF2B5EF4-FFF2-40B4-BE49-F238E27FC236}">
-                <a16:creationId xmlns:a16="http://schemas.microsoft.com/office/drawing/2014/main" id="{2246BFC4-68E7-471B-91A9-A28771B7AAE4}"/>
-              </a:ext>
-            </a:extLst>
-          </p:cNvPr>
-          <p:cNvSpPr>
-            <a:spLocks noGrp="1"/>
-          </p:cNvSpPr>
-          <p:nvPr>
-            <p:ph type="dt" sz="half" idx="10"/>
-          </p:nvPr>
-        </p:nvSpPr>
-        <p:spPr/>
-        <p:txBody>
-          <a:bodyPr/>
-          <a:lstStyle/>
-          <a:p>
-            <a:r>
-              <a:rPr lang="de-CH"/>
-              <a:t>11.04.2019</a:t>
-            </a:r>
-          </a:p>
-        </p:txBody>
-      </p:sp>
-      <p:sp>
-        <p:nvSpPr>
-          <p:cNvPr id="5" name="Fußzeilenplatzhalter 4">
-            <a:extLst>
-              <a:ext uri="{FF2B5EF4-FFF2-40B4-BE49-F238E27FC236}">
-                <a16:creationId xmlns:a16="http://schemas.microsoft.com/office/drawing/2014/main" id="{D24C1F53-2EFF-4930-8F1F-210833E0C878}"/>
-              </a:ext>
-            </a:extLst>
-          </p:cNvPr>
-          <p:cNvSpPr>
-            <a:spLocks noGrp="1"/>
-          </p:cNvSpPr>
-          <p:nvPr>
-            <p:ph type="ftr" sz="quarter" idx="11"/>
-          </p:nvPr>
-        </p:nvSpPr>
-        <p:spPr/>
-        <p:txBody>
-          <a:bodyPr/>
-          <a:lstStyle/>
-          <a:p>
-            <a:r>
-              <a:rPr lang="de-CH"/>
-              <a:t>Gruppe 1</a:t>
-            </a:r>
-          </a:p>
-        </p:txBody>
-      </p:sp>
-      <p:sp>
-        <p:nvSpPr>
-          <p:cNvPr id="6" name="Foliennummernplatzhalter 5">
-            <a:extLst>
-              <a:ext uri="{FF2B5EF4-FFF2-40B4-BE49-F238E27FC236}">
-                <a16:creationId xmlns:a16="http://schemas.microsoft.com/office/drawing/2014/main" id="{20706644-47D9-4BF3-A200-CB2CD2EF6864}"/>
-              </a:ext>
-            </a:extLst>
-          </p:cNvPr>
-          <p:cNvSpPr>
-            <a:spLocks noGrp="1"/>
-          </p:cNvSpPr>
-          <p:nvPr>
-            <p:ph type="sldNum" sz="quarter" idx="12"/>
-          </p:nvPr>
-        </p:nvSpPr>
-        <p:spPr/>
-        <p:txBody>
-          <a:bodyPr/>
-          <a:lstStyle/>
-          <a:p>
-            <a:fld id="{67DE59EB-AC61-4D10-8801-60733011B4E4}" type="slidenum">
-              <a:rPr lang="de-CH" smtClean="0"/>
-              <a:t>4</a:t>
-            </a:fld>
-            <a:endParaRPr lang="de-CH"/>
-          </a:p>
-        </p:txBody>
-      </p:sp>
     </p:spTree>
     <p:extLst>
       <p:ext uri="{BB962C8B-B14F-4D97-AF65-F5344CB8AC3E}">

--- a/Präsentation/Zwischenpräsentation.pptx
+++ b/Präsentation/Zwischenpräsentation.pptx
@@ -131,7 +131,7 @@
 <file path=ppt/revisionInfo.xml><?xml version="1.0" encoding="utf-8"?>
 <p1510:revInfo xmlns:a="http://schemas.openxmlformats.org/drawingml/2006/main" xmlns:r="http://schemas.openxmlformats.org/officeDocument/2006/relationships" xmlns:p1510="http://schemas.microsoft.com/office/powerpoint/2015/10/main">
   <p1510:revLst>
-    <p1510:client id="{A28C6701-6061-CB44-932D-F148420474DD}" v="1" dt="2019-04-10T16:55:00.615"/>
+    <p1510:client id="{A28C6701-6061-CB44-932D-F148420474DD}" v="5" dt="2019-04-11T09:03:22.816"/>
   </p1510:revLst>
 </p1510:revInfo>
 </file>
@@ -141,10 +141,87 @@
   <pc:docChgLst>
     <pc:chgData name="Niklaus Schwegler" userId="e770999b6604146b" providerId="LiveId" clId="{A28C6701-6061-CB44-932D-F148420474DD}"/>
     <pc:docChg chg="custSel modSld">
-      <pc:chgData name="Niklaus Schwegler" userId="e770999b6604146b" providerId="LiveId" clId="{A28C6701-6061-CB44-932D-F148420474DD}" dt="2019-04-10T16:55:13.558" v="7" actId="1076"/>
+      <pc:chgData name="Niklaus Schwegler" userId="e770999b6604146b" providerId="LiveId" clId="{A28C6701-6061-CB44-932D-F148420474DD}" dt="2019-04-11T09:05:42.533" v="32" actId="478"/>
       <pc:docMkLst>
         <pc:docMk/>
       </pc:docMkLst>
+      <pc:sldChg chg="addSp modSp">
+        <pc:chgData name="Niklaus Schwegler" userId="e770999b6604146b" providerId="LiveId" clId="{A28C6701-6061-CB44-932D-F148420474DD}" dt="2019-04-11T09:00:38.412" v="14" actId="1076"/>
+        <pc:sldMkLst>
+          <pc:docMk/>
+          <pc:sldMk cId="303402650" sldId="256"/>
+        </pc:sldMkLst>
+        <pc:picChg chg="add mod">
+          <ac:chgData name="Niklaus Schwegler" userId="e770999b6604146b" providerId="LiveId" clId="{A28C6701-6061-CB44-932D-F148420474DD}" dt="2019-04-11T08:58:58.454" v="9" actId="1076"/>
+          <ac:picMkLst>
+            <pc:docMk/>
+            <pc:sldMk cId="303402650" sldId="256"/>
+            <ac:picMk id="4" creationId="{1EEFF681-2EFD-8947-823B-3F3078047811}"/>
+          </ac:picMkLst>
+        </pc:picChg>
+        <pc:picChg chg="mod">
+          <ac:chgData name="Niklaus Schwegler" userId="e770999b6604146b" providerId="LiveId" clId="{A28C6701-6061-CB44-932D-F148420474DD}" dt="2019-04-11T09:00:38.412" v="14" actId="1076"/>
+          <ac:picMkLst>
+            <pc:docMk/>
+            <pc:sldMk cId="303402650" sldId="256"/>
+            <ac:picMk id="5" creationId="{CA7C0E0E-F9B8-43E8-A022-087C27AEBA3E}"/>
+          </ac:picMkLst>
+        </pc:picChg>
+        <pc:picChg chg="add mod">
+          <ac:chgData name="Niklaus Schwegler" userId="e770999b6604146b" providerId="LiveId" clId="{A28C6701-6061-CB44-932D-F148420474DD}" dt="2019-04-11T09:00:30.386" v="13" actId="1076"/>
+          <ac:picMkLst>
+            <pc:docMk/>
+            <pc:sldMk cId="303402650" sldId="256"/>
+            <ac:picMk id="9" creationId="{C6ABA4CA-93C5-2042-9D27-784C55442B4E}"/>
+          </ac:picMkLst>
+        </pc:picChg>
+      </pc:sldChg>
+      <pc:sldChg chg="delSp">
+        <pc:chgData name="Niklaus Schwegler" userId="e770999b6604146b" providerId="LiveId" clId="{A28C6701-6061-CB44-932D-F148420474DD}" dt="2019-04-11T09:05:42.533" v="32" actId="478"/>
+        <pc:sldMkLst>
+          <pc:docMk/>
+          <pc:sldMk cId="3919693850" sldId="261"/>
+        </pc:sldMkLst>
+        <pc:spChg chg="del">
+          <ac:chgData name="Niklaus Schwegler" userId="e770999b6604146b" providerId="LiveId" clId="{A28C6701-6061-CB44-932D-F148420474DD}" dt="2019-04-11T09:05:42.533" v="32" actId="478"/>
+          <ac:spMkLst>
+            <pc:docMk/>
+            <pc:sldMk cId="3919693850" sldId="261"/>
+            <ac:spMk id="6" creationId="{690A17AA-8380-485F-AD39-D21C570F8400}"/>
+          </ac:spMkLst>
+        </pc:spChg>
+      </pc:sldChg>
+      <pc:sldChg chg="addSp modSp">
+        <pc:chgData name="Niklaus Schwegler" userId="e770999b6604146b" providerId="LiveId" clId="{A28C6701-6061-CB44-932D-F148420474DD}" dt="2019-04-11T09:03:36.800" v="31" actId="1076"/>
+        <pc:sldMkLst>
+          <pc:docMk/>
+          <pc:sldMk cId="450313879" sldId="266"/>
+        </pc:sldMkLst>
+        <pc:spChg chg="mod">
+          <ac:chgData name="Niklaus Schwegler" userId="e770999b6604146b" providerId="LiveId" clId="{A28C6701-6061-CB44-932D-F148420474DD}" dt="2019-04-11T09:02:27.273" v="22" actId="20577"/>
+          <ac:spMkLst>
+            <pc:docMk/>
+            <pc:sldMk cId="450313879" sldId="266"/>
+            <ac:spMk id="3" creationId="{087CF7F0-1F3E-4360-83C5-C43A47374AC5}"/>
+          </ac:spMkLst>
+        </pc:spChg>
+        <pc:picChg chg="add mod">
+          <ac:chgData name="Niklaus Schwegler" userId="e770999b6604146b" providerId="LiveId" clId="{A28C6701-6061-CB44-932D-F148420474DD}" dt="2019-04-11T09:03:36.800" v="31" actId="1076"/>
+          <ac:picMkLst>
+            <pc:docMk/>
+            <pc:sldMk cId="450313879" sldId="266"/>
+            <ac:picMk id="8" creationId="{A2AC05F8-6111-914C-B000-3A8A3D92C40A}"/>
+          </ac:picMkLst>
+        </pc:picChg>
+        <pc:picChg chg="add mod">
+          <ac:chgData name="Niklaus Schwegler" userId="e770999b6604146b" providerId="LiveId" clId="{A28C6701-6061-CB44-932D-F148420474DD}" dt="2019-04-11T09:03:31.026" v="30" actId="1076"/>
+          <ac:picMkLst>
+            <pc:docMk/>
+            <pc:sldMk cId="450313879" sldId="266"/>
+            <ac:picMk id="10" creationId="{A28432E3-20E7-CE41-A89F-A350F60B6BEF}"/>
+          </ac:picMkLst>
+        </pc:picChg>
+      </pc:sldChg>
       <pc:sldChg chg="addSp delSp modSp">
         <pc:chgData name="Niklaus Schwegler" userId="e770999b6604146b" providerId="LiveId" clId="{A28C6701-6061-CB44-932D-F148420474DD}" dt="2019-04-10T16:55:13.558" v="7" actId="1076"/>
         <pc:sldMkLst>
@@ -4919,7 +4996,7 @@
           <a:p>
             <a:fld id="{082AF0A2-73D9-4858-851E-F8063A45314E}" type="datetimeFigureOut">
               <a:rPr lang="de-DE" smtClean="0"/>
-              <a:t>10.04.19</a:t>
+              <a:t>11.04.19</a:t>
             </a:fld>
             <a:endParaRPr lang="de-DE"/>
           </a:p>
@@ -10456,7 +10533,7 @@
         </p:blipFill>
         <p:spPr>
           <a:xfrm>
-            <a:off x="3016466" y="2142678"/>
+            <a:off x="3362083" y="2093689"/>
             <a:ext cx="5429439" cy="3628931"/>
           </a:xfrm>
           <a:prstGeom prst="rect">
@@ -10538,6 +10615,78 @@
           </a:p>
         </p:txBody>
       </p:sp>
+      <p:pic>
+        <p:nvPicPr>
+          <p:cNvPr id="4" name="Grafik 3">
+            <a:extLst>
+              <a:ext uri="{FF2B5EF4-FFF2-40B4-BE49-F238E27FC236}">
+                <a16:creationId xmlns:a16="http://schemas.microsoft.com/office/drawing/2014/main" id="{1EEFF681-2EFD-8947-823B-3F3078047811}"/>
+              </a:ext>
+            </a:extLst>
+          </p:cNvPr>
+          <p:cNvPicPr>
+            <a:picLocks noChangeAspect="1"/>
+          </p:cNvPicPr>
+          <p:nvPr/>
+        </p:nvPicPr>
+        <p:blipFill>
+          <a:blip r:embed="rId4">
+            <a:extLst>
+              <a:ext uri="{28A0092B-C50C-407E-A947-70E740481C1C}">
+                <a14:useLocalDpi xmlns:a14="http://schemas.microsoft.com/office/drawing/2010/main" val="0"/>
+              </a:ext>
+            </a:extLst>
+          </a:blip>
+          <a:stretch>
+            <a:fillRect/>
+          </a:stretch>
+        </p:blipFill>
+        <p:spPr>
+          <a:xfrm>
+            <a:off x="9300862" y="4945117"/>
+            <a:ext cx="2413000" cy="1143000"/>
+          </a:xfrm>
+          <a:prstGeom prst="rect">
+            <a:avLst/>
+          </a:prstGeom>
+        </p:spPr>
+      </p:pic>
+      <p:pic>
+        <p:nvPicPr>
+          <p:cNvPr id="9" name="Grafik 8">
+            <a:extLst>
+              <a:ext uri="{FF2B5EF4-FFF2-40B4-BE49-F238E27FC236}">
+                <a16:creationId xmlns:a16="http://schemas.microsoft.com/office/drawing/2014/main" id="{C6ABA4CA-93C5-2042-9D27-784C55442B4E}"/>
+              </a:ext>
+            </a:extLst>
+          </p:cNvPr>
+          <p:cNvPicPr>
+            <a:picLocks noChangeAspect="1"/>
+          </p:cNvPicPr>
+          <p:nvPr/>
+        </p:nvPicPr>
+        <p:blipFill>
+          <a:blip r:embed="rId5">
+            <a:extLst>
+              <a:ext uri="{28A0092B-C50C-407E-A947-70E740481C1C}">
+                <a14:useLocalDpi xmlns:a14="http://schemas.microsoft.com/office/drawing/2010/main" val="0"/>
+              </a:ext>
+            </a:extLst>
+          </a:blip>
+          <a:stretch>
+            <a:fillRect/>
+          </a:stretch>
+        </p:blipFill>
+        <p:spPr>
+          <a:xfrm>
+            <a:off x="163751" y="5310613"/>
+            <a:ext cx="2692760" cy="412007"/>
+          </a:xfrm>
+          <a:prstGeom prst="rect">
+            <a:avLst/>
+          </a:prstGeom>
+        </p:spPr>
+      </p:pic>
     </p:spTree>
     <p:extLst>
       <p:ext uri="{BB962C8B-B14F-4D97-AF65-F5344CB8AC3E}">
@@ -12596,31 +12745,6 @@
       </p:sp>
       <p:sp>
         <p:nvSpPr>
-          <p:cNvPr id="6" name="Inhaltsplatzhalter 5">
-            <a:extLst>
-              <a:ext uri="{FF2B5EF4-FFF2-40B4-BE49-F238E27FC236}">
-                <a16:creationId xmlns:a16="http://schemas.microsoft.com/office/drawing/2014/main" id="{690A17AA-8380-485F-AD39-D21C570F8400}"/>
-              </a:ext>
-            </a:extLst>
-          </p:cNvPr>
-          <p:cNvSpPr>
-            <a:spLocks noGrp="1"/>
-          </p:cNvSpPr>
-          <p:nvPr>
-            <p:ph idx="1"/>
-          </p:nvPr>
-        </p:nvSpPr>
-        <p:spPr/>
-        <p:txBody>
-          <a:bodyPr/>
-          <a:lstStyle/>
-          <a:p>
-            <a:endParaRPr lang="de-DE" dirty="0"/>
-          </a:p>
-        </p:txBody>
-      </p:sp>
-      <p:sp>
-        <p:nvSpPr>
           <p:cNvPr id="3" name="Datumsplatzhalter 2">
             <a:extLst>
               <a:ext uri="{FF2B5EF4-FFF2-40B4-BE49-F238E27FC236}">
@@ -13004,10 +13128,7 @@
           <a:bodyPr/>
           <a:lstStyle/>
           <a:p>
-            <a:r>
-              <a:rPr lang="de-CH" dirty="0"/>
-              <a:t>TODO Nik</a:t>
-            </a:r>
+            <a:endParaRPr lang="de-CH" dirty="0"/>
           </a:p>
           <a:p>
             <a:pPr marL="0" indent="0">
@@ -13102,6 +13223,78 @@
           </a:p>
         </p:txBody>
       </p:sp>
+      <p:pic>
+        <p:nvPicPr>
+          <p:cNvPr id="8" name="Grafik 7">
+            <a:extLst>
+              <a:ext uri="{FF2B5EF4-FFF2-40B4-BE49-F238E27FC236}">
+                <a16:creationId xmlns:a16="http://schemas.microsoft.com/office/drawing/2014/main" id="{A2AC05F8-6111-914C-B000-3A8A3D92C40A}"/>
+              </a:ext>
+            </a:extLst>
+          </p:cNvPr>
+          <p:cNvPicPr>
+            <a:picLocks noChangeAspect="1"/>
+          </p:cNvPicPr>
+          <p:nvPr/>
+        </p:nvPicPr>
+        <p:blipFill>
+          <a:blip r:embed="rId3">
+            <a:extLst>
+              <a:ext uri="{28A0092B-C50C-407E-A947-70E740481C1C}">
+                <a14:useLocalDpi xmlns:a14="http://schemas.microsoft.com/office/drawing/2010/main" val="0"/>
+              </a:ext>
+            </a:extLst>
+          </a:blip>
+          <a:stretch>
+            <a:fillRect/>
+          </a:stretch>
+        </p:blipFill>
+        <p:spPr>
+          <a:xfrm>
+            <a:off x="2105665" y="2048778"/>
+            <a:ext cx="3147135" cy="3617269"/>
+          </a:xfrm>
+          <a:prstGeom prst="rect">
+            <a:avLst/>
+          </a:prstGeom>
+        </p:spPr>
+      </p:pic>
+      <p:pic>
+        <p:nvPicPr>
+          <p:cNvPr id="10" name="Grafik 9">
+            <a:extLst>
+              <a:ext uri="{FF2B5EF4-FFF2-40B4-BE49-F238E27FC236}">
+                <a16:creationId xmlns:a16="http://schemas.microsoft.com/office/drawing/2014/main" id="{A28432E3-20E7-CE41-A89F-A350F60B6BEF}"/>
+              </a:ext>
+            </a:extLst>
+          </p:cNvPr>
+          <p:cNvPicPr>
+            <a:picLocks noChangeAspect="1"/>
+          </p:cNvPicPr>
+          <p:nvPr/>
+        </p:nvPicPr>
+        <p:blipFill>
+          <a:blip r:embed="rId4">
+            <a:extLst>
+              <a:ext uri="{28A0092B-C50C-407E-A947-70E740481C1C}">
+                <a14:useLocalDpi xmlns:a14="http://schemas.microsoft.com/office/drawing/2010/main" val="0"/>
+              </a:ext>
+            </a:extLst>
+          </a:blip>
+          <a:stretch>
+            <a:fillRect/>
+          </a:stretch>
+        </p:blipFill>
+        <p:spPr>
+          <a:xfrm>
+            <a:off x="6939201" y="2048778"/>
+            <a:ext cx="3617269" cy="3617269"/>
+          </a:xfrm>
+          <a:prstGeom prst="rect">
+            <a:avLst/>
+          </a:prstGeom>
+        </p:spPr>
+      </p:pic>
     </p:spTree>
     <p:extLst>
       <p:ext uri="{BB962C8B-B14F-4D97-AF65-F5344CB8AC3E}">
